--- a/aula.pptx
+++ b/aula.pptx
@@ -6,6 +6,48 @@
   </p:sldMasterIdLst>
   <p:sldIdLst>
     <p:sldId id="256" r:id="rId2"/>
+    <p:sldId id="257" r:id="rId3"/>
+    <p:sldId id="260" r:id="rId4"/>
+    <p:sldId id="261" r:id="rId5"/>
+    <p:sldId id="262" r:id="rId6"/>
+    <p:sldId id="258" r:id="rId7"/>
+    <p:sldId id="263" r:id="rId8"/>
+    <p:sldId id="264" r:id="rId9"/>
+    <p:sldId id="265" r:id="rId10"/>
+    <p:sldId id="267" r:id="rId11"/>
+    <p:sldId id="268" r:id="rId12"/>
+    <p:sldId id="269" r:id="rId13"/>
+    <p:sldId id="270" r:id="rId14"/>
+    <p:sldId id="272" r:id="rId15"/>
+    <p:sldId id="271" r:id="rId16"/>
+    <p:sldId id="273" r:id="rId17"/>
+    <p:sldId id="274" r:id="rId18"/>
+    <p:sldId id="293" r:id="rId19"/>
+    <p:sldId id="275" r:id="rId20"/>
+    <p:sldId id="294" r:id="rId21"/>
+    <p:sldId id="298" r:id="rId22"/>
+    <p:sldId id="299" r:id="rId23"/>
+    <p:sldId id="301" r:id="rId24"/>
+    <p:sldId id="300" r:id="rId25"/>
+    <p:sldId id="276" r:id="rId26"/>
+    <p:sldId id="277" r:id="rId27"/>
+    <p:sldId id="279" r:id="rId28"/>
+    <p:sldId id="287" r:id="rId29"/>
+    <p:sldId id="278" r:id="rId30"/>
+    <p:sldId id="280" r:id="rId31"/>
+    <p:sldId id="281" r:id="rId32"/>
+    <p:sldId id="288" r:id="rId33"/>
+    <p:sldId id="283" r:id="rId34"/>
+    <p:sldId id="284" r:id="rId35"/>
+    <p:sldId id="286" r:id="rId36"/>
+    <p:sldId id="285" r:id="rId37"/>
+    <p:sldId id="289" r:id="rId38"/>
+    <p:sldId id="290" r:id="rId39"/>
+    <p:sldId id="291" r:id="rId40"/>
+    <p:sldId id="292" r:id="rId41"/>
+    <p:sldId id="295" r:id="rId42"/>
+    <p:sldId id="296" r:id="rId43"/>
+    <p:sldId id="297" r:id="rId44"/>
   </p:sldIdLst>
   <p:sldSz cx="9144000" cy="6858000" type="screen4x3"/>
   <p:notesSz cx="6858000" cy="9144000"/>
@@ -104,6 +146,11 @@
       </a:defRPr>
     </a:lvl9pPr>
   </p:defaultTextStyle>
+  <p:extLst>
+    <p:ext uri="{EFAFB233-063F-42B5-8137-9DF3F51BA10A}">
+      <p15:sldGuideLst xmlns:p15="http://schemas.microsoft.com/office/powerpoint/2012/main"/>
+    </p:ext>
+  </p:extLst>
 </p:presentation>
 </file>
 
@@ -3046,6 +3093,9279 @@
 </p:sld>
 </file>
 
+<file path=ppt/slides/slide10.xml><?xml version="1.0" encoding="utf-8"?>
+<p:sld xmlns:a="http://schemas.openxmlformats.org/drawingml/2006/main" xmlns:r="http://schemas.openxmlformats.org/officeDocument/2006/relationships" xmlns:p="http://schemas.openxmlformats.org/presentationml/2006/main">
+  <p:cSld>
+    <p:spTree>
+      <p:nvGrpSpPr>
+        <p:cNvPr id="1" name=""/>
+        <p:cNvGrpSpPr/>
+        <p:nvPr/>
+      </p:nvGrpSpPr>
+      <p:grpSpPr>
+        <a:xfrm>
+          <a:off x="0" y="0"/>
+          <a:ext cx="0" cy="0"/>
+          <a:chOff x="0" y="0"/>
+          <a:chExt cx="0" cy="0"/>
+        </a:xfrm>
+      </p:grpSpPr>
+      <p:sp>
+        <p:nvSpPr>
+          <p:cNvPr id="2" name="Título 1"/>
+          <p:cNvSpPr>
+            <a:spLocks noGrp="1"/>
+          </p:cNvSpPr>
+          <p:nvPr>
+            <p:ph type="title"/>
+          </p:nvPr>
+        </p:nvSpPr>
+        <p:spPr/>
+        <p:txBody>
+          <a:bodyPr/>
+          <a:lstStyle/>
+          <a:p>
+            <a:r>
+              <a:rPr lang="pt-BR" dirty="0" smtClean="0"/>
+              <a:t>Visão geral</a:t>
+            </a:r>
+            <a:endParaRPr lang="pt-BR" dirty="0"/>
+          </a:p>
+        </p:txBody>
+      </p:sp>
+      <p:sp>
+        <p:nvSpPr>
+          <p:cNvPr id="3" name="Espaço Reservado para Conteúdo 2"/>
+          <p:cNvSpPr>
+            <a:spLocks noGrp="1"/>
+          </p:cNvSpPr>
+          <p:nvPr>
+            <p:ph idx="1"/>
+          </p:nvPr>
+        </p:nvSpPr>
+        <p:spPr/>
+        <p:txBody>
+          <a:bodyPr/>
+          <a:lstStyle/>
+          <a:p>
+            <a:r>
+              <a:rPr lang="pt-BR" sz="3200" dirty="0" smtClean="0"/>
+              <a:t>Python é uma linguagem interpretada pelo interpretador Python em tempo de execução</a:t>
+            </a:r>
+          </a:p>
+          <a:p>
+            <a:r>
+              <a:rPr lang="pt-BR" sz="3200" dirty="0" smtClean="0"/>
+              <a:t>O programador pode interagir com o interpretador</a:t>
+            </a:r>
+          </a:p>
+          <a:p>
+            <a:r>
+              <a:rPr lang="pt-BR" sz="3200" dirty="0" smtClean="0"/>
+              <a:t>Python é uma linguagem orientada a objetos</a:t>
+            </a:r>
+          </a:p>
+          <a:p>
+            <a:r>
+              <a:rPr lang="pt-BR" sz="3200" dirty="0" smtClean="0"/>
+              <a:t>Python é uma linguagem “fácil” para se aprender programação</a:t>
+            </a:r>
+          </a:p>
+          <a:p>
+            <a:r>
+              <a:rPr lang="pt-BR" sz="3200" dirty="0" smtClean="0"/>
+              <a:t>Portável e extensível</a:t>
+            </a:r>
+          </a:p>
+        </p:txBody>
+      </p:sp>
+    </p:spTree>
+    <p:extLst>
+      <p:ext uri="{BB962C8B-B14F-4D97-AF65-F5344CB8AC3E}">
+        <p14:creationId xmlns:p14="http://schemas.microsoft.com/office/powerpoint/2010/main" val="1434797947"/>
+      </p:ext>
+    </p:extLst>
+  </p:cSld>
+  <p:clrMapOvr>
+    <a:masterClrMapping/>
+  </p:clrMapOvr>
+  <p:timing>
+    <p:tnLst>
+      <p:par>
+        <p:cTn id="1" dur="indefinite" restart="never" nodeType="tmRoot"/>
+      </p:par>
+    </p:tnLst>
+  </p:timing>
+</p:sld>
+</file>
+
+<file path=ppt/slides/slide11.xml><?xml version="1.0" encoding="utf-8"?>
+<p:sld xmlns:a="http://schemas.openxmlformats.org/drawingml/2006/main" xmlns:r="http://schemas.openxmlformats.org/officeDocument/2006/relationships" xmlns:p="http://schemas.openxmlformats.org/presentationml/2006/main">
+  <p:cSld>
+    <p:spTree>
+      <p:nvGrpSpPr>
+        <p:cNvPr id="1" name=""/>
+        <p:cNvGrpSpPr/>
+        <p:nvPr/>
+      </p:nvGrpSpPr>
+      <p:grpSpPr>
+        <a:xfrm>
+          <a:off x="0" y="0"/>
+          <a:ext cx="0" cy="0"/>
+          <a:chOff x="0" y="0"/>
+          <a:chExt cx="0" cy="0"/>
+        </a:xfrm>
+      </p:grpSpPr>
+      <p:sp>
+        <p:nvSpPr>
+          <p:cNvPr id="2" name="Título 1"/>
+          <p:cNvSpPr>
+            <a:spLocks noGrp="1"/>
+          </p:cNvSpPr>
+          <p:nvPr>
+            <p:ph type="title"/>
+          </p:nvPr>
+        </p:nvSpPr>
+        <p:spPr/>
+        <p:txBody>
+          <a:bodyPr/>
+          <a:lstStyle/>
+          <a:p>
+            <a:r>
+              <a:rPr lang="pt-BR" dirty="0" smtClean="0"/>
+              <a:t>Visão geral</a:t>
+            </a:r>
+            <a:endParaRPr lang="pt-BR" dirty="0"/>
+          </a:p>
+        </p:txBody>
+      </p:sp>
+      <p:sp>
+        <p:nvSpPr>
+          <p:cNvPr id="3" name="Espaço Reservado para Conteúdo 2"/>
+          <p:cNvSpPr>
+            <a:spLocks noGrp="1"/>
+          </p:cNvSpPr>
+          <p:nvPr>
+            <p:ph idx="1"/>
+          </p:nvPr>
+        </p:nvSpPr>
+        <p:spPr/>
+        <p:txBody>
+          <a:bodyPr/>
+          <a:lstStyle/>
+          <a:p>
+            <a:r>
+              <a:rPr lang="pt-BR" sz="3200" dirty="0" smtClean="0"/>
+              <a:t>Python é uma linguagem interpretada pelo interpretador Python em tempo de execução</a:t>
+            </a:r>
+          </a:p>
+          <a:p>
+            <a:r>
+              <a:rPr lang="pt-BR" sz="3200" dirty="0" smtClean="0"/>
+              <a:t>O programador pode interagir com o interpretador</a:t>
+            </a:r>
+          </a:p>
+          <a:p>
+            <a:r>
+              <a:rPr lang="pt-BR" sz="3200" dirty="0" smtClean="0"/>
+              <a:t>Python é uma linguagem orientada a objetos</a:t>
+            </a:r>
+          </a:p>
+          <a:p>
+            <a:r>
+              <a:rPr lang="pt-BR" sz="3200" dirty="0" smtClean="0"/>
+              <a:t>Python é uma linguagem “fácil” para se aprender programação</a:t>
+            </a:r>
+          </a:p>
+          <a:p>
+            <a:r>
+              <a:rPr lang="pt-BR" sz="3200" dirty="0" smtClean="0"/>
+              <a:t>Portável e extensível</a:t>
+            </a:r>
+          </a:p>
+        </p:txBody>
+      </p:sp>
+    </p:spTree>
+    <p:extLst>
+      <p:ext uri="{BB962C8B-B14F-4D97-AF65-F5344CB8AC3E}">
+        <p14:creationId xmlns:p14="http://schemas.microsoft.com/office/powerpoint/2010/main" val="2127484160"/>
+      </p:ext>
+    </p:extLst>
+  </p:cSld>
+  <p:clrMapOvr>
+    <a:masterClrMapping/>
+  </p:clrMapOvr>
+  <p:timing>
+    <p:tnLst>
+      <p:par>
+        <p:cTn id="1" dur="indefinite" restart="never" nodeType="tmRoot"/>
+      </p:par>
+    </p:tnLst>
+  </p:timing>
+</p:sld>
+</file>
+
+<file path=ppt/slides/slide12.xml><?xml version="1.0" encoding="utf-8"?>
+<p:sld xmlns:a="http://schemas.openxmlformats.org/drawingml/2006/main" xmlns:r="http://schemas.openxmlformats.org/officeDocument/2006/relationships" xmlns:p="http://schemas.openxmlformats.org/presentationml/2006/main">
+  <p:cSld>
+    <p:spTree>
+      <p:nvGrpSpPr>
+        <p:cNvPr id="1" name=""/>
+        <p:cNvGrpSpPr/>
+        <p:nvPr/>
+      </p:nvGrpSpPr>
+      <p:grpSpPr>
+        <a:xfrm>
+          <a:off x="0" y="0"/>
+          <a:ext cx="0" cy="0"/>
+          <a:chOff x="0" y="0"/>
+          <a:chExt cx="0" cy="0"/>
+        </a:xfrm>
+      </p:grpSpPr>
+      <p:sp>
+        <p:nvSpPr>
+          <p:cNvPr id="2" name="Título 1"/>
+          <p:cNvSpPr>
+            <a:spLocks noGrp="1"/>
+          </p:cNvSpPr>
+          <p:nvPr>
+            <p:ph type="title"/>
+          </p:nvPr>
+        </p:nvSpPr>
+        <p:spPr/>
+        <p:txBody>
+          <a:bodyPr/>
+          <a:lstStyle/>
+          <a:p>
+            <a:r>
+              <a:rPr lang="pt-BR" dirty="0" smtClean="0"/>
+              <a:t>Cronograma</a:t>
+            </a:r>
+            <a:endParaRPr lang="pt-BR" dirty="0"/>
+          </a:p>
+        </p:txBody>
+      </p:sp>
+      <p:sp>
+        <p:nvSpPr>
+          <p:cNvPr id="3" name="Espaço Reservado para Conteúdo 2"/>
+          <p:cNvSpPr>
+            <a:spLocks noGrp="1"/>
+          </p:cNvSpPr>
+          <p:nvPr>
+            <p:ph idx="1"/>
+          </p:nvPr>
+        </p:nvSpPr>
+        <p:spPr>
+          <a:xfrm>
+            <a:off x="628650" y="1418897"/>
+            <a:ext cx="7886700" cy="5087006"/>
+          </a:xfrm>
+        </p:spPr>
+        <p:txBody>
+          <a:bodyPr>
+            <a:normAutofit fontScale="92500" lnSpcReduction="20000"/>
+          </a:bodyPr>
+          <a:lstStyle/>
+          <a:p>
+            <a:r>
+              <a:rPr lang="pt-BR" sz="4500" dirty="0" smtClean="0"/>
+              <a:t>Parte I:</a:t>
+            </a:r>
+          </a:p>
+          <a:p>
+            <a:pPr lvl="1"/>
+            <a:r>
+              <a:rPr lang="pt-BR" sz="4500" dirty="0" smtClean="0">
+                <a:solidFill>
+                  <a:schemeClr val="tx1">
+                    <a:lumMod val="50000"/>
+                    <a:lumOff val="50000"/>
+                  </a:schemeClr>
+                </a:solidFill>
+              </a:rPr>
+              <a:t>Introdução</a:t>
+            </a:r>
+          </a:p>
+          <a:p>
+            <a:pPr lvl="1"/>
+            <a:r>
+              <a:rPr lang="pt-BR" sz="4500" dirty="0" smtClean="0">
+                <a:solidFill>
+                  <a:schemeClr val="tx1">
+                    <a:lumMod val="50000"/>
+                    <a:lumOff val="50000"/>
+                  </a:schemeClr>
+                </a:solidFill>
+              </a:rPr>
+              <a:t>Visão geral</a:t>
+            </a:r>
+          </a:p>
+          <a:p>
+            <a:pPr lvl="1"/>
+            <a:r>
+              <a:rPr lang="pt-BR" sz="4500" dirty="0" smtClean="0"/>
+              <a:t>Configuração do ambiente</a:t>
+            </a:r>
+          </a:p>
+          <a:p>
+            <a:pPr lvl="1"/>
+            <a:r>
+              <a:rPr lang="pt-BR" sz="4500" dirty="0" smtClean="0">
+                <a:solidFill>
+                  <a:schemeClr val="tx1">
+                    <a:lumMod val="50000"/>
+                    <a:lumOff val="50000"/>
+                  </a:schemeClr>
+                </a:solidFill>
+              </a:rPr>
+              <a:t>Sintaxe </a:t>
+            </a:r>
+            <a:r>
+              <a:rPr lang="pt-BR" sz="4500" dirty="0">
+                <a:solidFill>
+                  <a:schemeClr val="tx1">
+                    <a:lumMod val="50000"/>
+                    <a:lumOff val="50000"/>
+                  </a:schemeClr>
+                </a:solidFill>
+              </a:rPr>
+              <a:t>básica</a:t>
+            </a:r>
+          </a:p>
+          <a:p>
+            <a:pPr lvl="1"/>
+            <a:r>
+              <a:rPr lang="pt-BR" sz="4500" dirty="0">
+                <a:solidFill>
+                  <a:schemeClr val="tx1">
+                    <a:lumMod val="50000"/>
+                    <a:lumOff val="50000"/>
+                  </a:schemeClr>
+                </a:solidFill>
+              </a:rPr>
+              <a:t>Tipos de </a:t>
+            </a:r>
+            <a:r>
+              <a:rPr lang="pt-BR" sz="4500" dirty="0" smtClean="0">
+                <a:solidFill>
+                  <a:schemeClr val="tx1">
+                    <a:lumMod val="50000"/>
+                    <a:lumOff val="50000"/>
+                  </a:schemeClr>
+                </a:solidFill>
+              </a:rPr>
+              <a:t>variáveis</a:t>
+            </a:r>
+          </a:p>
+          <a:p>
+            <a:pPr lvl="1"/>
+            <a:r>
+              <a:rPr lang="pt-BR" sz="4500" dirty="0" smtClean="0">
+                <a:solidFill>
+                  <a:schemeClr val="tx1">
+                    <a:lumMod val="50000"/>
+                    <a:lumOff val="50000"/>
+                  </a:schemeClr>
+                </a:solidFill>
+              </a:rPr>
+              <a:t>Operadores </a:t>
+            </a:r>
+            <a:r>
+              <a:rPr lang="pt-BR" sz="4500" dirty="0" smtClean="0">
+                <a:solidFill>
+                  <a:schemeClr val="tx1">
+                    <a:lumMod val="50000"/>
+                    <a:lumOff val="50000"/>
+                  </a:schemeClr>
+                </a:solidFill>
+              </a:rPr>
+              <a:t>básicos</a:t>
+            </a:r>
+          </a:p>
+          <a:p>
+            <a:pPr lvl="1"/>
+            <a:r>
+              <a:rPr lang="pt-BR" sz="4500" dirty="0" smtClean="0">
+                <a:solidFill>
+                  <a:schemeClr val="tx1">
+                    <a:lumMod val="50000"/>
+                    <a:lumOff val="50000"/>
+                  </a:schemeClr>
+                </a:solidFill>
+              </a:rPr>
+              <a:t>Operadores condicionais</a:t>
+            </a:r>
+          </a:p>
+          <a:p>
+            <a:pPr lvl="1"/>
+            <a:r>
+              <a:rPr lang="pt-BR" sz="4500" dirty="0" smtClean="0">
+                <a:solidFill>
+                  <a:schemeClr val="tx1">
+                    <a:lumMod val="50000"/>
+                    <a:lumOff val="50000"/>
+                  </a:schemeClr>
+                </a:solidFill>
+              </a:rPr>
+              <a:t>Laços de </a:t>
+            </a:r>
+            <a:r>
+              <a:rPr lang="pt-BR" sz="4500" dirty="0" smtClean="0">
+                <a:solidFill>
+                  <a:schemeClr val="tx1">
+                    <a:lumMod val="50000"/>
+                    <a:lumOff val="50000"/>
+                  </a:schemeClr>
+                </a:solidFill>
+              </a:rPr>
+              <a:t>repetição</a:t>
+            </a:r>
+            <a:endParaRPr lang="pt-BR" dirty="0"/>
+          </a:p>
+        </p:txBody>
+      </p:sp>
+    </p:spTree>
+    <p:extLst>
+      <p:ext uri="{BB962C8B-B14F-4D97-AF65-F5344CB8AC3E}">
+        <p14:creationId xmlns:p14="http://schemas.microsoft.com/office/powerpoint/2010/main" val="3845865690"/>
+      </p:ext>
+    </p:extLst>
+  </p:cSld>
+  <p:clrMapOvr>
+    <a:masterClrMapping/>
+  </p:clrMapOvr>
+  <p:timing>
+    <p:tnLst>
+      <p:par>
+        <p:cTn id="1" dur="indefinite" restart="never" nodeType="tmRoot"/>
+      </p:par>
+    </p:tnLst>
+  </p:timing>
+</p:sld>
+</file>
+
+<file path=ppt/slides/slide13.xml><?xml version="1.0" encoding="utf-8"?>
+<p:sld xmlns:a="http://schemas.openxmlformats.org/drawingml/2006/main" xmlns:r="http://schemas.openxmlformats.org/officeDocument/2006/relationships" xmlns:p="http://schemas.openxmlformats.org/presentationml/2006/main">
+  <p:cSld>
+    <p:spTree>
+      <p:nvGrpSpPr>
+        <p:cNvPr id="1" name=""/>
+        <p:cNvGrpSpPr/>
+        <p:nvPr/>
+      </p:nvGrpSpPr>
+      <p:grpSpPr>
+        <a:xfrm>
+          <a:off x="0" y="0"/>
+          <a:ext cx="0" cy="0"/>
+          <a:chOff x="0" y="0"/>
+          <a:chExt cx="0" cy="0"/>
+        </a:xfrm>
+      </p:grpSpPr>
+      <p:sp>
+        <p:nvSpPr>
+          <p:cNvPr id="2" name="Título 1"/>
+          <p:cNvSpPr>
+            <a:spLocks noGrp="1"/>
+          </p:cNvSpPr>
+          <p:nvPr>
+            <p:ph type="title"/>
+          </p:nvPr>
+        </p:nvSpPr>
+        <p:spPr/>
+        <p:txBody>
+          <a:bodyPr/>
+          <a:lstStyle/>
+          <a:p>
+            <a:r>
+              <a:rPr lang="pt-BR" dirty="0" smtClean="0"/>
+              <a:t>Configuração do ambiente</a:t>
+            </a:r>
+            <a:endParaRPr lang="pt-BR" dirty="0"/>
+          </a:p>
+        </p:txBody>
+      </p:sp>
+      <p:sp>
+        <p:nvSpPr>
+          <p:cNvPr id="3" name="Espaço Reservado para Conteúdo 2"/>
+          <p:cNvSpPr>
+            <a:spLocks noGrp="1"/>
+          </p:cNvSpPr>
+          <p:nvPr>
+            <p:ph idx="1"/>
+          </p:nvPr>
+        </p:nvSpPr>
+        <p:spPr/>
+        <p:txBody>
+          <a:bodyPr/>
+          <a:lstStyle/>
+          <a:p>
+            <a:r>
+              <a:rPr lang="pt-BR" sz="3200" dirty="0" smtClean="0"/>
+              <a:t>A instalação do Python depende do sistema operacional em que será usado</a:t>
+            </a:r>
+          </a:p>
+          <a:p>
+            <a:pPr lvl="1"/>
+            <a:r>
+              <a:rPr lang="pt-BR" sz="2800" dirty="0" smtClean="0">
+                <a:hlinkClick r:id="rId2"/>
+              </a:rPr>
+              <a:t>www.python.org/downloads</a:t>
+            </a:r>
+            <a:endParaRPr lang="pt-BR" sz="2800" dirty="0" smtClean="0"/>
+          </a:p>
+          <a:p>
+            <a:r>
+              <a:rPr lang="pt-BR" sz="3200" dirty="0" smtClean="0"/>
+              <a:t>Variáveis de ambiente:</a:t>
+            </a:r>
+          </a:p>
+          <a:p>
+            <a:pPr lvl="1"/>
+            <a:r>
+              <a:rPr lang="pt-BR" sz="2800" dirty="0" smtClean="0"/>
+              <a:t>PYTHONPATH</a:t>
+            </a:r>
+          </a:p>
+          <a:p>
+            <a:pPr lvl="1"/>
+            <a:r>
+              <a:rPr lang="pt-BR" sz="2800" dirty="0" smtClean="0"/>
+              <a:t>PYTHONSTARTUP</a:t>
+            </a:r>
+          </a:p>
+          <a:p>
+            <a:r>
+              <a:rPr lang="pt-BR" sz="3200" dirty="0" smtClean="0"/>
+              <a:t>Executar script </a:t>
+            </a:r>
+            <a:r>
+              <a:rPr lang="pt-BR" sz="3200" dirty="0" err="1" smtClean="0"/>
+              <a:t>python</a:t>
+            </a:r>
+            <a:endParaRPr lang="pt-BR" sz="3200" dirty="0" smtClean="0"/>
+          </a:p>
+          <a:p>
+            <a:pPr marL="0" indent="0">
+              <a:buNone/>
+            </a:pPr>
+            <a:r>
+              <a:rPr lang="pt-BR" sz="3200" dirty="0" smtClean="0"/>
+              <a:t>	</a:t>
+            </a:r>
+            <a:r>
+              <a:rPr lang="pt-BR" sz="3200" dirty="0" err="1" smtClean="0"/>
+              <a:t>python</a:t>
+            </a:r>
+            <a:r>
+              <a:rPr lang="pt-BR" sz="3200" dirty="0" smtClean="0"/>
+              <a:t> &lt;arquivo fonte.py&gt;</a:t>
+            </a:r>
+          </a:p>
+        </p:txBody>
+      </p:sp>
+    </p:spTree>
+    <p:extLst>
+      <p:ext uri="{BB962C8B-B14F-4D97-AF65-F5344CB8AC3E}">
+        <p14:creationId xmlns:p14="http://schemas.microsoft.com/office/powerpoint/2010/main" val="1373409591"/>
+      </p:ext>
+    </p:extLst>
+  </p:cSld>
+  <p:clrMapOvr>
+    <a:masterClrMapping/>
+  </p:clrMapOvr>
+  <p:timing>
+    <p:tnLst>
+      <p:par>
+        <p:cTn id="1" dur="indefinite" restart="never" nodeType="tmRoot"/>
+      </p:par>
+    </p:tnLst>
+  </p:timing>
+</p:sld>
+</file>
+
+<file path=ppt/slides/slide14.xml><?xml version="1.0" encoding="utf-8"?>
+<p:sld xmlns:a="http://schemas.openxmlformats.org/drawingml/2006/main" xmlns:r="http://schemas.openxmlformats.org/officeDocument/2006/relationships" xmlns:p="http://schemas.openxmlformats.org/presentationml/2006/main">
+  <p:cSld>
+    <p:spTree>
+      <p:nvGrpSpPr>
+        <p:cNvPr id="1" name=""/>
+        <p:cNvGrpSpPr/>
+        <p:nvPr/>
+      </p:nvGrpSpPr>
+      <p:grpSpPr>
+        <a:xfrm>
+          <a:off x="0" y="0"/>
+          <a:ext cx="0" cy="0"/>
+          <a:chOff x="0" y="0"/>
+          <a:chExt cx="0" cy="0"/>
+        </a:xfrm>
+      </p:grpSpPr>
+      <p:sp>
+        <p:nvSpPr>
+          <p:cNvPr id="2" name="Título 1"/>
+          <p:cNvSpPr>
+            <a:spLocks noGrp="1"/>
+          </p:cNvSpPr>
+          <p:nvPr>
+            <p:ph type="title"/>
+          </p:nvPr>
+        </p:nvSpPr>
+        <p:spPr/>
+        <p:txBody>
+          <a:bodyPr/>
+          <a:lstStyle/>
+          <a:p>
+            <a:r>
+              <a:rPr lang="pt-BR" dirty="0" smtClean="0"/>
+              <a:t>Cronograma</a:t>
+            </a:r>
+            <a:endParaRPr lang="pt-BR" dirty="0"/>
+          </a:p>
+        </p:txBody>
+      </p:sp>
+      <p:sp>
+        <p:nvSpPr>
+          <p:cNvPr id="3" name="Espaço Reservado para Conteúdo 2"/>
+          <p:cNvSpPr>
+            <a:spLocks noGrp="1"/>
+          </p:cNvSpPr>
+          <p:nvPr>
+            <p:ph idx="1"/>
+          </p:nvPr>
+        </p:nvSpPr>
+        <p:spPr>
+          <a:xfrm>
+            <a:off x="628650" y="1418897"/>
+            <a:ext cx="7886700" cy="5087006"/>
+          </a:xfrm>
+        </p:spPr>
+        <p:txBody>
+          <a:bodyPr>
+            <a:normAutofit fontScale="92500" lnSpcReduction="20000"/>
+          </a:bodyPr>
+          <a:lstStyle/>
+          <a:p>
+            <a:r>
+              <a:rPr lang="pt-BR" sz="4500" dirty="0" smtClean="0"/>
+              <a:t>Parte I:</a:t>
+            </a:r>
+          </a:p>
+          <a:p>
+            <a:pPr lvl="1"/>
+            <a:r>
+              <a:rPr lang="pt-BR" sz="4500" dirty="0" smtClean="0">
+                <a:solidFill>
+                  <a:schemeClr val="tx1">
+                    <a:lumMod val="50000"/>
+                    <a:lumOff val="50000"/>
+                  </a:schemeClr>
+                </a:solidFill>
+              </a:rPr>
+              <a:t>Introdução</a:t>
+            </a:r>
+          </a:p>
+          <a:p>
+            <a:pPr lvl="1"/>
+            <a:r>
+              <a:rPr lang="pt-BR" sz="4500" dirty="0" smtClean="0">
+                <a:solidFill>
+                  <a:schemeClr val="tx1">
+                    <a:lumMod val="50000"/>
+                    <a:lumOff val="50000"/>
+                  </a:schemeClr>
+                </a:solidFill>
+              </a:rPr>
+              <a:t>Visão geral</a:t>
+            </a:r>
+          </a:p>
+          <a:p>
+            <a:pPr lvl="1"/>
+            <a:r>
+              <a:rPr lang="pt-BR" sz="4500" dirty="0" smtClean="0">
+                <a:solidFill>
+                  <a:schemeClr val="tx1">
+                    <a:lumMod val="50000"/>
+                    <a:lumOff val="50000"/>
+                  </a:schemeClr>
+                </a:solidFill>
+              </a:rPr>
+              <a:t>Configuração do ambiente</a:t>
+            </a:r>
+          </a:p>
+          <a:p>
+            <a:pPr lvl="1"/>
+            <a:r>
+              <a:rPr lang="pt-BR" sz="4500" dirty="0" smtClean="0"/>
+              <a:t>Sintaxe </a:t>
+            </a:r>
+            <a:r>
+              <a:rPr lang="pt-BR" sz="4500" dirty="0" smtClean="0"/>
+              <a:t>básica</a:t>
+            </a:r>
+            <a:endParaRPr lang="pt-BR" sz="4500" dirty="0">
+              <a:solidFill>
+                <a:schemeClr val="tx1">
+                  <a:lumMod val="50000"/>
+                  <a:lumOff val="50000"/>
+                </a:schemeClr>
+              </a:solidFill>
+            </a:endParaRPr>
+          </a:p>
+          <a:p>
+            <a:pPr lvl="1"/>
+            <a:r>
+              <a:rPr lang="pt-BR" sz="4500" dirty="0">
+                <a:solidFill>
+                  <a:schemeClr val="tx1">
+                    <a:lumMod val="50000"/>
+                    <a:lumOff val="50000"/>
+                  </a:schemeClr>
+                </a:solidFill>
+              </a:rPr>
+              <a:t>Tipos de </a:t>
+            </a:r>
+            <a:r>
+              <a:rPr lang="pt-BR" sz="4500" dirty="0" smtClean="0">
+                <a:solidFill>
+                  <a:schemeClr val="tx1">
+                    <a:lumMod val="50000"/>
+                    <a:lumOff val="50000"/>
+                  </a:schemeClr>
+                </a:solidFill>
+              </a:rPr>
+              <a:t>variáveis</a:t>
+            </a:r>
+          </a:p>
+          <a:p>
+            <a:pPr lvl="1"/>
+            <a:r>
+              <a:rPr lang="pt-BR" sz="4500" dirty="0" smtClean="0">
+                <a:solidFill>
+                  <a:schemeClr val="tx1">
+                    <a:lumMod val="50000"/>
+                    <a:lumOff val="50000"/>
+                  </a:schemeClr>
+                </a:solidFill>
+              </a:rPr>
+              <a:t>Operadores </a:t>
+            </a:r>
+            <a:r>
+              <a:rPr lang="pt-BR" sz="4500" dirty="0" smtClean="0">
+                <a:solidFill>
+                  <a:schemeClr val="tx1">
+                    <a:lumMod val="50000"/>
+                    <a:lumOff val="50000"/>
+                  </a:schemeClr>
+                </a:solidFill>
+              </a:rPr>
+              <a:t>básicos</a:t>
+            </a:r>
+          </a:p>
+          <a:p>
+            <a:pPr lvl="1"/>
+            <a:r>
+              <a:rPr lang="pt-BR" sz="4500" dirty="0" smtClean="0">
+                <a:solidFill>
+                  <a:schemeClr val="tx1">
+                    <a:lumMod val="50000"/>
+                    <a:lumOff val="50000"/>
+                  </a:schemeClr>
+                </a:solidFill>
+              </a:rPr>
+              <a:t>Operadores condicionais</a:t>
+            </a:r>
+          </a:p>
+          <a:p>
+            <a:pPr lvl="1"/>
+            <a:r>
+              <a:rPr lang="pt-BR" sz="4500" dirty="0" smtClean="0">
+                <a:solidFill>
+                  <a:schemeClr val="tx1">
+                    <a:lumMod val="50000"/>
+                    <a:lumOff val="50000"/>
+                  </a:schemeClr>
+                </a:solidFill>
+              </a:rPr>
+              <a:t>Laços de </a:t>
+            </a:r>
+            <a:r>
+              <a:rPr lang="pt-BR" sz="4500" dirty="0" smtClean="0">
+                <a:solidFill>
+                  <a:schemeClr val="tx1">
+                    <a:lumMod val="50000"/>
+                    <a:lumOff val="50000"/>
+                  </a:schemeClr>
+                </a:solidFill>
+              </a:rPr>
+              <a:t>repetição</a:t>
+            </a:r>
+            <a:endParaRPr lang="pt-BR" dirty="0"/>
+          </a:p>
+        </p:txBody>
+      </p:sp>
+    </p:spTree>
+    <p:extLst>
+      <p:ext uri="{BB962C8B-B14F-4D97-AF65-F5344CB8AC3E}">
+        <p14:creationId xmlns:p14="http://schemas.microsoft.com/office/powerpoint/2010/main" val="1780211210"/>
+      </p:ext>
+    </p:extLst>
+  </p:cSld>
+  <p:clrMapOvr>
+    <a:masterClrMapping/>
+  </p:clrMapOvr>
+  <p:timing>
+    <p:tnLst>
+      <p:par>
+        <p:cTn id="1" dur="indefinite" restart="never" nodeType="tmRoot"/>
+      </p:par>
+    </p:tnLst>
+  </p:timing>
+</p:sld>
+</file>
+
+<file path=ppt/slides/slide15.xml><?xml version="1.0" encoding="utf-8"?>
+<p:sld xmlns:a="http://schemas.openxmlformats.org/drawingml/2006/main" xmlns:r="http://schemas.openxmlformats.org/officeDocument/2006/relationships" xmlns:p="http://schemas.openxmlformats.org/presentationml/2006/main">
+  <p:cSld>
+    <p:spTree>
+      <p:nvGrpSpPr>
+        <p:cNvPr id="1" name=""/>
+        <p:cNvGrpSpPr/>
+        <p:nvPr/>
+      </p:nvGrpSpPr>
+      <p:grpSpPr>
+        <a:xfrm>
+          <a:off x="0" y="0"/>
+          <a:ext cx="0" cy="0"/>
+          <a:chOff x="0" y="0"/>
+          <a:chExt cx="0" cy="0"/>
+        </a:xfrm>
+      </p:grpSpPr>
+      <p:sp>
+        <p:nvSpPr>
+          <p:cNvPr id="2" name="Título 1"/>
+          <p:cNvSpPr>
+            <a:spLocks noGrp="1"/>
+          </p:cNvSpPr>
+          <p:nvPr>
+            <p:ph type="title"/>
+          </p:nvPr>
+        </p:nvSpPr>
+        <p:spPr/>
+        <p:txBody>
+          <a:bodyPr/>
+          <a:lstStyle/>
+          <a:p>
+            <a:r>
+              <a:rPr lang="pt-BR" dirty="0" smtClean="0"/>
+              <a:t>Sintaxe básica</a:t>
+            </a:r>
+            <a:endParaRPr lang="pt-BR" dirty="0"/>
+          </a:p>
+        </p:txBody>
+      </p:sp>
+      <p:sp>
+        <p:nvSpPr>
+          <p:cNvPr id="3" name="Espaço Reservado para Conteúdo 2"/>
+          <p:cNvSpPr>
+            <a:spLocks noGrp="1"/>
+          </p:cNvSpPr>
+          <p:nvPr>
+            <p:ph idx="1"/>
+          </p:nvPr>
+        </p:nvSpPr>
+        <p:spPr/>
+        <p:txBody>
+          <a:bodyPr/>
+          <a:lstStyle/>
+          <a:p>
+            <a:r>
+              <a:rPr lang="pt-BR" sz="3200" dirty="0" smtClean="0"/>
+              <a:t>Função </a:t>
+            </a:r>
+            <a:r>
+              <a:rPr lang="pt-BR" sz="3200" dirty="0" err="1" smtClean="0"/>
+              <a:t>print</a:t>
+            </a:r>
+            <a:endParaRPr lang="pt-BR" sz="3200" dirty="0" smtClean="0"/>
+          </a:p>
+          <a:p>
+            <a:r>
+              <a:rPr lang="pt-BR" sz="3200" dirty="0" smtClean="0"/>
+              <a:t>hello_world.py</a:t>
+            </a:r>
+          </a:p>
+        </p:txBody>
+      </p:sp>
+    </p:spTree>
+    <p:extLst>
+      <p:ext uri="{BB962C8B-B14F-4D97-AF65-F5344CB8AC3E}">
+        <p14:creationId xmlns:p14="http://schemas.microsoft.com/office/powerpoint/2010/main" val="3928924590"/>
+      </p:ext>
+    </p:extLst>
+  </p:cSld>
+  <p:clrMapOvr>
+    <a:masterClrMapping/>
+  </p:clrMapOvr>
+  <p:timing>
+    <p:tnLst>
+      <p:par>
+        <p:cTn id="1" dur="indefinite" restart="never" nodeType="tmRoot"/>
+      </p:par>
+    </p:tnLst>
+  </p:timing>
+</p:sld>
+</file>
+
+<file path=ppt/slides/slide16.xml><?xml version="1.0" encoding="utf-8"?>
+<p:sld xmlns:a="http://schemas.openxmlformats.org/drawingml/2006/main" xmlns:r="http://schemas.openxmlformats.org/officeDocument/2006/relationships" xmlns:p="http://schemas.openxmlformats.org/presentationml/2006/main">
+  <p:cSld>
+    <p:spTree>
+      <p:nvGrpSpPr>
+        <p:cNvPr id="1" name=""/>
+        <p:cNvGrpSpPr/>
+        <p:nvPr/>
+      </p:nvGrpSpPr>
+      <p:grpSpPr>
+        <a:xfrm>
+          <a:off x="0" y="0"/>
+          <a:ext cx="0" cy="0"/>
+          <a:chOff x="0" y="0"/>
+          <a:chExt cx="0" cy="0"/>
+        </a:xfrm>
+      </p:grpSpPr>
+      <p:sp>
+        <p:nvSpPr>
+          <p:cNvPr id="2" name="Título 1"/>
+          <p:cNvSpPr>
+            <a:spLocks noGrp="1"/>
+          </p:cNvSpPr>
+          <p:nvPr>
+            <p:ph type="title"/>
+          </p:nvPr>
+        </p:nvSpPr>
+        <p:spPr/>
+        <p:txBody>
+          <a:bodyPr/>
+          <a:lstStyle/>
+          <a:p>
+            <a:r>
+              <a:rPr lang="pt-BR" dirty="0" smtClean="0"/>
+              <a:t>Palavras reservadas</a:t>
+            </a:r>
+            <a:endParaRPr lang="pt-BR" dirty="0"/>
+          </a:p>
+        </p:txBody>
+      </p:sp>
+      <p:graphicFrame>
+        <p:nvGraphicFramePr>
+          <p:cNvPr id="4" name="Tabela 3"/>
+          <p:cNvGraphicFramePr>
+            <a:graphicFrameLocks noGrp="1"/>
+          </p:cNvGraphicFramePr>
+          <p:nvPr>
+            <p:extLst>
+              <p:ext uri="{D42A27DB-BD31-4B8C-83A1-F6EECF244321}">
+                <p14:modId xmlns:p14="http://schemas.microsoft.com/office/powerpoint/2010/main" val="3482770772"/>
+              </p:ext>
+            </p:extLst>
+          </p:nvPr>
+        </p:nvGraphicFramePr>
+        <p:xfrm>
+          <a:off x="914400" y="1975944"/>
+          <a:ext cx="7600950" cy="4358640"/>
+        </p:xfrm>
+        <a:graphic>
+          <a:graphicData uri="http://schemas.openxmlformats.org/drawingml/2006/table">
+            <a:tbl>
+              <a:tblPr/>
+              <a:tblGrid>
+                <a:gridCol w="2533650">
+                  <a:extLst>
+                    <a:ext uri="{9D8B030D-6E8A-4147-A177-3AD203B41FA5}">
+                      <a16:colId xmlns:a16="http://schemas.microsoft.com/office/drawing/2014/main" val="3995954814"/>
+                    </a:ext>
+                  </a:extLst>
+                </a:gridCol>
+                <a:gridCol w="2533650">
+                  <a:extLst>
+                    <a:ext uri="{9D8B030D-6E8A-4147-A177-3AD203B41FA5}">
+                      <a16:colId xmlns:a16="http://schemas.microsoft.com/office/drawing/2014/main" val="1455358807"/>
+                    </a:ext>
+                  </a:extLst>
+                </a:gridCol>
+                <a:gridCol w="2533650">
+                  <a:extLst>
+                    <a:ext uri="{9D8B030D-6E8A-4147-A177-3AD203B41FA5}">
+                      <a16:colId xmlns:a16="http://schemas.microsoft.com/office/drawing/2014/main" val="2205349694"/>
+                    </a:ext>
+                  </a:extLst>
+                </a:gridCol>
+              </a:tblGrid>
+              <a:tr h="211258">
+                <a:tc>
+                  <a:txBody>
+                    <a:bodyPr/>
+                    <a:lstStyle/>
+                    <a:p>
+                      <a:pPr algn="ctr"/>
+                      <a:r>
+                        <a:rPr lang="en-US" sz="2000" b="1">
+                          <a:solidFill>
+                            <a:schemeClr val="tx1"/>
+                          </a:solidFill>
+                          <a:effectLst/>
+                          <a:latin typeface="Roboto"/>
+                        </a:rPr>
+                        <a:t>and</a:t>
+                      </a:r>
+                    </a:p>
+                  </a:txBody>
+                  <a:tcPr anchor="ctr">
+                    <a:lnL w="12700" cap="flat" cmpd="sng" algn="ctr">
+                      <a:solidFill>
+                        <a:schemeClr val="tx1"/>
+                      </a:solidFill>
+                      <a:prstDash val="solid"/>
+                      <a:round/>
+                      <a:headEnd type="none" w="med" len="med"/>
+                      <a:tailEnd type="none" w="med" len="med"/>
+                    </a:lnL>
+                    <a:lnR w="12700" cap="flat" cmpd="sng" algn="ctr">
+                      <a:solidFill>
+                        <a:schemeClr val="tx1"/>
+                      </a:solidFill>
+                      <a:prstDash val="solid"/>
+                      <a:round/>
+                      <a:headEnd type="none" w="med" len="med"/>
+                      <a:tailEnd type="none" w="med" len="med"/>
+                    </a:lnR>
+                    <a:lnT w="12700" cap="flat" cmpd="sng" algn="ctr">
+                      <a:solidFill>
+                        <a:schemeClr val="tx1"/>
+                      </a:solidFill>
+                      <a:prstDash val="solid"/>
+                      <a:round/>
+                      <a:headEnd type="none" w="med" len="med"/>
+                      <a:tailEnd type="none" w="med" len="med"/>
+                    </a:lnT>
+                    <a:lnB w="12700" cap="flat" cmpd="sng" algn="ctr">
+                      <a:solidFill>
+                        <a:schemeClr val="tx1"/>
+                      </a:solidFill>
+                      <a:prstDash val="solid"/>
+                      <a:round/>
+                      <a:headEnd type="none" w="med" len="med"/>
+                      <a:tailEnd type="none" w="med" len="med"/>
+                    </a:lnB>
+                  </a:tcPr>
+                </a:tc>
+                <a:tc>
+                  <a:txBody>
+                    <a:bodyPr/>
+                    <a:lstStyle/>
+                    <a:p>
+                      <a:pPr algn="ctr"/>
+                      <a:r>
+                        <a:rPr lang="en-US" sz="2000" b="1">
+                          <a:solidFill>
+                            <a:schemeClr val="tx1"/>
+                          </a:solidFill>
+                          <a:effectLst/>
+                          <a:latin typeface="Roboto"/>
+                        </a:rPr>
+                        <a:t>assert</a:t>
+                      </a:r>
+                    </a:p>
+                  </a:txBody>
+                  <a:tcPr anchor="ctr">
+                    <a:lnL w="12700" cap="flat" cmpd="sng" algn="ctr">
+                      <a:solidFill>
+                        <a:schemeClr val="tx1"/>
+                      </a:solidFill>
+                      <a:prstDash val="solid"/>
+                      <a:round/>
+                      <a:headEnd type="none" w="med" len="med"/>
+                      <a:tailEnd type="none" w="med" len="med"/>
+                    </a:lnL>
+                    <a:lnR w="12700" cap="flat" cmpd="sng" algn="ctr">
+                      <a:solidFill>
+                        <a:schemeClr val="tx1"/>
+                      </a:solidFill>
+                      <a:prstDash val="solid"/>
+                      <a:round/>
+                      <a:headEnd type="none" w="med" len="med"/>
+                      <a:tailEnd type="none" w="med" len="med"/>
+                    </a:lnR>
+                    <a:lnT w="12700" cap="flat" cmpd="sng" algn="ctr">
+                      <a:solidFill>
+                        <a:schemeClr val="tx1"/>
+                      </a:solidFill>
+                      <a:prstDash val="solid"/>
+                      <a:round/>
+                      <a:headEnd type="none" w="med" len="med"/>
+                      <a:tailEnd type="none" w="med" len="med"/>
+                    </a:lnT>
+                    <a:lnB w="12700" cap="flat" cmpd="sng" algn="ctr">
+                      <a:solidFill>
+                        <a:schemeClr val="tx1"/>
+                      </a:solidFill>
+                      <a:prstDash val="solid"/>
+                      <a:round/>
+                      <a:headEnd type="none" w="med" len="med"/>
+                      <a:tailEnd type="none" w="med" len="med"/>
+                    </a:lnB>
+                  </a:tcPr>
+                </a:tc>
+                <a:tc>
+                  <a:txBody>
+                    <a:bodyPr/>
+                    <a:lstStyle/>
+                    <a:p>
+                      <a:pPr algn="ctr"/>
+                      <a:r>
+                        <a:rPr lang="en-US" sz="2000" b="1">
+                          <a:solidFill>
+                            <a:schemeClr val="tx1"/>
+                          </a:solidFill>
+                          <a:effectLst/>
+                          <a:latin typeface="Roboto"/>
+                        </a:rPr>
+                        <a:t>in</a:t>
+                      </a:r>
+                    </a:p>
+                  </a:txBody>
+                  <a:tcPr anchor="ctr">
+                    <a:lnL w="12700" cap="flat" cmpd="sng" algn="ctr">
+                      <a:solidFill>
+                        <a:schemeClr val="tx1"/>
+                      </a:solidFill>
+                      <a:prstDash val="solid"/>
+                      <a:round/>
+                      <a:headEnd type="none" w="med" len="med"/>
+                      <a:tailEnd type="none" w="med" len="med"/>
+                    </a:lnL>
+                    <a:lnR w="12700" cap="flat" cmpd="sng" algn="ctr">
+                      <a:solidFill>
+                        <a:schemeClr val="tx1"/>
+                      </a:solidFill>
+                      <a:prstDash val="solid"/>
+                      <a:round/>
+                      <a:headEnd type="none" w="med" len="med"/>
+                      <a:tailEnd type="none" w="med" len="med"/>
+                    </a:lnR>
+                    <a:lnT w="12700" cap="flat" cmpd="sng" algn="ctr">
+                      <a:solidFill>
+                        <a:schemeClr val="tx1"/>
+                      </a:solidFill>
+                      <a:prstDash val="solid"/>
+                      <a:round/>
+                      <a:headEnd type="none" w="med" len="med"/>
+                      <a:tailEnd type="none" w="med" len="med"/>
+                    </a:lnT>
+                    <a:lnB w="12700" cap="flat" cmpd="sng" algn="ctr">
+                      <a:solidFill>
+                        <a:schemeClr val="tx1"/>
+                      </a:solidFill>
+                      <a:prstDash val="solid"/>
+                      <a:round/>
+                      <a:headEnd type="none" w="med" len="med"/>
+                      <a:tailEnd type="none" w="med" len="med"/>
+                    </a:lnB>
+                  </a:tcPr>
+                </a:tc>
+                <a:extLst>
+                  <a:ext uri="{0D108BD9-81ED-4DB2-BD59-A6C34878D82A}">
+                    <a16:rowId xmlns:a16="http://schemas.microsoft.com/office/drawing/2014/main" val="2606286429"/>
+                  </a:ext>
+                </a:extLst>
+              </a:tr>
+              <a:tr h="211258">
+                <a:tc>
+                  <a:txBody>
+                    <a:bodyPr/>
+                    <a:lstStyle/>
+                    <a:p>
+                      <a:pPr algn="ctr"/>
+                      <a:r>
+                        <a:rPr lang="en-US" sz="2000" b="1">
+                          <a:solidFill>
+                            <a:schemeClr val="tx1"/>
+                          </a:solidFill>
+                          <a:effectLst/>
+                          <a:latin typeface="Roboto"/>
+                        </a:rPr>
+                        <a:t>del</a:t>
+                      </a:r>
+                    </a:p>
+                  </a:txBody>
+                  <a:tcPr anchor="ctr">
+                    <a:lnL w="12700" cap="flat" cmpd="sng" algn="ctr">
+                      <a:solidFill>
+                        <a:schemeClr val="tx1"/>
+                      </a:solidFill>
+                      <a:prstDash val="solid"/>
+                      <a:round/>
+                      <a:headEnd type="none" w="med" len="med"/>
+                      <a:tailEnd type="none" w="med" len="med"/>
+                    </a:lnL>
+                    <a:lnR w="12700" cap="flat" cmpd="sng" algn="ctr">
+                      <a:solidFill>
+                        <a:schemeClr val="tx1"/>
+                      </a:solidFill>
+                      <a:prstDash val="solid"/>
+                      <a:round/>
+                      <a:headEnd type="none" w="med" len="med"/>
+                      <a:tailEnd type="none" w="med" len="med"/>
+                    </a:lnR>
+                    <a:lnT w="12700" cap="flat" cmpd="sng" algn="ctr">
+                      <a:solidFill>
+                        <a:schemeClr val="tx1"/>
+                      </a:solidFill>
+                      <a:prstDash val="solid"/>
+                      <a:round/>
+                      <a:headEnd type="none" w="med" len="med"/>
+                      <a:tailEnd type="none" w="med" len="med"/>
+                    </a:lnT>
+                    <a:lnB w="12700" cap="flat" cmpd="sng" algn="ctr">
+                      <a:solidFill>
+                        <a:schemeClr val="tx1"/>
+                      </a:solidFill>
+                      <a:prstDash val="solid"/>
+                      <a:round/>
+                      <a:headEnd type="none" w="med" len="med"/>
+                      <a:tailEnd type="none" w="med" len="med"/>
+                    </a:lnB>
+                  </a:tcPr>
+                </a:tc>
+                <a:tc>
+                  <a:txBody>
+                    <a:bodyPr/>
+                    <a:lstStyle/>
+                    <a:p>
+                      <a:pPr algn="ctr"/>
+                      <a:r>
+                        <a:rPr lang="en-US" sz="2000" b="1">
+                          <a:solidFill>
+                            <a:schemeClr val="tx1"/>
+                          </a:solidFill>
+                          <a:effectLst/>
+                          <a:latin typeface="Roboto"/>
+                        </a:rPr>
+                        <a:t>else</a:t>
+                      </a:r>
+                    </a:p>
+                  </a:txBody>
+                  <a:tcPr anchor="ctr">
+                    <a:lnL w="12700" cap="flat" cmpd="sng" algn="ctr">
+                      <a:solidFill>
+                        <a:schemeClr val="tx1"/>
+                      </a:solidFill>
+                      <a:prstDash val="solid"/>
+                      <a:round/>
+                      <a:headEnd type="none" w="med" len="med"/>
+                      <a:tailEnd type="none" w="med" len="med"/>
+                    </a:lnL>
+                    <a:lnR w="12700" cap="flat" cmpd="sng" algn="ctr">
+                      <a:solidFill>
+                        <a:schemeClr val="tx1"/>
+                      </a:solidFill>
+                      <a:prstDash val="solid"/>
+                      <a:round/>
+                      <a:headEnd type="none" w="med" len="med"/>
+                      <a:tailEnd type="none" w="med" len="med"/>
+                    </a:lnR>
+                    <a:lnT w="12700" cap="flat" cmpd="sng" algn="ctr">
+                      <a:solidFill>
+                        <a:schemeClr val="tx1"/>
+                      </a:solidFill>
+                      <a:prstDash val="solid"/>
+                      <a:round/>
+                      <a:headEnd type="none" w="med" len="med"/>
+                      <a:tailEnd type="none" w="med" len="med"/>
+                    </a:lnT>
+                    <a:lnB w="12700" cap="flat" cmpd="sng" algn="ctr">
+                      <a:solidFill>
+                        <a:schemeClr val="tx1"/>
+                      </a:solidFill>
+                      <a:prstDash val="solid"/>
+                      <a:round/>
+                      <a:headEnd type="none" w="med" len="med"/>
+                      <a:tailEnd type="none" w="med" len="med"/>
+                    </a:lnB>
+                  </a:tcPr>
+                </a:tc>
+                <a:tc>
+                  <a:txBody>
+                    <a:bodyPr/>
+                    <a:lstStyle/>
+                    <a:p>
+                      <a:pPr algn="ctr"/>
+                      <a:r>
+                        <a:rPr lang="en-US" sz="2000" b="1">
+                          <a:solidFill>
+                            <a:schemeClr val="tx1"/>
+                          </a:solidFill>
+                          <a:effectLst/>
+                          <a:latin typeface="Roboto"/>
+                        </a:rPr>
+                        <a:t>raise</a:t>
+                      </a:r>
+                    </a:p>
+                  </a:txBody>
+                  <a:tcPr anchor="ctr">
+                    <a:lnL w="12700" cap="flat" cmpd="sng" algn="ctr">
+                      <a:solidFill>
+                        <a:schemeClr val="tx1"/>
+                      </a:solidFill>
+                      <a:prstDash val="solid"/>
+                      <a:round/>
+                      <a:headEnd type="none" w="med" len="med"/>
+                      <a:tailEnd type="none" w="med" len="med"/>
+                    </a:lnL>
+                    <a:lnR w="12700" cap="flat" cmpd="sng" algn="ctr">
+                      <a:solidFill>
+                        <a:schemeClr val="tx1"/>
+                      </a:solidFill>
+                      <a:prstDash val="solid"/>
+                      <a:round/>
+                      <a:headEnd type="none" w="med" len="med"/>
+                      <a:tailEnd type="none" w="med" len="med"/>
+                    </a:lnR>
+                    <a:lnT w="12700" cap="flat" cmpd="sng" algn="ctr">
+                      <a:solidFill>
+                        <a:schemeClr val="tx1"/>
+                      </a:solidFill>
+                      <a:prstDash val="solid"/>
+                      <a:round/>
+                      <a:headEnd type="none" w="med" len="med"/>
+                      <a:tailEnd type="none" w="med" len="med"/>
+                    </a:lnT>
+                    <a:lnB w="12700" cap="flat" cmpd="sng" algn="ctr">
+                      <a:solidFill>
+                        <a:schemeClr val="tx1"/>
+                      </a:solidFill>
+                      <a:prstDash val="solid"/>
+                      <a:round/>
+                      <a:headEnd type="none" w="med" len="med"/>
+                      <a:tailEnd type="none" w="med" len="med"/>
+                    </a:lnB>
+                  </a:tcPr>
+                </a:tc>
+                <a:extLst>
+                  <a:ext uri="{0D108BD9-81ED-4DB2-BD59-A6C34878D82A}">
+                    <a16:rowId xmlns:a16="http://schemas.microsoft.com/office/drawing/2014/main" val="591361854"/>
+                  </a:ext>
+                </a:extLst>
+              </a:tr>
+              <a:tr h="211258">
+                <a:tc>
+                  <a:txBody>
+                    <a:bodyPr/>
+                    <a:lstStyle/>
+                    <a:p>
+                      <a:pPr algn="ctr"/>
+                      <a:r>
+                        <a:rPr lang="en-US" sz="2000" b="1">
+                          <a:solidFill>
+                            <a:schemeClr val="tx1"/>
+                          </a:solidFill>
+                          <a:effectLst/>
+                          <a:latin typeface="Roboto"/>
+                        </a:rPr>
+                        <a:t>from</a:t>
+                      </a:r>
+                    </a:p>
+                  </a:txBody>
+                  <a:tcPr anchor="ctr">
+                    <a:lnL w="12700" cap="flat" cmpd="sng" algn="ctr">
+                      <a:solidFill>
+                        <a:schemeClr val="tx1"/>
+                      </a:solidFill>
+                      <a:prstDash val="solid"/>
+                      <a:round/>
+                      <a:headEnd type="none" w="med" len="med"/>
+                      <a:tailEnd type="none" w="med" len="med"/>
+                    </a:lnL>
+                    <a:lnR w="12700" cap="flat" cmpd="sng" algn="ctr">
+                      <a:solidFill>
+                        <a:schemeClr val="tx1"/>
+                      </a:solidFill>
+                      <a:prstDash val="solid"/>
+                      <a:round/>
+                      <a:headEnd type="none" w="med" len="med"/>
+                      <a:tailEnd type="none" w="med" len="med"/>
+                    </a:lnR>
+                    <a:lnT w="12700" cap="flat" cmpd="sng" algn="ctr">
+                      <a:solidFill>
+                        <a:schemeClr val="tx1"/>
+                      </a:solidFill>
+                      <a:prstDash val="solid"/>
+                      <a:round/>
+                      <a:headEnd type="none" w="med" len="med"/>
+                      <a:tailEnd type="none" w="med" len="med"/>
+                    </a:lnT>
+                    <a:lnB w="12700" cap="flat" cmpd="sng" algn="ctr">
+                      <a:solidFill>
+                        <a:schemeClr val="tx1"/>
+                      </a:solidFill>
+                      <a:prstDash val="solid"/>
+                      <a:round/>
+                      <a:headEnd type="none" w="med" len="med"/>
+                      <a:tailEnd type="none" w="med" len="med"/>
+                    </a:lnB>
+                  </a:tcPr>
+                </a:tc>
+                <a:tc>
+                  <a:txBody>
+                    <a:bodyPr/>
+                    <a:lstStyle/>
+                    <a:p>
+                      <a:pPr algn="ctr"/>
+                      <a:r>
+                        <a:rPr lang="en-US" sz="2000" b="1" dirty="0">
+                          <a:solidFill>
+                            <a:schemeClr val="tx1"/>
+                          </a:solidFill>
+                          <a:effectLst/>
+                          <a:latin typeface="Roboto"/>
+                        </a:rPr>
+                        <a:t>if</a:t>
+                      </a:r>
+                    </a:p>
+                  </a:txBody>
+                  <a:tcPr anchor="ctr">
+                    <a:lnL w="12700" cap="flat" cmpd="sng" algn="ctr">
+                      <a:solidFill>
+                        <a:schemeClr val="tx1"/>
+                      </a:solidFill>
+                      <a:prstDash val="solid"/>
+                      <a:round/>
+                      <a:headEnd type="none" w="med" len="med"/>
+                      <a:tailEnd type="none" w="med" len="med"/>
+                    </a:lnL>
+                    <a:lnR w="12700" cap="flat" cmpd="sng" algn="ctr">
+                      <a:solidFill>
+                        <a:schemeClr val="tx1"/>
+                      </a:solidFill>
+                      <a:prstDash val="solid"/>
+                      <a:round/>
+                      <a:headEnd type="none" w="med" len="med"/>
+                      <a:tailEnd type="none" w="med" len="med"/>
+                    </a:lnR>
+                    <a:lnT w="12700" cap="flat" cmpd="sng" algn="ctr">
+                      <a:solidFill>
+                        <a:schemeClr val="tx1"/>
+                      </a:solidFill>
+                      <a:prstDash val="solid"/>
+                      <a:round/>
+                      <a:headEnd type="none" w="med" len="med"/>
+                      <a:tailEnd type="none" w="med" len="med"/>
+                    </a:lnT>
+                    <a:lnB w="12700" cap="flat" cmpd="sng" algn="ctr">
+                      <a:solidFill>
+                        <a:schemeClr val="tx1"/>
+                      </a:solidFill>
+                      <a:prstDash val="solid"/>
+                      <a:round/>
+                      <a:headEnd type="none" w="med" len="med"/>
+                      <a:tailEnd type="none" w="med" len="med"/>
+                    </a:lnB>
+                  </a:tcPr>
+                </a:tc>
+                <a:tc>
+                  <a:txBody>
+                    <a:bodyPr/>
+                    <a:lstStyle/>
+                    <a:p>
+                      <a:pPr algn="ctr"/>
+                      <a:r>
+                        <a:rPr lang="en-US" sz="2000" b="1">
+                          <a:solidFill>
+                            <a:schemeClr val="tx1"/>
+                          </a:solidFill>
+                          <a:effectLst/>
+                          <a:latin typeface="Roboto"/>
+                        </a:rPr>
+                        <a:t>continue</a:t>
+                      </a:r>
+                    </a:p>
+                  </a:txBody>
+                  <a:tcPr anchor="ctr">
+                    <a:lnL w="12700" cap="flat" cmpd="sng" algn="ctr">
+                      <a:solidFill>
+                        <a:schemeClr val="tx1"/>
+                      </a:solidFill>
+                      <a:prstDash val="solid"/>
+                      <a:round/>
+                      <a:headEnd type="none" w="med" len="med"/>
+                      <a:tailEnd type="none" w="med" len="med"/>
+                    </a:lnL>
+                    <a:lnR w="12700" cap="flat" cmpd="sng" algn="ctr">
+                      <a:solidFill>
+                        <a:schemeClr val="tx1"/>
+                      </a:solidFill>
+                      <a:prstDash val="solid"/>
+                      <a:round/>
+                      <a:headEnd type="none" w="med" len="med"/>
+                      <a:tailEnd type="none" w="med" len="med"/>
+                    </a:lnR>
+                    <a:lnT w="12700" cap="flat" cmpd="sng" algn="ctr">
+                      <a:solidFill>
+                        <a:schemeClr val="tx1"/>
+                      </a:solidFill>
+                      <a:prstDash val="solid"/>
+                      <a:round/>
+                      <a:headEnd type="none" w="med" len="med"/>
+                      <a:tailEnd type="none" w="med" len="med"/>
+                    </a:lnT>
+                    <a:lnB w="12700" cap="flat" cmpd="sng" algn="ctr">
+                      <a:solidFill>
+                        <a:schemeClr val="tx1"/>
+                      </a:solidFill>
+                      <a:prstDash val="solid"/>
+                      <a:round/>
+                      <a:headEnd type="none" w="med" len="med"/>
+                      <a:tailEnd type="none" w="med" len="med"/>
+                    </a:lnB>
+                  </a:tcPr>
+                </a:tc>
+                <a:extLst>
+                  <a:ext uri="{0D108BD9-81ED-4DB2-BD59-A6C34878D82A}">
+                    <a16:rowId xmlns:a16="http://schemas.microsoft.com/office/drawing/2014/main" val="1015036415"/>
+                  </a:ext>
+                </a:extLst>
+              </a:tr>
+              <a:tr h="211258">
+                <a:tc>
+                  <a:txBody>
+                    <a:bodyPr/>
+                    <a:lstStyle/>
+                    <a:p>
+                      <a:pPr algn="ctr"/>
+                      <a:r>
+                        <a:rPr lang="en-US" sz="2000" b="1">
+                          <a:solidFill>
+                            <a:schemeClr val="tx1"/>
+                          </a:solidFill>
+                          <a:effectLst/>
+                          <a:latin typeface="Roboto"/>
+                        </a:rPr>
+                        <a:t>not</a:t>
+                      </a:r>
+                    </a:p>
+                  </a:txBody>
+                  <a:tcPr anchor="ctr">
+                    <a:lnL w="12700" cap="flat" cmpd="sng" algn="ctr">
+                      <a:solidFill>
+                        <a:schemeClr val="tx1"/>
+                      </a:solidFill>
+                      <a:prstDash val="solid"/>
+                      <a:round/>
+                      <a:headEnd type="none" w="med" len="med"/>
+                      <a:tailEnd type="none" w="med" len="med"/>
+                    </a:lnL>
+                    <a:lnR w="12700" cap="flat" cmpd="sng" algn="ctr">
+                      <a:solidFill>
+                        <a:schemeClr val="tx1"/>
+                      </a:solidFill>
+                      <a:prstDash val="solid"/>
+                      <a:round/>
+                      <a:headEnd type="none" w="med" len="med"/>
+                      <a:tailEnd type="none" w="med" len="med"/>
+                    </a:lnR>
+                    <a:lnT w="12700" cap="flat" cmpd="sng" algn="ctr">
+                      <a:solidFill>
+                        <a:schemeClr val="tx1"/>
+                      </a:solidFill>
+                      <a:prstDash val="solid"/>
+                      <a:round/>
+                      <a:headEnd type="none" w="med" len="med"/>
+                      <a:tailEnd type="none" w="med" len="med"/>
+                    </a:lnT>
+                    <a:lnB w="12700" cap="flat" cmpd="sng" algn="ctr">
+                      <a:solidFill>
+                        <a:schemeClr val="tx1"/>
+                      </a:solidFill>
+                      <a:prstDash val="solid"/>
+                      <a:round/>
+                      <a:headEnd type="none" w="med" len="med"/>
+                      <a:tailEnd type="none" w="med" len="med"/>
+                    </a:lnB>
+                  </a:tcPr>
+                </a:tc>
+                <a:tc>
+                  <a:txBody>
+                    <a:bodyPr/>
+                    <a:lstStyle/>
+                    <a:p>
+                      <a:pPr algn="ctr"/>
+                      <a:r>
+                        <a:rPr lang="en-US" sz="2000" b="1">
+                          <a:solidFill>
+                            <a:schemeClr val="tx1"/>
+                          </a:solidFill>
+                          <a:effectLst/>
+                          <a:latin typeface="Roboto"/>
+                        </a:rPr>
+                        <a:t>pass</a:t>
+                      </a:r>
+                    </a:p>
+                  </a:txBody>
+                  <a:tcPr anchor="ctr">
+                    <a:lnL w="12700" cap="flat" cmpd="sng" algn="ctr">
+                      <a:solidFill>
+                        <a:schemeClr val="tx1"/>
+                      </a:solidFill>
+                      <a:prstDash val="solid"/>
+                      <a:round/>
+                      <a:headEnd type="none" w="med" len="med"/>
+                      <a:tailEnd type="none" w="med" len="med"/>
+                    </a:lnL>
+                    <a:lnR w="12700" cap="flat" cmpd="sng" algn="ctr">
+                      <a:solidFill>
+                        <a:schemeClr val="tx1"/>
+                      </a:solidFill>
+                      <a:prstDash val="solid"/>
+                      <a:round/>
+                      <a:headEnd type="none" w="med" len="med"/>
+                      <a:tailEnd type="none" w="med" len="med"/>
+                    </a:lnR>
+                    <a:lnT w="12700" cap="flat" cmpd="sng" algn="ctr">
+                      <a:solidFill>
+                        <a:schemeClr val="tx1"/>
+                      </a:solidFill>
+                      <a:prstDash val="solid"/>
+                      <a:round/>
+                      <a:headEnd type="none" w="med" len="med"/>
+                      <a:tailEnd type="none" w="med" len="med"/>
+                    </a:lnT>
+                    <a:lnB w="12700" cap="flat" cmpd="sng" algn="ctr">
+                      <a:solidFill>
+                        <a:schemeClr val="tx1"/>
+                      </a:solidFill>
+                      <a:prstDash val="solid"/>
+                      <a:round/>
+                      <a:headEnd type="none" w="med" len="med"/>
+                      <a:tailEnd type="none" w="med" len="med"/>
+                    </a:lnB>
+                  </a:tcPr>
+                </a:tc>
+                <a:tc>
+                  <a:txBody>
+                    <a:bodyPr/>
+                    <a:lstStyle/>
+                    <a:p>
+                      <a:pPr algn="ctr"/>
+                      <a:r>
+                        <a:rPr lang="en-US" sz="2000" b="1">
+                          <a:solidFill>
+                            <a:schemeClr val="tx1"/>
+                          </a:solidFill>
+                          <a:effectLst/>
+                          <a:latin typeface="Roboto"/>
+                        </a:rPr>
+                        <a:t>finally</a:t>
+                      </a:r>
+                    </a:p>
+                  </a:txBody>
+                  <a:tcPr anchor="ctr">
+                    <a:lnL w="12700" cap="flat" cmpd="sng" algn="ctr">
+                      <a:solidFill>
+                        <a:schemeClr val="tx1"/>
+                      </a:solidFill>
+                      <a:prstDash val="solid"/>
+                      <a:round/>
+                      <a:headEnd type="none" w="med" len="med"/>
+                      <a:tailEnd type="none" w="med" len="med"/>
+                    </a:lnL>
+                    <a:lnR w="12700" cap="flat" cmpd="sng" algn="ctr">
+                      <a:solidFill>
+                        <a:schemeClr val="tx1"/>
+                      </a:solidFill>
+                      <a:prstDash val="solid"/>
+                      <a:round/>
+                      <a:headEnd type="none" w="med" len="med"/>
+                      <a:tailEnd type="none" w="med" len="med"/>
+                    </a:lnR>
+                    <a:lnT w="12700" cap="flat" cmpd="sng" algn="ctr">
+                      <a:solidFill>
+                        <a:schemeClr val="tx1"/>
+                      </a:solidFill>
+                      <a:prstDash val="solid"/>
+                      <a:round/>
+                      <a:headEnd type="none" w="med" len="med"/>
+                      <a:tailEnd type="none" w="med" len="med"/>
+                    </a:lnT>
+                    <a:lnB w="12700" cap="flat" cmpd="sng" algn="ctr">
+                      <a:solidFill>
+                        <a:schemeClr val="tx1"/>
+                      </a:solidFill>
+                      <a:prstDash val="solid"/>
+                      <a:round/>
+                      <a:headEnd type="none" w="med" len="med"/>
+                      <a:tailEnd type="none" w="med" len="med"/>
+                    </a:lnB>
+                  </a:tcPr>
+                </a:tc>
+                <a:extLst>
+                  <a:ext uri="{0D108BD9-81ED-4DB2-BD59-A6C34878D82A}">
+                    <a16:rowId xmlns:a16="http://schemas.microsoft.com/office/drawing/2014/main" val="2832084107"/>
+                  </a:ext>
+                </a:extLst>
+              </a:tr>
+              <a:tr h="211258">
+                <a:tc>
+                  <a:txBody>
+                    <a:bodyPr/>
+                    <a:lstStyle/>
+                    <a:p>
+                      <a:pPr algn="ctr"/>
+                      <a:r>
+                        <a:rPr lang="en-US" sz="2000" b="1">
+                          <a:solidFill>
+                            <a:schemeClr val="tx1"/>
+                          </a:solidFill>
+                          <a:effectLst/>
+                          <a:latin typeface="Roboto"/>
+                        </a:rPr>
+                        <a:t>while</a:t>
+                      </a:r>
+                    </a:p>
+                  </a:txBody>
+                  <a:tcPr anchor="ctr">
+                    <a:lnL w="12700" cap="flat" cmpd="sng" algn="ctr">
+                      <a:solidFill>
+                        <a:schemeClr val="tx1"/>
+                      </a:solidFill>
+                      <a:prstDash val="solid"/>
+                      <a:round/>
+                      <a:headEnd type="none" w="med" len="med"/>
+                      <a:tailEnd type="none" w="med" len="med"/>
+                    </a:lnL>
+                    <a:lnR w="12700" cap="flat" cmpd="sng" algn="ctr">
+                      <a:solidFill>
+                        <a:schemeClr val="tx1"/>
+                      </a:solidFill>
+                      <a:prstDash val="solid"/>
+                      <a:round/>
+                      <a:headEnd type="none" w="med" len="med"/>
+                      <a:tailEnd type="none" w="med" len="med"/>
+                    </a:lnR>
+                    <a:lnT w="12700" cap="flat" cmpd="sng" algn="ctr">
+                      <a:solidFill>
+                        <a:schemeClr val="tx1"/>
+                      </a:solidFill>
+                      <a:prstDash val="solid"/>
+                      <a:round/>
+                      <a:headEnd type="none" w="med" len="med"/>
+                      <a:tailEnd type="none" w="med" len="med"/>
+                    </a:lnT>
+                    <a:lnB w="12700" cap="flat" cmpd="sng" algn="ctr">
+                      <a:solidFill>
+                        <a:schemeClr val="tx1"/>
+                      </a:solidFill>
+                      <a:prstDash val="solid"/>
+                      <a:round/>
+                      <a:headEnd type="none" w="med" len="med"/>
+                      <a:tailEnd type="none" w="med" len="med"/>
+                    </a:lnB>
+                  </a:tcPr>
+                </a:tc>
+                <a:tc>
+                  <a:txBody>
+                    <a:bodyPr/>
+                    <a:lstStyle/>
+                    <a:p>
+                      <a:pPr algn="ctr"/>
+                      <a:r>
+                        <a:rPr lang="en-US" sz="2000" b="1">
+                          <a:solidFill>
+                            <a:schemeClr val="tx1"/>
+                          </a:solidFill>
+                          <a:effectLst/>
+                          <a:latin typeface="Roboto"/>
+                        </a:rPr>
+                        <a:t>yield</a:t>
+                      </a:r>
+                    </a:p>
+                  </a:txBody>
+                  <a:tcPr anchor="ctr">
+                    <a:lnL w="12700" cap="flat" cmpd="sng" algn="ctr">
+                      <a:solidFill>
+                        <a:schemeClr val="tx1"/>
+                      </a:solidFill>
+                      <a:prstDash val="solid"/>
+                      <a:round/>
+                      <a:headEnd type="none" w="med" len="med"/>
+                      <a:tailEnd type="none" w="med" len="med"/>
+                    </a:lnL>
+                    <a:lnR w="12700" cap="flat" cmpd="sng" algn="ctr">
+                      <a:solidFill>
+                        <a:schemeClr val="tx1"/>
+                      </a:solidFill>
+                      <a:prstDash val="solid"/>
+                      <a:round/>
+                      <a:headEnd type="none" w="med" len="med"/>
+                      <a:tailEnd type="none" w="med" len="med"/>
+                    </a:lnR>
+                    <a:lnT w="12700" cap="flat" cmpd="sng" algn="ctr">
+                      <a:solidFill>
+                        <a:schemeClr val="tx1"/>
+                      </a:solidFill>
+                      <a:prstDash val="solid"/>
+                      <a:round/>
+                      <a:headEnd type="none" w="med" len="med"/>
+                      <a:tailEnd type="none" w="med" len="med"/>
+                    </a:lnT>
+                    <a:lnB w="12700" cap="flat" cmpd="sng" algn="ctr">
+                      <a:solidFill>
+                        <a:schemeClr val="tx1"/>
+                      </a:solidFill>
+                      <a:prstDash val="solid"/>
+                      <a:round/>
+                      <a:headEnd type="none" w="med" len="med"/>
+                      <a:tailEnd type="none" w="med" len="med"/>
+                    </a:lnB>
+                  </a:tcPr>
+                </a:tc>
+                <a:tc>
+                  <a:txBody>
+                    <a:bodyPr/>
+                    <a:lstStyle/>
+                    <a:p>
+                      <a:pPr algn="ctr"/>
+                      <a:r>
+                        <a:rPr lang="en-US" sz="2000" b="1">
+                          <a:solidFill>
+                            <a:schemeClr val="tx1"/>
+                          </a:solidFill>
+                          <a:effectLst/>
+                          <a:latin typeface="Roboto"/>
+                        </a:rPr>
+                        <a:t>is</a:t>
+                      </a:r>
+                    </a:p>
+                  </a:txBody>
+                  <a:tcPr anchor="ctr">
+                    <a:lnL w="12700" cap="flat" cmpd="sng" algn="ctr">
+                      <a:solidFill>
+                        <a:schemeClr val="tx1"/>
+                      </a:solidFill>
+                      <a:prstDash val="solid"/>
+                      <a:round/>
+                      <a:headEnd type="none" w="med" len="med"/>
+                      <a:tailEnd type="none" w="med" len="med"/>
+                    </a:lnL>
+                    <a:lnR w="12700" cap="flat" cmpd="sng" algn="ctr">
+                      <a:solidFill>
+                        <a:schemeClr val="tx1"/>
+                      </a:solidFill>
+                      <a:prstDash val="solid"/>
+                      <a:round/>
+                      <a:headEnd type="none" w="med" len="med"/>
+                      <a:tailEnd type="none" w="med" len="med"/>
+                    </a:lnR>
+                    <a:lnT w="12700" cap="flat" cmpd="sng" algn="ctr">
+                      <a:solidFill>
+                        <a:schemeClr val="tx1"/>
+                      </a:solidFill>
+                      <a:prstDash val="solid"/>
+                      <a:round/>
+                      <a:headEnd type="none" w="med" len="med"/>
+                      <a:tailEnd type="none" w="med" len="med"/>
+                    </a:lnT>
+                    <a:lnB w="12700" cap="flat" cmpd="sng" algn="ctr">
+                      <a:solidFill>
+                        <a:schemeClr val="tx1"/>
+                      </a:solidFill>
+                      <a:prstDash val="solid"/>
+                      <a:round/>
+                      <a:headEnd type="none" w="med" len="med"/>
+                      <a:tailEnd type="none" w="med" len="med"/>
+                    </a:lnB>
+                  </a:tcPr>
+                </a:tc>
+                <a:extLst>
+                  <a:ext uri="{0D108BD9-81ED-4DB2-BD59-A6C34878D82A}">
+                    <a16:rowId xmlns:a16="http://schemas.microsoft.com/office/drawing/2014/main" val="4192709106"/>
+                  </a:ext>
+                </a:extLst>
+              </a:tr>
+              <a:tr h="211258">
+                <a:tc>
+                  <a:txBody>
+                    <a:bodyPr/>
+                    <a:lstStyle/>
+                    <a:p>
+                      <a:pPr algn="ctr"/>
+                      <a:r>
+                        <a:rPr lang="en-US" sz="2000" b="1">
+                          <a:solidFill>
+                            <a:schemeClr val="tx1"/>
+                          </a:solidFill>
+                          <a:effectLst/>
+                          <a:latin typeface="Roboto"/>
+                        </a:rPr>
+                        <a:t>as</a:t>
+                      </a:r>
+                    </a:p>
+                  </a:txBody>
+                  <a:tcPr anchor="ctr">
+                    <a:lnL w="12700" cap="flat" cmpd="sng" algn="ctr">
+                      <a:solidFill>
+                        <a:schemeClr val="tx1"/>
+                      </a:solidFill>
+                      <a:prstDash val="solid"/>
+                      <a:round/>
+                      <a:headEnd type="none" w="med" len="med"/>
+                      <a:tailEnd type="none" w="med" len="med"/>
+                    </a:lnL>
+                    <a:lnR w="12700" cap="flat" cmpd="sng" algn="ctr">
+                      <a:solidFill>
+                        <a:schemeClr val="tx1"/>
+                      </a:solidFill>
+                      <a:prstDash val="solid"/>
+                      <a:round/>
+                      <a:headEnd type="none" w="med" len="med"/>
+                      <a:tailEnd type="none" w="med" len="med"/>
+                    </a:lnR>
+                    <a:lnT w="12700" cap="flat" cmpd="sng" algn="ctr">
+                      <a:solidFill>
+                        <a:schemeClr val="tx1"/>
+                      </a:solidFill>
+                      <a:prstDash val="solid"/>
+                      <a:round/>
+                      <a:headEnd type="none" w="med" len="med"/>
+                      <a:tailEnd type="none" w="med" len="med"/>
+                    </a:lnT>
+                    <a:lnB w="12700" cap="flat" cmpd="sng" algn="ctr">
+                      <a:solidFill>
+                        <a:schemeClr val="tx1"/>
+                      </a:solidFill>
+                      <a:prstDash val="solid"/>
+                      <a:round/>
+                      <a:headEnd type="none" w="med" len="med"/>
+                      <a:tailEnd type="none" w="med" len="med"/>
+                    </a:lnB>
+                  </a:tcPr>
+                </a:tc>
+                <a:tc>
+                  <a:txBody>
+                    <a:bodyPr/>
+                    <a:lstStyle/>
+                    <a:p>
+                      <a:pPr algn="ctr"/>
+                      <a:r>
+                        <a:rPr lang="en-US" sz="2000" b="1">
+                          <a:solidFill>
+                            <a:schemeClr val="tx1"/>
+                          </a:solidFill>
+                          <a:effectLst/>
+                          <a:latin typeface="Roboto"/>
+                        </a:rPr>
+                        <a:t>break</a:t>
+                      </a:r>
+                    </a:p>
+                  </a:txBody>
+                  <a:tcPr anchor="ctr">
+                    <a:lnL w="12700" cap="flat" cmpd="sng" algn="ctr">
+                      <a:solidFill>
+                        <a:schemeClr val="tx1"/>
+                      </a:solidFill>
+                      <a:prstDash val="solid"/>
+                      <a:round/>
+                      <a:headEnd type="none" w="med" len="med"/>
+                      <a:tailEnd type="none" w="med" len="med"/>
+                    </a:lnL>
+                    <a:lnR w="12700" cap="flat" cmpd="sng" algn="ctr">
+                      <a:solidFill>
+                        <a:schemeClr val="tx1"/>
+                      </a:solidFill>
+                      <a:prstDash val="solid"/>
+                      <a:round/>
+                      <a:headEnd type="none" w="med" len="med"/>
+                      <a:tailEnd type="none" w="med" len="med"/>
+                    </a:lnR>
+                    <a:lnT w="12700" cap="flat" cmpd="sng" algn="ctr">
+                      <a:solidFill>
+                        <a:schemeClr val="tx1"/>
+                      </a:solidFill>
+                      <a:prstDash val="solid"/>
+                      <a:round/>
+                      <a:headEnd type="none" w="med" len="med"/>
+                      <a:tailEnd type="none" w="med" len="med"/>
+                    </a:lnT>
+                    <a:lnB w="12700" cap="flat" cmpd="sng" algn="ctr">
+                      <a:solidFill>
+                        <a:schemeClr val="tx1"/>
+                      </a:solidFill>
+                      <a:prstDash val="solid"/>
+                      <a:round/>
+                      <a:headEnd type="none" w="med" len="med"/>
+                      <a:tailEnd type="none" w="med" len="med"/>
+                    </a:lnB>
+                  </a:tcPr>
+                </a:tc>
+                <a:tc>
+                  <a:txBody>
+                    <a:bodyPr/>
+                    <a:lstStyle/>
+                    <a:p>
+                      <a:pPr algn="ctr"/>
+                      <a:r>
+                        <a:rPr lang="en-US" sz="2000" b="1">
+                          <a:solidFill>
+                            <a:schemeClr val="tx1"/>
+                          </a:solidFill>
+                          <a:effectLst/>
+                          <a:latin typeface="Roboto"/>
+                        </a:rPr>
+                        <a:t>return</a:t>
+                      </a:r>
+                    </a:p>
+                  </a:txBody>
+                  <a:tcPr anchor="ctr">
+                    <a:lnL w="12700" cap="flat" cmpd="sng" algn="ctr">
+                      <a:solidFill>
+                        <a:schemeClr val="tx1"/>
+                      </a:solidFill>
+                      <a:prstDash val="solid"/>
+                      <a:round/>
+                      <a:headEnd type="none" w="med" len="med"/>
+                      <a:tailEnd type="none" w="med" len="med"/>
+                    </a:lnL>
+                    <a:lnR w="12700" cap="flat" cmpd="sng" algn="ctr">
+                      <a:solidFill>
+                        <a:schemeClr val="tx1"/>
+                      </a:solidFill>
+                      <a:prstDash val="solid"/>
+                      <a:round/>
+                      <a:headEnd type="none" w="med" len="med"/>
+                      <a:tailEnd type="none" w="med" len="med"/>
+                    </a:lnR>
+                    <a:lnT w="12700" cap="flat" cmpd="sng" algn="ctr">
+                      <a:solidFill>
+                        <a:schemeClr val="tx1"/>
+                      </a:solidFill>
+                      <a:prstDash val="solid"/>
+                      <a:round/>
+                      <a:headEnd type="none" w="med" len="med"/>
+                      <a:tailEnd type="none" w="med" len="med"/>
+                    </a:lnT>
+                    <a:lnB w="12700" cap="flat" cmpd="sng" algn="ctr">
+                      <a:solidFill>
+                        <a:schemeClr val="tx1"/>
+                      </a:solidFill>
+                      <a:prstDash val="solid"/>
+                      <a:round/>
+                      <a:headEnd type="none" w="med" len="med"/>
+                      <a:tailEnd type="none" w="med" len="med"/>
+                    </a:lnB>
+                  </a:tcPr>
+                </a:tc>
+                <a:extLst>
+                  <a:ext uri="{0D108BD9-81ED-4DB2-BD59-A6C34878D82A}">
+                    <a16:rowId xmlns:a16="http://schemas.microsoft.com/office/drawing/2014/main" val="2108271582"/>
+                  </a:ext>
+                </a:extLst>
+              </a:tr>
+              <a:tr h="211258">
+                <a:tc>
+                  <a:txBody>
+                    <a:bodyPr/>
+                    <a:lstStyle/>
+                    <a:p>
+                      <a:pPr algn="ctr"/>
+                      <a:r>
+                        <a:rPr lang="en-US" sz="2000" b="1">
+                          <a:solidFill>
+                            <a:schemeClr val="tx1"/>
+                          </a:solidFill>
+                          <a:effectLst/>
+                          <a:latin typeface="Roboto"/>
+                        </a:rPr>
+                        <a:t>elif</a:t>
+                      </a:r>
+                    </a:p>
+                  </a:txBody>
+                  <a:tcPr anchor="ctr">
+                    <a:lnL w="12700" cap="flat" cmpd="sng" algn="ctr">
+                      <a:solidFill>
+                        <a:schemeClr val="tx1"/>
+                      </a:solidFill>
+                      <a:prstDash val="solid"/>
+                      <a:round/>
+                      <a:headEnd type="none" w="med" len="med"/>
+                      <a:tailEnd type="none" w="med" len="med"/>
+                    </a:lnL>
+                    <a:lnR w="12700" cap="flat" cmpd="sng" algn="ctr">
+                      <a:solidFill>
+                        <a:schemeClr val="tx1"/>
+                      </a:solidFill>
+                      <a:prstDash val="solid"/>
+                      <a:round/>
+                      <a:headEnd type="none" w="med" len="med"/>
+                      <a:tailEnd type="none" w="med" len="med"/>
+                    </a:lnR>
+                    <a:lnT w="12700" cap="flat" cmpd="sng" algn="ctr">
+                      <a:solidFill>
+                        <a:schemeClr val="tx1"/>
+                      </a:solidFill>
+                      <a:prstDash val="solid"/>
+                      <a:round/>
+                      <a:headEnd type="none" w="med" len="med"/>
+                      <a:tailEnd type="none" w="med" len="med"/>
+                    </a:lnT>
+                    <a:lnB w="12700" cap="flat" cmpd="sng" algn="ctr">
+                      <a:solidFill>
+                        <a:schemeClr val="tx1"/>
+                      </a:solidFill>
+                      <a:prstDash val="solid"/>
+                      <a:round/>
+                      <a:headEnd type="none" w="med" len="med"/>
+                      <a:tailEnd type="none" w="med" len="med"/>
+                    </a:lnB>
+                  </a:tcPr>
+                </a:tc>
+                <a:tc>
+                  <a:txBody>
+                    <a:bodyPr/>
+                    <a:lstStyle/>
+                    <a:p>
+                      <a:pPr algn="ctr"/>
+                      <a:r>
+                        <a:rPr lang="en-US" sz="2000" b="1">
+                          <a:solidFill>
+                            <a:schemeClr val="tx1"/>
+                          </a:solidFill>
+                          <a:effectLst/>
+                          <a:latin typeface="Roboto"/>
+                        </a:rPr>
+                        <a:t>except</a:t>
+                      </a:r>
+                    </a:p>
+                  </a:txBody>
+                  <a:tcPr anchor="ctr">
+                    <a:lnL w="12700" cap="flat" cmpd="sng" algn="ctr">
+                      <a:solidFill>
+                        <a:schemeClr val="tx1"/>
+                      </a:solidFill>
+                      <a:prstDash val="solid"/>
+                      <a:round/>
+                      <a:headEnd type="none" w="med" len="med"/>
+                      <a:tailEnd type="none" w="med" len="med"/>
+                    </a:lnL>
+                    <a:lnR w="12700" cap="flat" cmpd="sng" algn="ctr">
+                      <a:solidFill>
+                        <a:schemeClr val="tx1"/>
+                      </a:solidFill>
+                      <a:prstDash val="solid"/>
+                      <a:round/>
+                      <a:headEnd type="none" w="med" len="med"/>
+                      <a:tailEnd type="none" w="med" len="med"/>
+                    </a:lnR>
+                    <a:lnT w="12700" cap="flat" cmpd="sng" algn="ctr">
+                      <a:solidFill>
+                        <a:schemeClr val="tx1"/>
+                      </a:solidFill>
+                      <a:prstDash val="solid"/>
+                      <a:round/>
+                      <a:headEnd type="none" w="med" len="med"/>
+                      <a:tailEnd type="none" w="med" len="med"/>
+                    </a:lnT>
+                    <a:lnB w="12700" cap="flat" cmpd="sng" algn="ctr">
+                      <a:solidFill>
+                        <a:schemeClr val="tx1"/>
+                      </a:solidFill>
+                      <a:prstDash val="solid"/>
+                      <a:round/>
+                      <a:headEnd type="none" w="med" len="med"/>
+                      <a:tailEnd type="none" w="med" len="med"/>
+                    </a:lnB>
+                  </a:tcPr>
+                </a:tc>
+                <a:tc>
+                  <a:txBody>
+                    <a:bodyPr/>
+                    <a:lstStyle/>
+                    <a:p>
+                      <a:pPr algn="ctr"/>
+                      <a:r>
+                        <a:rPr lang="en-US" sz="2000" b="1">
+                          <a:solidFill>
+                            <a:schemeClr val="tx1"/>
+                          </a:solidFill>
+                          <a:effectLst/>
+                          <a:latin typeface="Roboto"/>
+                        </a:rPr>
+                        <a:t>def</a:t>
+                      </a:r>
+                    </a:p>
+                  </a:txBody>
+                  <a:tcPr anchor="ctr">
+                    <a:lnL w="12700" cap="flat" cmpd="sng" algn="ctr">
+                      <a:solidFill>
+                        <a:schemeClr val="tx1"/>
+                      </a:solidFill>
+                      <a:prstDash val="solid"/>
+                      <a:round/>
+                      <a:headEnd type="none" w="med" len="med"/>
+                      <a:tailEnd type="none" w="med" len="med"/>
+                    </a:lnL>
+                    <a:lnR w="12700" cap="flat" cmpd="sng" algn="ctr">
+                      <a:solidFill>
+                        <a:schemeClr val="tx1"/>
+                      </a:solidFill>
+                      <a:prstDash val="solid"/>
+                      <a:round/>
+                      <a:headEnd type="none" w="med" len="med"/>
+                      <a:tailEnd type="none" w="med" len="med"/>
+                    </a:lnR>
+                    <a:lnT w="12700" cap="flat" cmpd="sng" algn="ctr">
+                      <a:solidFill>
+                        <a:schemeClr val="tx1"/>
+                      </a:solidFill>
+                      <a:prstDash val="solid"/>
+                      <a:round/>
+                      <a:headEnd type="none" w="med" len="med"/>
+                      <a:tailEnd type="none" w="med" len="med"/>
+                    </a:lnT>
+                    <a:lnB w="12700" cap="flat" cmpd="sng" algn="ctr">
+                      <a:solidFill>
+                        <a:schemeClr val="tx1"/>
+                      </a:solidFill>
+                      <a:prstDash val="solid"/>
+                      <a:round/>
+                      <a:headEnd type="none" w="med" len="med"/>
+                      <a:tailEnd type="none" w="med" len="med"/>
+                    </a:lnB>
+                  </a:tcPr>
+                </a:tc>
+                <a:extLst>
+                  <a:ext uri="{0D108BD9-81ED-4DB2-BD59-A6C34878D82A}">
+                    <a16:rowId xmlns:a16="http://schemas.microsoft.com/office/drawing/2014/main" val="1263730520"/>
+                  </a:ext>
+                </a:extLst>
+              </a:tr>
+              <a:tr h="211258">
+                <a:tc>
+                  <a:txBody>
+                    <a:bodyPr/>
+                    <a:lstStyle/>
+                    <a:p>
+                      <a:pPr algn="ctr"/>
+                      <a:r>
+                        <a:rPr lang="en-US" sz="2000" b="1">
+                          <a:solidFill>
+                            <a:schemeClr val="tx1"/>
+                          </a:solidFill>
+                          <a:effectLst/>
+                          <a:latin typeface="Roboto"/>
+                        </a:rPr>
+                        <a:t>global</a:t>
+                      </a:r>
+                    </a:p>
+                  </a:txBody>
+                  <a:tcPr anchor="ctr">
+                    <a:lnL w="12700" cap="flat" cmpd="sng" algn="ctr">
+                      <a:solidFill>
+                        <a:schemeClr val="tx1"/>
+                      </a:solidFill>
+                      <a:prstDash val="solid"/>
+                      <a:round/>
+                      <a:headEnd type="none" w="med" len="med"/>
+                      <a:tailEnd type="none" w="med" len="med"/>
+                    </a:lnL>
+                    <a:lnR w="12700" cap="flat" cmpd="sng" algn="ctr">
+                      <a:solidFill>
+                        <a:schemeClr val="tx1"/>
+                      </a:solidFill>
+                      <a:prstDash val="solid"/>
+                      <a:round/>
+                      <a:headEnd type="none" w="med" len="med"/>
+                      <a:tailEnd type="none" w="med" len="med"/>
+                    </a:lnR>
+                    <a:lnT w="12700" cap="flat" cmpd="sng" algn="ctr">
+                      <a:solidFill>
+                        <a:schemeClr val="tx1"/>
+                      </a:solidFill>
+                      <a:prstDash val="solid"/>
+                      <a:round/>
+                      <a:headEnd type="none" w="med" len="med"/>
+                      <a:tailEnd type="none" w="med" len="med"/>
+                    </a:lnT>
+                    <a:lnB w="12700" cap="flat" cmpd="sng" algn="ctr">
+                      <a:solidFill>
+                        <a:schemeClr val="tx1"/>
+                      </a:solidFill>
+                      <a:prstDash val="solid"/>
+                      <a:round/>
+                      <a:headEnd type="none" w="med" len="med"/>
+                      <a:tailEnd type="none" w="med" len="med"/>
+                    </a:lnB>
+                  </a:tcPr>
+                </a:tc>
+                <a:tc>
+                  <a:txBody>
+                    <a:bodyPr/>
+                    <a:lstStyle/>
+                    <a:p>
+                      <a:pPr algn="ctr"/>
+                      <a:r>
+                        <a:rPr lang="en-US" sz="2000" b="1">
+                          <a:solidFill>
+                            <a:schemeClr val="tx1"/>
+                          </a:solidFill>
+                          <a:effectLst/>
+                          <a:latin typeface="Roboto"/>
+                        </a:rPr>
+                        <a:t>import</a:t>
+                      </a:r>
+                    </a:p>
+                  </a:txBody>
+                  <a:tcPr anchor="ctr">
+                    <a:lnL w="12700" cap="flat" cmpd="sng" algn="ctr">
+                      <a:solidFill>
+                        <a:schemeClr val="tx1"/>
+                      </a:solidFill>
+                      <a:prstDash val="solid"/>
+                      <a:round/>
+                      <a:headEnd type="none" w="med" len="med"/>
+                      <a:tailEnd type="none" w="med" len="med"/>
+                    </a:lnL>
+                    <a:lnR w="12700" cap="flat" cmpd="sng" algn="ctr">
+                      <a:solidFill>
+                        <a:schemeClr val="tx1"/>
+                      </a:solidFill>
+                      <a:prstDash val="solid"/>
+                      <a:round/>
+                      <a:headEnd type="none" w="med" len="med"/>
+                      <a:tailEnd type="none" w="med" len="med"/>
+                    </a:lnR>
+                    <a:lnT w="12700" cap="flat" cmpd="sng" algn="ctr">
+                      <a:solidFill>
+                        <a:schemeClr val="tx1"/>
+                      </a:solidFill>
+                      <a:prstDash val="solid"/>
+                      <a:round/>
+                      <a:headEnd type="none" w="med" len="med"/>
+                      <a:tailEnd type="none" w="med" len="med"/>
+                    </a:lnT>
+                    <a:lnB w="12700" cap="flat" cmpd="sng" algn="ctr">
+                      <a:solidFill>
+                        <a:schemeClr val="tx1"/>
+                      </a:solidFill>
+                      <a:prstDash val="solid"/>
+                      <a:round/>
+                      <a:headEnd type="none" w="med" len="med"/>
+                      <a:tailEnd type="none" w="med" len="med"/>
+                    </a:lnB>
+                  </a:tcPr>
+                </a:tc>
+                <a:tc>
+                  <a:txBody>
+                    <a:bodyPr/>
+                    <a:lstStyle/>
+                    <a:p>
+                      <a:pPr algn="ctr"/>
+                      <a:r>
+                        <a:rPr lang="en-US" sz="2000" b="1">
+                          <a:solidFill>
+                            <a:schemeClr val="tx1"/>
+                          </a:solidFill>
+                          <a:effectLst/>
+                          <a:latin typeface="Roboto"/>
+                        </a:rPr>
+                        <a:t>for</a:t>
+                      </a:r>
+                    </a:p>
+                  </a:txBody>
+                  <a:tcPr anchor="ctr">
+                    <a:lnL w="12700" cap="flat" cmpd="sng" algn="ctr">
+                      <a:solidFill>
+                        <a:schemeClr val="tx1"/>
+                      </a:solidFill>
+                      <a:prstDash val="solid"/>
+                      <a:round/>
+                      <a:headEnd type="none" w="med" len="med"/>
+                      <a:tailEnd type="none" w="med" len="med"/>
+                    </a:lnL>
+                    <a:lnR w="12700" cap="flat" cmpd="sng" algn="ctr">
+                      <a:solidFill>
+                        <a:schemeClr val="tx1"/>
+                      </a:solidFill>
+                      <a:prstDash val="solid"/>
+                      <a:round/>
+                      <a:headEnd type="none" w="med" len="med"/>
+                      <a:tailEnd type="none" w="med" len="med"/>
+                    </a:lnR>
+                    <a:lnT w="12700" cap="flat" cmpd="sng" algn="ctr">
+                      <a:solidFill>
+                        <a:schemeClr val="tx1"/>
+                      </a:solidFill>
+                      <a:prstDash val="solid"/>
+                      <a:round/>
+                      <a:headEnd type="none" w="med" len="med"/>
+                      <a:tailEnd type="none" w="med" len="med"/>
+                    </a:lnT>
+                    <a:lnB w="12700" cap="flat" cmpd="sng" algn="ctr">
+                      <a:solidFill>
+                        <a:schemeClr val="tx1"/>
+                      </a:solidFill>
+                      <a:prstDash val="solid"/>
+                      <a:round/>
+                      <a:headEnd type="none" w="med" len="med"/>
+                      <a:tailEnd type="none" w="med" len="med"/>
+                    </a:lnB>
+                  </a:tcPr>
+                </a:tc>
+                <a:extLst>
+                  <a:ext uri="{0D108BD9-81ED-4DB2-BD59-A6C34878D82A}">
+                    <a16:rowId xmlns:a16="http://schemas.microsoft.com/office/drawing/2014/main" val="1123425978"/>
+                  </a:ext>
+                </a:extLst>
+              </a:tr>
+              <a:tr h="211258">
+                <a:tc>
+                  <a:txBody>
+                    <a:bodyPr/>
+                    <a:lstStyle/>
+                    <a:p>
+                      <a:pPr algn="ctr"/>
+                      <a:r>
+                        <a:rPr lang="en-US" sz="2000" b="1">
+                          <a:solidFill>
+                            <a:schemeClr val="tx1"/>
+                          </a:solidFill>
+                          <a:effectLst/>
+                          <a:latin typeface="Roboto"/>
+                        </a:rPr>
+                        <a:t>or</a:t>
+                      </a:r>
+                    </a:p>
+                  </a:txBody>
+                  <a:tcPr anchor="ctr">
+                    <a:lnL w="12700" cap="flat" cmpd="sng" algn="ctr">
+                      <a:solidFill>
+                        <a:schemeClr val="tx1"/>
+                      </a:solidFill>
+                      <a:prstDash val="solid"/>
+                      <a:round/>
+                      <a:headEnd type="none" w="med" len="med"/>
+                      <a:tailEnd type="none" w="med" len="med"/>
+                    </a:lnL>
+                    <a:lnR w="12700" cap="flat" cmpd="sng" algn="ctr">
+                      <a:solidFill>
+                        <a:schemeClr val="tx1"/>
+                      </a:solidFill>
+                      <a:prstDash val="solid"/>
+                      <a:round/>
+                      <a:headEnd type="none" w="med" len="med"/>
+                      <a:tailEnd type="none" w="med" len="med"/>
+                    </a:lnR>
+                    <a:lnT w="12700" cap="flat" cmpd="sng" algn="ctr">
+                      <a:solidFill>
+                        <a:schemeClr val="tx1"/>
+                      </a:solidFill>
+                      <a:prstDash val="solid"/>
+                      <a:round/>
+                      <a:headEnd type="none" w="med" len="med"/>
+                      <a:tailEnd type="none" w="med" len="med"/>
+                    </a:lnT>
+                    <a:lnB w="12700" cap="flat" cmpd="sng" algn="ctr">
+                      <a:solidFill>
+                        <a:schemeClr val="tx1"/>
+                      </a:solidFill>
+                      <a:prstDash val="solid"/>
+                      <a:round/>
+                      <a:headEnd type="none" w="med" len="med"/>
+                      <a:tailEnd type="none" w="med" len="med"/>
+                    </a:lnB>
+                  </a:tcPr>
+                </a:tc>
+                <a:tc>
+                  <a:txBody>
+                    <a:bodyPr/>
+                    <a:lstStyle/>
+                    <a:p>
+                      <a:pPr algn="ctr"/>
+                      <a:r>
+                        <a:rPr lang="en-US" sz="2000" b="1">
+                          <a:solidFill>
+                            <a:schemeClr val="tx1"/>
+                          </a:solidFill>
+                          <a:effectLst/>
+                          <a:latin typeface="Roboto"/>
+                        </a:rPr>
+                        <a:t>print</a:t>
+                      </a:r>
+                    </a:p>
+                  </a:txBody>
+                  <a:tcPr anchor="ctr">
+                    <a:lnL w="12700" cap="flat" cmpd="sng" algn="ctr">
+                      <a:solidFill>
+                        <a:schemeClr val="tx1"/>
+                      </a:solidFill>
+                      <a:prstDash val="solid"/>
+                      <a:round/>
+                      <a:headEnd type="none" w="med" len="med"/>
+                      <a:tailEnd type="none" w="med" len="med"/>
+                    </a:lnL>
+                    <a:lnR w="12700" cap="flat" cmpd="sng" algn="ctr">
+                      <a:solidFill>
+                        <a:schemeClr val="tx1"/>
+                      </a:solidFill>
+                      <a:prstDash val="solid"/>
+                      <a:round/>
+                      <a:headEnd type="none" w="med" len="med"/>
+                      <a:tailEnd type="none" w="med" len="med"/>
+                    </a:lnR>
+                    <a:lnT w="12700" cap="flat" cmpd="sng" algn="ctr">
+                      <a:solidFill>
+                        <a:schemeClr val="tx1"/>
+                      </a:solidFill>
+                      <a:prstDash val="solid"/>
+                      <a:round/>
+                      <a:headEnd type="none" w="med" len="med"/>
+                      <a:tailEnd type="none" w="med" len="med"/>
+                    </a:lnT>
+                    <a:lnB w="12700" cap="flat" cmpd="sng" algn="ctr">
+                      <a:solidFill>
+                        <a:schemeClr val="tx1"/>
+                      </a:solidFill>
+                      <a:prstDash val="solid"/>
+                      <a:round/>
+                      <a:headEnd type="none" w="med" len="med"/>
+                      <a:tailEnd type="none" w="med" len="med"/>
+                    </a:lnB>
+                  </a:tcPr>
+                </a:tc>
+                <a:tc>
+                  <a:txBody>
+                    <a:bodyPr/>
+                    <a:lstStyle/>
+                    <a:p>
+                      <a:pPr algn="ctr"/>
+                      <a:r>
+                        <a:rPr lang="en-US" sz="2000" b="1">
+                          <a:solidFill>
+                            <a:schemeClr val="tx1"/>
+                          </a:solidFill>
+                          <a:effectLst/>
+                          <a:latin typeface="Roboto"/>
+                        </a:rPr>
+                        <a:t>lambda</a:t>
+                      </a:r>
+                    </a:p>
+                  </a:txBody>
+                  <a:tcPr anchor="ctr">
+                    <a:lnL w="12700" cap="flat" cmpd="sng" algn="ctr">
+                      <a:solidFill>
+                        <a:schemeClr val="tx1"/>
+                      </a:solidFill>
+                      <a:prstDash val="solid"/>
+                      <a:round/>
+                      <a:headEnd type="none" w="med" len="med"/>
+                      <a:tailEnd type="none" w="med" len="med"/>
+                    </a:lnL>
+                    <a:lnR w="12700" cap="flat" cmpd="sng" algn="ctr">
+                      <a:solidFill>
+                        <a:schemeClr val="tx1"/>
+                      </a:solidFill>
+                      <a:prstDash val="solid"/>
+                      <a:round/>
+                      <a:headEnd type="none" w="med" len="med"/>
+                      <a:tailEnd type="none" w="med" len="med"/>
+                    </a:lnR>
+                    <a:lnT w="12700" cap="flat" cmpd="sng" algn="ctr">
+                      <a:solidFill>
+                        <a:schemeClr val="tx1"/>
+                      </a:solidFill>
+                      <a:prstDash val="solid"/>
+                      <a:round/>
+                      <a:headEnd type="none" w="med" len="med"/>
+                      <a:tailEnd type="none" w="med" len="med"/>
+                    </a:lnT>
+                    <a:lnB w="12700" cap="flat" cmpd="sng" algn="ctr">
+                      <a:solidFill>
+                        <a:schemeClr val="tx1"/>
+                      </a:solidFill>
+                      <a:prstDash val="solid"/>
+                      <a:round/>
+                      <a:headEnd type="none" w="med" len="med"/>
+                      <a:tailEnd type="none" w="med" len="med"/>
+                    </a:lnB>
+                  </a:tcPr>
+                </a:tc>
+                <a:extLst>
+                  <a:ext uri="{0D108BD9-81ED-4DB2-BD59-A6C34878D82A}">
+                    <a16:rowId xmlns:a16="http://schemas.microsoft.com/office/drawing/2014/main" val="3786174930"/>
+                  </a:ext>
+                </a:extLst>
+              </a:tr>
+              <a:tr h="211258">
+                <a:tc>
+                  <a:txBody>
+                    <a:bodyPr/>
+                    <a:lstStyle/>
+                    <a:p>
+                      <a:pPr algn="ctr"/>
+                      <a:r>
+                        <a:rPr lang="en-US" sz="2000" b="1">
+                          <a:solidFill>
+                            <a:schemeClr val="tx1"/>
+                          </a:solidFill>
+                          <a:effectLst/>
+                          <a:latin typeface="Roboto"/>
+                        </a:rPr>
+                        <a:t>with</a:t>
+                      </a:r>
+                    </a:p>
+                  </a:txBody>
+                  <a:tcPr anchor="ctr">
+                    <a:lnL w="12700" cap="flat" cmpd="sng" algn="ctr">
+                      <a:solidFill>
+                        <a:schemeClr val="tx1"/>
+                      </a:solidFill>
+                      <a:prstDash val="solid"/>
+                      <a:round/>
+                      <a:headEnd type="none" w="med" len="med"/>
+                      <a:tailEnd type="none" w="med" len="med"/>
+                    </a:lnL>
+                    <a:lnR w="12700" cap="flat" cmpd="sng" algn="ctr">
+                      <a:solidFill>
+                        <a:schemeClr val="tx1"/>
+                      </a:solidFill>
+                      <a:prstDash val="solid"/>
+                      <a:round/>
+                      <a:headEnd type="none" w="med" len="med"/>
+                      <a:tailEnd type="none" w="med" len="med"/>
+                    </a:lnR>
+                    <a:lnT w="12700" cap="flat" cmpd="sng" algn="ctr">
+                      <a:solidFill>
+                        <a:schemeClr val="tx1"/>
+                      </a:solidFill>
+                      <a:prstDash val="solid"/>
+                      <a:round/>
+                      <a:headEnd type="none" w="med" len="med"/>
+                      <a:tailEnd type="none" w="med" len="med"/>
+                    </a:lnT>
+                    <a:lnB w="12700" cap="flat" cmpd="sng" algn="ctr">
+                      <a:solidFill>
+                        <a:schemeClr val="tx1"/>
+                      </a:solidFill>
+                      <a:prstDash val="solid"/>
+                      <a:round/>
+                      <a:headEnd type="none" w="med" len="med"/>
+                      <a:tailEnd type="none" w="med" len="med"/>
+                    </a:lnB>
+                  </a:tcPr>
+                </a:tc>
+                <a:tc>
+                  <a:txBody>
+                    <a:bodyPr/>
+                    <a:lstStyle/>
+                    <a:p>
+                      <a:pPr algn="ctr"/>
+                      <a:r>
+                        <a:rPr lang="en-US" sz="2000" b="1">
+                          <a:solidFill>
+                            <a:schemeClr val="tx1"/>
+                          </a:solidFill>
+                          <a:effectLst/>
+                          <a:latin typeface="Roboto"/>
+                        </a:rPr>
+                        <a:t>class</a:t>
+                      </a:r>
+                    </a:p>
+                  </a:txBody>
+                  <a:tcPr anchor="ctr">
+                    <a:lnL w="12700" cap="flat" cmpd="sng" algn="ctr">
+                      <a:solidFill>
+                        <a:schemeClr val="tx1"/>
+                      </a:solidFill>
+                      <a:prstDash val="solid"/>
+                      <a:round/>
+                      <a:headEnd type="none" w="med" len="med"/>
+                      <a:tailEnd type="none" w="med" len="med"/>
+                    </a:lnL>
+                    <a:lnR w="12700" cap="flat" cmpd="sng" algn="ctr">
+                      <a:solidFill>
+                        <a:schemeClr val="tx1"/>
+                      </a:solidFill>
+                      <a:prstDash val="solid"/>
+                      <a:round/>
+                      <a:headEnd type="none" w="med" len="med"/>
+                      <a:tailEnd type="none" w="med" len="med"/>
+                    </a:lnR>
+                    <a:lnT w="12700" cap="flat" cmpd="sng" algn="ctr">
+                      <a:solidFill>
+                        <a:schemeClr val="tx1"/>
+                      </a:solidFill>
+                      <a:prstDash val="solid"/>
+                      <a:round/>
+                      <a:headEnd type="none" w="med" len="med"/>
+                      <a:tailEnd type="none" w="med" len="med"/>
+                    </a:lnT>
+                    <a:lnB w="12700" cap="flat" cmpd="sng" algn="ctr">
+                      <a:solidFill>
+                        <a:schemeClr val="tx1"/>
+                      </a:solidFill>
+                      <a:prstDash val="solid"/>
+                      <a:round/>
+                      <a:headEnd type="none" w="med" len="med"/>
+                      <a:tailEnd type="none" w="med" len="med"/>
+                    </a:lnB>
+                  </a:tcPr>
+                </a:tc>
+                <a:tc>
+                  <a:txBody>
+                    <a:bodyPr/>
+                    <a:lstStyle/>
+                    <a:p>
+                      <a:pPr algn="ctr"/>
+                      <a:r>
+                        <a:rPr lang="en-US" sz="2000" b="1">
+                          <a:solidFill>
+                            <a:schemeClr val="tx1"/>
+                          </a:solidFill>
+                          <a:effectLst/>
+                          <a:latin typeface="Roboto"/>
+                        </a:rPr>
+                        <a:t>try</a:t>
+                      </a:r>
+                    </a:p>
+                  </a:txBody>
+                  <a:tcPr anchor="ctr">
+                    <a:lnL w="12700" cap="flat" cmpd="sng" algn="ctr">
+                      <a:solidFill>
+                        <a:schemeClr val="tx1"/>
+                      </a:solidFill>
+                      <a:prstDash val="solid"/>
+                      <a:round/>
+                      <a:headEnd type="none" w="med" len="med"/>
+                      <a:tailEnd type="none" w="med" len="med"/>
+                    </a:lnL>
+                    <a:lnR w="12700" cap="flat" cmpd="sng" algn="ctr">
+                      <a:solidFill>
+                        <a:schemeClr val="tx1"/>
+                      </a:solidFill>
+                      <a:prstDash val="solid"/>
+                      <a:round/>
+                      <a:headEnd type="none" w="med" len="med"/>
+                      <a:tailEnd type="none" w="med" len="med"/>
+                    </a:lnR>
+                    <a:lnT w="12700" cap="flat" cmpd="sng" algn="ctr">
+                      <a:solidFill>
+                        <a:schemeClr val="tx1"/>
+                      </a:solidFill>
+                      <a:prstDash val="solid"/>
+                      <a:round/>
+                      <a:headEnd type="none" w="med" len="med"/>
+                      <a:tailEnd type="none" w="med" len="med"/>
+                    </a:lnT>
+                    <a:lnB w="12700" cap="flat" cmpd="sng" algn="ctr">
+                      <a:solidFill>
+                        <a:schemeClr val="tx1"/>
+                      </a:solidFill>
+                      <a:prstDash val="solid"/>
+                      <a:round/>
+                      <a:headEnd type="none" w="med" len="med"/>
+                      <a:tailEnd type="none" w="med" len="med"/>
+                    </a:lnB>
+                  </a:tcPr>
+                </a:tc>
+                <a:extLst>
+                  <a:ext uri="{0D108BD9-81ED-4DB2-BD59-A6C34878D82A}">
+                    <a16:rowId xmlns:a16="http://schemas.microsoft.com/office/drawing/2014/main" val="1855204238"/>
+                  </a:ext>
+                </a:extLst>
+              </a:tr>
+              <a:tr h="211258">
+                <a:tc>
+                  <a:txBody>
+                    <a:bodyPr/>
+                    <a:lstStyle/>
+                    <a:p>
+                      <a:pPr algn="ctr"/>
+                      <a:r>
+                        <a:rPr lang="en-US" sz="2000" b="1">
+                          <a:solidFill>
+                            <a:schemeClr val="tx1"/>
+                          </a:solidFill>
+                          <a:effectLst/>
+                          <a:latin typeface="Roboto"/>
+                        </a:rPr>
+                        <a:t>exec</a:t>
+                      </a:r>
+                    </a:p>
+                  </a:txBody>
+                  <a:tcPr anchor="ctr">
+                    <a:lnL w="12700" cap="flat" cmpd="sng" algn="ctr">
+                      <a:solidFill>
+                        <a:schemeClr val="tx1"/>
+                      </a:solidFill>
+                      <a:prstDash val="solid"/>
+                      <a:round/>
+                      <a:headEnd type="none" w="med" len="med"/>
+                      <a:tailEnd type="none" w="med" len="med"/>
+                    </a:lnL>
+                    <a:lnR w="12700" cap="flat" cmpd="sng" algn="ctr">
+                      <a:solidFill>
+                        <a:schemeClr val="tx1"/>
+                      </a:solidFill>
+                      <a:prstDash val="solid"/>
+                      <a:round/>
+                      <a:headEnd type="none" w="med" len="med"/>
+                      <a:tailEnd type="none" w="med" len="med"/>
+                    </a:lnR>
+                    <a:lnT w="12700" cap="flat" cmpd="sng" algn="ctr">
+                      <a:solidFill>
+                        <a:schemeClr val="tx1"/>
+                      </a:solidFill>
+                      <a:prstDash val="solid"/>
+                      <a:round/>
+                      <a:headEnd type="none" w="med" len="med"/>
+                      <a:tailEnd type="none" w="med" len="med"/>
+                    </a:lnT>
+                    <a:lnB w="12700" cap="flat" cmpd="sng" algn="ctr">
+                      <a:solidFill>
+                        <a:schemeClr val="tx1"/>
+                      </a:solidFill>
+                      <a:prstDash val="solid"/>
+                      <a:round/>
+                      <a:headEnd type="none" w="med" len="med"/>
+                      <a:tailEnd type="none" w="med" len="med"/>
+                    </a:lnB>
+                  </a:tcPr>
+                </a:tc>
+                <a:tc>
+                  <a:txBody>
+                    <a:bodyPr/>
+                    <a:lstStyle/>
+                    <a:p>
+                      <a:pPr algn="ctr"/>
+                      <a:endParaRPr lang="en-US" sz="2000" b="1">
+                        <a:solidFill>
+                          <a:schemeClr val="tx1"/>
+                        </a:solidFill>
+                        <a:effectLst/>
+                        <a:latin typeface="Roboto"/>
+                      </a:endParaRPr>
+                    </a:p>
+                  </a:txBody>
+                  <a:tcPr anchor="ctr">
+                    <a:lnL w="12700" cap="flat" cmpd="sng" algn="ctr">
+                      <a:solidFill>
+                        <a:schemeClr val="tx1"/>
+                      </a:solidFill>
+                      <a:prstDash val="solid"/>
+                      <a:round/>
+                      <a:headEnd type="none" w="med" len="med"/>
+                      <a:tailEnd type="none" w="med" len="med"/>
+                    </a:lnL>
+                    <a:lnR w="12700" cap="flat" cmpd="sng" algn="ctr">
+                      <a:solidFill>
+                        <a:schemeClr val="tx1"/>
+                      </a:solidFill>
+                      <a:prstDash val="solid"/>
+                      <a:round/>
+                      <a:headEnd type="none" w="med" len="med"/>
+                      <a:tailEnd type="none" w="med" len="med"/>
+                    </a:lnR>
+                    <a:lnT w="12700" cap="flat" cmpd="sng" algn="ctr">
+                      <a:solidFill>
+                        <a:schemeClr val="tx1"/>
+                      </a:solidFill>
+                      <a:prstDash val="solid"/>
+                      <a:round/>
+                      <a:headEnd type="none" w="med" len="med"/>
+                      <a:tailEnd type="none" w="med" len="med"/>
+                    </a:lnT>
+                    <a:lnB w="12700" cap="flat" cmpd="sng" algn="ctr">
+                      <a:solidFill>
+                        <a:schemeClr val="tx1"/>
+                      </a:solidFill>
+                      <a:prstDash val="solid"/>
+                      <a:round/>
+                      <a:headEnd type="none" w="med" len="med"/>
+                      <a:tailEnd type="none" w="med" len="med"/>
+                    </a:lnB>
+                  </a:tcPr>
+                </a:tc>
+                <a:tc>
+                  <a:txBody>
+                    <a:bodyPr/>
+                    <a:lstStyle/>
+                    <a:p>
+                      <a:pPr algn="ctr"/>
+                      <a:endParaRPr lang="en-US" sz="2000" b="1" dirty="0">
+                        <a:solidFill>
+                          <a:schemeClr val="tx1"/>
+                        </a:solidFill>
+                      </a:endParaRPr>
+                    </a:p>
+                  </a:txBody>
+                  <a:tcPr>
+                    <a:lnL w="12700" cap="flat" cmpd="sng" algn="ctr">
+                      <a:solidFill>
+                        <a:schemeClr val="tx1"/>
+                      </a:solidFill>
+                      <a:prstDash val="solid"/>
+                      <a:round/>
+                      <a:headEnd type="none" w="med" len="med"/>
+                      <a:tailEnd type="none" w="med" len="med"/>
+                    </a:lnL>
+                    <a:lnR w="12700" cap="flat" cmpd="sng" algn="ctr">
+                      <a:solidFill>
+                        <a:schemeClr val="tx1"/>
+                      </a:solidFill>
+                      <a:prstDash val="solid"/>
+                      <a:round/>
+                      <a:headEnd type="none" w="med" len="med"/>
+                      <a:tailEnd type="none" w="med" len="med"/>
+                    </a:lnR>
+                    <a:lnT w="12700" cap="flat" cmpd="sng" algn="ctr">
+                      <a:solidFill>
+                        <a:schemeClr val="tx1"/>
+                      </a:solidFill>
+                      <a:prstDash val="solid"/>
+                      <a:round/>
+                      <a:headEnd type="none" w="med" len="med"/>
+                      <a:tailEnd type="none" w="med" len="med"/>
+                    </a:lnT>
+                    <a:lnB w="12700" cap="flat" cmpd="sng" algn="ctr">
+                      <a:solidFill>
+                        <a:schemeClr val="tx1"/>
+                      </a:solidFill>
+                      <a:prstDash val="solid"/>
+                      <a:round/>
+                      <a:headEnd type="none" w="med" len="med"/>
+                      <a:tailEnd type="none" w="med" len="med"/>
+                    </a:lnB>
+                  </a:tcPr>
+                </a:tc>
+                <a:extLst>
+                  <a:ext uri="{0D108BD9-81ED-4DB2-BD59-A6C34878D82A}">
+                    <a16:rowId xmlns:a16="http://schemas.microsoft.com/office/drawing/2014/main" val="754318068"/>
+                  </a:ext>
+                </a:extLst>
+              </a:tr>
+            </a:tbl>
+          </a:graphicData>
+        </a:graphic>
+      </p:graphicFrame>
+    </p:spTree>
+    <p:extLst>
+      <p:ext uri="{BB962C8B-B14F-4D97-AF65-F5344CB8AC3E}">
+        <p14:creationId xmlns:p14="http://schemas.microsoft.com/office/powerpoint/2010/main" val="982651572"/>
+      </p:ext>
+    </p:extLst>
+  </p:cSld>
+  <p:clrMapOvr>
+    <a:masterClrMapping/>
+  </p:clrMapOvr>
+  <p:timing>
+    <p:tnLst>
+      <p:par>
+        <p:cTn id="1" dur="indefinite" restart="never" nodeType="tmRoot"/>
+      </p:par>
+    </p:tnLst>
+  </p:timing>
+</p:sld>
+</file>
+
+<file path=ppt/slides/slide17.xml><?xml version="1.0" encoding="utf-8"?>
+<p:sld xmlns:a="http://schemas.openxmlformats.org/drawingml/2006/main" xmlns:r="http://schemas.openxmlformats.org/officeDocument/2006/relationships" xmlns:p="http://schemas.openxmlformats.org/presentationml/2006/main">
+  <p:cSld>
+    <p:spTree>
+      <p:nvGrpSpPr>
+        <p:cNvPr id="1" name=""/>
+        <p:cNvGrpSpPr/>
+        <p:nvPr/>
+      </p:nvGrpSpPr>
+      <p:grpSpPr>
+        <a:xfrm>
+          <a:off x="0" y="0"/>
+          <a:ext cx="0" cy="0"/>
+          <a:chOff x="0" y="0"/>
+          <a:chExt cx="0" cy="0"/>
+        </a:xfrm>
+      </p:grpSpPr>
+      <p:sp>
+        <p:nvSpPr>
+          <p:cNvPr id="2" name="Título 1"/>
+          <p:cNvSpPr>
+            <a:spLocks noGrp="1"/>
+          </p:cNvSpPr>
+          <p:nvPr>
+            <p:ph type="title"/>
+          </p:nvPr>
+        </p:nvSpPr>
+        <p:spPr/>
+        <p:txBody>
+          <a:bodyPr/>
+          <a:lstStyle/>
+          <a:p>
+            <a:r>
+              <a:rPr lang="pt-BR" dirty="0" err="1" smtClean="0"/>
+              <a:t>Indentação</a:t>
+            </a:r>
+            <a:r>
+              <a:rPr lang="pt-BR" dirty="0" smtClean="0"/>
+              <a:t> e comentários</a:t>
+            </a:r>
+            <a:endParaRPr lang="pt-BR" dirty="0"/>
+          </a:p>
+        </p:txBody>
+      </p:sp>
+      <p:sp>
+        <p:nvSpPr>
+          <p:cNvPr id="3" name="Espaço Reservado para Conteúdo 2"/>
+          <p:cNvSpPr>
+            <a:spLocks noGrp="1"/>
+          </p:cNvSpPr>
+          <p:nvPr>
+            <p:ph idx="1"/>
+          </p:nvPr>
+        </p:nvSpPr>
+        <p:spPr/>
+        <p:txBody>
+          <a:bodyPr/>
+          <a:lstStyle/>
+          <a:p>
+            <a:r>
+              <a:rPr lang="pt-BR" sz="3200" dirty="0" smtClean="0"/>
+              <a:t>Toda a </a:t>
+            </a:r>
+            <a:r>
+              <a:rPr lang="pt-BR" sz="3200" dirty="0" err="1" smtClean="0"/>
+              <a:t>indentação</a:t>
+            </a:r>
+            <a:r>
+              <a:rPr lang="pt-BR" sz="3200" dirty="0" smtClean="0"/>
+              <a:t> em Python é feita pelo número de espaços</a:t>
+            </a:r>
+          </a:p>
+          <a:p>
+            <a:r>
+              <a:rPr lang="pt-BR" sz="3200" dirty="0"/>
+              <a:t>Múltiplas separadas por \</a:t>
+            </a:r>
+          </a:p>
+          <a:p>
+            <a:r>
+              <a:rPr lang="pt-BR" sz="3200" dirty="0"/>
+              <a:t>Aspas ‘ e “</a:t>
+            </a:r>
+          </a:p>
+          <a:p>
+            <a:r>
+              <a:rPr lang="pt-BR" sz="3200" dirty="0"/>
+              <a:t>Comentários por # e ’’’</a:t>
+            </a:r>
+          </a:p>
+          <a:p>
+            <a:pPr marL="0" indent="0">
+              <a:buNone/>
+            </a:pPr>
+            <a:endParaRPr lang="pt-BR" sz="3200" dirty="0" smtClean="0"/>
+          </a:p>
+        </p:txBody>
+      </p:sp>
+    </p:spTree>
+    <p:extLst>
+      <p:ext uri="{BB962C8B-B14F-4D97-AF65-F5344CB8AC3E}">
+        <p14:creationId xmlns:p14="http://schemas.microsoft.com/office/powerpoint/2010/main" val="6276441"/>
+      </p:ext>
+    </p:extLst>
+  </p:cSld>
+  <p:clrMapOvr>
+    <a:masterClrMapping/>
+  </p:clrMapOvr>
+  <p:timing>
+    <p:tnLst>
+      <p:par>
+        <p:cTn id="1" dur="indefinite" restart="never" nodeType="tmRoot"/>
+      </p:par>
+    </p:tnLst>
+  </p:timing>
+</p:sld>
+</file>
+
+<file path=ppt/slides/slide18.xml><?xml version="1.0" encoding="utf-8"?>
+<p:sld xmlns:a="http://schemas.openxmlformats.org/drawingml/2006/main" xmlns:r="http://schemas.openxmlformats.org/officeDocument/2006/relationships" xmlns:p="http://schemas.openxmlformats.org/presentationml/2006/main">
+  <p:cSld>
+    <p:spTree>
+      <p:nvGrpSpPr>
+        <p:cNvPr id="1" name=""/>
+        <p:cNvGrpSpPr/>
+        <p:nvPr/>
+      </p:nvGrpSpPr>
+      <p:grpSpPr>
+        <a:xfrm>
+          <a:off x="0" y="0"/>
+          <a:ext cx="0" cy="0"/>
+          <a:chOff x="0" y="0"/>
+          <a:chExt cx="0" cy="0"/>
+        </a:xfrm>
+      </p:grpSpPr>
+      <p:sp>
+        <p:nvSpPr>
+          <p:cNvPr id="2" name="Título 1"/>
+          <p:cNvSpPr>
+            <a:spLocks noGrp="1"/>
+          </p:cNvSpPr>
+          <p:nvPr>
+            <p:ph type="title"/>
+          </p:nvPr>
+        </p:nvSpPr>
+        <p:spPr/>
+        <p:txBody>
+          <a:bodyPr/>
+          <a:lstStyle/>
+          <a:p>
+            <a:r>
+              <a:rPr lang="pt-BR" dirty="0" smtClean="0"/>
+              <a:t>Cronograma</a:t>
+            </a:r>
+            <a:endParaRPr lang="pt-BR" dirty="0"/>
+          </a:p>
+        </p:txBody>
+      </p:sp>
+      <p:sp>
+        <p:nvSpPr>
+          <p:cNvPr id="3" name="Espaço Reservado para Conteúdo 2"/>
+          <p:cNvSpPr>
+            <a:spLocks noGrp="1"/>
+          </p:cNvSpPr>
+          <p:nvPr>
+            <p:ph idx="1"/>
+          </p:nvPr>
+        </p:nvSpPr>
+        <p:spPr>
+          <a:xfrm>
+            <a:off x="628650" y="1418897"/>
+            <a:ext cx="7886700" cy="5087006"/>
+          </a:xfrm>
+        </p:spPr>
+        <p:txBody>
+          <a:bodyPr>
+            <a:normAutofit fontScale="92500" lnSpcReduction="20000"/>
+          </a:bodyPr>
+          <a:lstStyle/>
+          <a:p>
+            <a:r>
+              <a:rPr lang="pt-BR" sz="4500" dirty="0" smtClean="0"/>
+              <a:t>Parte I:</a:t>
+            </a:r>
+          </a:p>
+          <a:p>
+            <a:pPr lvl="1"/>
+            <a:r>
+              <a:rPr lang="pt-BR" sz="4500" dirty="0" smtClean="0">
+                <a:solidFill>
+                  <a:schemeClr val="tx1">
+                    <a:lumMod val="50000"/>
+                    <a:lumOff val="50000"/>
+                  </a:schemeClr>
+                </a:solidFill>
+              </a:rPr>
+              <a:t>Introdução</a:t>
+            </a:r>
+          </a:p>
+          <a:p>
+            <a:pPr lvl="1"/>
+            <a:r>
+              <a:rPr lang="pt-BR" sz="4500" dirty="0" smtClean="0">
+                <a:solidFill>
+                  <a:schemeClr val="tx1">
+                    <a:lumMod val="50000"/>
+                    <a:lumOff val="50000"/>
+                  </a:schemeClr>
+                </a:solidFill>
+              </a:rPr>
+              <a:t>Visão geral</a:t>
+            </a:r>
+          </a:p>
+          <a:p>
+            <a:pPr lvl="1"/>
+            <a:r>
+              <a:rPr lang="pt-BR" sz="4500" dirty="0" smtClean="0">
+                <a:solidFill>
+                  <a:schemeClr val="tx1">
+                    <a:lumMod val="50000"/>
+                    <a:lumOff val="50000"/>
+                  </a:schemeClr>
+                </a:solidFill>
+              </a:rPr>
+              <a:t>Configuração do ambiente</a:t>
+            </a:r>
+          </a:p>
+          <a:p>
+            <a:pPr lvl="1"/>
+            <a:r>
+              <a:rPr lang="pt-BR" sz="4500" dirty="0" smtClean="0">
+                <a:solidFill>
+                  <a:schemeClr val="tx1">
+                    <a:lumMod val="50000"/>
+                    <a:lumOff val="50000"/>
+                  </a:schemeClr>
+                </a:solidFill>
+              </a:rPr>
+              <a:t>Sintaxe </a:t>
+            </a:r>
+            <a:r>
+              <a:rPr lang="pt-BR" sz="4500" dirty="0">
+                <a:solidFill>
+                  <a:schemeClr val="tx1">
+                    <a:lumMod val="50000"/>
+                    <a:lumOff val="50000"/>
+                  </a:schemeClr>
+                </a:solidFill>
+              </a:rPr>
+              <a:t>básica</a:t>
+            </a:r>
+          </a:p>
+          <a:p>
+            <a:pPr lvl="1"/>
+            <a:r>
+              <a:rPr lang="pt-BR" sz="4500" dirty="0"/>
+              <a:t>Tipos de </a:t>
+            </a:r>
+            <a:r>
+              <a:rPr lang="pt-BR" sz="4500" dirty="0" smtClean="0"/>
+              <a:t>variáveis</a:t>
+            </a:r>
+            <a:endParaRPr lang="pt-BR" sz="4500" dirty="0"/>
+          </a:p>
+          <a:p>
+            <a:pPr lvl="1"/>
+            <a:r>
+              <a:rPr lang="pt-BR" sz="4500" dirty="0" smtClean="0">
+                <a:solidFill>
+                  <a:schemeClr val="tx1">
+                    <a:lumMod val="50000"/>
+                    <a:lumOff val="50000"/>
+                  </a:schemeClr>
+                </a:solidFill>
+              </a:rPr>
+              <a:t>Operadores </a:t>
+            </a:r>
+            <a:r>
+              <a:rPr lang="pt-BR" sz="4500" dirty="0" smtClean="0">
+                <a:solidFill>
+                  <a:schemeClr val="tx1">
+                    <a:lumMod val="50000"/>
+                    <a:lumOff val="50000"/>
+                  </a:schemeClr>
+                </a:solidFill>
+              </a:rPr>
+              <a:t>básicos</a:t>
+            </a:r>
+          </a:p>
+          <a:p>
+            <a:pPr lvl="1"/>
+            <a:r>
+              <a:rPr lang="pt-BR" sz="4500" dirty="0" smtClean="0">
+                <a:solidFill>
+                  <a:schemeClr val="tx1">
+                    <a:lumMod val="50000"/>
+                    <a:lumOff val="50000"/>
+                  </a:schemeClr>
+                </a:solidFill>
+              </a:rPr>
+              <a:t>Operadores condicionais</a:t>
+            </a:r>
+          </a:p>
+          <a:p>
+            <a:pPr lvl="1"/>
+            <a:r>
+              <a:rPr lang="pt-BR" sz="4500" dirty="0" smtClean="0">
+                <a:solidFill>
+                  <a:schemeClr val="tx1">
+                    <a:lumMod val="50000"/>
+                    <a:lumOff val="50000"/>
+                  </a:schemeClr>
+                </a:solidFill>
+              </a:rPr>
+              <a:t>Laços de </a:t>
+            </a:r>
+            <a:r>
+              <a:rPr lang="pt-BR" sz="4500" dirty="0" smtClean="0">
+                <a:solidFill>
+                  <a:schemeClr val="tx1">
+                    <a:lumMod val="50000"/>
+                    <a:lumOff val="50000"/>
+                  </a:schemeClr>
+                </a:solidFill>
+              </a:rPr>
+              <a:t>repetição</a:t>
+            </a:r>
+            <a:endParaRPr lang="pt-BR" dirty="0"/>
+          </a:p>
+        </p:txBody>
+      </p:sp>
+    </p:spTree>
+    <p:extLst>
+      <p:ext uri="{BB962C8B-B14F-4D97-AF65-F5344CB8AC3E}">
+        <p14:creationId xmlns:p14="http://schemas.microsoft.com/office/powerpoint/2010/main" val="1076389402"/>
+      </p:ext>
+    </p:extLst>
+  </p:cSld>
+  <p:clrMapOvr>
+    <a:masterClrMapping/>
+  </p:clrMapOvr>
+  <p:timing>
+    <p:tnLst>
+      <p:par>
+        <p:cTn id="1" dur="indefinite" restart="never" nodeType="tmRoot"/>
+      </p:par>
+    </p:tnLst>
+  </p:timing>
+</p:sld>
+</file>
+
+<file path=ppt/slides/slide19.xml><?xml version="1.0" encoding="utf-8"?>
+<p:sld xmlns:a="http://schemas.openxmlformats.org/drawingml/2006/main" xmlns:r="http://schemas.openxmlformats.org/officeDocument/2006/relationships" xmlns:p="http://schemas.openxmlformats.org/presentationml/2006/main">
+  <p:cSld>
+    <p:spTree>
+      <p:nvGrpSpPr>
+        <p:cNvPr id="1" name=""/>
+        <p:cNvGrpSpPr/>
+        <p:nvPr/>
+      </p:nvGrpSpPr>
+      <p:grpSpPr>
+        <a:xfrm>
+          <a:off x="0" y="0"/>
+          <a:ext cx="0" cy="0"/>
+          <a:chOff x="0" y="0"/>
+          <a:chExt cx="0" cy="0"/>
+        </a:xfrm>
+      </p:grpSpPr>
+      <p:sp>
+        <p:nvSpPr>
+          <p:cNvPr id="2" name="Título 1"/>
+          <p:cNvSpPr>
+            <a:spLocks noGrp="1"/>
+          </p:cNvSpPr>
+          <p:nvPr>
+            <p:ph type="title"/>
+          </p:nvPr>
+        </p:nvSpPr>
+        <p:spPr/>
+        <p:txBody>
+          <a:bodyPr/>
+          <a:lstStyle/>
+          <a:p>
+            <a:r>
+              <a:rPr lang="pt-BR" dirty="0" smtClean="0"/>
+              <a:t>Atribuindo valores a variáveis</a:t>
+            </a:r>
+            <a:endParaRPr lang="pt-BR" dirty="0"/>
+          </a:p>
+        </p:txBody>
+      </p:sp>
+      <p:sp>
+        <p:nvSpPr>
+          <p:cNvPr id="3" name="Espaço Reservado para Conteúdo 2"/>
+          <p:cNvSpPr>
+            <a:spLocks noGrp="1"/>
+          </p:cNvSpPr>
+          <p:nvPr>
+            <p:ph idx="1"/>
+          </p:nvPr>
+        </p:nvSpPr>
+        <p:spPr/>
+        <p:txBody>
+          <a:bodyPr/>
+          <a:lstStyle/>
+          <a:p>
+            <a:r>
+              <a:rPr lang="pt-BR" sz="3200" dirty="0" smtClean="0"/>
+              <a:t>Muito parecido com outras linguagens de programação</a:t>
+            </a:r>
+          </a:p>
+          <a:p>
+            <a:pPr lvl="1"/>
+            <a:r>
+              <a:rPr lang="pt-BR" sz="2800" dirty="0" smtClean="0"/>
+              <a:t>X = 10</a:t>
+            </a:r>
+          </a:p>
+          <a:p>
+            <a:r>
+              <a:rPr lang="pt-BR" sz="3200" dirty="0" smtClean="0"/>
+              <a:t>Possui outras facilidades, como atribuição </a:t>
+            </a:r>
+            <a:r>
+              <a:rPr lang="pt-BR" sz="3200" dirty="0" smtClean="0"/>
+              <a:t>múltipla</a:t>
+            </a:r>
+            <a:endParaRPr lang="pt-BR" sz="3200" dirty="0"/>
+          </a:p>
+          <a:p>
+            <a:pPr lvl="1"/>
+            <a:r>
+              <a:rPr lang="pt-BR" sz="2800" dirty="0" smtClean="0"/>
+              <a:t>a, b, c, d = 10, 20, 30, 10</a:t>
+            </a:r>
+            <a:endParaRPr lang="pt-BR" sz="2800" dirty="0" smtClean="0"/>
+          </a:p>
+        </p:txBody>
+      </p:sp>
+    </p:spTree>
+    <p:extLst>
+      <p:ext uri="{BB962C8B-B14F-4D97-AF65-F5344CB8AC3E}">
+        <p14:creationId xmlns:p14="http://schemas.microsoft.com/office/powerpoint/2010/main" val="934468092"/>
+      </p:ext>
+    </p:extLst>
+  </p:cSld>
+  <p:clrMapOvr>
+    <a:masterClrMapping/>
+  </p:clrMapOvr>
+  <p:timing>
+    <p:tnLst>
+      <p:par>
+        <p:cTn id="1" dur="indefinite" restart="never" nodeType="tmRoot"/>
+      </p:par>
+    </p:tnLst>
+  </p:timing>
+</p:sld>
+</file>
+
+<file path=ppt/slides/slide2.xml><?xml version="1.0" encoding="utf-8"?>
+<p:sld xmlns:a="http://schemas.openxmlformats.org/drawingml/2006/main" xmlns:r="http://schemas.openxmlformats.org/officeDocument/2006/relationships" xmlns:p="http://schemas.openxmlformats.org/presentationml/2006/main">
+  <p:cSld>
+    <p:spTree>
+      <p:nvGrpSpPr>
+        <p:cNvPr id="1" name=""/>
+        <p:cNvGrpSpPr/>
+        <p:nvPr/>
+      </p:nvGrpSpPr>
+      <p:grpSpPr>
+        <a:xfrm>
+          <a:off x="0" y="0"/>
+          <a:ext cx="0" cy="0"/>
+          <a:chOff x="0" y="0"/>
+          <a:chExt cx="0" cy="0"/>
+        </a:xfrm>
+      </p:grpSpPr>
+      <p:sp>
+        <p:nvSpPr>
+          <p:cNvPr id="2" name="Título 1"/>
+          <p:cNvSpPr>
+            <a:spLocks noGrp="1"/>
+          </p:cNvSpPr>
+          <p:nvPr>
+            <p:ph type="title"/>
+          </p:nvPr>
+        </p:nvSpPr>
+        <p:spPr/>
+        <p:txBody>
+          <a:bodyPr/>
+          <a:lstStyle/>
+          <a:p>
+            <a:r>
+              <a:rPr lang="pt-BR" dirty="0" smtClean="0"/>
+              <a:t>Cronograma</a:t>
+            </a:r>
+            <a:endParaRPr lang="pt-BR" dirty="0"/>
+          </a:p>
+        </p:txBody>
+      </p:sp>
+      <p:sp>
+        <p:nvSpPr>
+          <p:cNvPr id="3" name="Espaço Reservado para Conteúdo 2"/>
+          <p:cNvSpPr>
+            <a:spLocks noGrp="1"/>
+          </p:cNvSpPr>
+          <p:nvPr>
+            <p:ph idx="1"/>
+          </p:nvPr>
+        </p:nvSpPr>
+        <p:spPr>
+          <a:xfrm>
+            <a:off x="628650" y="1418897"/>
+            <a:ext cx="7886700" cy="5087006"/>
+          </a:xfrm>
+        </p:spPr>
+        <p:txBody>
+          <a:bodyPr>
+            <a:noAutofit/>
+          </a:bodyPr>
+          <a:lstStyle/>
+          <a:p>
+            <a:r>
+              <a:rPr lang="pt-BR" sz="3600" dirty="0" smtClean="0"/>
+              <a:t>Parte I:</a:t>
+            </a:r>
+          </a:p>
+          <a:p>
+            <a:pPr lvl="1"/>
+            <a:r>
+              <a:rPr lang="pt-BR" sz="3600" dirty="0" smtClean="0"/>
+              <a:t>Introdução</a:t>
+            </a:r>
+          </a:p>
+          <a:p>
+            <a:pPr lvl="1"/>
+            <a:r>
+              <a:rPr lang="pt-BR" sz="3600" dirty="0" smtClean="0"/>
+              <a:t>Visão geral</a:t>
+            </a:r>
+          </a:p>
+          <a:p>
+            <a:pPr lvl="1"/>
+            <a:r>
+              <a:rPr lang="pt-BR" sz="3600" dirty="0" smtClean="0"/>
+              <a:t>Configuração do ambiente</a:t>
+            </a:r>
+          </a:p>
+          <a:p>
+            <a:pPr lvl="1"/>
+            <a:r>
+              <a:rPr lang="pt-BR" sz="3600" dirty="0" smtClean="0"/>
+              <a:t>Sintaxe </a:t>
+            </a:r>
+            <a:r>
+              <a:rPr lang="pt-BR" sz="3600" dirty="0"/>
+              <a:t>básica</a:t>
+            </a:r>
+          </a:p>
+          <a:p>
+            <a:pPr lvl="1"/>
+            <a:r>
+              <a:rPr lang="pt-BR" sz="3600" dirty="0"/>
+              <a:t>Tipos de </a:t>
+            </a:r>
+            <a:r>
+              <a:rPr lang="pt-BR" sz="3600" dirty="0" smtClean="0"/>
+              <a:t>variáveis</a:t>
+            </a:r>
+            <a:endParaRPr lang="pt-BR" sz="3600" dirty="0"/>
+          </a:p>
+          <a:p>
+            <a:pPr lvl="1"/>
+            <a:r>
+              <a:rPr lang="pt-BR" sz="3600" dirty="0" smtClean="0"/>
+              <a:t>Operadores </a:t>
+            </a:r>
+            <a:r>
+              <a:rPr lang="pt-BR" sz="3600" dirty="0" smtClean="0"/>
+              <a:t>básicos</a:t>
+            </a:r>
+          </a:p>
+          <a:p>
+            <a:pPr lvl="1"/>
+            <a:r>
+              <a:rPr lang="pt-BR" sz="3600" dirty="0" smtClean="0"/>
+              <a:t>Operadores condicionais</a:t>
+            </a:r>
+          </a:p>
+          <a:p>
+            <a:pPr lvl="1"/>
+            <a:r>
+              <a:rPr lang="pt-BR" sz="3600" dirty="0" smtClean="0"/>
+              <a:t>Laços de </a:t>
+            </a:r>
+            <a:r>
+              <a:rPr lang="pt-BR" sz="3600" dirty="0" smtClean="0"/>
+              <a:t>repetição</a:t>
+            </a:r>
+            <a:endParaRPr lang="pt-BR" sz="1800" dirty="0"/>
+          </a:p>
+        </p:txBody>
+      </p:sp>
+    </p:spTree>
+    <p:extLst>
+      <p:ext uri="{BB962C8B-B14F-4D97-AF65-F5344CB8AC3E}">
+        <p14:creationId xmlns:p14="http://schemas.microsoft.com/office/powerpoint/2010/main" val="3994365320"/>
+      </p:ext>
+    </p:extLst>
+  </p:cSld>
+  <p:clrMapOvr>
+    <a:masterClrMapping/>
+  </p:clrMapOvr>
+  <p:timing>
+    <p:tnLst>
+      <p:par>
+        <p:cTn id="1" dur="indefinite" restart="never" nodeType="tmRoot"/>
+      </p:par>
+    </p:tnLst>
+  </p:timing>
+</p:sld>
+</file>
+
+<file path=ppt/slides/slide20.xml><?xml version="1.0" encoding="utf-8"?>
+<p:sld xmlns:a="http://schemas.openxmlformats.org/drawingml/2006/main" xmlns:r="http://schemas.openxmlformats.org/officeDocument/2006/relationships" xmlns:p="http://schemas.openxmlformats.org/presentationml/2006/main">
+  <p:cSld>
+    <p:spTree>
+      <p:nvGrpSpPr>
+        <p:cNvPr id="1" name=""/>
+        <p:cNvGrpSpPr/>
+        <p:nvPr/>
+      </p:nvGrpSpPr>
+      <p:grpSpPr>
+        <a:xfrm>
+          <a:off x="0" y="0"/>
+          <a:ext cx="0" cy="0"/>
+          <a:chOff x="0" y="0"/>
+          <a:chExt cx="0" cy="0"/>
+        </a:xfrm>
+      </p:grpSpPr>
+      <p:sp>
+        <p:nvSpPr>
+          <p:cNvPr id="2" name="Título 1"/>
+          <p:cNvSpPr>
+            <a:spLocks noGrp="1"/>
+          </p:cNvSpPr>
+          <p:nvPr>
+            <p:ph type="title"/>
+          </p:nvPr>
+        </p:nvSpPr>
+        <p:spPr/>
+        <p:txBody>
+          <a:bodyPr/>
+          <a:lstStyle/>
+          <a:p>
+            <a:r>
+              <a:rPr lang="pt-BR" dirty="0" smtClean="0"/>
+              <a:t>Números</a:t>
+            </a:r>
+            <a:endParaRPr lang="pt-BR" dirty="0"/>
+          </a:p>
+        </p:txBody>
+      </p:sp>
+      <p:sp>
+        <p:nvSpPr>
+          <p:cNvPr id="3" name="Espaço Reservado para Conteúdo 2"/>
+          <p:cNvSpPr>
+            <a:spLocks noGrp="1"/>
+          </p:cNvSpPr>
+          <p:nvPr>
+            <p:ph idx="1"/>
+          </p:nvPr>
+        </p:nvSpPr>
+        <p:spPr/>
+        <p:txBody>
+          <a:bodyPr/>
+          <a:lstStyle/>
+          <a:p>
+            <a:r>
+              <a:rPr lang="pt-BR" dirty="0" smtClean="0"/>
+              <a:t>As variáveis que contém números são criadas quando é atribuído um valor para a variável</a:t>
+            </a:r>
+          </a:p>
+          <a:p>
+            <a:pPr lvl="1"/>
+            <a:r>
+              <a:rPr lang="pt-BR" dirty="0" smtClean="0"/>
+              <a:t>X = 10</a:t>
+            </a:r>
+          </a:p>
+          <a:p>
+            <a:pPr lvl="1"/>
+            <a:r>
+              <a:rPr lang="pt-BR" dirty="0" smtClean="0"/>
+              <a:t>a = 2.3</a:t>
+            </a:r>
+          </a:p>
+          <a:p>
+            <a:pPr lvl="1"/>
+            <a:r>
+              <a:rPr lang="pt-BR" dirty="0" smtClean="0"/>
+              <a:t>c = 99</a:t>
+            </a:r>
+          </a:p>
+          <a:p>
+            <a:r>
+              <a:rPr lang="pt-BR" dirty="0" smtClean="0"/>
+              <a:t>Para apagar a qualquer referência a variável</a:t>
+            </a:r>
+          </a:p>
+          <a:p>
+            <a:pPr lvl="1"/>
+            <a:r>
+              <a:rPr lang="pt-BR" dirty="0" err="1" smtClean="0"/>
+              <a:t>del</a:t>
+            </a:r>
+            <a:r>
+              <a:rPr lang="pt-BR" dirty="0" smtClean="0"/>
+              <a:t> X</a:t>
+            </a:r>
+          </a:p>
+          <a:p>
+            <a:pPr lvl="1"/>
+            <a:r>
+              <a:rPr lang="pt-BR" dirty="0" smtClean="0"/>
+              <a:t>Del </a:t>
+            </a:r>
+            <a:r>
+              <a:rPr lang="pt-BR" dirty="0" err="1" smtClean="0"/>
+              <a:t>a,c</a:t>
+            </a:r>
+            <a:endParaRPr lang="pt-BR" dirty="0" smtClean="0"/>
+          </a:p>
+          <a:p>
+            <a:endParaRPr lang="pt-BR" dirty="0"/>
+          </a:p>
+        </p:txBody>
+      </p:sp>
+    </p:spTree>
+    <p:extLst>
+      <p:ext uri="{BB962C8B-B14F-4D97-AF65-F5344CB8AC3E}">
+        <p14:creationId xmlns:p14="http://schemas.microsoft.com/office/powerpoint/2010/main" val="2520065756"/>
+      </p:ext>
+    </p:extLst>
+  </p:cSld>
+  <p:clrMapOvr>
+    <a:masterClrMapping/>
+  </p:clrMapOvr>
+  <p:timing>
+    <p:tnLst>
+      <p:par>
+        <p:cTn id="1" dur="indefinite" restart="never" nodeType="tmRoot"/>
+      </p:par>
+    </p:tnLst>
+  </p:timing>
+</p:sld>
+</file>
+
+<file path=ppt/slides/slide21.xml><?xml version="1.0" encoding="utf-8"?>
+<p:sld xmlns:a="http://schemas.openxmlformats.org/drawingml/2006/main" xmlns:r="http://schemas.openxmlformats.org/officeDocument/2006/relationships" xmlns:p="http://schemas.openxmlformats.org/presentationml/2006/main">
+  <p:cSld>
+    <p:spTree>
+      <p:nvGrpSpPr>
+        <p:cNvPr id="1" name=""/>
+        <p:cNvGrpSpPr/>
+        <p:nvPr/>
+      </p:nvGrpSpPr>
+      <p:grpSpPr>
+        <a:xfrm>
+          <a:off x="0" y="0"/>
+          <a:ext cx="0" cy="0"/>
+          <a:chOff x="0" y="0"/>
+          <a:chExt cx="0" cy="0"/>
+        </a:xfrm>
+      </p:grpSpPr>
+      <p:sp>
+        <p:nvSpPr>
+          <p:cNvPr id="2" name="Título 1"/>
+          <p:cNvSpPr>
+            <a:spLocks noGrp="1"/>
+          </p:cNvSpPr>
+          <p:nvPr>
+            <p:ph type="title"/>
+          </p:nvPr>
+        </p:nvSpPr>
+        <p:spPr/>
+        <p:txBody>
+          <a:bodyPr/>
+          <a:lstStyle/>
+          <a:p>
+            <a:r>
+              <a:rPr lang="pt-BR" dirty="0" smtClean="0"/>
+              <a:t>Tipos de números</a:t>
+            </a:r>
+            <a:endParaRPr lang="pt-BR" dirty="0"/>
+          </a:p>
+        </p:txBody>
+      </p:sp>
+      <p:sp>
+        <p:nvSpPr>
+          <p:cNvPr id="3" name="Espaço Reservado para Conteúdo 2"/>
+          <p:cNvSpPr>
+            <a:spLocks noGrp="1"/>
+          </p:cNvSpPr>
+          <p:nvPr>
+            <p:ph idx="1"/>
+          </p:nvPr>
+        </p:nvSpPr>
+        <p:spPr>
+          <a:xfrm>
+            <a:off x="628650" y="1690689"/>
+            <a:ext cx="7886700" cy="4486274"/>
+          </a:xfrm>
+        </p:spPr>
+        <p:txBody>
+          <a:bodyPr>
+            <a:normAutofit/>
+          </a:bodyPr>
+          <a:lstStyle/>
+          <a:p>
+            <a:r>
+              <a:rPr lang="pt-BR" dirty="0" smtClean="0"/>
+              <a:t>Inteiros e inteiros longos</a:t>
+            </a:r>
+          </a:p>
+          <a:p>
+            <a:pPr lvl="1"/>
+            <a:r>
+              <a:rPr lang="pt-BR" dirty="0" smtClean="0"/>
+              <a:t>Exemplos: 3, 422, 338, 3939, 38383838383</a:t>
+            </a:r>
+          </a:p>
+          <a:p>
+            <a:r>
+              <a:rPr lang="pt-BR" dirty="0" err="1" smtClean="0"/>
+              <a:t>Float</a:t>
+            </a:r>
+            <a:r>
+              <a:rPr lang="pt-BR" dirty="0" smtClean="0"/>
+              <a:t> (números reais)</a:t>
+            </a:r>
+          </a:p>
+          <a:p>
+            <a:pPr lvl="1"/>
+            <a:r>
+              <a:rPr lang="pt-BR" dirty="0" smtClean="0"/>
+              <a:t>Exemplos: 3.14, 67.44, 88.2</a:t>
+            </a:r>
+          </a:p>
+          <a:p>
+            <a:r>
+              <a:rPr lang="pt-BR" dirty="0" smtClean="0"/>
+              <a:t>Complexos</a:t>
+            </a:r>
+          </a:p>
+          <a:p>
+            <a:pPr lvl="1"/>
+            <a:r>
+              <a:rPr lang="pt-BR" dirty="0" smtClean="0"/>
+              <a:t>Possuem parte x e y: x real e y imaginária</a:t>
+            </a:r>
+          </a:p>
+          <a:p>
+            <a:pPr lvl="1"/>
+            <a:r>
+              <a:rPr lang="pt-BR" dirty="0" smtClean="0"/>
+              <a:t>var1 = </a:t>
+            </a:r>
+            <a:r>
+              <a:rPr lang="pt-BR" dirty="0" err="1" smtClean="0"/>
+              <a:t>complex</a:t>
+            </a:r>
+            <a:r>
+              <a:rPr lang="pt-BR" dirty="0" smtClean="0"/>
+              <a:t>(4.0, 3.0)</a:t>
+            </a:r>
+          </a:p>
+          <a:p>
+            <a:r>
+              <a:rPr lang="pt-BR" dirty="0" smtClean="0"/>
+              <a:t>Conversão de um tipo para outro</a:t>
+            </a:r>
+          </a:p>
+          <a:p>
+            <a:pPr lvl="1"/>
+            <a:r>
+              <a:rPr lang="pt-BR" dirty="0" err="1" smtClean="0"/>
+              <a:t>int</a:t>
+            </a:r>
+            <a:r>
+              <a:rPr lang="pt-BR" dirty="0" smtClean="0"/>
+              <a:t>(x), </a:t>
+            </a:r>
+            <a:r>
+              <a:rPr lang="pt-BR" dirty="0" err="1" smtClean="0"/>
+              <a:t>long</a:t>
+            </a:r>
+            <a:r>
+              <a:rPr lang="pt-BR" dirty="0" smtClean="0"/>
+              <a:t>(x), </a:t>
+            </a:r>
+            <a:r>
+              <a:rPr lang="pt-BR" dirty="0" err="1" smtClean="0"/>
+              <a:t>float</a:t>
+            </a:r>
+            <a:r>
+              <a:rPr lang="pt-BR" dirty="0" smtClean="0"/>
+              <a:t>(x), </a:t>
+            </a:r>
+            <a:r>
+              <a:rPr lang="pt-BR" dirty="0" err="1" smtClean="0"/>
+              <a:t>complex</a:t>
+            </a:r>
+            <a:r>
+              <a:rPr lang="pt-BR" dirty="0" smtClean="0"/>
+              <a:t>(x, y)</a:t>
+            </a:r>
+          </a:p>
+        </p:txBody>
+      </p:sp>
+    </p:spTree>
+    <p:extLst>
+      <p:ext uri="{BB962C8B-B14F-4D97-AF65-F5344CB8AC3E}">
+        <p14:creationId xmlns:p14="http://schemas.microsoft.com/office/powerpoint/2010/main" val="648273015"/>
+      </p:ext>
+    </p:extLst>
+  </p:cSld>
+  <p:clrMapOvr>
+    <a:masterClrMapping/>
+  </p:clrMapOvr>
+  <p:timing>
+    <p:tnLst>
+      <p:par>
+        <p:cTn id="1" dur="indefinite" restart="never" nodeType="tmRoot"/>
+      </p:par>
+    </p:tnLst>
+  </p:timing>
+</p:sld>
+</file>
+
+<file path=ppt/slides/slide22.xml><?xml version="1.0" encoding="utf-8"?>
+<p:sld xmlns:a="http://schemas.openxmlformats.org/drawingml/2006/main" xmlns:r="http://schemas.openxmlformats.org/officeDocument/2006/relationships" xmlns:p="http://schemas.openxmlformats.org/presentationml/2006/main">
+  <p:cSld>
+    <p:spTree>
+      <p:nvGrpSpPr>
+        <p:cNvPr id="1" name=""/>
+        <p:cNvGrpSpPr/>
+        <p:nvPr/>
+      </p:nvGrpSpPr>
+      <p:grpSpPr>
+        <a:xfrm>
+          <a:off x="0" y="0"/>
+          <a:ext cx="0" cy="0"/>
+          <a:chOff x="0" y="0"/>
+          <a:chExt cx="0" cy="0"/>
+        </a:xfrm>
+      </p:grpSpPr>
+      <p:sp>
+        <p:nvSpPr>
+          <p:cNvPr id="2" name="Título 1"/>
+          <p:cNvSpPr>
+            <a:spLocks noGrp="1"/>
+          </p:cNvSpPr>
+          <p:nvPr>
+            <p:ph type="title"/>
+          </p:nvPr>
+        </p:nvSpPr>
+        <p:spPr/>
+        <p:txBody>
+          <a:bodyPr/>
+          <a:lstStyle/>
+          <a:p>
+            <a:r>
+              <a:rPr lang="pt-BR" dirty="0" smtClean="0"/>
+              <a:t>Funções matemáticas definidas</a:t>
+            </a:r>
+            <a:endParaRPr lang="pt-BR" dirty="0"/>
+          </a:p>
+        </p:txBody>
+      </p:sp>
+      <p:sp>
+        <p:nvSpPr>
+          <p:cNvPr id="3" name="Espaço Reservado para Conteúdo 2"/>
+          <p:cNvSpPr>
+            <a:spLocks noGrp="1"/>
+          </p:cNvSpPr>
+          <p:nvPr>
+            <p:ph idx="1"/>
+          </p:nvPr>
+        </p:nvSpPr>
+        <p:spPr>
+          <a:xfrm>
+            <a:off x="628650" y="1690689"/>
+            <a:ext cx="7886700" cy="4486274"/>
+          </a:xfrm>
+        </p:spPr>
+        <p:txBody>
+          <a:bodyPr>
+            <a:normAutofit fontScale="77500" lnSpcReduction="20000"/>
+          </a:bodyPr>
+          <a:lstStyle/>
+          <a:p>
+            <a:pPr marL="514350" indent="-514350">
+              <a:buFont typeface="+mj-lt"/>
+              <a:buAutoNum type="arabicPeriod"/>
+            </a:pPr>
+            <a:r>
+              <a:rPr lang="pt-BR" dirty="0" err="1" smtClean="0"/>
+              <a:t>abs</a:t>
+            </a:r>
+            <a:r>
+              <a:rPr lang="pt-BR" dirty="0" smtClean="0"/>
+              <a:t>(x) – valor absoluto de x</a:t>
+            </a:r>
+          </a:p>
+          <a:p>
+            <a:pPr marL="514350" indent="-514350">
+              <a:buFont typeface="+mj-lt"/>
+              <a:buAutoNum type="arabicPeriod"/>
+            </a:pPr>
+            <a:r>
+              <a:rPr lang="pt-BR" dirty="0" err="1" smtClean="0"/>
+              <a:t>ceil</a:t>
+            </a:r>
+            <a:r>
+              <a:rPr lang="pt-BR" dirty="0" smtClean="0"/>
+              <a:t>(x) </a:t>
+            </a:r>
+            <a:r>
+              <a:rPr lang="pt-BR" dirty="0"/>
+              <a:t>– </a:t>
+            </a:r>
+            <a:r>
+              <a:rPr lang="pt-BR" dirty="0" smtClean="0"/>
+              <a:t>arredondamento para cima </a:t>
+            </a:r>
+            <a:r>
+              <a:rPr lang="pt-BR" dirty="0"/>
+              <a:t>x</a:t>
+            </a:r>
+          </a:p>
+          <a:p>
+            <a:pPr marL="514350" indent="-514350">
+              <a:buFont typeface="+mj-lt"/>
+              <a:buAutoNum type="arabicPeriod"/>
+            </a:pPr>
+            <a:r>
+              <a:rPr lang="pt-BR" dirty="0" err="1" smtClean="0"/>
+              <a:t>cmp</a:t>
+            </a:r>
+            <a:r>
+              <a:rPr lang="pt-BR" dirty="0" smtClean="0"/>
+              <a:t>(</a:t>
+            </a:r>
+            <a:r>
+              <a:rPr lang="pt-BR" dirty="0" err="1" smtClean="0"/>
+              <a:t>x,y</a:t>
+            </a:r>
+            <a:r>
+              <a:rPr lang="pt-BR" dirty="0" smtClean="0"/>
+              <a:t>) </a:t>
+            </a:r>
+            <a:r>
+              <a:rPr lang="pt-BR" dirty="0"/>
+              <a:t>– </a:t>
+            </a:r>
+            <a:r>
+              <a:rPr lang="pt-BR" dirty="0" smtClean="0"/>
+              <a:t>-1 se x &lt; y, 0 se x == y, e 1 se x &gt; y</a:t>
+            </a:r>
+            <a:endParaRPr lang="pt-BR" dirty="0"/>
+          </a:p>
+          <a:p>
+            <a:pPr marL="514350" indent="-514350">
+              <a:buFont typeface="+mj-lt"/>
+              <a:buAutoNum type="arabicPeriod"/>
+            </a:pPr>
+            <a:r>
+              <a:rPr lang="pt-BR" dirty="0" err="1" smtClean="0"/>
+              <a:t>exp</a:t>
+            </a:r>
+            <a:r>
+              <a:rPr lang="pt-BR" dirty="0" smtClean="0"/>
+              <a:t>(x</a:t>
+            </a:r>
+            <a:r>
+              <a:rPr lang="pt-BR" dirty="0"/>
+              <a:t>) – </a:t>
+            </a:r>
+            <a:r>
+              <a:rPr lang="pt-BR" dirty="0" smtClean="0"/>
+              <a:t>exponencial </a:t>
+            </a:r>
+            <a:r>
+              <a:rPr lang="pt-BR" dirty="0"/>
+              <a:t>de x</a:t>
+            </a:r>
+          </a:p>
+          <a:p>
+            <a:pPr marL="514350" indent="-514350">
+              <a:buFont typeface="+mj-lt"/>
+              <a:buAutoNum type="arabicPeriod"/>
+            </a:pPr>
+            <a:r>
+              <a:rPr lang="pt-BR" dirty="0" err="1" smtClean="0"/>
+              <a:t>floor</a:t>
+            </a:r>
+            <a:r>
+              <a:rPr lang="pt-BR" dirty="0" smtClean="0"/>
+              <a:t>(x</a:t>
+            </a:r>
+            <a:r>
+              <a:rPr lang="pt-BR" dirty="0"/>
+              <a:t>) – </a:t>
+            </a:r>
+            <a:r>
+              <a:rPr lang="pt-BR" dirty="0" smtClean="0"/>
+              <a:t>truncamento de </a:t>
+            </a:r>
+            <a:r>
+              <a:rPr lang="pt-BR" dirty="0"/>
+              <a:t>x</a:t>
+            </a:r>
+          </a:p>
+          <a:p>
+            <a:pPr marL="514350" indent="-514350">
+              <a:buFont typeface="+mj-lt"/>
+              <a:buAutoNum type="arabicPeriod"/>
+            </a:pPr>
+            <a:r>
+              <a:rPr lang="pt-BR" dirty="0" smtClean="0"/>
+              <a:t>log(x</a:t>
+            </a:r>
+            <a:r>
+              <a:rPr lang="pt-BR" dirty="0"/>
+              <a:t>) – </a:t>
+            </a:r>
+            <a:r>
+              <a:rPr lang="pt-BR" dirty="0" smtClean="0"/>
+              <a:t>logaritmo natural de </a:t>
+            </a:r>
+            <a:r>
+              <a:rPr lang="pt-BR" dirty="0"/>
+              <a:t>x</a:t>
+            </a:r>
+          </a:p>
+          <a:p>
+            <a:pPr marL="514350" indent="-514350">
+              <a:buFont typeface="+mj-lt"/>
+              <a:buAutoNum type="arabicPeriod"/>
+            </a:pPr>
+            <a:r>
+              <a:rPr lang="pt-BR" dirty="0" smtClean="0"/>
+              <a:t>log10(x) – logaritmo na base 10 de x</a:t>
+            </a:r>
+          </a:p>
+          <a:p>
+            <a:pPr marL="514350" indent="-514350">
+              <a:buFont typeface="+mj-lt"/>
+              <a:buAutoNum type="arabicPeriod"/>
+            </a:pPr>
+            <a:r>
+              <a:rPr lang="pt-BR" dirty="0" err="1" smtClean="0"/>
+              <a:t>max</a:t>
+            </a:r>
+            <a:r>
+              <a:rPr lang="pt-BR" dirty="0" smtClean="0"/>
+              <a:t>(x1, x2, ..., </a:t>
+            </a:r>
+            <a:r>
+              <a:rPr lang="pt-BR" dirty="0" err="1" smtClean="0"/>
+              <a:t>xn</a:t>
+            </a:r>
+            <a:r>
+              <a:rPr lang="pt-BR" dirty="0" smtClean="0"/>
+              <a:t>) – máximo elemento da lista</a:t>
+            </a:r>
+          </a:p>
+          <a:p>
+            <a:pPr marL="514350" indent="-514350">
+              <a:buFont typeface="+mj-lt"/>
+              <a:buAutoNum type="arabicPeriod"/>
+            </a:pPr>
+            <a:r>
+              <a:rPr lang="pt-BR" dirty="0" smtClean="0"/>
+              <a:t>min(x1, x2, ..., </a:t>
+            </a:r>
+            <a:r>
+              <a:rPr lang="pt-BR" dirty="0" err="1" smtClean="0"/>
+              <a:t>xn</a:t>
+            </a:r>
+            <a:r>
+              <a:rPr lang="pt-BR" dirty="0" smtClean="0"/>
+              <a:t>) – mínimo elemento da lista</a:t>
+            </a:r>
+          </a:p>
+          <a:p>
+            <a:pPr marL="514350" indent="-514350">
+              <a:buFont typeface="+mj-lt"/>
+              <a:buAutoNum type="arabicPeriod"/>
+            </a:pPr>
+            <a:r>
+              <a:rPr lang="pt-BR" dirty="0" err="1" smtClean="0"/>
+              <a:t>pow</a:t>
+            </a:r>
+            <a:r>
+              <a:rPr lang="pt-BR" dirty="0" smtClean="0"/>
+              <a:t>(x, y) – o mesmo que x**y</a:t>
+            </a:r>
+          </a:p>
+          <a:p>
+            <a:pPr marL="514350" indent="-514350">
+              <a:buFont typeface="+mj-lt"/>
+              <a:buAutoNum type="arabicPeriod"/>
+            </a:pPr>
+            <a:r>
+              <a:rPr lang="pt-BR" dirty="0" smtClean="0"/>
+              <a:t>round(x) – arredondamento de x</a:t>
+            </a:r>
+          </a:p>
+          <a:p>
+            <a:pPr marL="514350" indent="-514350">
+              <a:buFont typeface="+mj-lt"/>
+              <a:buAutoNum type="arabicPeriod"/>
+            </a:pPr>
+            <a:r>
+              <a:rPr lang="pt-BR" dirty="0" err="1" smtClean="0"/>
+              <a:t>sqrt</a:t>
+            </a:r>
+            <a:r>
+              <a:rPr lang="pt-BR" dirty="0" smtClean="0"/>
+              <a:t>(x) – raiz quadrada de x</a:t>
+            </a:r>
+          </a:p>
+        </p:txBody>
+      </p:sp>
+    </p:spTree>
+    <p:extLst>
+      <p:ext uri="{BB962C8B-B14F-4D97-AF65-F5344CB8AC3E}">
+        <p14:creationId xmlns:p14="http://schemas.microsoft.com/office/powerpoint/2010/main" val="3165581326"/>
+      </p:ext>
+    </p:extLst>
+  </p:cSld>
+  <p:clrMapOvr>
+    <a:masterClrMapping/>
+  </p:clrMapOvr>
+  <p:timing>
+    <p:tnLst>
+      <p:par>
+        <p:cTn id="1" dur="indefinite" restart="never" nodeType="tmRoot"/>
+      </p:par>
+    </p:tnLst>
+  </p:timing>
+</p:sld>
+</file>
+
+<file path=ppt/slides/slide23.xml><?xml version="1.0" encoding="utf-8"?>
+<p:sld xmlns:a="http://schemas.openxmlformats.org/drawingml/2006/main" xmlns:r="http://schemas.openxmlformats.org/officeDocument/2006/relationships" xmlns:p="http://schemas.openxmlformats.org/presentationml/2006/main">
+  <p:cSld>
+    <p:spTree>
+      <p:nvGrpSpPr>
+        <p:cNvPr id="1" name=""/>
+        <p:cNvGrpSpPr/>
+        <p:nvPr/>
+      </p:nvGrpSpPr>
+      <p:grpSpPr>
+        <a:xfrm>
+          <a:off x="0" y="0"/>
+          <a:ext cx="0" cy="0"/>
+          <a:chOff x="0" y="0"/>
+          <a:chExt cx="0" cy="0"/>
+        </a:xfrm>
+      </p:grpSpPr>
+      <p:sp>
+        <p:nvSpPr>
+          <p:cNvPr id="2" name="Título 1"/>
+          <p:cNvSpPr>
+            <a:spLocks noGrp="1"/>
+          </p:cNvSpPr>
+          <p:nvPr>
+            <p:ph type="title"/>
+          </p:nvPr>
+        </p:nvSpPr>
+        <p:spPr/>
+        <p:txBody>
+          <a:bodyPr/>
+          <a:lstStyle/>
+          <a:p>
+            <a:r>
+              <a:rPr lang="pt-BR" dirty="0" smtClean="0"/>
+              <a:t>Funções de números randômicos</a:t>
+            </a:r>
+            <a:endParaRPr lang="pt-BR" dirty="0"/>
+          </a:p>
+        </p:txBody>
+      </p:sp>
+      <p:sp>
+        <p:nvSpPr>
+          <p:cNvPr id="3" name="Espaço Reservado para Conteúdo 2"/>
+          <p:cNvSpPr>
+            <a:spLocks noGrp="1"/>
+          </p:cNvSpPr>
+          <p:nvPr>
+            <p:ph idx="1"/>
+          </p:nvPr>
+        </p:nvSpPr>
+        <p:spPr>
+          <a:xfrm>
+            <a:off x="628650" y="1690689"/>
+            <a:ext cx="7886700" cy="4486274"/>
+          </a:xfrm>
+        </p:spPr>
+        <p:txBody>
+          <a:bodyPr>
+            <a:normAutofit/>
+          </a:bodyPr>
+          <a:lstStyle/>
+          <a:p>
+            <a:pPr marL="514350" indent="-514350">
+              <a:buFont typeface="+mj-lt"/>
+              <a:buAutoNum type="arabicPeriod"/>
+            </a:pPr>
+            <a:r>
+              <a:rPr lang="pt-BR" dirty="0" err="1" smtClean="0"/>
+              <a:t>choice</a:t>
+            </a:r>
+            <a:r>
+              <a:rPr lang="pt-BR" dirty="0" smtClean="0"/>
+              <a:t>(sequencia) – escolhe um elemento da sequencia, pode ser lista, </a:t>
+            </a:r>
+            <a:r>
+              <a:rPr lang="pt-BR" dirty="0" err="1" smtClean="0"/>
+              <a:t>tupla</a:t>
+            </a:r>
+            <a:r>
+              <a:rPr lang="pt-BR" dirty="0" smtClean="0"/>
+              <a:t>, ou </a:t>
+            </a:r>
+            <a:r>
+              <a:rPr lang="pt-BR" dirty="0" err="1" smtClean="0"/>
+              <a:t>string</a:t>
+            </a:r>
+            <a:endParaRPr lang="pt-BR" dirty="0" smtClean="0"/>
+          </a:p>
+          <a:p>
+            <a:pPr marL="514350" indent="-514350">
+              <a:buFont typeface="+mj-lt"/>
+              <a:buAutoNum type="arabicPeriod"/>
+            </a:pPr>
+            <a:r>
+              <a:rPr lang="pt-BR" dirty="0" err="1" smtClean="0"/>
+              <a:t>randrange</a:t>
+            </a:r>
+            <a:r>
+              <a:rPr lang="pt-BR" dirty="0" smtClean="0"/>
+              <a:t>(start, stop, </a:t>
+            </a:r>
+            <a:r>
+              <a:rPr lang="pt-BR" dirty="0" err="1" smtClean="0"/>
+              <a:t>step</a:t>
+            </a:r>
+            <a:r>
+              <a:rPr lang="pt-BR" dirty="0" smtClean="0"/>
+              <a:t>) – escolhe um número do intervalo definido start  até stop, com diferença de </a:t>
+            </a:r>
+            <a:r>
+              <a:rPr lang="pt-BR" dirty="0" err="1" smtClean="0"/>
+              <a:t>step</a:t>
+            </a:r>
+            <a:endParaRPr lang="pt-BR" dirty="0" smtClean="0"/>
+          </a:p>
+          <a:p>
+            <a:pPr marL="514350" indent="-514350">
+              <a:buFont typeface="+mj-lt"/>
+              <a:buAutoNum type="arabicPeriod"/>
+            </a:pPr>
+            <a:r>
+              <a:rPr lang="pt-BR" dirty="0" err="1" smtClean="0"/>
+              <a:t>random</a:t>
+            </a:r>
+            <a:r>
+              <a:rPr lang="pt-BR" dirty="0" smtClean="0"/>
+              <a:t>() – retorna um </a:t>
+            </a:r>
+            <a:r>
+              <a:rPr lang="pt-BR" dirty="0" err="1" smtClean="0"/>
+              <a:t>float</a:t>
+            </a:r>
+            <a:r>
+              <a:rPr lang="pt-BR" dirty="0" smtClean="0"/>
+              <a:t> randômico entre 0 – 1</a:t>
+            </a:r>
+          </a:p>
+          <a:p>
+            <a:pPr marL="514350" indent="-514350">
+              <a:buFont typeface="+mj-lt"/>
+              <a:buAutoNum type="arabicPeriod"/>
+            </a:pPr>
+            <a:r>
+              <a:rPr lang="pt-BR" dirty="0" err="1" smtClean="0"/>
+              <a:t>seed</a:t>
+            </a:r>
+            <a:r>
+              <a:rPr lang="pt-BR" smtClean="0"/>
+              <a:t>() - </a:t>
+            </a:r>
+            <a:endParaRPr lang="pt-BR" dirty="0" smtClean="0"/>
+          </a:p>
+        </p:txBody>
+      </p:sp>
+    </p:spTree>
+    <p:extLst>
+      <p:ext uri="{BB962C8B-B14F-4D97-AF65-F5344CB8AC3E}">
+        <p14:creationId xmlns:p14="http://schemas.microsoft.com/office/powerpoint/2010/main" val="3272887721"/>
+      </p:ext>
+    </p:extLst>
+  </p:cSld>
+  <p:clrMapOvr>
+    <a:masterClrMapping/>
+  </p:clrMapOvr>
+  <p:timing>
+    <p:tnLst>
+      <p:par>
+        <p:cTn id="1" dur="indefinite" restart="never" nodeType="tmRoot"/>
+      </p:par>
+    </p:tnLst>
+  </p:timing>
+</p:sld>
+</file>
+
+<file path=ppt/slides/slide24.xml><?xml version="1.0" encoding="utf-8"?>
+<p:sld xmlns:a="http://schemas.openxmlformats.org/drawingml/2006/main" xmlns:r="http://schemas.openxmlformats.org/officeDocument/2006/relationships" xmlns:p="http://schemas.openxmlformats.org/presentationml/2006/main">
+  <p:cSld>
+    <p:spTree>
+      <p:nvGrpSpPr>
+        <p:cNvPr id="1" name=""/>
+        <p:cNvGrpSpPr/>
+        <p:nvPr/>
+      </p:nvGrpSpPr>
+      <p:grpSpPr>
+        <a:xfrm>
+          <a:off x="0" y="0"/>
+          <a:ext cx="0" cy="0"/>
+          <a:chOff x="0" y="0"/>
+          <a:chExt cx="0" cy="0"/>
+        </a:xfrm>
+      </p:grpSpPr>
+      <p:sp>
+        <p:nvSpPr>
+          <p:cNvPr id="2" name="Título 1"/>
+          <p:cNvSpPr>
+            <a:spLocks noGrp="1"/>
+          </p:cNvSpPr>
+          <p:nvPr>
+            <p:ph type="title"/>
+          </p:nvPr>
+        </p:nvSpPr>
+        <p:spPr/>
+        <p:txBody>
+          <a:bodyPr/>
+          <a:lstStyle/>
+          <a:p>
+            <a:r>
+              <a:rPr lang="pt-BR" dirty="0" smtClean="0"/>
+              <a:t>Exercício</a:t>
+            </a:r>
+            <a:endParaRPr lang="pt-BR" dirty="0"/>
+          </a:p>
+        </p:txBody>
+      </p:sp>
+      <p:sp>
+        <p:nvSpPr>
+          <p:cNvPr id="3" name="Espaço Reservado para Conteúdo 2"/>
+          <p:cNvSpPr>
+            <a:spLocks noGrp="1"/>
+          </p:cNvSpPr>
+          <p:nvPr>
+            <p:ph idx="1"/>
+          </p:nvPr>
+        </p:nvSpPr>
+        <p:spPr>
+          <a:xfrm>
+            <a:off x="628650" y="1690689"/>
+            <a:ext cx="7886700" cy="4486274"/>
+          </a:xfrm>
+        </p:spPr>
+        <p:txBody>
+          <a:bodyPr>
+            <a:normAutofit/>
+          </a:bodyPr>
+          <a:lstStyle/>
+          <a:p>
+            <a:r>
+              <a:rPr lang="pt-BR" dirty="0" smtClean="0"/>
+              <a:t>Testar 5 funções matemáticas com os diferentes tipos apresentados</a:t>
+            </a:r>
+            <a:endParaRPr lang="pt-BR" dirty="0" smtClean="0"/>
+          </a:p>
+        </p:txBody>
+      </p:sp>
+    </p:spTree>
+    <p:extLst>
+      <p:ext uri="{BB962C8B-B14F-4D97-AF65-F5344CB8AC3E}">
+        <p14:creationId xmlns:p14="http://schemas.microsoft.com/office/powerpoint/2010/main" val="393921586"/>
+      </p:ext>
+    </p:extLst>
+  </p:cSld>
+  <p:clrMapOvr>
+    <a:masterClrMapping/>
+  </p:clrMapOvr>
+  <p:timing>
+    <p:tnLst>
+      <p:par>
+        <p:cTn id="1" dur="indefinite" restart="never" nodeType="tmRoot"/>
+      </p:par>
+    </p:tnLst>
+  </p:timing>
+</p:sld>
+</file>
+
+<file path=ppt/slides/slide25.xml><?xml version="1.0" encoding="utf-8"?>
+<p:sld xmlns:a="http://schemas.openxmlformats.org/drawingml/2006/main" xmlns:r="http://schemas.openxmlformats.org/officeDocument/2006/relationships" xmlns:p="http://schemas.openxmlformats.org/presentationml/2006/main">
+  <p:cSld>
+    <p:spTree>
+      <p:nvGrpSpPr>
+        <p:cNvPr id="1" name=""/>
+        <p:cNvGrpSpPr/>
+        <p:nvPr/>
+      </p:nvGrpSpPr>
+      <p:grpSpPr>
+        <a:xfrm>
+          <a:off x="0" y="0"/>
+          <a:ext cx="0" cy="0"/>
+          <a:chOff x="0" y="0"/>
+          <a:chExt cx="0" cy="0"/>
+        </a:xfrm>
+      </p:grpSpPr>
+      <p:sp>
+        <p:nvSpPr>
+          <p:cNvPr id="2" name="Título 1"/>
+          <p:cNvSpPr>
+            <a:spLocks noGrp="1"/>
+          </p:cNvSpPr>
+          <p:nvPr>
+            <p:ph type="title"/>
+          </p:nvPr>
+        </p:nvSpPr>
+        <p:spPr/>
+        <p:txBody>
+          <a:bodyPr/>
+          <a:lstStyle/>
+          <a:p>
+            <a:r>
+              <a:rPr lang="pt-BR" dirty="0" smtClean="0"/>
+              <a:t>Cronograma</a:t>
+            </a:r>
+            <a:endParaRPr lang="pt-BR" dirty="0"/>
+          </a:p>
+        </p:txBody>
+      </p:sp>
+      <p:sp>
+        <p:nvSpPr>
+          <p:cNvPr id="3" name="Espaço Reservado para Conteúdo 2"/>
+          <p:cNvSpPr>
+            <a:spLocks noGrp="1"/>
+          </p:cNvSpPr>
+          <p:nvPr>
+            <p:ph idx="1"/>
+          </p:nvPr>
+        </p:nvSpPr>
+        <p:spPr>
+          <a:xfrm>
+            <a:off x="628650" y="1418897"/>
+            <a:ext cx="7886700" cy="5087006"/>
+          </a:xfrm>
+        </p:spPr>
+        <p:txBody>
+          <a:bodyPr>
+            <a:normAutofit fontScale="92500" lnSpcReduction="20000"/>
+          </a:bodyPr>
+          <a:lstStyle/>
+          <a:p>
+            <a:r>
+              <a:rPr lang="pt-BR" sz="4500" dirty="0" smtClean="0"/>
+              <a:t>Parte I:</a:t>
+            </a:r>
+          </a:p>
+          <a:p>
+            <a:pPr lvl="1"/>
+            <a:r>
+              <a:rPr lang="pt-BR" sz="4500" dirty="0" smtClean="0">
+                <a:solidFill>
+                  <a:schemeClr val="tx1">
+                    <a:lumMod val="50000"/>
+                    <a:lumOff val="50000"/>
+                  </a:schemeClr>
+                </a:solidFill>
+              </a:rPr>
+              <a:t>Introdução</a:t>
+            </a:r>
+          </a:p>
+          <a:p>
+            <a:pPr lvl="1"/>
+            <a:r>
+              <a:rPr lang="pt-BR" sz="4500" dirty="0" smtClean="0">
+                <a:solidFill>
+                  <a:schemeClr val="tx1">
+                    <a:lumMod val="50000"/>
+                    <a:lumOff val="50000"/>
+                  </a:schemeClr>
+                </a:solidFill>
+              </a:rPr>
+              <a:t>Visão geral</a:t>
+            </a:r>
+          </a:p>
+          <a:p>
+            <a:pPr lvl="1"/>
+            <a:r>
+              <a:rPr lang="pt-BR" sz="4500" dirty="0" smtClean="0">
+                <a:solidFill>
+                  <a:schemeClr val="tx1">
+                    <a:lumMod val="50000"/>
+                    <a:lumOff val="50000"/>
+                  </a:schemeClr>
+                </a:solidFill>
+              </a:rPr>
+              <a:t>Configuração do ambiente</a:t>
+            </a:r>
+          </a:p>
+          <a:p>
+            <a:pPr lvl="1"/>
+            <a:r>
+              <a:rPr lang="pt-BR" sz="4500" dirty="0" smtClean="0">
+                <a:solidFill>
+                  <a:schemeClr val="tx1">
+                    <a:lumMod val="50000"/>
+                    <a:lumOff val="50000"/>
+                  </a:schemeClr>
+                </a:solidFill>
+              </a:rPr>
+              <a:t>Sintaxe </a:t>
+            </a:r>
+            <a:r>
+              <a:rPr lang="pt-BR" sz="4500" dirty="0">
+                <a:solidFill>
+                  <a:schemeClr val="tx1">
+                    <a:lumMod val="50000"/>
+                    <a:lumOff val="50000"/>
+                  </a:schemeClr>
+                </a:solidFill>
+              </a:rPr>
+              <a:t>básica</a:t>
+            </a:r>
+          </a:p>
+          <a:p>
+            <a:pPr lvl="1"/>
+            <a:r>
+              <a:rPr lang="pt-BR" sz="4500" dirty="0">
+                <a:solidFill>
+                  <a:schemeClr val="tx1">
+                    <a:lumMod val="50000"/>
+                    <a:lumOff val="50000"/>
+                  </a:schemeClr>
+                </a:solidFill>
+              </a:rPr>
+              <a:t>Tipos de </a:t>
+            </a:r>
+            <a:r>
+              <a:rPr lang="pt-BR" sz="4500" dirty="0" smtClean="0">
+                <a:solidFill>
+                  <a:schemeClr val="tx1">
+                    <a:lumMod val="50000"/>
+                    <a:lumOff val="50000"/>
+                  </a:schemeClr>
+                </a:solidFill>
+              </a:rPr>
+              <a:t>variáveis</a:t>
+            </a:r>
+          </a:p>
+          <a:p>
+            <a:pPr lvl="1"/>
+            <a:r>
+              <a:rPr lang="pt-BR" sz="4500" dirty="0" smtClean="0"/>
+              <a:t>Operadores básicos</a:t>
+            </a:r>
+          </a:p>
+          <a:p>
+            <a:pPr lvl="1"/>
+            <a:r>
+              <a:rPr lang="pt-BR" sz="4500" dirty="0" smtClean="0">
+                <a:solidFill>
+                  <a:schemeClr val="tx1">
+                    <a:lumMod val="50000"/>
+                    <a:lumOff val="50000"/>
+                  </a:schemeClr>
+                </a:solidFill>
+              </a:rPr>
+              <a:t>Operadores </a:t>
+            </a:r>
+            <a:r>
+              <a:rPr lang="pt-BR" sz="4500" dirty="0" smtClean="0">
+                <a:solidFill>
+                  <a:schemeClr val="tx1">
+                    <a:lumMod val="50000"/>
+                    <a:lumOff val="50000"/>
+                  </a:schemeClr>
+                </a:solidFill>
+              </a:rPr>
+              <a:t>condicionais</a:t>
+            </a:r>
+          </a:p>
+          <a:p>
+            <a:pPr lvl="1"/>
+            <a:r>
+              <a:rPr lang="pt-BR" sz="4500" dirty="0" smtClean="0">
+                <a:solidFill>
+                  <a:schemeClr val="tx1">
+                    <a:lumMod val="50000"/>
+                    <a:lumOff val="50000"/>
+                  </a:schemeClr>
+                </a:solidFill>
+              </a:rPr>
+              <a:t>Laços de </a:t>
+            </a:r>
+            <a:r>
+              <a:rPr lang="pt-BR" sz="4500" dirty="0" smtClean="0">
+                <a:solidFill>
+                  <a:schemeClr val="tx1">
+                    <a:lumMod val="50000"/>
+                    <a:lumOff val="50000"/>
+                  </a:schemeClr>
+                </a:solidFill>
+              </a:rPr>
+              <a:t>repetição</a:t>
+            </a:r>
+            <a:endParaRPr lang="pt-BR" dirty="0"/>
+          </a:p>
+        </p:txBody>
+      </p:sp>
+    </p:spTree>
+    <p:extLst>
+      <p:ext uri="{BB962C8B-B14F-4D97-AF65-F5344CB8AC3E}">
+        <p14:creationId xmlns:p14="http://schemas.microsoft.com/office/powerpoint/2010/main" val="1834133648"/>
+      </p:ext>
+    </p:extLst>
+  </p:cSld>
+  <p:clrMapOvr>
+    <a:masterClrMapping/>
+  </p:clrMapOvr>
+  <p:timing>
+    <p:tnLst>
+      <p:par>
+        <p:cTn id="1" dur="indefinite" restart="never" nodeType="tmRoot"/>
+      </p:par>
+    </p:tnLst>
+  </p:timing>
+</p:sld>
+</file>
+
+<file path=ppt/slides/slide26.xml><?xml version="1.0" encoding="utf-8"?>
+<p:sld xmlns:a="http://schemas.openxmlformats.org/drawingml/2006/main" xmlns:r="http://schemas.openxmlformats.org/officeDocument/2006/relationships" xmlns:p="http://schemas.openxmlformats.org/presentationml/2006/main">
+  <p:cSld>
+    <p:spTree>
+      <p:nvGrpSpPr>
+        <p:cNvPr id="1" name=""/>
+        <p:cNvGrpSpPr/>
+        <p:nvPr/>
+      </p:nvGrpSpPr>
+      <p:grpSpPr>
+        <a:xfrm>
+          <a:off x="0" y="0"/>
+          <a:ext cx="0" cy="0"/>
+          <a:chOff x="0" y="0"/>
+          <a:chExt cx="0" cy="0"/>
+        </a:xfrm>
+      </p:grpSpPr>
+      <p:sp>
+        <p:nvSpPr>
+          <p:cNvPr id="2" name="Título 1"/>
+          <p:cNvSpPr>
+            <a:spLocks noGrp="1"/>
+          </p:cNvSpPr>
+          <p:nvPr>
+            <p:ph type="title"/>
+          </p:nvPr>
+        </p:nvSpPr>
+        <p:spPr/>
+        <p:txBody>
+          <a:bodyPr/>
+          <a:lstStyle/>
+          <a:p>
+            <a:r>
+              <a:rPr lang="pt-BR" dirty="0" smtClean="0"/>
+              <a:t>Operadores aritméticos</a:t>
+            </a:r>
+            <a:endParaRPr lang="pt-BR" dirty="0"/>
+          </a:p>
+        </p:txBody>
+      </p:sp>
+      <mc:AlternateContent xmlns:mc="http://schemas.openxmlformats.org/markup-compatibility/2006">
+        <mc:Choice xmlns:a14="http://schemas.microsoft.com/office/drawing/2010/main" Requires="a14">
+          <p:sp>
+            <p:nvSpPr>
+              <p:cNvPr id="3" name="Espaço Reservado para Conteúdo 2"/>
+              <p:cNvSpPr>
+                <a:spLocks noGrp="1"/>
+              </p:cNvSpPr>
+              <p:nvPr>
+                <p:ph idx="1"/>
+              </p:nvPr>
+            </p:nvSpPr>
+            <p:spPr>
+              <a:xfrm>
+                <a:off x="628650" y="1690689"/>
+                <a:ext cx="7886700" cy="4486274"/>
+              </a:xfrm>
+            </p:spPr>
+            <p:txBody>
+              <a:bodyPr>
+                <a:normAutofit fontScale="47500" lnSpcReduction="20000"/>
+              </a:bodyPr>
+              <a:lstStyle/>
+              <a:p>
+                <a:r>
+                  <a:rPr lang="pt-BR" sz="4400" dirty="0" smtClean="0"/>
+                  <a:t>Adição</a:t>
+                </a:r>
+              </a:p>
+              <a:p>
+                <a:pPr lvl="1"/>
+                <a:r>
+                  <a:rPr lang="pt-BR" sz="4400" dirty="0" smtClean="0"/>
+                  <a:t>a + b</a:t>
+                </a:r>
+              </a:p>
+              <a:p>
+                <a:r>
+                  <a:rPr lang="pt-BR" sz="4400" dirty="0" smtClean="0"/>
+                  <a:t>Subtração</a:t>
+                </a:r>
+              </a:p>
+              <a:p>
+                <a:pPr lvl="1"/>
+                <a:r>
+                  <a:rPr lang="pt-BR" sz="4400" dirty="0" smtClean="0"/>
+                  <a:t>a - b</a:t>
+                </a:r>
+              </a:p>
+              <a:p>
+                <a:r>
+                  <a:rPr lang="pt-BR" sz="4400" dirty="0" smtClean="0"/>
+                  <a:t>Multiplicação</a:t>
+                </a:r>
+              </a:p>
+              <a:p>
+                <a:pPr lvl="1"/>
+                <a:r>
+                  <a:rPr lang="pt-BR" sz="4400" dirty="0" smtClean="0"/>
+                  <a:t>a * b</a:t>
+                </a:r>
+              </a:p>
+              <a:p>
+                <a:r>
+                  <a:rPr lang="pt-BR" sz="4400" dirty="0" smtClean="0"/>
+                  <a:t>Divisão</a:t>
+                </a:r>
+              </a:p>
+              <a:p>
+                <a:pPr lvl="1"/>
+                <a:r>
+                  <a:rPr lang="pt-BR" sz="4400" dirty="0" smtClean="0"/>
+                  <a:t>b / a</a:t>
+                </a:r>
+              </a:p>
+              <a:p>
+                <a:r>
+                  <a:rPr lang="pt-BR" sz="4400" dirty="0" smtClean="0"/>
+                  <a:t>Resto da divisão</a:t>
+                </a:r>
+              </a:p>
+              <a:p>
+                <a:pPr lvl="1"/>
+                <a:r>
+                  <a:rPr lang="pt-BR" sz="4400" dirty="0" smtClean="0"/>
+                  <a:t>b % a</a:t>
+                </a:r>
+              </a:p>
+              <a:p>
+                <a:r>
+                  <a:rPr lang="pt-BR" sz="4400" dirty="0" smtClean="0"/>
+                  <a:t>Expoente</a:t>
+                </a:r>
+              </a:p>
+              <a:p>
+                <a:pPr lvl="1"/>
+                <a:r>
+                  <a:rPr lang="pt-BR" sz="4400" dirty="0" smtClean="0"/>
+                  <a:t>a**b (</a:t>
+                </a:r>
+                <a14:m>
+                  <m:oMath xmlns:m="http://schemas.openxmlformats.org/officeDocument/2006/math">
+                    <m:sSup>
+                      <m:sSupPr>
+                        <m:ctrlPr>
+                          <a:rPr lang="en-US" sz="4400" b="0" i="1" smtClean="0">
+                            <a:latin typeface="Cambria Math" panose="02040503050406030204" pitchFamily="18" charset="0"/>
+                          </a:rPr>
+                        </m:ctrlPr>
+                      </m:sSupPr>
+                      <m:e>
+                        <m:r>
+                          <a:rPr lang="en-US" sz="4400" b="0" i="1" smtClean="0">
+                            <a:latin typeface="Cambria Math" panose="02040503050406030204" pitchFamily="18" charset="0"/>
+                          </a:rPr>
+                          <m:t>𝑎</m:t>
+                        </m:r>
+                      </m:e>
+                      <m:sup>
+                        <m:r>
+                          <a:rPr lang="en-US" sz="4400" b="0" i="1" smtClean="0">
+                            <a:latin typeface="Cambria Math" panose="02040503050406030204" pitchFamily="18" charset="0"/>
+                          </a:rPr>
+                          <m:t>𝑏</m:t>
+                        </m:r>
+                      </m:sup>
+                    </m:sSup>
+                  </m:oMath>
+                </a14:m>
+                <a:r>
+                  <a:rPr lang="pt-BR" sz="4400" dirty="0" smtClean="0"/>
+                  <a:t>)</a:t>
+                </a:r>
+              </a:p>
+              <a:p>
+                <a:r>
+                  <a:rPr lang="pt-BR" sz="4400" dirty="0" smtClean="0"/>
+                  <a:t>Divisão com truncamento (9 dividido por 2 resulta em 4)</a:t>
+                </a:r>
+              </a:p>
+              <a:p>
+                <a:pPr lvl="1"/>
+                <a:r>
+                  <a:rPr lang="pt-BR" sz="4400" dirty="0" smtClean="0"/>
+                  <a:t>a //b</a:t>
+                </a:r>
+                <a:endParaRPr lang="pt-BR" sz="4400" dirty="0"/>
+              </a:p>
+              <a:p>
+                <a:pPr marL="0" indent="0">
+                  <a:buNone/>
+                </a:pPr>
+                <a:endParaRPr lang="pt-BR" sz="3200" dirty="0" smtClean="0"/>
+              </a:p>
+            </p:txBody>
+          </p:sp>
+        </mc:Choice>
+        <mc:Fallback>
+          <p:sp>
+            <p:nvSpPr>
+              <p:cNvPr id="3" name="Espaço Reservado para Conteúdo 2"/>
+              <p:cNvSpPr>
+                <a:spLocks noGrp="1" noRot="1" noChangeAspect="1" noMove="1" noResize="1" noEditPoints="1" noAdjustHandles="1" noChangeArrowheads="1" noChangeShapeType="1" noTextEdit="1"/>
+              </p:cNvSpPr>
+              <p:nvPr>
+                <p:ph idx="1"/>
+              </p:nvPr>
+            </p:nvSpPr>
+            <p:spPr>
+              <a:xfrm>
+                <a:off x="628650" y="1690689"/>
+                <a:ext cx="7886700" cy="4486274"/>
+              </a:xfrm>
+              <a:blipFill>
+                <a:blip r:embed="rId2"/>
+                <a:stretch>
+                  <a:fillRect l="-773" t="-2582" b="-2038"/>
+                </a:stretch>
+              </a:blipFill>
+            </p:spPr>
+            <p:txBody>
+              <a:bodyPr/>
+              <a:lstStyle/>
+              <a:p>
+                <a:r>
+                  <a:rPr lang="en-US">
+                    <a:noFill/>
+                  </a:rPr>
+                  <a:t> </a:t>
+                </a:r>
+              </a:p>
+            </p:txBody>
+          </p:sp>
+        </mc:Fallback>
+      </mc:AlternateContent>
+    </p:spTree>
+    <p:extLst>
+      <p:ext uri="{BB962C8B-B14F-4D97-AF65-F5344CB8AC3E}">
+        <p14:creationId xmlns:p14="http://schemas.microsoft.com/office/powerpoint/2010/main" val="485394190"/>
+      </p:ext>
+    </p:extLst>
+  </p:cSld>
+  <p:clrMapOvr>
+    <a:masterClrMapping/>
+  </p:clrMapOvr>
+  <p:timing>
+    <p:tnLst>
+      <p:par>
+        <p:cTn id="1" dur="indefinite" restart="never" nodeType="tmRoot"/>
+      </p:par>
+    </p:tnLst>
+  </p:timing>
+</p:sld>
+</file>
+
+<file path=ppt/slides/slide27.xml><?xml version="1.0" encoding="utf-8"?>
+<p:sld xmlns:a="http://schemas.openxmlformats.org/drawingml/2006/main" xmlns:r="http://schemas.openxmlformats.org/officeDocument/2006/relationships" xmlns:p="http://schemas.openxmlformats.org/presentationml/2006/main">
+  <p:cSld>
+    <p:spTree>
+      <p:nvGrpSpPr>
+        <p:cNvPr id="1" name=""/>
+        <p:cNvGrpSpPr/>
+        <p:nvPr/>
+      </p:nvGrpSpPr>
+      <p:grpSpPr>
+        <a:xfrm>
+          <a:off x="0" y="0"/>
+          <a:ext cx="0" cy="0"/>
+          <a:chOff x="0" y="0"/>
+          <a:chExt cx="0" cy="0"/>
+        </a:xfrm>
+      </p:grpSpPr>
+      <p:sp>
+        <p:nvSpPr>
+          <p:cNvPr id="2" name="Título 1"/>
+          <p:cNvSpPr>
+            <a:spLocks noGrp="1"/>
+          </p:cNvSpPr>
+          <p:nvPr>
+            <p:ph type="title"/>
+          </p:nvPr>
+        </p:nvSpPr>
+        <p:spPr/>
+        <p:txBody>
+          <a:bodyPr/>
+          <a:lstStyle/>
+          <a:p>
+            <a:r>
+              <a:rPr lang="pt-BR" dirty="0" smtClean="0"/>
+              <a:t>Operadores combinados</a:t>
+            </a:r>
+            <a:endParaRPr lang="pt-BR" dirty="0"/>
+          </a:p>
+        </p:txBody>
+      </p:sp>
+      <p:sp>
+        <p:nvSpPr>
+          <p:cNvPr id="3" name="Espaço Reservado para Conteúdo 2"/>
+          <p:cNvSpPr>
+            <a:spLocks noGrp="1"/>
+          </p:cNvSpPr>
+          <p:nvPr>
+            <p:ph idx="1"/>
+          </p:nvPr>
+        </p:nvSpPr>
+        <p:spPr>
+          <a:xfrm>
+            <a:off x="628650" y="1690688"/>
+            <a:ext cx="7886700" cy="4836235"/>
+          </a:xfrm>
+        </p:spPr>
+        <p:txBody>
+          <a:bodyPr>
+            <a:normAutofit fontScale="85000" lnSpcReduction="20000"/>
+          </a:bodyPr>
+          <a:lstStyle/>
+          <a:p>
+            <a:r>
+              <a:rPr lang="pt-BR" sz="3200" dirty="0" smtClean="0"/>
+              <a:t>Adiciona e atribui</a:t>
+            </a:r>
+          </a:p>
+          <a:p>
+            <a:pPr lvl="1"/>
+            <a:r>
+              <a:rPr lang="pt-BR" dirty="0" smtClean="0"/>
+              <a:t>a += b (a = a + b)</a:t>
+            </a:r>
+          </a:p>
+          <a:p>
+            <a:r>
+              <a:rPr lang="pt-BR" dirty="0" smtClean="0"/>
+              <a:t>Subtrai e atribui</a:t>
+            </a:r>
+          </a:p>
+          <a:p>
+            <a:pPr lvl="1"/>
+            <a:r>
+              <a:rPr lang="pt-BR" dirty="0" smtClean="0"/>
+              <a:t>b -= a (b = b – a)</a:t>
+            </a:r>
+          </a:p>
+          <a:p>
+            <a:r>
+              <a:rPr lang="pt-BR" dirty="0" smtClean="0"/>
+              <a:t>Multiplica e atribui</a:t>
+            </a:r>
+          </a:p>
+          <a:p>
+            <a:pPr lvl="1"/>
+            <a:r>
+              <a:rPr lang="pt-BR" dirty="0" smtClean="0"/>
+              <a:t>a *= b (a = a * b)</a:t>
+            </a:r>
+          </a:p>
+          <a:p>
+            <a:r>
+              <a:rPr lang="pt-BR" dirty="0" smtClean="0"/>
+              <a:t>Divide e atribui</a:t>
+            </a:r>
+          </a:p>
+          <a:p>
+            <a:pPr lvl="1"/>
+            <a:r>
+              <a:rPr lang="pt-BR" dirty="0" smtClean="0"/>
+              <a:t>a /= b (a = a / b)</a:t>
+            </a:r>
+          </a:p>
+          <a:p>
+            <a:r>
+              <a:rPr lang="pt-BR" dirty="0" smtClean="0"/>
+              <a:t>Calcula o resto e atribui</a:t>
+            </a:r>
+          </a:p>
+          <a:p>
+            <a:pPr lvl="1"/>
+            <a:r>
+              <a:rPr lang="pt-BR" dirty="0" smtClean="0"/>
+              <a:t>a %= b (a = a % b)</a:t>
+            </a:r>
+          </a:p>
+          <a:p>
+            <a:r>
+              <a:rPr lang="pt-BR" dirty="0" smtClean="0"/>
+              <a:t>Calcula a potência e atribui</a:t>
+            </a:r>
+          </a:p>
+          <a:p>
+            <a:pPr lvl="1"/>
+            <a:r>
+              <a:rPr lang="pt-BR" dirty="0" smtClean="0"/>
+              <a:t>a ** b (a = a ** b)</a:t>
+            </a:r>
+          </a:p>
+          <a:p>
+            <a:r>
+              <a:rPr lang="pt-BR" dirty="0" smtClean="0"/>
+              <a:t>Divide, arredonda e atribui</a:t>
+            </a:r>
+          </a:p>
+          <a:p>
+            <a:pPr lvl="1"/>
+            <a:r>
+              <a:rPr lang="pt-BR" dirty="0" smtClean="0"/>
+              <a:t>a //= b (a = a // b)</a:t>
+            </a:r>
+            <a:endParaRPr lang="pt-BR" dirty="0" smtClean="0"/>
+          </a:p>
+        </p:txBody>
+      </p:sp>
+    </p:spTree>
+    <p:extLst>
+      <p:ext uri="{BB962C8B-B14F-4D97-AF65-F5344CB8AC3E}">
+        <p14:creationId xmlns:p14="http://schemas.microsoft.com/office/powerpoint/2010/main" val="1847866460"/>
+      </p:ext>
+    </p:extLst>
+  </p:cSld>
+  <p:clrMapOvr>
+    <a:masterClrMapping/>
+  </p:clrMapOvr>
+  <p:timing>
+    <p:tnLst>
+      <p:par>
+        <p:cTn id="1" dur="indefinite" restart="never" nodeType="tmRoot"/>
+      </p:par>
+    </p:tnLst>
+  </p:timing>
+</p:sld>
+</file>
+
+<file path=ppt/slides/slide28.xml><?xml version="1.0" encoding="utf-8"?>
+<p:sld xmlns:a="http://schemas.openxmlformats.org/drawingml/2006/main" xmlns:r="http://schemas.openxmlformats.org/officeDocument/2006/relationships" xmlns:p="http://schemas.openxmlformats.org/presentationml/2006/main">
+  <p:cSld>
+    <p:spTree>
+      <p:nvGrpSpPr>
+        <p:cNvPr id="1" name=""/>
+        <p:cNvGrpSpPr/>
+        <p:nvPr/>
+      </p:nvGrpSpPr>
+      <p:grpSpPr>
+        <a:xfrm>
+          <a:off x="0" y="0"/>
+          <a:ext cx="0" cy="0"/>
+          <a:chOff x="0" y="0"/>
+          <a:chExt cx="0" cy="0"/>
+        </a:xfrm>
+      </p:grpSpPr>
+      <p:sp>
+        <p:nvSpPr>
+          <p:cNvPr id="2" name="Título 1"/>
+          <p:cNvSpPr>
+            <a:spLocks noGrp="1"/>
+          </p:cNvSpPr>
+          <p:nvPr>
+            <p:ph type="title"/>
+          </p:nvPr>
+        </p:nvSpPr>
+        <p:spPr/>
+        <p:txBody>
+          <a:bodyPr/>
+          <a:lstStyle/>
+          <a:p>
+            <a:r>
+              <a:rPr lang="pt-BR" dirty="0" smtClean="0"/>
+              <a:t>Exercício</a:t>
+            </a:r>
+            <a:endParaRPr lang="pt-BR" dirty="0"/>
+          </a:p>
+        </p:txBody>
+      </p:sp>
+      <p:sp>
+        <p:nvSpPr>
+          <p:cNvPr id="3" name="Espaço Reservado para Conteúdo 2"/>
+          <p:cNvSpPr>
+            <a:spLocks noGrp="1"/>
+          </p:cNvSpPr>
+          <p:nvPr>
+            <p:ph idx="1"/>
+          </p:nvPr>
+        </p:nvSpPr>
+        <p:spPr>
+          <a:xfrm>
+            <a:off x="628650" y="1690689"/>
+            <a:ext cx="7886700" cy="4486274"/>
+          </a:xfrm>
+        </p:spPr>
+        <p:txBody>
+          <a:bodyPr>
+            <a:normAutofit/>
+          </a:bodyPr>
+          <a:lstStyle/>
+          <a:p>
+            <a:r>
+              <a:rPr lang="pt-BR" dirty="0" smtClean="0"/>
+              <a:t>Norma do vetor</a:t>
+            </a:r>
+          </a:p>
+          <a:p>
+            <a:r>
+              <a:rPr lang="pt-BR" dirty="0" smtClean="0"/>
+              <a:t>Normalizar o vetor</a:t>
+            </a:r>
+            <a:endParaRPr lang="pt-BR" dirty="0" smtClean="0"/>
+          </a:p>
+        </p:txBody>
+      </p:sp>
+    </p:spTree>
+    <p:extLst>
+      <p:ext uri="{BB962C8B-B14F-4D97-AF65-F5344CB8AC3E}">
+        <p14:creationId xmlns:p14="http://schemas.microsoft.com/office/powerpoint/2010/main" val="575582437"/>
+      </p:ext>
+    </p:extLst>
+  </p:cSld>
+  <p:clrMapOvr>
+    <a:masterClrMapping/>
+  </p:clrMapOvr>
+  <p:timing>
+    <p:tnLst>
+      <p:par>
+        <p:cTn id="1" dur="indefinite" restart="never" nodeType="tmRoot"/>
+      </p:par>
+    </p:tnLst>
+  </p:timing>
+</p:sld>
+</file>
+
+<file path=ppt/slides/slide29.xml><?xml version="1.0" encoding="utf-8"?>
+<p:sld xmlns:a="http://schemas.openxmlformats.org/drawingml/2006/main" xmlns:r="http://schemas.openxmlformats.org/officeDocument/2006/relationships" xmlns:p="http://schemas.openxmlformats.org/presentationml/2006/main">
+  <p:cSld>
+    <p:spTree>
+      <p:nvGrpSpPr>
+        <p:cNvPr id="1" name=""/>
+        <p:cNvGrpSpPr/>
+        <p:nvPr/>
+      </p:nvGrpSpPr>
+      <p:grpSpPr>
+        <a:xfrm>
+          <a:off x="0" y="0"/>
+          <a:ext cx="0" cy="0"/>
+          <a:chOff x="0" y="0"/>
+          <a:chExt cx="0" cy="0"/>
+        </a:xfrm>
+      </p:grpSpPr>
+      <p:sp>
+        <p:nvSpPr>
+          <p:cNvPr id="2" name="Título 1"/>
+          <p:cNvSpPr>
+            <a:spLocks noGrp="1"/>
+          </p:cNvSpPr>
+          <p:nvPr>
+            <p:ph type="title"/>
+          </p:nvPr>
+        </p:nvSpPr>
+        <p:spPr/>
+        <p:txBody>
+          <a:bodyPr/>
+          <a:lstStyle/>
+          <a:p>
+            <a:r>
+              <a:rPr lang="pt-BR" dirty="0" smtClean="0"/>
+              <a:t>Operadores lógicos</a:t>
+            </a:r>
+            <a:endParaRPr lang="pt-BR" dirty="0"/>
+          </a:p>
+        </p:txBody>
+      </p:sp>
+      <p:sp>
+        <p:nvSpPr>
+          <p:cNvPr id="3" name="Espaço Reservado para Conteúdo 2"/>
+          <p:cNvSpPr>
+            <a:spLocks noGrp="1"/>
+          </p:cNvSpPr>
+          <p:nvPr>
+            <p:ph idx="1"/>
+          </p:nvPr>
+        </p:nvSpPr>
+        <p:spPr>
+          <a:xfrm>
+            <a:off x="628650" y="1690689"/>
+            <a:ext cx="7886700" cy="4486274"/>
+          </a:xfrm>
+        </p:spPr>
+        <p:txBody>
+          <a:bodyPr>
+            <a:normAutofit/>
+          </a:bodyPr>
+          <a:lstStyle/>
+          <a:p>
+            <a:r>
+              <a:rPr lang="pt-BR" sz="3200" dirty="0" smtClean="0"/>
+              <a:t>Igualdade</a:t>
+            </a:r>
+          </a:p>
+          <a:p>
+            <a:pPr lvl="1"/>
+            <a:r>
+              <a:rPr lang="pt-BR" sz="2800" dirty="0" smtClean="0"/>
+              <a:t>a == b (a é igual a b?)</a:t>
+            </a:r>
+          </a:p>
+          <a:p>
+            <a:r>
+              <a:rPr lang="pt-BR" sz="3200" dirty="0" smtClean="0"/>
+              <a:t>Diferença</a:t>
+            </a:r>
+          </a:p>
+          <a:p>
+            <a:pPr lvl="1"/>
+            <a:r>
+              <a:rPr lang="pt-BR" sz="2800" dirty="0" smtClean="0"/>
+              <a:t>a != b ou a &lt;&gt; b (a é diferente de b?)</a:t>
+            </a:r>
+          </a:p>
+          <a:p>
+            <a:r>
+              <a:rPr lang="pt-BR" sz="3200" dirty="0" smtClean="0"/>
+              <a:t>Maior e menor</a:t>
+            </a:r>
+          </a:p>
+          <a:p>
+            <a:pPr lvl="1"/>
+            <a:r>
+              <a:rPr lang="pt-BR" sz="2800" dirty="0" smtClean="0"/>
+              <a:t>a &gt; b (maior que) e a &lt; b (menor que)</a:t>
+            </a:r>
+          </a:p>
+          <a:p>
+            <a:r>
+              <a:rPr lang="pt-BR" sz="3200" dirty="0" smtClean="0"/>
+              <a:t>Maior/menor e igual</a:t>
+            </a:r>
+          </a:p>
+          <a:p>
+            <a:pPr lvl="1"/>
+            <a:r>
+              <a:rPr lang="pt-BR" sz="2800" dirty="0" smtClean="0"/>
+              <a:t>a &gt;= b e a &lt;= b</a:t>
+            </a:r>
+            <a:endParaRPr lang="pt-BR" sz="2800" dirty="0" smtClean="0"/>
+          </a:p>
+        </p:txBody>
+      </p:sp>
+    </p:spTree>
+    <p:extLst>
+      <p:ext uri="{BB962C8B-B14F-4D97-AF65-F5344CB8AC3E}">
+        <p14:creationId xmlns:p14="http://schemas.microsoft.com/office/powerpoint/2010/main" val="3940760606"/>
+      </p:ext>
+    </p:extLst>
+  </p:cSld>
+  <p:clrMapOvr>
+    <a:masterClrMapping/>
+  </p:clrMapOvr>
+  <p:timing>
+    <p:tnLst>
+      <p:par>
+        <p:cTn id="1" dur="indefinite" restart="never" nodeType="tmRoot"/>
+      </p:par>
+    </p:tnLst>
+  </p:timing>
+</p:sld>
+</file>
+
+<file path=ppt/slides/slide3.xml><?xml version="1.0" encoding="utf-8"?>
+<p:sld xmlns:a="http://schemas.openxmlformats.org/drawingml/2006/main" xmlns:r="http://schemas.openxmlformats.org/officeDocument/2006/relationships" xmlns:p="http://schemas.openxmlformats.org/presentationml/2006/main">
+  <p:cSld>
+    <p:spTree>
+      <p:nvGrpSpPr>
+        <p:cNvPr id="1" name=""/>
+        <p:cNvGrpSpPr/>
+        <p:nvPr/>
+      </p:nvGrpSpPr>
+      <p:grpSpPr>
+        <a:xfrm>
+          <a:off x="0" y="0"/>
+          <a:ext cx="0" cy="0"/>
+          <a:chOff x="0" y="0"/>
+          <a:chExt cx="0" cy="0"/>
+        </a:xfrm>
+      </p:grpSpPr>
+      <p:sp>
+        <p:nvSpPr>
+          <p:cNvPr id="2" name="Título 1"/>
+          <p:cNvSpPr>
+            <a:spLocks noGrp="1"/>
+          </p:cNvSpPr>
+          <p:nvPr>
+            <p:ph type="title"/>
+          </p:nvPr>
+        </p:nvSpPr>
+        <p:spPr/>
+        <p:txBody>
+          <a:bodyPr/>
+          <a:lstStyle/>
+          <a:p>
+            <a:r>
+              <a:rPr lang="pt-BR" dirty="0" smtClean="0"/>
+              <a:t>Cronograma</a:t>
+            </a:r>
+            <a:endParaRPr lang="pt-BR" dirty="0"/>
+          </a:p>
+        </p:txBody>
+      </p:sp>
+      <p:sp>
+        <p:nvSpPr>
+          <p:cNvPr id="3" name="Espaço Reservado para Conteúdo 2"/>
+          <p:cNvSpPr>
+            <a:spLocks noGrp="1"/>
+          </p:cNvSpPr>
+          <p:nvPr>
+            <p:ph idx="1"/>
+          </p:nvPr>
+        </p:nvSpPr>
+        <p:spPr>
+          <a:xfrm>
+            <a:off x="628650" y="1418897"/>
+            <a:ext cx="7886700" cy="5087006"/>
+          </a:xfrm>
+        </p:spPr>
+        <p:txBody>
+          <a:bodyPr>
+            <a:noAutofit/>
+          </a:bodyPr>
+          <a:lstStyle/>
+          <a:p>
+            <a:r>
+              <a:rPr lang="pt-BR" sz="3600" dirty="0" smtClean="0"/>
+              <a:t>Parte II:</a:t>
+            </a:r>
+          </a:p>
+          <a:p>
+            <a:pPr lvl="1"/>
+            <a:r>
+              <a:rPr lang="pt-BR" sz="3600" dirty="0"/>
+              <a:t>Data e tempo</a:t>
+            </a:r>
+          </a:p>
+          <a:p>
+            <a:pPr lvl="1"/>
+            <a:r>
+              <a:rPr lang="pt-BR" sz="3600" dirty="0"/>
+              <a:t>Funções</a:t>
+            </a:r>
+          </a:p>
+          <a:p>
+            <a:pPr lvl="1"/>
+            <a:r>
+              <a:rPr lang="pt-BR" sz="3600" dirty="0" smtClean="0"/>
+              <a:t>Modularidade</a:t>
+            </a:r>
+            <a:endParaRPr lang="pt-BR" sz="3600" dirty="0"/>
+          </a:p>
+          <a:p>
+            <a:pPr lvl="1"/>
+            <a:r>
+              <a:rPr lang="pt-BR" sz="3600" dirty="0"/>
+              <a:t>Arquivos</a:t>
+            </a:r>
+          </a:p>
+          <a:p>
+            <a:pPr lvl="1"/>
+            <a:r>
+              <a:rPr lang="pt-BR" sz="3600" dirty="0" smtClean="0"/>
+              <a:t>Tratamento </a:t>
+            </a:r>
+            <a:r>
+              <a:rPr lang="pt-BR" sz="3600" dirty="0" smtClean="0"/>
+              <a:t>de exceções</a:t>
+            </a:r>
+            <a:endParaRPr lang="pt-BR" sz="3600" dirty="0"/>
+          </a:p>
+          <a:p>
+            <a:pPr lvl="1"/>
+            <a:r>
+              <a:rPr lang="pt-BR" sz="3600" dirty="0" smtClean="0"/>
+              <a:t>Classes e objetos</a:t>
+            </a:r>
+          </a:p>
+          <a:p>
+            <a:pPr lvl="1"/>
+            <a:r>
+              <a:rPr lang="pt-BR" sz="3600" dirty="0" smtClean="0"/>
+              <a:t>Expressões regulares</a:t>
+            </a:r>
+          </a:p>
+          <a:p>
+            <a:pPr lvl="1"/>
+            <a:r>
+              <a:rPr lang="pt-BR" sz="3600" dirty="0" smtClean="0"/>
+              <a:t>Manipulação de </a:t>
+            </a:r>
+            <a:r>
+              <a:rPr lang="pt-BR" sz="3600" dirty="0"/>
+              <a:t>a</a:t>
+            </a:r>
+            <a:r>
+              <a:rPr lang="pt-BR" sz="3600" dirty="0" smtClean="0"/>
+              <a:t>rquivo </a:t>
+            </a:r>
+            <a:r>
+              <a:rPr lang="pt-BR" sz="3600" dirty="0" smtClean="0"/>
+              <a:t>CSV</a:t>
+            </a:r>
+            <a:endParaRPr lang="pt-BR" sz="3600" dirty="0" smtClean="0"/>
+          </a:p>
+        </p:txBody>
+      </p:sp>
+    </p:spTree>
+    <p:extLst>
+      <p:ext uri="{BB962C8B-B14F-4D97-AF65-F5344CB8AC3E}">
+        <p14:creationId xmlns:p14="http://schemas.microsoft.com/office/powerpoint/2010/main" val="3905123954"/>
+      </p:ext>
+    </p:extLst>
+  </p:cSld>
+  <p:clrMapOvr>
+    <a:masterClrMapping/>
+  </p:clrMapOvr>
+  <p:timing>
+    <p:tnLst>
+      <p:par>
+        <p:cTn id="1" dur="indefinite" restart="never" nodeType="tmRoot"/>
+      </p:par>
+    </p:tnLst>
+  </p:timing>
+</p:sld>
+</file>
+
+<file path=ppt/slides/slide30.xml><?xml version="1.0" encoding="utf-8"?>
+<p:sld xmlns:a="http://schemas.openxmlformats.org/drawingml/2006/main" xmlns:r="http://schemas.openxmlformats.org/officeDocument/2006/relationships" xmlns:p="http://schemas.openxmlformats.org/presentationml/2006/main">
+  <p:cSld>
+    <p:spTree>
+      <p:nvGrpSpPr>
+        <p:cNvPr id="1" name=""/>
+        <p:cNvGrpSpPr/>
+        <p:nvPr/>
+      </p:nvGrpSpPr>
+      <p:grpSpPr>
+        <a:xfrm>
+          <a:off x="0" y="0"/>
+          <a:ext cx="0" cy="0"/>
+          <a:chOff x="0" y="0"/>
+          <a:chExt cx="0" cy="0"/>
+        </a:xfrm>
+      </p:grpSpPr>
+      <p:sp>
+        <p:nvSpPr>
+          <p:cNvPr id="2" name="Título 1"/>
+          <p:cNvSpPr>
+            <a:spLocks noGrp="1"/>
+          </p:cNvSpPr>
+          <p:nvPr>
+            <p:ph type="title"/>
+          </p:nvPr>
+        </p:nvSpPr>
+        <p:spPr/>
+        <p:txBody>
+          <a:bodyPr/>
+          <a:lstStyle/>
+          <a:p>
+            <a:r>
+              <a:rPr lang="pt-BR" dirty="0" smtClean="0"/>
+              <a:t>Operadores lógicos</a:t>
+            </a:r>
+            <a:endParaRPr lang="pt-BR" dirty="0"/>
+          </a:p>
+        </p:txBody>
+      </p:sp>
+      <p:sp>
+        <p:nvSpPr>
+          <p:cNvPr id="3" name="Espaço Reservado para Conteúdo 2"/>
+          <p:cNvSpPr>
+            <a:spLocks noGrp="1"/>
+          </p:cNvSpPr>
+          <p:nvPr>
+            <p:ph idx="1"/>
+          </p:nvPr>
+        </p:nvSpPr>
+        <p:spPr>
+          <a:xfrm>
+            <a:off x="628650" y="1690689"/>
+            <a:ext cx="7886700" cy="4486274"/>
+          </a:xfrm>
+        </p:spPr>
+        <p:txBody>
+          <a:bodyPr>
+            <a:normAutofit/>
+          </a:bodyPr>
+          <a:lstStyle/>
+          <a:p>
+            <a:r>
+              <a:rPr lang="pt-BR" sz="2800" dirty="0" smtClean="0"/>
+              <a:t>Operadores </a:t>
+            </a:r>
+            <a:r>
+              <a:rPr lang="pt-BR" sz="2800" dirty="0" err="1" smtClean="0"/>
+              <a:t>and</a:t>
+            </a:r>
+            <a:r>
+              <a:rPr lang="pt-BR" sz="2800" dirty="0" smtClean="0"/>
+              <a:t> e </a:t>
+            </a:r>
+            <a:r>
+              <a:rPr lang="pt-BR" sz="2800" dirty="0" err="1" smtClean="0"/>
+              <a:t>or</a:t>
+            </a:r>
+            <a:r>
+              <a:rPr lang="pt-BR" sz="2800" dirty="0" smtClean="0"/>
+              <a:t> são operadores da lógica booleana. </a:t>
+            </a:r>
+          </a:p>
+          <a:p>
+            <a:r>
+              <a:rPr lang="pt-BR" sz="2800" dirty="0" smtClean="0"/>
+              <a:t>E</a:t>
+            </a:r>
+          </a:p>
+          <a:p>
+            <a:pPr lvl="1"/>
+            <a:r>
+              <a:rPr lang="pt-BR" dirty="0" smtClean="0"/>
+              <a:t>Só é verdade quando a e b são verdadeiros</a:t>
+            </a:r>
+            <a:endParaRPr lang="pt-BR" dirty="0" smtClean="0"/>
+          </a:p>
+          <a:p>
+            <a:pPr lvl="1"/>
+            <a:r>
+              <a:rPr lang="pt-BR" dirty="0" smtClean="0"/>
+              <a:t>a </a:t>
+            </a:r>
+            <a:r>
+              <a:rPr lang="pt-BR" dirty="0" err="1" smtClean="0"/>
+              <a:t>and</a:t>
+            </a:r>
+            <a:r>
+              <a:rPr lang="pt-BR" dirty="0" smtClean="0"/>
+              <a:t> b (a e b)</a:t>
+            </a:r>
+          </a:p>
+          <a:p>
+            <a:r>
+              <a:rPr lang="pt-BR" dirty="0" smtClean="0"/>
+              <a:t>OU</a:t>
+            </a:r>
+          </a:p>
+          <a:p>
+            <a:pPr lvl="1"/>
+            <a:r>
+              <a:rPr lang="pt-BR" dirty="0" smtClean="0"/>
+              <a:t>Só é verdade quando pelo menos a ou b é verdadeiro</a:t>
+            </a:r>
+          </a:p>
+          <a:p>
+            <a:pPr lvl="1"/>
+            <a:r>
+              <a:rPr lang="pt-BR" dirty="0" smtClean="0"/>
+              <a:t>a </a:t>
+            </a:r>
+            <a:r>
+              <a:rPr lang="pt-BR" dirty="0" err="1" smtClean="0"/>
+              <a:t>or</a:t>
+            </a:r>
+            <a:r>
+              <a:rPr lang="pt-BR" dirty="0" smtClean="0"/>
+              <a:t> b (a ou b)</a:t>
+            </a:r>
+          </a:p>
+          <a:p>
+            <a:r>
+              <a:rPr lang="pt-BR" dirty="0" smtClean="0"/>
+              <a:t>Negação</a:t>
+            </a:r>
+          </a:p>
+          <a:p>
+            <a:pPr lvl="1"/>
+            <a:r>
+              <a:rPr lang="pt-BR" dirty="0" err="1" smtClean="0"/>
+              <a:t>not</a:t>
+            </a:r>
+            <a:r>
+              <a:rPr lang="pt-BR" dirty="0" smtClean="0"/>
+              <a:t> a (nega o valor de a)</a:t>
+            </a:r>
+            <a:endParaRPr lang="pt-BR" dirty="0" smtClean="0"/>
+          </a:p>
+        </p:txBody>
+      </p:sp>
+    </p:spTree>
+    <p:extLst>
+      <p:ext uri="{BB962C8B-B14F-4D97-AF65-F5344CB8AC3E}">
+        <p14:creationId xmlns:p14="http://schemas.microsoft.com/office/powerpoint/2010/main" val="3185725706"/>
+      </p:ext>
+    </p:extLst>
+  </p:cSld>
+  <p:clrMapOvr>
+    <a:masterClrMapping/>
+  </p:clrMapOvr>
+  <p:timing>
+    <p:tnLst>
+      <p:par>
+        <p:cTn id="1" dur="indefinite" restart="never" nodeType="tmRoot"/>
+      </p:par>
+    </p:tnLst>
+  </p:timing>
+</p:sld>
+</file>
+
+<file path=ppt/slides/slide31.xml><?xml version="1.0" encoding="utf-8"?>
+<p:sld xmlns:a="http://schemas.openxmlformats.org/drawingml/2006/main" xmlns:r="http://schemas.openxmlformats.org/officeDocument/2006/relationships" xmlns:p="http://schemas.openxmlformats.org/presentationml/2006/main">
+  <p:cSld>
+    <p:spTree>
+      <p:nvGrpSpPr>
+        <p:cNvPr id="1" name=""/>
+        <p:cNvGrpSpPr/>
+        <p:nvPr/>
+      </p:nvGrpSpPr>
+      <p:grpSpPr>
+        <a:xfrm>
+          <a:off x="0" y="0"/>
+          <a:ext cx="0" cy="0"/>
+          <a:chOff x="0" y="0"/>
+          <a:chExt cx="0" cy="0"/>
+        </a:xfrm>
+      </p:grpSpPr>
+      <p:sp>
+        <p:nvSpPr>
+          <p:cNvPr id="2" name="Título 1"/>
+          <p:cNvSpPr>
+            <a:spLocks noGrp="1"/>
+          </p:cNvSpPr>
+          <p:nvPr>
+            <p:ph type="title"/>
+          </p:nvPr>
+        </p:nvSpPr>
+        <p:spPr/>
+        <p:txBody>
+          <a:bodyPr/>
+          <a:lstStyle/>
+          <a:p>
+            <a:r>
+              <a:rPr lang="pt-BR" dirty="0" smtClean="0"/>
+              <a:t>Operadores está contido, é</a:t>
+            </a:r>
+            <a:endParaRPr lang="pt-BR" dirty="0"/>
+          </a:p>
+        </p:txBody>
+      </p:sp>
+      <p:sp>
+        <p:nvSpPr>
+          <p:cNvPr id="3" name="Espaço Reservado para Conteúdo 2"/>
+          <p:cNvSpPr>
+            <a:spLocks noGrp="1"/>
+          </p:cNvSpPr>
+          <p:nvPr>
+            <p:ph idx="1"/>
+          </p:nvPr>
+        </p:nvSpPr>
+        <p:spPr>
+          <a:xfrm>
+            <a:off x="628650" y="1690689"/>
+            <a:ext cx="7886700" cy="4486274"/>
+          </a:xfrm>
+        </p:spPr>
+        <p:txBody>
+          <a:bodyPr>
+            <a:normAutofit/>
+          </a:bodyPr>
+          <a:lstStyle/>
+          <a:p>
+            <a:r>
+              <a:rPr lang="pt-BR" dirty="0" smtClean="0"/>
+              <a:t>Está contido</a:t>
+            </a:r>
+          </a:p>
+          <a:p>
+            <a:pPr lvl="1"/>
+            <a:r>
+              <a:rPr lang="pt-BR" dirty="0" smtClean="0"/>
+              <a:t>a in b (a está contido em b)</a:t>
+            </a:r>
+          </a:p>
+          <a:p>
+            <a:r>
+              <a:rPr lang="pt-BR" dirty="0" smtClean="0"/>
+              <a:t>Nã</a:t>
+            </a:r>
+            <a:r>
+              <a:rPr lang="pt-BR" dirty="0" smtClean="0"/>
+              <a:t>o está contido</a:t>
+            </a:r>
+          </a:p>
+          <a:p>
+            <a:pPr lvl="1"/>
+            <a:r>
+              <a:rPr lang="pt-BR" dirty="0" smtClean="0"/>
+              <a:t>b </a:t>
+            </a:r>
+            <a:r>
+              <a:rPr lang="pt-BR" dirty="0" err="1" smtClean="0"/>
+              <a:t>not</a:t>
+            </a:r>
+            <a:r>
+              <a:rPr lang="pt-BR" dirty="0" smtClean="0"/>
+              <a:t> in a (b não está contido em a)</a:t>
+            </a:r>
+          </a:p>
+          <a:p>
+            <a:r>
+              <a:rPr lang="pt-BR" dirty="0" smtClean="0"/>
+              <a:t>É</a:t>
+            </a:r>
+          </a:p>
+          <a:p>
+            <a:pPr lvl="1"/>
+            <a:r>
+              <a:rPr lang="pt-BR" dirty="0" smtClean="0"/>
+              <a:t>a </a:t>
+            </a:r>
+            <a:r>
+              <a:rPr lang="pt-BR" dirty="0" err="1" smtClean="0"/>
+              <a:t>is</a:t>
+            </a:r>
+            <a:r>
+              <a:rPr lang="pt-BR" dirty="0" smtClean="0"/>
+              <a:t> b (a aponta para o mesmo objeto que b)</a:t>
+            </a:r>
+          </a:p>
+          <a:p>
+            <a:r>
+              <a:rPr lang="pt-BR" dirty="0" smtClean="0"/>
+              <a:t>NÃO É</a:t>
+            </a:r>
+          </a:p>
+          <a:p>
+            <a:pPr lvl="1"/>
+            <a:r>
+              <a:rPr lang="pt-BR" dirty="0" smtClean="0"/>
+              <a:t>a </a:t>
+            </a:r>
+            <a:r>
+              <a:rPr lang="pt-BR" dirty="0" err="1" smtClean="0"/>
+              <a:t>is</a:t>
+            </a:r>
+            <a:r>
+              <a:rPr lang="pt-BR" dirty="0" smtClean="0"/>
+              <a:t> </a:t>
+            </a:r>
+            <a:r>
+              <a:rPr lang="pt-BR" dirty="0" err="1" smtClean="0"/>
+              <a:t>not</a:t>
+            </a:r>
+            <a:r>
+              <a:rPr lang="pt-BR" dirty="0" smtClean="0"/>
+              <a:t> b (a não aponta para o mesmo objeto que b)</a:t>
+            </a:r>
+            <a:endParaRPr lang="pt-BR" dirty="0" smtClean="0"/>
+          </a:p>
+        </p:txBody>
+      </p:sp>
+    </p:spTree>
+    <p:extLst>
+      <p:ext uri="{BB962C8B-B14F-4D97-AF65-F5344CB8AC3E}">
+        <p14:creationId xmlns:p14="http://schemas.microsoft.com/office/powerpoint/2010/main" val="80063558"/>
+      </p:ext>
+    </p:extLst>
+  </p:cSld>
+  <p:clrMapOvr>
+    <a:masterClrMapping/>
+  </p:clrMapOvr>
+  <p:timing>
+    <p:tnLst>
+      <p:par>
+        <p:cTn id="1" dur="indefinite" restart="never" nodeType="tmRoot"/>
+      </p:par>
+    </p:tnLst>
+  </p:timing>
+</p:sld>
+</file>
+
+<file path=ppt/slides/slide32.xml><?xml version="1.0" encoding="utf-8"?>
+<p:sld xmlns:a="http://schemas.openxmlformats.org/drawingml/2006/main" xmlns:r="http://schemas.openxmlformats.org/officeDocument/2006/relationships" xmlns:p="http://schemas.openxmlformats.org/presentationml/2006/main">
+  <p:cSld>
+    <p:spTree>
+      <p:nvGrpSpPr>
+        <p:cNvPr id="1" name=""/>
+        <p:cNvGrpSpPr/>
+        <p:nvPr/>
+      </p:nvGrpSpPr>
+      <p:grpSpPr>
+        <a:xfrm>
+          <a:off x="0" y="0"/>
+          <a:ext cx="0" cy="0"/>
+          <a:chOff x="0" y="0"/>
+          <a:chExt cx="0" cy="0"/>
+        </a:xfrm>
+      </p:grpSpPr>
+      <p:sp>
+        <p:nvSpPr>
+          <p:cNvPr id="2" name="Título 1"/>
+          <p:cNvSpPr>
+            <a:spLocks noGrp="1"/>
+          </p:cNvSpPr>
+          <p:nvPr>
+            <p:ph type="title"/>
+          </p:nvPr>
+        </p:nvSpPr>
+        <p:spPr/>
+        <p:txBody>
+          <a:bodyPr/>
+          <a:lstStyle/>
+          <a:p>
+            <a:r>
+              <a:rPr lang="pt-BR" dirty="0" smtClean="0"/>
+              <a:t>Exercício</a:t>
+            </a:r>
+            <a:endParaRPr lang="pt-BR" dirty="0"/>
+          </a:p>
+        </p:txBody>
+      </p:sp>
+      <p:sp>
+        <p:nvSpPr>
+          <p:cNvPr id="3" name="Espaço Reservado para Conteúdo 2"/>
+          <p:cNvSpPr>
+            <a:spLocks noGrp="1"/>
+          </p:cNvSpPr>
+          <p:nvPr>
+            <p:ph idx="1"/>
+          </p:nvPr>
+        </p:nvSpPr>
+        <p:spPr>
+          <a:xfrm>
+            <a:off x="628650" y="1690689"/>
+            <a:ext cx="7886700" cy="4486274"/>
+          </a:xfrm>
+        </p:spPr>
+        <p:txBody>
+          <a:bodyPr>
+            <a:normAutofit/>
+          </a:bodyPr>
+          <a:lstStyle/>
+          <a:p>
+            <a:endParaRPr lang="pt-BR" dirty="0" smtClean="0"/>
+          </a:p>
+        </p:txBody>
+      </p:sp>
+    </p:spTree>
+    <p:extLst>
+      <p:ext uri="{BB962C8B-B14F-4D97-AF65-F5344CB8AC3E}">
+        <p14:creationId xmlns:p14="http://schemas.microsoft.com/office/powerpoint/2010/main" val="1382065745"/>
+      </p:ext>
+    </p:extLst>
+  </p:cSld>
+  <p:clrMapOvr>
+    <a:masterClrMapping/>
+  </p:clrMapOvr>
+  <p:timing>
+    <p:tnLst>
+      <p:par>
+        <p:cTn id="1" dur="indefinite" restart="never" nodeType="tmRoot"/>
+      </p:par>
+    </p:tnLst>
+  </p:timing>
+</p:sld>
+</file>
+
+<file path=ppt/slides/slide33.xml><?xml version="1.0" encoding="utf-8"?>
+<p:sld xmlns:a="http://schemas.openxmlformats.org/drawingml/2006/main" xmlns:r="http://schemas.openxmlformats.org/officeDocument/2006/relationships" xmlns:p="http://schemas.openxmlformats.org/presentationml/2006/main">
+  <p:cSld>
+    <p:spTree>
+      <p:nvGrpSpPr>
+        <p:cNvPr id="1" name=""/>
+        <p:cNvGrpSpPr/>
+        <p:nvPr/>
+      </p:nvGrpSpPr>
+      <p:grpSpPr>
+        <a:xfrm>
+          <a:off x="0" y="0"/>
+          <a:ext cx="0" cy="0"/>
+          <a:chOff x="0" y="0"/>
+          <a:chExt cx="0" cy="0"/>
+        </a:xfrm>
+      </p:grpSpPr>
+      <p:sp>
+        <p:nvSpPr>
+          <p:cNvPr id="2" name="Título 1"/>
+          <p:cNvSpPr>
+            <a:spLocks noGrp="1"/>
+          </p:cNvSpPr>
+          <p:nvPr>
+            <p:ph type="title"/>
+          </p:nvPr>
+        </p:nvSpPr>
+        <p:spPr/>
+        <p:txBody>
+          <a:bodyPr/>
+          <a:lstStyle/>
+          <a:p>
+            <a:r>
+              <a:rPr lang="pt-BR" dirty="0" smtClean="0"/>
+              <a:t>Cronograma</a:t>
+            </a:r>
+            <a:endParaRPr lang="pt-BR" dirty="0"/>
+          </a:p>
+        </p:txBody>
+      </p:sp>
+      <p:sp>
+        <p:nvSpPr>
+          <p:cNvPr id="3" name="Espaço Reservado para Conteúdo 2"/>
+          <p:cNvSpPr>
+            <a:spLocks noGrp="1"/>
+          </p:cNvSpPr>
+          <p:nvPr>
+            <p:ph idx="1"/>
+          </p:nvPr>
+        </p:nvSpPr>
+        <p:spPr>
+          <a:xfrm>
+            <a:off x="628650" y="1418897"/>
+            <a:ext cx="7886700" cy="5087006"/>
+          </a:xfrm>
+        </p:spPr>
+        <p:txBody>
+          <a:bodyPr>
+            <a:normAutofit fontScale="92500" lnSpcReduction="20000"/>
+          </a:bodyPr>
+          <a:lstStyle/>
+          <a:p>
+            <a:r>
+              <a:rPr lang="pt-BR" sz="4500" dirty="0" smtClean="0"/>
+              <a:t>Parte I:</a:t>
+            </a:r>
+          </a:p>
+          <a:p>
+            <a:pPr lvl="1"/>
+            <a:r>
+              <a:rPr lang="pt-BR" sz="4500" dirty="0" smtClean="0">
+                <a:solidFill>
+                  <a:schemeClr val="tx1">
+                    <a:lumMod val="50000"/>
+                    <a:lumOff val="50000"/>
+                  </a:schemeClr>
+                </a:solidFill>
+              </a:rPr>
+              <a:t>Introdução</a:t>
+            </a:r>
+          </a:p>
+          <a:p>
+            <a:pPr lvl="1"/>
+            <a:r>
+              <a:rPr lang="pt-BR" sz="4500" dirty="0" smtClean="0">
+                <a:solidFill>
+                  <a:schemeClr val="tx1">
+                    <a:lumMod val="50000"/>
+                    <a:lumOff val="50000"/>
+                  </a:schemeClr>
+                </a:solidFill>
+              </a:rPr>
+              <a:t>Visão geral</a:t>
+            </a:r>
+          </a:p>
+          <a:p>
+            <a:pPr lvl="1"/>
+            <a:r>
+              <a:rPr lang="pt-BR" sz="4500" dirty="0" smtClean="0">
+                <a:solidFill>
+                  <a:schemeClr val="tx1">
+                    <a:lumMod val="50000"/>
+                    <a:lumOff val="50000"/>
+                  </a:schemeClr>
+                </a:solidFill>
+              </a:rPr>
+              <a:t>Configuração do ambiente</a:t>
+            </a:r>
+          </a:p>
+          <a:p>
+            <a:pPr lvl="1"/>
+            <a:r>
+              <a:rPr lang="pt-BR" sz="4500" dirty="0" smtClean="0">
+                <a:solidFill>
+                  <a:schemeClr val="tx1">
+                    <a:lumMod val="50000"/>
+                    <a:lumOff val="50000"/>
+                  </a:schemeClr>
+                </a:solidFill>
+              </a:rPr>
+              <a:t>Sintaxe </a:t>
+            </a:r>
+            <a:r>
+              <a:rPr lang="pt-BR" sz="4500" dirty="0" smtClean="0">
+                <a:solidFill>
+                  <a:schemeClr val="tx1">
+                    <a:lumMod val="50000"/>
+                    <a:lumOff val="50000"/>
+                  </a:schemeClr>
+                </a:solidFill>
+              </a:rPr>
+              <a:t>básica</a:t>
+            </a:r>
+          </a:p>
+          <a:p>
+            <a:pPr lvl="1"/>
+            <a:r>
+              <a:rPr lang="pt-BR" sz="4500" dirty="0">
+                <a:solidFill>
+                  <a:schemeClr val="tx1">
+                    <a:lumMod val="50000"/>
+                    <a:lumOff val="50000"/>
+                  </a:schemeClr>
+                </a:solidFill>
+              </a:rPr>
+              <a:t>Tipos de </a:t>
+            </a:r>
+            <a:r>
+              <a:rPr lang="pt-BR" sz="4500" dirty="0" smtClean="0">
+                <a:solidFill>
+                  <a:schemeClr val="tx1">
+                    <a:lumMod val="50000"/>
+                    <a:lumOff val="50000"/>
+                  </a:schemeClr>
+                </a:solidFill>
+              </a:rPr>
+              <a:t>variáveis</a:t>
+            </a:r>
+            <a:endParaRPr lang="pt-BR" sz="4500" dirty="0">
+              <a:solidFill>
+                <a:schemeClr val="tx1">
+                  <a:lumMod val="50000"/>
+                  <a:lumOff val="50000"/>
+                </a:schemeClr>
+              </a:solidFill>
+            </a:endParaRPr>
+          </a:p>
+          <a:p>
+            <a:pPr lvl="1"/>
+            <a:r>
+              <a:rPr lang="pt-BR" sz="4500" dirty="0" smtClean="0">
+                <a:solidFill>
+                  <a:schemeClr val="tx1">
+                    <a:lumMod val="50000"/>
+                    <a:lumOff val="50000"/>
+                  </a:schemeClr>
+                </a:solidFill>
+              </a:rPr>
+              <a:t>Operadores </a:t>
+            </a:r>
+            <a:r>
+              <a:rPr lang="pt-BR" sz="4500" dirty="0" smtClean="0">
+                <a:solidFill>
+                  <a:schemeClr val="tx1">
+                    <a:lumMod val="50000"/>
+                    <a:lumOff val="50000"/>
+                  </a:schemeClr>
+                </a:solidFill>
+              </a:rPr>
+              <a:t>básicos</a:t>
+            </a:r>
+          </a:p>
+          <a:p>
+            <a:pPr lvl="1"/>
+            <a:r>
+              <a:rPr lang="pt-BR" sz="4500" dirty="0" smtClean="0"/>
+              <a:t>Operadores condicionais</a:t>
+            </a:r>
+          </a:p>
+          <a:p>
+            <a:pPr lvl="1"/>
+            <a:r>
+              <a:rPr lang="pt-BR" sz="4500" dirty="0" smtClean="0">
+                <a:solidFill>
+                  <a:schemeClr val="tx1">
+                    <a:lumMod val="50000"/>
+                    <a:lumOff val="50000"/>
+                  </a:schemeClr>
+                </a:solidFill>
+              </a:rPr>
+              <a:t>Laços de </a:t>
+            </a:r>
+            <a:r>
+              <a:rPr lang="pt-BR" sz="4500" dirty="0" smtClean="0">
+                <a:solidFill>
+                  <a:schemeClr val="tx1">
+                    <a:lumMod val="50000"/>
+                    <a:lumOff val="50000"/>
+                  </a:schemeClr>
+                </a:solidFill>
+              </a:rPr>
+              <a:t>repetição</a:t>
+            </a:r>
+            <a:endParaRPr lang="pt-BR" dirty="0"/>
+          </a:p>
+        </p:txBody>
+      </p:sp>
+    </p:spTree>
+    <p:extLst>
+      <p:ext uri="{BB962C8B-B14F-4D97-AF65-F5344CB8AC3E}">
+        <p14:creationId xmlns:p14="http://schemas.microsoft.com/office/powerpoint/2010/main" val="4261324314"/>
+      </p:ext>
+    </p:extLst>
+  </p:cSld>
+  <p:clrMapOvr>
+    <a:masterClrMapping/>
+  </p:clrMapOvr>
+  <p:timing>
+    <p:tnLst>
+      <p:par>
+        <p:cTn id="1" dur="indefinite" restart="never" nodeType="tmRoot"/>
+      </p:par>
+    </p:tnLst>
+  </p:timing>
+</p:sld>
+</file>
+
+<file path=ppt/slides/slide34.xml><?xml version="1.0" encoding="utf-8"?>
+<p:sld xmlns:a="http://schemas.openxmlformats.org/drawingml/2006/main" xmlns:r="http://schemas.openxmlformats.org/officeDocument/2006/relationships" xmlns:p="http://schemas.openxmlformats.org/presentationml/2006/main">
+  <p:cSld>
+    <p:spTree>
+      <p:nvGrpSpPr>
+        <p:cNvPr id="1" name=""/>
+        <p:cNvGrpSpPr/>
+        <p:nvPr/>
+      </p:nvGrpSpPr>
+      <p:grpSpPr>
+        <a:xfrm>
+          <a:off x="0" y="0"/>
+          <a:ext cx="0" cy="0"/>
+          <a:chOff x="0" y="0"/>
+          <a:chExt cx="0" cy="0"/>
+        </a:xfrm>
+      </p:grpSpPr>
+      <p:sp>
+        <p:nvSpPr>
+          <p:cNvPr id="2" name="Título 1"/>
+          <p:cNvSpPr>
+            <a:spLocks noGrp="1"/>
+          </p:cNvSpPr>
+          <p:nvPr>
+            <p:ph type="title"/>
+          </p:nvPr>
+        </p:nvSpPr>
+        <p:spPr/>
+        <p:txBody>
+          <a:bodyPr/>
+          <a:lstStyle/>
+          <a:p>
+            <a:r>
+              <a:rPr lang="pt-BR" dirty="0" smtClean="0"/>
+              <a:t>Operadores condicionais</a:t>
+            </a:r>
+            <a:endParaRPr lang="pt-BR" dirty="0"/>
+          </a:p>
+        </p:txBody>
+      </p:sp>
+      <p:pic>
+        <p:nvPicPr>
+          <p:cNvPr id="6" name="Espaço Reservado para Conteúdo 5"/>
+          <p:cNvPicPr>
+            <a:picLocks noGrp="1" noChangeAspect="1"/>
+          </p:cNvPicPr>
+          <p:nvPr>
+            <p:ph idx="1"/>
+          </p:nvPr>
+        </p:nvPicPr>
+        <p:blipFill>
+          <a:blip r:embed="rId2">
+            <a:extLst>
+              <a:ext uri="{28A0092B-C50C-407E-A947-70E740481C1C}">
+                <a14:useLocalDpi xmlns:a14="http://schemas.microsoft.com/office/drawing/2010/main" val="0"/>
+              </a:ext>
+            </a:extLst>
+          </a:blip>
+          <a:stretch>
+            <a:fillRect/>
+          </a:stretch>
+        </p:blipFill>
+        <p:spPr>
+          <a:xfrm>
+            <a:off x="1653847" y="2086851"/>
+            <a:ext cx="2524125" cy="3228975"/>
+          </a:xfrm>
+        </p:spPr>
+      </p:pic>
+      <p:sp>
+        <p:nvSpPr>
+          <p:cNvPr id="7" name="CaixaDeTexto 6"/>
+          <p:cNvSpPr txBox="1"/>
+          <p:nvPr/>
+        </p:nvSpPr>
+        <p:spPr>
+          <a:xfrm>
+            <a:off x="5456839" y="2793397"/>
+            <a:ext cx="2806262" cy="1815882"/>
+          </a:xfrm>
+          <a:prstGeom prst="rect">
+            <a:avLst/>
+          </a:prstGeom>
+          <a:noFill/>
+        </p:spPr>
+        <p:txBody>
+          <a:bodyPr wrap="square" rtlCol="0">
+            <a:spAutoFit/>
+          </a:bodyPr>
+          <a:lstStyle/>
+          <a:p>
+            <a:r>
+              <a:rPr lang="pt-BR" sz="2800" dirty="0" err="1" smtClean="0"/>
+              <a:t>if</a:t>
+            </a:r>
+            <a:r>
+              <a:rPr lang="pt-BR" sz="2800" dirty="0" smtClean="0"/>
+              <a:t> condição:</a:t>
+            </a:r>
+          </a:p>
+          <a:p>
+            <a:r>
+              <a:rPr lang="pt-BR" sz="2800" dirty="0" smtClean="0"/>
+              <a:t>	…código...</a:t>
+            </a:r>
+          </a:p>
+          <a:p>
+            <a:r>
+              <a:rPr lang="pt-BR" sz="2800" dirty="0" err="1" smtClean="0"/>
+              <a:t>else</a:t>
+            </a:r>
+            <a:r>
+              <a:rPr lang="pt-BR" sz="2800" dirty="0" smtClean="0"/>
+              <a:t>:</a:t>
+            </a:r>
+          </a:p>
+          <a:p>
+            <a:r>
+              <a:rPr lang="pt-BR" sz="2800" dirty="0" smtClean="0"/>
+              <a:t>	…código...</a:t>
+            </a:r>
+            <a:endParaRPr lang="pt-BR" sz="2800" dirty="0"/>
+          </a:p>
+        </p:txBody>
+      </p:sp>
+    </p:spTree>
+    <p:extLst>
+      <p:ext uri="{BB962C8B-B14F-4D97-AF65-F5344CB8AC3E}">
+        <p14:creationId xmlns:p14="http://schemas.microsoft.com/office/powerpoint/2010/main" val="866245257"/>
+      </p:ext>
+    </p:extLst>
+  </p:cSld>
+  <p:clrMapOvr>
+    <a:masterClrMapping/>
+  </p:clrMapOvr>
+  <p:timing>
+    <p:tnLst>
+      <p:par>
+        <p:cTn id="1" dur="indefinite" restart="never" nodeType="tmRoot"/>
+      </p:par>
+    </p:tnLst>
+  </p:timing>
+</p:sld>
+</file>
+
+<file path=ppt/slides/slide35.xml><?xml version="1.0" encoding="utf-8"?>
+<p:sld xmlns:a="http://schemas.openxmlformats.org/drawingml/2006/main" xmlns:r="http://schemas.openxmlformats.org/officeDocument/2006/relationships" xmlns:p="http://schemas.openxmlformats.org/presentationml/2006/main">
+  <p:cSld>
+    <p:spTree>
+      <p:nvGrpSpPr>
+        <p:cNvPr id="1" name=""/>
+        <p:cNvGrpSpPr/>
+        <p:nvPr/>
+      </p:nvGrpSpPr>
+      <p:grpSpPr>
+        <a:xfrm>
+          <a:off x="0" y="0"/>
+          <a:ext cx="0" cy="0"/>
+          <a:chOff x="0" y="0"/>
+          <a:chExt cx="0" cy="0"/>
+        </a:xfrm>
+      </p:grpSpPr>
+      <p:sp>
+        <p:nvSpPr>
+          <p:cNvPr id="2" name="Título 1"/>
+          <p:cNvSpPr>
+            <a:spLocks noGrp="1"/>
+          </p:cNvSpPr>
+          <p:nvPr>
+            <p:ph type="title"/>
+          </p:nvPr>
+        </p:nvSpPr>
+        <p:spPr/>
+        <p:txBody>
+          <a:bodyPr/>
+          <a:lstStyle/>
+          <a:p>
+            <a:r>
+              <a:rPr lang="pt-BR" dirty="0" smtClean="0"/>
+              <a:t>Exercício</a:t>
+            </a:r>
+            <a:endParaRPr lang="pt-BR" dirty="0"/>
+          </a:p>
+        </p:txBody>
+      </p:sp>
+      <p:sp>
+        <p:nvSpPr>
+          <p:cNvPr id="3" name="Espaço Reservado para Conteúdo 2"/>
+          <p:cNvSpPr>
+            <a:spLocks noGrp="1"/>
+          </p:cNvSpPr>
+          <p:nvPr>
+            <p:ph idx="1"/>
+          </p:nvPr>
+        </p:nvSpPr>
+        <p:spPr>
+          <a:xfrm>
+            <a:off x="628650" y="1690689"/>
+            <a:ext cx="7886700" cy="4486274"/>
+          </a:xfrm>
+        </p:spPr>
+        <p:txBody>
+          <a:bodyPr>
+            <a:normAutofit/>
+          </a:bodyPr>
+          <a:lstStyle/>
+          <a:p>
+            <a:endParaRPr lang="pt-BR" dirty="0" smtClean="0"/>
+          </a:p>
+        </p:txBody>
+      </p:sp>
+    </p:spTree>
+    <p:extLst>
+      <p:ext uri="{BB962C8B-B14F-4D97-AF65-F5344CB8AC3E}">
+        <p14:creationId xmlns:p14="http://schemas.microsoft.com/office/powerpoint/2010/main" val="268550982"/>
+      </p:ext>
+    </p:extLst>
+  </p:cSld>
+  <p:clrMapOvr>
+    <a:masterClrMapping/>
+  </p:clrMapOvr>
+  <p:timing>
+    <p:tnLst>
+      <p:par>
+        <p:cTn id="1" dur="indefinite" restart="never" nodeType="tmRoot"/>
+      </p:par>
+    </p:tnLst>
+  </p:timing>
+</p:sld>
+</file>
+
+<file path=ppt/slides/slide36.xml><?xml version="1.0" encoding="utf-8"?>
+<p:sld xmlns:a="http://schemas.openxmlformats.org/drawingml/2006/main" xmlns:r="http://schemas.openxmlformats.org/officeDocument/2006/relationships" xmlns:p="http://schemas.openxmlformats.org/presentationml/2006/main">
+  <p:cSld>
+    <p:spTree>
+      <p:nvGrpSpPr>
+        <p:cNvPr id="1" name=""/>
+        <p:cNvGrpSpPr/>
+        <p:nvPr/>
+      </p:nvGrpSpPr>
+      <p:grpSpPr>
+        <a:xfrm>
+          <a:off x="0" y="0"/>
+          <a:ext cx="0" cy="0"/>
+          <a:chOff x="0" y="0"/>
+          <a:chExt cx="0" cy="0"/>
+        </a:xfrm>
+      </p:grpSpPr>
+      <p:sp>
+        <p:nvSpPr>
+          <p:cNvPr id="2" name="Título 1"/>
+          <p:cNvSpPr>
+            <a:spLocks noGrp="1"/>
+          </p:cNvSpPr>
+          <p:nvPr>
+            <p:ph type="title"/>
+          </p:nvPr>
+        </p:nvSpPr>
+        <p:spPr/>
+        <p:txBody>
+          <a:bodyPr/>
+          <a:lstStyle/>
+          <a:p>
+            <a:r>
+              <a:rPr lang="pt-BR" dirty="0" smtClean="0"/>
+              <a:t>Cronograma</a:t>
+            </a:r>
+            <a:endParaRPr lang="pt-BR" dirty="0"/>
+          </a:p>
+        </p:txBody>
+      </p:sp>
+      <p:sp>
+        <p:nvSpPr>
+          <p:cNvPr id="3" name="Espaço Reservado para Conteúdo 2"/>
+          <p:cNvSpPr>
+            <a:spLocks noGrp="1"/>
+          </p:cNvSpPr>
+          <p:nvPr>
+            <p:ph idx="1"/>
+          </p:nvPr>
+        </p:nvSpPr>
+        <p:spPr>
+          <a:xfrm>
+            <a:off x="628650" y="1418897"/>
+            <a:ext cx="7886700" cy="5087006"/>
+          </a:xfrm>
+        </p:spPr>
+        <p:txBody>
+          <a:bodyPr>
+            <a:normAutofit fontScale="92500" lnSpcReduction="20000"/>
+          </a:bodyPr>
+          <a:lstStyle/>
+          <a:p>
+            <a:r>
+              <a:rPr lang="pt-BR" sz="4500" dirty="0" smtClean="0"/>
+              <a:t>Parte I:</a:t>
+            </a:r>
+          </a:p>
+          <a:p>
+            <a:pPr lvl="1"/>
+            <a:r>
+              <a:rPr lang="pt-BR" sz="4500" dirty="0" smtClean="0">
+                <a:solidFill>
+                  <a:schemeClr val="tx1">
+                    <a:lumMod val="50000"/>
+                    <a:lumOff val="50000"/>
+                  </a:schemeClr>
+                </a:solidFill>
+              </a:rPr>
+              <a:t>Introdução</a:t>
+            </a:r>
+          </a:p>
+          <a:p>
+            <a:pPr lvl="1"/>
+            <a:r>
+              <a:rPr lang="pt-BR" sz="4500" dirty="0" smtClean="0">
+                <a:solidFill>
+                  <a:schemeClr val="tx1">
+                    <a:lumMod val="50000"/>
+                    <a:lumOff val="50000"/>
+                  </a:schemeClr>
+                </a:solidFill>
+              </a:rPr>
+              <a:t>Visão geral</a:t>
+            </a:r>
+          </a:p>
+          <a:p>
+            <a:pPr lvl="1"/>
+            <a:r>
+              <a:rPr lang="pt-BR" sz="4500" dirty="0" smtClean="0">
+                <a:solidFill>
+                  <a:schemeClr val="tx1">
+                    <a:lumMod val="50000"/>
+                    <a:lumOff val="50000"/>
+                  </a:schemeClr>
+                </a:solidFill>
+              </a:rPr>
+              <a:t>Configuração do ambiente</a:t>
+            </a:r>
+          </a:p>
+          <a:p>
+            <a:pPr lvl="1"/>
+            <a:r>
+              <a:rPr lang="pt-BR" sz="4500" dirty="0" smtClean="0">
+                <a:solidFill>
+                  <a:schemeClr val="tx1">
+                    <a:lumMod val="50000"/>
+                    <a:lumOff val="50000"/>
+                  </a:schemeClr>
+                </a:solidFill>
+              </a:rPr>
+              <a:t>Sintaxe </a:t>
+            </a:r>
+            <a:r>
+              <a:rPr lang="pt-BR" sz="4500" dirty="0" smtClean="0">
+                <a:solidFill>
+                  <a:schemeClr val="tx1">
+                    <a:lumMod val="50000"/>
+                    <a:lumOff val="50000"/>
+                  </a:schemeClr>
+                </a:solidFill>
+              </a:rPr>
+              <a:t>básica</a:t>
+            </a:r>
+          </a:p>
+          <a:p>
+            <a:pPr lvl="1"/>
+            <a:r>
+              <a:rPr lang="pt-BR" sz="4500" dirty="0">
+                <a:solidFill>
+                  <a:schemeClr val="tx1">
+                    <a:lumMod val="50000"/>
+                    <a:lumOff val="50000"/>
+                  </a:schemeClr>
+                </a:solidFill>
+              </a:rPr>
+              <a:t>Tipos de </a:t>
+            </a:r>
+            <a:r>
+              <a:rPr lang="pt-BR" sz="4500" dirty="0" smtClean="0">
+                <a:solidFill>
+                  <a:schemeClr val="tx1">
+                    <a:lumMod val="50000"/>
+                    <a:lumOff val="50000"/>
+                  </a:schemeClr>
+                </a:solidFill>
+              </a:rPr>
+              <a:t>variáveis</a:t>
+            </a:r>
+            <a:endParaRPr lang="pt-BR" sz="4500" dirty="0">
+              <a:solidFill>
+                <a:schemeClr val="tx1">
+                  <a:lumMod val="50000"/>
+                  <a:lumOff val="50000"/>
+                </a:schemeClr>
+              </a:solidFill>
+            </a:endParaRPr>
+          </a:p>
+          <a:p>
+            <a:pPr lvl="1"/>
+            <a:r>
+              <a:rPr lang="pt-BR" sz="4500" dirty="0" smtClean="0">
+                <a:solidFill>
+                  <a:schemeClr val="tx1">
+                    <a:lumMod val="50000"/>
+                    <a:lumOff val="50000"/>
+                  </a:schemeClr>
+                </a:solidFill>
+              </a:rPr>
+              <a:t>Operadores </a:t>
+            </a:r>
+            <a:r>
+              <a:rPr lang="pt-BR" sz="4500" dirty="0" smtClean="0">
+                <a:solidFill>
+                  <a:schemeClr val="tx1">
+                    <a:lumMod val="50000"/>
+                    <a:lumOff val="50000"/>
+                  </a:schemeClr>
+                </a:solidFill>
+              </a:rPr>
+              <a:t>básicos</a:t>
+            </a:r>
+          </a:p>
+          <a:p>
+            <a:pPr lvl="1"/>
+            <a:r>
+              <a:rPr lang="pt-BR" sz="4500" dirty="0" smtClean="0">
+                <a:solidFill>
+                  <a:schemeClr val="tx1">
+                    <a:lumMod val="50000"/>
+                    <a:lumOff val="50000"/>
+                  </a:schemeClr>
+                </a:solidFill>
+              </a:rPr>
+              <a:t>Operadores condicionais</a:t>
+            </a:r>
+          </a:p>
+          <a:p>
+            <a:pPr lvl="1"/>
+            <a:r>
+              <a:rPr lang="pt-BR" sz="4500" dirty="0" smtClean="0"/>
+              <a:t>Laços de repetição</a:t>
+            </a:r>
+          </a:p>
+          <a:p>
+            <a:pPr marL="0" indent="0">
+              <a:buNone/>
+            </a:pPr>
+            <a:endParaRPr lang="pt-BR" dirty="0"/>
+          </a:p>
+        </p:txBody>
+      </p:sp>
+    </p:spTree>
+    <p:extLst>
+      <p:ext uri="{BB962C8B-B14F-4D97-AF65-F5344CB8AC3E}">
+        <p14:creationId xmlns:p14="http://schemas.microsoft.com/office/powerpoint/2010/main" val="3798452757"/>
+      </p:ext>
+    </p:extLst>
+  </p:cSld>
+  <p:clrMapOvr>
+    <a:masterClrMapping/>
+  </p:clrMapOvr>
+  <p:timing>
+    <p:tnLst>
+      <p:par>
+        <p:cTn id="1" dur="indefinite" restart="never" nodeType="tmRoot"/>
+      </p:par>
+    </p:tnLst>
+  </p:timing>
+</p:sld>
+</file>
+
+<file path=ppt/slides/slide37.xml><?xml version="1.0" encoding="utf-8"?>
+<p:sld xmlns:a="http://schemas.openxmlformats.org/drawingml/2006/main" xmlns:r="http://schemas.openxmlformats.org/officeDocument/2006/relationships" xmlns:p="http://schemas.openxmlformats.org/presentationml/2006/main">
+  <p:cSld>
+    <p:spTree>
+      <p:nvGrpSpPr>
+        <p:cNvPr id="1" name=""/>
+        <p:cNvGrpSpPr/>
+        <p:nvPr/>
+      </p:nvGrpSpPr>
+      <p:grpSpPr>
+        <a:xfrm>
+          <a:off x="0" y="0"/>
+          <a:ext cx="0" cy="0"/>
+          <a:chOff x="0" y="0"/>
+          <a:chExt cx="0" cy="0"/>
+        </a:xfrm>
+      </p:grpSpPr>
+      <p:sp>
+        <p:nvSpPr>
+          <p:cNvPr id="2" name="Título 1"/>
+          <p:cNvSpPr>
+            <a:spLocks noGrp="1"/>
+          </p:cNvSpPr>
+          <p:nvPr>
+            <p:ph type="title"/>
+          </p:nvPr>
+        </p:nvSpPr>
+        <p:spPr/>
+        <p:txBody>
+          <a:bodyPr/>
+          <a:lstStyle/>
+          <a:p>
+            <a:r>
+              <a:rPr lang="pt-BR" dirty="0" err="1" smtClean="0"/>
+              <a:t>While</a:t>
+            </a:r>
+            <a:endParaRPr lang="pt-BR" dirty="0"/>
+          </a:p>
+        </p:txBody>
+      </p:sp>
+      <p:sp>
+        <p:nvSpPr>
+          <p:cNvPr id="3" name="Espaço Reservado para Conteúdo 2"/>
+          <p:cNvSpPr>
+            <a:spLocks noGrp="1"/>
+          </p:cNvSpPr>
+          <p:nvPr>
+            <p:ph idx="1"/>
+          </p:nvPr>
+        </p:nvSpPr>
+        <p:spPr>
+          <a:xfrm>
+            <a:off x="628650" y="1690689"/>
+            <a:ext cx="3670081" cy="1010470"/>
+          </a:xfrm>
+        </p:spPr>
+        <p:txBody>
+          <a:bodyPr>
+            <a:normAutofit/>
+          </a:bodyPr>
+          <a:lstStyle/>
+          <a:p>
+            <a:pPr marL="0" indent="0">
+              <a:buNone/>
+            </a:pPr>
+            <a:r>
+              <a:rPr lang="pt-BR" dirty="0" err="1" smtClean="0"/>
+              <a:t>while</a:t>
+            </a:r>
+            <a:r>
+              <a:rPr lang="pt-BR" dirty="0" smtClean="0"/>
+              <a:t> expressão:</a:t>
+            </a:r>
+            <a:br>
+              <a:rPr lang="pt-BR" dirty="0" smtClean="0"/>
+            </a:br>
+            <a:r>
+              <a:rPr lang="pt-BR" dirty="0" smtClean="0"/>
+              <a:t>	...código...</a:t>
+            </a:r>
+            <a:endParaRPr lang="pt-BR" dirty="0" smtClean="0"/>
+          </a:p>
+        </p:txBody>
+      </p:sp>
+      <p:pic>
+        <p:nvPicPr>
+          <p:cNvPr id="4" name="Imagem 3"/>
+          <p:cNvPicPr>
+            <a:picLocks noChangeAspect="1"/>
+          </p:cNvPicPr>
+          <p:nvPr/>
+        </p:nvPicPr>
+        <p:blipFill>
+          <a:blip r:embed="rId2">
+            <a:extLst>
+              <a:ext uri="{28A0092B-C50C-407E-A947-70E740481C1C}">
+                <a14:useLocalDpi xmlns:a14="http://schemas.microsoft.com/office/drawing/2010/main" val="0"/>
+              </a:ext>
+            </a:extLst>
+          </a:blip>
+          <a:stretch>
+            <a:fillRect/>
+          </a:stretch>
+        </p:blipFill>
+        <p:spPr>
+          <a:xfrm>
+            <a:off x="4748869" y="1525971"/>
+            <a:ext cx="2505075" cy="3848100"/>
+          </a:xfrm>
+          <a:prstGeom prst="rect">
+            <a:avLst/>
+          </a:prstGeom>
+        </p:spPr>
+      </p:pic>
+      <p:sp>
+        <p:nvSpPr>
+          <p:cNvPr id="5" name="Espaço Reservado para Conteúdo 2"/>
+          <p:cNvSpPr txBox="1">
+            <a:spLocks/>
+          </p:cNvSpPr>
+          <p:nvPr/>
+        </p:nvSpPr>
+        <p:spPr>
+          <a:xfrm>
+            <a:off x="628649" y="3198924"/>
+            <a:ext cx="3670081" cy="1867062"/>
+          </a:xfrm>
+          <a:prstGeom prst="rect">
+            <a:avLst/>
+          </a:prstGeom>
+        </p:spPr>
+        <p:txBody>
+          <a:bodyPr vert="horz" lIns="91440" tIns="45720" rIns="91440" bIns="45720" rtlCol="0">
+            <a:normAutofit lnSpcReduction="10000"/>
+          </a:bodyPr>
+          <a:lstStyle>
+            <a:lvl1pPr marL="228600" indent="-228600" algn="l" defTabSz="914400" rtl="0" eaLnBrk="1" latinLnBrk="0" hangingPunct="1">
+              <a:lnSpc>
+                <a:spcPct val="90000"/>
+              </a:lnSpc>
+              <a:spcBef>
+                <a:spcPts val="1000"/>
+              </a:spcBef>
+              <a:buFont typeface="Arial" panose="020B0604020202020204" pitchFamily="34" charset="0"/>
+              <a:buChar char="•"/>
+              <a:defRPr sz="2800" kern="1200">
+                <a:solidFill>
+                  <a:schemeClr val="tx1"/>
+                </a:solidFill>
+                <a:latin typeface="+mn-lt"/>
+                <a:ea typeface="+mn-ea"/>
+                <a:cs typeface="+mn-cs"/>
+              </a:defRPr>
+            </a:lvl1pPr>
+            <a:lvl2pPr marL="685800" indent="-228600" algn="l" defTabSz="914400" rtl="0" eaLnBrk="1" latinLnBrk="0" hangingPunct="1">
+              <a:lnSpc>
+                <a:spcPct val="90000"/>
+              </a:lnSpc>
+              <a:spcBef>
+                <a:spcPts val="500"/>
+              </a:spcBef>
+              <a:buFont typeface="Arial" panose="020B0604020202020204" pitchFamily="34" charset="0"/>
+              <a:buChar char="•"/>
+              <a:defRPr sz="2400" kern="1200">
+                <a:solidFill>
+                  <a:schemeClr val="tx1"/>
+                </a:solidFill>
+                <a:latin typeface="+mn-lt"/>
+                <a:ea typeface="+mn-ea"/>
+                <a:cs typeface="+mn-cs"/>
+              </a:defRPr>
+            </a:lvl2pPr>
+            <a:lvl3pPr marL="1143000" indent="-228600" algn="l" defTabSz="914400" rtl="0" eaLnBrk="1" latinLnBrk="0" hangingPunct="1">
+              <a:lnSpc>
+                <a:spcPct val="90000"/>
+              </a:lnSpc>
+              <a:spcBef>
+                <a:spcPts val="500"/>
+              </a:spcBef>
+              <a:buFont typeface="Arial" panose="020B0604020202020204" pitchFamily="34" charset="0"/>
+              <a:buChar char="•"/>
+              <a:defRPr sz="2000" kern="1200">
+                <a:solidFill>
+                  <a:schemeClr val="tx1"/>
+                </a:solidFill>
+                <a:latin typeface="+mn-lt"/>
+                <a:ea typeface="+mn-ea"/>
+                <a:cs typeface="+mn-cs"/>
+              </a:defRPr>
+            </a:lvl3pPr>
+            <a:lvl4pPr marL="1600200" indent="-228600" algn="l" defTabSz="914400" rtl="0" eaLnBrk="1" latinLnBrk="0" hangingPunct="1">
+              <a:lnSpc>
+                <a:spcPct val="90000"/>
+              </a:lnSpc>
+              <a:spcBef>
+                <a:spcPts val="500"/>
+              </a:spcBef>
+              <a:buFont typeface="Arial" panose="020B0604020202020204" pitchFamily="34" charset="0"/>
+              <a:buChar char="•"/>
+              <a:defRPr sz="1800" kern="1200">
+                <a:solidFill>
+                  <a:schemeClr val="tx1"/>
+                </a:solidFill>
+                <a:latin typeface="+mn-lt"/>
+                <a:ea typeface="+mn-ea"/>
+                <a:cs typeface="+mn-cs"/>
+              </a:defRPr>
+            </a:lvl4pPr>
+            <a:lvl5pPr marL="2057400" indent="-228600" algn="l" defTabSz="914400" rtl="0" eaLnBrk="1" latinLnBrk="0" hangingPunct="1">
+              <a:lnSpc>
+                <a:spcPct val="90000"/>
+              </a:lnSpc>
+              <a:spcBef>
+                <a:spcPts val="500"/>
+              </a:spcBef>
+              <a:buFont typeface="Arial" panose="020B0604020202020204" pitchFamily="34" charset="0"/>
+              <a:buChar char="•"/>
+              <a:defRPr sz="1800" kern="1200">
+                <a:solidFill>
+                  <a:schemeClr val="tx1"/>
+                </a:solidFill>
+                <a:latin typeface="+mn-lt"/>
+                <a:ea typeface="+mn-ea"/>
+                <a:cs typeface="+mn-cs"/>
+              </a:defRPr>
+            </a:lvl5pPr>
+            <a:lvl6pPr marL="2514600" indent="-228600" algn="l" defTabSz="914400" rtl="0" eaLnBrk="1" latinLnBrk="0" hangingPunct="1">
+              <a:lnSpc>
+                <a:spcPct val="90000"/>
+              </a:lnSpc>
+              <a:spcBef>
+                <a:spcPts val="500"/>
+              </a:spcBef>
+              <a:buFont typeface="Arial" panose="020B0604020202020204" pitchFamily="34" charset="0"/>
+              <a:buChar char="•"/>
+              <a:defRPr sz="1800" kern="1200">
+                <a:solidFill>
+                  <a:schemeClr val="tx1"/>
+                </a:solidFill>
+                <a:latin typeface="+mn-lt"/>
+                <a:ea typeface="+mn-ea"/>
+                <a:cs typeface="+mn-cs"/>
+              </a:defRPr>
+            </a:lvl6pPr>
+            <a:lvl7pPr marL="2971800" indent="-228600" algn="l" defTabSz="914400" rtl="0" eaLnBrk="1" latinLnBrk="0" hangingPunct="1">
+              <a:lnSpc>
+                <a:spcPct val="90000"/>
+              </a:lnSpc>
+              <a:spcBef>
+                <a:spcPts val="500"/>
+              </a:spcBef>
+              <a:buFont typeface="Arial" panose="020B0604020202020204" pitchFamily="34" charset="0"/>
+              <a:buChar char="•"/>
+              <a:defRPr sz="1800" kern="1200">
+                <a:solidFill>
+                  <a:schemeClr val="tx1"/>
+                </a:solidFill>
+                <a:latin typeface="+mn-lt"/>
+                <a:ea typeface="+mn-ea"/>
+                <a:cs typeface="+mn-cs"/>
+              </a:defRPr>
+            </a:lvl7pPr>
+            <a:lvl8pPr marL="3429000" indent="-228600" algn="l" defTabSz="914400" rtl="0" eaLnBrk="1" latinLnBrk="0" hangingPunct="1">
+              <a:lnSpc>
+                <a:spcPct val="90000"/>
+              </a:lnSpc>
+              <a:spcBef>
+                <a:spcPts val="500"/>
+              </a:spcBef>
+              <a:buFont typeface="Arial" panose="020B0604020202020204" pitchFamily="34" charset="0"/>
+              <a:buChar char="•"/>
+              <a:defRPr sz="1800" kern="1200">
+                <a:solidFill>
+                  <a:schemeClr val="tx1"/>
+                </a:solidFill>
+                <a:latin typeface="+mn-lt"/>
+                <a:ea typeface="+mn-ea"/>
+                <a:cs typeface="+mn-cs"/>
+              </a:defRPr>
+            </a:lvl8pPr>
+            <a:lvl9pPr marL="3886200" indent="-228600" algn="l" defTabSz="914400" rtl="0" eaLnBrk="1" latinLnBrk="0" hangingPunct="1">
+              <a:lnSpc>
+                <a:spcPct val="90000"/>
+              </a:lnSpc>
+              <a:spcBef>
+                <a:spcPts val="500"/>
+              </a:spcBef>
+              <a:buFont typeface="Arial" panose="020B0604020202020204" pitchFamily="34" charset="0"/>
+              <a:buChar char="•"/>
+              <a:defRPr sz="1800" kern="1200">
+                <a:solidFill>
+                  <a:schemeClr val="tx1"/>
+                </a:solidFill>
+                <a:latin typeface="+mn-lt"/>
+                <a:ea typeface="+mn-ea"/>
+                <a:cs typeface="+mn-cs"/>
+              </a:defRPr>
+            </a:lvl9pPr>
+          </a:lstStyle>
+          <a:p>
+            <a:pPr marL="0" indent="0">
+              <a:buFont typeface="Arial" panose="020B0604020202020204" pitchFamily="34" charset="0"/>
+              <a:buNone/>
+            </a:pPr>
+            <a:r>
+              <a:rPr lang="pt-BR" dirty="0" err="1" smtClean="0"/>
+              <a:t>while</a:t>
+            </a:r>
+            <a:r>
+              <a:rPr lang="pt-BR" dirty="0" smtClean="0"/>
+              <a:t> expressão:</a:t>
+            </a:r>
+            <a:br>
+              <a:rPr lang="pt-BR" dirty="0" smtClean="0"/>
+            </a:br>
+            <a:r>
+              <a:rPr lang="pt-BR" dirty="0" smtClean="0"/>
+              <a:t>	...código...</a:t>
+            </a:r>
+          </a:p>
+          <a:p>
+            <a:pPr marL="0" indent="0">
+              <a:buFont typeface="Arial" panose="020B0604020202020204" pitchFamily="34" charset="0"/>
+              <a:buNone/>
+            </a:pPr>
+            <a:r>
+              <a:rPr lang="pt-BR" dirty="0" err="1" smtClean="0"/>
+              <a:t>else</a:t>
+            </a:r>
+            <a:r>
+              <a:rPr lang="pt-BR" dirty="0" smtClean="0"/>
+              <a:t>:</a:t>
+            </a:r>
+          </a:p>
+          <a:p>
+            <a:pPr marL="0" indent="0">
+              <a:buFont typeface="Arial" panose="020B0604020202020204" pitchFamily="34" charset="0"/>
+              <a:buNone/>
+            </a:pPr>
+            <a:r>
+              <a:rPr lang="pt-BR" dirty="0"/>
+              <a:t>	</a:t>
+            </a:r>
+            <a:r>
+              <a:rPr lang="pt-BR" dirty="0" smtClean="0"/>
+              <a:t>...código...</a:t>
+            </a:r>
+            <a:endParaRPr lang="pt-BR" dirty="0" smtClean="0"/>
+          </a:p>
+        </p:txBody>
+      </p:sp>
+    </p:spTree>
+    <p:extLst>
+      <p:ext uri="{BB962C8B-B14F-4D97-AF65-F5344CB8AC3E}">
+        <p14:creationId xmlns:p14="http://schemas.microsoft.com/office/powerpoint/2010/main" val="3275308984"/>
+      </p:ext>
+    </p:extLst>
+  </p:cSld>
+  <p:clrMapOvr>
+    <a:masterClrMapping/>
+  </p:clrMapOvr>
+  <p:timing>
+    <p:tnLst>
+      <p:par>
+        <p:cTn id="1" dur="indefinite" restart="never" nodeType="tmRoot"/>
+      </p:par>
+    </p:tnLst>
+  </p:timing>
+</p:sld>
+</file>
+
+<file path=ppt/slides/slide38.xml><?xml version="1.0" encoding="utf-8"?>
+<p:sld xmlns:a="http://schemas.openxmlformats.org/drawingml/2006/main" xmlns:r="http://schemas.openxmlformats.org/officeDocument/2006/relationships" xmlns:p="http://schemas.openxmlformats.org/presentationml/2006/main">
+  <p:cSld>
+    <p:spTree>
+      <p:nvGrpSpPr>
+        <p:cNvPr id="1" name=""/>
+        <p:cNvGrpSpPr/>
+        <p:nvPr/>
+      </p:nvGrpSpPr>
+      <p:grpSpPr>
+        <a:xfrm>
+          <a:off x="0" y="0"/>
+          <a:ext cx="0" cy="0"/>
+          <a:chOff x="0" y="0"/>
+          <a:chExt cx="0" cy="0"/>
+        </a:xfrm>
+      </p:grpSpPr>
+      <p:sp>
+        <p:nvSpPr>
+          <p:cNvPr id="2" name="Título 1"/>
+          <p:cNvSpPr>
+            <a:spLocks noGrp="1"/>
+          </p:cNvSpPr>
+          <p:nvPr>
+            <p:ph type="title"/>
+          </p:nvPr>
+        </p:nvSpPr>
+        <p:spPr/>
+        <p:txBody>
+          <a:bodyPr/>
+          <a:lstStyle/>
+          <a:p>
+            <a:r>
+              <a:rPr lang="pt-BR" dirty="0" smtClean="0"/>
+              <a:t>For</a:t>
+            </a:r>
+            <a:endParaRPr lang="pt-BR" dirty="0"/>
+          </a:p>
+        </p:txBody>
+      </p:sp>
+      <p:sp>
+        <p:nvSpPr>
+          <p:cNvPr id="3" name="Espaço Reservado para Conteúdo 2"/>
+          <p:cNvSpPr>
+            <a:spLocks noGrp="1"/>
+          </p:cNvSpPr>
+          <p:nvPr>
+            <p:ph idx="1"/>
+          </p:nvPr>
+        </p:nvSpPr>
+        <p:spPr>
+          <a:xfrm>
+            <a:off x="174406" y="1690689"/>
+            <a:ext cx="5099488" cy="1084042"/>
+          </a:xfrm>
+        </p:spPr>
+        <p:txBody>
+          <a:bodyPr>
+            <a:normAutofit/>
+          </a:bodyPr>
+          <a:lstStyle/>
+          <a:p>
+            <a:pPr marL="0" indent="0">
+              <a:buNone/>
+            </a:pPr>
+            <a:r>
+              <a:rPr lang="pt-BR" dirty="0" smtClean="0"/>
+              <a:t>for </a:t>
+            </a:r>
+            <a:r>
+              <a:rPr lang="pt-BR" dirty="0" err="1" smtClean="0"/>
+              <a:t>cada_elemento</a:t>
+            </a:r>
+            <a:r>
+              <a:rPr lang="pt-BR" dirty="0" smtClean="0"/>
+              <a:t> in sequencia:</a:t>
+            </a:r>
+            <a:br>
+              <a:rPr lang="pt-BR" dirty="0" smtClean="0"/>
+            </a:br>
+            <a:r>
+              <a:rPr lang="pt-BR" dirty="0" smtClean="0"/>
+              <a:t>	...código...</a:t>
+            </a:r>
+            <a:endParaRPr lang="pt-BR" dirty="0" smtClean="0"/>
+          </a:p>
+        </p:txBody>
+      </p:sp>
+      <p:sp>
+        <p:nvSpPr>
+          <p:cNvPr id="5" name="Espaço Reservado para Conteúdo 2"/>
+          <p:cNvSpPr txBox="1">
+            <a:spLocks/>
+          </p:cNvSpPr>
+          <p:nvPr/>
+        </p:nvSpPr>
+        <p:spPr>
+          <a:xfrm>
+            <a:off x="174406" y="3808524"/>
+            <a:ext cx="5099488" cy="2035228"/>
+          </a:xfrm>
+          <a:prstGeom prst="rect">
+            <a:avLst/>
+          </a:prstGeom>
+        </p:spPr>
+        <p:txBody>
+          <a:bodyPr vert="horz" lIns="91440" tIns="45720" rIns="91440" bIns="45720" rtlCol="0">
+            <a:normAutofit/>
+          </a:bodyPr>
+          <a:lstStyle>
+            <a:lvl1pPr marL="228600" indent="-228600" algn="l" defTabSz="914400" rtl="0" eaLnBrk="1" latinLnBrk="0" hangingPunct="1">
+              <a:lnSpc>
+                <a:spcPct val="90000"/>
+              </a:lnSpc>
+              <a:spcBef>
+                <a:spcPts val="1000"/>
+              </a:spcBef>
+              <a:buFont typeface="Arial" panose="020B0604020202020204" pitchFamily="34" charset="0"/>
+              <a:buChar char="•"/>
+              <a:defRPr sz="2800" kern="1200">
+                <a:solidFill>
+                  <a:schemeClr val="tx1"/>
+                </a:solidFill>
+                <a:latin typeface="+mn-lt"/>
+                <a:ea typeface="+mn-ea"/>
+                <a:cs typeface="+mn-cs"/>
+              </a:defRPr>
+            </a:lvl1pPr>
+            <a:lvl2pPr marL="685800" indent="-228600" algn="l" defTabSz="914400" rtl="0" eaLnBrk="1" latinLnBrk="0" hangingPunct="1">
+              <a:lnSpc>
+                <a:spcPct val="90000"/>
+              </a:lnSpc>
+              <a:spcBef>
+                <a:spcPts val="500"/>
+              </a:spcBef>
+              <a:buFont typeface="Arial" panose="020B0604020202020204" pitchFamily="34" charset="0"/>
+              <a:buChar char="•"/>
+              <a:defRPr sz="2400" kern="1200">
+                <a:solidFill>
+                  <a:schemeClr val="tx1"/>
+                </a:solidFill>
+                <a:latin typeface="+mn-lt"/>
+                <a:ea typeface="+mn-ea"/>
+                <a:cs typeface="+mn-cs"/>
+              </a:defRPr>
+            </a:lvl2pPr>
+            <a:lvl3pPr marL="1143000" indent="-228600" algn="l" defTabSz="914400" rtl="0" eaLnBrk="1" latinLnBrk="0" hangingPunct="1">
+              <a:lnSpc>
+                <a:spcPct val="90000"/>
+              </a:lnSpc>
+              <a:spcBef>
+                <a:spcPts val="500"/>
+              </a:spcBef>
+              <a:buFont typeface="Arial" panose="020B0604020202020204" pitchFamily="34" charset="0"/>
+              <a:buChar char="•"/>
+              <a:defRPr sz="2000" kern="1200">
+                <a:solidFill>
+                  <a:schemeClr val="tx1"/>
+                </a:solidFill>
+                <a:latin typeface="+mn-lt"/>
+                <a:ea typeface="+mn-ea"/>
+                <a:cs typeface="+mn-cs"/>
+              </a:defRPr>
+            </a:lvl3pPr>
+            <a:lvl4pPr marL="1600200" indent="-228600" algn="l" defTabSz="914400" rtl="0" eaLnBrk="1" latinLnBrk="0" hangingPunct="1">
+              <a:lnSpc>
+                <a:spcPct val="90000"/>
+              </a:lnSpc>
+              <a:spcBef>
+                <a:spcPts val="500"/>
+              </a:spcBef>
+              <a:buFont typeface="Arial" panose="020B0604020202020204" pitchFamily="34" charset="0"/>
+              <a:buChar char="•"/>
+              <a:defRPr sz="1800" kern="1200">
+                <a:solidFill>
+                  <a:schemeClr val="tx1"/>
+                </a:solidFill>
+                <a:latin typeface="+mn-lt"/>
+                <a:ea typeface="+mn-ea"/>
+                <a:cs typeface="+mn-cs"/>
+              </a:defRPr>
+            </a:lvl4pPr>
+            <a:lvl5pPr marL="2057400" indent="-228600" algn="l" defTabSz="914400" rtl="0" eaLnBrk="1" latinLnBrk="0" hangingPunct="1">
+              <a:lnSpc>
+                <a:spcPct val="90000"/>
+              </a:lnSpc>
+              <a:spcBef>
+                <a:spcPts val="500"/>
+              </a:spcBef>
+              <a:buFont typeface="Arial" panose="020B0604020202020204" pitchFamily="34" charset="0"/>
+              <a:buChar char="•"/>
+              <a:defRPr sz="1800" kern="1200">
+                <a:solidFill>
+                  <a:schemeClr val="tx1"/>
+                </a:solidFill>
+                <a:latin typeface="+mn-lt"/>
+                <a:ea typeface="+mn-ea"/>
+                <a:cs typeface="+mn-cs"/>
+              </a:defRPr>
+            </a:lvl5pPr>
+            <a:lvl6pPr marL="2514600" indent="-228600" algn="l" defTabSz="914400" rtl="0" eaLnBrk="1" latinLnBrk="0" hangingPunct="1">
+              <a:lnSpc>
+                <a:spcPct val="90000"/>
+              </a:lnSpc>
+              <a:spcBef>
+                <a:spcPts val="500"/>
+              </a:spcBef>
+              <a:buFont typeface="Arial" panose="020B0604020202020204" pitchFamily="34" charset="0"/>
+              <a:buChar char="•"/>
+              <a:defRPr sz="1800" kern="1200">
+                <a:solidFill>
+                  <a:schemeClr val="tx1"/>
+                </a:solidFill>
+                <a:latin typeface="+mn-lt"/>
+                <a:ea typeface="+mn-ea"/>
+                <a:cs typeface="+mn-cs"/>
+              </a:defRPr>
+            </a:lvl6pPr>
+            <a:lvl7pPr marL="2971800" indent="-228600" algn="l" defTabSz="914400" rtl="0" eaLnBrk="1" latinLnBrk="0" hangingPunct="1">
+              <a:lnSpc>
+                <a:spcPct val="90000"/>
+              </a:lnSpc>
+              <a:spcBef>
+                <a:spcPts val="500"/>
+              </a:spcBef>
+              <a:buFont typeface="Arial" panose="020B0604020202020204" pitchFamily="34" charset="0"/>
+              <a:buChar char="•"/>
+              <a:defRPr sz="1800" kern="1200">
+                <a:solidFill>
+                  <a:schemeClr val="tx1"/>
+                </a:solidFill>
+                <a:latin typeface="+mn-lt"/>
+                <a:ea typeface="+mn-ea"/>
+                <a:cs typeface="+mn-cs"/>
+              </a:defRPr>
+            </a:lvl7pPr>
+            <a:lvl8pPr marL="3429000" indent="-228600" algn="l" defTabSz="914400" rtl="0" eaLnBrk="1" latinLnBrk="0" hangingPunct="1">
+              <a:lnSpc>
+                <a:spcPct val="90000"/>
+              </a:lnSpc>
+              <a:spcBef>
+                <a:spcPts val="500"/>
+              </a:spcBef>
+              <a:buFont typeface="Arial" panose="020B0604020202020204" pitchFamily="34" charset="0"/>
+              <a:buChar char="•"/>
+              <a:defRPr sz="1800" kern="1200">
+                <a:solidFill>
+                  <a:schemeClr val="tx1"/>
+                </a:solidFill>
+                <a:latin typeface="+mn-lt"/>
+                <a:ea typeface="+mn-ea"/>
+                <a:cs typeface="+mn-cs"/>
+              </a:defRPr>
+            </a:lvl8pPr>
+            <a:lvl9pPr marL="3886200" indent="-228600" algn="l" defTabSz="914400" rtl="0" eaLnBrk="1" latinLnBrk="0" hangingPunct="1">
+              <a:lnSpc>
+                <a:spcPct val="90000"/>
+              </a:lnSpc>
+              <a:spcBef>
+                <a:spcPts val="500"/>
+              </a:spcBef>
+              <a:buFont typeface="Arial" panose="020B0604020202020204" pitchFamily="34" charset="0"/>
+              <a:buChar char="•"/>
+              <a:defRPr sz="1800" kern="1200">
+                <a:solidFill>
+                  <a:schemeClr val="tx1"/>
+                </a:solidFill>
+                <a:latin typeface="+mn-lt"/>
+                <a:ea typeface="+mn-ea"/>
+                <a:cs typeface="+mn-cs"/>
+              </a:defRPr>
+            </a:lvl9pPr>
+          </a:lstStyle>
+          <a:p>
+            <a:pPr marL="0" indent="0">
+              <a:buFont typeface="Arial" panose="020B0604020202020204" pitchFamily="34" charset="0"/>
+              <a:buNone/>
+            </a:pPr>
+            <a:r>
+              <a:rPr lang="pt-BR" dirty="0" smtClean="0"/>
+              <a:t>for </a:t>
+            </a:r>
+            <a:r>
+              <a:rPr lang="pt-BR" dirty="0" err="1" smtClean="0"/>
+              <a:t>cada_elemento</a:t>
+            </a:r>
+            <a:r>
+              <a:rPr lang="pt-BR" dirty="0" smtClean="0"/>
+              <a:t> in sequencia:</a:t>
+            </a:r>
+            <a:br>
+              <a:rPr lang="pt-BR" dirty="0" smtClean="0"/>
+            </a:br>
+            <a:r>
+              <a:rPr lang="pt-BR" dirty="0" smtClean="0"/>
+              <a:t>	...código...</a:t>
+            </a:r>
+          </a:p>
+          <a:p>
+            <a:pPr marL="0" indent="0">
+              <a:buFont typeface="Arial" panose="020B0604020202020204" pitchFamily="34" charset="0"/>
+              <a:buNone/>
+            </a:pPr>
+            <a:r>
+              <a:rPr lang="pt-BR" dirty="0" err="1" smtClean="0"/>
+              <a:t>else</a:t>
+            </a:r>
+            <a:r>
+              <a:rPr lang="pt-BR" dirty="0" smtClean="0"/>
+              <a:t>:</a:t>
+            </a:r>
+          </a:p>
+          <a:p>
+            <a:pPr marL="0" indent="0">
+              <a:buFont typeface="Arial" panose="020B0604020202020204" pitchFamily="34" charset="0"/>
+              <a:buNone/>
+            </a:pPr>
+            <a:r>
+              <a:rPr lang="pt-BR" dirty="0"/>
+              <a:t>	</a:t>
+            </a:r>
+            <a:r>
+              <a:rPr lang="pt-BR" dirty="0" smtClean="0"/>
+              <a:t>...código...</a:t>
+            </a:r>
+            <a:endParaRPr lang="pt-BR" dirty="0" smtClean="0"/>
+          </a:p>
+        </p:txBody>
+      </p:sp>
+      <p:pic>
+        <p:nvPicPr>
+          <p:cNvPr id="6" name="Imagem 5"/>
+          <p:cNvPicPr>
+            <a:picLocks noChangeAspect="1"/>
+          </p:cNvPicPr>
+          <p:nvPr/>
+        </p:nvPicPr>
+        <p:blipFill>
+          <a:blip r:embed="rId2">
+            <a:extLst>
+              <a:ext uri="{28A0092B-C50C-407E-A947-70E740481C1C}">
+                <a14:useLocalDpi xmlns:a14="http://schemas.microsoft.com/office/drawing/2010/main" val="0"/>
+              </a:ext>
+            </a:extLst>
+          </a:blip>
+          <a:stretch>
+            <a:fillRect/>
+          </a:stretch>
+        </p:blipFill>
+        <p:spPr>
+          <a:xfrm>
+            <a:off x="5273894" y="1690689"/>
+            <a:ext cx="3695700" cy="3343275"/>
+          </a:xfrm>
+          <a:prstGeom prst="rect">
+            <a:avLst/>
+          </a:prstGeom>
+        </p:spPr>
+      </p:pic>
+    </p:spTree>
+    <p:extLst>
+      <p:ext uri="{BB962C8B-B14F-4D97-AF65-F5344CB8AC3E}">
+        <p14:creationId xmlns:p14="http://schemas.microsoft.com/office/powerpoint/2010/main" val="2579455162"/>
+      </p:ext>
+    </p:extLst>
+  </p:cSld>
+  <p:clrMapOvr>
+    <a:masterClrMapping/>
+  </p:clrMapOvr>
+  <p:timing>
+    <p:tnLst>
+      <p:par>
+        <p:cTn id="1" dur="indefinite" restart="never" nodeType="tmRoot"/>
+      </p:par>
+    </p:tnLst>
+  </p:timing>
+</p:sld>
+</file>
+
+<file path=ppt/slides/slide39.xml><?xml version="1.0" encoding="utf-8"?>
+<p:sld xmlns:a="http://schemas.openxmlformats.org/drawingml/2006/main" xmlns:r="http://schemas.openxmlformats.org/officeDocument/2006/relationships" xmlns:p="http://schemas.openxmlformats.org/presentationml/2006/main">
+  <p:cSld>
+    <p:spTree>
+      <p:nvGrpSpPr>
+        <p:cNvPr id="1" name=""/>
+        <p:cNvGrpSpPr/>
+        <p:nvPr/>
+      </p:nvGrpSpPr>
+      <p:grpSpPr>
+        <a:xfrm>
+          <a:off x="0" y="0"/>
+          <a:ext cx="0" cy="0"/>
+          <a:chOff x="0" y="0"/>
+          <a:chExt cx="0" cy="0"/>
+        </a:xfrm>
+      </p:grpSpPr>
+      <p:sp>
+        <p:nvSpPr>
+          <p:cNvPr id="2" name="Título 1"/>
+          <p:cNvSpPr>
+            <a:spLocks noGrp="1"/>
+          </p:cNvSpPr>
+          <p:nvPr>
+            <p:ph type="title"/>
+          </p:nvPr>
+        </p:nvSpPr>
+        <p:spPr/>
+        <p:txBody>
+          <a:bodyPr/>
+          <a:lstStyle/>
+          <a:p>
+            <a:r>
+              <a:rPr lang="pt-BR" dirty="0" smtClean="0"/>
+              <a:t>Exercício</a:t>
+            </a:r>
+            <a:endParaRPr lang="pt-BR" dirty="0"/>
+          </a:p>
+        </p:txBody>
+      </p:sp>
+      <p:sp>
+        <p:nvSpPr>
+          <p:cNvPr id="3" name="Espaço Reservado para Conteúdo 2"/>
+          <p:cNvSpPr>
+            <a:spLocks noGrp="1"/>
+          </p:cNvSpPr>
+          <p:nvPr>
+            <p:ph idx="1"/>
+          </p:nvPr>
+        </p:nvSpPr>
+        <p:spPr>
+          <a:xfrm>
+            <a:off x="628650" y="1690689"/>
+            <a:ext cx="7886700" cy="4486274"/>
+          </a:xfrm>
+        </p:spPr>
+        <p:txBody>
+          <a:bodyPr>
+            <a:normAutofit/>
+          </a:bodyPr>
+          <a:lstStyle/>
+          <a:p>
+            <a:r>
+              <a:rPr lang="pt-BR" dirty="0" smtClean="0"/>
+              <a:t>Achar todos os números primos em um intervalo de x até y usando 2 laços</a:t>
+            </a:r>
+          </a:p>
+          <a:p>
+            <a:r>
+              <a:rPr lang="pt-BR" dirty="0" smtClean="0"/>
+              <a:t>Multiplicação</a:t>
+            </a:r>
+            <a:r>
+              <a:rPr lang="en-US" dirty="0" smtClean="0"/>
+              <a:t> de </a:t>
+            </a:r>
+            <a:r>
+              <a:rPr lang="pt-BR" dirty="0" smtClean="0"/>
+              <a:t>matrizes</a:t>
+            </a:r>
+            <a:endParaRPr lang="pt-BR" dirty="0" smtClean="0"/>
+          </a:p>
+        </p:txBody>
+      </p:sp>
+    </p:spTree>
+    <p:extLst>
+      <p:ext uri="{BB962C8B-B14F-4D97-AF65-F5344CB8AC3E}">
+        <p14:creationId xmlns:p14="http://schemas.microsoft.com/office/powerpoint/2010/main" val="206343650"/>
+      </p:ext>
+    </p:extLst>
+  </p:cSld>
+  <p:clrMapOvr>
+    <a:masterClrMapping/>
+  </p:clrMapOvr>
+  <p:timing>
+    <p:tnLst>
+      <p:par>
+        <p:cTn id="1" dur="indefinite" restart="never" nodeType="tmRoot"/>
+      </p:par>
+    </p:tnLst>
+  </p:timing>
+</p:sld>
+</file>
+
+<file path=ppt/slides/slide4.xml><?xml version="1.0" encoding="utf-8"?>
+<p:sld xmlns:a="http://schemas.openxmlformats.org/drawingml/2006/main" xmlns:r="http://schemas.openxmlformats.org/officeDocument/2006/relationships" xmlns:p="http://schemas.openxmlformats.org/presentationml/2006/main">
+  <p:cSld>
+    <p:spTree>
+      <p:nvGrpSpPr>
+        <p:cNvPr id="1" name=""/>
+        <p:cNvGrpSpPr/>
+        <p:nvPr/>
+      </p:nvGrpSpPr>
+      <p:grpSpPr>
+        <a:xfrm>
+          <a:off x="0" y="0"/>
+          <a:ext cx="0" cy="0"/>
+          <a:chOff x="0" y="0"/>
+          <a:chExt cx="0" cy="0"/>
+        </a:xfrm>
+      </p:grpSpPr>
+      <p:sp>
+        <p:nvSpPr>
+          <p:cNvPr id="2" name="Título 1"/>
+          <p:cNvSpPr>
+            <a:spLocks noGrp="1"/>
+          </p:cNvSpPr>
+          <p:nvPr>
+            <p:ph type="title"/>
+          </p:nvPr>
+        </p:nvSpPr>
+        <p:spPr/>
+        <p:txBody>
+          <a:bodyPr/>
+          <a:lstStyle/>
+          <a:p>
+            <a:r>
+              <a:rPr lang="pt-BR" dirty="0" smtClean="0"/>
+              <a:t>Cronograma</a:t>
+            </a:r>
+            <a:endParaRPr lang="pt-BR" dirty="0"/>
+          </a:p>
+        </p:txBody>
+      </p:sp>
+      <p:sp>
+        <p:nvSpPr>
+          <p:cNvPr id="3" name="Espaço Reservado para Conteúdo 2"/>
+          <p:cNvSpPr>
+            <a:spLocks noGrp="1"/>
+          </p:cNvSpPr>
+          <p:nvPr>
+            <p:ph idx="1"/>
+          </p:nvPr>
+        </p:nvSpPr>
+        <p:spPr>
+          <a:xfrm>
+            <a:off x="628650" y="1418897"/>
+            <a:ext cx="7886700" cy="5087006"/>
+          </a:xfrm>
+        </p:spPr>
+        <p:txBody>
+          <a:bodyPr>
+            <a:normAutofit/>
+          </a:bodyPr>
+          <a:lstStyle/>
+          <a:p>
+            <a:r>
+              <a:rPr lang="pt-BR" sz="3600" dirty="0" smtClean="0"/>
+              <a:t>Parte III (se </a:t>
+            </a:r>
+            <a:r>
+              <a:rPr lang="pt-BR" sz="3600" dirty="0" smtClean="0"/>
+              <a:t>sobrar </a:t>
+            </a:r>
+            <a:r>
+              <a:rPr lang="pt-BR" sz="3600" dirty="0" smtClean="0"/>
+              <a:t>tempo):</a:t>
+            </a:r>
+            <a:endParaRPr lang="pt-BR" sz="3600" dirty="0"/>
+          </a:p>
+          <a:p>
+            <a:pPr lvl="1"/>
+            <a:r>
+              <a:rPr lang="pt-BR" sz="3600" dirty="0"/>
+              <a:t>Criando gráficos com </a:t>
+            </a:r>
+            <a:r>
+              <a:rPr lang="pt-BR" sz="3600" dirty="0" err="1" smtClean="0"/>
+              <a:t>Matplotlib</a:t>
+            </a:r>
+            <a:endParaRPr lang="pt-BR" sz="3600" dirty="0" smtClean="0"/>
+          </a:p>
+          <a:p>
+            <a:pPr lvl="1"/>
+            <a:r>
+              <a:rPr lang="pt-BR" sz="3600" dirty="0" err="1" smtClean="0"/>
+              <a:t>Machine</a:t>
+            </a:r>
+            <a:r>
+              <a:rPr lang="pt-BR" sz="3600" dirty="0" smtClean="0"/>
+              <a:t> </a:t>
+            </a:r>
+            <a:r>
+              <a:rPr lang="pt-BR" sz="3600" dirty="0" smtClean="0"/>
+              <a:t>Learning com módulo </a:t>
+            </a:r>
+            <a:r>
+              <a:rPr lang="pt-BR" sz="3600" dirty="0" err="1" smtClean="0"/>
+              <a:t>Keras</a:t>
+            </a:r>
+            <a:r>
+              <a:rPr lang="pt-BR" sz="3600" dirty="0" smtClean="0"/>
+              <a:t> e </a:t>
+            </a:r>
+            <a:r>
+              <a:rPr lang="pt-BR" sz="3600" dirty="0" err="1" smtClean="0"/>
+              <a:t>Sklearn</a:t>
+            </a:r>
+            <a:endParaRPr lang="pt-BR" sz="3600" dirty="0" smtClean="0"/>
+          </a:p>
+          <a:p>
+            <a:pPr lvl="1"/>
+            <a:r>
+              <a:rPr lang="pt-BR" sz="3600" dirty="0" smtClean="0"/>
+              <a:t>Classificação com uma rede neural artificial</a:t>
+            </a:r>
+          </a:p>
+          <a:p>
+            <a:pPr lvl="2"/>
+            <a:r>
+              <a:rPr lang="pt-BR" sz="3600" dirty="0" smtClean="0"/>
+              <a:t>LeNet-5</a:t>
+            </a:r>
+          </a:p>
+        </p:txBody>
+      </p:sp>
+    </p:spTree>
+    <p:extLst>
+      <p:ext uri="{BB962C8B-B14F-4D97-AF65-F5344CB8AC3E}">
+        <p14:creationId xmlns:p14="http://schemas.microsoft.com/office/powerpoint/2010/main" val="3315581386"/>
+      </p:ext>
+    </p:extLst>
+  </p:cSld>
+  <p:clrMapOvr>
+    <a:masterClrMapping/>
+  </p:clrMapOvr>
+  <p:timing>
+    <p:tnLst>
+      <p:par>
+        <p:cTn id="1" dur="indefinite" restart="never" nodeType="tmRoot"/>
+      </p:par>
+    </p:tnLst>
+  </p:timing>
+</p:sld>
+</file>
+
+<file path=ppt/slides/slide40.xml><?xml version="1.0" encoding="utf-8"?>
+<p:sld xmlns:a="http://schemas.openxmlformats.org/drawingml/2006/main" xmlns:r="http://schemas.openxmlformats.org/officeDocument/2006/relationships" xmlns:p="http://schemas.openxmlformats.org/presentationml/2006/main">
+  <p:cSld>
+    <p:spTree>
+      <p:nvGrpSpPr>
+        <p:cNvPr id="1" name=""/>
+        <p:cNvGrpSpPr/>
+        <p:nvPr/>
+      </p:nvGrpSpPr>
+      <p:grpSpPr>
+        <a:xfrm>
+          <a:off x="0" y="0"/>
+          <a:ext cx="0" cy="0"/>
+          <a:chOff x="0" y="0"/>
+          <a:chExt cx="0" cy="0"/>
+        </a:xfrm>
+      </p:grpSpPr>
+      <p:sp>
+        <p:nvSpPr>
+          <p:cNvPr id="4" name="Título 3"/>
+          <p:cNvSpPr>
+            <a:spLocks noGrp="1"/>
+          </p:cNvSpPr>
+          <p:nvPr>
+            <p:ph type="ctrTitle"/>
+          </p:nvPr>
+        </p:nvSpPr>
+        <p:spPr/>
+        <p:txBody>
+          <a:bodyPr/>
+          <a:lstStyle/>
+          <a:p>
+            <a:r>
+              <a:rPr lang="pt-BR" dirty="0" smtClean="0"/>
+              <a:t>Intervalo</a:t>
+            </a:r>
+            <a:endParaRPr lang="pt-BR" dirty="0"/>
+          </a:p>
+        </p:txBody>
+      </p:sp>
+    </p:spTree>
+    <p:extLst>
+      <p:ext uri="{BB962C8B-B14F-4D97-AF65-F5344CB8AC3E}">
+        <p14:creationId xmlns:p14="http://schemas.microsoft.com/office/powerpoint/2010/main" val="376305195"/>
+      </p:ext>
+    </p:extLst>
+  </p:cSld>
+  <p:clrMapOvr>
+    <a:masterClrMapping/>
+  </p:clrMapOvr>
+</p:sld>
+</file>
+
+<file path=ppt/slides/slide41.xml><?xml version="1.0" encoding="utf-8"?>
+<p:sld xmlns:a="http://schemas.openxmlformats.org/drawingml/2006/main" xmlns:r="http://schemas.openxmlformats.org/officeDocument/2006/relationships" xmlns:p="http://schemas.openxmlformats.org/presentationml/2006/main">
+  <p:cSld>
+    <p:spTree>
+      <p:nvGrpSpPr>
+        <p:cNvPr id="1" name=""/>
+        <p:cNvGrpSpPr/>
+        <p:nvPr/>
+      </p:nvGrpSpPr>
+      <p:grpSpPr>
+        <a:xfrm>
+          <a:off x="0" y="0"/>
+          <a:ext cx="0" cy="0"/>
+          <a:chOff x="0" y="0"/>
+          <a:chExt cx="0" cy="0"/>
+        </a:xfrm>
+      </p:grpSpPr>
+      <p:sp>
+        <p:nvSpPr>
+          <p:cNvPr id="2" name="Título 1"/>
+          <p:cNvSpPr>
+            <a:spLocks noGrp="1"/>
+          </p:cNvSpPr>
+          <p:nvPr>
+            <p:ph type="title"/>
+          </p:nvPr>
+        </p:nvSpPr>
+        <p:spPr/>
+        <p:txBody>
+          <a:bodyPr/>
+          <a:lstStyle/>
+          <a:p>
+            <a:r>
+              <a:rPr lang="pt-BR" dirty="0" smtClean="0"/>
+              <a:t>Cronograma</a:t>
+            </a:r>
+            <a:endParaRPr lang="pt-BR" dirty="0"/>
+          </a:p>
+        </p:txBody>
+      </p:sp>
+      <p:sp>
+        <p:nvSpPr>
+          <p:cNvPr id="3" name="Espaço Reservado para Conteúdo 2"/>
+          <p:cNvSpPr>
+            <a:spLocks noGrp="1"/>
+          </p:cNvSpPr>
+          <p:nvPr>
+            <p:ph idx="1"/>
+          </p:nvPr>
+        </p:nvSpPr>
+        <p:spPr>
+          <a:xfrm>
+            <a:off x="628650" y="1418897"/>
+            <a:ext cx="7886700" cy="5087006"/>
+          </a:xfrm>
+        </p:spPr>
+        <p:txBody>
+          <a:bodyPr>
+            <a:noAutofit/>
+          </a:bodyPr>
+          <a:lstStyle/>
+          <a:p>
+            <a:r>
+              <a:rPr lang="pt-BR" sz="3600" dirty="0" smtClean="0"/>
+              <a:t>Parte II:</a:t>
+            </a:r>
+          </a:p>
+          <a:p>
+            <a:pPr lvl="1"/>
+            <a:r>
+              <a:rPr lang="pt-BR" sz="3600" dirty="0"/>
+              <a:t>Data e tempo</a:t>
+            </a:r>
+          </a:p>
+          <a:p>
+            <a:pPr lvl="1"/>
+            <a:r>
+              <a:rPr lang="pt-BR" sz="3600" dirty="0"/>
+              <a:t>Funções</a:t>
+            </a:r>
+          </a:p>
+          <a:p>
+            <a:pPr lvl="1"/>
+            <a:r>
+              <a:rPr lang="pt-BR" sz="3600" dirty="0" smtClean="0"/>
+              <a:t>Modularidade</a:t>
+            </a:r>
+            <a:endParaRPr lang="pt-BR" sz="3600" dirty="0"/>
+          </a:p>
+          <a:p>
+            <a:pPr lvl="1"/>
+            <a:r>
+              <a:rPr lang="pt-BR" sz="3600" dirty="0"/>
+              <a:t>Arquivos</a:t>
+            </a:r>
+          </a:p>
+          <a:p>
+            <a:pPr lvl="1"/>
+            <a:r>
+              <a:rPr lang="pt-BR" sz="3600" dirty="0" smtClean="0"/>
+              <a:t>Tratamento </a:t>
+            </a:r>
+            <a:r>
+              <a:rPr lang="pt-BR" sz="3600" dirty="0" smtClean="0"/>
+              <a:t>de exceções</a:t>
+            </a:r>
+            <a:endParaRPr lang="pt-BR" sz="3600" dirty="0"/>
+          </a:p>
+          <a:p>
+            <a:pPr lvl="1"/>
+            <a:r>
+              <a:rPr lang="pt-BR" sz="3600" dirty="0" smtClean="0"/>
+              <a:t>Classes e objetos</a:t>
+            </a:r>
+          </a:p>
+          <a:p>
+            <a:pPr lvl="1"/>
+            <a:r>
+              <a:rPr lang="pt-BR" sz="3600" dirty="0" smtClean="0"/>
+              <a:t>Expressões regulares</a:t>
+            </a:r>
+          </a:p>
+          <a:p>
+            <a:pPr lvl="1"/>
+            <a:r>
+              <a:rPr lang="pt-BR" sz="3600" dirty="0" smtClean="0"/>
+              <a:t>Manipulação de </a:t>
+            </a:r>
+            <a:r>
+              <a:rPr lang="pt-BR" sz="3600" dirty="0"/>
+              <a:t>a</a:t>
+            </a:r>
+            <a:r>
+              <a:rPr lang="pt-BR" sz="3600" dirty="0" smtClean="0"/>
+              <a:t>rquivo </a:t>
+            </a:r>
+            <a:r>
+              <a:rPr lang="pt-BR" sz="3600" dirty="0" smtClean="0"/>
+              <a:t>CSV</a:t>
+            </a:r>
+            <a:endParaRPr lang="pt-BR" sz="3600" dirty="0" smtClean="0"/>
+          </a:p>
+        </p:txBody>
+      </p:sp>
+    </p:spTree>
+    <p:extLst>
+      <p:ext uri="{BB962C8B-B14F-4D97-AF65-F5344CB8AC3E}">
+        <p14:creationId xmlns:p14="http://schemas.microsoft.com/office/powerpoint/2010/main" val="1766322440"/>
+      </p:ext>
+    </p:extLst>
+  </p:cSld>
+  <p:clrMapOvr>
+    <a:masterClrMapping/>
+  </p:clrMapOvr>
+  <p:timing>
+    <p:tnLst>
+      <p:par>
+        <p:cTn id="1" dur="indefinite" restart="never" nodeType="tmRoot"/>
+      </p:par>
+    </p:tnLst>
+  </p:timing>
+</p:sld>
+</file>
+
+<file path=ppt/slides/slide42.xml><?xml version="1.0" encoding="utf-8"?>
+<p:sld xmlns:a="http://schemas.openxmlformats.org/drawingml/2006/main" xmlns:r="http://schemas.openxmlformats.org/officeDocument/2006/relationships" xmlns:p="http://schemas.openxmlformats.org/presentationml/2006/main">
+  <p:cSld>
+    <p:spTree>
+      <p:nvGrpSpPr>
+        <p:cNvPr id="1" name=""/>
+        <p:cNvGrpSpPr/>
+        <p:nvPr/>
+      </p:nvGrpSpPr>
+      <p:grpSpPr>
+        <a:xfrm>
+          <a:off x="0" y="0"/>
+          <a:ext cx="0" cy="0"/>
+          <a:chOff x="0" y="0"/>
+          <a:chExt cx="0" cy="0"/>
+        </a:xfrm>
+      </p:grpSpPr>
+      <p:sp>
+        <p:nvSpPr>
+          <p:cNvPr id="2" name="Título 1"/>
+          <p:cNvSpPr>
+            <a:spLocks noGrp="1"/>
+          </p:cNvSpPr>
+          <p:nvPr>
+            <p:ph type="title"/>
+          </p:nvPr>
+        </p:nvSpPr>
+        <p:spPr/>
+        <p:txBody>
+          <a:bodyPr/>
+          <a:lstStyle/>
+          <a:p>
+            <a:r>
+              <a:rPr lang="pt-BR" dirty="0" smtClean="0"/>
+              <a:t>Cronograma</a:t>
+            </a:r>
+            <a:endParaRPr lang="pt-BR" dirty="0"/>
+          </a:p>
+        </p:txBody>
+      </p:sp>
+      <p:sp>
+        <p:nvSpPr>
+          <p:cNvPr id="3" name="Espaço Reservado para Conteúdo 2"/>
+          <p:cNvSpPr>
+            <a:spLocks noGrp="1"/>
+          </p:cNvSpPr>
+          <p:nvPr>
+            <p:ph idx="1"/>
+          </p:nvPr>
+        </p:nvSpPr>
+        <p:spPr>
+          <a:xfrm>
+            <a:off x="628650" y="1418897"/>
+            <a:ext cx="7886700" cy="5087006"/>
+          </a:xfrm>
+        </p:spPr>
+        <p:txBody>
+          <a:bodyPr>
+            <a:noAutofit/>
+          </a:bodyPr>
+          <a:lstStyle/>
+          <a:p>
+            <a:r>
+              <a:rPr lang="pt-BR" sz="3600" dirty="0" smtClean="0"/>
+              <a:t>Parte II:</a:t>
+            </a:r>
+          </a:p>
+          <a:p>
+            <a:pPr lvl="1"/>
+            <a:r>
+              <a:rPr lang="pt-BR" sz="3600" dirty="0"/>
+              <a:t>Data e tempo</a:t>
+            </a:r>
+          </a:p>
+          <a:p>
+            <a:pPr lvl="1"/>
+            <a:r>
+              <a:rPr lang="pt-BR" sz="3600" dirty="0">
+                <a:solidFill>
+                  <a:schemeClr val="tx1">
+                    <a:lumMod val="50000"/>
+                    <a:lumOff val="50000"/>
+                  </a:schemeClr>
+                </a:solidFill>
+              </a:rPr>
+              <a:t>Funções</a:t>
+            </a:r>
+          </a:p>
+          <a:p>
+            <a:pPr lvl="1"/>
+            <a:r>
+              <a:rPr lang="pt-BR" sz="3600" dirty="0" smtClean="0">
+                <a:solidFill>
+                  <a:schemeClr val="tx1">
+                    <a:lumMod val="50000"/>
+                    <a:lumOff val="50000"/>
+                  </a:schemeClr>
+                </a:solidFill>
+              </a:rPr>
+              <a:t>Modularidade</a:t>
+            </a:r>
+            <a:endParaRPr lang="pt-BR" sz="3600" dirty="0">
+              <a:solidFill>
+                <a:schemeClr val="tx1">
+                  <a:lumMod val="50000"/>
+                  <a:lumOff val="50000"/>
+                </a:schemeClr>
+              </a:solidFill>
+            </a:endParaRPr>
+          </a:p>
+          <a:p>
+            <a:pPr lvl="1"/>
+            <a:r>
+              <a:rPr lang="pt-BR" sz="3600" dirty="0">
+                <a:solidFill>
+                  <a:schemeClr val="tx1">
+                    <a:lumMod val="50000"/>
+                    <a:lumOff val="50000"/>
+                  </a:schemeClr>
+                </a:solidFill>
+              </a:rPr>
+              <a:t>Arquivos</a:t>
+            </a:r>
+          </a:p>
+          <a:p>
+            <a:pPr lvl="1"/>
+            <a:r>
+              <a:rPr lang="pt-BR" sz="3600" dirty="0" smtClean="0">
+                <a:solidFill>
+                  <a:schemeClr val="tx1">
+                    <a:lumMod val="50000"/>
+                    <a:lumOff val="50000"/>
+                  </a:schemeClr>
+                </a:solidFill>
+              </a:rPr>
+              <a:t>Tratamento </a:t>
+            </a:r>
+            <a:r>
+              <a:rPr lang="pt-BR" sz="3600" dirty="0" smtClean="0">
+                <a:solidFill>
+                  <a:schemeClr val="tx1">
+                    <a:lumMod val="50000"/>
+                    <a:lumOff val="50000"/>
+                  </a:schemeClr>
+                </a:solidFill>
+              </a:rPr>
+              <a:t>de exceções</a:t>
+            </a:r>
+            <a:endParaRPr lang="pt-BR" sz="3600" dirty="0">
+              <a:solidFill>
+                <a:schemeClr val="tx1">
+                  <a:lumMod val="50000"/>
+                  <a:lumOff val="50000"/>
+                </a:schemeClr>
+              </a:solidFill>
+            </a:endParaRPr>
+          </a:p>
+          <a:p>
+            <a:pPr lvl="1"/>
+            <a:r>
+              <a:rPr lang="pt-BR" sz="3600" dirty="0" smtClean="0">
+                <a:solidFill>
+                  <a:schemeClr val="tx1">
+                    <a:lumMod val="50000"/>
+                    <a:lumOff val="50000"/>
+                  </a:schemeClr>
+                </a:solidFill>
+              </a:rPr>
+              <a:t>Classes e objetos</a:t>
+            </a:r>
+          </a:p>
+          <a:p>
+            <a:pPr lvl="1"/>
+            <a:r>
+              <a:rPr lang="pt-BR" sz="3600" dirty="0" smtClean="0">
+                <a:solidFill>
+                  <a:schemeClr val="tx1">
+                    <a:lumMod val="50000"/>
+                    <a:lumOff val="50000"/>
+                  </a:schemeClr>
+                </a:solidFill>
+              </a:rPr>
+              <a:t>Expressões regulares</a:t>
+            </a:r>
+          </a:p>
+          <a:p>
+            <a:pPr lvl="1"/>
+            <a:r>
+              <a:rPr lang="pt-BR" sz="3600" dirty="0" smtClean="0">
+                <a:solidFill>
+                  <a:schemeClr val="tx1">
+                    <a:lumMod val="50000"/>
+                    <a:lumOff val="50000"/>
+                  </a:schemeClr>
+                </a:solidFill>
+              </a:rPr>
+              <a:t>Manipulação de </a:t>
+            </a:r>
+            <a:r>
+              <a:rPr lang="pt-BR" sz="3600" dirty="0">
+                <a:solidFill>
+                  <a:schemeClr val="tx1">
+                    <a:lumMod val="50000"/>
+                    <a:lumOff val="50000"/>
+                  </a:schemeClr>
+                </a:solidFill>
+              </a:rPr>
+              <a:t>a</a:t>
+            </a:r>
+            <a:r>
+              <a:rPr lang="pt-BR" sz="3600" dirty="0" smtClean="0">
+                <a:solidFill>
+                  <a:schemeClr val="tx1">
+                    <a:lumMod val="50000"/>
+                    <a:lumOff val="50000"/>
+                  </a:schemeClr>
+                </a:solidFill>
+              </a:rPr>
+              <a:t>rquivo </a:t>
+            </a:r>
+            <a:r>
+              <a:rPr lang="pt-BR" sz="3600" dirty="0" smtClean="0">
+                <a:solidFill>
+                  <a:schemeClr val="tx1">
+                    <a:lumMod val="50000"/>
+                    <a:lumOff val="50000"/>
+                  </a:schemeClr>
+                </a:solidFill>
+              </a:rPr>
+              <a:t>CSV</a:t>
+            </a:r>
+            <a:endParaRPr lang="pt-BR" sz="3600" dirty="0" smtClean="0">
+              <a:solidFill>
+                <a:schemeClr val="tx1">
+                  <a:lumMod val="50000"/>
+                  <a:lumOff val="50000"/>
+                </a:schemeClr>
+              </a:solidFill>
+            </a:endParaRPr>
+          </a:p>
+        </p:txBody>
+      </p:sp>
+    </p:spTree>
+    <p:extLst>
+      <p:ext uri="{BB962C8B-B14F-4D97-AF65-F5344CB8AC3E}">
+        <p14:creationId xmlns:p14="http://schemas.microsoft.com/office/powerpoint/2010/main" val="4209786732"/>
+      </p:ext>
+    </p:extLst>
+  </p:cSld>
+  <p:clrMapOvr>
+    <a:masterClrMapping/>
+  </p:clrMapOvr>
+  <p:timing>
+    <p:tnLst>
+      <p:par>
+        <p:cTn id="1" dur="indefinite" restart="never" nodeType="tmRoot"/>
+      </p:par>
+    </p:tnLst>
+  </p:timing>
+</p:sld>
+</file>
+
+<file path=ppt/slides/slide43.xml><?xml version="1.0" encoding="utf-8"?>
+<p:sld xmlns:a="http://schemas.openxmlformats.org/drawingml/2006/main" xmlns:r="http://schemas.openxmlformats.org/officeDocument/2006/relationships" xmlns:p="http://schemas.openxmlformats.org/presentationml/2006/main">
+  <p:cSld>
+    <p:spTree>
+      <p:nvGrpSpPr>
+        <p:cNvPr id="1" name=""/>
+        <p:cNvGrpSpPr/>
+        <p:nvPr/>
+      </p:nvGrpSpPr>
+      <p:grpSpPr>
+        <a:xfrm>
+          <a:off x="0" y="0"/>
+          <a:ext cx="0" cy="0"/>
+          <a:chOff x="0" y="0"/>
+          <a:chExt cx="0" cy="0"/>
+        </a:xfrm>
+      </p:grpSpPr>
+      <p:sp>
+        <p:nvSpPr>
+          <p:cNvPr id="2" name="Título 1"/>
+          <p:cNvSpPr>
+            <a:spLocks noGrp="1"/>
+          </p:cNvSpPr>
+          <p:nvPr>
+            <p:ph type="title"/>
+          </p:nvPr>
+        </p:nvSpPr>
+        <p:spPr/>
+        <p:txBody>
+          <a:bodyPr/>
+          <a:lstStyle/>
+          <a:p>
+            <a:r>
+              <a:rPr lang="pt-BR" dirty="0" smtClean="0"/>
+              <a:t>Tipo </a:t>
+            </a:r>
+            <a:r>
+              <a:rPr lang="pt-BR" dirty="0" err="1" smtClean="0"/>
+              <a:t>datetime</a:t>
+            </a:r>
+            <a:endParaRPr lang="pt-BR" dirty="0"/>
+          </a:p>
+        </p:txBody>
+      </p:sp>
+      <p:sp>
+        <p:nvSpPr>
+          <p:cNvPr id="3" name="Espaço Reservado para Conteúdo 2"/>
+          <p:cNvSpPr>
+            <a:spLocks noGrp="1"/>
+          </p:cNvSpPr>
+          <p:nvPr>
+            <p:ph idx="1"/>
+          </p:nvPr>
+        </p:nvSpPr>
+        <p:spPr>
+          <a:xfrm>
+            <a:off x="628650" y="1690689"/>
+            <a:ext cx="7886700" cy="4486274"/>
+          </a:xfrm>
+        </p:spPr>
+        <p:txBody>
+          <a:bodyPr>
+            <a:normAutofit/>
+          </a:bodyPr>
+          <a:lstStyle/>
+          <a:p>
+            <a:r>
+              <a:rPr lang="pt-BR" dirty="0" smtClean="0"/>
+              <a:t>Está contido</a:t>
+            </a:r>
+          </a:p>
+          <a:p>
+            <a:pPr lvl="1"/>
+            <a:r>
+              <a:rPr lang="pt-BR" dirty="0" smtClean="0"/>
+              <a:t>a in b (a está contido em b)</a:t>
+            </a:r>
+          </a:p>
+          <a:p>
+            <a:r>
+              <a:rPr lang="pt-BR" dirty="0" smtClean="0"/>
+              <a:t>Nã</a:t>
+            </a:r>
+            <a:r>
+              <a:rPr lang="pt-BR" dirty="0" smtClean="0"/>
+              <a:t>o está contido</a:t>
+            </a:r>
+          </a:p>
+          <a:p>
+            <a:pPr lvl="1"/>
+            <a:r>
+              <a:rPr lang="pt-BR" dirty="0" smtClean="0"/>
+              <a:t>b </a:t>
+            </a:r>
+            <a:r>
+              <a:rPr lang="pt-BR" dirty="0" err="1" smtClean="0"/>
+              <a:t>not</a:t>
+            </a:r>
+            <a:r>
+              <a:rPr lang="pt-BR" dirty="0" smtClean="0"/>
+              <a:t> in a (b não está contido em a)</a:t>
+            </a:r>
+          </a:p>
+          <a:p>
+            <a:r>
+              <a:rPr lang="pt-BR" dirty="0" smtClean="0"/>
+              <a:t>É</a:t>
+            </a:r>
+          </a:p>
+          <a:p>
+            <a:pPr lvl="1"/>
+            <a:r>
+              <a:rPr lang="pt-BR" dirty="0" smtClean="0"/>
+              <a:t>a </a:t>
+            </a:r>
+            <a:r>
+              <a:rPr lang="pt-BR" dirty="0" err="1" smtClean="0"/>
+              <a:t>is</a:t>
+            </a:r>
+            <a:r>
+              <a:rPr lang="pt-BR" dirty="0" smtClean="0"/>
+              <a:t> b (a aponta para o mesmo objeto que b)</a:t>
+            </a:r>
+          </a:p>
+          <a:p>
+            <a:r>
+              <a:rPr lang="pt-BR" dirty="0" smtClean="0"/>
+              <a:t>NÃO É</a:t>
+            </a:r>
+          </a:p>
+          <a:p>
+            <a:pPr lvl="1"/>
+            <a:r>
+              <a:rPr lang="pt-BR" dirty="0" smtClean="0"/>
+              <a:t>a </a:t>
+            </a:r>
+            <a:r>
+              <a:rPr lang="pt-BR" dirty="0" err="1" smtClean="0"/>
+              <a:t>is</a:t>
+            </a:r>
+            <a:r>
+              <a:rPr lang="pt-BR" dirty="0" smtClean="0"/>
+              <a:t> </a:t>
+            </a:r>
+            <a:r>
+              <a:rPr lang="pt-BR" dirty="0" err="1" smtClean="0"/>
+              <a:t>not</a:t>
+            </a:r>
+            <a:r>
+              <a:rPr lang="pt-BR" dirty="0" smtClean="0"/>
+              <a:t> b (a não aponta para o mesmo objeto que b)</a:t>
+            </a:r>
+            <a:endParaRPr lang="pt-BR" dirty="0" smtClean="0"/>
+          </a:p>
+        </p:txBody>
+      </p:sp>
+    </p:spTree>
+    <p:extLst>
+      <p:ext uri="{BB962C8B-B14F-4D97-AF65-F5344CB8AC3E}">
+        <p14:creationId xmlns:p14="http://schemas.microsoft.com/office/powerpoint/2010/main" val="1231645816"/>
+      </p:ext>
+    </p:extLst>
+  </p:cSld>
+  <p:clrMapOvr>
+    <a:masterClrMapping/>
+  </p:clrMapOvr>
+  <p:timing>
+    <p:tnLst>
+      <p:par>
+        <p:cTn id="1" dur="indefinite" restart="never" nodeType="tmRoot"/>
+      </p:par>
+    </p:tnLst>
+  </p:timing>
+</p:sld>
+</file>
+
+<file path=ppt/slides/slide5.xml><?xml version="1.0" encoding="utf-8"?>
+<p:sld xmlns:a="http://schemas.openxmlformats.org/drawingml/2006/main" xmlns:r="http://schemas.openxmlformats.org/officeDocument/2006/relationships" xmlns:p="http://schemas.openxmlformats.org/presentationml/2006/main">
+  <p:cSld>
+    <p:spTree>
+      <p:nvGrpSpPr>
+        <p:cNvPr id="1" name=""/>
+        <p:cNvGrpSpPr/>
+        <p:nvPr/>
+      </p:nvGrpSpPr>
+      <p:grpSpPr>
+        <a:xfrm>
+          <a:off x="0" y="0"/>
+          <a:ext cx="0" cy="0"/>
+          <a:chOff x="0" y="0"/>
+          <a:chExt cx="0" cy="0"/>
+        </a:xfrm>
+      </p:grpSpPr>
+      <p:sp>
+        <p:nvSpPr>
+          <p:cNvPr id="2" name="Título 1"/>
+          <p:cNvSpPr>
+            <a:spLocks noGrp="1"/>
+          </p:cNvSpPr>
+          <p:nvPr>
+            <p:ph type="title"/>
+          </p:nvPr>
+        </p:nvSpPr>
+        <p:spPr/>
+        <p:txBody>
+          <a:bodyPr/>
+          <a:lstStyle/>
+          <a:p>
+            <a:r>
+              <a:rPr lang="pt-BR" dirty="0" smtClean="0"/>
+              <a:t>Cronograma</a:t>
+            </a:r>
+            <a:endParaRPr lang="pt-BR" dirty="0"/>
+          </a:p>
+        </p:txBody>
+      </p:sp>
+      <p:sp>
+        <p:nvSpPr>
+          <p:cNvPr id="3" name="Espaço Reservado para Conteúdo 2"/>
+          <p:cNvSpPr>
+            <a:spLocks noGrp="1"/>
+          </p:cNvSpPr>
+          <p:nvPr>
+            <p:ph idx="1"/>
+          </p:nvPr>
+        </p:nvSpPr>
+        <p:spPr>
+          <a:xfrm>
+            <a:off x="628650" y="1418897"/>
+            <a:ext cx="7886700" cy="5087006"/>
+          </a:xfrm>
+        </p:spPr>
+        <p:txBody>
+          <a:bodyPr>
+            <a:normAutofit fontScale="92500" lnSpcReduction="20000"/>
+          </a:bodyPr>
+          <a:lstStyle/>
+          <a:p>
+            <a:r>
+              <a:rPr lang="pt-BR" sz="4500" dirty="0" smtClean="0"/>
+              <a:t>Parte I:</a:t>
+            </a:r>
+          </a:p>
+          <a:p>
+            <a:pPr lvl="1"/>
+            <a:r>
+              <a:rPr lang="pt-BR" sz="4500" dirty="0" smtClean="0"/>
+              <a:t>Introdução</a:t>
+            </a:r>
+          </a:p>
+          <a:p>
+            <a:pPr lvl="1"/>
+            <a:r>
+              <a:rPr lang="pt-BR" sz="4500" dirty="0" smtClean="0">
+                <a:solidFill>
+                  <a:schemeClr val="tx1">
+                    <a:lumMod val="50000"/>
+                    <a:lumOff val="50000"/>
+                  </a:schemeClr>
+                </a:solidFill>
+              </a:rPr>
+              <a:t>Visão geral</a:t>
+            </a:r>
+          </a:p>
+          <a:p>
+            <a:pPr lvl="1"/>
+            <a:r>
+              <a:rPr lang="pt-BR" sz="4500" dirty="0" smtClean="0">
+                <a:solidFill>
+                  <a:schemeClr val="tx1">
+                    <a:lumMod val="50000"/>
+                    <a:lumOff val="50000"/>
+                  </a:schemeClr>
+                </a:solidFill>
+              </a:rPr>
+              <a:t>Configuração do ambiente</a:t>
+            </a:r>
+          </a:p>
+          <a:p>
+            <a:pPr lvl="1"/>
+            <a:r>
+              <a:rPr lang="pt-BR" sz="4500" dirty="0" smtClean="0">
+                <a:solidFill>
+                  <a:schemeClr val="tx1">
+                    <a:lumMod val="50000"/>
+                    <a:lumOff val="50000"/>
+                  </a:schemeClr>
+                </a:solidFill>
+              </a:rPr>
+              <a:t>Sintaxe </a:t>
+            </a:r>
+            <a:r>
+              <a:rPr lang="pt-BR" sz="4500" dirty="0" smtClean="0">
+                <a:solidFill>
+                  <a:schemeClr val="tx1">
+                    <a:lumMod val="50000"/>
+                    <a:lumOff val="50000"/>
+                  </a:schemeClr>
+                </a:solidFill>
+              </a:rPr>
+              <a:t>básica</a:t>
+            </a:r>
+            <a:endParaRPr lang="pt-BR" sz="4500" dirty="0">
+              <a:solidFill>
+                <a:schemeClr val="tx1">
+                  <a:lumMod val="50000"/>
+                  <a:lumOff val="50000"/>
+                </a:schemeClr>
+              </a:solidFill>
+            </a:endParaRPr>
+          </a:p>
+          <a:p>
+            <a:pPr lvl="1"/>
+            <a:r>
+              <a:rPr lang="pt-BR" sz="4500" dirty="0">
+                <a:solidFill>
+                  <a:schemeClr val="tx1">
+                    <a:lumMod val="50000"/>
+                    <a:lumOff val="50000"/>
+                  </a:schemeClr>
+                </a:solidFill>
+              </a:rPr>
+              <a:t>Tipos de </a:t>
+            </a:r>
+            <a:r>
+              <a:rPr lang="pt-BR" sz="4500" dirty="0" smtClean="0">
+                <a:solidFill>
+                  <a:schemeClr val="tx1">
+                    <a:lumMod val="50000"/>
+                    <a:lumOff val="50000"/>
+                  </a:schemeClr>
+                </a:solidFill>
+              </a:rPr>
+              <a:t>variáveis</a:t>
+            </a:r>
+            <a:endParaRPr lang="pt-BR" sz="4500" dirty="0">
+              <a:solidFill>
+                <a:schemeClr val="tx1">
+                  <a:lumMod val="50000"/>
+                  <a:lumOff val="50000"/>
+                </a:schemeClr>
+              </a:solidFill>
+            </a:endParaRPr>
+          </a:p>
+          <a:p>
+            <a:pPr lvl="1"/>
+            <a:r>
+              <a:rPr lang="pt-BR" sz="4500" dirty="0" smtClean="0">
+                <a:solidFill>
+                  <a:schemeClr val="tx1">
+                    <a:lumMod val="50000"/>
+                    <a:lumOff val="50000"/>
+                  </a:schemeClr>
+                </a:solidFill>
+              </a:rPr>
+              <a:t>Operadores </a:t>
+            </a:r>
+            <a:r>
+              <a:rPr lang="pt-BR" sz="4500" dirty="0" smtClean="0">
+                <a:solidFill>
+                  <a:schemeClr val="tx1">
+                    <a:lumMod val="50000"/>
+                    <a:lumOff val="50000"/>
+                  </a:schemeClr>
+                </a:solidFill>
+              </a:rPr>
+              <a:t>básicos</a:t>
+            </a:r>
+          </a:p>
+          <a:p>
+            <a:pPr lvl="1"/>
+            <a:r>
+              <a:rPr lang="pt-BR" sz="4500" dirty="0" smtClean="0">
+                <a:solidFill>
+                  <a:schemeClr val="tx1">
+                    <a:lumMod val="50000"/>
+                    <a:lumOff val="50000"/>
+                  </a:schemeClr>
+                </a:solidFill>
+              </a:rPr>
+              <a:t>Operadores condicionais</a:t>
+            </a:r>
+          </a:p>
+          <a:p>
+            <a:pPr lvl="1"/>
+            <a:r>
+              <a:rPr lang="pt-BR" sz="4500" dirty="0" smtClean="0">
+                <a:solidFill>
+                  <a:schemeClr val="tx1">
+                    <a:lumMod val="50000"/>
+                    <a:lumOff val="50000"/>
+                  </a:schemeClr>
+                </a:solidFill>
+              </a:rPr>
+              <a:t>Laços de </a:t>
+            </a:r>
+            <a:r>
+              <a:rPr lang="pt-BR" sz="4500" dirty="0" smtClean="0">
+                <a:solidFill>
+                  <a:schemeClr val="tx1">
+                    <a:lumMod val="50000"/>
+                    <a:lumOff val="50000"/>
+                  </a:schemeClr>
+                </a:solidFill>
+              </a:rPr>
+              <a:t>repetição</a:t>
+            </a:r>
+            <a:endParaRPr lang="pt-BR" dirty="0"/>
+          </a:p>
+        </p:txBody>
+      </p:sp>
+    </p:spTree>
+    <p:extLst>
+      <p:ext uri="{BB962C8B-B14F-4D97-AF65-F5344CB8AC3E}">
+        <p14:creationId xmlns:p14="http://schemas.microsoft.com/office/powerpoint/2010/main" val="2639361852"/>
+      </p:ext>
+    </p:extLst>
+  </p:cSld>
+  <p:clrMapOvr>
+    <a:masterClrMapping/>
+  </p:clrMapOvr>
+  <p:timing>
+    <p:tnLst>
+      <p:par>
+        <p:cTn id="1" dur="indefinite" restart="never" nodeType="tmRoot"/>
+      </p:par>
+    </p:tnLst>
+  </p:timing>
+</p:sld>
+</file>
+
+<file path=ppt/slides/slide6.xml><?xml version="1.0" encoding="utf-8"?>
+<p:sld xmlns:a="http://schemas.openxmlformats.org/drawingml/2006/main" xmlns:r="http://schemas.openxmlformats.org/officeDocument/2006/relationships" xmlns:p="http://schemas.openxmlformats.org/presentationml/2006/main">
+  <p:cSld>
+    <p:spTree>
+      <p:nvGrpSpPr>
+        <p:cNvPr id="1" name=""/>
+        <p:cNvGrpSpPr/>
+        <p:nvPr/>
+      </p:nvGrpSpPr>
+      <p:grpSpPr>
+        <a:xfrm>
+          <a:off x="0" y="0"/>
+          <a:ext cx="0" cy="0"/>
+          <a:chOff x="0" y="0"/>
+          <a:chExt cx="0" cy="0"/>
+        </a:xfrm>
+      </p:grpSpPr>
+      <p:sp>
+        <p:nvSpPr>
+          <p:cNvPr id="2" name="Título 1"/>
+          <p:cNvSpPr>
+            <a:spLocks noGrp="1"/>
+          </p:cNvSpPr>
+          <p:nvPr>
+            <p:ph type="title"/>
+          </p:nvPr>
+        </p:nvSpPr>
+        <p:spPr/>
+        <p:txBody>
+          <a:bodyPr/>
+          <a:lstStyle/>
+          <a:p>
+            <a:r>
+              <a:rPr lang="pt-BR" dirty="0" smtClean="0"/>
+              <a:t>Porque aprender Python</a:t>
+            </a:r>
+            <a:endParaRPr lang="pt-BR" dirty="0"/>
+          </a:p>
+        </p:txBody>
+      </p:sp>
+      <p:sp>
+        <p:nvSpPr>
+          <p:cNvPr id="3" name="Espaço Reservado para Conteúdo 2"/>
+          <p:cNvSpPr>
+            <a:spLocks noGrp="1"/>
+          </p:cNvSpPr>
+          <p:nvPr>
+            <p:ph idx="1"/>
+          </p:nvPr>
+        </p:nvSpPr>
+        <p:spPr/>
+        <p:txBody>
+          <a:bodyPr/>
+          <a:lstStyle/>
+          <a:p>
+            <a:r>
+              <a:rPr lang="pt-BR" dirty="0" smtClean="0"/>
+              <a:t>Python é uma linguagem de programação criada em 1990</a:t>
+            </a:r>
+          </a:p>
+          <a:p>
+            <a:r>
+              <a:rPr lang="pt-BR" dirty="0" smtClean="0"/>
+              <a:t>Criador: Guido van Rossum</a:t>
+            </a:r>
+          </a:p>
+          <a:p>
+            <a:r>
+              <a:rPr lang="pt-BR" dirty="0" smtClean="0"/>
+              <a:t>Por quê???</a:t>
+            </a:r>
+          </a:p>
+          <a:p>
+            <a:pPr marL="0" indent="0">
+              <a:buNone/>
+            </a:pPr>
+            <a:endParaRPr lang="pt-BR" dirty="0" smtClean="0"/>
+          </a:p>
+        </p:txBody>
+      </p:sp>
+      <p:pic>
+        <p:nvPicPr>
+          <p:cNvPr id="8" name="Imagem 7"/>
+          <p:cNvPicPr>
+            <a:picLocks noChangeAspect="1"/>
+          </p:cNvPicPr>
+          <p:nvPr/>
+        </p:nvPicPr>
+        <p:blipFill rotWithShape="1">
+          <a:blip r:embed="rId2" cstate="print">
+            <a:extLst>
+              <a:ext uri="{28A0092B-C50C-407E-A947-70E740481C1C}">
+                <a14:useLocalDpi xmlns:a14="http://schemas.microsoft.com/office/drawing/2010/main" val="0"/>
+              </a:ext>
+            </a:extLst>
+          </a:blip>
+          <a:srcRect l="4218" t="13980" r="72056" b="63335"/>
+          <a:stretch/>
+        </p:blipFill>
+        <p:spPr>
+          <a:xfrm>
+            <a:off x="851337" y="4034118"/>
+            <a:ext cx="7507355" cy="2243102"/>
+          </a:xfrm>
+          <a:prstGeom prst="rect">
+            <a:avLst/>
+          </a:prstGeom>
+        </p:spPr>
+      </p:pic>
+    </p:spTree>
+    <p:extLst>
+      <p:ext uri="{BB962C8B-B14F-4D97-AF65-F5344CB8AC3E}">
+        <p14:creationId xmlns:p14="http://schemas.microsoft.com/office/powerpoint/2010/main" val="1857946551"/>
+      </p:ext>
+    </p:extLst>
+  </p:cSld>
+  <p:clrMapOvr>
+    <a:masterClrMapping/>
+  </p:clrMapOvr>
+  <p:timing>
+    <p:tnLst>
+      <p:par>
+        <p:cTn id="1" dur="indefinite" restart="never" nodeType="tmRoot"/>
+      </p:par>
+    </p:tnLst>
+  </p:timing>
+</p:sld>
+</file>
+
+<file path=ppt/slides/slide7.xml><?xml version="1.0" encoding="utf-8"?>
+<p:sld xmlns:a="http://schemas.openxmlformats.org/drawingml/2006/main" xmlns:r="http://schemas.openxmlformats.org/officeDocument/2006/relationships" xmlns:p="http://schemas.openxmlformats.org/presentationml/2006/main">
+  <p:cSld>
+    <p:spTree>
+      <p:nvGrpSpPr>
+        <p:cNvPr id="1" name=""/>
+        <p:cNvGrpSpPr/>
+        <p:nvPr/>
+      </p:nvGrpSpPr>
+      <p:grpSpPr>
+        <a:xfrm>
+          <a:off x="0" y="0"/>
+          <a:ext cx="0" cy="0"/>
+          <a:chOff x="0" y="0"/>
+          <a:chExt cx="0" cy="0"/>
+        </a:xfrm>
+      </p:grpSpPr>
+      <p:sp>
+        <p:nvSpPr>
+          <p:cNvPr id="2" name="Título 1"/>
+          <p:cNvSpPr>
+            <a:spLocks noGrp="1"/>
+          </p:cNvSpPr>
+          <p:nvPr>
+            <p:ph type="title"/>
+          </p:nvPr>
+        </p:nvSpPr>
+        <p:spPr/>
+        <p:txBody>
+          <a:bodyPr/>
+          <a:lstStyle/>
+          <a:p>
+            <a:r>
+              <a:rPr lang="pt-BR" dirty="0" smtClean="0"/>
+              <a:t>Porque aprender Python</a:t>
+            </a:r>
+            <a:endParaRPr lang="pt-BR" dirty="0"/>
+          </a:p>
+        </p:txBody>
+      </p:sp>
+      <p:sp>
+        <p:nvSpPr>
+          <p:cNvPr id="3" name="Espaço Reservado para Conteúdo 2"/>
+          <p:cNvSpPr>
+            <a:spLocks noGrp="1"/>
+          </p:cNvSpPr>
+          <p:nvPr>
+            <p:ph idx="1"/>
+          </p:nvPr>
+        </p:nvSpPr>
+        <p:spPr/>
+        <p:txBody>
+          <a:bodyPr/>
+          <a:lstStyle/>
+          <a:p>
+            <a:r>
+              <a:rPr lang="pt-BR" dirty="0" smtClean="0"/>
+              <a:t>Python é uma linguagem de programação criada em 1990</a:t>
+            </a:r>
+          </a:p>
+          <a:p>
+            <a:r>
+              <a:rPr lang="pt-BR" dirty="0" smtClean="0"/>
+              <a:t>Criador: Guido van Rossum</a:t>
+            </a:r>
+          </a:p>
+          <a:p>
+            <a:r>
+              <a:rPr lang="pt-BR" dirty="0" smtClean="0"/>
+              <a:t>Por quê???</a:t>
+            </a:r>
+          </a:p>
+          <a:p>
+            <a:pPr marL="0" indent="0">
+              <a:buNone/>
+            </a:pPr>
+            <a:endParaRPr lang="pt-BR" dirty="0" smtClean="0"/>
+          </a:p>
+        </p:txBody>
+      </p:sp>
+      <p:pic>
+        <p:nvPicPr>
+          <p:cNvPr id="4" name="Imagem 3"/>
+          <p:cNvPicPr>
+            <a:picLocks noChangeAspect="1"/>
+          </p:cNvPicPr>
+          <p:nvPr/>
+        </p:nvPicPr>
+        <p:blipFill rotWithShape="1">
+          <a:blip r:embed="rId2" cstate="print">
+            <a:extLst>
+              <a:ext uri="{28A0092B-C50C-407E-A947-70E740481C1C}">
+                <a14:useLocalDpi xmlns:a14="http://schemas.microsoft.com/office/drawing/2010/main" val="0"/>
+              </a:ext>
+            </a:extLst>
+          </a:blip>
+          <a:srcRect l="61610" t="28574" r="13218" b="28759"/>
+          <a:stretch/>
+        </p:blipFill>
+        <p:spPr>
+          <a:xfrm>
+            <a:off x="2194283" y="3768395"/>
+            <a:ext cx="5238502" cy="2774731"/>
+          </a:xfrm>
+          <a:prstGeom prst="rect">
+            <a:avLst/>
+          </a:prstGeom>
+        </p:spPr>
+      </p:pic>
+    </p:spTree>
+    <p:extLst>
+      <p:ext uri="{BB962C8B-B14F-4D97-AF65-F5344CB8AC3E}">
+        <p14:creationId xmlns:p14="http://schemas.microsoft.com/office/powerpoint/2010/main" val="1881757222"/>
+      </p:ext>
+    </p:extLst>
+  </p:cSld>
+  <p:clrMapOvr>
+    <a:masterClrMapping/>
+  </p:clrMapOvr>
+  <p:timing>
+    <p:tnLst>
+      <p:par>
+        <p:cTn id="1" dur="indefinite" restart="never" nodeType="tmRoot"/>
+      </p:par>
+    </p:tnLst>
+  </p:timing>
+</p:sld>
+</file>
+
+<file path=ppt/slides/slide8.xml><?xml version="1.0" encoding="utf-8"?>
+<p:sld xmlns:a="http://schemas.openxmlformats.org/drawingml/2006/main" xmlns:r="http://schemas.openxmlformats.org/officeDocument/2006/relationships" xmlns:p="http://schemas.openxmlformats.org/presentationml/2006/main">
+  <p:cSld>
+    <p:spTree>
+      <p:nvGrpSpPr>
+        <p:cNvPr id="1" name=""/>
+        <p:cNvGrpSpPr/>
+        <p:nvPr/>
+      </p:nvGrpSpPr>
+      <p:grpSpPr>
+        <a:xfrm>
+          <a:off x="0" y="0"/>
+          <a:ext cx="0" cy="0"/>
+          <a:chOff x="0" y="0"/>
+          <a:chExt cx="0" cy="0"/>
+        </a:xfrm>
+      </p:grpSpPr>
+      <p:sp>
+        <p:nvSpPr>
+          <p:cNvPr id="2" name="Título 1"/>
+          <p:cNvSpPr>
+            <a:spLocks noGrp="1"/>
+          </p:cNvSpPr>
+          <p:nvPr>
+            <p:ph type="title"/>
+          </p:nvPr>
+        </p:nvSpPr>
+        <p:spPr/>
+        <p:txBody>
+          <a:bodyPr/>
+          <a:lstStyle/>
+          <a:p>
+            <a:r>
+              <a:rPr lang="pt-BR" dirty="0" smtClean="0"/>
+              <a:t>Porque aprender Python</a:t>
+            </a:r>
+            <a:endParaRPr lang="pt-BR" dirty="0"/>
+          </a:p>
+        </p:txBody>
+      </p:sp>
+      <p:sp>
+        <p:nvSpPr>
+          <p:cNvPr id="3" name="Espaço Reservado para Conteúdo 2"/>
+          <p:cNvSpPr>
+            <a:spLocks noGrp="1"/>
+          </p:cNvSpPr>
+          <p:nvPr>
+            <p:ph idx="1"/>
+          </p:nvPr>
+        </p:nvSpPr>
+        <p:spPr/>
+        <p:txBody>
+          <a:bodyPr/>
+          <a:lstStyle/>
+          <a:p>
+            <a:r>
+              <a:rPr lang="pt-BR" dirty="0" smtClean="0"/>
+              <a:t>Python é uma linguagem de programação criada em 1990</a:t>
+            </a:r>
+          </a:p>
+          <a:p>
+            <a:r>
+              <a:rPr lang="pt-BR" dirty="0" smtClean="0"/>
+              <a:t>Criador: Guido van Rossum</a:t>
+            </a:r>
+          </a:p>
+          <a:p>
+            <a:r>
+              <a:rPr lang="pt-BR" dirty="0" smtClean="0"/>
+              <a:t>Por quê???</a:t>
+            </a:r>
+          </a:p>
+          <a:p>
+            <a:pPr lvl="1"/>
+            <a:r>
+              <a:rPr lang="pt-BR" dirty="0" smtClean="0"/>
+              <a:t>Para ser bonito e fácil de ler</a:t>
+            </a:r>
+          </a:p>
+          <a:p>
+            <a:pPr lvl="1"/>
+            <a:r>
+              <a:rPr lang="pt-BR" dirty="0" smtClean="0"/>
+              <a:t>Explicito é melhor que implícito</a:t>
+            </a:r>
+          </a:p>
+          <a:p>
+            <a:pPr lvl="1"/>
+            <a:r>
+              <a:rPr lang="pt-BR" dirty="0" smtClean="0"/>
+              <a:t>Simples é melhor do que complexo</a:t>
+            </a:r>
+          </a:p>
+          <a:p>
+            <a:pPr lvl="1"/>
+            <a:r>
+              <a:rPr lang="pt-BR" dirty="0" smtClean="0"/>
+              <a:t>Legibilidade importa muito</a:t>
+            </a:r>
+          </a:p>
+          <a:p>
+            <a:pPr marL="0" indent="0">
+              <a:buNone/>
+            </a:pPr>
+            <a:endParaRPr lang="pt-BR" dirty="0" smtClean="0"/>
+          </a:p>
+        </p:txBody>
+      </p:sp>
+    </p:spTree>
+    <p:extLst>
+      <p:ext uri="{BB962C8B-B14F-4D97-AF65-F5344CB8AC3E}">
+        <p14:creationId xmlns:p14="http://schemas.microsoft.com/office/powerpoint/2010/main" val="3385922792"/>
+      </p:ext>
+    </p:extLst>
+  </p:cSld>
+  <p:clrMapOvr>
+    <a:masterClrMapping/>
+  </p:clrMapOvr>
+  <p:timing>
+    <p:tnLst>
+      <p:par>
+        <p:cTn id="1" dur="indefinite" restart="never" nodeType="tmRoot"/>
+      </p:par>
+    </p:tnLst>
+  </p:timing>
+</p:sld>
+</file>
+
+<file path=ppt/slides/slide9.xml><?xml version="1.0" encoding="utf-8"?>
+<p:sld xmlns:a="http://schemas.openxmlformats.org/drawingml/2006/main" xmlns:r="http://schemas.openxmlformats.org/officeDocument/2006/relationships" xmlns:p="http://schemas.openxmlformats.org/presentationml/2006/main">
+  <p:cSld>
+    <p:spTree>
+      <p:nvGrpSpPr>
+        <p:cNvPr id="1" name=""/>
+        <p:cNvGrpSpPr/>
+        <p:nvPr/>
+      </p:nvGrpSpPr>
+      <p:grpSpPr>
+        <a:xfrm>
+          <a:off x="0" y="0"/>
+          <a:ext cx="0" cy="0"/>
+          <a:chOff x="0" y="0"/>
+          <a:chExt cx="0" cy="0"/>
+        </a:xfrm>
+      </p:grpSpPr>
+      <p:sp>
+        <p:nvSpPr>
+          <p:cNvPr id="2" name="Título 1"/>
+          <p:cNvSpPr>
+            <a:spLocks noGrp="1"/>
+          </p:cNvSpPr>
+          <p:nvPr>
+            <p:ph type="title"/>
+          </p:nvPr>
+        </p:nvSpPr>
+        <p:spPr/>
+        <p:txBody>
+          <a:bodyPr/>
+          <a:lstStyle/>
+          <a:p>
+            <a:r>
+              <a:rPr lang="pt-BR" dirty="0" smtClean="0"/>
+              <a:t>Cronograma</a:t>
+            </a:r>
+            <a:endParaRPr lang="pt-BR" dirty="0"/>
+          </a:p>
+        </p:txBody>
+      </p:sp>
+      <p:sp>
+        <p:nvSpPr>
+          <p:cNvPr id="3" name="Espaço Reservado para Conteúdo 2"/>
+          <p:cNvSpPr>
+            <a:spLocks noGrp="1"/>
+          </p:cNvSpPr>
+          <p:nvPr>
+            <p:ph idx="1"/>
+          </p:nvPr>
+        </p:nvSpPr>
+        <p:spPr>
+          <a:xfrm>
+            <a:off x="628650" y="1418897"/>
+            <a:ext cx="7886700" cy="5087006"/>
+          </a:xfrm>
+        </p:spPr>
+        <p:txBody>
+          <a:bodyPr>
+            <a:normAutofit fontScale="92500" lnSpcReduction="20000"/>
+          </a:bodyPr>
+          <a:lstStyle/>
+          <a:p>
+            <a:r>
+              <a:rPr lang="pt-BR" sz="4500" dirty="0" smtClean="0"/>
+              <a:t>Parte I:</a:t>
+            </a:r>
+          </a:p>
+          <a:p>
+            <a:pPr lvl="1"/>
+            <a:r>
+              <a:rPr lang="pt-BR" sz="4500" dirty="0" smtClean="0">
+                <a:solidFill>
+                  <a:schemeClr val="tx1">
+                    <a:lumMod val="50000"/>
+                    <a:lumOff val="50000"/>
+                  </a:schemeClr>
+                </a:solidFill>
+              </a:rPr>
+              <a:t>Introdução</a:t>
+            </a:r>
+          </a:p>
+          <a:p>
+            <a:pPr lvl="1"/>
+            <a:r>
+              <a:rPr lang="pt-BR" sz="4500" dirty="0" smtClean="0"/>
+              <a:t>Visão geral</a:t>
+            </a:r>
+          </a:p>
+          <a:p>
+            <a:pPr lvl="1"/>
+            <a:r>
+              <a:rPr lang="pt-BR" sz="4500" dirty="0" smtClean="0">
+                <a:solidFill>
+                  <a:schemeClr val="tx1">
+                    <a:lumMod val="50000"/>
+                    <a:lumOff val="50000"/>
+                  </a:schemeClr>
+                </a:solidFill>
+              </a:rPr>
+              <a:t>Configuração do ambiente</a:t>
+            </a:r>
+          </a:p>
+          <a:p>
+            <a:pPr lvl="1"/>
+            <a:r>
+              <a:rPr lang="pt-BR" sz="4500" dirty="0" smtClean="0">
+                <a:solidFill>
+                  <a:schemeClr val="tx1">
+                    <a:lumMod val="50000"/>
+                    <a:lumOff val="50000"/>
+                  </a:schemeClr>
+                </a:solidFill>
+              </a:rPr>
+              <a:t>Sintaxe </a:t>
+            </a:r>
+            <a:r>
+              <a:rPr lang="pt-BR" sz="4500" dirty="0">
+                <a:solidFill>
+                  <a:schemeClr val="tx1">
+                    <a:lumMod val="50000"/>
+                    <a:lumOff val="50000"/>
+                  </a:schemeClr>
+                </a:solidFill>
+              </a:rPr>
+              <a:t>básica</a:t>
+            </a:r>
+          </a:p>
+          <a:p>
+            <a:pPr lvl="1"/>
+            <a:r>
+              <a:rPr lang="pt-BR" sz="4500" dirty="0">
+                <a:solidFill>
+                  <a:schemeClr val="tx1">
+                    <a:lumMod val="50000"/>
+                    <a:lumOff val="50000"/>
+                  </a:schemeClr>
+                </a:solidFill>
+              </a:rPr>
+              <a:t>Tipos de </a:t>
+            </a:r>
+            <a:r>
+              <a:rPr lang="pt-BR" sz="4500" dirty="0" smtClean="0">
+                <a:solidFill>
+                  <a:schemeClr val="tx1">
+                    <a:lumMod val="50000"/>
+                    <a:lumOff val="50000"/>
+                  </a:schemeClr>
+                </a:solidFill>
+              </a:rPr>
+              <a:t>variáveis</a:t>
+            </a:r>
+            <a:endParaRPr lang="pt-BR" sz="4500" dirty="0" smtClean="0">
+              <a:solidFill>
+                <a:schemeClr val="tx1">
+                  <a:lumMod val="50000"/>
+                  <a:lumOff val="50000"/>
+                </a:schemeClr>
+              </a:solidFill>
+            </a:endParaRPr>
+          </a:p>
+          <a:p>
+            <a:pPr lvl="1"/>
+            <a:r>
+              <a:rPr lang="pt-BR" sz="4500" dirty="0" smtClean="0">
+                <a:solidFill>
+                  <a:schemeClr val="tx1">
+                    <a:lumMod val="50000"/>
+                    <a:lumOff val="50000"/>
+                  </a:schemeClr>
+                </a:solidFill>
+              </a:rPr>
+              <a:t>Operadores </a:t>
+            </a:r>
+            <a:r>
+              <a:rPr lang="pt-BR" sz="4500" dirty="0" smtClean="0">
+                <a:solidFill>
+                  <a:schemeClr val="tx1">
+                    <a:lumMod val="50000"/>
+                    <a:lumOff val="50000"/>
+                  </a:schemeClr>
+                </a:solidFill>
+              </a:rPr>
+              <a:t>básicos</a:t>
+            </a:r>
+          </a:p>
+          <a:p>
+            <a:pPr lvl="1"/>
+            <a:r>
+              <a:rPr lang="pt-BR" sz="4500" dirty="0" smtClean="0">
+                <a:solidFill>
+                  <a:schemeClr val="tx1">
+                    <a:lumMod val="50000"/>
+                    <a:lumOff val="50000"/>
+                  </a:schemeClr>
+                </a:solidFill>
+              </a:rPr>
+              <a:t>Operadores condicionais</a:t>
+            </a:r>
+          </a:p>
+          <a:p>
+            <a:pPr lvl="1"/>
+            <a:r>
+              <a:rPr lang="pt-BR" sz="4500" dirty="0" smtClean="0">
+                <a:solidFill>
+                  <a:schemeClr val="tx1">
+                    <a:lumMod val="50000"/>
+                    <a:lumOff val="50000"/>
+                  </a:schemeClr>
+                </a:solidFill>
+              </a:rPr>
+              <a:t>Laços de </a:t>
+            </a:r>
+            <a:r>
+              <a:rPr lang="pt-BR" sz="4500" dirty="0" smtClean="0">
+                <a:solidFill>
+                  <a:schemeClr val="tx1">
+                    <a:lumMod val="50000"/>
+                    <a:lumOff val="50000"/>
+                  </a:schemeClr>
+                </a:solidFill>
+              </a:rPr>
+              <a:t>repetição</a:t>
+            </a:r>
+            <a:endParaRPr lang="pt-BR" dirty="0"/>
+          </a:p>
+        </p:txBody>
+      </p:sp>
+    </p:spTree>
+    <p:extLst>
+      <p:ext uri="{BB962C8B-B14F-4D97-AF65-F5344CB8AC3E}">
+        <p14:creationId xmlns:p14="http://schemas.microsoft.com/office/powerpoint/2010/main" val="1378143703"/>
+      </p:ext>
+    </p:extLst>
+  </p:cSld>
+  <p:clrMapOvr>
+    <a:masterClrMapping/>
+  </p:clrMapOvr>
+  <p:timing>
+    <p:tnLst>
+      <p:par>
+        <p:cTn id="1" dur="indefinite" restart="never" nodeType="tmRoot"/>
+      </p:par>
+    </p:tnLst>
+  </p:timing>
+</p:sld>
+</file>
+
 <file path=ppt/theme/theme1.xml><?xml version="1.0" encoding="utf-8"?>
 <a:theme xmlns:a="http://schemas.openxmlformats.org/drawingml/2006/main" name="Tema do Office">
   <a:themeElements>

--- a/aula.pptx
+++ b/aula.pptx
@@ -27,27 +27,43 @@
     <p:sldId id="294" r:id="rId21"/>
     <p:sldId id="298" r:id="rId22"/>
     <p:sldId id="299" r:id="rId23"/>
-    <p:sldId id="301" r:id="rId24"/>
-    <p:sldId id="300" r:id="rId25"/>
-    <p:sldId id="276" r:id="rId26"/>
-    <p:sldId id="277" r:id="rId27"/>
-    <p:sldId id="279" r:id="rId28"/>
-    <p:sldId id="287" r:id="rId29"/>
-    <p:sldId id="278" r:id="rId30"/>
-    <p:sldId id="280" r:id="rId31"/>
-    <p:sldId id="281" r:id="rId32"/>
-    <p:sldId id="288" r:id="rId33"/>
-    <p:sldId id="283" r:id="rId34"/>
-    <p:sldId id="284" r:id="rId35"/>
-    <p:sldId id="286" r:id="rId36"/>
-    <p:sldId id="285" r:id="rId37"/>
-    <p:sldId id="289" r:id="rId38"/>
-    <p:sldId id="290" r:id="rId39"/>
-    <p:sldId id="291" r:id="rId40"/>
-    <p:sldId id="292" r:id="rId41"/>
-    <p:sldId id="295" r:id="rId42"/>
-    <p:sldId id="296" r:id="rId43"/>
-    <p:sldId id="297" r:id="rId44"/>
+    <p:sldId id="302" r:id="rId24"/>
+    <p:sldId id="301" r:id="rId25"/>
+    <p:sldId id="300" r:id="rId26"/>
+    <p:sldId id="303" r:id="rId27"/>
+    <p:sldId id="304" r:id="rId28"/>
+    <p:sldId id="305" r:id="rId29"/>
+    <p:sldId id="306" r:id="rId30"/>
+    <p:sldId id="307" r:id="rId31"/>
+    <p:sldId id="308" r:id="rId32"/>
+    <p:sldId id="309" r:id="rId33"/>
+    <p:sldId id="276" r:id="rId34"/>
+    <p:sldId id="277" r:id="rId35"/>
+    <p:sldId id="279" r:id="rId36"/>
+    <p:sldId id="287" r:id="rId37"/>
+    <p:sldId id="278" r:id="rId38"/>
+    <p:sldId id="280" r:id="rId39"/>
+    <p:sldId id="281" r:id="rId40"/>
+    <p:sldId id="288" r:id="rId41"/>
+    <p:sldId id="283" r:id="rId42"/>
+    <p:sldId id="284" r:id="rId43"/>
+    <p:sldId id="286" r:id="rId44"/>
+    <p:sldId id="285" r:id="rId45"/>
+    <p:sldId id="289" r:id="rId46"/>
+    <p:sldId id="290" r:id="rId47"/>
+    <p:sldId id="291" r:id="rId48"/>
+    <p:sldId id="292" r:id="rId49"/>
+    <p:sldId id="295" r:id="rId50"/>
+    <p:sldId id="296" r:id="rId51"/>
+    <p:sldId id="297" r:id="rId52"/>
+    <p:sldId id="310" r:id="rId53"/>
+    <p:sldId id="311" r:id="rId54"/>
+    <p:sldId id="312" r:id="rId55"/>
+    <p:sldId id="313" r:id="rId56"/>
+    <p:sldId id="314" r:id="rId57"/>
+    <p:sldId id="315" r:id="rId58"/>
+    <p:sldId id="316" r:id="rId59"/>
+    <p:sldId id="317" r:id="rId60"/>
   </p:sldIdLst>
   <p:sldSz cx="9144000" cy="6858000" type="screen4x3"/>
   <p:notesSz cx="6858000" cy="9144000"/>
@@ -3156,26 +3172,13 @@
           <a:p>
             <a:r>
               <a:rPr lang="pt-BR" sz="3200" dirty="0" smtClean="0"/>
-              <a:t>O programador pode interagir com o interpretador</a:t>
-            </a:r>
-          </a:p>
-          <a:p>
+              <a:t>O programador pode interagir com o </a:t>
+            </a:r>
             <a:r>
               <a:rPr lang="pt-BR" sz="3200" dirty="0" smtClean="0"/>
-              <a:t>Python é uma linguagem orientada a objetos</a:t>
-            </a:r>
-          </a:p>
-          <a:p>
-            <a:r>
-              <a:rPr lang="pt-BR" sz="3200" dirty="0" smtClean="0"/>
-              <a:t>Python é uma linguagem “fácil” para se aprender programação</a:t>
-            </a:r>
-          </a:p>
-          <a:p>
-            <a:r>
-              <a:rPr lang="pt-BR" sz="3200" dirty="0" smtClean="0"/>
-              <a:t>Portável e extensível</a:t>
-            </a:r>
+              <a:t>interpretador</a:t>
+            </a:r>
+            <a:endParaRPr lang="pt-BR" sz="3200" dirty="0" smtClean="0"/>
           </a:p>
         </p:txBody>
       </p:sp>
@@ -3468,8 +3471,11 @@
                   </a:schemeClr>
                 </a:solidFill>
               </a:rPr>
-              <a:t>Operadores </a:t>
-            </a:r>
+              <a:t>Operadores básicos</a:t>
+            </a:r>
+          </a:p>
+          <a:p>
+            <a:pPr lvl="1"/>
             <a:r>
               <a:rPr lang="pt-BR" sz="4500" dirty="0" smtClean="0">
                 <a:solidFill>
@@ -3479,7 +3485,7 @@
                   </a:schemeClr>
                 </a:solidFill>
               </a:rPr>
-              <a:t>básicos</a:t>
+              <a:t>Operadores condicionais</a:t>
             </a:r>
           </a:p>
           <a:p>
@@ -3493,32 +3499,7 @@
                   </a:schemeClr>
                 </a:solidFill>
               </a:rPr>
-              <a:t>Operadores condicionais</a:t>
-            </a:r>
-          </a:p>
-          <a:p>
-            <a:pPr lvl="1"/>
-            <a:r>
-              <a:rPr lang="pt-BR" sz="4500" dirty="0" smtClean="0">
-                <a:solidFill>
-                  <a:schemeClr val="tx1">
-                    <a:lumMod val="50000"/>
-                    <a:lumOff val="50000"/>
-                  </a:schemeClr>
-                </a:solidFill>
-              </a:rPr>
-              <a:t>Laços de </a:t>
-            </a:r>
-            <a:r>
-              <a:rPr lang="pt-BR" sz="4500" dirty="0" smtClean="0">
-                <a:solidFill>
-                  <a:schemeClr val="tx1">
-                    <a:lumMod val="50000"/>
-                    <a:lumOff val="50000"/>
-                  </a:schemeClr>
-                </a:solidFill>
-              </a:rPr>
-              <a:t>repetição</a:t>
+              <a:t>Laços de repetição</a:t>
             </a:r>
             <a:endParaRPr lang="pt-BR" dirty="0"/>
           </a:p>
@@ -3797,11 +3778,7 @@
             <a:pPr lvl="1"/>
             <a:r>
               <a:rPr lang="pt-BR" sz="4500" dirty="0" smtClean="0"/>
-              <a:t>Sintaxe </a:t>
-            </a:r>
-            <a:r>
-              <a:rPr lang="pt-BR" sz="4500" dirty="0" smtClean="0"/>
-              <a:t>básica</a:t>
+              <a:t>Sintaxe básica</a:t>
             </a:r>
             <a:endParaRPr lang="pt-BR" sz="4500" dirty="0">
               <a:solidFill>
@@ -3848,8 +3825,11 @@
                   </a:schemeClr>
                 </a:solidFill>
               </a:rPr>
-              <a:t>Operadores </a:t>
-            </a:r>
+              <a:t>Operadores básicos</a:t>
+            </a:r>
+          </a:p>
+          <a:p>
+            <a:pPr lvl="1"/>
             <a:r>
               <a:rPr lang="pt-BR" sz="4500" dirty="0" smtClean="0">
                 <a:solidFill>
@@ -3859,7 +3839,7 @@
                   </a:schemeClr>
                 </a:solidFill>
               </a:rPr>
-              <a:t>básicos</a:t>
+              <a:t>Operadores condicionais</a:t>
             </a:r>
           </a:p>
           <a:p>
@@ -3873,32 +3853,7 @@
                   </a:schemeClr>
                 </a:solidFill>
               </a:rPr>
-              <a:t>Operadores condicionais</a:t>
-            </a:r>
-          </a:p>
-          <a:p>
-            <a:pPr lvl="1"/>
-            <a:r>
-              <a:rPr lang="pt-BR" sz="4500" dirty="0" smtClean="0">
-                <a:solidFill>
-                  <a:schemeClr val="tx1">
-                    <a:lumMod val="50000"/>
-                    <a:lumOff val="50000"/>
-                  </a:schemeClr>
-                </a:solidFill>
-              </a:rPr>
-              <a:t>Laços de </a:t>
-            </a:r>
-            <a:r>
-              <a:rPr lang="pt-BR" sz="4500" dirty="0" smtClean="0">
-                <a:solidFill>
-                  <a:schemeClr val="tx1">
-                    <a:lumMod val="50000"/>
-                    <a:lumOff val="50000"/>
-                  </a:schemeClr>
-                </a:solidFill>
-              </a:rPr>
-              <a:t>repetição</a:t>
+              <a:t>Laços de repetição</a:t>
             </a:r>
             <a:endParaRPr lang="pt-BR" dirty="0"/>
           </a:p>
@@ -6351,8 +6306,11 @@
                   </a:schemeClr>
                 </a:solidFill>
               </a:rPr>
-              <a:t>Operadores </a:t>
-            </a:r>
+              <a:t>Operadores básicos</a:t>
+            </a:r>
+          </a:p>
+          <a:p>
+            <a:pPr lvl="1"/>
             <a:r>
               <a:rPr lang="pt-BR" sz="4500" dirty="0" smtClean="0">
                 <a:solidFill>
@@ -6362,7 +6320,7 @@
                   </a:schemeClr>
                 </a:solidFill>
               </a:rPr>
-              <a:t>básicos</a:t>
+              <a:t>Operadores condicionais</a:t>
             </a:r>
           </a:p>
           <a:p>
@@ -6376,32 +6334,7 @@
                   </a:schemeClr>
                 </a:solidFill>
               </a:rPr>
-              <a:t>Operadores condicionais</a:t>
-            </a:r>
-          </a:p>
-          <a:p>
-            <a:pPr lvl="1"/>
-            <a:r>
-              <a:rPr lang="pt-BR" sz="4500" dirty="0" smtClean="0">
-                <a:solidFill>
-                  <a:schemeClr val="tx1">
-                    <a:lumMod val="50000"/>
-                    <a:lumOff val="50000"/>
-                  </a:schemeClr>
-                </a:solidFill>
-              </a:rPr>
-              <a:t>Laços de </a:t>
-            </a:r>
-            <a:r>
-              <a:rPr lang="pt-BR" sz="4500" dirty="0" smtClean="0">
-                <a:solidFill>
-                  <a:schemeClr val="tx1">
-                    <a:lumMod val="50000"/>
-                    <a:lumOff val="50000"/>
-                  </a:schemeClr>
-                </a:solidFill>
-              </a:rPr>
-              <a:t>repetição</a:t>
+              <a:t>Laços de repetição</a:t>
             </a:r>
             <a:endParaRPr lang="pt-BR" dirty="0"/>
           </a:p>
@@ -6497,11 +6430,7 @@
           <a:p>
             <a:r>
               <a:rPr lang="pt-BR" sz="3200" dirty="0" smtClean="0"/>
-              <a:t>Possui outras facilidades, como atribuição </a:t>
-            </a:r>
-            <a:r>
-              <a:rPr lang="pt-BR" sz="3200" dirty="0" smtClean="0"/>
-              <a:t>múltipla</a:t>
+              <a:t>Possui outras facilidades, como atribuição múltipla</a:t>
             </a:r>
             <a:endParaRPr lang="pt-BR" sz="3200" dirty="0"/>
           </a:p>
@@ -6511,7 +6440,6 @@
               <a:rPr lang="pt-BR" sz="2800" dirty="0" smtClean="0"/>
               <a:t>a, b, c, d = 10, 20, 30, 10</a:t>
             </a:r>
-            <a:endParaRPr lang="pt-BR" sz="2800" dirty="0" smtClean="0"/>
           </a:p>
         </p:txBody>
       </p:sp>
@@ -6650,11 +6578,7 @@
             <a:pPr lvl="1"/>
             <a:r>
               <a:rPr lang="pt-BR" sz="3600" dirty="0" smtClean="0"/>
-              <a:t>Operadores </a:t>
-            </a:r>
-            <a:r>
-              <a:rPr lang="pt-BR" sz="3600" dirty="0" smtClean="0"/>
-              <a:t>básicos</a:t>
+              <a:t>Operadores básicos</a:t>
             </a:r>
           </a:p>
           <a:p>
@@ -6668,11 +6592,7 @@
             <a:pPr lvl="1"/>
             <a:r>
               <a:rPr lang="pt-BR" sz="3600" dirty="0" smtClean="0"/>
-              <a:t>Laços de </a:t>
-            </a:r>
-            <a:r>
-              <a:rPr lang="pt-BR" sz="3600" dirty="0" smtClean="0"/>
-              <a:t>repetição</a:t>
+              <a:t>Laços de repetição</a:t>
             </a:r>
             <a:endParaRPr lang="pt-BR" sz="1800" dirty="0"/>
           </a:p>
@@ -7073,7 +6993,7 @@
         </p:spPr>
         <p:txBody>
           <a:bodyPr>
-            <a:normAutofit fontScale="77500" lnSpcReduction="20000"/>
+            <a:normAutofit/>
           </a:bodyPr>
           <a:lstStyle/>
           <a:p>
@@ -7097,23 +7017,23 @@
             </a:pPr>
             <a:r>
               <a:rPr lang="pt-BR" dirty="0" err="1" smtClean="0"/>
-              <a:t>ceil</a:t>
-            </a:r>
-            <a:r>
-              <a:rPr lang="pt-BR" dirty="0" smtClean="0"/>
-              <a:t>(x) </a:t>
-            </a:r>
-            <a:r>
-              <a:rPr lang="pt-BR" dirty="0"/>
-              <a:t>– </a:t>
-            </a:r>
-            <a:r>
-              <a:rPr lang="pt-BR" dirty="0" smtClean="0"/>
-              <a:t>arredondamento para cima </a:t>
-            </a:r>
-            <a:r>
-              <a:rPr lang="pt-BR" dirty="0"/>
-              <a:t>x</a:t>
+              <a:t>max</a:t>
+            </a:r>
+            <a:r>
+              <a:rPr lang="pt-BR" dirty="0" smtClean="0"/>
+              <a:t>(x1</a:t>
+            </a:r>
+            <a:r>
+              <a:rPr lang="pt-BR" dirty="0" smtClean="0"/>
+              <a:t>, x2, ..., </a:t>
+            </a:r>
+            <a:r>
+              <a:rPr lang="pt-BR" dirty="0" err="1" smtClean="0"/>
+              <a:t>xn</a:t>
+            </a:r>
+            <a:r>
+              <a:rPr lang="pt-BR" dirty="0" smtClean="0"/>
+              <a:t>) – máximo elemento da lista</a:t>
             </a:r>
           </a:p>
           <a:p>
@@ -7122,30 +7042,17 @@
               <a:buAutoNum type="arabicPeriod"/>
             </a:pPr>
             <a:r>
+              <a:rPr lang="pt-BR" dirty="0" smtClean="0"/>
+              <a:t>min(x1, x2, ..., </a:t>
+            </a:r>
+            <a:r>
               <a:rPr lang="pt-BR" dirty="0" err="1" smtClean="0"/>
-              <a:t>cmp</a:t>
-            </a:r>
-            <a:r>
-              <a:rPr lang="pt-BR" dirty="0" smtClean="0"/>
-              <a:t>(</a:t>
-            </a:r>
-            <a:r>
-              <a:rPr lang="pt-BR" dirty="0" err="1" smtClean="0"/>
-              <a:t>x,y</a:t>
-            </a:r>
-            <a:r>
-              <a:rPr lang="pt-BR" dirty="0" smtClean="0"/>
-              <a:t>) </a:t>
-            </a:r>
-            <a:r>
-              <a:rPr lang="pt-BR" dirty="0"/>
-              <a:t>– </a:t>
-            </a:r>
-            <a:r>
-              <a:rPr lang="pt-BR" dirty="0" smtClean="0"/>
-              <a:t>-1 se x &lt; y, 0 se x == y, e 1 se x &gt; y</a:t>
-            </a:r>
-            <a:endParaRPr lang="pt-BR" dirty="0"/>
+              <a:t>xn</a:t>
+            </a:r>
+            <a:r>
+              <a:rPr lang="pt-BR" dirty="0" smtClean="0"/>
+              <a:t>) – mínimo elemento da lista</a:t>
+            </a:r>
           </a:p>
           <a:p>
             <a:pPr marL="514350" indent="-514350">
@@ -7154,23 +7061,11 @@
             </a:pPr>
             <a:r>
               <a:rPr lang="pt-BR" dirty="0" err="1" smtClean="0"/>
-              <a:t>exp</a:t>
-            </a:r>
-            <a:r>
-              <a:rPr lang="pt-BR" dirty="0" smtClean="0"/>
-              <a:t>(x</a:t>
-            </a:r>
-            <a:r>
-              <a:rPr lang="pt-BR" dirty="0"/>
-              <a:t>) – </a:t>
-            </a:r>
-            <a:r>
-              <a:rPr lang="pt-BR" dirty="0" smtClean="0"/>
-              <a:t>exponencial </a:t>
-            </a:r>
-            <a:r>
-              <a:rPr lang="pt-BR" dirty="0"/>
-              <a:t>de x</a:t>
+              <a:t>pow</a:t>
+            </a:r>
+            <a:r>
+              <a:rPr lang="pt-BR" dirty="0" smtClean="0"/>
+              <a:t>(x, y) – o mesmo que x**y</a:t>
             </a:r>
           </a:p>
           <a:p>
@@ -7179,135 +7074,18 @@
               <a:buAutoNum type="arabicPeriod"/>
             </a:pPr>
             <a:r>
-              <a:rPr lang="pt-BR" dirty="0" err="1" smtClean="0"/>
-              <a:t>floor</a:t>
-            </a:r>
-            <a:r>
-              <a:rPr lang="pt-BR" dirty="0" smtClean="0"/>
-              <a:t>(x</a:t>
-            </a:r>
-            <a:r>
-              <a:rPr lang="pt-BR" dirty="0"/>
-              <a:t>) – </a:t>
-            </a:r>
-            <a:r>
-              <a:rPr lang="pt-BR" dirty="0" smtClean="0"/>
-              <a:t>truncamento de </a:t>
-            </a:r>
-            <a:r>
-              <a:rPr lang="pt-BR" dirty="0"/>
-              <a:t>x</a:t>
-            </a:r>
-          </a:p>
-          <a:p>
-            <a:pPr marL="514350" indent="-514350">
-              <a:buFont typeface="+mj-lt"/>
-              <a:buAutoNum type="arabicPeriod"/>
-            </a:pPr>
-            <a:r>
-              <a:rPr lang="pt-BR" dirty="0" smtClean="0"/>
-              <a:t>log(x</a:t>
-            </a:r>
-            <a:r>
-              <a:rPr lang="pt-BR" dirty="0"/>
-              <a:t>) – </a:t>
-            </a:r>
-            <a:r>
-              <a:rPr lang="pt-BR" dirty="0" smtClean="0"/>
-              <a:t>logaritmo natural de </a:t>
-            </a:r>
-            <a:r>
-              <a:rPr lang="pt-BR" dirty="0"/>
-              <a:t>x</a:t>
-            </a:r>
-          </a:p>
-          <a:p>
-            <a:pPr marL="514350" indent="-514350">
-              <a:buFont typeface="+mj-lt"/>
-              <a:buAutoNum type="arabicPeriod"/>
-            </a:pPr>
-            <a:r>
-              <a:rPr lang="pt-BR" dirty="0" smtClean="0"/>
-              <a:t>log10(x) – logaritmo na base 10 de x</a:t>
-            </a:r>
-          </a:p>
-          <a:p>
-            <a:pPr marL="514350" indent="-514350">
-              <a:buFont typeface="+mj-lt"/>
-              <a:buAutoNum type="arabicPeriod"/>
-            </a:pPr>
-            <a:r>
-              <a:rPr lang="pt-BR" dirty="0" err="1" smtClean="0"/>
-              <a:t>max</a:t>
-            </a:r>
-            <a:r>
-              <a:rPr lang="pt-BR" dirty="0" smtClean="0"/>
-              <a:t>(x1, x2, ..., </a:t>
-            </a:r>
-            <a:r>
-              <a:rPr lang="pt-BR" dirty="0" err="1" smtClean="0"/>
-              <a:t>xn</a:t>
-            </a:r>
-            <a:r>
-              <a:rPr lang="pt-BR" dirty="0" smtClean="0"/>
-              <a:t>) – máximo elemento da lista</a:t>
-            </a:r>
-          </a:p>
-          <a:p>
-            <a:pPr marL="514350" indent="-514350">
-              <a:buFont typeface="+mj-lt"/>
-              <a:buAutoNum type="arabicPeriod"/>
-            </a:pPr>
-            <a:r>
-              <a:rPr lang="pt-BR" dirty="0" smtClean="0"/>
-              <a:t>min(x1, x2, ..., </a:t>
-            </a:r>
-            <a:r>
-              <a:rPr lang="pt-BR" dirty="0" err="1" smtClean="0"/>
-              <a:t>xn</a:t>
-            </a:r>
-            <a:r>
-              <a:rPr lang="pt-BR" dirty="0" smtClean="0"/>
-              <a:t>) – mínimo elemento da lista</a:t>
-            </a:r>
-          </a:p>
-          <a:p>
-            <a:pPr marL="514350" indent="-514350">
-              <a:buFont typeface="+mj-lt"/>
-              <a:buAutoNum type="arabicPeriod"/>
-            </a:pPr>
-            <a:r>
-              <a:rPr lang="pt-BR" dirty="0" err="1" smtClean="0"/>
-              <a:t>pow</a:t>
-            </a:r>
-            <a:r>
-              <a:rPr lang="pt-BR" dirty="0" smtClean="0"/>
-              <a:t>(x, y) – o mesmo que x**y</a:t>
-            </a:r>
-          </a:p>
-          <a:p>
-            <a:pPr marL="514350" indent="-514350">
-              <a:buFont typeface="+mj-lt"/>
-              <a:buAutoNum type="arabicPeriod"/>
-            </a:pPr>
-            <a:r>
-              <a:rPr lang="pt-BR" dirty="0" smtClean="0"/>
-              <a:t>round(x) – arredondamento de x</a:t>
-            </a:r>
-          </a:p>
-          <a:p>
-            <a:pPr marL="514350" indent="-514350">
-              <a:buFont typeface="+mj-lt"/>
-              <a:buAutoNum type="arabicPeriod"/>
-            </a:pPr>
-            <a:r>
-              <a:rPr lang="pt-BR" dirty="0" err="1" smtClean="0"/>
-              <a:t>sqrt</a:t>
-            </a:r>
-            <a:r>
-              <a:rPr lang="pt-BR" dirty="0" smtClean="0"/>
-              <a:t>(x) – raiz quadrada de x</a:t>
-            </a:r>
+              <a:rPr lang="pt-BR" dirty="0" smtClean="0"/>
+              <a:t>round(x, n) </a:t>
+            </a:r>
+            <a:r>
+              <a:rPr lang="pt-BR" dirty="0" smtClean="0"/>
+              <a:t>– arredondamento de </a:t>
+            </a:r>
+            <a:r>
+              <a:rPr lang="pt-BR" dirty="0" smtClean="0"/>
+              <a:t>x no n dígitos</a:t>
+            </a:r>
+            <a:endParaRPr lang="pt-BR" dirty="0" smtClean="0"/>
           </a:p>
         </p:txBody>
       </p:sp>
@@ -7365,7 +7143,15 @@
           <a:p>
             <a:r>
               <a:rPr lang="pt-BR" dirty="0" smtClean="0"/>
-              <a:t>Funções de números randômicos</a:t>
+              <a:t>Funções </a:t>
+            </a:r>
+            <a:r>
+              <a:rPr lang="pt-BR" dirty="0" smtClean="0"/>
+              <a:t>matemática biblioteca </a:t>
+            </a:r>
+            <a:r>
+              <a:rPr lang="pt-BR" dirty="0" err="1" smtClean="0"/>
+              <a:t>math</a:t>
             </a:r>
             <a:endParaRPr lang="pt-BR" dirty="0"/>
           </a:p>
@@ -7399,25 +7185,20 @@
             </a:pPr>
             <a:r>
               <a:rPr lang="pt-BR" dirty="0" err="1" smtClean="0"/>
-              <a:t>choice</a:t>
-            </a:r>
-            <a:r>
-              <a:rPr lang="pt-BR" dirty="0" smtClean="0"/>
-              <a:t>(sequencia) – escolhe um elemento da sequencia, pode ser lista, </a:t>
-            </a:r>
-            <a:r>
-              <a:rPr lang="pt-BR" dirty="0" err="1" smtClean="0"/>
-              <a:t>tupla</a:t>
-            </a:r>
-            <a:r>
-              <a:rPr lang="pt-BR" dirty="0" smtClean="0"/>
-              <a:t>, ou </a:t>
-            </a:r>
-            <a:r>
-              <a:rPr lang="pt-BR" dirty="0" err="1" smtClean="0"/>
-              <a:t>string</a:t>
-            </a:r>
-            <a:endParaRPr lang="pt-BR" dirty="0" smtClean="0"/>
+              <a:t>math.sqrt</a:t>
+            </a:r>
+            <a:r>
+              <a:rPr lang="pt-BR" dirty="0" smtClean="0"/>
+              <a:t>(x</a:t>
+            </a:r>
+            <a:r>
+              <a:rPr lang="pt-BR" dirty="0" smtClean="0"/>
+              <a:t>) – raiz quadrada de </a:t>
+            </a:r>
+            <a:r>
+              <a:rPr lang="pt-BR" dirty="0" smtClean="0"/>
+              <a:t>x</a:t>
+            </a:r>
           </a:p>
           <a:p>
             <a:pPr marL="514350" indent="-514350">
@@ -7425,26 +7206,13 @@
               <a:buAutoNum type="arabicPeriod"/>
             </a:pPr>
             <a:r>
-              <a:rPr lang="pt-BR" dirty="0" err="1" smtClean="0"/>
-              <a:t>randrange</a:t>
-            </a:r>
-            <a:r>
-              <a:rPr lang="pt-BR" dirty="0" smtClean="0"/>
-              <a:t>(start, stop, </a:t>
-            </a:r>
-            <a:r>
-              <a:rPr lang="pt-BR" dirty="0" err="1" smtClean="0"/>
-              <a:t>step</a:t>
-            </a:r>
-            <a:r>
-              <a:rPr lang="pt-BR" dirty="0" smtClean="0"/>
-              <a:t>) – escolhe um número do intervalo definido start  até stop, com diferença de </a:t>
-            </a:r>
-            <a:r>
-              <a:rPr lang="pt-BR" dirty="0" err="1" smtClean="0"/>
-              <a:t>step</a:t>
-            </a:r>
-            <a:endParaRPr lang="pt-BR" dirty="0" smtClean="0"/>
+              <a:rPr lang="pt-BR" dirty="0" err="1"/>
+              <a:t>math.ceil</a:t>
+            </a:r>
+            <a:r>
+              <a:rPr lang="pt-BR" dirty="0"/>
+              <a:t>(x) – arredondamento para cima x</a:t>
+            </a:r>
           </a:p>
           <a:p>
             <a:pPr marL="514350" indent="-514350">
@@ -7452,20 +7220,12 @@
               <a:buAutoNum type="arabicPeriod"/>
             </a:pPr>
             <a:r>
-              <a:rPr lang="pt-BR" dirty="0" err="1" smtClean="0"/>
-              <a:t>random</a:t>
-            </a:r>
-            <a:r>
-              <a:rPr lang="pt-BR" dirty="0" smtClean="0"/>
-              <a:t>() – retorna um </a:t>
-            </a:r>
-            <a:r>
-              <a:rPr lang="pt-BR" dirty="0" err="1" smtClean="0"/>
-              <a:t>float</a:t>
-            </a:r>
-            <a:r>
-              <a:rPr lang="pt-BR" dirty="0" smtClean="0"/>
-              <a:t> randômico entre 0 – 1</a:t>
+              <a:rPr lang="pt-BR" dirty="0" err="1"/>
+              <a:t>math.exp</a:t>
+            </a:r>
+            <a:r>
+              <a:rPr lang="pt-BR" dirty="0"/>
+              <a:t>(x) – exponencial de x</a:t>
             </a:r>
           </a:p>
           <a:p>
@@ -7474,13 +7234,91 @@
               <a:buAutoNum type="arabicPeriod"/>
             </a:pPr>
             <a:r>
+              <a:rPr lang="pt-BR" dirty="0" err="1"/>
+              <a:t>math.floor</a:t>
+            </a:r>
+            <a:r>
+              <a:rPr lang="pt-BR" dirty="0"/>
+              <a:t>(x) – truncamento de x</a:t>
+            </a:r>
+          </a:p>
+          <a:p>
+            <a:pPr marL="514350" indent="-514350">
+              <a:buFont typeface="+mj-lt"/>
+              <a:buAutoNum type="arabicPeriod"/>
+            </a:pPr>
+            <a:r>
+              <a:rPr lang="pt-BR" dirty="0"/>
+              <a:t>math.log(x) – logaritmo natural de x</a:t>
+            </a:r>
+          </a:p>
+          <a:p>
+            <a:pPr marL="514350" indent="-514350">
+              <a:buFont typeface="+mj-lt"/>
+              <a:buAutoNum type="arabicPeriod"/>
+            </a:pPr>
+            <a:r>
+              <a:rPr lang="pt-BR" dirty="0"/>
+              <a:t>math.log10(x) – logaritmo na base 10 de </a:t>
+            </a:r>
+            <a:r>
+              <a:rPr lang="pt-BR" dirty="0" smtClean="0"/>
+              <a:t>x</a:t>
+            </a:r>
+          </a:p>
+          <a:p>
+            <a:pPr marL="514350" indent="-514350">
+              <a:buFont typeface="+mj-lt"/>
+              <a:buAutoNum type="arabicPeriod"/>
+            </a:pPr>
+            <a:r>
+              <a:rPr lang="pt-BR" dirty="0" smtClean="0"/>
+              <a:t>Trigonométricas</a:t>
+            </a:r>
+          </a:p>
+          <a:p>
+            <a:pPr marL="971550" lvl="1" indent="-514350">
+              <a:buFont typeface="+mj-lt"/>
+              <a:buAutoNum type="arabicPeriod"/>
+            </a:pPr>
+            <a:r>
               <a:rPr lang="pt-BR" dirty="0" err="1" smtClean="0"/>
-              <a:t>seed</a:t>
-            </a:r>
-            <a:r>
-              <a:rPr lang="pt-BR" smtClean="0"/>
-              <a:t>() - </a:t>
-            </a:r>
+              <a:t>math.sin</a:t>
+            </a:r>
+            <a:r>
+              <a:rPr lang="pt-BR" dirty="0" smtClean="0"/>
+              <a:t>(x), </a:t>
+            </a:r>
+            <a:r>
+              <a:rPr lang="pt-BR" dirty="0" err="1" smtClean="0"/>
+              <a:t>math.cos</a:t>
+            </a:r>
+            <a:r>
+              <a:rPr lang="pt-BR" dirty="0" smtClean="0"/>
+              <a:t>(x), </a:t>
+            </a:r>
+            <a:r>
+              <a:rPr lang="pt-BR" dirty="0" err="1" smtClean="0"/>
+              <a:t>math.tan</a:t>
+            </a:r>
+            <a:r>
+              <a:rPr lang="pt-BR" dirty="0" smtClean="0"/>
+              <a:t>(x) </a:t>
+            </a:r>
+            <a:r>
+              <a:rPr lang="pt-BR" dirty="0" err="1" smtClean="0"/>
+              <a:t>etc</a:t>
+            </a:r>
+            <a:r>
+              <a:rPr lang="pt-BR" dirty="0" smtClean="0"/>
+              <a:t> – x em radianos</a:t>
+            </a:r>
+            <a:endParaRPr lang="pt-BR" dirty="0"/>
+          </a:p>
+          <a:p>
+            <a:pPr marL="0" indent="0">
+              <a:buNone/>
+            </a:pPr>
             <a:endParaRPr lang="pt-BR" dirty="0" smtClean="0"/>
           </a:p>
         </p:txBody>
@@ -7488,7 +7326,7 @@
     </p:spTree>
     <p:extLst>
       <p:ext uri="{BB962C8B-B14F-4D97-AF65-F5344CB8AC3E}">
-        <p14:creationId xmlns:p14="http://schemas.microsoft.com/office/powerpoint/2010/main" val="3272887721"/>
+        <p14:creationId xmlns:p14="http://schemas.microsoft.com/office/powerpoint/2010/main" val="245491752"/>
       </p:ext>
     </p:extLst>
   </p:cSld>
@@ -7539,7 +7377,7 @@
           <a:p>
             <a:r>
               <a:rPr lang="pt-BR" dirty="0" smtClean="0"/>
-              <a:t>Exercício</a:t>
+              <a:t>Funções de números randômicos</a:t>
             </a:r>
             <a:endParaRPr lang="pt-BR" dirty="0"/>
           </a:p>
@@ -7563,13 +7401,127 @@
         </p:spPr>
         <p:txBody>
           <a:bodyPr>
-            <a:normAutofit/>
+            <a:normAutofit fontScale="92500" lnSpcReduction="10000"/>
           </a:bodyPr>
           <a:lstStyle/>
           <a:p>
-            <a:r>
-              <a:rPr lang="pt-BR" dirty="0" smtClean="0"/>
-              <a:t>Testar 5 funções matemáticas com os diferentes tipos apresentados</a:t>
+            <a:pPr marL="514350" indent="-514350">
+              <a:buFont typeface="+mj-lt"/>
+              <a:buAutoNum type="arabicPeriod"/>
+            </a:pPr>
+            <a:r>
+              <a:rPr lang="pt-BR" dirty="0" err="1" smtClean="0"/>
+              <a:t>random.choice</a:t>
+            </a:r>
+            <a:r>
+              <a:rPr lang="pt-BR" dirty="0" smtClean="0"/>
+              <a:t>(sequencia</a:t>
+            </a:r>
+            <a:r>
+              <a:rPr lang="pt-BR" dirty="0" smtClean="0"/>
+              <a:t>) – escolhe um elemento da sequencia, pode ser lista, </a:t>
+            </a:r>
+            <a:r>
+              <a:rPr lang="pt-BR" dirty="0" err="1" smtClean="0"/>
+              <a:t>tupla</a:t>
+            </a:r>
+            <a:r>
+              <a:rPr lang="pt-BR" dirty="0" smtClean="0"/>
+              <a:t>, ou </a:t>
+            </a:r>
+            <a:r>
+              <a:rPr lang="pt-BR" dirty="0" err="1" smtClean="0"/>
+              <a:t>string</a:t>
+            </a:r>
+            <a:endParaRPr lang="pt-BR" dirty="0" smtClean="0"/>
+          </a:p>
+          <a:p>
+            <a:pPr marL="514350" indent="-514350">
+              <a:buFont typeface="+mj-lt"/>
+              <a:buAutoNum type="arabicPeriod"/>
+            </a:pPr>
+            <a:r>
+              <a:rPr lang="pt-BR" dirty="0" err="1" smtClean="0"/>
+              <a:t>random.randrange</a:t>
+            </a:r>
+            <a:r>
+              <a:rPr lang="pt-BR" dirty="0" smtClean="0"/>
+              <a:t>(start</a:t>
+            </a:r>
+            <a:r>
+              <a:rPr lang="pt-BR" dirty="0" smtClean="0"/>
+              <a:t>, stop, </a:t>
+            </a:r>
+            <a:r>
+              <a:rPr lang="pt-BR" dirty="0" err="1" smtClean="0"/>
+              <a:t>step</a:t>
+            </a:r>
+            <a:r>
+              <a:rPr lang="pt-BR" dirty="0" smtClean="0"/>
+              <a:t>) – escolhe um número do intervalo definido start  até stop, com diferença de </a:t>
+            </a:r>
+            <a:r>
+              <a:rPr lang="pt-BR" dirty="0" err="1" smtClean="0"/>
+              <a:t>step</a:t>
+            </a:r>
+            <a:endParaRPr lang="pt-BR" dirty="0" smtClean="0"/>
+          </a:p>
+          <a:p>
+            <a:pPr marL="514350" indent="-514350">
+              <a:buFont typeface="+mj-lt"/>
+              <a:buAutoNum type="arabicPeriod"/>
+            </a:pPr>
+            <a:r>
+              <a:rPr lang="pt-BR" dirty="0" err="1" smtClean="0"/>
+              <a:t>random.random</a:t>
+            </a:r>
+            <a:r>
+              <a:rPr lang="pt-BR" dirty="0" smtClean="0"/>
+              <a:t>() – retorna um </a:t>
+            </a:r>
+            <a:r>
+              <a:rPr lang="pt-BR" dirty="0" err="1" smtClean="0"/>
+              <a:t>float</a:t>
+            </a:r>
+            <a:r>
+              <a:rPr lang="pt-BR" dirty="0" smtClean="0"/>
+              <a:t> randômico entre 0 – </a:t>
+            </a:r>
+            <a:r>
+              <a:rPr lang="pt-BR" dirty="0" smtClean="0"/>
+              <a:t>1</a:t>
+            </a:r>
+          </a:p>
+          <a:p>
+            <a:pPr marL="514350" indent="-514350">
+              <a:buFont typeface="+mj-lt"/>
+              <a:buAutoNum type="arabicPeriod"/>
+            </a:pPr>
+            <a:r>
+              <a:rPr lang="pt-BR" dirty="0" err="1" smtClean="0"/>
+              <a:t>random.uniform</a:t>
+            </a:r>
+            <a:r>
+              <a:rPr lang="pt-BR" dirty="0" smtClean="0"/>
+              <a:t>(start, stop) – escolhe um intervalo definido de start até stop</a:t>
+            </a:r>
+          </a:p>
+          <a:p>
+            <a:pPr marL="514350" indent="-514350">
+              <a:buFont typeface="+mj-lt"/>
+              <a:buAutoNum type="arabicPeriod"/>
+            </a:pPr>
+            <a:r>
+              <a:rPr lang="pt-BR" dirty="0" err="1" smtClean="0"/>
+              <a:t>random</a:t>
+            </a:r>
+            <a:r>
+              <a:rPr lang="pt-BR" dirty="0" err="1" smtClean="0"/>
+              <a:t>.shuffle</a:t>
+            </a:r>
+            <a:r>
+              <a:rPr lang="pt-BR" dirty="0" smtClean="0"/>
+              <a:t>(sequencia) – embaralha uma sequencia</a:t>
             </a:r>
             <a:endParaRPr lang="pt-BR" dirty="0" smtClean="0"/>
           </a:p>
@@ -7578,7 +7530,7 @@
     </p:spTree>
     <p:extLst>
       <p:ext uri="{BB962C8B-B14F-4D97-AF65-F5344CB8AC3E}">
-        <p14:creationId xmlns:p14="http://schemas.microsoft.com/office/powerpoint/2010/main" val="393921586"/>
+        <p14:creationId xmlns:p14="http://schemas.microsoft.com/office/powerpoint/2010/main" val="3272887721"/>
       </p:ext>
     </p:extLst>
   </p:cSld>
@@ -7629,7 +7581,7 @@
           <a:p>
             <a:r>
               <a:rPr lang="pt-BR" dirty="0" smtClean="0"/>
-              <a:t>Cronograma</a:t>
+              <a:t>Exercício</a:t>
             </a:r>
             <a:endParaRPr lang="pt-BR" dirty="0"/>
           </a:p>
@@ -7647,177 +7599,27 @@
         </p:nvSpPr>
         <p:spPr>
           <a:xfrm>
-            <a:off x="628650" y="1418897"/>
-            <a:ext cx="7886700" cy="5087006"/>
+            <a:off x="628650" y="1690689"/>
+            <a:ext cx="7886700" cy="4486274"/>
           </a:xfrm>
         </p:spPr>
         <p:txBody>
           <a:bodyPr>
-            <a:normAutofit fontScale="92500" lnSpcReduction="20000"/>
+            <a:normAutofit/>
           </a:bodyPr>
           <a:lstStyle/>
           <a:p>
             <a:r>
-              <a:rPr lang="pt-BR" sz="4500" dirty="0" smtClean="0"/>
-              <a:t>Parte I:</a:t>
-            </a:r>
-          </a:p>
-          <a:p>
-            <a:pPr lvl="1"/>
-            <a:r>
-              <a:rPr lang="pt-BR" sz="4500" dirty="0" smtClean="0">
-                <a:solidFill>
-                  <a:schemeClr val="tx1">
-                    <a:lumMod val="50000"/>
-                    <a:lumOff val="50000"/>
-                  </a:schemeClr>
-                </a:solidFill>
-              </a:rPr>
-              <a:t>Introdução</a:t>
-            </a:r>
-          </a:p>
-          <a:p>
-            <a:pPr lvl="1"/>
-            <a:r>
-              <a:rPr lang="pt-BR" sz="4500" dirty="0" smtClean="0">
-                <a:solidFill>
-                  <a:schemeClr val="tx1">
-                    <a:lumMod val="50000"/>
-                    <a:lumOff val="50000"/>
-                  </a:schemeClr>
-                </a:solidFill>
-              </a:rPr>
-              <a:t>Visão geral</a:t>
-            </a:r>
-          </a:p>
-          <a:p>
-            <a:pPr lvl="1"/>
-            <a:r>
-              <a:rPr lang="pt-BR" sz="4500" dirty="0" smtClean="0">
-                <a:solidFill>
-                  <a:schemeClr val="tx1">
-                    <a:lumMod val="50000"/>
-                    <a:lumOff val="50000"/>
-                  </a:schemeClr>
-                </a:solidFill>
-              </a:rPr>
-              <a:t>Configuração do ambiente</a:t>
-            </a:r>
-          </a:p>
-          <a:p>
-            <a:pPr lvl="1"/>
-            <a:r>
-              <a:rPr lang="pt-BR" sz="4500" dirty="0" smtClean="0">
-                <a:solidFill>
-                  <a:schemeClr val="tx1">
-                    <a:lumMod val="50000"/>
-                    <a:lumOff val="50000"/>
-                  </a:schemeClr>
-                </a:solidFill>
-              </a:rPr>
-              <a:t>Sintaxe </a:t>
-            </a:r>
-            <a:r>
-              <a:rPr lang="pt-BR" sz="4500" dirty="0">
-                <a:solidFill>
-                  <a:schemeClr val="tx1">
-                    <a:lumMod val="50000"/>
-                    <a:lumOff val="50000"/>
-                  </a:schemeClr>
-                </a:solidFill>
-              </a:rPr>
-              <a:t>básica</a:t>
-            </a:r>
-          </a:p>
-          <a:p>
-            <a:pPr lvl="1"/>
-            <a:r>
-              <a:rPr lang="pt-BR" sz="4500" dirty="0">
-                <a:solidFill>
-                  <a:schemeClr val="tx1">
-                    <a:lumMod val="50000"/>
-                    <a:lumOff val="50000"/>
-                  </a:schemeClr>
-                </a:solidFill>
-              </a:rPr>
-              <a:t>Tipos de </a:t>
-            </a:r>
-            <a:r>
-              <a:rPr lang="pt-BR" sz="4500" dirty="0" smtClean="0">
-                <a:solidFill>
-                  <a:schemeClr val="tx1">
-                    <a:lumMod val="50000"/>
-                    <a:lumOff val="50000"/>
-                  </a:schemeClr>
-                </a:solidFill>
-              </a:rPr>
-              <a:t>variáveis</a:t>
-            </a:r>
-          </a:p>
-          <a:p>
-            <a:pPr lvl="1"/>
-            <a:r>
-              <a:rPr lang="pt-BR" sz="4500" dirty="0" smtClean="0"/>
-              <a:t>Operadores básicos</a:t>
-            </a:r>
-          </a:p>
-          <a:p>
-            <a:pPr lvl="1"/>
-            <a:r>
-              <a:rPr lang="pt-BR" sz="4500" dirty="0" smtClean="0">
-                <a:solidFill>
-                  <a:schemeClr val="tx1">
-                    <a:lumMod val="50000"/>
-                    <a:lumOff val="50000"/>
-                  </a:schemeClr>
-                </a:solidFill>
-              </a:rPr>
-              <a:t>Operadores </a:t>
-            </a:r>
-            <a:r>
-              <a:rPr lang="pt-BR" sz="4500" dirty="0" smtClean="0">
-                <a:solidFill>
-                  <a:schemeClr val="tx1">
-                    <a:lumMod val="50000"/>
-                    <a:lumOff val="50000"/>
-                  </a:schemeClr>
-                </a:solidFill>
-              </a:rPr>
-              <a:t>condicionais</a:t>
-            </a:r>
-          </a:p>
-          <a:p>
-            <a:pPr lvl="1"/>
-            <a:r>
-              <a:rPr lang="pt-BR" sz="4500" dirty="0" smtClean="0">
-                <a:solidFill>
-                  <a:schemeClr val="tx1">
-                    <a:lumMod val="50000"/>
-                    <a:lumOff val="50000"/>
-                  </a:schemeClr>
-                </a:solidFill>
-              </a:rPr>
-              <a:t>Laços de </a:t>
-            </a:r>
-            <a:r>
-              <a:rPr lang="pt-BR" sz="4500" dirty="0" smtClean="0">
-                <a:solidFill>
-                  <a:schemeClr val="tx1">
-                    <a:lumMod val="50000"/>
-                    <a:lumOff val="50000"/>
-                  </a:schemeClr>
-                </a:solidFill>
-              </a:rPr>
-              <a:t>repetição</a:t>
-            </a:r>
-            <a:endParaRPr lang="pt-BR" dirty="0"/>
+              <a:rPr lang="pt-BR" dirty="0" smtClean="0"/>
+              <a:t>Testar 5 funções matemáticas com os diferentes tipos apresentados</a:t>
+            </a:r>
           </a:p>
         </p:txBody>
       </p:sp>
     </p:spTree>
     <p:extLst>
       <p:ext uri="{BB962C8B-B14F-4D97-AF65-F5344CB8AC3E}">
-        <p14:creationId xmlns:p14="http://schemas.microsoft.com/office/powerpoint/2010/main" val="1834133648"/>
+        <p14:creationId xmlns:p14="http://schemas.microsoft.com/office/powerpoint/2010/main" val="393921586"/>
       </p:ext>
     </p:extLst>
   </p:cSld>
@@ -7867,6 +7669,1459 @@
           <a:lstStyle/>
           <a:p>
             <a:r>
+              <a:rPr lang="pt-BR" dirty="0" err="1" smtClean="0"/>
+              <a:t>Strings</a:t>
+            </a:r>
+            <a:endParaRPr lang="pt-BR" dirty="0"/>
+          </a:p>
+        </p:txBody>
+      </p:sp>
+      <p:sp>
+        <p:nvSpPr>
+          <p:cNvPr id="3" name="Espaço Reservado para Conteúdo 2"/>
+          <p:cNvSpPr>
+            <a:spLocks noGrp="1"/>
+          </p:cNvSpPr>
+          <p:nvPr>
+            <p:ph idx="1"/>
+          </p:nvPr>
+        </p:nvSpPr>
+        <p:spPr>
+          <a:xfrm>
+            <a:off x="628650" y="1690689"/>
+            <a:ext cx="7886700" cy="4486274"/>
+          </a:xfrm>
+        </p:spPr>
+        <p:txBody>
+          <a:bodyPr>
+            <a:normAutofit/>
+          </a:bodyPr>
+          <a:lstStyle/>
+          <a:p>
+            <a:r>
+              <a:rPr lang="pt-BR" dirty="0" smtClean="0"/>
+              <a:t>Uma </a:t>
+            </a:r>
+            <a:r>
+              <a:rPr lang="pt-BR" dirty="0" err="1" smtClean="0"/>
+              <a:t>string</a:t>
+            </a:r>
+            <a:r>
+              <a:rPr lang="pt-BR" dirty="0" smtClean="0"/>
+              <a:t> é um conjunto de caracteres</a:t>
+            </a:r>
+          </a:p>
+          <a:p>
+            <a:pPr lvl="1"/>
+            <a:r>
+              <a:rPr lang="pt-BR" dirty="0" smtClean="0"/>
+              <a:t>var1 = “</a:t>
+            </a:r>
+            <a:r>
+              <a:rPr lang="pt-BR" dirty="0" err="1" smtClean="0"/>
+              <a:t>Hello</a:t>
+            </a:r>
+            <a:r>
+              <a:rPr lang="pt-BR" dirty="0" smtClean="0"/>
+              <a:t> world!”</a:t>
+            </a:r>
+          </a:p>
+          <a:p>
+            <a:pPr lvl="1"/>
+            <a:r>
+              <a:rPr lang="pt-BR" dirty="0" smtClean="0"/>
+              <a:t>var2 = “Esse e o minicurso de </a:t>
+            </a:r>
+            <a:r>
+              <a:rPr lang="pt-BR" dirty="0"/>
+              <a:t>P</a:t>
+            </a:r>
+            <a:r>
+              <a:rPr lang="pt-BR" dirty="0" smtClean="0"/>
+              <a:t>ython”</a:t>
+            </a:r>
+          </a:p>
+          <a:p>
+            <a:r>
+              <a:rPr lang="pt-BR" dirty="0" err="1" smtClean="0"/>
+              <a:t>Strings</a:t>
+            </a:r>
+            <a:r>
+              <a:rPr lang="pt-BR" dirty="0" smtClean="0"/>
+              <a:t> são imutáveis em Python</a:t>
+            </a:r>
+          </a:p>
+          <a:p>
+            <a:r>
+              <a:rPr lang="pt-BR" dirty="0" err="1" smtClean="0"/>
+              <a:t>Princiapais</a:t>
+            </a:r>
+            <a:r>
+              <a:rPr lang="pt-BR" dirty="0" smtClean="0"/>
+              <a:t> operadores:</a:t>
+            </a:r>
+          </a:p>
+          <a:p>
+            <a:pPr lvl="1"/>
+            <a:r>
+              <a:rPr lang="pt-BR" dirty="0" smtClean="0"/>
+              <a:t>*, +, [], [:], %, {}</a:t>
+            </a:r>
+          </a:p>
+          <a:p>
+            <a:r>
+              <a:rPr lang="pt-BR" dirty="0" err="1" smtClean="0"/>
+              <a:t>Strings</a:t>
+            </a:r>
+            <a:r>
+              <a:rPr lang="pt-BR" dirty="0" smtClean="0"/>
+              <a:t> longas</a:t>
+            </a:r>
+          </a:p>
+          <a:p>
+            <a:pPr lvl="1"/>
+            <a:r>
+              <a:rPr lang="pt-BR" dirty="0" err="1" smtClean="0"/>
+              <a:t>string_longa</a:t>
+            </a:r>
+            <a:r>
+              <a:rPr lang="pt-BR" dirty="0" smtClean="0"/>
+              <a:t> =  “””essa e uma </a:t>
+            </a:r>
+            <a:r>
+              <a:rPr lang="pt-BR" dirty="0" err="1" smtClean="0"/>
+              <a:t>string</a:t>
+            </a:r>
+            <a:r>
+              <a:rPr lang="pt-BR" dirty="0" smtClean="0"/>
+              <a:t> longa que tem mais de uma linhas”””</a:t>
+            </a:r>
+          </a:p>
+        </p:txBody>
+      </p:sp>
+    </p:spTree>
+    <p:extLst>
+      <p:ext uri="{BB962C8B-B14F-4D97-AF65-F5344CB8AC3E}">
+        <p14:creationId xmlns:p14="http://schemas.microsoft.com/office/powerpoint/2010/main" val="3131867235"/>
+      </p:ext>
+    </p:extLst>
+  </p:cSld>
+  <p:clrMapOvr>
+    <a:masterClrMapping/>
+  </p:clrMapOvr>
+  <p:timing>
+    <p:tnLst>
+      <p:par>
+        <p:cTn id="1" dur="indefinite" restart="never" nodeType="tmRoot"/>
+      </p:par>
+    </p:tnLst>
+  </p:timing>
+</p:sld>
+</file>
+
+<file path=ppt/slides/slide27.xml><?xml version="1.0" encoding="utf-8"?>
+<p:sld xmlns:a="http://schemas.openxmlformats.org/drawingml/2006/main" xmlns:r="http://schemas.openxmlformats.org/officeDocument/2006/relationships" xmlns:p="http://schemas.openxmlformats.org/presentationml/2006/main">
+  <p:cSld>
+    <p:spTree>
+      <p:nvGrpSpPr>
+        <p:cNvPr id="1" name=""/>
+        <p:cNvGrpSpPr/>
+        <p:nvPr/>
+      </p:nvGrpSpPr>
+      <p:grpSpPr>
+        <a:xfrm>
+          <a:off x="0" y="0"/>
+          <a:ext cx="0" cy="0"/>
+          <a:chOff x="0" y="0"/>
+          <a:chExt cx="0" cy="0"/>
+        </a:xfrm>
+      </p:grpSpPr>
+      <p:sp>
+        <p:nvSpPr>
+          <p:cNvPr id="2" name="Título 1"/>
+          <p:cNvSpPr>
+            <a:spLocks noGrp="1"/>
+          </p:cNvSpPr>
+          <p:nvPr>
+            <p:ph type="title"/>
+          </p:nvPr>
+        </p:nvSpPr>
+        <p:spPr/>
+        <p:txBody>
+          <a:bodyPr/>
+          <a:lstStyle/>
+          <a:p>
+            <a:r>
+              <a:rPr lang="pt-BR" dirty="0" err="1" smtClean="0"/>
+              <a:t>Strings</a:t>
+            </a:r>
+            <a:endParaRPr lang="pt-BR" dirty="0"/>
+          </a:p>
+        </p:txBody>
+      </p:sp>
+      <p:sp>
+        <p:nvSpPr>
+          <p:cNvPr id="3" name="Espaço Reservado para Conteúdo 2"/>
+          <p:cNvSpPr>
+            <a:spLocks noGrp="1"/>
+          </p:cNvSpPr>
+          <p:nvPr>
+            <p:ph idx="1"/>
+          </p:nvPr>
+        </p:nvSpPr>
+        <p:spPr>
+          <a:xfrm>
+            <a:off x="628650" y="1690689"/>
+            <a:ext cx="7886700" cy="4486274"/>
+          </a:xfrm>
+        </p:spPr>
+        <p:txBody>
+          <a:bodyPr>
+            <a:normAutofit/>
+          </a:bodyPr>
+          <a:lstStyle/>
+          <a:p>
+            <a:r>
+              <a:rPr lang="pt-BR" dirty="0" smtClean="0"/>
+              <a:t>capitalize() – retorna uma cópia da </a:t>
+            </a:r>
+            <a:r>
+              <a:rPr lang="pt-BR" dirty="0" err="1" smtClean="0"/>
+              <a:t>string</a:t>
+            </a:r>
+            <a:r>
+              <a:rPr lang="pt-BR" dirty="0" smtClean="0"/>
+              <a:t> com a primeira letra em maiúsculo </a:t>
+            </a:r>
+          </a:p>
+          <a:p>
+            <a:r>
+              <a:rPr lang="pt-BR" dirty="0" err="1" smtClean="0"/>
+              <a:t>isnumeric</a:t>
+            </a:r>
+            <a:r>
+              <a:rPr lang="pt-BR" dirty="0" smtClean="0"/>
+              <a:t>() – retorna verdadeiro se toda a </a:t>
+            </a:r>
+            <a:r>
+              <a:rPr lang="pt-BR" dirty="0" err="1" smtClean="0"/>
+              <a:t>string</a:t>
+            </a:r>
+            <a:r>
+              <a:rPr lang="pt-BR" dirty="0" smtClean="0"/>
+              <a:t> é constituída de números</a:t>
+            </a:r>
+          </a:p>
+          <a:p>
+            <a:r>
+              <a:rPr lang="pt-BR" dirty="0" err="1" smtClean="0"/>
+              <a:t>len</a:t>
+            </a:r>
+            <a:r>
+              <a:rPr lang="pt-BR" dirty="0" smtClean="0"/>
+              <a:t>(</a:t>
+            </a:r>
+            <a:r>
+              <a:rPr lang="pt-BR" dirty="0" err="1" smtClean="0"/>
+              <a:t>string</a:t>
+            </a:r>
+            <a:r>
+              <a:rPr lang="pt-BR" dirty="0" smtClean="0"/>
+              <a:t>) – retorna o tamanho da </a:t>
+            </a:r>
+            <a:r>
+              <a:rPr lang="pt-BR" dirty="0" err="1" smtClean="0"/>
+              <a:t>string</a:t>
+            </a:r>
+            <a:endParaRPr lang="pt-BR" dirty="0" smtClean="0"/>
+          </a:p>
+          <a:p>
+            <a:r>
+              <a:rPr lang="pt-BR" dirty="0" err="1" smtClean="0"/>
+              <a:t>lower</a:t>
+            </a:r>
+            <a:r>
+              <a:rPr lang="pt-BR" dirty="0" smtClean="0"/>
+              <a:t>()/</a:t>
+            </a:r>
+            <a:r>
+              <a:rPr lang="pt-BR" dirty="0" err="1" smtClean="0"/>
+              <a:t>upper</a:t>
+            </a:r>
+            <a:r>
+              <a:rPr lang="pt-BR" dirty="0" smtClean="0"/>
+              <a:t>() – retorna uma cópia da </a:t>
+            </a:r>
+            <a:r>
+              <a:rPr lang="pt-BR" dirty="0" err="1" smtClean="0"/>
+              <a:t>string</a:t>
+            </a:r>
+            <a:r>
+              <a:rPr lang="pt-BR" dirty="0" smtClean="0"/>
+              <a:t> transformada toda em minúsculo/maiúsculo</a:t>
+            </a:r>
+          </a:p>
+          <a:p>
+            <a:r>
+              <a:rPr lang="pt-BR" dirty="0" err="1" smtClean="0"/>
+              <a:t>split</a:t>
+            </a:r>
+            <a:r>
+              <a:rPr lang="pt-BR" dirty="0" smtClean="0"/>
+              <a:t>(delimitador) – retorna uma lista de </a:t>
+            </a:r>
+            <a:r>
+              <a:rPr lang="pt-BR" dirty="0" err="1" smtClean="0"/>
+              <a:t>strings</a:t>
+            </a:r>
+            <a:r>
+              <a:rPr lang="pt-BR" dirty="0" smtClean="0"/>
+              <a:t> dividida pelo delimitador </a:t>
+            </a:r>
+          </a:p>
+          <a:p>
+            <a:endParaRPr lang="pt-BR" dirty="0" smtClean="0"/>
+          </a:p>
+        </p:txBody>
+      </p:sp>
+    </p:spTree>
+    <p:extLst>
+      <p:ext uri="{BB962C8B-B14F-4D97-AF65-F5344CB8AC3E}">
+        <p14:creationId xmlns:p14="http://schemas.microsoft.com/office/powerpoint/2010/main" val="334499730"/>
+      </p:ext>
+    </p:extLst>
+  </p:cSld>
+  <p:clrMapOvr>
+    <a:masterClrMapping/>
+  </p:clrMapOvr>
+  <p:timing>
+    <p:tnLst>
+      <p:par>
+        <p:cTn id="1" dur="indefinite" restart="never" nodeType="tmRoot"/>
+      </p:par>
+    </p:tnLst>
+  </p:timing>
+</p:sld>
+</file>
+
+<file path=ppt/slides/slide28.xml><?xml version="1.0" encoding="utf-8"?>
+<p:sld xmlns:a="http://schemas.openxmlformats.org/drawingml/2006/main" xmlns:r="http://schemas.openxmlformats.org/officeDocument/2006/relationships" xmlns:p="http://schemas.openxmlformats.org/presentationml/2006/main">
+  <p:cSld>
+    <p:spTree>
+      <p:nvGrpSpPr>
+        <p:cNvPr id="1" name=""/>
+        <p:cNvGrpSpPr/>
+        <p:nvPr/>
+      </p:nvGrpSpPr>
+      <p:grpSpPr>
+        <a:xfrm>
+          <a:off x="0" y="0"/>
+          <a:ext cx="0" cy="0"/>
+          <a:chOff x="0" y="0"/>
+          <a:chExt cx="0" cy="0"/>
+        </a:xfrm>
+      </p:grpSpPr>
+      <p:sp>
+        <p:nvSpPr>
+          <p:cNvPr id="2" name="Título 1"/>
+          <p:cNvSpPr>
+            <a:spLocks noGrp="1"/>
+          </p:cNvSpPr>
+          <p:nvPr>
+            <p:ph type="title"/>
+          </p:nvPr>
+        </p:nvSpPr>
+        <p:spPr/>
+        <p:txBody>
+          <a:bodyPr/>
+          <a:lstStyle/>
+          <a:p>
+            <a:r>
+              <a:rPr lang="pt-BR" dirty="0" smtClean="0"/>
+              <a:t>Listas</a:t>
+            </a:r>
+            <a:endParaRPr lang="pt-BR" dirty="0"/>
+          </a:p>
+        </p:txBody>
+      </p:sp>
+      <p:sp>
+        <p:nvSpPr>
+          <p:cNvPr id="3" name="Espaço Reservado para Conteúdo 2"/>
+          <p:cNvSpPr>
+            <a:spLocks noGrp="1"/>
+          </p:cNvSpPr>
+          <p:nvPr>
+            <p:ph idx="1"/>
+          </p:nvPr>
+        </p:nvSpPr>
+        <p:spPr>
+          <a:xfrm>
+            <a:off x="628650" y="1690689"/>
+            <a:ext cx="7886700" cy="4486274"/>
+          </a:xfrm>
+        </p:spPr>
+        <p:txBody>
+          <a:bodyPr>
+            <a:normAutofit/>
+          </a:bodyPr>
+          <a:lstStyle/>
+          <a:p>
+            <a:r>
+              <a:rPr lang="pt-BR" dirty="0" smtClean="0"/>
+              <a:t>Estrutura de dados mais básica em Python</a:t>
+            </a:r>
+          </a:p>
+          <a:p>
+            <a:pPr lvl="1"/>
+            <a:r>
+              <a:rPr lang="pt-BR" dirty="0" smtClean="0"/>
+              <a:t>lista1 = [2, 3, 2, 3, 4]</a:t>
+            </a:r>
+          </a:p>
+          <a:p>
+            <a:pPr lvl="1"/>
+            <a:r>
+              <a:rPr lang="pt-BR" dirty="0" smtClean="0"/>
+              <a:t>lista2 = [‘minicurso’, 2, 3, 2.3]</a:t>
+            </a:r>
+          </a:p>
+          <a:p>
+            <a:r>
+              <a:rPr lang="pt-BR" dirty="0" smtClean="0"/>
+              <a:t>O acesso é feito pelo índice da lista:</a:t>
+            </a:r>
+          </a:p>
+          <a:p>
+            <a:pPr lvl="1"/>
+            <a:r>
+              <a:rPr lang="pt-BR" dirty="0" smtClean="0"/>
+              <a:t>lista1[2] é 2</a:t>
+            </a:r>
+          </a:p>
+          <a:p>
+            <a:r>
+              <a:rPr lang="pt-BR" dirty="0" smtClean="0"/>
+              <a:t>Atualizando ou apagando elementos</a:t>
+            </a:r>
+          </a:p>
+          <a:p>
+            <a:pPr lvl="1"/>
+            <a:r>
+              <a:rPr lang="pt-BR" dirty="0" smtClean="0"/>
+              <a:t>lista1[2] = 99</a:t>
+            </a:r>
+          </a:p>
+          <a:p>
+            <a:pPr lvl="1"/>
+            <a:r>
+              <a:rPr lang="pt-BR" dirty="0" err="1" smtClean="0"/>
+              <a:t>del</a:t>
+            </a:r>
+            <a:r>
+              <a:rPr lang="pt-BR" dirty="0" smtClean="0"/>
+              <a:t> lista1[4]</a:t>
+            </a:r>
+          </a:p>
+        </p:txBody>
+      </p:sp>
+    </p:spTree>
+    <p:extLst>
+      <p:ext uri="{BB962C8B-B14F-4D97-AF65-F5344CB8AC3E}">
+        <p14:creationId xmlns:p14="http://schemas.microsoft.com/office/powerpoint/2010/main" val="2559720613"/>
+      </p:ext>
+    </p:extLst>
+  </p:cSld>
+  <p:clrMapOvr>
+    <a:masterClrMapping/>
+  </p:clrMapOvr>
+  <p:timing>
+    <p:tnLst>
+      <p:par>
+        <p:cTn id="1" dur="indefinite" restart="never" nodeType="tmRoot"/>
+      </p:par>
+    </p:tnLst>
+  </p:timing>
+</p:sld>
+</file>
+
+<file path=ppt/slides/slide29.xml><?xml version="1.0" encoding="utf-8"?>
+<p:sld xmlns:a="http://schemas.openxmlformats.org/drawingml/2006/main" xmlns:r="http://schemas.openxmlformats.org/officeDocument/2006/relationships" xmlns:p="http://schemas.openxmlformats.org/presentationml/2006/main">
+  <p:cSld>
+    <p:spTree>
+      <p:nvGrpSpPr>
+        <p:cNvPr id="1" name=""/>
+        <p:cNvGrpSpPr/>
+        <p:nvPr/>
+      </p:nvGrpSpPr>
+      <p:grpSpPr>
+        <a:xfrm>
+          <a:off x="0" y="0"/>
+          <a:ext cx="0" cy="0"/>
+          <a:chOff x="0" y="0"/>
+          <a:chExt cx="0" cy="0"/>
+        </a:xfrm>
+      </p:grpSpPr>
+      <p:sp>
+        <p:nvSpPr>
+          <p:cNvPr id="2" name="Título 1"/>
+          <p:cNvSpPr>
+            <a:spLocks noGrp="1"/>
+          </p:cNvSpPr>
+          <p:nvPr>
+            <p:ph type="title"/>
+          </p:nvPr>
+        </p:nvSpPr>
+        <p:spPr/>
+        <p:txBody>
+          <a:bodyPr/>
+          <a:lstStyle/>
+          <a:p>
+            <a:r>
+              <a:rPr lang="pt-BR" dirty="0" smtClean="0"/>
+              <a:t>Listas</a:t>
+            </a:r>
+            <a:endParaRPr lang="pt-BR" dirty="0"/>
+          </a:p>
+        </p:txBody>
+      </p:sp>
+      <p:sp>
+        <p:nvSpPr>
+          <p:cNvPr id="3" name="Espaço Reservado para Conteúdo 2"/>
+          <p:cNvSpPr>
+            <a:spLocks noGrp="1"/>
+          </p:cNvSpPr>
+          <p:nvPr>
+            <p:ph idx="1"/>
+          </p:nvPr>
+        </p:nvSpPr>
+        <p:spPr>
+          <a:xfrm>
+            <a:off x="628650" y="1690689"/>
+            <a:ext cx="7886700" cy="4486274"/>
+          </a:xfrm>
+        </p:spPr>
+        <p:txBody>
+          <a:bodyPr>
+            <a:normAutofit/>
+          </a:bodyPr>
+          <a:lstStyle/>
+          <a:p>
+            <a:r>
+              <a:rPr lang="pt-BR" dirty="0" err="1" smtClean="0"/>
+              <a:t>append</a:t>
+            </a:r>
+            <a:r>
+              <a:rPr lang="pt-BR" dirty="0" smtClean="0"/>
+              <a:t>() – adiciona elemento no final</a:t>
+            </a:r>
+          </a:p>
+          <a:p>
+            <a:r>
+              <a:rPr lang="pt-BR" dirty="0" err="1" smtClean="0"/>
+              <a:t>count</a:t>
+            </a:r>
+            <a:r>
+              <a:rPr lang="pt-BR" dirty="0" smtClean="0"/>
+              <a:t>(x) – conta quantas vezes o x acontece na lista</a:t>
+            </a:r>
+          </a:p>
+          <a:p>
+            <a:r>
+              <a:rPr lang="pt-BR" dirty="0" err="1" smtClean="0"/>
+              <a:t>extend</a:t>
+            </a:r>
+            <a:r>
+              <a:rPr lang="pt-BR" dirty="0" smtClean="0"/>
+              <a:t>(lista1) – concatena uma lista1 na lista que chamou o método</a:t>
+            </a:r>
+          </a:p>
+          <a:p>
+            <a:r>
+              <a:rPr lang="pt-BR" dirty="0" err="1" smtClean="0"/>
+              <a:t>insert</a:t>
+            </a:r>
+            <a:r>
+              <a:rPr lang="pt-BR" dirty="0" smtClean="0"/>
+              <a:t>(índice, x) – insere x na posição índice</a:t>
+            </a:r>
+          </a:p>
+          <a:p>
+            <a:r>
+              <a:rPr lang="pt-BR" dirty="0" smtClean="0"/>
+              <a:t>pop() – remove o último elemento da lista e o retorna </a:t>
+            </a:r>
+          </a:p>
+          <a:p>
+            <a:r>
+              <a:rPr lang="pt-BR" dirty="0" err="1" smtClean="0"/>
+              <a:t>sort</a:t>
+            </a:r>
+            <a:r>
+              <a:rPr lang="pt-BR" dirty="0" smtClean="0"/>
+              <a:t>() – ordena a lista</a:t>
+            </a:r>
+          </a:p>
+        </p:txBody>
+      </p:sp>
+    </p:spTree>
+    <p:extLst>
+      <p:ext uri="{BB962C8B-B14F-4D97-AF65-F5344CB8AC3E}">
+        <p14:creationId xmlns:p14="http://schemas.microsoft.com/office/powerpoint/2010/main" val="2520710483"/>
+      </p:ext>
+    </p:extLst>
+  </p:cSld>
+  <p:clrMapOvr>
+    <a:masterClrMapping/>
+  </p:clrMapOvr>
+  <p:timing>
+    <p:tnLst>
+      <p:par>
+        <p:cTn id="1" dur="indefinite" restart="never" nodeType="tmRoot"/>
+      </p:par>
+    </p:tnLst>
+  </p:timing>
+</p:sld>
+</file>
+
+<file path=ppt/slides/slide3.xml><?xml version="1.0" encoding="utf-8"?>
+<p:sld xmlns:a="http://schemas.openxmlformats.org/drawingml/2006/main" xmlns:r="http://schemas.openxmlformats.org/officeDocument/2006/relationships" xmlns:p="http://schemas.openxmlformats.org/presentationml/2006/main">
+  <p:cSld>
+    <p:spTree>
+      <p:nvGrpSpPr>
+        <p:cNvPr id="1" name=""/>
+        <p:cNvGrpSpPr/>
+        <p:nvPr/>
+      </p:nvGrpSpPr>
+      <p:grpSpPr>
+        <a:xfrm>
+          <a:off x="0" y="0"/>
+          <a:ext cx="0" cy="0"/>
+          <a:chOff x="0" y="0"/>
+          <a:chExt cx="0" cy="0"/>
+        </a:xfrm>
+      </p:grpSpPr>
+      <p:sp>
+        <p:nvSpPr>
+          <p:cNvPr id="2" name="Título 1"/>
+          <p:cNvSpPr>
+            <a:spLocks noGrp="1"/>
+          </p:cNvSpPr>
+          <p:nvPr>
+            <p:ph type="title"/>
+          </p:nvPr>
+        </p:nvSpPr>
+        <p:spPr/>
+        <p:txBody>
+          <a:bodyPr/>
+          <a:lstStyle/>
+          <a:p>
+            <a:r>
+              <a:rPr lang="pt-BR" dirty="0" smtClean="0"/>
+              <a:t>Cronograma</a:t>
+            </a:r>
+            <a:endParaRPr lang="pt-BR" dirty="0"/>
+          </a:p>
+        </p:txBody>
+      </p:sp>
+      <p:sp>
+        <p:nvSpPr>
+          <p:cNvPr id="3" name="Espaço Reservado para Conteúdo 2"/>
+          <p:cNvSpPr>
+            <a:spLocks noGrp="1"/>
+          </p:cNvSpPr>
+          <p:nvPr>
+            <p:ph idx="1"/>
+          </p:nvPr>
+        </p:nvSpPr>
+        <p:spPr>
+          <a:xfrm>
+            <a:off x="628650" y="1418897"/>
+            <a:ext cx="7886700" cy="5087006"/>
+          </a:xfrm>
+        </p:spPr>
+        <p:txBody>
+          <a:bodyPr>
+            <a:noAutofit/>
+          </a:bodyPr>
+          <a:lstStyle/>
+          <a:p>
+            <a:r>
+              <a:rPr lang="pt-BR" sz="3600" dirty="0" smtClean="0"/>
+              <a:t>Parte II:</a:t>
+            </a:r>
+          </a:p>
+          <a:p>
+            <a:pPr lvl="1"/>
+            <a:r>
+              <a:rPr lang="pt-BR" sz="3600" dirty="0"/>
+              <a:t>Data e tempo</a:t>
+            </a:r>
+          </a:p>
+          <a:p>
+            <a:pPr lvl="1"/>
+            <a:r>
+              <a:rPr lang="pt-BR" sz="3600" dirty="0"/>
+              <a:t>Funções</a:t>
+            </a:r>
+          </a:p>
+          <a:p>
+            <a:pPr lvl="1"/>
+            <a:r>
+              <a:rPr lang="pt-BR" sz="3600" dirty="0" smtClean="0"/>
+              <a:t>Modularidade</a:t>
+            </a:r>
+            <a:endParaRPr lang="pt-BR" sz="3600" dirty="0"/>
+          </a:p>
+          <a:p>
+            <a:pPr lvl="1"/>
+            <a:r>
+              <a:rPr lang="pt-BR" sz="3600" dirty="0"/>
+              <a:t>Arquivos</a:t>
+            </a:r>
+          </a:p>
+          <a:p>
+            <a:pPr lvl="1"/>
+            <a:r>
+              <a:rPr lang="pt-BR" sz="3600" dirty="0" smtClean="0"/>
+              <a:t>Tratamento de exceções</a:t>
+            </a:r>
+            <a:endParaRPr lang="pt-BR" sz="3600" dirty="0"/>
+          </a:p>
+          <a:p>
+            <a:pPr lvl="1"/>
+            <a:r>
+              <a:rPr lang="pt-BR" sz="3600" dirty="0" smtClean="0"/>
+              <a:t>Classes e objetos</a:t>
+            </a:r>
+          </a:p>
+          <a:p>
+            <a:pPr lvl="1"/>
+            <a:r>
+              <a:rPr lang="pt-BR" sz="3600" dirty="0" smtClean="0"/>
+              <a:t>Expressões regulares</a:t>
+            </a:r>
+          </a:p>
+          <a:p>
+            <a:pPr lvl="1"/>
+            <a:r>
+              <a:rPr lang="pt-BR" sz="3600" dirty="0" smtClean="0"/>
+              <a:t>Manipulação de </a:t>
+            </a:r>
+            <a:r>
+              <a:rPr lang="pt-BR" sz="3600" dirty="0"/>
+              <a:t>a</a:t>
+            </a:r>
+            <a:r>
+              <a:rPr lang="pt-BR" sz="3600" dirty="0" smtClean="0"/>
+              <a:t>rquivo CSV</a:t>
+            </a:r>
+          </a:p>
+        </p:txBody>
+      </p:sp>
+    </p:spTree>
+    <p:extLst>
+      <p:ext uri="{BB962C8B-B14F-4D97-AF65-F5344CB8AC3E}">
+        <p14:creationId xmlns:p14="http://schemas.microsoft.com/office/powerpoint/2010/main" val="3905123954"/>
+      </p:ext>
+    </p:extLst>
+  </p:cSld>
+  <p:clrMapOvr>
+    <a:masterClrMapping/>
+  </p:clrMapOvr>
+  <p:timing>
+    <p:tnLst>
+      <p:par>
+        <p:cTn id="1" dur="indefinite" restart="never" nodeType="tmRoot"/>
+      </p:par>
+    </p:tnLst>
+  </p:timing>
+</p:sld>
+</file>
+
+<file path=ppt/slides/slide30.xml><?xml version="1.0" encoding="utf-8"?>
+<p:sld xmlns:a="http://schemas.openxmlformats.org/drawingml/2006/main" xmlns:r="http://schemas.openxmlformats.org/officeDocument/2006/relationships" xmlns:p="http://schemas.openxmlformats.org/presentationml/2006/main">
+  <p:cSld>
+    <p:spTree>
+      <p:nvGrpSpPr>
+        <p:cNvPr id="1" name=""/>
+        <p:cNvGrpSpPr/>
+        <p:nvPr/>
+      </p:nvGrpSpPr>
+      <p:grpSpPr>
+        <a:xfrm>
+          <a:off x="0" y="0"/>
+          <a:ext cx="0" cy="0"/>
+          <a:chOff x="0" y="0"/>
+          <a:chExt cx="0" cy="0"/>
+        </a:xfrm>
+      </p:grpSpPr>
+      <p:sp>
+        <p:nvSpPr>
+          <p:cNvPr id="2" name="Título 1"/>
+          <p:cNvSpPr>
+            <a:spLocks noGrp="1"/>
+          </p:cNvSpPr>
+          <p:nvPr>
+            <p:ph type="title"/>
+          </p:nvPr>
+        </p:nvSpPr>
+        <p:spPr/>
+        <p:txBody>
+          <a:bodyPr/>
+          <a:lstStyle/>
+          <a:p>
+            <a:r>
+              <a:rPr lang="pt-BR" dirty="0" err="1" smtClean="0"/>
+              <a:t>Tuplas</a:t>
+            </a:r>
+            <a:endParaRPr lang="pt-BR" dirty="0"/>
+          </a:p>
+        </p:txBody>
+      </p:sp>
+      <p:sp>
+        <p:nvSpPr>
+          <p:cNvPr id="3" name="Espaço Reservado para Conteúdo 2"/>
+          <p:cNvSpPr>
+            <a:spLocks noGrp="1"/>
+          </p:cNvSpPr>
+          <p:nvPr>
+            <p:ph idx="1"/>
+          </p:nvPr>
+        </p:nvSpPr>
+        <p:spPr>
+          <a:xfrm>
+            <a:off x="628650" y="1690689"/>
+            <a:ext cx="7886700" cy="4486274"/>
+          </a:xfrm>
+        </p:spPr>
+        <p:txBody>
+          <a:bodyPr>
+            <a:normAutofit/>
+          </a:bodyPr>
+          <a:lstStyle/>
+          <a:p>
+            <a:r>
+              <a:rPr lang="pt-BR" dirty="0" err="1" smtClean="0"/>
+              <a:t>Tuplas</a:t>
+            </a:r>
+            <a:r>
+              <a:rPr lang="pt-BR" dirty="0" smtClean="0"/>
+              <a:t> são uma sequência de elementos que não pode ser modificada. “Uma lista constante”</a:t>
+            </a:r>
+          </a:p>
+          <a:p>
+            <a:pPr lvl="1"/>
+            <a:r>
+              <a:rPr lang="pt-BR" dirty="0" smtClean="0"/>
+              <a:t>tupla1 </a:t>
+            </a:r>
+            <a:r>
+              <a:rPr lang="pt-BR" dirty="0"/>
+              <a:t>= </a:t>
+            </a:r>
+            <a:r>
+              <a:rPr lang="pt-BR" dirty="0" smtClean="0"/>
+              <a:t>(2</a:t>
+            </a:r>
+            <a:r>
+              <a:rPr lang="pt-BR" dirty="0"/>
+              <a:t>, 3, 2, 3, </a:t>
+            </a:r>
+            <a:r>
+              <a:rPr lang="pt-BR" dirty="0" smtClean="0"/>
+              <a:t>4)</a:t>
+            </a:r>
+            <a:endParaRPr lang="pt-BR" dirty="0"/>
+          </a:p>
+          <a:p>
+            <a:pPr lvl="1"/>
+            <a:r>
+              <a:rPr lang="pt-BR" dirty="0" smtClean="0"/>
+              <a:t>tupla2 </a:t>
+            </a:r>
+            <a:r>
+              <a:rPr lang="pt-BR" dirty="0"/>
+              <a:t>= </a:t>
+            </a:r>
+            <a:r>
+              <a:rPr lang="pt-BR" dirty="0" smtClean="0"/>
+              <a:t>(‘</a:t>
+            </a:r>
+            <a:r>
+              <a:rPr lang="pt-BR" dirty="0"/>
+              <a:t>minicurso’, 2, </a:t>
+            </a:r>
+            <a:r>
+              <a:rPr lang="pt-BR" dirty="0" smtClean="0"/>
+              <a:t>‘</a:t>
+            </a:r>
+            <a:r>
+              <a:rPr lang="pt-BR" dirty="0" err="1" smtClean="0"/>
+              <a:t>ess</a:t>
+            </a:r>
+            <a:r>
+              <a:rPr lang="pt-BR" dirty="0" smtClean="0"/>
+              <a:t> e uma </a:t>
+            </a:r>
+            <a:r>
+              <a:rPr lang="pt-BR" dirty="0" err="1" smtClean="0"/>
+              <a:t>tupla</a:t>
+            </a:r>
+            <a:r>
+              <a:rPr lang="pt-BR" dirty="0" smtClean="0"/>
+              <a:t>’, 2.3)</a:t>
+            </a:r>
+          </a:p>
+          <a:p>
+            <a:r>
+              <a:rPr lang="pt-BR" dirty="0" smtClean="0"/>
+              <a:t>Principais  métodos:</a:t>
+            </a:r>
+          </a:p>
+          <a:p>
+            <a:pPr lvl="1"/>
+            <a:r>
+              <a:rPr lang="pt-BR" dirty="0" smtClean="0"/>
+              <a:t>min – menor elemento da </a:t>
+            </a:r>
+            <a:r>
+              <a:rPr lang="pt-BR" dirty="0" err="1" smtClean="0"/>
+              <a:t>tupla</a:t>
+            </a:r>
+            <a:endParaRPr lang="pt-BR" dirty="0" smtClean="0"/>
+          </a:p>
+          <a:p>
+            <a:pPr lvl="1"/>
+            <a:r>
+              <a:rPr lang="pt-BR" dirty="0" err="1" smtClean="0"/>
+              <a:t>len</a:t>
+            </a:r>
+            <a:r>
+              <a:rPr lang="pt-BR" dirty="0"/>
+              <a:t> </a:t>
+            </a:r>
+            <a:r>
+              <a:rPr lang="pt-BR" dirty="0" smtClean="0"/>
+              <a:t>– tamanho da </a:t>
+            </a:r>
+            <a:r>
+              <a:rPr lang="pt-BR" dirty="0" err="1" smtClean="0"/>
+              <a:t>tupla</a:t>
+            </a:r>
+            <a:endParaRPr lang="pt-BR" dirty="0" smtClean="0"/>
+          </a:p>
+          <a:p>
+            <a:pPr lvl="1"/>
+            <a:endParaRPr lang="pt-BR" dirty="0"/>
+          </a:p>
+        </p:txBody>
+      </p:sp>
+    </p:spTree>
+    <p:extLst>
+      <p:ext uri="{BB962C8B-B14F-4D97-AF65-F5344CB8AC3E}">
+        <p14:creationId xmlns:p14="http://schemas.microsoft.com/office/powerpoint/2010/main" val="2514360801"/>
+      </p:ext>
+    </p:extLst>
+  </p:cSld>
+  <p:clrMapOvr>
+    <a:masterClrMapping/>
+  </p:clrMapOvr>
+  <p:timing>
+    <p:tnLst>
+      <p:par>
+        <p:cTn id="1" dur="indefinite" restart="never" nodeType="tmRoot"/>
+      </p:par>
+    </p:tnLst>
+  </p:timing>
+</p:sld>
+</file>
+
+<file path=ppt/slides/slide31.xml><?xml version="1.0" encoding="utf-8"?>
+<p:sld xmlns:a="http://schemas.openxmlformats.org/drawingml/2006/main" xmlns:r="http://schemas.openxmlformats.org/officeDocument/2006/relationships" xmlns:p="http://schemas.openxmlformats.org/presentationml/2006/main">
+  <p:cSld>
+    <p:spTree>
+      <p:nvGrpSpPr>
+        <p:cNvPr id="1" name=""/>
+        <p:cNvGrpSpPr/>
+        <p:nvPr/>
+      </p:nvGrpSpPr>
+      <p:grpSpPr>
+        <a:xfrm>
+          <a:off x="0" y="0"/>
+          <a:ext cx="0" cy="0"/>
+          <a:chOff x="0" y="0"/>
+          <a:chExt cx="0" cy="0"/>
+        </a:xfrm>
+      </p:grpSpPr>
+      <p:sp>
+        <p:nvSpPr>
+          <p:cNvPr id="2" name="Título 1"/>
+          <p:cNvSpPr>
+            <a:spLocks noGrp="1"/>
+          </p:cNvSpPr>
+          <p:nvPr>
+            <p:ph type="title"/>
+          </p:nvPr>
+        </p:nvSpPr>
+        <p:spPr/>
+        <p:txBody>
+          <a:bodyPr/>
+          <a:lstStyle/>
+          <a:p>
+            <a:r>
+              <a:rPr lang="pt-BR" dirty="0" smtClean="0"/>
+              <a:t>Dicionários</a:t>
+            </a:r>
+            <a:endParaRPr lang="pt-BR" dirty="0"/>
+          </a:p>
+        </p:txBody>
+      </p:sp>
+      <p:sp>
+        <p:nvSpPr>
+          <p:cNvPr id="3" name="Espaço Reservado para Conteúdo 2"/>
+          <p:cNvSpPr>
+            <a:spLocks noGrp="1"/>
+          </p:cNvSpPr>
+          <p:nvPr>
+            <p:ph idx="1"/>
+          </p:nvPr>
+        </p:nvSpPr>
+        <p:spPr>
+          <a:xfrm>
+            <a:off x="628650" y="1690689"/>
+            <a:ext cx="7886700" cy="4486274"/>
+          </a:xfrm>
+        </p:spPr>
+        <p:txBody>
+          <a:bodyPr>
+            <a:normAutofit/>
+          </a:bodyPr>
+          <a:lstStyle/>
+          <a:p>
+            <a:r>
+              <a:rPr lang="pt-BR" dirty="0" smtClean="0"/>
+              <a:t>São estruturas de dados onde o índice pode ser número, </a:t>
+            </a:r>
+            <a:r>
+              <a:rPr lang="pt-BR" dirty="0" err="1" smtClean="0"/>
+              <a:t>strings</a:t>
+            </a:r>
+            <a:r>
+              <a:rPr lang="pt-BR" dirty="0" smtClean="0"/>
+              <a:t>, ou </a:t>
+            </a:r>
+            <a:r>
+              <a:rPr lang="pt-BR" dirty="0" err="1" smtClean="0"/>
+              <a:t>tuplas</a:t>
+            </a:r>
+            <a:endParaRPr lang="pt-BR" dirty="0" smtClean="0"/>
+          </a:p>
+          <a:p>
+            <a:pPr lvl="1"/>
+            <a:r>
+              <a:rPr lang="pt-BR" dirty="0" smtClean="0"/>
+              <a:t>dicionario1 = {‘nome’ : ‘Fernando’,  ‘idade’: 28, ‘</a:t>
+            </a:r>
+            <a:r>
+              <a:rPr lang="pt-BR" dirty="0" err="1" smtClean="0"/>
+              <a:t>endereco</a:t>
+            </a:r>
+            <a:r>
+              <a:rPr lang="pt-BR" dirty="0" smtClean="0"/>
+              <a:t>‘ : “rua </a:t>
+            </a:r>
+            <a:r>
+              <a:rPr lang="pt-BR" dirty="0" err="1" smtClean="0"/>
+              <a:t>xx</a:t>
+            </a:r>
+            <a:r>
+              <a:rPr lang="pt-BR" dirty="0" smtClean="0"/>
+              <a:t>, num 22”}</a:t>
+            </a:r>
+          </a:p>
+          <a:p>
+            <a:r>
+              <a:rPr lang="pt-BR" dirty="0" smtClean="0"/>
+              <a:t>Acesso é feito através da chave que vem antes do :</a:t>
+            </a:r>
+          </a:p>
+          <a:p>
+            <a:r>
+              <a:rPr lang="pt-BR" dirty="0" smtClean="0"/>
+              <a:t>O dado é o que vem depois do :</a:t>
+            </a:r>
+          </a:p>
+          <a:p>
+            <a:r>
+              <a:rPr lang="pt-BR" dirty="0" smtClean="0"/>
+              <a:t>Dicionários podem armazenar qualquer tipo de dado</a:t>
+            </a:r>
+          </a:p>
+          <a:p>
+            <a:endParaRPr lang="pt-BR" dirty="0" smtClean="0"/>
+          </a:p>
+          <a:p>
+            <a:pPr lvl="1"/>
+            <a:endParaRPr lang="pt-BR" dirty="0"/>
+          </a:p>
+        </p:txBody>
+      </p:sp>
+    </p:spTree>
+    <p:extLst>
+      <p:ext uri="{BB962C8B-B14F-4D97-AF65-F5344CB8AC3E}">
+        <p14:creationId xmlns:p14="http://schemas.microsoft.com/office/powerpoint/2010/main" val="518999349"/>
+      </p:ext>
+    </p:extLst>
+  </p:cSld>
+  <p:clrMapOvr>
+    <a:masterClrMapping/>
+  </p:clrMapOvr>
+  <p:timing>
+    <p:tnLst>
+      <p:par>
+        <p:cTn id="1" dur="indefinite" restart="never" nodeType="tmRoot"/>
+      </p:par>
+    </p:tnLst>
+  </p:timing>
+</p:sld>
+</file>
+
+<file path=ppt/slides/slide32.xml><?xml version="1.0" encoding="utf-8"?>
+<p:sld xmlns:a="http://schemas.openxmlformats.org/drawingml/2006/main" xmlns:r="http://schemas.openxmlformats.org/officeDocument/2006/relationships" xmlns:p="http://schemas.openxmlformats.org/presentationml/2006/main">
+  <p:cSld>
+    <p:spTree>
+      <p:nvGrpSpPr>
+        <p:cNvPr id="1" name=""/>
+        <p:cNvGrpSpPr/>
+        <p:nvPr/>
+      </p:nvGrpSpPr>
+      <p:grpSpPr>
+        <a:xfrm>
+          <a:off x="0" y="0"/>
+          <a:ext cx="0" cy="0"/>
+          <a:chOff x="0" y="0"/>
+          <a:chExt cx="0" cy="0"/>
+        </a:xfrm>
+      </p:grpSpPr>
+      <p:sp>
+        <p:nvSpPr>
+          <p:cNvPr id="2" name="Título 1"/>
+          <p:cNvSpPr>
+            <a:spLocks noGrp="1"/>
+          </p:cNvSpPr>
+          <p:nvPr>
+            <p:ph type="title"/>
+          </p:nvPr>
+        </p:nvSpPr>
+        <p:spPr/>
+        <p:txBody>
+          <a:bodyPr/>
+          <a:lstStyle/>
+          <a:p>
+            <a:r>
+              <a:rPr lang="pt-BR" dirty="0" smtClean="0"/>
+              <a:t>Exercício</a:t>
+            </a:r>
+            <a:endParaRPr lang="pt-BR" dirty="0"/>
+          </a:p>
+        </p:txBody>
+      </p:sp>
+      <p:sp>
+        <p:nvSpPr>
+          <p:cNvPr id="3" name="Espaço Reservado para Conteúdo 2"/>
+          <p:cNvSpPr>
+            <a:spLocks noGrp="1"/>
+          </p:cNvSpPr>
+          <p:nvPr>
+            <p:ph idx="1"/>
+          </p:nvPr>
+        </p:nvSpPr>
+        <p:spPr>
+          <a:xfrm>
+            <a:off x="628650" y="1690689"/>
+            <a:ext cx="7886700" cy="4486274"/>
+          </a:xfrm>
+        </p:spPr>
+        <p:txBody>
+          <a:bodyPr>
+            <a:normAutofit/>
+          </a:bodyPr>
+          <a:lstStyle/>
+          <a:p>
+            <a:endParaRPr lang="pt-BR" dirty="0" smtClean="0"/>
+          </a:p>
+        </p:txBody>
+      </p:sp>
+    </p:spTree>
+    <p:extLst>
+      <p:ext uri="{BB962C8B-B14F-4D97-AF65-F5344CB8AC3E}">
+        <p14:creationId xmlns:p14="http://schemas.microsoft.com/office/powerpoint/2010/main" val="2830403107"/>
+      </p:ext>
+    </p:extLst>
+  </p:cSld>
+  <p:clrMapOvr>
+    <a:masterClrMapping/>
+  </p:clrMapOvr>
+  <p:timing>
+    <p:tnLst>
+      <p:par>
+        <p:cTn id="1" dur="indefinite" restart="never" nodeType="tmRoot"/>
+      </p:par>
+    </p:tnLst>
+  </p:timing>
+</p:sld>
+</file>
+
+<file path=ppt/slides/slide33.xml><?xml version="1.0" encoding="utf-8"?>
+<p:sld xmlns:a="http://schemas.openxmlformats.org/drawingml/2006/main" xmlns:r="http://schemas.openxmlformats.org/officeDocument/2006/relationships" xmlns:p="http://schemas.openxmlformats.org/presentationml/2006/main">
+  <p:cSld>
+    <p:spTree>
+      <p:nvGrpSpPr>
+        <p:cNvPr id="1" name=""/>
+        <p:cNvGrpSpPr/>
+        <p:nvPr/>
+      </p:nvGrpSpPr>
+      <p:grpSpPr>
+        <a:xfrm>
+          <a:off x="0" y="0"/>
+          <a:ext cx="0" cy="0"/>
+          <a:chOff x="0" y="0"/>
+          <a:chExt cx="0" cy="0"/>
+        </a:xfrm>
+      </p:grpSpPr>
+      <p:sp>
+        <p:nvSpPr>
+          <p:cNvPr id="2" name="Título 1"/>
+          <p:cNvSpPr>
+            <a:spLocks noGrp="1"/>
+          </p:cNvSpPr>
+          <p:nvPr>
+            <p:ph type="title"/>
+          </p:nvPr>
+        </p:nvSpPr>
+        <p:spPr/>
+        <p:txBody>
+          <a:bodyPr/>
+          <a:lstStyle/>
+          <a:p>
+            <a:r>
+              <a:rPr lang="pt-BR" dirty="0" smtClean="0"/>
+              <a:t>Cronograma</a:t>
+            </a:r>
+            <a:endParaRPr lang="pt-BR" dirty="0"/>
+          </a:p>
+        </p:txBody>
+      </p:sp>
+      <p:sp>
+        <p:nvSpPr>
+          <p:cNvPr id="3" name="Espaço Reservado para Conteúdo 2"/>
+          <p:cNvSpPr>
+            <a:spLocks noGrp="1"/>
+          </p:cNvSpPr>
+          <p:nvPr>
+            <p:ph idx="1"/>
+          </p:nvPr>
+        </p:nvSpPr>
+        <p:spPr>
+          <a:xfrm>
+            <a:off x="628650" y="1418897"/>
+            <a:ext cx="7886700" cy="5087006"/>
+          </a:xfrm>
+        </p:spPr>
+        <p:txBody>
+          <a:bodyPr>
+            <a:normAutofit fontScale="92500" lnSpcReduction="20000"/>
+          </a:bodyPr>
+          <a:lstStyle/>
+          <a:p>
+            <a:r>
+              <a:rPr lang="pt-BR" sz="4500" dirty="0" smtClean="0"/>
+              <a:t>Parte I:</a:t>
+            </a:r>
+          </a:p>
+          <a:p>
+            <a:pPr lvl="1"/>
+            <a:r>
+              <a:rPr lang="pt-BR" sz="4500" dirty="0" smtClean="0">
+                <a:solidFill>
+                  <a:schemeClr val="tx1">
+                    <a:lumMod val="50000"/>
+                    <a:lumOff val="50000"/>
+                  </a:schemeClr>
+                </a:solidFill>
+              </a:rPr>
+              <a:t>Introdução</a:t>
+            </a:r>
+          </a:p>
+          <a:p>
+            <a:pPr lvl="1"/>
+            <a:r>
+              <a:rPr lang="pt-BR" sz="4500" dirty="0" smtClean="0">
+                <a:solidFill>
+                  <a:schemeClr val="tx1">
+                    <a:lumMod val="50000"/>
+                    <a:lumOff val="50000"/>
+                  </a:schemeClr>
+                </a:solidFill>
+              </a:rPr>
+              <a:t>Visão geral</a:t>
+            </a:r>
+          </a:p>
+          <a:p>
+            <a:pPr lvl="1"/>
+            <a:r>
+              <a:rPr lang="pt-BR" sz="4500" dirty="0" smtClean="0">
+                <a:solidFill>
+                  <a:schemeClr val="tx1">
+                    <a:lumMod val="50000"/>
+                    <a:lumOff val="50000"/>
+                  </a:schemeClr>
+                </a:solidFill>
+              </a:rPr>
+              <a:t>Configuração do ambiente</a:t>
+            </a:r>
+          </a:p>
+          <a:p>
+            <a:pPr lvl="1"/>
+            <a:r>
+              <a:rPr lang="pt-BR" sz="4500" dirty="0" smtClean="0">
+                <a:solidFill>
+                  <a:schemeClr val="tx1">
+                    <a:lumMod val="50000"/>
+                    <a:lumOff val="50000"/>
+                  </a:schemeClr>
+                </a:solidFill>
+              </a:rPr>
+              <a:t>Sintaxe </a:t>
+            </a:r>
+            <a:r>
+              <a:rPr lang="pt-BR" sz="4500" dirty="0">
+                <a:solidFill>
+                  <a:schemeClr val="tx1">
+                    <a:lumMod val="50000"/>
+                    <a:lumOff val="50000"/>
+                  </a:schemeClr>
+                </a:solidFill>
+              </a:rPr>
+              <a:t>básica</a:t>
+            </a:r>
+          </a:p>
+          <a:p>
+            <a:pPr lvl="1"/>
+            <a:r>
+              <a:rPr lang="pt-BR" sz="4500" dirty="0">
+                <a:solidFill>
+                  <a:schemeClr val="tx1">
+                    <a:lumMod val="50000"/>
+                    <a:lumOff val="50000"/>
+                  </a:schemeClr>
+                </a:solidFill>
+              </a:rPr>
+              <a:t>Tipos de </a:t>
+            </a:r>
+            <a:r>
+              <a:rPr lang="pt-BR" sz="4500" dirty="0" smtClean="0">
+                <a:solidFill>
+                  <a:schemeClr val="tx1">
+                    <a:lumMod val="50000"/>
+                    <a:lumOff val="50000"/>
+                  </a:schemeClr>
+                </a:solidFill>
+              </a:rPr>
+              <a:t>variáveis</a:t>
+            </a:r>
+          </a:p>
+          <a:p>
+            <a:pPr lvl="1"/>
+            <a:r>
+              <a:rPr lang="pt-BR" sz="4500" dirty="0" smtClean="0"/>
+              <a:t>Operadores básicos</a:t>
+            </a:r>
+          </a:p>
+          <a:p>
+            <a:pPr lvl="1"/>
+            <a:r>
+              <a:rPr lang="pt-BR" sz="4500" dirty="0" smtClean="0">
+                <a:solidFill>
+                  <a:schemeClr val="tx1">
+                    <a:lumMod val="50000"/>
+                    <a:lumOff val="50000"/>
+                  </a:schemeClr>
+                </a:solidFill>
+              </a:rPr>
+              <a:t>Operadores condicionais</a:t>
+            </a:r>
+          </a:p>
+          <a:p>
+            <a:pPr lvl="1"/>
+            <a:r>
+              <a:rPr lang="pt-BR" sz="4500" dirty="0" smtClean="0">
+                <a:solidFill>
+                  <a:schemeClr val="tx1">
+                    <a:lumMod val="50000"/>
+                    <a:lumOff val="50000"/>
+                  </a:schemeClr>
+                </a:solidFill>
+              </a:rPr>
+              <a:t>Laços de repetição</a:t>
+            </a:r>
+            <a:endParaRPr lang="pt-BR" dirty="0"/>
+          </a:p>
+        </p:txBody>
+      </p:sp>
+    </p:spTree>
+    <p:extLst>
+      <p:ext uri="{BB962C8B-B14F-4D97-AF65-F5344CB8AC3E}">
+        <p14:creationId xmlns:p14="http://schemas.microsoft.com/office/powerpoint/2010/main" val="1834133648"/>
+      </p:ext>
+    </p:extLst>
+  </p:cSld>
+  <p:clrMapOvr>
+    <a:masterClrMapping/>
+  </p:clrMapOvr>
+  <p:timing>
+    <p:tnLst>
+      <p:par>
+        <p:cTn id="1" dur="indefinite" restart="never" nodeType="tmRoot"/>
+      </p:par>
+    </p:tnLst>
+  </p:timing>
+</p:sld>
+</file>
+
+<file path=ppt/slides/slide34.xml><?xml version="1.0" encoding="utf-8"?>
+<p:sld xmlns:a="http://schemas.openxmlformats.org/drawingml/2006/main" xmlns:r="http://schemas.openxmlformats.org/officeDocument/2006/relationships" xmlns:p="http://schemas.openxmlformats.org/presentationml/2006/main">
+  <p:cSld>
+    <p:spTree>
+      <p:nvGrpSpPr>
+        <p:cNvPr id="1" name=""/>
+        <p:cNvGrpSpPr/>
+        <p:nvPr/>
+      </p:nvGrpSpPr>
+      <p:grpSpPr>
+        <a:xfrm>
+          <a:off x="0" y="0"/>
+          <a:ext cx="0" cy="0"/>
+          <a:chOff x="0" y="0"/>
+          <a:chExt cx="0" cy="0"/>
+        </a:xfrm>
+      </p:grpSpPr>
+      <p:sp>
+        <p:nvSpPr>
+          <p:cNvPr id="2" name="Título 1"/>
+          <p:cNvSpPr>
+            <a:spLocks noGrp="1"/>
+          </p:cNvSpPr>
+          <p:nvPr>
+            <p:ph type="title"/>
+          </p:nvPr>
+        </p:nvSpPr>
+        <p:spPr/>
+        <p:txBody>
+          <a:bodyPr/>
+          <a:lstStyle/>
+          <a:p>
+            <a:r>
               <a:rPr lang="pt-BR" dirty="0" smtClean="0"/>
               <a:t>Operadores aritméticos</a:t>
             </a:r>
@@ -7874,8 +9129,8 @@
           </a:p>
         </p:txBody>
       </p:sp>
-      <mc:AlternateContent xmlns:mc="http://schemas.openxmlformats.org/markup-compatibility/2006">
-        <mc:Choice xmlns:a14="http://schemas.microsoft.com/office/drawing/2010/main" Requires="a14">
+      <mc:AlternateContent xmlns:mc="http://schemas.openxmlformats.org/markup-compatibility/2006" xmlns:a14="http://schemas.microsoft.com/office/drawing/2010/main">
+        <mc:Choice Requires="a14">
           <p:sp>
             <p:nvSpPr>
               <p:cNvPr id="3" name="Espaço Reservado para Conteúdo 2"/>
@@ -8031,7 +9286,7 @@
             </p:txBody>
           </p:sp>
         </mc:Choice>
-        <mc:Fallback>
+        <mc:Fallback xmlns="">
           <p:sp>
             <p:nvSpPr>
               <p:cNvPr id="3" name="Espaço Reservado para Conteúdo 2"/>
@@ -8089,1407 +9344,6 @@
 </p:sld>
 </file>
 
-<file path=ppt/slides/slide27.xml><?xml version="1.0" encoding="utf-8"?>
-<p:sld xmlns:a="http://schemas.openxmlformats.org/drawingml/2006/main" xmlns:r="http://schemas.openxmlformats.org/officeDocument/2006/relationships" xmlns:p="http://schemas.openxmlformats.org/presentationml/2006/main">
-  <p:cSld>
-    <p:spTree>
-      <p:nvGrpSpPr>
-        <p:cNvPr id="1" name=""/>
-        <p:cNvGrpSpPr/>
-        <p:nvPr/>
-      </p:nvGrpSpPr>
-      <p:grpSpPr>
-        <a:xfrm>
-          <a:off x="0" y="0"/>
-          <a:ext cx="0" cy="0"/>
-          <a:chOff x="0" y="0"/>
-          <a:chExt cx="0" cy="0"/>
-        </a:xfrm>
-      </p:grpSpPr>
-      <p:sp>
-        <p:nvSpPr>
-          <p:cNvPr id="2" name="Título 1"/>
-          <p:cNvSpPr>
-            <a:spLocks noGrp="1"/>
-          </p:cNvSpPr>
-          <p:nvPr>
-            <p:ph type="title"/>
-          </p:nvPr>
-        </p:nvSpPr>
-        <p:spPr/>
-        <p:txBody>
-          <a:bodyPr/>
-          <a:lstStyle/>
-          <a:p>
-            <a:r>
-              <a:rPr lang="pt-BR" dirty="0" smtClean="0"/>
-              <a:t>Operadores combinados</a:t>
-            </a:r>
-            <a:endParaRPr lang="pt-BR" dirty="0"/>
-          </a:p>
-        </p:txBody>
-      </p:sp>
-      <p:sp>
-        <p:nvSpPr>
-          <p:cNvPr id="3" name="Espaço Reservado para Conteúdo 2"/>
-          <p:cNvSpPr>
-            <a:spLocks noGrp="1"/>
-          </p:cNvSpPr>
-          <p:nvPr>
-            <p:ph idx="1"/>
-          </p:nvPr>
-        </p:nvSpPr>
-        <p:spPr>
-          <a:xfrm>
-            <a:off x="628650" y="1690688"/>
-            <a:ext cx="7886700" cy="4836235"/>
-          </a:xfrm>
-        </p:spPr>
-        <p:txBody>
-          <a:bodyPr>
-            <a:normAutofit fontScale="85000" lnSpcReduction="20000"/>
-          </a:bodyPr>
-          <a:lstStyle/>
-          <a:p>
-            <a:r>
-              <a:rPr lang="pt-BR" sz="3200" dirty="0" smtClean="0"/>
-              <a:t>Adiciona e atribui</a:t>
-            </a:r>
-          </a:p>
-          <a:p>
-            <a:pPr lvl="1"/>
-            <a:r>
-              <a:rPr lang="pt-BR" dirty="0" smtClean="0"/>
-              <a:t>a += b (a = a + b)</a:t>
-            </a:r>
-          </a:p>
-          <a:p>
-            <a:r>
-              <a:rPr lang="pt-BR" dirty="0" smtClean="0"/>
-              <a:t>Subtrai e atribui</a:t>
-            </a:r>
-          </a:p>
-          <a:p>
-            <a:pPr lvl="1"/>
-            <a:r>
-              <a:rPr lang="pt-BR" dirty="0" smtClean="0"/>
-              <a:t>b -= a (b = b – a)</a:t>
-            </a:r>
-          </a:p>
-          <a:p>
-            <a:r>
-              <a:rPr lang="pt-BR" dirty="0" smtClean="0"/>
-              <a:t>Multiplica e atribui</a:t>
-            </a:r>
-          </a:p>
-          <a:p>
-            <a:pPr lvl="1"/>
-            <a:r>
-              <a:rPr lang="pt-BR" dirty="0" smtClean="0"/>
-              <a:t>a *= b (a = a * b)</a:t>
-            </a:r>
-          </a:p>
-          <a:p>
-            <a:r>
-              <a:rPr lang="pt-BR" dirty="0" smtClean="0"/>
-              <a:t>Divide e atribui</a:t>
-            </a:r>
-          </a:p>
-          <a:p>
-            <a:pPr lvl="1"/>
-            <a:r>
-              <a:rPr lang="pt-BR" dirty="0" smtClean="0"/>
-              <a:t>a /= b (a = a / b)</a:t>
-            </a:r>
-          </a:p>
-          <a:p>
-            <a:r>
-              <a:rPr lang="pt-BR" dirty="0" smtClean="0"/>
-              <a:t>Calcula o resto e atribui</a:t>
-            </a:r>
-          </a:p>
-          <a:p>
-            <a:pPr lvl="1"/>
-            <a:r>
-              <a:rPr lang="pt-BR" dirty="0" smtClean="0"/>
-              <a:t>a %= b (a = a % b)</a:t>
-            </a:r>
-          </a:p>
-          <a:p>
-            <a:r>
-              <a:rPr lang="pt-BR" dirty="0" smtClean="0"/>
-              <a:t>Calcula a potência e atribui</a:t>
-            </a:r>
-          </a:p>
-          <a:p>
-            <a:pPr lvl="1"/>
-            <a:r>
-              <a:rPr lang="pt-BR" dirty="0" smtClean="0"/>
-              <a:t>a ** b (a = a ** b)</a:t>
-            </a:r>
-          </a:p>
-          <a:p>
-            <a:r>
-              <a:rPr lang="pt-BR" dirty="0" smtClean="0"/>
-              <a:t>Divide, arredonda e atribui</a:t>
-            </a:r>
-          </a:p>
-          <a:p>
-            <a:pPr lvl="1"/>
-            <a:r>
-              <a:rPr lang="pt-BR" dirty="0" smtClean="0"/>
-              <a:t>a //= b (a = a // b)</a:t>
-            </a:r>
-            <a:endParaRPr lang="pt-BR" dirty="0" smtClean="0"/>
-          </a:p>
-        </p:txBody>
-      </p:sp>
-    </p:spTree>
-    <p:extLst>
-      <p:ext uri="{BB962C8B-B14F-4D97-AF65-F5344CB8AC3E}">
-        <p14:creationId xmlns:p14="http://schemas.microsoft.com/office/powerpoint/2010/main" val="1847866460"/>
-      </p:ext>
-    </p:extLst>
-  </p:cSld>
-  <p:clrMapOvr>
-    <a:masterClrMapping/>
-  </p:clrMapOvr>
-  <p:timing>
-    <p:tnLst>
-      <p:par>
-        <p:cTn id="1" dur="indefinite" restart="never" nodeType="tmRoot"/>
-      </p:par>
-    </p:tnLst>
-  </p:timing>
-</p:sld>
-</file>
-
-<file path=ppt/slides/slide28.xml><?xml version="1.0" encoding="utf-8"?>
-<p:sld xmlns:a="http://schemas.openxmlformats.org/drawingml/2006/main" xmlns:r="http://schemas.openxmlformats.org/officeDocument/2006/relationships" xmlns:p="http://schemas.openxmlformats.org/presentationml/2006/main">
-  <p:cSld>
-    <p:spTree>
-      <p:nvGrpSpPr>
-        <p:cNvPr id="1" name=""/>
-        <p:cNvGrpSpPr/>
-        <p:nvPr/>
-      </p:nvGrpSpPr>
-      <p:grpSpPr>
-        <a:xfrm>
-          <a:off x="0" y="0"/>
-          <a:ext cx="0" cy="0"/>
-          <a:chOff x="0" y="0"/>
-          <a:chExt cx="0" cy="0"/>
-        </a:xfrm>
-      </p:grpSpPr>
-      <p:sp>
-        <p:nvSpPr>
-          <p:cNvPr id="2" name="Título 1"/>
-          <p:cNvSpPr>
-            <a:spLocks noGrp="1"/>
-          </p:cNvSpPr>
-          <p:nvPr>
-            <p:ph type="title"/>
-          </p:nvPr>
-        </p:nvSpPr>
-        <p:spPr/>
-        <p:txBody>
-          <a:bodyPr/>
-          <a:lstStyle/>
-          <a:p>
-            <a:r>
-              <a:rPr lang="pt-BR" dirty="0" smtClean="0"/>
-              <a:t>Exercício</a:t>
-            </a:r>
-            <a:endParaRPr lang="pt-BR" dirty="0"/>
-          </a:p>
-        </p:txBody>
-      </p:sp>
-      <p:sp>
-        <p:nvSpPr>
-          <p:cNvPr id="3" name="Espaço Reservado para Conteúdo 2"/>
-          <p:cNvSpPr>
-            <a:spLocks noGrp="1"/>
-          </p:cNvSpPr>
-          <p:nvPr>
-            <p:ph idx="1"/>
-          </p:nvPr>
-        </p:nvSpPr>
-        <p:spPr>
-          <a:xfrm>
-            <a:off x="628650" y="1690689"/>
-            <a:ext cx="7886700" cy="4486274"/>
-          </a:xfrm>
-        </p:spPr>
-        <p:txBody>
-          <a:bodyPr>
-            <a:normAutofit/>
-          </a:bodyPr>
-          <a:lstStyle/>
-          <a:p>
-            <a:r>
-              <a:rPr lang="pt-BR" dirty="0" smtClean="0"/>
-              <a:t>Norma do vetor</a:t>
-            </a:r>
-          </a:p>
-          <a:p>
-            <a:r>
-              <a:rPr lang="pt-BR" dirty="0" smtClean="0"/>
-              <a:t>Normalizar o vetor</a:t>
-            </a:r>
-            <a:endParaRPr lang="pt-BR" dirty="0" smtClean="0"/>
-          </a:p>
-        </p:txBody>
-      </p:sp>
-    </p:spTree>
-    <p:extLst>
-      <p:ext uri="{BB962C8B-B14F-4D97-AF65-F5344CB8AC3E}">
-        <p14:creationId xmlns:p14="http://schemas.microsoft.com/office/powerpoint/2010/main" val="575582437"/>
-      </p:ext>
-    </p:extLst>
-  </p:cSld>
-  <p:clrMapOvr>
-    <a:masterClrMapping/>
-  </p:clrMapOvr>
-  <p:timing>
-    <p:tnLst>
-      <p:par>
-        <p:cTn id="1" dur="indefinite" restart="never" nodeType="tmRoot"/>
-      </p:par>
-    </p:tnLst>
-  </p:timing>
-</p:sld>
-</file>
-
-<file path=ppt/slides/slide29.xml><?xml version="1.0" encoding="utf-8"?>
-<p:sld xmlns:a="http://schemas.openxmlformats.org/drawingml/2006/main" xmlns:r="http://schemas.openxmlformats.org/officeDocument/2006/relationships" xmlns:p="http://schemas.openxmlformats.org/presentationml/2006/main">
-  <p:cSld>
-    <p:spTree>
-      <p:nvGrpSpPr>
-        <p:cNvPr id="1" name=""/>
-        <p:cNvGrpSpPr/>
-        <p:nvPr/>
-      </p:nvGrpSpPr>
-      <p:grpSpPr>
-        <a:xfrm>
-          <a:off x="0" y="0"/>
-          <a:ext cx="0" cy="0"/>
-          <a:chOff x="0" y="0"/>
-          <a:chExt cx="0" cy="0"/>
-        </a:xfrm>
-      </p:grpSpPr>
-      <p:sp>
-        <p:nvSpPr>
-          <p:cNvPr id="2" name="Título 1"/>
-          <p:cNvSpPr>
-            <a:spLocks noGrp="1"/>
-          </p:cNvSpPr>
-          <p:nvPr>
-            <p:ph type="title"/>
-          </p:nvPr>
-        </p:nvSpPr>
-        <p:spPr/>
-        <p:txBody>
-          <a:bodyPr/>
-          <a:lstStyle/>
-          <a:p>
-            <a:r>
-              <a:rPr lang="pt-BR" dirty="0" smtClean="0"/>
-              <a:t>Operadores lógicos</a:t>
-            </a:r>
-            <a:endParaRPr lang="pt-BR" dirty="0"/>
-          </a:p>
-        </p:txBody>
-      </p:sp>
-      <p:sp>
-        <p:nvSpPr>
-          <p:cNvPr id="3" name="Espaço Reservado para Conteúdo 2"/>
-          <p:cNvSpPr>
-            <a:spLocks noGrp="1"/>
-          </p:cNvSpPr>
-          <p:nvPr>
-            <p:ph idx="1"/>
-          </p:nvPr>
-        </p:nvSpPr>
-        <p:spPr>
-          <a:xfrm>
-            <a:off x="628650" y="1690689"/>
-            <a:ext cx="7886700" cy="4486274"/>
-          </a:xfrm>
-        </p:spPr>
-        <p:txBody>
-          <a:bodyPr>
-            <a:normAutofit/>
-          </a:bodyPr>
-          <a:lstStyle/>
-          <a:p>
-            <a:r>
-              <a:rPr lang="pt-BR" sz="3200" dirty="0" smtClean="0"/>
-              <a:t>Igualdade</a:t>
-            </a:r>
-          </a:p>
-          <a:p>
-            <a:pPr lvl="1"/>
-            <a:r>
-              <a:rPr lang="pt-BR" sz="2800" dirty="0" smtClean="0"/>
-              <a:t>a == b (a é igual a b?)</a:t>
-            </a:r>
-          </a:p>
-          <a:p>
-            <a:r>
-              <a:rPr lang="pt-BR" sz="3200" dirty="0" smtClean="0"/>
-              <a:t>Diferença</a:t>
-            </a:r>
-          </a:p>
-          <a:p>
-            <a:pPr lvl="1"/>
-            <a:r>
-              <a:rPr lang="pt-BR" sz="2800" dirty="0" smtClean="0"/>
-              <a:t>a != b ou a &lt;&gt; b (a é diferente de b?)</a:t>
-            </a:r>
-          </a:p>
-          <a:p>
-            <a:r>
-              <a:rPr lang="pt-BR" sz="3200" dirty="0" smtClean="0"/>
-              <a:t>Maior e menor</a:t>
-            </a:r>
-          </a:p>
-          <a:p>
-            <a:pPr lvl="1"/>
-            <a:r>
-              <a:rPr lang="pt-BR" sz="2800" dirty="0" smtClean="0"/>
-              <a:t>a &gt; b (maior que) e a &lt; b (menor que)</a:t>
-            </a:r>
-          </a:p>
-          <a:p>
-            <a:r>
-              <a:rPr lang="pt-BR" sz="3200" dirty="0" smtClean="0"/>
-              <a:t>Maior/menor e igual</a:t>
-            </a:r>
-          </a:p>
-          <a:p>
-            <a:pPr lvl="1"/>
-            <a:r>
-              <a:rPr lang="pt-BR" sz="2800" dirty="0" smtClean="0"/>
-              <a:t>a &gt;= b e a &lt;= b</a:t>
-            </a:r>
-            <a:endParaRPr lang="pt-BR" sz="2800" dirty="0" smtClean="0"/>
-          </a:p>
-        </p:txBody>
-      </p:sp>
-    </p:spTree>
-    <p:extLst>
-      <p:ext uri="{BB962C8B-B14F-4D97-AF65-F5344CB8AC3E}">
-        <p14:creationId xmlns:p14="http://schemas.microsoft.com/office/powerpoint/2010/main" val="3940760606"/>
-      </p:ext>
-    </p:extLst>
-  </p:cSld>
-  <p:clrMapOvr>
-    <a:masterClrMapping/>
-  </p:clrMapOvr>
-  <p:timing>
-    <p:tnLst>
-      <p:par>
-        <p:cTn id="1" dur="indefinite" restart="never" nodeType="tmRoot"/>
-      </p:par>
-    </p:tnLst>
-  </p:timing>
-</p:sld>
-</file>
-
-<file path=ppt/slides/slide3.xml><?xml version="1.0" encoding="utf-8"?>
-<p:sld xmlns:a="http://schemas.openxmlformats.org/drawingml/2006/main" xmlns:r="http://schemas.openxmlformats.org/officeDocument/2006/relationships" xmlns:p="http://schemas.openxmlformats.org/presentationml/2006/main">
-  <p:cSld>
-    <p:spTree>
-      <p:nvGrpSpPr>
-        <p:cNvPr id="1" name=""/>
-        <p:cNvGrpSpPr/>
-        <p:nvPr/>
-      </p:nvGrpSpPr>
-      <p:grpSpPr>
-        <a:xfrm>
-          <a:off x="0" y="0"/>
-          <a:ext cx="0" cy="0"/>
-          <a:chOff x="0" y="0"/>
-          <a:chExt cx="0" cy="0"/>
-        </a:xfrm>
-      </p:grpSpPr>
-      <p:sp>
-        <p:nvSpPr>
-          <p:cNvPr id="2" name="Título 1"/>
-          <p:cNvSpPr>
-            <a:spLocks noGrp="1"/>
-          </p:cNvSpPr>
-          <p:nvPr>
-            <p:ph type="title"/>
-          </p:nvPr>
-        </p:nvSpPr>
-        <p:spPr/>
-        <p:txBody>
-          <a:bodyPr/>
-          <a:lstStyle/>
-          <a:p>
-            <a:r>
-              <a:rPr lang="pt-BR" dirty="0" smtClean="0"/>
-              <a:t>Cronograma</a:t>
-            </a:r>
-            <a:endParaRPr lang="pt-BR" dirty="0"/>
-          </a:p>
-        </p:txBody>
-      </p:sp>
-      <p:sp>
-        <p:nvSpPr>
-          <p:cNvPr id="3" name="Espaço Reservado para Conteúdo 2"/>
-          <p:cNvSpPr>
-            <a:spLocks noGrp="1"/>
-          </p:cNvSpPr>
-          <p:nvPr>
-            <p:ph idx="1"/>
-          </p:nvPr>
-        </p:nvSpPr>
-        <p:spPr>
-          <a:xfrm>
-            <a:off x="628650" y="1418897"/>
-            <a:ext cx="7886700" cy="5087006"/>
-          </a:xfrm>
-        </p:spPr>
-        <p:txBody>
-          <a:bodyPr>
-            <a:noAutofit/>
-          </a:bodyPr>
-          <a:lstStyle/>
-          <a:p>
-            <a:r>
-              <a:rPr lang="pt-BR" sz="3600" dirty="0" smtClean="0"/>
-              <a:t>Parte II:</a:t>
-            </a:r>
-          </a:p>
-          <a:p>
-            <a:pPr lvl="1"/>
-            <a:r>
-              <a:rPr lang="pt-BR" sz="3600" dirty="0"/>
-              <a:t>Data e tempo</a:t>
-            </a:r>
-          </a:p>
-          <a:p>
-            <a:pPr lvl="1"/>
-            <a:r>
-              <a:rPr lang="pt-BR" sz="3600" dirty="0"/>
-              <a:t>Funções</a:t>
-            </a:r>
-          </a:p>
-          <a:p>
-            <a:pPr lvl="1"/>
-            <a:r>
-              <a:rPr lang="pt-BR" sz="3600" dirty="0" smtClean="0"/>
-              <a:t>Modularidade</a:t>
-            </a:r>
-            <a:endParaRPr lang="pt-BR" sz="3600" dirty="0"/>
-          </a:p>
-          <a:p>
-            <a:pPr lvl="1"/>
-            <a:r>
-              <a:rPr lang="pt-BR" sz="3600" dirty="0"/>
-              <a:t>Arquivos</a:t>
-            </a:r>
-          </a:p>
-          <a:p>
-            <a:pPr lvl="1"/>
-            <a:r>
-              <a:rPr lang="pt-BR" sz="3600" dirty="0" smtClean="0"/>
-              <a:t>Tratamento </a:t>
-            </a:r>
-            <a:r>
-              <a:rPr lang="pt-BR" sz="3600" dirty="0" smtClean="0"/>
-              <a:t>de exceções</a:t>
-            </a:r>
-            <a:endParaRPr lang="pt-BR" sz="3600" dirty="0"/>
-          </a:p>
-          <a:p>
-            <a:pPr lvl="1"/>
-            <a:r>
-              <a:rPr lang="pt-BR" sz="3600" dirty="0" smtClean="0"/>
-              <a:t>Classes e objetos</a:t>
-            </a:r>
-          </a:p>
-          <a:p>
-            <a:pPr lvl="1"/>
-            <a:r>
-              <a:rPr lang="pt-BR" sz="3600" dirty="0" smtClean="0"/>
-              <a:t>Expressões regulares</a:t>
-            </a:r>
-          </a:p>
-          <a:p>
-            <a:pPr lvl="1"/>
-            <a:r>
-              <a:rPr lang="pt-BR" sz="3600" dirty="0" smtClean="0"/>
-              <a:t>Manipulação de </a:t>
-            </a:r>
-            <a:r>
-              <a:rPr lang="pt-BR" sz="3600" dirty="0"/>
-              <a:t>a</a:t>
-            </a:r>
-            <a:r>
-              <a:rPr lang="pt-BR" sz="3600" dirty="0" smtClean="0"/>
-              <a:t>rquivo </a:t>
-            </a:r>
-            <a:r>
-              <a:rPr lang="pt-BR" sz="3600" dirty="0" smtClean="0"/>
-              <a:t>CSV</a:t>
-            </a:r>
-            <a:endParaRPr lang="pt-BR" sz="3600" dirty="0" smtClean="0"/>
-          </a:p>
-        </p:txBody>
-      </p:sp>
-    </p:spTree>
-    <p:extLst>
-      <p:ext uri="{BB962C8B-B14F-4D97-AF65-F5344CB8AC3E}">
-        <p14:creationId xmlns:p14="http://schemas.microsoft.com/office/powerpoint/2010/main" val="3905123954"/>
-      </p:ext>
-    </p:extLst>
-  </p:cSld>
-  <p:clrMapOvr>
-    <a:masterClrMapping/>
-  </p:clrMapOvr>
-  <p:timing>
-    <p:tnLst>
-      <p:par>
-        <p:cTn id="1" dur="indefinite" restart="never" nodeType="tmRoot"/>
-      </p:par>
-    </p:tnLst>
-  </p:timing>
-</p:sld>
-</file>
-
-<file path=ppt/slides/slide30.xml><?xml version="1.0" encoding="utf-8"?>
-<p:sld xmlns:a="http://schemas.openxmlformats.org/drawingml/2006/main" xmlns:r="http://schemas.openxmlformats.org/officeDocument/2006/relationships" xmlns:p="http://schemas.openxmlformats.org/presentationml/2006/main">
-  <p:cSld>
-    <p:spTree>
-      <p:nvGrpSpPr>
-        <p:cNvPr id="1" name=""/>
-        <p:cNvGrpSpPr/>
-        <p:nvPr/>
-      </p:nvGrpSpPr>
-      <p:grpSpPr>
-        <a:xfrm>
-          <a:off x="0" y="0"/>
-          <a:ext cx="0" cy="0"/>
-          <a:chOff x="0" y="0"/>
-          <a:chExt cx="0" cy="0"/>
-        </a:xfrm>
-      </p:grpSpPr>
-      <p:sp>
-        <p:nvSpPr>
-          <p:cNvPr id="2" name="Título 1"/>
-          <p:cNvSpPr>
-            <a:spLocks noGrp="1"/>
-          </p:cNvSpPr>
-          <p:nvPr>
-            <p:ph type="title"/>
-          </p:nvPr>
-        </p:nvSpPr>
-        <p:spPr/>
-        <p:txBody>
-          <a:bodyPr/>
-          <a:lstStyle/>
-          <a:p>
-            <a:r>
-              <a:rPr lang="pt-BR" dirty="0" smtClean="0"/>
-              <a:t>Operadores lógicos</a:t>
-            </a:r>
-            <a:endParaRPr lang="pt-BR" dirty="0"/>
-          </a:p>
-        </p:txBody>
-      </p:sp>
-      <p:sp>
-        <p:nvSpPr>
-          <p:cNvPr id="3" name="Espaço Reservado para Conteúdo 2"/>
-          <p:cNvSpPr>
-            <a:spLocks noGrp="1"/>
-          </p:cNvSpPr>
-          <p:nvPr>
-            <p:ph idx="1"/>
-          </p:nvPr>
-        </p:nvSpPr>
-        <p:spPr>
-          <a:xfrm>
-            <a:off x="628650" y="1690689"/>
-            <a:ext cx="7886700" cy="4486274"/>
-          </a:xfrm>
-        </p:spPr>
-        <p:txBody>
-          <a:bodyPr>
-            <a:normAutofit/>
-          </a:bodyPr>
-          <a:lstStyle/>
-          <a:p>
-            <a:r>
-              <a:rPr lang="pt-BR" sz="2800" dirty="0" smtClean="0"/>
-              <a:t>Operadores </a:t>
-            </a:r>
-            <a:r>
-              <a:rPr lang="pt-BR" sz="2800" dirty="0" err="1" smtClean="0"/>
-              <a:t>and</a:t>
-            </a:r>
-            <a:r>
-              <a:rPr lang="pt-BR" sz="2800" dirty="0" smtClean="0"/>
-              <a:t> e </a:t>
-            </a:r>
-            <a:r>
-              <a:rPr lang="pt-BR" sz="2800" dirty="0" err="1" smtClean="0"/>
-              <a:t>or</a:t>
-            </a:r>
-            <a:r>
-              <a:rPr lang="pt-BR" sz="2800" dirty="0" smtClean="0"/>
-              <a:t> são operadores da lógica booleana. </a:t>
-            </a:r>
-          </a:p>
-          <a:p>
-            <a:r>
-              <a:rPr lang="pt-BR" sz="2800" dirty="0" smtClean="0"/>
-              <a:t>E</a:t>
-            </a:r>
-          </a:p>
-          <a:p>
-            <a:pPr lvl="1"/>
-            <a:r>
-              <a:rPr lang="pt-BR" dirty="0" smtClean="0"/>
-              <a:t>Só é verdade quando a e b são verdadeiros</a:t>
-            </a:r>
-            <a:endParaRPr lang="pt-BR" dirty="0" smtClean="0"/>
-          </a:p>
-          <a:p>
-            <a:pPr lvl="1"/>
-            <a:r>
-              <a:rPr lang="pt-BR" dirty="0" smtClean="0"/>
-              <a:t>a </a:t>
-            </a:r>
-            <a:r>
-              <a:rPr lang="pt-BR" dirty="0" err="1" smtClean="0"/>
-              <a:t>and</a:t>
-            </a:r>
-            <a:r>
-              <a:rPr lang="pt-BR" dirty="0" smtClean="0"/>
-              <a:t> b (a e b)</a:t>
-            </a:r>
-          </a:p>
-          <a:p>
-            <a:r>
-              <a:rPr lang="pt-BR" dirty="0" smtClean="0"/>
-              <a:t>OU</a:t>
-            </a:r>
-          </a:p>
-          <a:p>
-            <a:pPr lvl="1"/>
-            <a:r>
-              <a:rPr lang="pt-BR" dirty="0" smtClean="0"/>
-              <a:t>Só é verdade quando pelo menos a ou b é verdadeiro</a:t>
-            </a:r>
-          </a:p>
-          <a:p>
-            <a:pPr lvl="1"/>
-            <a:r>
-              <a:rPr lang="pt-BR" dirty="0" smtClean="0"/>
-              <a:t>a </a:t>
-            </a:r>
-            <a:r>
-              <a:rPr lang="pt-BR" dirty="0" err="1" smtClean="0"/>
-              <a:t>or</a:t>
-            </a:r>
-            <a:r>
-              <a:rPr lang="pt-BR" dirty="0" smtClean="0"/>
-              <a:t> b (a ou b)</a:t>
-            </a:r>
-          </a:p>
-          <a:p>
-            <a:r>
-              <a:rPr lang="pt-BR" dirty="0" smtClean="0"/>
-              <a:t>Negação</a:t>
-            </a:r>
-          </a:p>
-          <a:p>
-            <a:pPr lvl="1"/>
-            <a:r>
-              <a:rPr lang="pt-BR" dirty="0" err="1" smtClean="0"/>
-              <a:t>not</a:t>
-            </a:r>
-            <a:r>
-              <a:rPr lang="pt-BR" dirty="0" smtClean="0"/>
-              <a:t> a (nega o valor de a)</a:t>
-            </a:r>
-            <a:endParaRPr lang="pt-BR" dirty="0" smtClean="0"/>
-          </a:p>
-        </p:txBody>
-      </p:sp>
-    </p:spTree>
-    <p:extLst>
-      <p:ext uri="{BB962C8B-B14F-4D97-AF65-F5344CB8AC3E}">
-        <p14:creationId xmlns:p14="http://schemas.microsoft.com/office/powerpoint/2010/main" val="3185725706"/>
-      </p:ext>
-    </p:extLst>
-  </p:cSld>
-  <p:clrMapOvr>
-    <a:masterClrMapping/>
-  </p:clrMapOvr>
-  <p:timing>
-    <p:tnLst>
-      <p:par>
-        <p:cTn id="1" dur="indefinite" restart="never" nodeType="tmRoot"/>
-      </p:par>
-    </p:tnLst>
-  </p:timing>
-</p:sld>
-</file>
-
-<file path=ppt/slides/slide31.xml><?xml version="1.0" encoding="utf-8"?>
-<p:sld xmlns:a="http://schemas.openxmlformats.org/drawingml/2006/main" xmlns:r="http://schemas.openxmlformats.org/officeDocument/2006/relationships" xmlns:p="http://schemas.openxmlformats.org/presentationml/2006/main">
-  <p:cSld>
-    <p:spTree>
-      <p:nvGrpSpPr>
-        <p:cNvPr id="1" name=""/>
-        <p:cNvGrpSpPr/>
-        <p:nvPr/>
-      </p:nvGrpSpPr>
-      <p:grpSpPr>
-        <a:xfrm>
-          <a:off x="0" y="0"/>
-          <a:ext cx="0" cy="0"/>
-          <a:chOff x="0" y="0"/>
-          <a:chExt cx="0" cy="0"/>
-        </a:xfrm>
-      </p:grpSpPr>
-      <p:sp>
-        <p:nvSpPr>
-          <p:cNvPr id="2" name="Título 1"/>
-          <p:cNvSpPr>
-            <a:spLocks noGrp="1"/>
-          </p:cNvSpPr>
-          <p:nvPr>
-            <p:ph type="title"/>
-          </p:nvPr>
-        </p:nvSpPr>
-        <p:spPr/>
-        <p:txBody>
-          <a:bodyPr/>
-          <a:lstStyle/>
-          <a:p>
-            <a:r>
-              <a:rPr lang="pt-BR" dirty="0" smtClean="0"/>
-              <a:t>Operadores está contido, é</a:t>
-            </a:r>
-            <a:endParaRPr lang="pt-BR" dirty="0"/>
-          </a:p>
-        </p:txBody>
-      </p:sp>
-      <p:sp>
-        <p:nvSpPr>
-          <p:cNvPr id="3" name="Espaço Reservado para Conteúdo 2"/>
-          <p:cNvSpPr>
-            <a:spLocks noGrp="1"/>
-          </p:cNvSpPr>
-          <p:nvPr>
-            <p:ph idx="1"/>
-          </p:nvPr>
-        </p:nvSpPr>
-        <p:spPr>
-          <a:xfrm>
-            <a:off x="628650" y="1690689"/>
-            <a:ext cx="7886700" cy="4486274"/>
-          </a:xfrm>
-        </p:spPr>
-        <p:txBody>
-          <a:bodyPr>
-            <a:normAutofit/>
-          </a:bodyPr>
-          <a:lstStyle/>
-          <a:p>
-            <a:r>
-              <a:rPr lang="pt-BR" dirty="0" smtClean="0"/>
-              <a:t>Está contido</a:t>
-            </a:r>
-          </a:p>
-          <a:p>
-            <a:pPr lvl="1"/>
-            <a:r>
-              <a:rPr lang="pt-BR" dirty="0" smtClean="0"/>
-              <a:t>a in b (a está contido em b)</a:t>
-            </a:r>
-          </a:p>
-          <a:p>
-            <a:r>
-              <a:rPr lang="pt-BR" dirty="0" smtClean="0"/>
-              <a:t>Nã</a:t>
-            </a:r>
-            <a:r>
-              <a:rPr lang="pt-BR" dirty="0" smtClean="0"/>
-              <a:t>o está contido</a:t>
-            </a:r>
-          </a:p>
-          <a:p>
-            <a:pPr lvl="1"/>
-            <a:r>
-              <a:rPr lang="pt-BR" dirty="0" smtClean="0"/>
-              <a:t>b </a:t>
-            </a:r>
-            <a:r>
-              <a:rPr lang="pt-BR" dirty="0" err="1" smtClean="0"/>
-              <a:t>not</a:t>
-            </a:r>
-            <a:r>
-              <a:rPr lang="pt-BR" dirty="0" smtClean="0"/>
-              <a:t> in a (b não está contido em a)</a:t>
-            </a:r>
-          </a:p>
-          <a:p>
-            <a:r>
-              <a:rPr lang="pt-BR" dirty="0" smtClean="0"/>
-              <a:t>É</a:t>
-            </a:r>
-          </a:p>
-          <a:p>
-            <a:pPr lvl="1"/>
-            <a:r>
-              <a:rPr lang="pt-BR" dirty="0" smtClean="0"/>
-              <a:t>a </a:t>
-            </a:r>
-            <a:r>
-              <a:rPr lang="pt-BR" dirty="0" err="1" smtClean="0"/>
-              <a:t>is</a:t>
-            </a:r>
-            <a:r>
-              <a:rPr lang="pt-BR" dirty="0" smtClean="0"/>
-              <a:t> b (a aponta para o mesmo objeto que b)</a:t>
-            </a:r>
-          </a:p>
-          <a:p>
-            <a:r>
-              <a:rPr lang="pt-BR" dirty="0" smtClean="0"/>
-              <a:t>NÃO É</a:t>
-            </a:r>
-          </a:p>
-          <a:p>
-            <a:pPr lvl="1"/>
-            <a:r>
-              <a:rPr lang="pt-BR" dirty="0" smtClean="0"/>
-              <a:t>a </a:t>
-            </a:r>
-            <a:r>
-              <a:rPr lang="pt-BR" dirty="0" err="1" smtClean="0"/>
-              <a:t>is</a:t>
-            </a:r>
-            <a:r>
-              <a:rPr lang="pt-BR" dirty="0" smtClean="0"/>
-              <a:t> </a:t>
-            </a:r>
-            <a:r>
-              <a:rPr lang="pt-BR" dirty="0" err="1" smtClean="0"/>
-              <a:t>not</a:t>
-            </a:r>
-            <a:r>
-              <a:rPr lang="pt-BR" dirty="0" smtClean="0"/>
-              <a:t> b (a não aponta para o mesmo objeto que b)</a:t>
-            </a:r>
-            <a:endParaRPr lang="pt-BR" dirty="0" smtClean="0"/>
-          </a:p>
-        </p:txBody>
-      </p:sp>
-    </p:spTree>
-    <p:extLst>
-      <p:ext uri="{BB962C8B-B14F-4D97-AF65-F5344CB8AC3E}">
-        <p14:creationId xmlns:p14="http://schemas.microsoft.com/office/powerpoint/2010/main" val="80063558"/>
-      </p:ext>
-    </p:extLst>
-  </p:cSld>
-  <p:clrMapOvr>
-    <a:masterClrMapping/>
-  </p:clrMapOvr>
-  <p:timing>
-    <p:tnLst>
-      <p:par>
-        <p:cTn id="1" dur="indefinite" restart="never" nodeType="tmRoot"/>
-      </p:par>
-    </p:tnLst>
-  </p:timing>
-</p:sld>
-</file>
-
-<file path=ppt/slides/slide32.xml><?xml version="1.0" encoding="utf-8"?>
-<p:sld xmlns:a="http://schemas.openxmlformats.org/drawingml/2006/main" xmlns:r="http://schemas.openxmlformats.org/officeDocument/2006/relationships" xmlns:p="http://schemas.openxmlformats.org/presentationml/2006/main">
-  <p:cSld>
-    <p:spTree>
-      <p:nvGrpSpPr>
-        <p:cNvPr id="1" name=""/>
-        <p:cNvGrpSpPr/>
-        <p:nvPr/>
-      </p:nvGrpSpPr>
-      <p:grpSpPr>
-        <a:xfrm>
-          <a:off x="0" y="0"/>
-          <a:ext cx="0" cy="0"/>
-          <a:chOff x="0" y="0"/>
-          <a:chExt cx="0" cy="0"/>
-        </a:xfrm>
-      </p:grpSpPr>
-      <p:sp>
-        <p:nvSpPr>
-          <p:cNvPr id="2" name="Título 1"/>
-          <p:cNvSpPr>
-            <a:spLocks noGrp="1"/>
-          </p:cNvSpPr>
-          <p:nvPr>
-            <p:ph type="title"/>
-          </p:nvPr>
-        </p:nvSpPr>
-        <p:spPr/>
-        <p:txBody>
-          <a:bodyPr/>
-          <a:lstStyle/>
-          <a:p>
-            <a:r>
-              <a:rPr lang="pt-BR" dirty="0" smtClean="0"/>
-              <a:t>Exercício</a:t>
-            </a:r>
-            <a:endParaRPr lang="pt-BR" dirty="0"/>
-          </a:p>
-        </p:txBody>
-      </p:sp>
-      <p:sp>
-        <p:nvSpPr>
-          <p:cNvPr id="3" name="Espaço Reservado para Conteúdo 2"/>
-          <p:cNvSpPr>
-            <a:spLocks noGrp="1"/>
-          </p:cNvSpPr>
-          <p:nvPr>
-            <p:ph idx="1"/>
-          </p:nvPr>
-        </p:nvSpPr>
-        <p:spPr>
-          <a:xfrm>
-            <a:off x="628650" y="1690689"/>
-            <a:ext cx="7886700" cy="4486274"/>
-          </a:xfrm>
-        </p:spPr>
-        <p:txBody>
-          <a:bodyPr>
-            <a:normAutofit/>
-          </a:bodyPr>
-          <a:lstStyle/>
-          <a:p>
-            <a:endParaRPr lang="pt-BR" dirty="0" smtClean="0"/>
-          </a:p>
-        </p:txBody>
-      </p:sp>
-    </p:spTree>
-    <p:extLst>
-      <p:ext uri="{BB962C8B-B14F-4D97-AF65-F5344CB8AC3E}">
-        <p14:creationId xmlns:p14="http://schemas.microsoft.com/office/powerpoint/2010/main" val="1382065745"/>
-      </p:ext>
-    </p:extLst>
-  </p:cSld>
-  <p:clrMapOvr>
-    <a:masterClrMapping/>
-  </p:clrMapOvr>
-  <p:timing>
-    <p:tnLst>
-      <p:par>
-        <p:cTn id="1" dur="indefinite" restart="never" nodeType="tmRoot"/>
-      </p:par>
-    </p:tnLst>
-  </p:timing>
-</p:sld>
-</file>
-
-<file path=ppt/slides/slide33.xml><?xml version="1.0" encoding="utf-8"?>
-<p:sld xmlns:a="http://schemas.openxmlformats.org/drawingml/2006/main" xmlns:r="http://schemas.openxmlformats.org/officeDocument/2006/relationships" xmlns:p="http://schemas.openxmlformats.org/presentationml/2006/main">
-  <p:cSld>
-    <p:spTree>
-      <p:nvGrpSpPr>
-        <p:cNvPr id="1" name=""/>
-        <p:cNvGrpSpPr/>
-        <p:nvPr/>
-      </p:nvGrpSpPr>
-      <p:grpSpPr>
-        <a:xfrm>
-          <a:off x="0" y="0"/>
-          <a:ext cx="0" cy="0"/>
-          <a:chOff x="0" y="0"/>
-          <a:chExt cx="0" cy="0"/>
-        </a:xfrm>
-      </p:grpSpPr>
-      <p:sp>
-        <p:nvSpPr>
-          <p:cNvPr id="2" name="Título 1"/>
-          <p:cNvSpPr>
-            <a:spLocks noGrp="1"/>
-          </p:cNvSpPr>
-          <p:nvPr>
-            <p:ph type="title"/>
-          </p:nvPr>
-        </p:nvSpPr>
-        <p:spPr/>
-        <p:txBody>
-          <a:bodyPr/>
-          <a:lstStyle/>
-          <a:p>
-            <a:r>
-              <a:rPr lang="pt-BR" dirty="0" smtClean="0"/>
-              <a:t>Cronograma</a:t>
-            </a:r>
-            <a:endParaRPr lang="pt-BR" dirty="0"/>
-          </a:p>
-        </p:txBody>
-      </p:sp>
-      <p:sp>
-        <p:nvSpPr>
-          <p:cNvPr id="3" name="Espaço Reservado para Conteúdo 2"/>
-          <p:cNvSpPr>
-            <a:spLocks noGrp="1"/>
-          </p:cNvSpPr>
-          <p:nvPr>
-            <p:ph idx="1"/>
-          </p:nvPr>
-        </p:nvSpPr>
-        <p:spPr>
-          <a:xfrm>
-            <a:off x="628650" y="1418897"/>
-            <a:ext cx="7886700" cy="5087006"/>
-          </a:xfrm>
-        </p:spPr>
-        <p:txBody>
-          <a:bodyPr>
-            <a:normAutofit fontScale="92500" lnSpcReduction="20000"/>
-          </a:bodyPr>
-          <a:lstStyle/>
-          <a:p>
-            <a:r>
-              <a:rPr lang="pt-BR" sz="4500" dirty="0" smtClean="0"/>
-              <a:t>Parte I:</a:t>
-            </a:r>
-          </a:p>
-          <a:p>
-            <a:pPr lvl="1"/>
-            <a:r>
-              <a:rPr lang="pt-BR" sz="4500" dirty="0" smtClean="0">
-                <a:solidFill>
-                  <a:schemeClr val="tx1">
-                    <a:lumMod val="50000"/>
-                    <a:lumOff val="50000"/>
-                  </a:schemeClr>
-                </a:solidFill>
-              </a:rPr>
-              <a:t>Introdução</a:t>
-            </a:r>
-          </a:p>
-          <a:p>
-            <a:pPr lvl="1"/>
-            <a:r>
-              <a:rPr lang="pt-BR" sz="4500" dirty="0" smtClean="0">
-                <a:solidFill>
-                  <a:schemeClr val="tx1">
-                    <a:lumMod val="50000"/>
-                    <a:lumOff val="50000"/>
-                  </a:schemeClr>
-                </a:solidFill>
-              </a:rPr>
-              <a:t>Visão geral</a:t>
-            </a:r>
-          </a:p>
-          <a:p>
-            <a:pPr lvl="1"/>
-            <a:r>
-              <a:rPr lang="pt-BR" sz="4500" dirty="0" smtClean="0">
-                <a:solidFill>
-                  <a:schemeClr val="tx1">
-                    <a:lumMod val="50000"/>
-                    <a:lumOff val="50000"/>
-                  </a:schemeClr>
-                </a:solidFill>
-              </a:rPr>
-              <a:t>Configuração do ambiente</a:t>
-            </a:r>
-          </a:p>
-          <a:p>
-            <a:pPr lvl="1"/>
-            <a:r>
-              <a:rPr lang="pt-BR" sz="4500" dirty="0" smtClean="0">
-                <a:solidFill>
-                  <a:schemeClr val="tx1">
-                    <a:lumMod val="50000"/>
-                    <a:lumOff val="50000"/>
-                  </a:schemeClr>
-                </a:solidFill>
-              </a:rPr>
-              <a:t>Sintaxe </a:t>
-            </a:r>
-            <a:r>
-              <a:rPr lang="pt-BR" sz="4500" dirty="0" smtClean="0">
-                <a:solidFill>
-                  <a:schemeClr val="tx1">
-                    <a:lumMod val="50000"/>
-                    <a:lumOff val="50000"/>
-                  </a:schemeClr>
-                </a:solidFill>
-              </a:rPr>
-              <a:t>básica</a:t>
-            </a:r>
-          </a:p>
-          <a:p>
-            <a:pPr lvl="1"/>
-            <a:r>
-              <a:rPr lang="pt-BR" sz="4500" dirty="0">
-                <a:solidFill>
-                  <a:schemeClr val="tx1">
-                    <a:lumMod val="50000"/>
-                    <a:lumOff val="50000"/>
-                  </a:schemeClr>
-                </a:solidFill>
-              </a:rPr>
-              <a:t>Tipos de </a:t>
-            </a:r>
-            <a:r>
-              <a:rPr lang="pt-BR" sz="4500" dirty="0" smtClean="0">
-                <a:solidFill>
-                  <a:schemeClr val="tx1">
-                    <a:lumMod val="50000"/>
-                    <a:lumOff val="50000"/>
-                  </a:schemeClr>
-                </a:solidFill>
-              </a:rPr>
-              <a:t>variáveis</a:t>
-            </a:r>
-            <a:endParaRPr lang="pt-BR" sz="4500" dirty="0">
-              <a:solidFill>
-                <a:schemeClr val="tx1">
-                  <a:lumMod val="50000"/>
-                  <a:lumOff val="50000"/>
-                </a:schemeClr>
-              </a:solidFill>
-            </a:endParaRPr>
-          </a:p>
-          <a:p>
-            <a:pPr lvl="1"/>
-            <a:r>
-              <a:rPr lang="pt-BR" sz="4500" dirty="0" smtClean="0">
-                <a:solidFill>
-                  <a:schemeClr val="tx1">
-                    <a:lumMod val="50000"/>
-                    <a:lumOff val="50000"/>
-                  </a:schemeClr>
-                </a:solidFill>
-              </a:rPr>
-              <a:t>Operadores </a:t>
-            </a:r>
-            <a:r>
-              <a:rPr lang="pt-BR" sz="4500" dirty="0" smtClean="0">
-                <a:solidFill>
-                  <a:schemeClr val="tx1">
-                    <a:lumMod val="50000"/>
-                    <a:lumOff val="50000"/>
-                  </a:schemeClr>
-                </a:solidFill>
-              </a:rPr>
-              <a:t>básicos</a:t>
-            </a:r>
-          </a:p>
-          <a:p>
-            <a:pPr lvl="1"/>
-            <a:r>
-              <a:rPr lang="pt-BR" sz="4500" dirty="0" smtClean="0"/>
-              <a:t>Operadores condicionais</a:t>
-            </a:r>
-          </a:p>
-          <a:p>
-            <a:pPr lvl="1"/>
-            <a:r>
-              <a:rPr lang="pt-BR" sz="4500" dirty="0" smtClean="0">
-                <a:solidFill>
-                  <a:schemeClr val="tx1">
-                    <a:lumMod val="50000"/>
-                    <a:lumOff val="50000"/>
-                  </a:schemeClr>
-                </a:solidFill>
-              </a:rPr>
-              <a:t>Laços de </a:t>
-            </a:r>
-            <a:r>
-              <a:rPr lang="pt-BR" sz="4500" dirty="0" smtClean="0">
-                <a:solidFill>
-                  <a:schemeClr val="tx1">
-                    <a:lumMod val="50000"/>
-                    <a:lumOff val="50000"/>
-                  </a:schemeClr>
-                </a:solidFill>
-              </a:rPr>
-              <a:t>repetição</a:t>
-            </a:r>
-            <a:endParaRPr lang="pt-BR" dirty="0"/>
-          </a:p>
-        </p:txBody>
-      </p:sp>
-    </p:spTree>
-    <p:extLst>
-      <p:ext uri="{BB962C8B-B14F-4D97-AF65-F5344CB8AC3E}">
-        <p14:creationId xmlns:p14="http://schemas.microsoft.com/office/powerpoint/2010/main" val="4261324314"/>
-      </p:ext>
-    </p:extLst>
-  </p:cSld>
-  <p:clrMapOvr>
-    <a:masterClrMapping/>
-  </p:clrMapOvr>
-  <p:timing>
-    <p:tnLst>
-      <p:par>
-        <p:cTn id="1" dur="indefinite" restart="never" nodeType="tmRoot"/>
-      </p:par>
-    </p:tnLst>
-  </p:timing>
-</p:sld>
-</file>
-
-<file path=ppt/slides/slide34.xml><?xml version="1.0" encoding="utf-8"?>
-<p:sld xmlns:a="http://schemas.openxmlformats.org/drawingml/2006/main" xmlns:r="http://schemas.openxmlformats.org/officeDocument/2006/relationships" xmlns:p="http://schemas.openxmlformats.org/presentationml/2006/main">
-  <p:cSld>
-    <p:spTree>
-      <p:nvGrpSpPr>
-        <p:cNvPr id="1" name=""/>
-        <p:cNvGrpSpPr/>
-        <p:nvPr/>
-      </p:nvGrpSpPr>
-      <p:grpSpPr>
-        <a:xfrm>
-          <a:off x="0" y="0"/>
-          <a:ext cx="0" cy="0"/>
-          <a:chOff x="0" y="0"/>
-          <a:chExt cx="0" cy="0"/>
-        </a:xfrm>
-      </p:grpSpPr>
-      <p:sp>
-        <p:nvSpPr>
-          <p:cNvPr id="2" name="Título 1"/>
-          <p:cNvSpPr>
-            <a:spLocks noGrp="1"/>
-          </p:cNvSpPr>
-          <p:nvPr>
-            <p:ph type="title"/>
-          </p:nvPr>
-        </p:nvSpPr>
-        <p:spPr/>
-        <p:txBody>
-          <a:bodyPr/>
-          <a:lstStyle/>
-          <a:p>
-            <a:r>
-              <a:rPr lang="pt-BR" dirty="0" smtClean="0"/>
-              <a:t>Operadores condicionais</a:t>
-            </a:r>
-            <a:endParaRPr lang="pt-BR" dirty="0"/>
-          </a:p>
-        </p:txBody>
-      </p:sp>
-      <p:pic>
-        <p:nvPicPr>
-          <p:cNvPr id="6" name="Espaço Reservado para Conteúdo 5"/>
-          <p:cNvPicPr>
-            <a:picLocks noGrp="1" noChangeAspect="1"/>
-          </p:cNvPicPr>
-          <p:nvPr>
-            <p:ph idx="1"/>
-          </p:nvPr>
-        </p:nvPicPr>
-        <p:blipFill>
-          <a:blip r:embed="rId2">
-            <a:extLst>
-              <a:ext uri="{28A0092B-C50C-407E-A947-70E740481C1C}">
-                <a14:useLocalDpi xmlns:a14="http://schemas.microsoft.com/office/drawing/2010/main" val="0"/>
-              </a:ext>
-            </a:extLst>
-          </a:blip>
-          <a:stretch>
-            <a:fillRect/>
-          </a:stretch>
-        </p:blipFill>
-        <p:spPr>
-          <a:xfrm>
-            <a:off x="1653847" y="2086851"/>
-            <a:ext cx="2524125" cy="3228975"/>
-          </a:xfrm>
-        </p:spPr>
-      </p:pic>
-      <p:sp>
-        <p:nvSpPr>
-          <p:cNvPr id="7" name="CaixaDeTexto 6"/>
-          <p:cNvSpPr txBox="1"/>
-          <p:nvPr/>
-        </p:nvSpPr>
-        <p:spPr>
-          <a:xfrm>
-            <a:off x="5456839" y="2793397"/>
-            <a:ext cx="2806262" cy="1815882"/>
-          </a:xfrm>
-          <a:prstGeom prst="rect">
-            <a:avLst/>
-          </a:prstGeom>
-          <a:noFill/>
-        </p:spPr>
-        <p:txBody>
-          <a:bodyPr wrap="square" rtlCol="0">
-            <a:spAutoFit/>
-          </a:bodyPr>
-          <a:lstStyle/>
-          <a:p>
-            <a:r>
-              <a:rPr lang="pt-BR" sz="2800" dirty="0" err="1" smtClean="0"/>
-              <a:t>if</a:t>
-            </a:r>
-            <a:r>
-              <a:rPr lang="pt-BR" sz="2800" dirty="0" smtClean="0"/>
-              <a:t> condição:</a:t>
-            </a:r>
-          </a:p>
-          <a:p>
-            <a:r>
-              <a:rPr lang="pt-BR" sz="2800" dirty="0" smtClean="0"/>
-              <a:t>	…código...</a:t>
-            </a:r>
-          </a:p>
-          <a:p>
-            <a:r>
-              <a:rPr lang="pt-BR" sz="2800" dirty="0" err="1" smtClean="0"/>
-              <a:t>else</a:t>
-            </a:r>
-            <a:r>
-              <a:rPr lang="pt-BR" sz="2800" dirty="0" smtClean="0"/>
-              <a:t>:</a:t>
-            </a:r>
-          </a:p>
-          <a:p>
-            <a:r>
-              <a:rPr lang="pt-BR" sz="2800" dirty="0" smtClean="0"/>
-              <a:t>	…código...</a:t>
-            </a:r>
-            <a:endParaRPr lang="pt-BR" sz="2800" dirty="0"/>
-          </a:p>
-        </p:txBody>
-      </p:sp>
-    </p:spTree>
-    <p:extLst>
-      <p:ext uri="{BB962C8B-B14F-4D97-AF65-F5344CB8AC3E}">
-        <p14:creationId xmlns:p14="http://schemas.microsoft.com/office/powerpoint/2010/main" val="866245257"/>
-      </p:ext>
-    </p:extLst>
-  </p:cSld>
-  <p:clrMapOvr>
-    <a:masterClrMapping/>
-  </p:clrMapOvr>
-  <p:timing>
-    <p:tnLst>
-      <p:par>
-        <p:cTn id="1" dur="indefinite" restart="never" nodeType="tmRoot"/>
-      </p:par>
-    </p:tnLst>
-  </p:timing>
-</p:sld>
-</file>
-
 <file path=ppt/slides/slide35.xml><?xml version="1.0" encoding="utf-8"?>
 <p:sld xmlns:a="http://schemas.openxmlformats.org/drawingml/2006/main" xmlns:r="http://schemas.openxmlformats.org/officeDocument/2006/relationships" xmlns:p="http://schemas.openxmlformats.org/presentationml/2006/main">
   <p:cSld>
@@ -9524,7 +9378,7 @@
           <a:p>
             <a:r>
               <a:rPr lang="pt-BR" dirty="0" smtClean="0"/>
-              <a:t>Exercício</a:t>
+              <a:t>Operadores combinados</a:t>
             </a:r>
             <a:endParaRPr lang="pt-BR" dirty="0"/>
           </a:p>
@@ -9542,24 +9396,112 @@
         </p:nvSpPr>
         <p:spPr>
           <a:xfrm>
-            <a:off x="628650" y="1690689"/>
-            <a:ext cx="7886700" cy="4486274"/>
+            <a:off x="628650" y="1690688"/>
+            <a:ext cx="7886700" cy="4836235"/>
           </a:xfrm>
         </p:spPr>
         <p:txBody>
           <a:bodyPr>
-            <a:normAutofit/>
+            <a:normAutofit fontScale="85000" lnSpcReduction="20000"/>
           </a:bodyPr>
           <a:lstStyle/>
           <a:p>
-            <a:endParaRPr lang="pt-BR" dirty="0" smtClean="0"/>
+            <a:r>
+              <a:rPr lang="pt-BR" sz="3200" dirty="0" smtClean="0"/>
+              <a:t>Adiciona e atribui</a:t>
+            </a:r>
+          </a:p>
+          <a:p>
+            <a:pPr lvl="1"/>
+            <a:r>
+              <a:rPr lang="pt-BR" dirty="0" smtClean="0"/>
+              <a:t>a += b (a = a + b)</a:t>
+            </a:r>
+          </a:p>
+          <a:p>
+            <a:r>
+              <a:rPr lang="pt-BR" dirty="0" smtClean="0"/>
+              <a:t>Subtrai e atribui</a:t>
+            </a:r>
+          </a:p>
+          <a:p>
+            <a:pPr lvl="1"/>
+            <a:r>
+              <a:rPr lang="pt-BR" dirty="0" smtClean="0"/>
+              <a:t>b -= a (b = b – a)</a:t>
+            </a:r>
+          </a:p>
+          <a:p>
+            <a:r>
+              <a:rPr lang="pt-BR" dirty="0" smtClean="0"/>
+              <a:t>Multiplica e atribui</a:t>
+            </a:r>
+          </a:p>
+          <a:p>
+            <a:pPr lvl="1"/>
+            <a:r>
+              <a:rPr lang="pt-BR" dirty="0" smtClean="0"/>
+              <a:t>a *= b (a = a * b)</a:t>
+            </a:r>
+          </a:p>
+          <a:p>
+            <a:r>
+              <a:rPr lang="pt-BR" dirty="0" smtClean="0"/>
+              <a:t>Divide e atribui</a:t>
+            </a:r>
+          </a:p>
+          <a:p>
+            <a:pPr lvl="1"/>
+            <a:r>
+              <a:rPr lang="pt-BR" dirty="0" smtClean="0"/>
+              <a:t>a /= b (a = a / b)</a:t>
+            </a:r>
+          </a:p>
+          <a:p>
+            <a:r>
+              <a:rPr lang="pt-BR" dirty="0" smtClean="0"/>
+              <a:t>Calcula o resto e atribui</a:t>
+            </a:r>
+          </a:p>
+          <a:p>
+            <a:pPr lvl="1"/>
+            <a:r>
+              <a:rPr lang="pt-BR" dirty="0" smtClean="0"/>
+              <a:t>a %= b (a = a % b)</a:t>
+            </a:r>
+          </a:p>
+          <a:p>
+            <a:r>
+              <a:rPr lang="pt-BR" dirty="0" smtClean="0"/>
+              <a:t>Calcula a potência e atribui</a:t>
+            </a:r>
+          </a:p>
+          <a:p>
+            <a:pPr lvl="1"/>
+            <a:r>
+              <a:rPr lang="pt-BR" dirty="0" smtClean="0"/>
+              <a:t>a ** b (a = a ** b)</a:t>
+            </a:r>
+          </a:p>
+          <a:p>
+            <a:r>
+              <a:rPr lang="pt-BR" dirty="0" smtClean="0"/>
+              <a:t>Divide, arredonda e atribui</a:t>
+            </a:r>
+          </a:p>
+          <a:p>
+            <a:pPr lvl="1"/>
+            <a:r>
+              <a:rPr lang="pt-BR" dirty="0" smtClean="0"/>
+              <a:t>a //= b (a = a // b)</a:t>
+            </a:r>
           </a:p>
         </p:txBody>
       </p:sp>
     </p:spTree>
     <p:extLst>
       <p:ext uri="{BB962C8B-B14F-4D97-AF65-F5344CB8AC3E}">
-        <p14:creationId xmlns:p14="http://schemas.microsoft.com/office/powerpoint/2010/main" val="268550982"/>
+        <p14:creationId xmlns:p14="http://schemas.microsoft.com/office/powerpoint/2010/main" val="1847866460"/>
       </p:ext>
     </p:extLst>
   </p:cSld>
@@ -9610,7 +9552,7 @@
           <a:p>
             <a:r>
               <a:rPr lang="pt-BR" dirty="0" smtClean="0"/>
-              <a:t>Cronograma</a:t>
+              <a:t>Exercício</a:t>
             </a:r>
             <a:endParaRPr lang="pt-BR" dirty="0"/>
           </a:p>
@@ -9628,179 +9570,33 @@
         </p:nvSpPr>
         <p:spPr>
           <a:xfrm>
-            <a:off x="628650" y="1418897"/>
-            <a:ext cx="7886700" cy="5087006"/>
+            <a:off x="628650" y="1690689"/>
+            <a:ext cx="7886700" cy="4486274"/>
           </a:xfrm>
         </p:spPr>
         <p:txBody>
           <a:bodyPr>
-            <a:normAutofit fontScale="92500" lnSpcReduction="20000"/>
+            <a:normAutofit/>
           </a:bodyPr>
           <a:lstStyle/>
           <a:p>
             <a:r>
-              <a:rPr lang="pt-BR" sz="4500" dirty="0" smtClean="0"/>
-              <a:t>Parte I:</a:t>
-            </a:r>
-          </a:p>
-          <a:p>
-            <a:pPr lvl="1"/>
-            <a:r>
-              <a:rPr lang="pt-BR" sz="4500" dirty="0" smtClean="0">
-                <a:solidFill>
-                  <a:schemeClr val="tx1">
-                    <a:lumMod val="50000"/>
-                    <a:lumOff val="50000"/>
-                  </a:schemeClr>
-                </a:solidFill>
-              </a:rPr>
-              <a:t>Introdução</a:t>
-            </a:r>
-          </a:p>
-          <a:p>
-            <a:pPr lvl="1"/>
-            <a:r>
-              <a:rPr lang="pt-BR" sz="4500" dirty="0" smtClean="0">
-                <a:solidFill>
-                  <a:schemeClr val="tx1">
-                    <a:lumMod val="50000"/>
-                    <a:lumOff val="50000"/>
-                  </a:schemeClr>
-                </a:solidFill>
-              </a:rPr>
-              <a:t>Visão geral</a:t>
-            </a:r>
-          </a:p>
-          <a:p>
-            <a:pPr lvl="1"/>
-            <a:r>
-              <a:rPr lang="pt-BR" sz="4500" dirty="0" smtClean="0">
-                <a:solidFill>
-                  <a:schemeClr val="tx1">
-                    <a:lumMod val="50000"/>
-                    <a:lumOff val="50000"/>
-                  </a:schemeClr>
-                </a:solidFill>
-              </a:rPr>
-              <a:t>Configuração do ambiente</a:t>
-            </a:r>
-          </a:p>
-          <a:p>
-            <a:pPr lvl="1"/>
-            <a:r>
-              <a:rPr lang="pt-BR" sz="4500" dirty="0" smtClean="0">
-                <a:solidFill>
-                  <a:schemeClr val="tx1">
-                    <a:lumMod val="50000"/>
-                    <a:lumOff val="50000"/>
-                  </a:schemeClr>
-                </a:solidFill>
-              </a:rPr>
-              <a:t>Sintaxe </a:t>
-            </a:r>
-            <a:r>
-              <a:rPr lang="pt-BR" sz="4500" dirty="0" smtClean="0">
-                <a:solidFill>
-                  <a:schemeClr val="tx1">
-                    <a:lumMod val="50000"/>
-                    <a:lumOff val="50000"/>
-                  </a:schemeClr>
-                </a:solidFill>
-              </a:rPr>
-              <a:t>básica</a:t>
-            </a:r>
-          </a:p>
-          <a:p>
-            <a:pPr lvl="1"/>
-            <a:r>
-              <a:rPr lang="pt-BR" sz="4500" dirty="0">
-                <a:solidFill>
-                  <a:schemeClr val="tx1">
-                    <a:lumMod val="50000"/>
-                    <a:lumOff val="50000"/>
-                  </a:schemeClr>
-                </a:solidFill>
-              </a:rPr>
-              <a:t>Tipos de </a:t>
-            </a:r>
-            <a:r>
-              <a:rPr lang="pt-BR" sz="4500" dirty="0" smtClean="0">
-                <a:solidFill>
-                  <a:schemeClr val="tx1">
-                    <a:lumMod val="50000"/>
-                    <a:lumOff val="50000"/>
-                  </a:schemeClr>
-                </a:solidFill>
-              </a:rPr>
-              <a:t>variáveis</a:t>
-            </a:r>
-            <a:endParaRPr lang="pt-BR" sz="4500" dirty="0">
-              <a:solidFill>
-                <a:schemeClr val="tx1">
-                  <a:lumMod val="50000"/>
-                  <a:lumOff val="50000"/>
-                </a:schemeClr>
-              </a:solidFill>
-            </a:endParaRPr>
-          </a:p>
-          <a:p>
-            <a:pPr lvl="1"/>
-            <a:r>
-              <a:rPr lang="pt-BR" sz="4500" dirty="0" smtClean="0">
-                <a:solidFill>
-                  <a:schemeClr val="tx1">
-                    <a:lumMod val="50000"/>
-                    <a:lumOff val="50000"/>
-                  </a:schemeClr>
-                </a:solidFill>
-              </a:rPr>
-              <a:t>Operadores </a:t>
-            </a:r>
-            <a:r>
-              <a:rPr lang="pt-BR" sz="4500" dirty="0" smtClean="0">
-                <a:solidFill>
-                  <a:schemeClr val="tx1">
-                    <a:lumMod val="50000"/>
-                    <a:lumOff val="50000"/>
-                  </a:schemeClr>
-                </a:solidFill>
-              </a:rPr>
-              <a:t>básicos</a:t>
-            </a:r>
-          </a:p>
-          <a:p>
-            <a:pPr lvl="1"/>
-            <a:r>
-              <a:rPr lang="pt-BR" sz="4500" dirty="0" smtClean="0">
-                <a:solidFill>
-                  <a:schemeClr val="tx1">
-                    <a:lumMod val="50000"/>
-                    <a:lumOff val="50000"/>
-                  </a:schemeClr>
-                </a:solidFill>
-              </a:rPr>
-              <a:t>Operadores condicionais</a:t>
-            </a:r>
-          </a:p>
-          <a:p>
-            <a:pPr lvl="1"/>
-            <a:r>
-              <a:rPr lang="pt-BR" sz="4500" dirty="0" smtClean="0"/>
-              <a:t>Laços de repetição</a:t>
-            </a:r>
-          </a:p>
-          <a:p>
-            <a:pPr marL="0" indent="0">
-              <a:buNone/>
-            </a:pPr>
-            <a:endParaRPr lang="pt-BR" dirty="0"/>
+              <a:rPr lang="pt-BR" dirty="0" smtClean="0"/>
+              <a:t>Norma do vetor</a:t>
+            </a:r>
+          </a:p>
+          <a:p>
+            <a:r>
+              <a:rPr lang="pt-BR" dirty="0" smtClean="0"/>
+              <a:t>Normalizar o vetor</a:t>
+            </a:r>
           </a:p>
         </p:txBody>
       </p:sp>
     </p:spTree>
     <p:extLst>
       <p:ext uri="{BB962C8B-B14F-4D97-AF65-F5344CB8AC3E}">
-        <p14:creationId xmlns:p14="http://schemas.microsoft.com/office/powerpoint/2010/main" val="3798452757"/>
+        <p14:creationId xmlns:p14="http://schemas.microsoft.com/office/powerpoint/2010/main" val="575582437"/>
       </p:ext>
     </p:extLst>
   </p:cSld>
@@ -9850,8 +9646,8 @@
           <a:lstStyle/>
           <a:p>
             <a:r>
-              <a:rPr lang="pt-BR" dirty="0" err="1" smtClean="0"/>
-              <a:t>While</a:t>
+              <a:rPr lang="pt-BR" dirty="0" smtClean="0"/>
+              <a:t>Operadores lógicos</a:t>
             </a:r>
             <a:endParaRPr lang="pt-BR" dirty="0"/>
           </a:p>
@@ -9870,7 +9666,7 @@
         <p:spPr>
           <a:xfrm>
             <a:off x="628650" y="1690689"/>
-            <a:ext cx="3670081" cy="1010470"/>
+            <a:ext cx="7886700" cy="4486274"/>
           </a:xfrm>
         </p:spPr>
         <p:txBody>
@@ -9879,299 +9675,63 @@
           </a:bodyPr>
           <a:lstStyle/>
           <a:p>
-            <a:pPr marL="0" indent="0">
-              <a:buNone/>
-            </a:pPr>
-            <a:r>
-              <a:rPr lang="pt-BR" dirty="0" err="1" smtClean="0"/>
-              <a:t>while</a:t>
-            </a:r>
-            <a:r>
-              <a:rPr lang="pt-BR" dirty="0" smtClean="0"/>
-              <a:t> expressão:</a:t>
-            </a:r>
-            <a:br>
-              <a:rPr lang="pt-BR" dirty="0" smtClean="0"/>
-            </a:br>
-            <a:r>
-              <a:rPr lang="pt-BR" dirty="0" smtClean="0"/>
-              <a:t>	...código...</a:t>
-            </a:r>
-            <a:endParaRPr lang="pt-BR" dirty="0" smtClean="0"/>
-          </a:p>
-        </p:txBody>
-      </p:sp>
-      <p:pic>
-        <p:nvPicPr>
-          <p:cNvPr id="4" name="Imagem 3"/>
-          <p:cNvPicPr>
-            <a:picLocks noChangeAspect="1"/>
-          </p:cNvPicPr>
-          <p:nvPr/>
-        </p:nvPicPr>
-        <p:blipFill>
-          <a:blip r:embed="rId2">
-            <a:extLst>
-              <a:ext uri="{28A0092B-C50C-407E-A947-70E740481C1C}">
-                <a14:useLocalDpi xmlns:a14="http://schemas.microsoft.com/office/drawing/2010/main" val="0"/>
-              </a:ext>
-            </a:extLst>
-          </a:blip>
-          <a:stretch>
-            <a:fillRect/>
-          </a:stretch>
-        </p:blipFill>
-        <p:spPr>
-          <a:xfrm>
-            <a:off x="4748869" y="1525971"/>
-            <a:ext cx="2505075" cy="3848100"/>
-          </a:xfrm>
-          <a:prstGeom prst="rect">
-            <a:avLst/>
-          </a:prstGeom>
-        </p:spPr>
-      </p:pic>
-      <p:sp>
-        <p:nvSpPr>
-          <p:cNvPr id="5" name="Espaço Reservado para Conteúdo 2"/>
-          <p:cNvSpPr txBox="1">
-            <a:spLocks/>
-          </p:cNvSpPr>
-          <p:nvPr/>
-        </p:nvSpPr>
-        <p:spPr>
-          <a:xfrm>
-            <a:off x="628649" y="3198924"/>
-            <a:ext cx="3670081" cy="1867062"/>
-          </a:xfrm>
-          <a:prstGeom prst="rect">
-            <a:avLst/>
-          </a:prstGeom>
-        </p:spPr>
-        <p:txBody>
-          <a:bodyPr vert="horz" lIns="91440" tIns="45720" rIns="91440" bIns="45720" rtlCol="0">
-            <a:normAutofit lnSpcReduction="10000"/>
-          </a:bodyPr>
-          <a:lstStyle>
-            <a:lvl1pPr marL="228600" indent="-228600" algn="l" defTabSz="914400" rtl="0" eaLnBrk="1" latinLnBrk="0" hangingPunct="1">
-              <a:lnSpc>
-                <a:spcPct val="90000"/>
-              </a:lnSpc>
-              <a:spcBef>
-                <a:spcPts val="1000"/>
-              </a:spcBef>
-              <a:buFont typeface="Arial" panose="020B0604020202020204" pitchFamily="34" charset="0"/>
-              <a:buChar char="•"/>
-              <a:defRPr sz="2800" kern="1200">
-                <a:solidFill>
-                  <a:schemeClr val="tx1"/>
-                </a:solidFill>
-                <a:latin typeface="+mn-lt"/>
-                <a:ea typeface="+mn-ea"/>
-                <a:cs typeface="+mn-cs"/>
-              </a:defRPr>
-            </a:lvl1pPr>
-            <a:lvl2pPr marL="685800" indent="-228600" algn="l" defTabSz="914400" rtl="0" eaLnBrk="1" latinLnBrk="0" hangingPunct="1">
-              <a:lnSpc>
-                <a:spcPct val="90000"/>
-              </a:lnSpc>
-              <a:spcBef>
-                <a:spcPts val="500"/>
-              </a:spcBef>
-              <a:buFont typeface="Arial" panose="020B0604020202020204" pitchFamily="34" charset="0"/>
-              <a:buChar char="•"/>
-              <a:defRPr sz="2400" kern="1200">
-                <a:solidFill>
-                  <a:schemeClr val="tx1"/>
-                </a:solidFill>
-                <a:latin typeface="+mn-lt"/>
-                <a:ea typeface="+mn-ea"/>
-                <a:cs typeface="+mn-cs"/>
-              </a:defRPr>
-            </a:lvl2pPr>
-            <a:lvl3pPr marL="1143000" indent="-228600" algn="l" defTabSz="914400" rtl="0" eaLnBrk="1" latinLnBrk="0" hangingPunct="1">
-              <a:lnSpc>
-                <a:spcPct val="90000"/>
-              </a:lnSpc>
-              <a:spcBef>
-                <a:spcPts val="500"/>
-              </a:spcBef>
-              <a:buFont typeface="Arial" panose="020B0604020202020204" pitchFamily="34" charset="0"/>
-              <a:buChar char="•"/>
-              <a:defRPr sz="2000" kern="1200">
-                <a:solidFill>
-                  <a:schemeClr val="tx1"/>
-                </a:solidFill>
-                <a:latin typeface="+mn-lt"/>
-                <a:ea typeface="+mn-ea"/>
-                <a:cs typeface="+mn-cs"/>
-              </a:defRPr>
-            </a:lvl3pPr>
-            <a:lvl4pPr marL="1600200" indent="-228600" algn="l" defTabSz="914400" rtl="0" eaLnBrk="1" latinLnBrk="0" hangingPunct="1">
-              <a:lnSpc>
-                <a:spcPct val="90000"/>
-              </a:lnSpc>
-              <a:spcBef>
-                <a:spcPts val="500"/>
-              </a:spcBef>
-              <a:buFont typeface="Arial" panose="020B0604020202020204" pitchFamily="34" charset="0"/>
-              <a:buChar char="•"/>
-              <a:defRPr sz="1800" kern="1200">
-                <a:solidFill>
-                  <a:schemeClr val="tx1"/>
-                </a:solidFill>
-                <a:latin typeface="+mn-lt"/>
-                <a:ea typeface="+mn-ea"/>
-                <a:cs typeface="+mn-cs"/>
-              </a:defRPr>
-            </a:lvl4pPr>
-            <a:lvl5pPr marL="2057400" indent="-228600" algn="l" defTabSz="914400" rtl="0" eaLnBrk="1" latinLnBrk="0" hangingPunct="1">
-              <a:lnSpc>
-                <a:spcPct val="90000"/>
-              </a:lnSpc>
-              <a:spcBef>
-                <a:spcPts val="500"/>
-              </a:spcBef>
-              <a:buFont typeface="Arial" panose="020B0604020202020204" pitchFamily="34" charset="0"/>
-              <a:buChar char="•"/>
-              <a:defRPr sz="1800" kern="1200">
-                <a:solidFill>
-                  <a:schemeClr val="tx1"/>
-                </a:solidFill>
-                <a:latin typeface="+mn-lt"/>
-                <a:ea typeface="+mn-ea"/>
-                <a:cs typeface="+mn-cs"/>
-              </a:defRPr>
-            </a:lvl5pPr>
-            <a:lvl6pPr marL="2514600" indent="-228600" algn="l" defTabSz="914400" rtl="0" eaLnBrk="1" latinLnBrk="0" hangingPunct="1">
-              <a:lnSpc>
-                <a:spcPct val="90000"/>
-              </a:lnSpc>
-              <a:spcBef>
-                <a:spcPts val="500"/>
-              </a:spcBef>
-              <a:buFont typeface="Arial" panose="020B0604020202020204" pitchFamily="34" charset="0"/>
-              <a:buChar char="•"/>
-              <a:defRPr sz="1800" kern="1200">
-                <a:solidFill>
-                  <a:schemeClr val="tx1"/>
-                </a:solidFill>
-                <a:latin typeface="+mn-lt"/>
-                <a:ea typeface="+mn-ea"/>
-                <a:cs typeface="+mn-cs"/>
-              </a:defRPr>
-            </a:lvl6pPr>
-            <a:lvl7pPr marL="2971800" indent="-228600" algn="l" defTabSz="914400" rtl="0" eaLnBrk="1" latinLnBrk="0" hangingPunct="1">
-              <a:lnSpc>
-                <a:spcPct val="90000"/>
-              </a:lnSpc>
-              <a:spcBef>
-                <a:spcPts val="500"/>
-              </a:spcBef>
-              <a:buFont typeface="Arial" panose="020B0604020202020204" pitchFamily="34" charset="0"/>
-              <a:buChar char="•"/>
-              <a:defRPr sz="1800" kern="1200">
-                <a:solidFill>
-                  <a:schemeClr val="tx1"/>
-                </a:solidFill>
-                <a:latin typeface="+mn-lt"/>
-                <a:ea typeface="+mn-ea"/>
-                <a:cs typeface="+mn-cs"/>
-              </a:defRPr>
-            </a:lvl7pPr>
-            <a:lvl8pPr marL="3429000" indent="-228600" algn="l" defTabSz="914400" rtl="0" eaLnBrk="1" latinLnBrk="0" hangingPunct="1">
-              <a:lnSpc>
-                <a:spcPct val="90000"/>
-              </a:lnSpc>
-              <a:spcBef>
-                <a:spcPts val="500"/>
-              </a:spcBef>
-              <a:buFont typeface="Arial" panose="020B0604020202020204" pitchFamily="34" charset="0"/>
-              <a:buChar char="•"/>
-              <a:defRPr sz="1800" kern="1200">
-                <a:solidFill>
-                  <a:schemeClr val="tx1"/>
-                </a:solidFill>
-                <a:latin typeface="+mn-lt"/>
-                <a:ea typeface="+mn-ea"/>
-                <a:cs typeface="+mn-cs"/>
-              </a:defRPr>
-            </a:lvl8pPr>
-            <a:lvl9pPr marL="3886200" indent="-228600" algn="l" defTabSz="914400" rtl="0" eaLnBrk="1" latinLnBrk="0" hangingPunct="1">
-              <a:lnSpc>
-                <a:spcPct val="90000"/>
-              </a:lnSpc>
-              <a:spcBef>
-                <a:spcPts val="500"/>
-              </a:spcBef>
-              <a:buFont typeface="Arial" panose="020B0604020202020204" pitchFamily="34" charset="0"/>
-              <a:buChar char="•"/>
-              <a:defRPr sz="1800" kern="1200">
-                <a:solidFill>
-                  <a:schemeClr val="tx1"/>
-                </a:solidFill>
-                <a:latin typeface="+mn-lt"/>
-                <a:ea typeface="+mn-ea"/>
-                <a:cs typeface="+mn-cs"/>
-              </a:defRPr>
-            </a:lvl9pPr>
-          </a:lstStyle>
-          <a:p>
-            <a:pPr marL="0" indent="0">
-              <a:buFont typeface="Arial" panose="020B0604020202020204" pitchFamily="34" charset="0"/>
-              <a:buNone/>
-            </a:pPr>
-            <a:r>
-              <a:rPr lang="pt-BR" dirty="0" err="1" smtClean="0"/>
-              <a:t>while</a:t>
-            </a:r>
-            <a:r>
-              <a:rPr lang="pt-BR" dirty="0" smtClean="0"/>
-              <a:t> expressão:</a:t>
-            </a:r>
-            <a:br>
-              <a:rPr lang="pt-BR" dirty="0" smtClean="0"/>
-            </a:br>
-            <a:r>
-              <a:rPr lang="pt-BR" dirty="0" smtClean="0"/>
-              <a:t>	...código...</a:t>
-            </a:r>
-          </a:p>
-          <a:p>
-            <a:pPr marL="0" indent="0">
-              <a:buFont typeface="Arial" panose="020B0604020202020204" pitchFamily="34" charset="0"/>
-              <a:buNone/>
-            </a:pPr>
-            <a:r>
-              <a:rPr lang="pt-BR" dirty="0" err="1" smtClean="0"/>
-              <a:t>else</a:t>
-            </a:r>
-            <a:r>
-              <a:rPr lang="pt-BR" dirty="0" smtClean="0"/>
-              <a:t>:</a:t>
-            </a:r>
-          </a:p>
-          <a:p>
-            <a:pPr marL="0" indent="0">
-              <a:buFont typeface="Arial" panose="020B0604020202020204" pitchFamily="34" charset="0"/>
-              <a:buNone/>
-            </a:pPr>
-            <a:r>
-              <a:rPr lang="pt-BR" dirty="0"/>
-              <a:t>	</a:t>
-            </a:r>
-            <a:r>
-              <a:rPr lang="pt-BR" dirty="0" smtClean="0"/>
-              <a:t>...código...</a:t>
-            </a:r>
-            <a:endParaRPr lang="pt-BR" dirty="0" smtClean="0"/>
+            <a:r>
+              <a:rPr lang="pt-BR" sz="3200" dirty="0" smtClean="0"/>
+              <a:t>Igualdade</a:t>
+            </a:r>
+          </a:p>
+          <a:p>
+            <a:pPr lvl="1"/>
+            <a:r>
+              <a:rPr lang="pt-BR" sz="2800" dirty="0" smtClean="0"/>
+              <a:t>a == b (a é igual a b?)</a:t>
+            </a:r>
+          </a:p>
+          <a:p>
+            <a:r>
+              <a:rPr lang="pt-BR" sz="3200" dirty="0" smtClean="0"/>
+              <a:t>Diferença</a:t>
+            </a:r>
+          </a:p>
+          <a:p>
+            <a:pPr lvl="1"/>
+            <a:r>
+              <a:rPr lang="pt-BR" sz="2800" dirty="0" smtClean="0"/>
+              <a:t>a != b ou a &lt;&gt; b (a é diferente de b?)</a:t>
+            </a:r>
+          </a:p>
+          <a:p>
+            <a:r>
+              <a:rPr lang="pt-BR" sz="3200" dirty="0" smtClean="0"/>
+              <a:t>Maior e menor</a:t>
+            </a:r>
+          </a:p>
+          <a:p>
+            <a:pPr lvl="1"/>
+            <a:r>
+              <a:rPr lang="pt-BR" sz="2800" dirty="0" smtClean="0"/>
+              <a:t>a &gt; b (maior que) e a &lt; b (menor que)</a:t>
+            </a:r>
+          </a:p>
+          <a:p>
+            <a:r>
+              <a:rPr lang="pt-BR" sz="3200" dirty="0" smtClean="0"/>
+              <a:t>Maior/menor e igual</a:t>
+            </a:r>
+          </a:p>
+          <a:p>
+            <a:pPr lvl="1"/>
+            <a:r>
+              <a:rPr lang="pt-BR" sz="2800" dirty="0" smtClean="0"/>
+              <a:t>a &gt;= b e a &lt;= b</a:t>
+            </a:r>
           </a:p>
         </p:txBody>
       </p:sp>
     </p:spTree>
     <p:extLst>
       <p:ext uri="{BB962C8B-B14F-4D97-AF65-F5344CB8AC3E}">
-        <p14:creationId xmlns:p14="http://schemas.microsoft.com/office/powerpoint/2010/main" val="3275308984"/>
+        <p14:creationId xmlns:p14="http://schemas.microsoft.com/office/powerpoint/2010/main" val="3940760606"/>
       </p:ext>
     </p:extLst>
   </p:cSld>
@@ -10222,7 +9782,7 @@
           <a:p>
             <a:r>
               <a:rPr lang="pt-BR" dirty="0" smtClean="0"/>
-              <a:t>For</a:t>
+              <a:t>Operadores lógicos</a:t>
             </a:r>
             <a:endParaRPr lang="pt-BR" dirty="0"/>
           </a:p>
@@ -10240,8 +9800,8 @@
         </p:nvSpPr>
         <p:spPr>
           <a:xfrm>
-            <a:off x="174406" y="1690689"/>
-            <a:ext cx="5099488" cy="1084042"/>
+            <a:off x="628650" y="1690689"/>
+            <a:ext cx="7886700" cy="4486274"/>
           </a:xfrm>
         </p:spPr>
         <p:txBody>
@@ -10250,52 +9810,1310 @@
           </a:bodyPr>
           <a:lstStyle/>
           <a:p>
+            <a:r>
+              <a:rPr lang="pt-BR" sz="2800" dirty="0" smtClean="0"/>
+              <a:t>Operadores </a:t>
+            </a:r>
+            <a:r>
+              <a:rPr lang="pt-BR" sz="2800" dirty="0" err="1" smtClean="0"/>
+              <a:t>and</a:t>
+            </a:r>
+            <a:r>
+              <a:rPr lang="pt-BR" sz="2800" dirty="0" smtClean="0"/>
+              <a:t> e </a:t>
+            </a:r>
+            <a:r>
+              <a:rPr lang="pt-BR" sz="2800" dirty="0" err="1" smtClean="0"/>
+              <a:t>or</a:t>
+            </a:r>
+            <a:r>
+              <a:rPr lang="pt-BR" sz="2800" dirty="0" smtClean="0"/>
+              <a:t> são operadores da lógica booleana. </a:t>
+            </a:r>
+          </a:p>
+          <a:p>
+            <a:r>
+              <a:rPr lang="pt-BR" sz="2800" dirty="0" smtClean="0"/>
+              <a:t>E</a:t>
+            </a:r>
+          </a:p>
+          <a:p>
+            <a:pPr lvl="1"/>
+            <a:r>
+              <a:rPr lang="pt-BR" dirty="0" smtClean="0"/>
+              <a:t>Só é verdade quando a e b são verdadeiros</a:t>
+            </a:r>
+          </a:p>
+          <a:p>
+            <a:pPr lvl="1"/>
+            <a:r>
+              <a:rPr lang="pt-BR" dirty="0" smtClean="0"/>
+              <a:t>a </a:t>
+            </a:r>
+            <a:r>
+              <a:rPr lang="pt-BR" dirty="0" err="1" smtClean="0"/>
+              <a:t>and</a:t>
+            </a:r>
+            <a:r>
+              <a:rPr lang="pt-BR" dirty="0" smtClean="0"/>
+              <a:t> b (a e b)</a:t>
+            </a:r>
+          </a:p>
+          <a:p>
+            <a:r>
+              <a:rPr lang="pt-BR" dirty="0" smtClean="0"/>
+              <a:t>OU</a:t>
+            </a:r>
+          </a:p>
+          <a:p>
+            <a:pPr lvl="1"/>
+            <a:r>
+              <a:rPr lang="pt-BR" dirty="0" smtClean="0"/>
+              <a:t>Só é verdade quando pelo menos a ou b é verdadeiro</a:t>
+            </a:r>
+          </a:p>
+          <a:p>
+            <a:pPr lvl="1"/>
+            <a:r>
+              <a:rPr lang="pt-BR" dirty="0" smtClean="0"/>
+              <a:t>a </a:t>
+            </a:r>
+            <a:r>
+              <a:rPr lang="pt-BR" dirty="0" err="1" smtClean="0"/>
+              <a:t>or</a:t>
+            </a:r>
+            <a:r>
+              <a:rPr lang="pt-BR" dirty="0" smtClean="0"/>
+              <a:t> b (a ou b)</a:t>
+            </a:r>
+          </a:p>
+          <a:p>
+            <a:r>
+              <a:rPr lang="pt-BR" dirty="0" smtClean="0"/>
+              <a:t>Negação</a:t>
+            </a:r>
+          </a:p>
+          <a:p>
+            <a:pPr lvl="1"/>
+            <a:r>
+              <a:rPr lang="pt-BR" dirty="0" err="1" smtClean="0"/>
+              <a:t>not</a:t>
+            </a:r>
+            <a:r>
+              <a:rPr lang="pt-BR" dirty="0" smtClean="0"/>
+              <a:t> a (nega o valor de a)</a:t>
+            </a:r>
+          </a:p>
+        </p:txBody>
+      </p:sp>
+    </p:spTree>
+    <p:extLst>
+      <p:ext uri="{BB962C8B-B14F-4D97-AF65-F5344CB8AC3E}">
+        <p14:creationId xmlns:p14="http://schemas.microsoft.com/office/powerpoint/2010/main" val="3185725706"/>
+      </p:ext>
+    </p:extLst>
+  </p:cSld>
+  <p:clrMapOvr>
+    <a:masterClrMapping/>
+  </p:clrMapOvr>
+  <p:timing>
+    <p:tnLst>
+      <p:par>
+        <p:cTn id="1" dur="indefinite" restart="never" nodeType="tmRoot"/>
+      </p:par>
+    </p:tnLst>
+  </p:timing>
+</p:sld>
+</file>
+
+<file path=ppt/slides/slide39.xml><?xml version="1.0" encoding="utf-8"?>
+<p:sld xmlns:a="http://schemas.openxmlformats.org/drawingml/2006/main" xmlns:r="http://schemas.openxmlformats.org/officeDocument/2006/relationships" xmlns:p="http://schemas.openxmlformats.org/presentationml/2006/main">
+  <p:cSld>
+    <p:spTree>
+      <p:nvGrpSpPr>
+        <p:cNvPr id="1" name=""/>
+        <p:cNvGrpSpPr/>
+        <p:nvPr/>
+      </p:nvGrpSpPr>
+      <p:grpSpPr>
+        <a:xfrm>
+          <a:off x="0" y="0"/>
+          <a:ext cx="0" cy="0"/>
+          <a:chOff x="0" y="0"/>
+          <a:chExt cx="0" cy="0"/>
+        </a:xfrm>
+      </p:grpSpPr>
+      <p:sp>
+        <p:nvSpPr>
+          <p:cNvPr id="2" name="Título 1"/>
+          <p:cNvSpPr>
+            <a:spLocks noGrp="1"/>
+          </p:cNvSpPr>
+          <p:nvPr>
+            <p:ph type="title"/>
+          </p:nvPr>
+        </p:nvSpPr>
+        <p:spPr/>
+        <p:txBody>
+          <a:bodyPr>
+            <a:normAutofit/>
+          </a:bodyPr>
+          <a:lstStyle/>
+          <a:p>
+            <a:r>
+              <a:rPr lang="pt-BR" sz="4200" dirty="0" smtClean="0"/>
+              <a:t>Operadores está contido, </a:t>
+            </a:r>
+            <a:r>
+              <a:rPr lang="pt-BR" sz="4200" dirty="0" smtClean="0"/>
+              <a:t>é e não é</a:t>
+            </a:r>
+            <a:endParaRPr lang="pt-BR" sz="4200" dirty="0"/>
+          </a:p>
+        </p:txBody>
+      </p:sp>
+      <p:sp>
+        <p:nvSpPr>
+          <p:cNvPr id="3" name="Espaço Reservado para Conteúdo 2"/>
+          <p:cNvSpPr>
+            <a:spLocks noGrp="1"/>
+          </p:cNvSpPr>
+          <p:nvPr>
+            <p:ph idx="1"/>
+          </p:nvPr>
+        </p:nvSpPr>
+        <p:spPr>
+          <a:xfrm>
+            <a:off x="628650" y="1690689"/>
+            <a:ext cx="7886700" cy="4486274"/>
+          </a:xfrm>
+        </p:spPr>
+        <p:txBody>
+          <a:bodyPr>
+            <a:normAutofit/>
+          </a:bodyPr>
+          <a:lstStyle/>
+          <a:p>
+            <a:r>
+              <a:rPr lang="pt-BR" dirty="0" smtClean="0"/>
+              <a:t>Está contido</a:t>
+            </a:r>
+          </a:p>
+          <a:p>
+            <a:pPr lvl="1"/>
+            <a:r>
+              <a:rPr lang="pt-BR" dirty="0" smtClean="0"/>
+              <a:t>a in b (a está contido em b)</a:t>
+            </a:r>
+          </a:p>
+          <a:p>
+            <a:r>
+              <a:rPr lang="pt-BR" dirty="0" smtClean="0"/>
+              <a:t>Não está contido</a:t>
+            </a:r>
+          </a:p>
+          <a:p>
+            <a:pPr lvl="1"/>
+            <a:r>
+              <a:rPr lang="pt-BR" dirty="0" smtClean="0"/>
+              <a:t>b </a:t>
+            </a:r>
+            <a:r>
+              <a:rPr lang="pt-BR" dirty="0" err="1" smtClean="0"/>
+              <a:t>not</a:t>
+            </a:r>
+            <a:r>
+              <a:rPr lang="pt-BR" dirty="0" smtClean="0"/>
+              <a:t> in a (b não está contido em a)</a:t>
+            </a:r>
+          </a:p>
+          <a:p>
+            <a:r>
+              <a:rPr lang="pt-BR" dirty="0" smtClean="0"/>
+              <a:t>É</a:t>
+            </a:r>
+          </a:p>
+          <a:p>
+            <a:pPr lvl="1"/>
+            <a:r>
+              <a:rPr lang="pt-BR" dirty="0" smtClean="0"/>
+              <a:t>a </a:t>
+            </a:r>
+            <a:r>
+              <a:rPr lang="pt-BR" dirty="0" err="1" smtClean="0"/>
+              <a:t>is</a:t>
+            </a:r>
+            <a:r>
+              <a:rPr lang="pt-BR" dirty="0" smtClean="0"/>
+              <a:t> b (a aponta para o mesmo objeto que b)</a:t>
+            </a:r>
+          </a:p>
+          <a:p>
+            <a:r>
+              <a:rPr lang="pt-BR" dirty="0" smtClean="0"/>
+              <a:t>NÃO É</a:t>
+            </a:r>
+          </a:p>
+          <a:p>
+            <a:pPr lvl="1"/>
+            <a:r>
+              <a:rPr lang="pt-BR" dirty="0" smtClean="0"/>
+              <a:t>a </a:t>
+            </a:r>
+            <a:r>
+              <a:rPr lang="pt-BR" dirty="0" err="1" smtClean="0"/>
+              <a:t>is</a:t>
+            </a:r>
+            <a:r>
+              <a:rPr lang="pt-BR" dirty="0" smtClean="0"/>
+              <a:t> </a:t>
+            </a:r>
+            <a:r>
+              <a:rPr lang="pt-BR" dirty="0" err="1" smtClean="0"/>
+              <a:t>not</a:t>
+            </a:r>
+            <a:r>
+              <a:rPr lang="pt-BR" dirty="0" smtClean="0"/>
+              <a:t> b (a não aponta para o mesmo objeto que b)</a:t>
+            </a:r>
+          </a:p>
+        </p:txBody>
+      </p:sp>
+    </p:spTree>
+    <p:extLst>
+      <p:ext uri="{BB962C8B-B14F-4D97-AF65-F5344CB8AC3E}">
+        <p14:creationId xmlns:p14="http://schemas.microsoft.com/office/powerpoint/2010/main" val="80063558"/>
+      </p:ext>
+    </p:extLst>
+  </p:cSld>
+  <p:clrMapOvr>
+    <a:masterClrMapping/>
+  </p:clrMapOvr>
+  <p:timing>
+    <p:tnLst>
+      <p:par>
+        <p:cTn id="1" dur="indefinite" restart="never" nodeType="tmRoot"/>
+      </p:par>
+    </p:tnLst>
+  </p:timing>
+</p:sld>
+</file>
+
+<file path=ppt/slides/slide4.xml><?xml version="1.0" encoding="utf-8"?>
+<p:sld xmlns:a="http://schemas.openxmlformats.org/drawingml/2006/main" xmlns:r="http://schemas.openxmlformats.org/officeDocument/2006/relationships" xmlns:p="http://schemas.openxmlformats.org/presentationml/2006/main">
+  <p:cSld>
+    <p:spTree>
+      <p:nvGrpSpPr>
+        <p:cNvPr id="1" name=""/>
+        <p:cNvGrpSpPr/>
+        <p:nvPr/>
+      </p:nvGrpSpPr>
+      <p:grpSpPr>
+        <a:xfrm>
+          <a:off x="0" y="0"/>
+          <a:ext cx="0" cy="0"/>
+          <a:chOff x="0" y="0"/>
+          <a:chExt cx="0" cy="0"/>
+        </a:xfrm>
+      </p:grpSpPr>
+      <p:sp>
+        <p:nvSpPr>
+          <p:cNvPr id="2" name="Título 1"/>
+          <p:cNvSpPr>
+            <a:spLocks noGrp="1"/>
+          </p:cNvSpPr>
+          <p:nvPr>
+            <p:ph type="title"/>
+          </p:nvPr>
+        </p:nvSpPr>
+        <p:spPr/>
+        <p:txBody>
+          <a:bodyPr/>
+          <a:lstStyle/>
+          <a:p>
+            <a:r>
+              <a:rPr lang="pt-BR" dirty="0" smtClean="0"/>
+              <a:t>Cronograma</a:t>
+            </a:r>
+            <a:endParaRPr lang="pt-BR" dirty="0"/>
+          </a:p>
+        </p:txBody>
+      </p:sp>
+      <p:sp>
+        <p:nvSpPr>
+          <p:cNvPr id="3" name="Espaço Reservado para Conteúdo 2"/>
+          <p:cNvSpPr>
+            <a:spLocks noGrp="1"/>
+          </p:cNvSpPr>
+          <p:nvPr>
+            <p:ph idx="1"/>
+          </p:nvPr>
+        </p:nvSpPr>
+        <p:spPr>
+          <a:xfrm>
+            <a:off x="628650" y="1418897"/>
+            <a:ext cx="7886700" cy="5087006"/>
+          </a:xfrm>
+        </p:spPr>
+        <p:txBody>
+          <a:bodyPr>
+            <a:normAutofit/>
+          </a:bodyPr>
+          <a:lstStyle/>
+          <a:p>
+            <a:r>
+              <a:rPr lang="pt-BR" sz="3600" dirty="0" smtClean="0"/>
+              <a:t>Parte III:</a:t>
+            </a:r>
+            <a:endParaRPr lang="pt-BR" sz="3600" dirty="0"/>
+          </a:p>
+          <a:p>
+            <a:pPr lvl="1"/>
+            <a:r>
+              <a:rPr lang="pt-BR" sz="3600" dirty="0" err="1"/>
+              <a:t>Numpy</a:t>
+            </a:r>
+            <a:r>
+              <a:rPr lang="pt-BR" sz="3600" dirty="0"/>
+              <a:t> – Manipulação de </a:t>
+            </a:r>
+            <a:r>
+              <a:rPr lang="pt-BR" sz="3600" dirty="0" err="1"/>
+              <a:t>N-arrays</a:t>
+            </a:r>
+            <a:endParaRPr lang="pt-BR" sz="3600" dirty="0"/>
+          </a:p>
+          <a:p>
+            <a:pPr lvl="1"/>
+            <a:r>
+              <a:rPr lang="pt-BR" sz="3600" dirty="0"/>
+              <a:t>Pandas – Análise de dados</a:t>
+            </a:r>
+          </a:p>
+          <a:p>
+            <a:pPr lvl="1"/>
+            <a:r>
+              <a:rPr lang="pt-BR" sz="3600" dirty="0" err="1"/>
+              <a:t>Matplotlib</a:t>
+            </a:r>
+            <a:r>
+              <a:rPr lang="pt-BR" sz="3600" dirty="0"/>
+              <a:t> – </a:t>
+            </a:r>
+            <a:r>
+              <a:rPr lang="pt-BR" sz="3600" dirty="0" err="1"/>
+              <a:t>Plot</a:t>
+            </a:r>
+            <a:r>
+              <a:rPr lang="pt-BR" sz="3600" dirty="0"/>
+              <a:t> de gráficos</a:t>
+            </a:r>
+          </a:p>
+        </p:txBody>
+      </p:sp>
+    </p:spTree>
+    <p:extLst>
+      <p:ext uri="{BB962C8B-B14F-4D97-AF65-F5344CB8AC3E}">
+        <p14:creationId xmlns:p14="http://schemas.microsoft.com/office/powerpoint/2010/main" val="3315581386"/>
+      </p:ext>
+    </p:extLst>
+  </p:cSld>
+  <p:clrMapOvr>
+    <a:masterClrMapping/>
+  </p:clrMapOvr>
+  <p:timing>
+    <p:tnLst>
+      <p:par>
+        <p:cTn id="1" dur="indefinite" restart="never" nodeType="tmRoot"/>
+      </p:par>
+    </p:tnLst>
+  </p:timing>
+</p:sld>
+</file>
+
+<file path=ppt/slides/slide40.xml><?xml version="1.0" encoding="utf-8"?>
+<p:sld xmlns:a="http://schemas.openxmlformats.org/drawingml/2006/main" xmlns:r="http://schemas.openxmlformats.org/officeDocument/2006/relationships" xmlns:p="http://schemas.openxmlformats.org/presentationml/2006/main">
+  <p:cSld>
+    <p:spTree>
+      <p:nvGrpSpPr>
+        <p:cNvPr id="1" name=""/>
+        <p:cNvGrpSpPr/>
+        <p:nvPr/>
+      </p:nvGrpSpPr>
+      <p:grpSpPr>
+        <a:xfrm>
+          <a:off x="0" y="0"/>
+          <a:ext cx="0" cy="0"/>
+          <a:chOff x="0" y="0"/>
+          <a:chExt cx="0" cy="0"/>
+        </a:xfrm>
+      </p:grpSpPr>
+      <p:sp>
+        <p:nvSpPr>
+          <p:cNvPr id="2" name="Título 1"/>
+          <p:cNvSpPr>
+            <a:spLocks noGrp="1"/>
+          </p:cNvSpPr>
+          <p:nvPr>
+            <p:ph type="title"/>
+          </p:nvPr>
+        </p:nvSpPr>
+        <p:spPr/>
+        <p:txBody>
+          <a:bodyPr/>
+          <a:lstStyle/>
+          <a:p>
+            <a:r>
+              <a:rPr lang="pt-BR" dirty="0" smtClean="0"/>
+              <a:t>Exercício</a:t>
+            </a:r>
+            <a:endParaRPr lang="pt-BR" dirty="0"/>
+          </a:p>
+        </p:txBody>
+      </p:sp>
+      <p:sp>
+        <p:nvSpPr>
+          <p:cNvPr id="3" name="Espaço Reservado para Conteúdo 2"/>
+          <p:cNvSpPr>
+            <a:spLocks noGrp="1"/>
+          </p:cNvSpPr>
+          <p:nvPr>
+            <p:ph idx="1"/>
+          </p:nvPr>
+        </p:nvSpPr>
+        <p:spPr>
+          <a:xfrm>
+            <a:off x="628650" y="1690689"/>
+            <a:ext cx="7886700" cy="4486274"/>
+          </a:xfrm>
+        </p:spPr>
+        <p:txBody>
+          <a:bodyPr>
+            <a:normAutofit/>
+          </a:bodyPr>
+          <a:lstStyle/>
+          <a:p>
+            <a:endParaRPr lang="pt-BR" dirty="0" smtClean="0"/>
+          </a:p>
+        </p:txBody>
+      </p:sp>
+    </p:spTree>
+    <p:extLst>
+      <p:ext uri="{BB962C8B-B14F-4D97-AF65-F5344CB8AC3E}">
+        <p14:creationId xmlns:p14="http://schemas.microsoft.com/office/powerpoint/2010/main" val="1382065745"/>
+      </p:ext>
+    </p:extLst>
+  </p:cSld>
+  <p:clrMapOvr>
+    <a:masterClrMapping/>
+  </p:clrMapOvr>
+  <p:timing>
+    <p:tnLst>
+      <p:par>
+        <p:cTn id="1" dur="indefinite" restart="never" nodeType="tmRoot"/>
+      </p:par>
+    </p:tnLst>
+  </p:timing>
+</p:sld>
+</file>
+
+<file path=ppt/slides/slide41.xml><?xml version="1.0" encoding="utf-8"?>
+<p:sld xmlns:a="http://schemas.openxmlformats.org/drawingml/2006/main" xmlns:r="http://schemas.openxmlformats.org/officeDocument/2006/relationships" xmlns:p="http://schemas.openxmlformats.org/presentationml/2006/main">
+  <p:cSld>
+    <p:spTree>
+      <p:nvGrpSpPr>
+        <p:cNvPr id="1" name=""/>
+        <p:cNvGrpSpPr/>
+        <p:nvPr/>
+      </p:nvGrpSpPr>
+      <p:grpSpPr>
+        <a:xfrm>
+          <a:off x="0" y="0"/>
+          <a:ext cx="0" cy="0"/>
+          <a:chOff x="0" y="0"/>
+          <a:chExt cx="0" cy="0"/>
+        </a:xfrm>
+      </p:grpSpPr>
+      <p:sp>
+        <p:nvSpPr>
+          <p:cNvPr id="2" name="Título 1"/>
+          <p:cNvSpPr>
+            <a:spLocks noGrp="1"/>
+          </p:cNvSpPr>
+          <p:nvPr>
+            <p:ph type="title"/>
+          </p:nvPr>
+        </p:nvSpPr>
+        <p:spPr/>
+        <p:txBody>
+          <a:bodyPr/>
+          <a:lstStyle/>
+          <a:p>
+            <a:r>
+              <a:rPr lang="pt-BR" dirty="0" smtClean="0"/>
+              <a:t>Cronograma</a:t>
+            </a:r>
+            <a:endParaRPr lang="pt-BR" dirty="0"/>
+          </a:p>
+        </p:txBody>
+      </p:sp>
+      <p:sp>
+        <p:nvSpPr>
+          <p:cNvPr id="3" name="Espaço Reservado para Conteúdo 2"/>
+          <p:cNvSpPr>
+            <a:spLocks noGrp="1"/>
+          </p:cNvSpPr>
+          <p:nvPr>
+            <p:ph idx="1"/>
+          </p:nvPr>
+        </p:nvSpPr>
+        <p:spPr>
+          <a:xfrm>
+            <a:off x="628650" y="1418897"/>
+            <a:ext cx="7886700" cy="5087006"/>
+          </a:xfrm>
+        </p:spPr>
+        <p:txBody>
+          <a:bodyPr>
+            <a:normAutofit fontScale="92500" lnSpcReduction="20000"/>
+          </a:bodyPr>
+          <a:lstStyle/>
+          <a:p>
+            <a:r>
+              <a:rPr lang="pt-BR" sz="4500" dirty="0" smtClean="0"/>
+              <a:t>Parte I:</a:t>
+            </a:r>
+          </a:p>
+          <a:p>
+            <a:pPr lvl="1"/>
+            <a:r>
+              <a:rPr lang="pt-BR" sz="4500" dirty="0" smtClean="0">
+                <a:solidFill>
+                  <a:schemeClr val="tx1">
+                    <a:lumMod val="50000"/>
+                    <a:lumOff val="50000"/>
+                  </a:schemeClr>
+                </a:solidFill>
+              </a:rPr>
+              <a:t>Introdução</a:t>
+            </a:r>
+          </a:p>
+          <a:p>
+            <a:pPr lvl="1"/>
+            <a:r>
+              <a:rPr lang="pt-BR" sz="4500" dirty="0" smtClean="0">
+                <a:solidFill>
+                  <a:schemeClr val="tx1">
+                    <a:lumMod val="50000"/>
+                    <a:lumOff val="50000"/>
+                  </a:schemeClr>
+                </a:solidFill>
+              </a:rPr>
+              <a:t>Visão geral</a:t>
+            </a:r>
+          </a:p>
+          <a:p>
+            <a:pPr lvl="1"/>
+            <a:r>
+              <a:rPr lang="pt-BR" sz="4500" dirty="0" smtClean="0">
+                <a:solidFill>
+                  <a:schemeClr val="tx1">
+                    <a:lumMod val="50000"/>
+                    <a:lumOff val="50000"/>
+                  </a:schemeClr>
+                </a:solidFill>
+              </a:rPr>
+              <a:t>Configuração do ambiente</a:t>
+            </a:r>
+          </a:p>
+          <a:p>
+            <a:pPr lvl="1"/>
+            <a:r>
+              <a:rPr lang="pt-BR" sz="4500" dirty="0" smtClean="0">
+                <a:solidFill>
+                  <a:schemeClr val="tx1">
+                    <a:lumMod val="50000"/>
+                    <a:lumOff val="50000"/>
+                  </a:schemeClr>
+                </a:solidFill>
+              </a:rPr>
+              <a:t>Sintaxe básica</a:t>
+            </a:r>
+          </a:p>
+          <a:p>
+            <a:pPr lvl="1"/>
+            <a:r>
+              <a:rPr lang="pt-BR" sz="4500" dirty="0">
+                <a:solidFill>
+                  <a:schemeClr val="tx1">
+                    <a:lumMod val="50000"/>
+                    <a:lumOff val="50000"/>
+                  </a:schemeClr>
+                </a:solidFill>
+              </a:rPr>
+              <a:t>Tipos de </a:t>
+            </a:r>
+            <a:r>
+              <a:rPr lang="pt-BR" sz="4500" dirty="0" smtClean="0">
+                <a:solidFill>
+                  <a:schemeClr val="tx1">
+                    <a:lumMod val="50000"/>
+                    <a:lumOff val="50000"/>
+                  </a:schemeClr>
+                </a:solidFill>
+              </a:rPr>
+              <a:t>variáveis</a:t>
+            </a:r>
+            <a:endParaRPr lang="pt-BR" sz="4500" dirty="0">
+              <a:solidFill>
+                <a:schemeClr val="tx1">
+                  <a:lumMod val="50000"/>
+                  <a:lumOff val="50000"/>
+                </a:schemeClr>
+              </a:solidFill>
+            </a:endParaRPr>
+          </a:p>
+          <a:p>
+            <a:pPr lvl="1"/>
+            <a:r>
+              <a:rPr lang="pt-BR" sz="4500" dirty="0" smtClean="0">
+                <a:solidFill>
+                  <a:schemeClr val="tx1">
+                    <a:lumMod val="50000"/>
+                    <a:lumOff val="50000"/>
+                  </a:schemeClr>
+                </a:solidFill>
+              </a:rPr>
+              <a:t>Operadores básicos</a:t>
+            </a:r>
+          </a:p>
+          <a:p>
+            <a:pPr lvl="1"/>
+            <a:r>
+              <a:rPr lang="pt-BR" sz="4500" dirty="0" smtClean="0"/>
+              <a:t>Operadores condicionais</a:t>
+            </a:r>
+          </a:p>
+          <a:p>
+            <a:pPr lvl="1"/>
+            <a:r>
+              <a:rPr lang="pt-BR" sz="4500" dirty="0" smtClean="0">
+                <a:solidFill>
+                  <a:schemeClr val="tx1">
+                    <a:lumMod val="50000"/>
+                    <a:lumOff val="50000"/>
+                  </a:schemeClr>
+                </a:solidFill>
+              </a:rPr>
+              <a:t>Laços de repetição</a:t>
+            </a:r>
+            <a:endParaRPr lang="pt-BR" dirty="0"/>
+          </a:p>
+        </p:txBody>
+      </p:sp>
+    </p:spTree>
+    <p:extLst>
+      <p:ext uri="{BB962C8B-B14F-4D97-AF65-F5344CB8AC3E}">
+        <p14:creationId xmlns:p14="http://schemas.microsoft.com/office/powerpoint/2010/main" val="4261324314"/>
+      </p:ext>
+    </p:extLst>
+  </p:cSld>
+  <p:clrMapOvr>
+    <a:masterClrMapping/>
+  </p:clrMapOvr>
+  <p:timing>
+    <p:tnLst>
+      <p:par>
+        <p:cTn id="1" dur="indefinite" restart="never" nodeType="tmRoot"/>
+      </p:par>
+    </p:tnLst>
+  </p:timing>
+</p:sld>
+</file>
+
+<file path=ppt/slides/slide42.xml><?xml version="1.0" encoding="utf-8"?>
+<p:sld xmlns:a="http://schemas.openxmlformats.org/drawingml/2006/main" xmlns:r="http://schemas.openxmlformats.org/officeDocument/2006/relationships" xmlns:p="http://schemas.openxmlformats.org/presentationml/2006/main">
+  <p:cSld>
+    <p:spTree>
+      <p:nvGrpSpPr>
+        <p:cNvPr id="1" name=""/>
+        <p:cNvGrpSpPr/>
+        <p:nvPr/>
+      </p:nvGrpSpPr>
+      <p:grpSpPr>
+        <a:xfrm>
+          <a:off x="0" y="0"/>
+          <a:ext cx="0" cy="0"/>
+          <a:chOff x="0" y="0"/>
+          <a:chExt cx="0" cy="0"/>
+        </a:xfrm>
+      </p:grpSpPr>
+      <p:sp>
+        <p:nvSpPr>
+          <p:cNvPr id="2" name="Título 1"/>
+          <p:cNvSpPr>
+            <a:spLocks noGrp="1"/>
+          </p:cNvSpPr>
+          <p:nvPr>
+            <p:ph type="title"/>
+          </p:nvPr>
+        </p:nvSpPr>
+        <p:spPr/>
+        <p:txBody>
+          <a:bodyPr/>
+          <a:lstStyle/>
+          <a:p>
+            <a:r>
+              <a:rPr lang="pt-BR" dirty="0" smtClean="0"/>
+              <a:t>Operadores condicionais</a:t>
+            </a:r>
+            <a:endParaRPr lang="pt-BR" dirty="0"/>
+          </a:p>
+        </p:txBody>
+      </p:sp>
+      <p:pic>
+        <p:nvPicPr>
+          <p:cNvPr id="6" name="Espaço Reservado para Conteúdo 5"/>
+          <p:cNvPicPr>
+            <a:picLocks noGrp="1" noChangeAspect="1"/>
+          </p:cNvPicPr>
+          <p:nvPr>
+            <p:ph idx="1"/>
+          </p:nvPr>
+        </p:nvPicPr>
+        <p:blipFill>
+          <a:blip r:embed="rId2">
+            <a:extLst>
+              <a:ext uri="{28A0092B-C50C-407E-A947-70E740481C1C}">
+                <a14:useLocalDpi xmlns:a14="http://schemas.microsoft.com/office/drawing/2010/main" val="0"/>
+              </a:ext>
+            </a:extLst>
+          </a:blip>
+          <a:stretch>
+            <a:fillRect/>
+          </a:stretch>
+        </p:blipFill>
+        <p:spPr>
+          <a:xfrm>
+            <a:off x="1653847" y="2086851"/>
+            <a:ext cx="2524125" cy="3228975"/>
+          </a:xfrm>
+        </p:spPr>
+      </p:pic>
+      <p:sp>
+        <p:nvSpPr>
+          <p:cNvPr id="7" name="CaixaDeTexto 6"/>
+          <p:cNvSpPr txBox="1"/>
+          <p:nvPr/>
+        </p:nvSpPr>
+        <p:spPr>
+          <a:xfrm>
+            <a:off x="5456839" y="2793397"/>
+            <a:ext cx="2806262" cy="1815882"/>
+          </a:xfrm>
+          <a:prstGeom prst="rect">
+            <a:avLst/>
+          </a:prstGeom>
+          <a:noFill/>
+        </p:spPr>
+        <p:txBody>
+          <a:bodyPr wrap="square" rtlCol="0">
+            <a:spAutoFit/>
+          </a:bodyPr>
+          <a:lstStyle/>
+          <a:p>
+            <a:r>
+              <a:rPr lang="pt-BR" sz="2800" dirty="0" err="1" smtClean="0"/>
+              <a:t>if</a:t>
+            </a:r>
+            <a:r>
+              <a:rPr lang="pt-BR" sz="2800" dirty="0" smtClean="0"/>
+              <a:t> condição:</a:t>
+            </a:r>
+          </a:p>
+          <a:p>
+            <a:r>
+              <a:rPr lang="pt-BR" sz="2800" dirty="0" smtClean="0"/>
+              <a:t>	…código...</a:t>
+            </a:r>
+          </a:p>
+          <a:p>
+            <a:r>
+              <a:rPr lang="pt-BR" sz="2800" dirty="0" err="1" smtClean="0"/>
+              <a:t>else</a:t>
+            </a:r>
+            <a:r>
+              <a:rPr lang="pt-BR" sz="2800" dirty="0" smtClean="0"/>
+              <a:t>:</a:t>
+            </a:r>
+          </a:p>
+          <a:p>
+            <a:r>
+              <a:rPr lang="pt-BR" sz="2800" dirty="0" smtClean="0"/>
+              <a:t>	…código...</a:t>
+            </a:r>
+            <a:endParaRPr lang="pt-BR" sz="2800" dirty="0"/>
+          </a:p>
+        </p:txBody>
+      </p:sp>
+    </p:spTree>
+    <p:extLst>
+      <p:ext uri="{BB962C8B-B14F-4D97-AF65-F5344CB8AC3E}">
+        <p14:creationId xmlns:p14="http://schemas.microsoft.com/office/powerpoint/2010/main" val="866245257"/>
+      </p:ext>
+    </p:extLst>
+  </p:cSld>
+  <p:clrMapOvr>
+    <a:masterClrMapping/>
+  </p:clrMapOvr>
+  <p:timing>
+    <p:tnLst>
+      <p:par>
+        <p:cTn id="1" dur="indefinite" restart="never" nodeType="tmRoot"/>
+      </p:par>
+    </p:tnLst>
+  </p:timing>
+</p:sld>
+</file>
+
+<file path=ppt/slides/slide43.xml><?xml version="1.0" encoding="utf-8"?>
+<p:sld xmlns:a="http://schemas.openxmlformats.org/drawingml/2006/main" xmlns:r="http://schemas.openxmlformats.org/officeDocument/2006/relationships" xmlns:p="http://schemas.openxmlformats.org/presentationml/2006/main">
+  <p:cSld>
+    <p:spTree>
+      <p:nvGrpSpPr>
+        <p:cNvPr id="1" name=""/>
+        <p:cNvGrpSpPr/>
+        <p:nvPr/>
+      </p:nvGrpSpPr>
+      <p:grpSpPr>
+        <a:xfrm>
+          <a:off x="0" y="0"/>
+          <a:ext cx="0" cy="0"/>
+          <a:chOff x="0" y="0"/>
+          <a:chExt cx="0" cy="0"/>
+        </a:xfrm>
+      </p:grpSpPr>
+      <p:sp>
+        <p:nvSpPr>
+          <p:cNvPr id="2" name="Título 1"/>
+          <p:cNvSpPr>
+            <a:spLocks noGrp="1"/>
+          </p:cNvSpPr>
+          <p:nvPr>
+            <p:ph type="title"/>
+          </p:nvPr>
+        </p:nvSpPr>
+        <p:spPr/>
+        <p:txBody>
+          <a:bodyPr/>
+          <a:lstStyle/>
+          <a:p>
+            <a:r>
+              <a:rPr lang="pt-BR" dirty="0" smtClean="0"/>
+              <a:t>Exercício</a:t>
+            </a:r>
+            <a:endParaRPr lang="pt-BR" dirty="0"/>
+          </a:p>
+        </p:txBody>
+      </p:sp>
+      <p:sp>
+        <p:nvSpPr>
+          <p:cNvPr id="3" name="Espaço Reservado para Conteúdo 2"/>
+          <p:cNvSpPr>
+            <a:spLocks noGrp="1"/>
+          </p:cNvSpPr>
+          <p:nvPr>
+            <p:ph idx="1"/>
+          </p:nvPr>
+        </p:nvSpPr>
+        <p:spPr>
+          <a:xfrm>
+            <a:off x="628650" y="1690689"/>
+            <a:ext cx="7886700" cy="4486274"/>
+          </a:xfrm>
+        </p:spPr>
+        <p:txBody>
+          <a:bodyPr>
+            <a:normAutofit/>
+          </a:bodyPr>
+          <a:lstStyle/>
+          <a:p>
+            <a:endParaRPr lang="pt-BR" dirty="0" smtClean="0"/>
+          </a:p>
+        </p:txBody>
+      </p:sp>
+    </p:spTree>
+    <p:extLst>
+      <p:ext uri="{BB962C8B-B14F-4D97-AF65-F5344CB8AC3E}">
+        <p14:creationId xmlns:p14="http://schemas.microsoft.com/office/powerpoint/2010/main" val="268550982"/>
+      </p:ext>
+    </p:extLst>
+  </p:cSld>
+  <p:clrMapOvr>
+    <a:masterClrMapping/>
+  </p:clrMapOvr>
+  <p:timing>
+    <p:tnLst>
+      <p:par>
+        <p:cTn id="1" dur="indefinite" restart="never" nodeType="tmRoot"/>
+      </p:par>
+    </p:tnLst>
+  </p:timing>
+</p:sld>
+</file>
+
+<file path=ppt/slides/slide44.xml><?xml version="1.0" encoding="utf-8"?>
+<p:sld xmlns:a="http://schemas.openxmlformats.org/drawingml/2006/main" xmlns:r="http://schemas.openxmlformats.org/officeDocument/2006/relationships" xmlns:p="http://schemas.openxmlformats.org/presentationml/2006/main">
+  <p:cSld>
+    <p:spTree>
+      <p:nvGrpSpPr>
+        <p:cNvPr id="1" name=""/>
+        <p:cNvGrpSpPr/>
+        <p:nvPr/>
+      </p:nvGrpSpPr>
+      <p:grpSpPr>
+        <a:xfrm>
+          <a:off x="0" y="0"/>
+          <a:ext cx="0" cy="0"/>
+          <a:chOff x="0" y="0"/>
+          <a:chExt cx="0" cy="0"/>
+        </a:xfrm>
+      </p:grpSpPr>
+      <p:sp>
+        <p:nvSpPr>
+          <p:cNvPr id="2" name="Título 1"/>
+          <p:cNvSpPr>
+            <a:spLocks noGrp="1"/>
+          </p:cNvSpPr>
+          <p:nvPr>
+            <p:ph type="title"/>
+          </p:nvPr>
+        </p:nvSpPr>
+        <p:spPr/>
+        <p:txBody>
+          <a:bodyPr/>
+          <a:lstStyle/>
+          <a:p>
+            <a:r>
+              <a:rPr lang="pt-BR" dirty="0" smtClean="0"/>
+              <a:t>Cronograma</a:t>
+            </a:r>
+            <a:endParaRPr lang="pt-BR" dirty="0"/>
+          </a:p>
+        </p:txBody>
+      </p:sp>
+      <p:sp>
+        <p:nvSpPr>
+          <p:cNvPr id="3" name="Espaço Reservado para Conteúdo 2"/>
+          <p:cNvSpPr>
+            <a:spLocks noGrp="1"/>
+          </p:cNvSpPr>
+          <p:nvPr>
+            <p:ph idx="1"/>
+          </p:nvPr>
+        </p:nvSpPr>
+        <p:spPr>
+          <a:xfrm>
+            <a:off x="628650" y="1418897"/>
+            <a:ext cx="7886700" cy="5087006"/>
+          </a:xfrm>
+        </p:spPr>
+        <p:txBody>
+          <a:bodyPr>
+            <a:normAutofit fontScale="92500" lnSpcReduction="20000"/>
+          </a:bodyPr>
+          <a:lstStyle/>
+          <a:p>
+            <a:r>
+              <a:rPr lang="pt-BR" sz="4500" dirty="0" smtClean="0"/>
+              <a:t>Parte I:</a:t>
+            </a:r>
+          </a:p>
+          <a:p>
+            <a:pPr lvl="1"/>
+            <a:r>
+              <a:rPr lang="pt-BR" sz="4500" dirty="0" smtClean="0">
+                <a:solidFill>
+                  <a:schemeClr val="tx1">
+                    <a:lumMod val="50000"/>
+                    <a:lumOff val="50000"/>
+                  </a:schemeClr>
+                </a:solidFill>
+              </a:rPr>
+              <a:t>Introdução</a:t>
+            </a:r>
+          </a:p>
+          <a:p>
+            <a:pPr lvl="1"/>
+            <a:r>
+              <a:rPr lang="pt-BR" sz="4500" dirty="0" smtClean="0">
+                <a:solidFill>
+                  <a:schemeClr val="tx1">
+                    <a:lumMod val="50000"/>
+                    <a:lumOff val="50000"/>
+                  </a:schemeClr>
+                </a:solidFill>
+              </a:rPr>
+              <a:t>Visão geral</a:t>
+            </a:r>
+          </a:p>
+          <a:p>
+            <a:pPr lvl="1"/>
+            <a:r>
+              <a:rPr lang="pt-BR" sz="4500" dirty="0" smtClean="0">
+                <a:solidFill>
+                  <a:schemeClr val="tx1">
+                    <a:lumMod val="50000"/>
+                    <a:lumOff val="50000"/>
+                  </a:schemeClr>
+                </a:solidFill>
+              </a:rPr>
+              <a:t>Configuração do ambiente</a:t>
+            </a:r>
+          </a:p>
+          <a:p>
+            <a:pPr lvl="1"/>
+            <a:r>
+              <a:rPr lang="pt-BR" sz="4500" dirty="0" smtClean="0">
+                <a:solidFill>
+                  <a:schemeClr val="tx1">
+                    <a:lumMod val="50000"/>
+                    <a:lumOff val="50000"/>
+                  </a:schemeClr>
+                </a:solidFill>
+              </a:rPr>
+              <a:t>Sintaxe básica</a:t>
+            </a:r>
+          </a:p>
+          <a:p>
+            <a:pPr lvl="1"/>
+            <a:r>
+              <a:rPr lang="pt-BR" sz="4500" dirty="0">
+                <a:solidFill>
+                  <a:schemeClr val="tx1">
+                    <a:lumMod val="50000"/>
+                    <a:lumOff val="50000"/>
+                  </a:schemeClr>
+                </a:solidFill>
+              </a:rPr>
+              <a:t>Tipos de </a:t>
+            </a:r>
+            <a:r>
+              <a:rPr lang="pt-BR" sz="4500" dirty="0" smtClean="0">
+                <a:solidFill>
+                  <a:schemeClr val="tx1">
+                    <a:lumMod val="50000"/>
+                    <a:lumOff val="50000"/>
+                  </a:schemeClr>
+                </a:solidFill>
+              </a:rPr>
+              <a:t>variáveis</a:t>
+            </a:r>
+            <a:endParaRPr lang="pt-BR" sz="4500" dirty="0">
+              <a:solidFill>
+                <a:schemeClr val="tx1">
+                  <a:lumMod val="50000"/>
+                  <a:lumOff val="50000"/>
+                </a:schemeClr>
+              </a:solidFill>
+            </a:endParaRPr>
+          </a:p>
+          <a:p>
+            <a:pPr lvl="1"/>
+            <a:r>
+              <a:rPr lang="pt-BR" sz="4500" dirty="0" smtClean="0">
+                <a:solidFill>
+                  <a:schemeClr val="tx1">
+                    <a:lumMod val="50000"/>
+                    <a:lumOff val="50000"/>
+                  </a:schemeClr>
+                </a:solidFill>
+              </a:rPr>
+              <a:t>Operadores básicos</a:t>
+            </a:r>
+          </a:p>
+          <a:p>
+            <a:pPr lvl="1"/>
+            <a:r>
+              <a:rPr lang="pt-BR" sz="4500" dirty="0" smtClean="0">
+                <a:solidFill>
+                  <a:schemeClr val="tx1">
+                    <a:lumMod val="50000"/>
+                    <a:lumOff val="50000"/>
+                  </a:schemeClr>
+                </a:solidFill>
+              </a:rPr>
+              <a:t>Operadores condicionais</a:t>
+            </a:r>
+          </a:p>
+          <a:p>
+            <a:pPr lvl="1"/>
+            <a:r>
+              <a:rPr lang="pt-BR" sz="4500" dirty="0" smtClean="0"/>
+              <a:t>Laços de repetição</a:t>
+            </a:r>
+          </a:p>
+          <a:p>
             <a:pPr marL="0" indent="0">
               <a:buNone/>
             </a:pPr>
-            <a:r>
-              <a:rPr lang="pt-BR" dirty="0" smtClean="0"/>
-              <a:t>for </a:t>
-            </a:r>
+            <a:endParaRPr lang="pt-BR" dirty="0"/>
+          </a:p>
+        </p:txBody>
+      </p:sp>
+    </p:spTree>
+    <p:extLst>
+      <p:ext uri="{BB962C8B-B14F-4D97-AF65-F5344CB8AC3E}">
+        <p14:creationId xmlns:p14="http://schemas.microsoft.com/office/powerpoint/2010/main" val="3798452757"/>
+      </p:ext>
+    </p:extLst>
+  </p:cSld>
+  <p:clrMapOvr>
+    <a:masterClrMapping/>
+  </p:clrMapOvr>
+  <p:timing>
+    <p:tnLst>
+      <p:par>
+        <p:cTn id="1" dur="indefinite" restart="never" nodeType="tmRoot"/>
+      </p:par>
+    </p:tnLst>
+  </p:timing>
+</p:sld>
+</file>
+
+<file path=ppt/slides/slide45.xml><?xml version="1.0" encoding="utf-8"?>
+<p:sld xmlns:a="http://schemas.openxmlformats.org/drawingml/2006/main" xmlns:r="http://schemas.openxmlformats.org/officeDocument/2006/relationships" xmlns:p="http://schemas.openxmlformats.org/presentationml/2006/main">
+  <p:cSld>
+    <p:spTree>
+      <p:nvGrpSpPr>
+        <p:cNvPr id="1" name=""/>
+        <p:cNvGrpSpPr/>
+        <p:nvPr/>
+      </p:nvGrpSpPr>
+      <p:grpSpPr>
+        <a:xfrm>
+          <a:off x="0" y="0"/>
+          <a:ext cx="0" cy="0"/>
+          <a:chOff x="0" y="0"/>
+          <a:chExt cx="0" cy="0"/>
+        </a:xfrm>
+      </p:grpSpPr>
+      <p:sp>
+        <p:nvSpPr>
+          <p:cNvPr id="2" name="Título 1"/>
+          <p:cNvSpPr>
+            <a:spLocks noGrp="1"/>
+          </p:cNvSpPr>
+          <p:nvPr>
+            <p:ph type="title"/>
+          </p:nvPr>
+        </p:nvSpPr>
+        <p:spPr/>
+        <p:txBody>
+          <a:bodyPr/>
+          <a:lstStyle/>
+          <a:p>
             <a:r>
               <a:rPr lang="pt-BR" dirty="0" err="1" smtClean="0"/>
-              <a:t>cada_elemento</a:t>
-            </a:r>
-            <a:r>
-              <a:rPr lang="pt-BR" dirty="0" smtClean="0"/>
-              <a:t> in sequencia:</a:t>
-            </a:r>
-            <a:br>
-              <a:rPr lang="pt-BR" dirty="0" smtClean="0"/>
-            </a:br>
-            <a:r>
-              <a:rPr lang="pt-BR" dirty="0" smtClean="0"/>
-              <a:t>	...código...</a:t>
-            </a:r>
-            <a:endParaRPr lang="pt-BR" dirty="0" smtClean="0"/>
-          </a:p>
-        </p:txBody>
-      </p:sp>
-      <p:sp>
-        <p:nvSpPr>
-          <p:cNvPr id="5" name="Espaço Reservado para Conteúdo 2"/>
-          <p:cNvSpPr txBox="1">
-            <a:spLocks/>
-          </p:cNvSpPr>
-          <p:nvPr/>
+              <a:t>While</a:t>
+            </a:r>
+            <a:endParaRPr lang="pt-BR" dirty="0"/>
+          </a:p>
+        </p:txBody>
+      </p:sp>
+      <p:sp>
+        <p:nvSpPr>
+          <p:cNvPr id="3" name="Espaço Reservado para Conteúdo 2"/>
+          <p:cNvSpPr>
+            <a:spLocks noGrp="1"/>
+          </p:cNvSpPr>
+          <p:nvPr>
+            <p:ph idx="1"/>
+          </p:nvPr>
         </p:nvSpPr>
         <p:spPr>
           <a:xfrm>
-            <a:off x="174406" y="3808524"/>
-            <a:ext cx="5099488" cy="2035228"/>
+            <a:off x="628650" y="1690689"/>
+            <a:ext cx="3670081" cy="1010470"/>
+          </a:xfrm>
+        </p:spPr>
+        <p:txBody>
+          <a:bodyPr>
+            <a:normAutofit/>
+          </a:bodyPr>
+          <a:lstStyle/>
+          <a:p>
+            <a:pPr marL="0" indent="0">
+              <a:buNone/>
+            </a:pPr>
+            <a:r>
+              <a:rPr lang="pt-BR" dirty="0" err="1" smtClean="0"/>
+              <a:t>while</a:t>
+            </a:r>
+            <a:r>
+              <a:rPr lang="pt-BR" dirty="0" smtClean="0"/>
+              <a:t> expressão:</a:t>
+            </a:r>
+            <a:br>
+              <a:rPr lang="pt-BR" dirty="0" smtClean="0"/>
+            </a:br>
+            <a:r>
+              <a:rPr lang="pt-BR" dirty="0" smtClean="0"/>
+              <a:t>	...código...</a:t>
+            </a:r>
+          </a:p>
+        </p:txBody>
+      </p:sp>
+      <p:pic>
+        <p:nvPicPr>
+          <p:cNvPr id="4" name="Imagem 3"/>
+          <p:cNvPicPr>
+            <a:picLocks noChangeAspect="1"/>
+          </p:cNvPicPr>
+          <p:nvPr/>
+        </p:nvPicPr>
+        <p:blipFill>
+          <a:blip r:embed="rId2">
+            <a:extLst>
+              <a:ext uri="{28A0092B-C50C-407E-A947-70E740481C1C}">
+                <a14:useLocalDpi xmlns:a14="http://schemas.microsoft.com/office/drawing/2010/main" val="0"/>
+              </a:ext>
+            </a:extLst>
+          </a:blip>
+          <a:stretch>
+            <a:fillRect/>
+          </a:stretch>
+        </p:blipFill>
+        <p:spPr>
+          <a:xfrm>
+            <a:off x="4748869" y="1525971"/>
+            <a:ext cx="2505075" cy="3848100"/>
           </a:xfrm>
           <a:prstGeom prst="rect">
             <a:avLst/>
           </a:prstGeom>
         </p:spPr>
+      </p:pic>
+      <p:sp>
+        <p:nvSpPr>
+          <p:cNvPr id="5" name="Espaço Reservado para Conteúdo 2"/>
+          <p:cNvSpPr txBox="1">
+            <a:spLocks/>
+          </p:cNvSpPr>
+          <p:nvPr/>
+        </p:nvSpPr>
+        <p:spPr>
+          <a:xfrm>
+            <a:off x="628649" y="3198924"/>
+            <a:ext cx="3670081" cy="1867062"/>
+          </a:xfrm>
+          <a:prstGeom prst="rect">
+            <a:avLst/>
+          </a:prstGeom>
+        </p:spPr>
         <p:txBody>
           <a:bodyPr vert="horz" lIns="91440" tIns="45720" rIns="91440" bIns="45720" rtlCol="0">
-            <a:normAutofit/>
+            <a:normAutofit lnSpcReduction="10000"/>
           </a:bodyPr>
           <a:lstStyle>
             <a:lvl1pPr marL="228600" indent="-228600" algn="l" defTabSz="914400" rtl="0" eaLnBrk="1" latinLnBrk="0" hangingPunct="1">
@@ -10467,16 +11285,12 @@
               <a:buNone/>
             </a:pPr>
             <a:r>
-              <a:rPr lang="pt-BR" dirty="0" smtClean="0"/>
-              <a:t>for </a:t>
-            </a:r>
-            <a:r>
               <a:rPr lang="pt-BR" dirty="0" err="1" smtClean="0"/>
-              <a:t>cada_elemento</a:t>
-            </a:r>
-            <a:r>
-              <a:rPr lang="pt-BR" dirty="0" smtClean="0"/>
-              <a:t> in sequencia:</a:t>
+              <a:t>while</a:t>
+            </a:r>
+            <a:r>
+              <a:rPr lang="pt-BR" dirty="0" smtClean="0"/>
+              <a:t> expressão:</a:t>
             </a:r>
             <a:br>
               <a:rPr lang="pt-BR" dirty="0" smtClean="0"/>
@@ -10513,7 +11327,353 @@
               <a:rPr lang="pt-BR" dirty="0" smtClean="0"/>
               <a:t>...código...</a:t>
             </a:r>
-            <a:endParaRPr lang="pt-BR" dirty="0" smtClean="0"/>
+          </a:p>
+        </p:txBody>
+      </p:sp>
+    </p:spTree>
+    <p:extLst>
+      <p:ext uri="{BB962C8B-B14F-4D97-AF65-F5344CB8AC3E}">
+        <p14:creationId xmlns:p14="http://schemas.microsoft.com/office/powerpoint/2010/main" val="3275308984"/>
+      </p:ext>
+    </p:extLst>
+  </p:cSld>
+  <p:clrMapOvr>
+    <a:masterClrMapping/>
+  </p:clrMapOvr>
+  <p:timing>
+    <p:tnLst>
+      <p:par>
+        <p:cTn id="1" dur="indefinite" restart="never" nodeType="tmRoot"/>
+      </p:par>
+    </p:tnLst>
+  </p:timing>
+</p:sld>
+</file>
+
+<file path=ppt/slides/slide46.xml><?xml version="1.0" encoding="utf-8"?>
+<p:sld xmlns:a="http://schemas.openxmlformats.org/drawingml/2006/main" xmlns:r="http://schemas.openxmlformats.org/officeDocument/2006/relationships" xmlns:p="http://schemas.openxmlformats.org/presentationml/2006/main">
+  <p:cSld>
+    <p:spTree>
+      <p:nvGrpSpPr>
+        <p:cNvPr id="1" name=""/>
+        <p:cNvGrpSpPr/>
+        <p:nvPr/>
+      </p:nvGrpSpPr>
+      <p:grpSpPr>
+        <a:xfrm>
+          <a:off x="0" y="0"/>
+          <a:ext cx="0" cy="0"/>
+          <a:chOff x="0" y="0"/>
+          <a:chExt cx="0" cy="0"/>
+        </a:xfrm>
+      </p:grpSpPr>
+      <p:sp>
+        <p:nvSpPr>
+          <p:cNvPr id="2" name="Título 1"/>
+          <p:cNvSpPr>
+            <a:spLocks noGrp="1"/>
+          </p:cNvSpPr>
+          <p:nvPr>
+            <p:ph type="title"/>
+          </p:nvPr>
+        </p:nvSpPr>
+        <p:spPr/>
+        <p:txBody>
+          <a:bodyPr/>
+          <a:lstStyle/>
+          <a:p>
+            <a:r>
+              <a:rPr lang="pt-BR" dirty="0" smtClean="0"/>
+              <a:t>For</a:t>
+            </a:r>
+            <a:endParaRPr lang="pt-BR" dirty="0"/>
+          </a:p>
+        </p:txBody>
+      </p:sp>
+      <p:sp>
+        <p:nvSpPr>
+          <p:cNvPr id="3" name="Espaço Reservado para Conteúdo 2"/>
+          <p:cNvSpPr>
+            <a:spLocks noGrp="1"/>
+          </p:cNvSpPr>
+          <p:nvPr>
+            <p:ph idx="1"/>
+          </p:nvPr>
+        </p:nvSpPr>
+        <p:spPr>
+          <a:xfrm>
+            <a:off x="174406" y="1690689"/>
+            <a:ext cx="5099488" cy="1084042"/>
+          </a:xfrm>
+        </p:spPr>
+        <p:txBody>
+          <a:bodyPr>
+            <a:normAutofit/>
+          </a:bodyPr>
+          <a:lstStyle/>
+          <a:p>
+            <a:pPr marL="0" indent="0">
+              <a:buNone/>
+            </a:pPr>
+            <a:r>
+              <a:rPr lang="pt-BR" dirty="0" smtClean="0"/>
+              <a:t>for </a:t>
+            </a:r>
+            <a:r>
+              <a:rPr lang="pt-BR" dirty="0" err="1" smtClean="0"/>
+              <a:t>cada_elemento</a:t>
+            </a:r>
+            <a:r>
+              <a:rPr lang="pt-BR" dirty="0" smtClean="0"/>
+              <a:t> in sequencia:</a:t>
+            </a:r>
+            <a:br>
+              <a:rPr lang="pt-BR" dirty="0" smtClean="0"/>
+            </a:br>
+            <a:r>
+              <a:rPr lang="pt-BR" dirty="0" smtClean="0"/>
+              <a:t>	...código...</a:t>
+            </a:r>
+          </a:p>
+        </p:txBody>
+      </p:sp>
+      <p:sp>
+        <p:nvSpPr>
+          <p:cNvPr id="5" name="Espaço Reservado para Conteúdo 2"/>
+          <p:cNvSpPr txBox="1">
+            <a:spLocks/>
+          </p:cNvSpPr>
+          <p:nvPr/>
+        </p:nvSpPr>
+        <p:spPr>
+          <a:xfrm>
+            <a:off x="174406" y="3808524"/>
+            <a:ext cx="5099488" cy="2035228"/>
+          </a:xfrm>
+          <a:prstGeom prst="rect">
+            <a:avLst/>
+          </a:prstGeom>
+        </p:spPr>
+        <p:txBody>
+          <a:bodyPr vert="horz" lIns="91440" tIns="45720" rIns="91440" bIns="45720" rtlCol="0">
+            <a:normAutofit/>
+          </a:bodyPr>
+          <a:lstStyle>
+            <a:lvl1pPr marL="228600" indent="-228600" algn="l" defTabSz="914400" rtl="0" eaLnBrk="1" latinLnBrk="0" hangingPunct="1">
+              <a:lnSpc>
+                <a:spcPct val="90000"/>
+              </a:lnSpc>
+              <a:spcBef>
+                <a:spcPts val="1000"/>
+              </a:spcBef>
+              <a:buFont typeface="Arial" panose="020B0604020202020204" pitchFamily="34" charset="0"/>
+              <a:buChar char="•"/>
+              <a:defRPr sz="2800" kern="1200">
+                <a:solidFill>
+                  <a:schemeClr val="tx1"/>
+                </a:solidFill>
+                <a:latin typeface="+mn-lt"/>
+                <a:ea typeface="+mn-ea"/>
+                <a:cs typeface="+mn-cs"/>
+              </a:defRPr>
+            </a:lvl1pPr>
+            <a:lvl2pPr marL="685800" indent="-228600" algn="l" defTabSz="914400" rtl="0" eaLnBrk="1" latinLnBrk="0" hangingPunct="1">
+              <a:lnSpc>
+                <a:spcPct val="90000"/>
+              </a:lnSpc>
+              <a:spcBef>
+                <a:spcPts val="500"/>
+              </a:spcBef>
+              <a:buFont typeface="Arial" panose="020B0604020202020204" pitchFamily="34" charset="0"/>
+              <a:buChar char="•"/>
+              <a:defRPr sz="2400" kern="1200">
+                <a:solidFill>
+                  <a:schemeClr val="tx1"/>
+                </a:solidFill>
+                <a:latin typeface="+mn-lt"/>
+                <a:ea typeface="+mn-ea"/>
+                <a:cs typeface="+mn-cs"/>
+              </a:defRPr>
+            </a:lvl2pPr>
+            <a:lvl3pPr marL="1143000" indent="-228600" algn="l" defTabSz="914400" rtl="0" eaLnBrk="1" latinLnBrk="0" hangingPunct="1">
+              <a:lnSpc>
+                <a:spcPct val="90000"/>
+              </a:lnSpc>
+              <a:spcBef>
+                <a:spcPts val="500"/>
+              </a:spcBef>
+              <a:buFont typeface="Arial" panose="020B0604020202020204" pitchFamily="34" charset="0"/>
+              <a:buChar char="•"/>
+              <a:defRPr sz="2000" kern="1200">
+                <a:solidFill>
+                  <a:schemeClr val="tx1"/>
+                </a:solidFill>
+                <a:latin typeface="+mn-lt"/>
+                <a:ea typeface="+mn-ea"/>
+                <a:cs typeface="+mn-cs"/>
+              </a:defRPr>
+            </a:lvl3pPr>
+            <a:lvl4pPr marL="1600200" indent="-228600" algn="l" defTabSz="914400" rtl="0" eaLnBrk="1" latinLnBrk="0" hangingPunct="1">
+              <a:lnSpc>
+                <a:spcPct val="90000"/>
+              </a:lnSpc>
+              <a:spcBef>
+                <a:spcPts val="500"/>
+              </a:spcBef>
+              <a:buFont typeface="Arial" panose="020B0604020202020204" pitchFamily="34" charset="0"/>
+              <a:buChar char="•"/>
+              <a:defRPr sz="1800" kern="1200">
+                <a:solidFill>
+                  <a:schemeClr val="tx1"/>
+                </a:solidFill>
+                <a:latin typeface="+mn-lt"/>
+                <a:ea typeface="+mn-ea"/>
+                <a:cs typeface="+mn-cs"/>
+              </a:defRPr>
+            </a:lvl4pPr>
+            <a:lvl5pPr marL="2057400" indent="-228600" algn="l" defTabSz="914400" rtl="0" eaLnBrk="1" latinLnBrk="0" hangingPunct="1">
+              <a:lnSpc>
+                <a:spcPct val="90000"/>
+              </a:lnSpc>
+              <a:spcBef>
+                <a:spcPts val="500"/>
+              </a:spcBef>
+              <a:buFont typeface="Arial" panose="020B0604020202020204" pitchFamily="34" charset="0"/>
+              <a:buChar char="•"/>
+              <a:defRPr sz="1800" kern="1200">
+                <a:solidFill>
+                  <a:schemeClr val="tx1"/>
+                </a:solidFill>
+                <a:latin typeface="+mn-lt"/>
+                <a:ea typeface="+mn-ea"/>
+                <a:cs typeface="+mn-cs"/>
+              </a:defRPr>
+            </a:lvl5pPr>
+            <a:lvl6pPr marL="2514600" indent="-228600" algn="l" defTabSz="914400" rtl="0" eaLnBrk="1" latinLnBrk="0" hangingPunct="1">
+              <a:lnSpc>
+                <a:spcPct val="90000"/>
+              </a:lnSpc>
+              <a:spcBef>
+                <a:spcPts val="500"/>
+              </a:spcBef>
+              <a:buFont typeface="Arial" panose="020B0604020202020204" pitchFamily="34" charset="0"/>
+              <a:buChar char="•"/>
+              <a:defRPr sz="1800" kern="1200">
+                <a:solidFill>
+                  <a:schemeClr val="tx1"/>
+                </a:solidFill>
+                <a:latin typeface="+mn-lt"/>
+                <a:ea typeface="+mn-ea"/>
+                <a:cs typeface="+mn-cs"/>
+              </a:defRPr>
+            </a:lvl6pPr>
+            <a:lvl7pPr marL="2971800" indent="-228600" algn="l" defTabSz="914400" rtl="0" eaLnBrk="1" latinLnBrk="0" hangingPunct="1">
+              <a:lnSpc>
+                <a:spcPct val="90000"/>
+              </a:lnSpc>
+              <a:spcBef>
+                <a:spcPts val="500"/>
+              </a:spcBef>
+              <a:buFont typeface="Arial" panose="020B0604020202020204" pitchFamily="34" charset="0"/>
+              <a:buChar char="•"/>
+              <a:defRPr sz="1800" kern="1200">
+                <a:solidFill>
+                  <a:schemeClr val="tx1"/>
+                </a:solidFill>
+                <a:latin typeface="+mn-lt"/>
+                <a:ea typeface="+mn-ea"/>
+                <a:cs typeface="+mn-cs"/>
+              </a:defRPr>
+            </a:lvl7pPr>
+            <a:lvl8pPr marL="3429000" indent="-228600" algn="l" defTabSz="914400" rtl="0" eaLnBrk="1" latinLnBrk="0" hangingPunct="1">
+              <a:lnSpc>
+                <a:spcPct val="90000"/>
+              </a:lnSpc>
+              <a:spcBef>
+                <a:spcPts val="500"/>
+              </a:spcBef>
+              <a:buFont typeface="Arial" panose="020B0604020202020204" pitchFamily="34" charset="0"/>
+              <a:buChar char="•"/>
+              <a:defRPr sz="1800" kern="1200">
+                <a:solidFill>
+                  <a:schemeClr val="tx1"/>
+                </a:solidFill>
+                <a:latin typeface="+mn-lt"/>
+                <a:ea typeface="+mn-ea"/>
+                <a:cs typeface="+mn-cs"/>
+              </a:defRPr>
+            </a:lvl8pPr>
+            <a:lvl9pPr marL="3886200" indent="-228600" algn="l" defTabSz="914400" rtl="0" eaLnBrk="1" latinLnBrk="0" hangingPunct="1">
+              <a:lnSpc>
+                <a:spcPct val="90000"/>
+              </a:lnSpc>
+              <a:spcBef>
+                <a:spcPts val="500"/>
+              </a:spcBef>
+              <a:buFont typeface="Arial" panose="020B0604020202020204" pitchFamily="34" charset="0"/>
+              <a:buChar char="•"/>
+              <a:defRPr sz="1800" kern="1200">
+                <a:solidFill>
+                  <a:schemeClr val="tx1"/>
+                </a:solidFill>
+                <a:latin typeface="+mn-lt"/>
+                <a:ea typeface="+mn-ea"/>
+                <a:cs typeface="+mn-cs"/>
+              </a:defRPr>
+            </a:lvl9pPr>
+          </a:lstStyle>
+          <a:p>
+            <a:pPr marL="0" indent="0">
+              <a:buFont typeface="Arial" panose="020B0604020202020204" pitchFamily="34" charset="0"/>
+              <a:buNone/>
+            </a:pPr>
+            <a:r>
+              <a:rPr lang="pt-BR" dirty="0" smtClean="0"/>
+              <a:t>for </a:t>
+            </a:r>
+            <a:r>
+              <a:rPr lang="pt-BR" dirty="0" err="1" smtClean="0"/>
+              <a:t>cada_elemento</a:t>
+            </a:r>
+            <a:r>
+              <a:rPr lang="pt-BR" dirty="0" smtClean="0"/>
+              <a:t> in sequencia:</a:t>
+            </a:r>
+            <a:br>
+              <a:rPr lang="pt-BR" dirty="0" smtClean="0"/>
+            </a:br>
+            <a:r>
+              <a:rPr lang="pt-BR" dirty="0" smtClean="0"/>
+              <a:t>	...código...</a:t>
+            </a:r>
+          </a:p>
+          <a:p>
+            <a:pPr marL="0" indent="0">
+              <a:buFont typeface="Arial" panose="020B0604020202020204" pitchFamily="34" charset="0"/>
+              <a:buNone/>
+            </a:pPr>
+            <a:r>
+              <a:rPr lang="pt-BR" dirty="0" err="1" smtClean="0"/>
+              <a:t>else</a:t>
+            </a:r>
+            <a:r>
+              <a:rPr lang="pt-BR" dirty="0" smtClean="0"/>
+              <a:t>:</a:t>
+            </a:r>
+          </a:p>
+          <a:p>
+            <a:pPr marL="0" indent="0">
+              <a:buFont typeface="Arial" panose="020B0604020202020204" pitchFamily="34" charset="0"/>
+              <a:buNone/>
+            </a:pPr>
+            <a:r>
+              <a:rPr lang="pt-BR" dirty="0"/>
+              <a:t>	</a:t>
+            </a:r>
+            <a:r>
+              <a:rPr lang="pt-BR" dirty="0" smtClean="0"/>
+              <a:t>...código...</a:t>
+            </a:r>
           </a:p>
         </p:txBody>
       </p:sp>
@@ -10567,7 +11727,7 @@
 </p:sld>
 </file>
 
-<file path=ppt/slides/slide39.xml><?xml version="1.0" encoding="utf-8"?>
+<file path=ppt/slides/slide47.xml><?xml version="1.0" encoding="utf-8"?>
 <p:sld xmlns:a="http://schemas.openxmlformats.org/drawingml/2006/main" xmlns:r="http://schemas.openxmlformats.org/officeDocument/2006/relationships" xmlns:p="http://schemas.openxmlformats.org/presentationml/2006/main">
   <p:cSld>
     <p:spTree>
@@ -10647,7 +11807,6 @@
               <a:rPr lang="pt-BR" dirty="0" smtClean="0"/>
               <a:t>matrizes</a:t>
             </a:r>
-            <a:endParaRPr lang="pt-BR" dirty="0" smtClean="0"/>
           </a:p>
         </p:txBody>
       </p:sp>
@@ -10671,7 +11830,7 @@
 </p:sld>
 </file>
 
-<file path=ppt/slides/slide4.xml><?xml version="1.0" encoding="utf-8"?>
+<file path=ppt/slides/slide48.xml><?xml version="1.0" encoding="utf-8"?>
 <p:sld xmlns:a="http://schemas.openxmlformats.org/drawingml/2006/main" xmlns:r="http://schemas.openxmlformats.org/officeDocument/2006/relationships" xmlns:p="http://schemas.openxmlformats.org/presentationml/2006/main">
   <p:cSld>
     <p:spTree>
@@ -10690,12 +11849,12 @@
       </p:grpSpPr>
       <p:sp>
         <p:nvSpPr>
-          <p:cNvPr id="2" name="Título 1"/>
-          <p:cNvSpPr>
-            <a:spLocks noGrp="1"/>
-          </p:cNvSpPr>
-          <p:nvPr>
-            <p:ph type="title"/>
+          <p:cNvPr id="4" name="Título 3"/>
+          <p:cNvSpPr>
+            <a:spLocks noGrp="1"/>
+          </p:cNvSpPr>
+          <p:nvPr>
+            <p:ph type="ctrTitle"/>
           </p:nvPr>
         </p:nvSpPr>
         <p:spPr/>
@@ -10705,125 +11864,26 @@
           <a:p>
             <a:r>
               <a:rPr lang="pt-BR" dirty="0" smtClean="0"/>
-              <a:t>Cronograma</a:t>
+              <a:t>Intervalo</a:t>
             </a:r>
             <a:endParaRPr lang="pt-BR" dirty="0"/>
-          </a:p>
-        </p:txBody>
-      </p:sp>
-      <p:sp>
-        <p:nvSpPr>
-          <p:cNvPr id="3" name="Espaço Reservado para Conteúdo 2"/>
-          <p:cNvSpPr>
-            <a:spLocks noGrp="1"/>
-          </p:cNvSpPr>
-          <p:nvPr>
-            <p:ph idx="1"/>
-          </p:nvPr>
-        </p:nvSpPr>
-        <p:spPr>
-          <a:xfrm>
-            <a:off x="628650" y="1418897"/>
-            <a:ext cx="7886700" cy="5087006"/>
-          </a:xfrm>
-        </p:spPr>
-        <p:txBody>
-          <a:bodyPr>
-            <a:normAutofit/>
-          </a:bodyPr>
-          <a:lstStyle/>
-          <a:p>
-            <a:r>
-              <a:rPr lang="pt-BR" sz="3600" dirty="0" smtClean="0"/>
-              <a:t>Parte III (se </a:t>
-            </a:r>
-            <a:r>
-              <a:rPr lang="pt-BR" sz="3600" dirty="0" smtClean="0"/>
-              <a:t>sobrar </a:t>
-            </a:r>
-            <a:r>
-              <a:rPr lang="pt-BR" sz="3600" dirty="0" smtClean="0"/>
-              <a:t>tempo):</a:t>
-            </a:r>
-            <a:endParaRPr lang="pt-BR" sz="3600" dirty="0"/>
-          </a:p>
-          <a:p>
-            <a:pPr lvl="1"/>
-            <a:r>
-              <a:rPr lang="pt-BR" sz="3600" dirty="0"/>
-              <a:t>Criando gráficos com </a:t>
-            </a:r>
-            <a:r>
-              <a:rPr lang="pt-BR" sz="3600" dirty="0" err="1" smtClean="0"/>
-              <a:t>Matplotlib</a:t>
-            </a:r>
-            <a:endParaRPr lang="pt-BR" sz="3600" dirty="0" smtClean="0"/>
-          </a:p>
-          <a:p>
-            <a:pPr lvl="1"/>
-            <a:r>
-              <a:rPr lang="pt-BR" sz="3600" dirty="0" err="1" smtClean="0"/>
-              <a:t>Machine</a:t>
-            </a:r>
-            <a:r>
-              <a:rPr lang="pt-BR" sz="3600" dirty="0" smtClean="0"/>
-              <a:t> </a:t>
-            </a:r>
-            <a:r>
-              <a:rPr lang="pt-BR" sz="3600" dirty="0" smtClean="0"/>
-              <a:t>Learning com módulo </a:t>
-            </a:r>
-            <a:r>
-              <a:rPr lang="pt-BR" sz="3600" dirty="0" err="1" smtClean="0"/>
-              <a:t>Keras</a:t>
-            </a:r>
-            <a:r>
-              <a:rPr lang="pt-BR" sz="3600" dirty="0" smtClean="0"/>
-              <a:t> e </a:t>
-            </a:r>
-            <a:r>
-              <a:rPr lang="pt-BR" sz="3600" dirty="0" err="1" smtClean="0"/>
-              <a:t>Sklearn</a:t>
-            </a:r>
-            <a:endParaRPr lang="pt-BR" sz="3600" dirty="0" smtClean="0"/>
-          </a:p>
-          <a:p>
-            <a:pPr lvl="1"/>
-            <a:r>
-              <a:rPr lang="pt-BR" sz="3600" dirty="0" smtClean="0"/>
-              <a:t>Classificação com uma rede neural artificial</a:t>
-            </a:r>
-          </a:p>
-          <a:p>
-            <a:pPr lvl="2"/>
-            <a:r>
-              <a:rPr lang="pt-BR" sz="3600" dirty="0" smtClean="0"/>
-              <a:t>LeNet-5</a:t>
-            </a:r>
           </a:p>
         </p:txBody>
       </p:sp>
     </p:spTree>
     <p:extLst>
       <p:ext uri="{BB962C8B-B14F-4D97-AF65-F5344CB8AC3E}">
-        <p14:creationId xmlns:p14="http://schemas.microsoft.com/office/powerpoint/2010/main" val="3315581386"/>
+        <p14:creationId xmlns:p14="http://schemas.microsoft.com/office/powerpoint/2010/main" val="376305195"/>
       </p:ext>
     </p:extLst>
   </p:cSld>
   <p:clrMapOvr>
     <a:masterClrMapping/>
   </p:clrMapOvr>
-  <p:timing>
-    <p:tnLst>
-      <p:par>
-        <p:cTn id="1" dur="indefinite" restart="never" nodeType="tmRoot"/>
-      </p:par>
-    </p:tnLst>
-  </p:timing>
 </p:sld>
 </file>
 
-<file path=ppt/slides/slide40.xml><?xml version="1.0" encoding="utf-8"?>
+<file path=ppt/slides/slide49.xml><?xml version="1.0" encoding="utf-8"?>
 <p:sld xmlns:a="http://schemas.openxmlformats.org/drawingml/2006/main" xmlns:r="http://schemas.openxmlformats.org/officeDocument/2006/relationships" xmlns:p="http://schemas.openxmlformats.org/presentationml/2006/main">
   <p:cSld>
     <p:spTree>
@@ -10842,59 +11902,6 @@
       </p:grpSpPr>
       <p:sp>
         <p:nvSpPr>
-          <p:cNvPr id="4" name="Título 3"/>
-          <p:cNvSpPr>
-            <a:spLocks noGrp="1"/>
-          </p:cNvSpPr>
-          <p:nvPr>
-            <p:ph type="ctrTitle"/>
-          </p:nvPr>
-        </p:nvSpPr>
-        <p:spPr/>
-        <p:txBody>
-          <a:bodyPr/>
-          <a:lstStyle/>
-          <a:p>
-            <a:r>
-              <a:rPr lang="pt-BR" dirty="0" smtClean="0"/>
-              <a:t>Intervalo</a:t>
-            </a:r>
-            <a:endParaRPr lang="pt-BR" dirty="0"/>
-          </a:p>
-        </p:txBody>
-      </p:sp>
-    </p:spTree>
-    <p:extLst>
-      <p:ext uri="{BB962C8B-B14F-4D97-AF65-F5344CB8AC3E}">
-        <p14:creationId xmlns:p14="http://schemas.microsoft.com/office/powerpoint/2010/main" val="376305195"/>
-      </p:ext>
-    </p:extLst>
-  </p:cSld>
-  <p:clrMapOvr>
-    <a:masterClrMapping/>
-  </p:clrMapOvr>
-</p:sld>
-</file>
-
-<file path=ppt/slides/slide41.xml><?xml version="1.0" encoding="utf-8"?>
-<p:sld xmlns:a="http://schemas.openxmlformats.org/drawingml/2006/main" xmlns:r="http://schemas.openxmlformats.org/officeDocument/2006/relationships" xmlns:p="http://schemas.openxmlformats.org/presentationml/2006/main">
-  <p:cSld>
-    <p:spTree>
-      <p:nvGrpSpPr>
-        <p:cNvPr id="1" name=""/>
-        <p:cNvGrpSpPr/>
-        <p:nvPr/>
-      </p:nvGrpSpPr>
-      <p:grpSpPr>
-        <a:xfrm>
-          <a:off x="0" y="0"/>
-          <a:ext cx="0" cy="0"/>
-          <a:chOff x="0" y="0"/>
-          <a:chExt cx="0" cy="0"/>
-        </a:xfrm>
-      </p:grpSpPr>
-      <p:sp>
-        <p:nvSpPr>
           <p:cNvPr id="2" name="Título 1"/>
           <p:cNvSpPr>
             <a:spLocks noGrp="1"/>
@@ -10976,11 +11983,7 @@
             <a:pPr lvl="1"/>
             <a:r>
               <a:rPr lang="pt-BR" sz="3600" dirty="0" smtClean="0"/>
-              <a:t>Tratamento </a:t>
-            </a:r>
-            <a:r>
-              <a:rPr lang="pt-BR" sz="3600" dirty="0" smtClean="0"/>
-              <a:t>de exceções</a:t>
+              <a:t>Tratamento de exceções</a:t>
             </a:r>
             <a:endParaRPr lang="pt-BR" sz="3600" dirty="0"/>
           </a:p>
@@ -11010,13 +12013,8 @@
             </a:r>
             <a:r>
               <a:rPr lang="pt-BR" sz="3600" dirty="0" smtClean="0"/>
-              <a:t>rquivo </a:t>
-            </a:r>
-            <a:r>
-              <a:rPr lang="pt-BR" sz="3600" dirty="0" smtClean="0"/>
-              <a:t>CSV</a:t>
-            </a:r>
-            <a:endParaRPr lang="pt-BR" sz="3600" dirty="0" smtClean="0"/>
+              <a:t>rquivo CSV</a:t>
+            </a:r>
           </a:p>
         </p:txBody>
       </p:sp>
@@ -11024,444 +12022,6 @@
     <p:extLst>
       <p:ext uri="{BB962C8B-B14F-4D97-AF65-F5344CB8AC3E}">
         <p14:creationId xmlns:p14="http://schemas.microsoft.com/office/powerpoint/2010/main" val="1766322440"/>
-      </p:ext>
-    </p:extLst>
-  </p:cSld>
-  <p:clrMapOvr>
-    <a:masterClrMapping/>
-  </p:clrMapOvr>
-  <p:timing>
-    <p:tnLst>
-      <p:par>
-        <p:cTn id="1" dur="indefinite" restart="never" nodeType="tmRoot"/>
-      </p:par>
-    </p:tnLst>
-  </p:timing>
-</p:sld>
-</file>
-
-<file path=ppt/slides/slide42.xml><?xml version="1.0" encoding="utf-8"?>
-<p:sld xmlns:a="http://schemas.openxmlformats.org/drawingml/2006/main" xmlns:r="http://schemas.openxmlformats.org/officeDocument/2006/relationships" xmlns:p="http://schemas.openxmlformats.org/presentationml/2006/main">
-  <p:cSld>
-    <p:spTree>
-      <p:nvGrpSpPr>
-        <p:cNvPr id="1" name=""/>
-        <p:cNvGrpSpPr/>
-        <p:nvPr/>
-      </p:nvGrpSpPr>
-      <p:grpSpPr>
-        <a:xfrm>
-          <a:off x="0" y="0"/>
-          <a:ext cx="0" cy="0"/>
-          <a:chOff x="0" y="0"/>
-          <a:chExt cx="0" cy="0"/>
-        </a:xfrm>
-      </p:grpSpPr>
-      <p:sp>
-        <p:nvSpPr>
-          <p:cNvPr id="2" name="Título 1"/>
-          <p:cNvSpPr>
-            <a:spLocks noGrp="1"/>
-          </p:cNvSpPr>
-          <p:nvPr>
-            <p:ph type="title"/>
-          </p:nvPr>
-        </p:nvSpPr>
-        <p:spPr/>
-        <p:txBody>
-          <a:bodyPr/>
-          <a:lstStyle/>
-          <a:p>
-            <a:r>
-              <a:rPr lang="pt-BR" dirty="0" smtClean="0"/>
-              <a:t>Cronograma</a:t>
-            </a:r>
-            <a:endParaRPr lang="pt-BR" dirty="0"/>
-          </a:p>
-        </p:txBody>
-      </p:sp>
-      <p:sp>
-        <p:nvSpPr>
-          <p:cNvPr id="3" name="Espaço Reservado para Conteúdo 2"/>
-          <p:cNvSpPr>
-            <a:spLocks noGrp="1"/>
-          </p:cNvSpPr>
-          <p:nvPr>
-            <p:ph idx="1"/>
-          </p:nvPr>
-        </p:nvSpPr>
-        <p:spPr>
-          <a:xfrm>
-            <a:off x="628650" y="1418897"/>
-            <a:ext cx="7886700" cy="5087006"/>
-          </a:xfrm>
-        </p:spPr>
-        <p:txBody>
-          <a:bodyPr>
-            <a:noAutofit/>
-          </a:bodyPr>
-          <a:lstStyle/>
-          <a:p>
-            <a:r>
-              <a:rPr lang="pt-BR" sz="3600" dirty="0" smtClean="0"/>
-              <a:t>Parte II:</a:t>
-            </a:r>
-          </a:p>
-          <a:p>
-            <a:pPr lvl="1"/>
-            <a:r>
-              <a:rPr lang="pt-BR" sz="3600" dirty="0"/>
-              <a:t>Data e tempo</a:t>
-            </a:r>
-          </a:p>
-          <a:p>
-            <a:pPr lvl="1"/>
-            <a:r>
-              <a:rPr lang="pt-BR" sz="3600" dirty="0">
-                <a:solidFill>
-                  <a:schemeClr val="tx1">
-                    <a:lumMod val="50000"/>
-                    <a:lumOff val="50000"/>
-                  </a:schemeClr>
-                </a:solidFill>
-              </a:rPr>
-              <a:t>Funções</a:t>
-            </a:r>
-          </a:p>
-          <a:p>
-            <a:pPr lvl="1"/>
-            <a:r>
-              <a:rPr lang="pt-BR" sz="3600" dirty="0" smtClean="0">
-                <a:solidFill>
-                  <a:schemeClr val="tx1">
-                    <a:lumMod val="50000"/>
-                    <a:lumOff val="50000"/>
-                  </a:schemeClr>
-                </a:solidFill>
-              </a:rPr>
-              <a:t>Modularidade</a:t>
-            </a:r>
-            <a:endParaRPr lang="pt-BR" sz="3600" dirty="0">
-              <a:solidFill>
-                <a:schemeClr val="tx1">
-                  <a:lumMod val="50000"/>
-                  <a:lumOff val="50000"/>
-                </a:schemeClr>
-              </a:solidFill>
-            </a:endParaRPr>
-          </a:p>
-          <a:p>
-            <a:pPr lvl="1"/>
-            <a:r>
-              <a:rPr lang="pt-BR" sz="3600" dirty="0">
-                <a:solidFill>
-                  <a:schemeClr val="tx1">
-                    <a:lumMod val="50000"/>
-                    <a:lumOff val="50000"/>
-                  </a:schemeClr>
-                </a:solidFill>
-              </a:rPr>
-              <a:t>Arquivos</a:t>
-            </a:r>
-          </a:p>
-          <a:p>
-            <a:pPr lvl="1"/>
-            <a:r>
-              <a:rPr lang="pt-BR" sz="3600" dirty="0" smtClean="0">
-                <a:solidFill>
-                  <a:schemeClr val="tx1">
-                    <a:lumMod val="50000"/>
-                    <a:lumOff val="50000"/>
-                  </a:schemeClr>
-                </a:solidFill>
-              </a:rPr>
-              <a:t>Tratamento </a:t>
-            </a:r>
-            <a:r>
-              <a:rPr lang="pt-BR" sz="3600" dirty="0" smtClean="0">
-                <a:solidFill>
-                  <a:schemeClr val="tx1">
-                    <a:lumMod val="50000"/>
-                    <a:lumOff val="50000"/>
-                  </a:schemeClr>
-                </a:solidFill>
-              </a:rPr>
-              <a:t>de exceções</a:t>
-            </a:r>
-            <a:endParaRPr lang="pt-BR" sz="3600" dirty="0">
-              <a:solidFill>
-                <a:schemeClr val="tx1">
-                  <a:lumMod val="50000"/>
-                  <a:lumOff val="50000"/>
-                </a:schemeClr>
-              </a:solidFill>
-            </a:endParaRPr>
-          </a:p>
-          <a:p>
-            <a:pPr lvl="1"/>
-            <a:r>
-              <a:rPr lang="pt-BR" sz="3600" dirty="0" smtClean="0">
-                <a:solidFill>
-                  <a:schemeClr val="tx1">
-                    <a:lumMod val="50000"/>
-                    <a:lumOff val="50000"/>
-                  </a:schemeClr>
-                </a:solidFill>
-              </a:rPr>
-              <a:t>Classes e objetos</a:t>
-            </a:r>
-          </a:p>
-          <a:p>
-            <a:pPr lvl="1"/>
-            <a:r>
-              <a:rPr lang="pt-BR" sz="3600" dirty="0" smtClean="0">
-                <a:solidFill>
-                  <a:schemeClr val="tx1">
-                    <a:lumMod val="50000"/>
-                    <a:lumOff val="50000"/>
-                  </a:schemeClr>
-                </a:solidFill>
-              </a:rPr>
-              <a:t>Expressões regulares</a:t>
-            </a:r>
-          </a:p>
-          <a:p>
-            <a:pPr lvl="1"/>
-            <a:r>
-              <a:rPr lang="pt-BR" sz="3600" dirty="0" smtClean="0">
-                <a:solidFill>
-                  <a:schemeClr val="tx1">
-                    <a:lumMod val="50000"/>
-                    <a:lumOff val="50000"/>
-                  </a:schemeClr>
-                </a:solidFill>
-              </a:rPr>
-              <a:t>Manipulação de </a:t>
-            </a:r>
-            <a:r>
-              <a:rPr lang="pt-BR" sz="3600" dirty="0">
-                <a:solidFill>
-                  <a:schemeClr val="tx1">
-                    <a:lumMod val="50000"/>
-                    <a:lumOff val="50000"/>
-                  </a:schemeClr>
-                </a:solidFill>
-              </a:rPr>
-              <a:t>a</a:t>
-            </a:r>
-            <a:r>
-              <a:rPr lang="pt-BR" sz="3600" dirty="0" smtClean="0">
-                <a:solidFill>
-                  <a:schemeClr val="tx1">
-                    <a:lumMod val="50000"/>
-                    <a:lumOff val="50000"/>
-                  </a:schemeClr>
-                </a:solidFill>
-              </a:rPr>
-              <a:t>rquivo </a:t>
-            </a:r>
-            <a:r>
-              <a:rPr lang="pt-BR" sz="3600" dirty="0" smtClean="0">
-                <a:solidFill>
-                  <a:schemeClr val="tx1">
-                    <a:lumMod val="50000"/>
-                    <a:lumOff val="50000"/>
-                  </a:schemeClr>
-                </a:solidFill>
-              </a:rPr>
-              <a:t>CSV</a:t>
-            </a:r>
-            <a:endParaRPr lang="pt-BR" sz="3600" dirty="0" smtClean="0">
-              <a:solidFill>
-                <a:schemeClr val="tx1">
-                  <a:lumMod val="50000"/>
-                  <a:lumOff val="50000"/>
-                </a:schemeClr>
-              </a:solidFill>
-            </a:endParaRPr>
-          </a:p>
-        </p:txBody>
-      </p:sp>
-    </p:spTree>
-    <p:extLst>
-      <p:ext uri="{BB962C8B-B14F-4D97-AF65-F5344CB8AC3E}">
-        <p14:creationId xmlns:p14="http://schemas.microsoft.com/office/powerpoint/2010/main" val="4209786732"/>
-      </p:ext>
-    </p:extLst>
-  </p:cSld>
-  <p:clrMapOvr>
-    <a:masterClrMapping/>
-  </p:clrMapOvr>
-  <p:timing>
-    <p:tnLst>
-      <p:par>
-        <p:cTn id="1" dur="indefinite" restart="never" nodeType="tmRoot"/>
-      </p:par>
-    </p:tnLst>
-  </p:timing>
-</p:sld>
-</file>
-
-<file path=ppt/slides/slide43.xml><?xml version="1.0" encoding="utf-8"?>
-<p:sld xmlns:a="http://schemas.openxmlformats.org/drawingml/2006/main" xmlns:r="http://schemas.openxmlformats.org/officeDocument/2006/relationships" xmlns:p="http://schemas.openxmlformats.org/presentationml/2006/main">
-  <p:cSld>
-    <p:spTree>
-      <p:nvGrpSpPr>
-        <p:cNvPr id="1" name=""/>
-        <p:cNvGrpSpPr/>
-        <p:nvPr/>
-      </p:nvGrpSpPr>
-      <p:grpSpPr>
-        <a:xfrm>
-          <a:off x="0" y="0"/>
-          <a:ext cx="0" cy="0"/>
-          <a:chOff x="0" y="0"/>
-          <a:chExt cx="0" cy="0"/>
-        </a:xfrm>
-      </p:grpSpPr>
-      <p:sp>
-        <p:nvSpPr>
-          <p:cNvPr id="2" name="Título 1"/>
-          <p:cNvSpPr>
-            <a:spLocks noGrp="1"/>
-          </p:cNvSpPr>
-          <p:nvPr>
-            <p:ph type="title"/>
-          </p:nvPr>
-        </p:nvSpPr>
-        <p:spPr/>
-        <p:txBody>
-          <a:bodyPr/>
-          <a:lstStyle/>
-          <a:p>
-            <a:r>
-              <a:rPr lang="pt-BR" dirty="0" smtClean="0"/>
-              <a:t>Tipo </a:t>
-            </a:r>
-            <a:r>
-              <a:rPr lang="pt-BR" dirty="0" err="1" smtClean="0"/>
-              <a:t>datetime</a:t>
-            </a:r>
-            <a:endParaRPr lang="pt-BR" dirty="0"/>
-          </a:p>
-        </p:txBody>
-      </p:sp>
-      <p:sp>
-        <p:nvSpPr>
-          <p:cNvPr id="3" name="Espaço Reservado para Conteúdo 2"/>
-          <p:cNvSpPr>
-            <a:spLocks noGrp="1"/>
-          </p:cNvSpPr>
-          <p:nvPr>
-            <p:ph idx="1"/>
-          </p:nvPr>
-        </p:nvSpPr>
-        <p:spPr>
-          <a:xfrm>
-            <a:off x="628650" y="1690689"/>
-            <a:ext cx="7886700" cy="4486274"/>
-          </a:xfrm>
-        </p:spPr>
-        <p:txBody>
-          <a:bodyPr>
-            <a:normAutofit/>
-          </a:bodyPr>
-          <a:lstStyle/>
-          <a:p>
-            <a:r>
-              <a:rPr lang="pt-BR" dirty="0" smtClean="0"/>
-              <a:t>Está contido</a:t>
-            </a:r>
-          </a:p>
-          <a:p>
-            <a:pPr lvl="1"/>
-            <a:r>
-              <a:rPr lang="pt-BR" dirty="0" smtClean="0"/>
-              <a:t>a in b (a está contido em b)</a:t>
-            </a:r>
-          </a:p>
-          <a:p>
-            <a:r>
-              <a:rPr lang="pt-BR" dirty="0" smtClean="0"/>
-              <a:t>Nã</a:t>
-            </a:r>
-            <a:r>
-              <a:rPr lang="pt-BR" dirty="0" smtClean="0"/>
-              <a:t>o está contido</a:t>
-            </a:r>
-          </a:p>
-          <a:p>
-            <a:pPr lvl="1"/>
-            <a:r>
-              <a:rPr lang="pt-BR" dirty="0" smtClean="0"/>
-              <a:t>b </a:t>
-            </a:r>
-            <a:r>
-              <a:rPr lang="pt-BR" dirty="0" err="1" smtClean="0"/>
-              <a:t>not</a:t>
-            </a:r>
-            <a:r>
-              <a:rPr lang="pt-BR" dirty="0" smtClean="0"/>
-              <a:t> in a (b não está contido em a)</a:t>
-            </a:r>
-          </a:p>
-          <a:p>
-            <a:r>
-              <a:rPr lang="pt-BR" dirty="0" smtClean="0"/>
-              <a:t>É</a:t>
-            </a:r>
-          </a:p>
-          <a:p>
-            <a:pPr lvl="1"/>
-            <a:r>
-              <a:rPr lang="pt-BR" dirty="0" smtClean="0"/>
-              <a:t>a </a:t>
-            </a:r>
-            <a:r>
-              <a:rPr lang="pt-BR" dirty="0" err="1" smtClean="0"/>
-              <a:t>is</a:t>
-            </a:r>
-            <a:r>
-              <a:rPr lang="pt-BR" dirty="0" smtClean="0"/>
-              <a:t> b (a aponta para o mesmo objeto que b)</a:t>
-            </a:r>
-          </a:p>
-          <a:p>
-            <a:r>
-              <a:rPr lang="pt-BR" dirty="0" smtClean="0"/>
-              <a:t>NÃO É</a:t>
-            </a:r>
-          </a:p>
-          <a:p>
-            <a:pPr lvl="1"/>
-            <a:r>
-              <a:rPr lang="pt-BR" dirty="0" smtClean="0"/>
-              <a:t>a </a:t>
-            </a:r>
-            <a:r>
-              <a:rPr lang="pt-BR" dirty="0" err="1" smtClean="0"/>
-              <a:t>is</a:t>
-            </a:r>
-            <a:r>
-              <a:rPr lang="pt-BR" dirty="0" smtClean="0"/>
-              <a:t> </a:t>
-            </a:r>
-            <a:r>
-              <a:rPr lang="pt-BR" dirty="0" err="1" smtClean="0"/>
-              <a:t>not</a:t>
-            </a:r>
-            <a:r>
-              <a:rPr lang="pt-BR" dirty="0" smtClean="0"/>
-              <a:t> b (a não aponta para o mesmo objeto que b)</a:t>
-            </a:r>
-            <a:endParaRPr lang="pt-BR" dirty="0" smtClean="0"/>
-          </a:p>
-        </p:txBody>
-      </p:sp>
-    </p:spTree>
-    <p:extLst>
-      <p:ext uri="{BB962C8B-B14F-4D97-AF65-F5344CB8AC3E}">
-        <p14:creationId xmlns:p14="http://schemas.microsoft.com/office/powerpoint/2010/main" val="1231645816"/>
       </p:ext>
     </p:extLst>
   </p:cSld>
@@ -11591,18 +12151,7 @@
                   </a:schemeClr>
                 </a:solidFill>
               </a:rPr>
-              <a:t>Sintaxe </a:t>
-            </a:r>
-            <a:r>
-              <a:rPr lang="pt-BR" sz="4500" dirty="0" smtClean="0">
-                <a:solidFill>
-                  <a:schemeClr val="tx1">
-                    <a:lumMod val="50000"/>
-                    <a:lumOff val="50000"/>
-                  </a:schemeClr>
-                </a:solidFill>
-              </a:rPr>
-              <a:t>básica</a:t>
+              <a:t>Sintaxe básica</a:t>
             </a:r>
             <a:endParaRPr lang="pt-BR" sz="4500" dirty="0">
               <a:solidFill>
@@ -11657,8 +12206,11 @@
                   </a:schemeClr>
                 </a:solidFill>
               </a:rPr>
-              <a:t>Operadores </a:t>
-            </a:r>
+              <a:t>Operadores básicos</a:t>
+            </a:r>
+          </a:p>
+          <a:p>
+            <a:pPr lvl="1"/>
             <a:r>
               <a:rPr lang="pt-BR" sz="4500" dirty="0" smtClean="0">
                 <a:solidFill>
@@ -11668,7 +12220,7 @@
                   </a:schemeClr>
                 </a:solidFill>
               </a:rPr>
-              <a:t>básicos</a:t>
+              <a:t>Operadores condicionais</a:t>
             </a:r>
           </a:p>
           <a:p>
@@ -11682,13 +12234,110 @@
                   </a:schemeClr>
                 </a:solidFill>
               </a:rPr>
-              <a:t>Operadores condicionais</a:t>
-            </a:r>
-          </a:p>
-          <a:p>
-            <a:pPr lvl="1"/>
-            <a:r>
-              <a:rPr lang="pt-BR" sz="4500" dirty="0" smtClean="0">
+              <a:t>Laços de repetição</a:t>
+            </a:r>
+            <a:endParaRPr lang="pt-BR" dirty="0"/>
+          </a:p>
+        </p:txBody>
+      </p:sp>
+    </p:spTree>
+    <p:extLst>
+      <p:ext uri="{BB962C8B-B14F-4D97-AF65-F5344CB8AC3E}">
+        <p14:creationId xmlns:p14="http://schemas.microsoft.com/office/powerpoint/2010/main" val="2639361852"/>
+      </p:ext>
+    </p:extLst>
+  </p:cSld>
+  <p:clrMapOvr>
+    <a:masterClrMapping/>
+  </p:clrMapOvr>
+  <p:timing>
+    <p:tnLst>
+      <p:par>
+        <p:cTn id="1" dur="indefinite" restart="never" nodeType="tmRoot"/>
+      </p:par>
+    </p:tnLst>
+  </p:timing>
+</p:sld>
+</file>
+
+<file path=ppt/slides/slide50.xml><?xml version="1.0" encoding="utf-8"?>
+<p:sld xmlns:a="http://schemas.openxmlformats.org/drawingml/2006/main" xmlns:r="http://schemas.openxmlformats.org/officeDocument/2006/relationships" xmlns:p="http://schemas.openxmlformats.org/presentationml/2006/main">
+  <p:cSld>
+    <p:spTree>
+      <p:nvGrpSpPr>
+        <p:cNvPr id="1" name=""/>
+        <p:cNvGrpSpPr/>
+        <p:nvPr/>
+      </p:nvGrpSpPr>
+      <p:grpSpPr>
+        <a:xfrm>
+          <a:off x="0" y="0"/>
+          <a:ext cx="0" cy="0"/>
+          <a:chOff x="0" y="0"/>
+          <a:chExt cx="0" cy="0"/>
+        </a:xfrm>
+      </p:grpSpPr>
+      <p:sp>
+        <p:nvSpPr>
+          <p:cNvPr id="2" name="Título 1"/>
+          <p:cNvSpPr>
+            <a:spLocks noGrp="1"/>
+          </p:cNvSpPr>
+          <p:nvPr>
+            <p:ph type="title"/>
+          </p:nvPr>
+        </p:nvSpPr>
+        <p:spPr/>
+        <p:txBody>
+          <a:bodyPr/>
+          <a:lstStyle/>
+          <a:p>
+            <a:r>
+              <a:rPr lang="pt-BR" dirty="0" smtClean="0"/>
+              <a:t>Cronograma</a:t>
+            </a:r>
+            <a:endParaRPr lang="pt-BR" dirty="0"/>
+          </a:p>
+        </p:txBody>
+      </p:sp>
+      <p:sp>
+        <p:nvSpPr>
+          <p:cNvPr id="3" name="Espaço Reservado para Conteúdo 2"/>
+          <p:cNvSpPr>
+            <a:spLocks noGrp="1"/>
+          </p:cNvSpPr>
+          <p:nvPr>
+            <p:ph idx="1"/>
+          </p:nvPr>
+        </p:nvSpPr>
+        <p:spPr>
+          <a:xfrm>
+            <a:off x="628650" y="1418897"/>
+            <a:ext cx="7886700" cy="5087006"/>
+          </a:xfrm>
+        </p:spPr>
+        <p:txBody>
+          <a:bodyPr>
+            <a:noAutofit/>
+          </a:bodyPr>
+          <a:lstStyle/>
+          <a:p>
+            <a:r>
+              <a:rPr lang="pt-BR" sz="3600" dirty="0" smtClean="0"/>
+              <a:t>Parte II:</a:t>
+            </a:r>
+          </a:p>
+          <a:p>
+            <a:pPr lvl="1"/>
+            <a:r>
+              <a:rPr lang="pt-BR" sz="3600" dirty="0"/>
+              <a:t>Data e tempo</a:t>
+            </a:r>
+          </a:p>
+          <a:p>
+            <a:pPr lvl="1"/>
+            <a:r>
+              <a:rPr lang="pt-BR" sz="3600" dirty="0">
                 <a:solidFill>
                   <a:schemeClr val="tx1">
                     <a:lumMod val="50000"/>
@@ -11696,10 +12345,13 @@
                   </a:schemeClr>
                 </a:solidFill>
               </a:rPr>
-              <a:t>Laços de </a:t>
-            </a:r>
-            <a:r>
-              <a:rPr lang="pt-BR" sz="4500" dirty="0" smtClean="0">
+              <a:t>Funções</a:t>
+            </a:r>
+          </a:p>
+          <a:p>
+            <a:pPr lvl="1"/>
+            <a:r>
+              <a:rPr lang="pt-BR" sz="3600" dirty="0" smtClean="0">
                 <a:solidFill>
                   <a:schemeClr val="tx1">
                     <a:lumMod val="50000"/>
@@ -11707,16 +12359,1945 @@
                   </a:schemeClr>
                 </a:solidFill>
               </a:rPr>
-              <a:t>repetição</a:t>
-            </a:r>
-            <a:endParaRPr lang="pt-BR" dirty="0"/>
+              <a:t>Modularidade</a:t>
+            </a:r>
+            <a:endParaRPr lang="pt-BR" sz="3600" dirty="0">
+              <a:solidFill>
+                <a:schemeClr val="tx1">
+                  <a:lumMod val="50000"/>
+                  <a:lumOff val="50000"/>
+                </a:schemeClr>
+              </a:solidFill>
+            </a:endParaRPr>
+          </a:p>
+          <a:p>
+            <a:pPr lvl="1"/>
+            <a:r>
+              <a:rPr lang="pt-BR" sz="3600" dirty="0">
+                <a:solidFill>
+                  <a:schemeClr val="tx1">
+                    <a:lumMod val="50000"/>
+                    <a:lumOff val="50000"/>
+                  </a:schemeClr>
+                </a:solidFill>
+              </a:rPr>
+              <a:t>Arquivos</a:t>
+            </a:r>
+          </a:p>
+          <a:p>
+            <a:pPr lvl="1"/>
+            <a:r>
+              <a:rPr lang="pt-BR" sz="3600" dirty="0" smtClean="0">
+                <a:solidFill>
+                  <a:schemeClr val="tx1">
+                    <a:lumMod val="50000"/>
+                    <a:lumOff val="50000"/>
+                  </a:schemeClr>
+                </a:solidFill>
+              </a:rPr>
+              <a:t>Tratamento de exceções</a:t>
+            </a:r>
+            <a:endParaRPr lang="pt-BR" sz="3600" dirty="0">
+              <a:solidFill>
+                <a:schemeClr val="tx1">
+                  <a:lumMod val="50000"/>
+                  <a:lumOff val="50000"/>
+                </a:schemeClr>
+              </a:solidFill>
+            </a:endParaRPr>
+          </a:p>
+          <a:p>
+            <a:pPr lvl="1"/>
+            <a:r>
+              <a:rPr lang="pt-BR" sz="3600" dirty="0" smtClean="0">
+                <a:solidFill>
+                  <a:schemeClr val="tx1">
+                    <a:lumMod val="50000"/>
+                    <a:lumOff val="50000"/>
+                  </a:schemeClr>
+                </a:solidFill>
+              </a:rPr>
+              <a:t>Classes e objetos</a:t>
+            </a:r>
+          </a:p>
+          <a:p>
+            <a:pPr lvl="1"/>
+            <a:r>
+              <a:rPr lang="pt-BR" sz="3600" dirty="0" smtClean="0">
+                <a:solidFill>
+                  <a:schemeClr val="tx1">
+                    <a:lumMod val="50000"/>
+                    <a:lumOff val="50000"/>
+                  </a:schemeClr>
+                </a:solidFill>
+              </a:rPr>
+              <a:t>Expressões regulares</a:t>
+            </a:r>
+          </a:p>
+          <a:p>
+            <a:pPr lvl="1"/>
+            <a:r>
+              <a:rPr lang="pt-BR" sz="3600" dirty="0" smtClean="0">
+                <a:solidFill>
+                  <a:schemeClr val="tx1">
+                    <a:lumMod val="50000"/>
+                    <a:lumOff val="50000"/>
+                  </a:schemeClr>
+                </a:solidFill>
+              </a:rPr>
+              <a:t>Manipulação de </a:t>
+            </a:r>
+            <a:r>
+              <a:rPr lang="pt-BR" sz="3600" dirty="0">
+                <a:solidFill>
+                  <a:schemeClr val="tx1">
+                    <a:lumMod val="50000"/>
+                    <a:lumOff val="50000"/>
+                  </a:schemeClr>
+                </a:solidFill>
+              </a:rPr>
+              <a:t>a</a:t>
+            </a:r>
+            <a:r>
+              <a:rPr lang="pt-BR" sz="3600" dirty="0" smtClean="0">
+                <a:solidFill>
+                  <a:schemeClr val="tx1">
+                    <a:lumMod val="50000"/>
+                    <a:lumOff val="50000"/>
+                  </a:schemeClr>
+                </a:solidFill>
+              </a:rPr>
+              <a:t>rquivo CSV</a:t>
+            </a:r>
           </a:p>
         </p:txBody>
       </p:sp>
     </p:spTree>
     <p:extLst>
       <p:ext uri="{BB962C8B-B14F-4D97-AF65-F5344CB8AC3E}">
-        <p14:creationId xmlns:p14="http://schemas.microsoft.com/office/powerpoint/2010/main" val="2639361852"/>
+        <p14:creationId xmlns:p14="http://schemas.microsoft.com/office/powerpoint/2010/main" val="4209786732"/>
+      </p:ext>
+    </p:extLst>
+  </p:cSld>
+  <p:clrMapOvr>
+    <a:masterClrMapping/>
+  </p:clrMapOvr>
+  <p:timing>
+    <p:tnLst>
+      <p:par>
+        <p:cTn id="1" dur="indefinite" restart="never" nodeType="tmRoot"/>
+      </p:par>
+    </p:tnLst>
+  </p:timing>
+</p:sld>
+</file>
+
+<file path=ppt/slides/slide51.xml><?xml version="1.0" encoding="utf-8"?>
+<p:sld xmlns:a="http://schemas.openxmlformats.org/drawingml/2006/main" xmlns:r="http://schemas.openxmlformats.org/officeDocument/2006/relationships" xmlns:p="http://schemas.openxmlformats.org/presentationml/2006/main">
+  <p:cSld>
+    <p:spTree>
+      <p:nvGrpSpPr>
+        <p:cNvPr id="1" name=""/>
+        <p:cNvGrpSpPr/>
+        <p:nvPr/>
+      </p:nvGrpSpPr>
+      <p:grpSpPr>
+        <a:xfrm>
+          <a:off x="0" y="0"/>
+          <a:ext cx="0" cy="0"/>
+          <a:chOff x="0" y="0"/>
+          <a:chExt cx="0" cy="0"/>
+        </a:xfrm>
+      </p:grpSpPr>
+      <p:sp>
+        <p:nvSpPr>
+          <p:cNvPr id="2" name="Título 1"/>
+          <p:cNvSpPr>
+            <a:spLocks noGrp="1"/>
+          </p:cNvSpPr>
+          <p:nvPr>
+            <p:ph type="title"/>
+          </p:nvPr>
+        </p:nvSpPr>
+        <p:spPr/>
+        <p:txBody>
+          <a:bodyPr/>
+          <a:lstStyle/>
+          <a:p>
+            <a:r>
+              <a:rPr lang="pt-BR" dirty="0" smtClean="0"/>
+              <a:t>Tipo </a:t>
+            </a:r>
+            <a:r>
+              <a:rPr lang="pt-BR" dirty="0" err="1" smtClean="0"/>
+              <a:t>datetime</a:t>
+            </a:r>
+            <a:endParaRPr lang="pt-BR" dirty="0"/>
+          </a:p>
+        </p:txBody>
+      </p:sp>
+      <p:sp>
+        <p:nvSpPr>
+          <p:cNvPr id="3" name="Espaço Reservado para Conteúdo 2"/>
+          <p:cNvSpPr>
+            <a:spLocks noGrp="1"/>
+          </p:cNvSpPr>
+          <p:nvPr>
+            <p:ph idx="1"/>
+          </p:nvPr>
+        </p:nvSpPr>
+        <p:spPr>
+          <a:xfrm>
+            <a:off x="628650" y="1690689"/>
+            <a:ext cx="7886700" cy="4486274"/>
+          </a:xfrm>
+        </p:spPr>
+        <p:txBody>
+          <a:bodyPr>
+            <a:normAutofit/>
+          </a:bodyPr>
+          <a:lstStyle/>
+          <a:p>
+            <a:endParaRPr lang="pt-BR" dirty="0" smtClean="0"/>
+          </a:p>
+        </p:txBody>
+      </p:sp>
+    </p:spTree>
+    <p:extLst>
+      <p:ext uri="{BB962C8B-B14F-4D97-AF65-F5344CB8AC3E}">
+        <p14:creationId xmlns:p14="http://schemas.microsoft.com/office/powerpoint/2010/main" val="1231645816"/>
+      </p:ext>
+    </p:extLst>
+  </p:cSld>
+  <p:clrMapOvr>
+    <a:masterClrMapping/>
+  </p:clrMapOvr>
+  <p:timing>
+    <p:tnLst>
+      <p:par>
+        <p:cTn id="1" dur="indefinite" restart="never" nodeType="tmRoot"/>
+      </p:par>
+    </p:tnLst>
+  </p:timing>
+</p:sld>
+</file>
+
+<file path=ppt/slides/slide52.xml><?xml version="1.0" encoding="utf-8"?>
+<p:sld xmlns:a="http://schemas.openxmlformats.org/drawingml/2006/main" xmlns:r="http://schemas.openxmlformats.org/officeDocument/2006/relationships" xmlns:p="http://schemas.openxmlformats.org/presentationml/2006/main">
+  <p:cSld>
+    <p:spTree>
+      <p:nvGrpSpPr>
+        <p:cNvPr id="1" name=""/>
+        <p:cNvGrpSpPr/>
+        <p:nvPr/>
+      </p:nvGrpSpPr>
+      <p:grpSpPr>
+        <a:xfrm>
+          <a:off x="0" y="0"/>
+          <a:ext cx="0" cy="0"/>
+          <a:chOff x="0" y="0"/>
+          <a:chExt cx="0" cy="0"/>
+        </a:xfrm>
+      </p:grpSpPr>
+      <p:sp>
+        <p:nvSpPr>
+          <p:cNvPr id="2" name="Título 1"/>
+          <p:cNvSpPr>
+            <a:spLocks noGrp="1"/>
+          </p:cNvSpPr>
+          <p:nvPr>
+            <p:ph type="title"/>
+          </p:nvPr>
+        </p:nvSpPr>
+        <p:spPr/>
+        <p:txBody>
+          <a:bodyPr/>
+          <a:lstStyle/>
+          <a:p>
+            <a:r>
+              <a:rPr lang="pt-BR" dirty="0" smtClean="0"/>
+              <a:t>Cronograma</a:t>
+            </a:r>
+            <a:endParaRPr lang="pt-BR" dirty="0"/>
+          </a:p>
+        </p:txBody>
+      </p:sp>
+      <p:sp>
+        <p:nvSpPr>
+          <p:cNvPr id="3" name="Espaço Reservado para Conteúdo 2"/>
+          <p:cNvSpPr>
+            <a:spLocks noGrp="1"/>
+          </p:cNvSpPr>
+          <p:nvPr>
+            <p:ph idx="1"/>
+          </p:nvPr>
+        </p:nvSpPr>
+        <p:spPr>
+          <a:xfrm>
+            <a:off x="628650" y="1418897"/>
+            <a:ext cx="7886700" cy="5087006"/>
+          </a:xfrm>
+        </p:spPr>
+        <p:txBody>
+          <a:bodyPr>
+            <a:noAutofit/>
+          </a:bodyPr>
+          <a:lstStyle/>
+          <a:p>
+            <a:r>
+              <a:rPr lang="pt-BR" sz="3600" dirty="0" smtClean="0"/>
+              <a:t>Parte II:</a:t>
+            </a:r>
+          </a:p>
+          <a:p>
+            <a:pPr lvl="1"/>
+            <a:r>
+              <a:rPr lang="pt-BR" sz="3600" dirty="0">
+                <a:solidFill>
+                  <a:schemeClr val="tx1">
+                    <a:lumMod val="50000"/>
+                    <a:lumOff val="50000"/>
+                  </a:schemeClr>
+                </a:solidFill>
+              </a:rPr>
+              <a:t>Data e tempo</a:t>
+            </a:r>
+          </a:p>
+          <a:p>
+            <a:pPr lvl="1"/>
+            <a:r>
+              <a:rPr lang="pt-BR" sz="3600" dirty="0"/>
+              <a:t>Funções</a:t>
+            </a:r>
+          </a:p>
+          <a:p>
+            <a:pPr lvl="1"/>
+            <a:r>
+              <a:rPr lang="pt-BR" sz="3600" dirty="0" smtClean="0">
+                <a:solidFill>
+                  <a:schemeClr val="tx1">
+                    <a:lumMod val="50000"/>
+                    <a:lumOff val="50000"/>
+                  </a:schemeClr>
+                </a:solidFill>
+              </a:rPr>
+              <a:t>Modularidade</a:t>
+            </a:r>
+            <a:endParaRPr lang="pt-BR" sz="3600" dirty="0">
+              <a:solidFill>
+                <a:schemeClr val="tx1">
+                  <a:lumMod val="50000"/>
+                  <a:lumOff val="50000"/>
+                </a:schemeClr>
+              </a:solidFill>
+            </a:endParaRPr>
+          </a:p>
+          <a:p>
+            <a:pPr lvl="1"/>
+            <a:r>
+              <a:rPr lang="pt-BR" sz="3600" dirty="0">
+                <a:solidFill>
+                  <a:schemeClr val="tx1">
+                    <a:lumMod val="50000"/>
+                    <a:lumOff val="50000"/>
+                  </a:schemeClr>
+                </a:solidFill>
+              </a:rPr>
+              <a:t>Arquivos</a:t>
+            </a:r>
+          </a:p>
+          <a:p>
+            <a:pPr lvl="1"/>
+            <a:r>
+              <a:rPr lang="pt-BR" sz="3600" dirty="0" smtClean="0">
+                <a:solidFill>
+                  <a:schemeClr val="tx1">
+                    <a:lumMod val="50000"/>
+                    <a:lumOff val="50000"/>
+                  </a:schemeClr>
+                </a:solidFill>
+              </a:rPr>
+              <a:t>Tratamento de exceções</a:t>
+            </a:r>
+            <a:endParaRPr lang="pt-BR" sz="3600" dirty="0">
+              <a:solidFill>
+                <a:schemeClr val="tx1">
+                  <a:lumMod val="50000"/>
+                  <a:lumOff val="50000"/>
+                </a:schemeClr>
+              </a:solidFill>
+            </a:endParaRPr>
+          </a:p>
+          <a:p>
+            <a:pPr lvl="1"/>
+            <a:r>
+              <a:rPr lang="pt-BR" sz="3600" dirty="0" smtClean="0">
+                <a:solidFill>
+                  <a:schemeClr val="tx1">
+                    <a:lumMod val="50000"/>
+                    <a:lumOff val="50000"/>
+                  </a:schemeClr>
+                </a:solidFill>
+              </a:rPr>
+              <a:t>Classes e objetos</a:t>
+            </a:r>
+          </a:p>
+          <a:p>
+            <a:pPr lvl="1"/>
+            <a:r>
+              <a:rPr lang="pt-BR" sz="3600" dirty="0" smtClean="0">
+                <a:solidFill>
+                  <a:schemeClr val="tx1">
+                    <a:lumMod val="50000"/>
+                    <a:lumOff val="50000"/>
+                  </a:schemeClr>
+                </a:solidFill>
+              </a:rPr>
+              <a:t>Expressões regulares</a:t>
+            </a:r>
+          </a:p>
+          <a:p>
+            <a:pPr lvl="1"/>
+            <a:r>
+              <a:rPr lang="pt-BR" sz="3600" dirty="0" smtClean="0">
+                <a:solidFill>
+                  <a:schemeClr val="tx1">
+                    <a:lumMod val="50000"/>
+                    <a:lumOff val="50000"/>
+                  </a:schemeClr>
+                </a:solidFill>
+              </a:rPr>
+              <a:t>Manipulação de </a:t>
+            </a:r>
+            <a:r>
+              <a:rPr lang="pt-BR" sz="3600" dirty="0">
+                <a:solidFill>
+                  <a:schemeClr val="tx1">
+                    <a:lumMod val="50000"/>
+                    <a:lumOff val="50000"/>
+                  </a:schemeClr>
+                </a:solidFill>
+              </a:rPr>
+              <a:t>a</a:t>
+            </a:r>
+            <a:r>
+              <a:rPr lang="pt-BR" sz="3600" dirty="0" smtClean="0">
+                <a:solidFill>
+                  <a:schemeClr val="tx1">
+                    <a:lumMod val="50000"/>
+                    <a:lumOff val="50000"/>
+                  </a:schemeClr>
+                </a:solidFill>
+              </a:rPr>
+              <a:t>rquivo CSV</a:t>
+            </a:r>
+          </a:p>
+        </p:txBody>
+      </p:sp>
+    </p:spTree>
+    <p:extLst>
+      <p:ext uri="{BB962C8B-B14F-4D97-AF65-F5344CB8AC3E}">
+        <p14:creationId xmlns:p14="http://schemas.microsoft.com/office/powerpoint/2010/main" val="1998071302"/>
+      </p:ext>
+    </p:extLst>
+  </p:cSld>
+  <p:clrMapOvr>
+    <a:masterClrMapping/>
+  </p:clrMapOvr>
+  <p:timing>
+    <p:tnLst>
+      <p:par>
+        <p:cTn id="1" dur="indefinite" restart="never" nodeType="tmRoot"/>
+      </p:par>
+    </p:tnLst>
+  </p:timing>
+</p:sld>
+</file>
+
+<file path=ppt/slides/slide53.xml><?xml version="1.0" encoding="utf-8"?>
+<p:sld xmlns:a="http://schemas.openxmlformats.org/drawingml/2006/main" xmlns:r="http://schemas.openxmlformats.org/officeDocument/2006/relationships" xmlns:p="http://schemas.openxmlformats.org/presentationml/2006/main">
+  <p:cSld>
+    <p:spTree>
+      <p:nvGrpSpPr>
+        <p:cNvPr id="1" name=""/>
+        <p:cNvGrpSpPr/>
+        <p:nvPr/>
+      </p:nvGrpSpPr>
+      <p:grpSpPr>
+        <a:xfrm>
+          <a:off x="0" y="0"/>
+          <a:ext cx="0" cy="0"/>
+          <a:chOff x="0" y="0"/>
+          <a:chExt cx="0" cy="0"/>
+        </a:xfrm>
+      </p:grpSpPr>
+      <p:sp>
+        <p:nvSpPr>
+          <p:cNvPr id="2" name="Título 1"/>
+          <p:cNvSpPr>
+            <a:spLocks noGrp="1"/>
+          </p:cNvSpPr>
+          <p:nvPr>
+            <p:ph type="title"/>
+          </p:nvPr>
+        </p:nvSpPr>
+        <p:spPr/>
+        <p:txBody>
+          <a:bodyPr/>
+          <a:lstStyle/>
+          <a:p>
+            <a:r>
+              <a:rPr lang="pt-BR" dirty="0" smtClean="0"/>
+              <a:t>Cronograma</a:t>
+            </a:r>
+            <a:endParaRPr lang="pt-BR" dirty="0"/>
+          </a:p>
+        </p:txBody>
+      </p:sp>
+      <p:sp>
+        <p:nvSpPr>
+          <p:cNvPr id="3" name="Espaço Reservado para Conteúdo 2"/>
+          <p:cNvSpPr>
+            <a:spLocks noGrp="1"/>
+          </p:cNvSpPr>
+          <p:nvPr>
+            <p:ph idx="1"/>
+          </p:nvPr>
+        </p:nvSpPr>
+        <p:spPr>
+          <a:xfrm>
+            <a:off x="628650" y="1418897"/>
+            <a:ext cx="7886700" cy="5087006"/>
+          </a:xfrm>
+        </p:spPr>
+        <p:txBody>
+          <a:bodyPr>
+            <a:noAutofit/>
+          </a:bodyPr>
+          <a:lstStyle/>
+          <a:p>
+            <a:r>
+              <a:rPr lang="pt-BR" sz="3600" dirty="0" smtClean="0"/>
+              <a:t>Parte II:</a:t>
+            </a:r>
+          </a:p>
+          <a:p>
+            <a:pPr lvl="1"/>
+            <a:r>
+              <a:rPr lang="pt-BR" sz="3600" dirty="0">
+                <a:solidFill>
+                  <a:schemeClr val="tx1">
+                    <a:lumMod val="50000"/>
+                    <a:lumOff val="50000"/>
+                  </a:schemeClr>
+                </a:solidFill>
+              </a:rPr>
+              <a:t>Data e tempo</a:t>
+            </a:r>
+          </a:p>
+          <a:p>
+            <a:pPr lvl="1"/>
+            <a:r>
+              <a:rPr lang="pt-BR" sz="3600" dirty="0">
+                <a:solidFill>
+                  <a:schemeClr val="tx1">
+                    <a:lumMod val="50000"/>
+                    <a:lumOff val="50000"/>
+                  </a:schemeClr>
+                </a:solidFill>
+              </a:rPr>
+              <a:t>Funções</a:t>
+            </a:r>
+          </a:p>
+          <a:p>
+            <a:pPr lvl="1"/>
+            <a:r>
+              <a:rPr lang="pt-BR" sz="3600" dirty="0" smtClean="0"/>
+              <a:t>Modularidade</a:t>
+            </a:r>
+            <a:endParaRPr lang="pt-BR" sz="3600" dirty="0"/>
+          </a:p>
+          <a:p>
+            <a:pPr lvl="1"/>
+            <a:r>
+              <a:rPr lang="pt-BR" sz="3600" dirty="0">
+                <a:solidFill>
+                  <a:schemeClr val="tx1">
+                    <a:lumMod val="50000"/>
+                    <a:lumOff val="50000"/>
+                  </a:schemeClr>
+                </a:solidFill>
+              </a:rPr>
+              <a:t>Arquivos</a:t>
+            </a:r>
+          </a:p>
+          <a:p>
+            <a:pPr lvl="1"/>
+            <a:r>
+              <a:rPr lang="pt-BR" sz="3600" dirty="0" smtClean="0">
+                <a:solidFill>
+                  <a:schemeClr val="tx1">
+                    <a:lumMod val="50000"/>
+                    <a:lumOff val="50000"/>
+                  </a:schemeClr>
+                </a:solidFill>
+              </a:rPr>
+              <a:t>Tratamento de exceções</a:t>
+            </a:r>
+            <a:endParaRPr lang="pt-BR" sz="3600" dirty="0">
+              <a:solidFill>
+                <a:schemeClr val="tx1">
+                  <a:lumMod val="50000"/>
+                  <a:lumOff val="50000"/>
+                </a:schemeClr>
+              </a:solidFill>
+            </a:endParaRPr>
+          </a:p>
+          <a:p>
+            <a:pPr lvl="1"/>
+            <a:r>
+              <a:rPr lang="pt-BR" sz="3600" dirty="0" smtClean="0">
+                <a:solidFill>
+                  <a:schemeClr val="tx1">
+                    <a:lumMod val="50000"/>
+                    <a:lumOff val="50000"/>
+                  </a:schemeClr>
+                </a:solidFill>
+              </a:rPr>
+              <a:t>Classes e objetos</a:t>
+            </a:r>
+          </a:p>
+          <a:p>
+            <a:pPr lvl="1"/>
+            <a:r>
+              <a:rPr lang="pt-BR" sz="3600" dirty="0" smtClean="0">
+                <a:solidFill>
+                  <a:schemeClr val="tx1">
+                    <a:lumMod val="50000"/>
+                    <a:lumOff val="50000"/>
+                  </a:schemeClr>
+                </a:solidFill>
+              </a:rPr>
+              <a:t>Expressões regulares</a:t>
+            </a:r>
+          </a:p>
+          <a:p>
+            <a:pPr lvl="1"/>
+            <a:r>
+              <a:rPr lang="pt-BR" sz="3600" dirty="0" smtClean="0">
+                <a:solidFill>
+                  <a:schemeClr val="tx1">
+                    <a:lumMod val="50000"/>
+                    <a:lumOff val="50000"/>
+                  </a:schemeClr>
+                </a:solidFill>
+              </a:rPr>
+              <a:t>Manipulação de </a:t>
+            </a:r>
+            <a:r>
+              <a:rPr lang="pt-BR" sz="3600" dirty="0">
+                <a:solidFill>
+                  <a:schemeClr val="tx1">
+                    <a:lumMod val="50000"/>
+                    <a:lumOff val="50000"/>
+                  </a:schemeClr>
+                </a:solidFill>
+              </a:rPr>
+              <a:t>a</a:t>
+            </a:r>
+            <a:r>
+              <a:rPr lang="pt-BR" sz="3600" dirty="0" smtClean="0">
+                <a:solidFill>
+                  <a:schemeClr val="tx1">
+                    <a:lumMod val="50000"/>
+                    <a:lumOff val="50000"/>
+                  </a:schemeClr>
+                </a:solidFill>
+              </a:rPr>
+              <a:t>rquivo CSV</a:t>
+            </a:r>
+          </a:p>
+        </p:txBody>
+      </p:sp>
+    </p:spTree>
+    <p:extLst>
+      <p:ext uri="{BB962C8B-B14F-4D97-AF65-F5344CB8AC3E}">
+        <p14:creationId xmlns:p14="http://schemas.microsoft.com/office/powerpoint/2010/main" val="2098903133"/>
+      </p:ext>
+    </p:extLst>
+  </p:cSld>
+  <p:clrMapOvr>
+    <a:masterClrMapping/>
+  </p:clrMapOvr>
+  <p:timing>
+    <p:tnLst>
+      <p:par>
+        <p:cTn id="1" dur="indefinite" restart="never" nodeType="tmRoot"/>
+      </p:par>
+    </p:tnLst>
+  </p:timing>
+</p:sld>
+</file>
+
+<file path=ppt/slides/slide54.xml><?xml version="1.0" encoding="utf-8"?>
+<p:sld xmlns:a="http://schemas.openxmlformats.org/drawingml/2006/main" xmlns:r="http://schemas.openxmlformats.org/officeDocument/2006/relationships" xmlns:p="http://schemas.openxmlformats.org/presentationml/2006/main">
+  <p:cSld>
+    <p:spTree>
+      <p:nvGrpSpPr>
+        <p:cNvPr id="1" name=""/>
+        <p:cNvGrpSpPr/>
+        <p:nvPr/>
+      </p:nvGrpSpPr>
+      <p:grpSpPr>
+        <a:xfrm>
+          <a:off x="0" y="0"/>
+          <a:ext cx="0" cy="0"/>
+          <a:chOff x="0" y="0"/>
+          <a:chExt cx="0" cy="0"/>
+        </a:xfrm>
+      </p:grpSpPr>
+      <p:sp>
+        <p:nvSpPr>
+          <p:cNvPr id="2" name="Título 1"/>
+          <p:cNvSpPr>
+            <a:spLocks noGrp="1"/>
+          </p:cNvSpPr>
+          <p:nvPr>
+            <p:ph type="title"/>
+          </p:nvPr>
+        </p:nvSpPr>
+        <p:spPr/>
+        <p:txBody>
+          <a:bodyPr/>
+          <a:lstStyle/>
+          <a:p>
+            <a:r>
+              <a:rPr lang="pt-BR" dirty="0" smtClean="0"/>
+              <a:t>Cronograma</a:t>
+            </a:r>
+            <a:endParaRPr lang="pt-BR" dirty="0"/>
+          </a:p>
+        </p:txBody>
+      </p:sp>
+      <p:sp>
+        <p:nvSpPr>
+          <p:cNvPr id="3" name="Espaço Reservado para Conteúdo 2"/>
+          <p:cNvSpPr>
+            <a:spLocks noGrp="1"/>
+          </p:cNvSpPr>
+          <p:nvPr>
+            <p:ph idx="1"/>
+          </p:nvPr>
+        </p:nvSpPr>
+        <p:spPr>
+          <a:xfrm>
+            <a:off x="628650" y="1418897"/>
+            <a:ext cx="7886700" cy="5087006"/>
+          </a:xfrm>
+        </p:spPr>
+        <p:txBody>
+          <a:bodyPr>
+            <a:noAutofit/>
+          </a:bodyPr>
+          <a:lstStyle/>
+          <a:p>
+            <a:r>
+              <a:rPr lang="pt-BR" sz="3600" dirty="0" smtClean="0"/>
+              <a:t>Parte II:</a:t>
+            </a:r>
+          </a:p>
+          <a:p>
+            <a:pPr lvl="1"/>
+            <a:r>
+              <a:rPr lang="pt-BR" sz="3600" dirty="0">
+                <a:solidFill>
+                  <a:schemeClr val="tx1">
+                    <a:lumMod val="50000"/>
+                    <a:lumOff val="50000"/>
+                  </a:schemeClr>
+                </a:solidFill>
+              </a:rPr>
+              <a:t>Data e tempo</a:t>
+            </a:r>
+          </a:p>
+          <a:p>
+            <a:pPr lvl="1"/>
+            <a:r>
+              <a:rPr lang="pt-BR" sz="3600" dirty="0">
+                <a:solidFill>
+                  <a:schemeClr val="tx1">
+                    <a:lumMod val="50000"/>
+                    <a:lumOff val="50000"/>
+                  </a:schemeClr>
+                </a:solidFill>
+              </a:rPr>
+              <a:t>Funções</a:t>
+            </a:r>
+          </a:p>
+          <a:p>
+            <a:pPr lvl="1"/>
+            <a:r>
+              <a:rPr lang="pt-BR" sz="3600" dirty="0" smtClean="0">
+                <a:solidFill>
+                  <a:schemeClr val="tx1">
+                    <a:lumMod val="50000"/>
+                    <a:lumOff val="50000"/>
+                  </a:schemeClr>
+                </a:solidFill>
+              </a:rPr>
+              <a:t>Modularidade</a:t>
+            </a:r>
+            <a:endParaRPr lang="pt-BR" sz="3600" dirty="0">
+              <a:solidFill>
+                <a:schemeClr val="tx1">
+                  <a:lumMod val="50000"/>
+                  <a:lumOff val="50000"/>
+                </a:schemeClr>
+              </a:solidFill>
+            </a:endParaRPr>
+          </a:p>
+          <a:p>
+            <a:pPr lvl="1"/>
+            <a:r>
+              <a:rPr lang="pt-BR" sz="3600" dirty="0"/>
+              <a:t>Arquivos</a:t>
+            </a:r>
+          </a:p>
+          <a:p>
+            <a:pPr lvl="1"/>
+            <a:r>
+              <a:rPr lang="pt-BR" sz="3600" dirty="0" smtClean="0">
+                <a:solidFill>
+                  <a:schemeClr val="tx1">
+                    <a:lumMod val="50000"/>
+                    <a:lumOff val="50000"/>
+                  </a:schemeClr>
+                </a:solidFill>
+              </a:rPr>
+              <a:t>Tratamento de exceções</a:t>
+            </a:r>
+            <a:endParaRPr lang="pt-BR" sz="3600" dirty="0">
+              <a:solidFill>
+                <a:schemeClr val="tx1">
+                  <a:lumMod val="50000"/>
+                  <a:lumOff val="50000"/>
+                </a:schemeClr>
+              </a:solidFill>
+            </a:endParaRPr>
+          </a:p>
+          <a:p>
+            <a:pPr lvl="1"/>
+            <a:r>
+              <a:rPr lang="pt-BR" sz="3600" dirty="0" smtClean="0">
+                <a:solidFill>
+                  <a:schemeClr val="tx1">
+                    <a:lumMod val="50000"/>
+                    <a:lumOff val="50000"/>
+                  </a:schemeClr>
+                </a:solidFill>
+              </a:rPr>
+              <a:t>Classes e objetos</a:t>
+            </a:r>
+          </a:p>
+          <a:p>
+            <a:pPr lvl="1"/>
+            <a:r>
+              <a:rPr lang="pt-BR" sz="3600" dirty="0" smtClean="0">
+                <a:solidFill>
+                  <a:schemeClr val="tx1">
+                    <a:lumMod val="50000"/>
+                    <a:lumOff val="50000"/>
+                  </a:schemeClr>
+                </a:solidFill>
+              </a:rPr>
+              <a:t>Expressões regulares</a:t>
+            </a:r>
+          </a:p>
+          <a:p>
+            <a:pPr lvl="1"/>
+            <a:r>
+              <a:rPr lang="pt-BR" sz="3600" dirty="0" smtClean="0">
+                <a:solidFill>
+                  <a:schemeClr val="tx1">
+                    <a:lumMod val="50000"/>
+                    <a:lumOff val="50000"/>
+                  </a:schemeClr>
+                </a:solidFill>
+              </a:rPr>
+              <a:t>Manipulação de </a:t>
+            </a:r>
+            <a:r>
+              <a:rPr lang="pt-BR" sz="3600" dirty="0">
+                <a:solidFill>
+                  <a:schemeClr val="tx1">
+                    <a:lumMod val="50000"/>
+                    <a:lumOff val="50000"/>
+                  </a:schemeClr>
+                </a:solidFill>
+              </a:rPr>
+              <a:t>a</a:t>
+            </a:r>
+            <a:r>
+              <a:rPr lang="pt-BR" sz="3600" dirty="0" smtClean="0">
+                <a:solidFill>
+                  <a:schemeClr val="tx1">
+                    <a:lumMod val="50000"/>
+                    <a:lumOff val="50000"/>
+                  </a:schemeClr>
+                </a:solidFill>
+              </a:rPr>
+              <a:t>rquivo CSV</a:t>
+            </a:r>
+          </a:p>
+        </p:txBody>
+      </p:sp>
+    </p:spTree>
+    <p:extLst>
+      <p:ext uri="{BB962C8B-B14F-4D97-AF65-F5344CB8AC3E}">
+        <p14:creationId xmlns:p14="http://schemas.microsoft.com/office/powerpoint/2010/main" val="1399800680"/>
+      </p:ext>
+    </p:extLst>
+  </p:cSld>
+  <p:clrMapOvr>
+    <a:masterClrMapping/>
+  </p:clrMapOvr>
+  <p:timing>
+    <p:tnLst>
+      <p:par>
+        <p:cTn id="1" dur="indefinite" restart="never" nodeType="tmRoot"/>
+      </p:par>
+    </p:tnLst>
+  </p:timing>
+</p:sld>
+</file>
+
+<file path=ppt/slides/slide55.xml><?xml version="1.0" encoding="utf-8"?>
+<p:sld xmlns:a="http://schemas.openxmlformats.org/drawingml/2006/main" xmlns:r="http://schemas.openxmlformats.org/officeDocument/2006/relationships" xmlns:p="http://schemas.openxmlformats.org/presentationml/2006/main">
+  <p:cSld>
+    <p:spTree>
+      <p:nvGrpSpPr>
+        <p:cNvPr id="1" name=""/>
+        <p:cNvGrpSpPr/>
+        <p:nvPr/>
+      </p:nvGrpSpPr>
+      <p:grpSpPr>
+        <a:xfrm>
+          <a:off x="0" y="0"/>
+          <a:ext cx="0" cy="0"/>
+          <a:chOff x="0" y="0"/>
+          <a:chExt cx="0" cy="0"/>
+        </a:xfrm>
+      </p:grpSpPr>
+      <p:sp>
+        <p:nvSpPr>
+          <p:cNvPr id="2" name="Título 1"/>
+          <p:cNvSpPr>
+            <a:spLocks noGrp="1"/>
+          </p:cNvSpPr>
+          <p:nvPr>
+            <p:ph type="title"/>
+          </p:nvPr>
+        </p:nvSpPr>
+        <p:spPr/>
+        <p:txBody>
+          <a:bodyPr/>
+          <a:lstStyle/>
+          <a:p>
+            <a:r>
+              <a:rPr lang="pt-BR" dirty="0" smtClean="0"/>
+              <a:t>Cronograma</a:t>
+            </a:r>
+            <a:endParaRPr lang="pt-BR" dirty="0"/>
+          </a:p>
+        </p:txBody>
+      </p:sp>
+      <p:sp>
+        <p:nvSpPr>
+          <p:cNvPr id="3" name="Espaço Reservado para Conteúdo 2"/>
+          <p:cNvSpPr>
+            <a:spLocks noGrp="1"/>
+          </p:cNvSpPr>
+          <p:nvPr>
+            <p:ph idx="1"/>
+          </p:nvPr>
+        </p:nvSpPr>
+        <p:spPr>
+          <a:xfrm>
+            <a:off x="628650" y="1418897"/>
+            <a:ext cx="7886700" cy="5087006"/>
+          </a:xfrm>
+        </p:spPr>
+        <p:txBody>
+          <a:bodyPr>
+            <a:noAutofit/>
+          </a:bodyPr>
+          <a:lstStyle/>
+          <a:p>
+            <a:r>
+              <a:rPr lang="pt-BR" sz="3600" dirty="0" smtClean="0"/>
+              <a:t>Parte II:</a:t>
+            </a:r>
+          </a:p>
+          <a:p>
+            <a:pPr lvl="1"/>
+            <a:r>
+              <a:rPr lang="pt-BR" sz="3600" dirty="0">
+                <a:solidFill>
+                  <a:schemeClr val="tx1">
+                    <a:lumMod val="50000"/>
+                    <a:lumOff val="50000"/>
+                  </a:schemeClr>
+                </a:solidFill>
+              </a:rPr>
+              <a:t>Data e tempo</a:t>
+            </a:r>
+          </a:p>
+          <a:p>
+            <a:pPr lvl="1"/>
+            <a:r>
+              <a:rPr lang="pt-BR" sz="3600" dirty="0">
+                <a:solidFill>
+                  <a:schemeClr val="tx1">
+                    <a:lumMod val="50000"/>
+                    <a:lumOff val="50000"/>
+                  </a:schemeClr>
+                </a:solidFill>
+              </a:rPr>
+              <a:t>Funções</a:t>
+            </a:r>
+          </a:p>
+          <a:p>
+            <a:pPr lvl="1"/>
+            <a:r>
+              <a:rPr lang="pt-BR" sz="3600" dirty="0" smtClean="0">
+                <a:solidFill>
+                  <a:schemeClr val="tx1">
+                    <a:lumMod val="50000"/>
+                    <a:lumOff val="50000"/>
+                  </a:schemeClr>
+                </a:solidFill>
+              </a:rPr>
+              <a:t>Modularidade</a:t>
+            </a:r>
+            <a:endParaRPr lang="pt-BR" sz="3600" dirty="0">
+              <a:solidFill>
+                <a:schemeClr val="tx1">
+                  <a:lumMod val="50000"/>
+                  <a:lumOff val="50000"/>
+                </a:schemeClr>
+              </a:solidFill>
+            </a:endParaRPr>
+          </a:p>
+          <a:p>
+            <a:pPr lvl="1"/>
+            <a:r>
+              <a:rPr lang="pt-BR" sz="3600" dirty="0">
+                <a:solidFill>
+                  <a:schemeClr val="tx1">
+                    <a:lumMod val="50000"/>
+                    <a:lumOff val="50000"/>
+                  </a:schemeClr>
+                </a:solidFill>
+              </a:rPr>
+              <a:t>Arquivos</a:t>
+            </a:r>
+          </a:p>
+          <a:p>
+            <a:pPr lvl="1"/>
+            <a:r>
+              <a:rPr lang="pt-BR" sz="3600" dirty="0" smtClean="0"/>
+              <a:t>Tratamento de exceções</a:t>
+            </a:r>
+            <a:endParaRPr lang="pt-BR" sz="3600" dirty="0"/>
+          </a:p>
+          <a:p>
+            <a:pPr lvl="1"/>
+            <a:r>
+              <a:rPr lang="pt-BR" sz="3600" dirty="0" smtClean="0">
+                <a:solidFill>
+                  <a:schemeClr val="tx1">
+                    <a:lumMod val="50000"/>
+                    <a:lumOff val="50000"/>
+                  </a:schemeClr>
+                </a:solidFill>
+              </a:rPr>
+              <a:t>Classes e objetos</a:t>
+            </a:r>
+          </a:p>
+          <a:p>
+            <a:pPr lvl="1"/>
+            <a:r>
+              <a:rPr lang="pt-BR" sz="3600" dirty="0" smtClean="0">
+                <a:solidFill>
+                  <a:schemeClr val="tx1">
+                    <a:lumMod val="50000"/>
+                    <a:lumOff val="50000"/>
+                  </a:schemeClr>
+                </a:solidFill>
+              </a:rPr>
+              <a:t>Expressões regulares</a:t>
+            </a:r>
+          </a:p>
+          <a:p>
+            <a:pPr lvl="1"/>
+            <a:r>
+              <a:rPr lang="pt-BR" sz="3600" dirty="0" smtClean="0">
+                <a:solidFill>
+                  <a:schemeClr val="tx1">
+                    <a:lumMod val="50000"/>
+                    <a:lumOff val="50000"/>
+                  </a:schemeClr>
+                </a:solidFill>
+              </a:rPr>
+              <a:t>Manipulação de </a:t>
+            </a:r>
+            <a:r>
+              <a:rPr lang="pt-BR" sz="3600" dirty="0">
+                <a:solidFill>
+                  <a:schemeClr val="tx1">
+                    <a:lumMod val="50000"/>
+                    <a:lumOff val="50000"/>
+                  </a:schemeClr>
+                </a:solidFill>
+              </a:rPr>
+              <a:t>a</a:t>
+            </a:r>
+            <a:r>
+              <a:rPr lang="pt-BR" sz="3600" dirty="0" smtClean="0">
+                <a:solidFill>
+                  <a:schemeClr val="tx1">
+                    <a:lumMod val="50000"/>
+                    <a:lumOff val="50000"/>
+                  </a:schemeClr>
+                </a:solidFill>
+              </a:rPr>
+              <a:t>rquivo CSV</a:t>
+            </a:r>
+          </a:p>
+        </p:txBody>
+      </p:sp>
+    </p:spTree>
+    <p:extLst>
+      <p:ext uri="{BB962C8B-B14F-4D97-AF65-F5344CB8AC3E}">
+        <p14:creationId xmlns:p14="http://schemas.microsoft.com/office/powerpoint/2010/main" val="1462538175"/>
+      </p:ext>
+    </p:extLst>
+  </p:cSld>
+  <p:clrMapOvr>
+    <a:masterClrMapping/>
+  </p:clrMapOvr>
+  <p:timing>
+    <p:tnLst>
+      <p:par>
+        <p:cTn id="1" dur="indefinite" restart="never" nodeType="tmRoot"/>
+      </p:par>
+    </p:tnLst>
+  </p:timing>
+</p:sld>
+</file>
+
+<file path=ppt/slides/slide56.xml><?xml version="1.0" encoding="utf-8"?>
+<p:sld xmlns:a="http://schemas.openxmlformats.org/drawingml/2006/main" xmlns:r="http://schemas.openxmlformats.org/officeDocument/2006/relationships" xmlns:p="http://schemas.openxmlformats.org/presentationml/2006/main">
+  <p:cSld>
+    <p:spTree>
+      <p:nvGrpSpPr>
+        <p:cNvPr id="1" name=""/>
+        <p:cNvGrpSpPr/>
+        <p:nvPr/>
+      </p:nvGrpSpPr>
+      <p:grpSpPr>
+        <a:xfrm>
+          <a:off x="0" y="0"/>
+          <a:ext cx="0" cy="0"/>
+          <a:chOff x="0" y="0"/>
+          <a:chExt cx="0" cy="0"/>
+        </a:xfrm>
+      </p:grpSpPr>
+      <p:sp>
+        <p:nvSpPr>
+          <p:cNvPr id="2" name="Título 1"/>
+          <p:cNvSpPr>
+            <a:spLocks noGrp="1"/>
+          </p:cNvSpPr>
+          <p:nvPr>
+            <p:ph type="title"/>
+          </p:nvPr>
+        </p:nvSpPr>
+        <p:spPr/>
+        <p:txBody>
+          <a:bodyPr/>
+          <a:lstStyle/>
+          <a:p>
+            <a:r>
+              <a:rPr lang="pt-BR" dirty="0" smtClean="0"/>
+              <a:t>Cronograma</a:t>
+            </a:r>
+            <a:endParaRPr lang="pt-BR" dirty="0"/>
+          </a:p>
+        </p:txBody>
+      </p:sp>
+      <p:sp>
+        <p:nvSpPr>
+          <p:cNvPr id="3" name="Espaço Reservado para Conteúdo 2"/>
+          <p:cNvSpPr>
+            <a:spLocks noGrp="1"/>
+          </p:cNvSpPr>
+          <p:nvPr>
+            <p:ph idx="1"/>
+          </p:nvPr>
+        </p:nvSpPr>
+        <p:spPr>
+          <a:xfrm>
+            <a:off x="628650" y="1418897"/>
+            <a:ext cx="7886700" cy="5087006"/>
+          </a:xfrm>
+        </p:spPr>
+        <p:txBody>
+          <a:bodyPr>
+            <a:noAutofit/>
+          </a:bodyPr>
+          <a:lstStyle/>
+          <a:p>
+            <a:r>
+              <a:rPr lang="pt-BR" sz="3600" dirty="0" smtClean="0"/>
+              <a:t>Parte II:</a:t>
+            </a:r>
+          </a:p>
+          <a:p>
+            <a:pPr lvl="1"/>
+            <a:r>
+              <a:rPr lang="pt-BR" sz="3600" dirty="0">
+                <a:solidFill>
+                  <a:schemeClr val="tx1">
+                    <a:lumMod val="50000"/>
+                    <a:lumOff val="50000"/>
+                  </a:schemeClr>
+                </a:solidFill>
+              </a:rPr>
+              <a:t>Data e tempo</a:t>
+            </a:r>
+          </a:p>
+          <a:p>
+            <a:pPr lvl="1"/>
+            <a:r>
+              <a:rPr lang="pt-BR" sz="3600" dirty="0">
+                <a:solidFill>
+                  <a:schemeClr val="tx1">
+                    <a:lumMod val="50000"/>
+                    <a:lumOff val="50000"/>
+                  </a:schemeClr>
+                </a:solidFill>
+              </a:rPr>
+              <a:t>Funções</a:t>
+            </a:r>
+          </a:p>
+          <a:p>
+            <a:pPr lvl="1"/>
+            <a:r>
+              <a:rPr lang="pt-BR" sz="3600" dirty="0" smtClean="0">
+                <a:solidFill>
+                  <a:schemeClr val="tx1">
+                    <a:lumMod val="50000"/>
+                    <a:lumOff val="50000"/>
+                  </a:schemeClr>
+                </a:solidFill>
+              </a:rPr>
+              <a:t>Modularidade</a:t>
+            </a:r>
+            <a:endParaRPr lang="pt-BR" sz="3600" dirty="0">
+              <a:solidFill>
+                <a:schemeClr val="tx1">
+                  <a:lumMod val="50000"/>
+                  <a:lumOff val="50000"/>
+                </a:schemeClr>
+              </a:solidFill>
+            </a:endParaRPr>
+          </a:p>
+          <a:p>
+            <a:pPr lvl="1"/>
+            <a:r>
+              <a:rPr lang="pt-BR" sz="3600" dirty="0">
+                <a:solidFill>
+                  <a:schemeClr val="tx1">
+                    <a:lumMod val="50000"/>
+                    <a:lumOff val="50000"/>
+                  </a:schemeClr>
+                </a:solidFill>
+              </a:rPr>
+              <a:t>Arquivos</a:t>
+            </a:r>
+          </a:p>
+          <a:p>
+            <a:pPr lvl="1"/>
+            <a:r>
+              <a:rPr lang="pt-BR" sz="3600" dirty="0" smtClean="0">
+                <a:solidFill>
+                  <a:schemeClr val="tx1">
+                    <a:lumMod val="50000"/>
+                    <a:lumOff val="50000"/>
+                  </a:schemeClr>
+                </a:solidFill>
+              </a:rPr>
+              <a:t>Tratamento de exceções</a:t>
+            </a:r>
+            <a:endParaRPr lang="pt-BR" sz="3600" dirty="0">
+              <a:solidFill>
+                <a:schemeClr val="tx1">
+                  <a:lumMod val="50000"/>
+                  <a:lumOff val="50000"/>
+                </a:schemeClr>
+              </a:solidFill>
+            </a:endParaRPr>
+          </a:p>
+          <a:p>
+            <a:pPr lvl="1"/>
+            <a:r>
+              <a:rPr lang="pt-BR" sz="3600" dirty="0" smtClean="0"/>
+              <a:t>Classes e objetos</a:t>
+            </a:r>
+          </a:p>
+          <a:p>
+            <a:pPr lvl="1"/>
+            <a:r>
+              <a:rPr lang="pt-BR" sz="3600" dirty="0" smtClean="0">
+                <a:solidFill>
+                  <a:schemeClr val="tx1">
+                    <a:lumMod val="50000"/>
+                    <a:lumOff val="50000"/>
+                  </a:schemeClr>
+                </a:solidFill>
+              </a:rPr>
+              <a:t>Expressões regulares</a:t>
+            </a:r>
+          </a:p>
+          <a:p>
+            <a:pPr lvl="1"/>
+            <a:r>
+              <a:rPr lang="pt-BR" sz="3600" dirty="0" smtClean="0">
+                <a:solidFill>
+                  <a:schemeClr val="tx1">
+                    <a:lumMod val="50000"/>
+                    <a:lumOff val="50000"/>
+                  </a:schemeClr>
+                </a:solidFill>
+              </a:rPr>
+              <a:t>Manipulação de </a:t>
+            </a:r>
+            <a:r>
+              <a:rPr lang="pt-BR" sz="3600" dirty="0">
+                <a:solidFill>
+                  <a:schemeClr val="tx1">
+                    <a:lumMod val="50000"/>
+                    <a:lumOff val="50000"/>
+                  </a:schemeClr>
+                </a:solidFill>
+              </a:rPr>
+              <a:t>a</a:t>
+            </a:r>
+            <a:r>
+              <a:rPr lang="pt-BR" sz="3600" dirty="0" smtClean="0">
+                <a:solidFill>
+                  <a:schemeClr val="tx1">
+                    <a:lumMod val="50000"/>
+                    <a:lumOff val="50000"/>
+                  </a:schemeClr>
+                </a:solidFill>
+              </a:rPr>
+              <a:t>rquivo CSV</a:t>
+            </a:r>
+          </a:p>
+        </p:txBody>
+      </p:sp>
+    </p:spTree>
+    <p:extLst>
+      <p:ext uri="{BB962C8B-B14F-4D97-AF65-F5344CB8AC3E}">
+        <p14:creationId xmlns:p14="http://schemas.microsoft.com/office/powerpoint/2010/main" val="2844283933"/>
+      </p:ext>
+    </p:extLst>
+  </p:cSld>
+  <p:clrMapOvr>
+    <a:masterClrMapping/>
+  </p:clrMapOvr>
+  <p:timing>
+    <p:tnLst>
+      <p:par>
+        <p:cTn id="1" dur="indefinite" restart="never" nodeType="tmRoot"/>
+      </p:par>
+    </p:tnLst>
+  </p:timing>
+</p:sld>
+</file>
+
+<file path=ppt/slides/slide57.xml><?xml version="1.0" encoding="utf-8"?>
+<p:sld xmlns:a="http://schemas.openxmlformats.org/drawingml/2006/main" xmlns:r="http://schemas.openxmlformats.org/officeDocument/2006/relationships" xmlns:p="http://schemas.openxmlformats.org/presentationml/2006/main">
+  <p:cSld>
+    <p:spTree>
+      <p:nvGrpSpPr>
+        <p:cNvPr id="1" name=""/>
+        <p:cNvGrpSpPr/>
+        <p:nvPr/>
+      </p:nvGrpSpPr>
+      <p:grpSpPr>
+        <a:xfrm>
+          <a:off x="0" y="0"/>
+          <a:ext cx="0" cy="0"/>
+          <a:chOff x="0" y="0"/>
+          <a:chExt cx="0" cy="0"/>
+        </a:xfrm>
+      </p:grpSpPr>
+      <p:sp>
+        <p:nvSpPr>
+          <p:cNvPr id="2" name="Título 1"/>
+          <p:cNvSpPr>
+            <a:spLocks noGrp="1"/>
+          </p:cNvSpPr>
+          <p:nvPr>
+            <p:ph type="title"/>
+          </p:nvPr>
+        </p:nvSpPr>
+        <p:spPr/>
+        <p:txBody>
+          <a:bodyPr/>
+          <a:lstStyle/>
+          <a:p>
+            <a:r>
+              <a:rPr lang="pt-BR" dirty="0" smtClean="0"/>
+              <a:t>Cronograma</a:t>
+            </a:r>
+            <a:endParaRPr lang="pt-BR" dirty="0"/>
+          </a:p>
+        </p:txBody>
+      </p:sp>
+      <p:sp>
+        <p:nvSpPr>
+          <p:cNvPr id="3" name="Espaço Reservado para Conteúdo 2"/>
+          <p:cNvSpPr>
+            <a:spLocks noGrp="1"/>
+          </p:cNvSpPr>
+          <p:nvPr>
+            <p:ph idx="1"/>
+          </p:nvPr>
+        </p:nvSpPr>
+        <p:spPr>
+          <a:xfrm>
+            <a:off x="628650" y="1418897"/>
+            <a:ext cx="7886700" cy="5087006"/>
+          </a:xfrm>
+        </p:spPr>
+        <p:txBody>
+          <a:bodyPr>
+            <a:noAutofit/>
+          </a:bodyPr>
+          <a:lstStyle/>
+          <a:p>
+            <a:r>
+              <a:rPr lang="pt-BR" sz="3600" dirty="0" smtClean="0"/>
+              <a:t>Parte II:</a:t>
+            </a:r>
+          </a:p>
+          <a:p>
+            <a:pPr lvl="1"/>
+            <a:r>
+              <a:rPr lang="pt-BR" sz="3600" dirty="0">
+                <a:solidFill>
+                  <a:schemeClr val="tx1">
+                    <a:lumMod val="50000"/>
+                    <a:lumOff val="50000"/>
+                  </a:schemeClr>
+                </a:solidFill>
+              </a:rPr>
+              <a:t>Data e tempo</a:t>
+            </a:r>
+          </a:p>
+          <a:p>
+            <a:pPr lvl="1"/>
+            <a:r>
+              <a:rPr lang="pt-BR" sz="3600" dirty="0">
+                <a:solidFill>
+                  <a:schemeClr val="tx1">
+                    <a:lumMod val="50000"/>
+                    <a:lumOff val="50000"/>
+                  </a:schemeClr>
+                </a:solidFill>
+              </a:rPr>
+              <a:t>Funções</a:t>
+            </a:r>
+          </a:p>
+          <a:p>
+            <a:pPr lvl="1"/>
+            <a:r>
+              <a:rPr lang="pt-BR" sz="3600" dirty="0" smtClean="0">
+                <a:solidFill>
+                  <a:schemeClr val="tx1">
+                    <a:lumMod val="50000"/>
+                    <a:lumOff val="50000"/>
+                  </a:schemeClr>
+                </a:solidFill>
+              </a:rPr>
+              <a:t>Modularidade</a:t>
+            </a:r>
+            <a:endParaRPr lang="pt-BR" sz="3600" dirty="0">
+              <a:solidFill>
+                <a:schemeClr val="tx1">
+                  <a:lumMod val="50000"/>
+                  <a:lumOff val="50000"/>
+                </a:schemeClr>
+              </a:solidFill>
+            </a:endParaRPr>
+          </a:p>
+          <a:p>
+            <a:pPr lvl="1"/>
+            <a:r>
+              <a:rPr lang="pt-BR" sz="3600" dirty="0">
+                <a:solidFill>
+                  <a:schemeClr val="tx1">
+                    <a:lumMod val="50000"/>
+                    <a:lumOff val="50000"/>
+                  </a:schemeClr>
+                </a:solidFill>
+              </a:rPr>
+              <a:t>Arquivos</a:t>
+            </a:r>
+          </a:p>
+          <a:p>
+            <a:pPr lvl="1"/>
+            <a:r>
+              <a:rPr lang="pt-BR" sz="3600" dirty="0" smtClean="0">
+                <a:solidFill>
+                  <a:schemeClr val="tx1">
+                    <a:lumMod val="50000"/>
+                    <a:lumOff val="50000"/>
+                  </a:schemeClr>
+                </a:solidFill>
+              </a:rPr>
+              <a:t>Tratamento de exceções</a:t>
+            </a:r>
+            <a:endParaRPr lang="pt-BR" sz="3600" dirty="0">
+              <a:solidFill>
+                <a:schemeClr val="tx1">
+                  <a:lumMod val="50000"/>
+                  <a:lumOff val="50000"/>
+                </a:schemeClr>
+              </a:solidFill>
+            </a:endParaRPr>
+          </a:p>
+          <a:p>
+            <a:pPr lvl="1"/>
+            <a:r>
+              <a:rPr lang="pt-BR" sz="3600" dirty="0" smtClean="0">
+                <a:solidFill>
+                  <a:schemeClr val="tx1">
+                    <a:lumMod val="50000"/>
+                    <a:lumOff val="50000"/>
+                  </a:schemeClr>
+                </a:solidFill>
+              </a:rPr>
+              <a:t>Classes e objetos</a:t>
+            </a:r>
+          </a:p>
+          <a:p>
+            <a:pPr lvl="1"/>
+            <a:r>
+              <a:rPr lang="pt-BR" sz="3600" dirty="0" smtClean="0"/>
+              <a:t>Expressões regulares</a:t>
+            </a:r>
+          </a:p>
+          <a:p>
+            <a:pPr lvl="1"/>
+            <a:r>
+              <a:rPr lang="pt-BR" sz="3600" dirty="0" smtClean="0">
+                <a:solidFill>
+                  <a:schemeClr val="tx1">
+                    <a:lumMod val="50000"/>
+                    <a:lumOff val="50000"/>
+                  </a:schemeClr>
+                </a:solidFill>
+              </a:rPr>
+              <a:t>Manipulação de </a:t>
+            </a:r>
+            <a:r>
+              <a:rPr lang="pt-BR" sz="3600" dirty="0">
+                <a:solidFill>
+                  <a:schemeClr val="tx1">
+                    <a:lumMod val="50000"/>
+                    <a:lumOff val="50000"/>
+                  </a:schemeClr>
+                </a:solidFill>
+              </a:rPr>
+              <a:t>a</a:t>
+            </a:r>
+            <a:r>
+              <a:rPr lang="pt-BR" sz="3600" dirty="0" smtClean="0">
+                <a:solidFill>
+                  <a:schemeClr val="tx1">
+                    <a:lumMod val="50000"/>
+                    <a:lumOff val="50000"/>
+                  </a:schemeClr>
+                </a:solidFill>
+              </a:rPr>
+              <a:t>rquivo CSV</a:t>
+            </a:r>
+          </a:p>
+        </p:txBody>
+      </p:sp>
+    </p:spTree>
+    <p:extLst>
+      <p:ext uri="{BB962C8B-B14F-4D97-AF65-F5344CB8AC3E}">
+        <p14:creationId xmlns:p14="http://schemas.microsoft.com/office/powerpoint/2010/main" val="1832392627"/>
+      </p:ext>
+    </p:extLst>
+  </p:cSld>
+  <p:clrMapOvr>
+    <a:masterClrMapping/>
+  </p:clrMapOvr>
+  <p:timing>
+    <p:tnLst>
+      <p:par>
+        <p:cTn id="1" dur="indefinite" restart="never" nodeType="tmRoot"/>
+      </p:par>
+    </p:tnLst>
+  </p:timing>
+</p:sld>
+</file>
+
+<file path=ppt/slides/slide58.xml><?xml version="1.0" encoding="utf-8"?>
+<p:sld xmlns:a="http://schemas.openxmlformats.org/drawingml/2006/main" xmlns:r="http://schemas.openxmlformats.org/officeDocument/2006/relationships" xmlns:p="http://schemas.openxmlformats.org/presentationml/2006/main">
+  <p:cSld>
+    <p:spTree>
+      <p:nvGrpSpPr>
+        <p:cNvPr id="1" name=""/>
+        <p:cNvGrpSpPr/>
+        <p:nvPr/>
+      </p:nvGrpSpPr>
+      <p:grpSpPr>
+        <a:xfrm>
+          <a:off x="0" y="0"/>
+          <a:ext cx="0" cy="0"/>
+          <a:chOff x="0" y="0"/>
+          <a:chExt cx="0" cy="0"/>
+        </a:xfrm>
+      </p:grpSpPr>
+      <p:sp>
+        <p:nvSpPr>
+          <p:cNvPr id="2" name="Título 1"/>
+          <p:cNvSpPr>
+            <a:spLocks noGrp="1"/>
+          </p:cNvSpPr>
+          <p:nvPr>
+            <p:ph type="title"/>
+          </p:nvPr>
+        </p:nvSpPr>
+        <p:spPr/>
+        <p:txBody>
+          <a:bodyPr/>
+          <a:lstStyle/>
+          <a:p>
+            <a:r>
+              <a:rPr lang="pt-BR" dirty="0" smtClean="0"/>
+              <a:t>Cronograma</a:t>
+            </a:r>
+            <a:endParaRPr lang="pt-BR" dirty="0"/>
+          </a:p>
+        </p:txBody>
+      </p:sp>
+      <p:sp>
+        <p:nvSpPr>
+          <p:cNvPr id="3" name="Espaço Reservado para Conteúdo 2"/>
+          <p:cNvSpPr>
+            <a:spLocks noGrp="1"/>
+          </p:cNvSpPr>
+          <p:nvPr>
+            <p:ph idx="1"/>
+          </p:nvPr>
+        </p:nvSpPr>
+        <p:spPr>
+          <a:xfrm>
+            <a:off x="628650" y="1418897"/>
+            <a:ext cx="7886700" cy="5087006"/>
+          </a:xfrm>
+        </p:spPr>
+        <p:txBody>
+          <a:bodyPr>
+            <a:noAutofit/>
+          </a:bodyPr>
+          <a:lstStyle/>
+          <a:p>
+            <a:r>
+              <a:rPr lang="pt-BR" sz="3600" dirty="0" smtClean="0"/>
+              <a:t>Parte II:</a:t>
+            </a:r>
+          </a:p>
+          <a:p>
+            <a:pPr lvl="1"/>
+            <a:r>
+              <a:rPr lang="pt-BR" sz="3600" dirty="0">
+                <a:solidFill>
+                  <a:schemeClr val="tx1">
+                    <a:lumMod val="50000"/>
+                    <a:lumOff val="50000"/>
+                  </a:schemeClr>
+                </a:solidFill>
+              </a:rPr>
+              <a:t>Data e tempo</a:t>
+            </a:r>
+          </a:p>
+          <a:p>
+            <a:pPr lvl="1"/>
+            <a:r>
+              <a:rPr lang="pt-BR" sz="3600" dirty="0">
+                <a:solidFill>
+                  <a:schemeClr val="tx1">
+                    <a:lumMod val="50000"/>
+                    <a:lumOff val="50000"/>
+                  </a:schemeClr>
+                </a:solidFill>
+              </a:rPr>
+              <a:t>Funções</a:t>
+            </a:r>
+          </a:p>
+          <a:p>
+            <a:pPr lvl="1"/>
+            <a:r>
+              <a:rPr lang="pt-BR" sz="3600" dirty="0" smtClean="0">
+                <a:solidFill>
+                  <a:schemeClr val="tx1">
+                    <a:lumMod val="50000"/>
+                    <a:lumOff val="50000"/>
+                  </a:schemeClr>
+                </a:solidFill>
+              </a:rPr>
+              <a:t>Modularidade</a:t>
+            </a:r>
+            <a:endParaRPr lang="pt-BR" sz="3600" dirty="0">
+              <a:solidFill>
+                <a:schemeClr val="tx1">
+                  <a:lumMod val="50000"/>
+                  <a:lumOff val="50000"/>
+                </a:schemeClr>
+              </a:solidFill>
+            </a:endParaRPr>
+          </a:p>
+          <a:p>
+            <a:pPr lvl="1"/>
+            <a:r>
+              <a:rPr lang="pt-BR" sz="3600" dirty="0">
+                <a:solidFill>
+                  <a:schemeClr val="tx1">
+                    <a:lumMod val="50000"/>
+                    <a:lumOff val="50000"/>
+                  </a:schemeClr>
+                </a:solidFill>
+              </a:rPr>
+              <a:t>Arquivos</a:t>
+            </a:r>
+          </a:p>
+          <a:p>
+            <a:pPr lvl="1"/>
+            <a:r>
+              <a:rPr lang="pt-BR" sz="3600" dirty="0" smtClean="0">
+                <a:solidFill>
+                  <a:schemeClr val="tx1">
+                    <a:lumMod val="50000"/>
+                    <a:lumOff val="50000"/>
+                  </a:schemeClr>
+                </a:solidFill>
+              </a:rPr>
+              <a:t>Tratamento de exceções</a:t>
+            </a:r>
+            <a:endParaRPr lang="pt-BR" sz="3600" dirty="0">
+              <a:solidFill>
+                <a:schemeClr val="tx1">
+                  <a:lumMod val="50000"/>
+                  <a:lumOff val="50000"/>
+                </a:schemeClr>
+              </a:solidFill>
+            </a:endParaRPr>
+          </a:p>
+          <a:p>
+            <a:pPr lvl="1"/>
+            <a:r>
+              <a:rPr lang="pt-BR" sz="3600" dirty="0" smtClean="0">
+                <a:solidFill>
+                  <a:schemeClr val="tx1">
+                    <a:lumMod val="50000"/>
+                    <a:lumOff val="50000"/>
+                  </a:schemeClr>
+                </a:solidFill>
+              </a:rPr>
+              <a:t>Classes e objetos</a:t>
+            </a:r>
+          </a:p>
+          <a:p>
+            <a:pPr lvl="1"/>
+            <a:r>
+              <a:rPr lang="pt-BR" sz="3600" dirty="0" smtClean="0">
+                <a:solidFill>
+                  <a:schemeClr val="tx1">
+                    <a:lumMod val="50000"/>
+                    <a:lumOff val="50000"/>
+                  </a:schemeClr>
+                </a:solidFill>
+              </a:rPr>
+              <a:t>Expressões regulares</a:t>
+            </a:r>
+          </a:p>
+          <a:p>
+            <a:pPr lvl="1"/>
+            <a:r>
+              <a:rPr lang="pt-BR" sz="3600" dirty="0" smtClean="0"/>
+              <a:t>Manipulação de </a:t>
+            </a:r>
+            <a:r>
+              <a:rPr lang="pt-BR" sz="3600" dirty="0"/>
+              <a:t>a</a:t>
+            </a:r>
+            <a:r>
+              <a:rPr lang="pt-BR" sz="3600" dirty="0" smtClean="0"/>
+              <a:t>rquivo CSV</a:t>
+            </a:r>
+          </a:p>
+        </p:txBody>
+      </p:sp>
+    </p:spTree>
+    <p:extLst>
+      <p:ext uri="{BB962C8B-B14F-4D97-AF65-F5344CB8AC3E}">
+        <p14:creationId xmlns:p14="http://schemas.microsoft.com/office/powerpoint/2010/main" val="2468608696"/>
+      </p:ext>
+    </p:extLst>
+  </p:cSld>
+  <p:clrMapOvr>
+    <a:masterClrMapping/>
+  </p:clrMapOvr>
+  <p:timing>
+    <p:tnLst>
+      <p:par>
+        <p:cTn id="1" dur="indefinite" restart="never" nodeType="tmRoot"/>
+      </p:par>
+    </p:tnLst>
+  </p:timing>
+</p:sld>
+</file>
+
+<file path=ppt/slides/slide59.xml><?xml version="1.0" encoding="utf-8"?>
+<p:sld xmlns:a="http://schemas.openxmlformats.org/drawingml/2006/main" xmlns:r="http://schemas.openxmlformats.org/officeDocument/2006/relationships" xmlns:p="http://schemas.openxmlformats.org/presentationml/2006/main">
+  <p:cSld>
+    <p:spTree>
+      <p:nvGrpSpPr>
+        <p:cNvPr id="1" name=""/>
+        <p:cNvGrpSpPr/>
+        <p:nvPr/>
+      </p:nvGrpSpPr>
+      <p:grpSpPr>
+        <a:xfrm>
+          <a:off x="0" y="0"/>
+          <a:ext cx="0" cy="0"/>
+          <a:chOff x="0" y="0"/>
+          <a:chExt cx="0" cy="0"/>
+        </a:xfrm>
+      </p:grpSpPr>
+      <p:sp>
+        <p:nvSpPr>
+          <p:cNvPr id="2" name="Título 1"/>
+          <p:cNvSpPr>
+            <a:spLocks noGrp="1"/>
+          </p:cNvSpPr>
+          <p:nvPr>
+            <p:ph type="title"/>
+          </p:nvPr>
+        </p:nvSpPr>
+        <p:spPr/>
+        <p:txBody>
+          <a:bodyPr/>
+          <a:lstStyle/>
+          <a:p>
+            <a:r>
+              <a:rPr lang="pt-BR" dirty="0" smtClean="0"/>
+              <a:t>Cronograma</a:t>
+            </a:r>
+            <a:endParaRPr lang="pt-BR" dirty="0"/>
+          </a:p>
+        </p:txBody>
+      </p:sp>
+      <p:sp>
+        <p:nvSpPr>
+          <p:cNvPr id="3" name="Espaço Reservado para Conteúdo 2"/>
+          <p:cNvSpPr>
+            <a:spLocks noGrp="1"/>
+          </p:cNvSpPr>
+          <p:nvPr>
+            <p:ph idx="1"/>
+          </p:nvPr>
+        </p:nvSpPr>
+        <p:spPr>
+          <a:xfrm>
+            <a:off x="628650" y="1418897"/>
+            <a:ext cx="7886700" cy="5087006"/>
+          </a:xfrm>
+        </p:spPr>
+        <p:txBody>
+          <a:bodyPr>
+            <a:normAutofit/>
+          </a:bodyPr>
+          <a:lstStyle/>
+          <a:p>
+            <a:r>
+              <a:rPr lang="pt-BR" sz="3600" dirty="0" smtClean="0"/>
+              <a:t>Parte </a:t>
+            </a:r>
+            <a:r>
+              <a:rPr lang="pt-BR" sz="3600" dirty="0" smtClean="0"/>
+              <a:t>III:</a:t>
+            </a:r>
+          </a:p>
+          <a:p>
+            <a:pPr lvl="1"/>
+            <a:r>
+              <a:rPr lang="pt-BR" sz="3600" dirty="0" err="1" smtClean="0"/>
+              <a:t>Numpy</a:t>
+            </a:r>
+            <a:r>
+              <a:rPr lang="pt-BR" sz="3600" dirty="0" smtClean="0"/>
+              <a:t> – Manipulação de </a:t>
+            </a:r>
+            <a:r>
+              <a:rPr lang="pt-BR" sz="3600" dirty="0" err="1" smtClean="0"/>
+              <a:t>N-arrays</a:t>
+            </a:r>
+            <a:endParaRPr lang="pt-BR" sz="3600" dirty="0" smtClean="0"/>
+          </a:p>
+          <a:p>
+            <a:pPr lvl="1"/>
+            <a:r>
+              <a:rPr lang="pt-BR" sz="3600" dirty="0" smtClean="0"/>
+              <a:t>Pandas – Análise de dados</a:t>
+            </a:r>
+          </a:p>
+          <a:p>
+            <a:pPr lvl="1"/>
+            <a:r>
+              <a:rPr lang="pt-BR" sz="3600" dirty="0" err="1" smtClean="0"/>
+              <a:t>Matplotlib</a:t>
+            </a:r>
+            <a:r>
+              <a:rPr lang="pt-BR" sz="3600" dirty="0" smtClean="0"/>
+              <a:t> – </a:t>
+            </a:r>
+            <a:r>
+              <a:rPr lang="pt-BR" sz="3600" dirty="0" err="1" smtClean="0"/>
+              <a:t>Plot</a:t>
+            </a:r>
+            <a:r>
+              <a:rPr lang="pt-BR" sz="3600" dirty="0" smtClean="0"/>
+              <a:t> de gráficos</a:t>
+            </a:r>
+            <a:endParaRPr lang="pt-BR" sz="3600" dirty="0" smtClean="0"/>
+          </a:p>
+        </p:txBody>
+      </p:sp>
+    </p:spTree>
+    <p:extLst>
+      <p:ext uri="{BB962C8B-B14F-4D97-AF65-F5344CB8AC3E}">
+        <p14:creationId xmlns:p14="http://schemas.microsoft.com/office/powerpoint/2010/main" val="3429233724"/>
       </p:ext>
     </p:extLst>
   </p:cSld>
@@ -12270,14 +14851,6 @@
               </a:rPr>
               <a:t>variáveis</a:t>
             </a:r>
-            <a:endParaRPr lang="pt-BR" sz="4500" dirty="0" smtClean="0">
-              <a:solidFill>
-                <a:schemeClr val="tx1">
-                  <a:lumMod val="50000"/>
-                  <a:lumOff val="50000"/>
-                </a:schemeClr>
-              </a:solidFill>
-            </a:endParaRPr>
           </a:p>
           <a:p>
             <a:pPr lvl="1"/>
@@ -12290,8 +14863,11 @@
                   </a:schemeClr>
                 </a:solidFill>
               </a:rPr>
-              <a:t>Operadores </a:t>
-            </a:r>
+              <a:t>Operadores básicos</a:t>
+            </a:r>
+          </a:p>
+          <a:p>
+            <a:pPr lvl="1"/>
             <a:r>
               <a:rPr lang="pt-BR" sz="4500" dirty="0" smtClean="0">
                 <a:solidFill>
@@ -12301,7 +14877,7 @@
                   </a:schemeClr>
                 </a:solidFill>
               </a:rPr>
-              <a:t>básicos</a:t>
+              <a:t>Operadores condicionais</a:t>
             </a:r>
           </a:p>
           <a:p>
@@ -12315,32 +14891,7 @@
                   </a:schemeClr>
                 </a:solidFill>
               </a:rPr>
-              <a:t>Operadores condicionais</a:t>
-            </a:r>
-          </a:p>
-          <a:p>
-            <a:pPr lvl="1"/>
-            <a:r>
-              <a:rPr lang="pt-BR" sz="4500" dirty="0" smtClean="0">
-                <a:solidFill>
-                  <a:schemeClr val="tx1">
-                    <a:lumMod val="50000"/>
-                    <a:lumOff val="50000"/>
-                  </a:schemeClr>
-                </a:solidFill>
-              </a:rPr>
-              <a:t>Laços de </a:t>
-            </a:r>
-            <a:r>
-              <a:rPr lang="pt-BR" sz="4500" dirty="0" smtClean="0">
-                <a:solidFill>
-                  <a:schemeClr val="tx1">
-                    <a:lumMod val="50000"/>
-                    <a:lumOff val="50000"/>
-                  </a:schemeClr>
-                </a:solidFill>
-              </a:rPr>
-              <a:t>repetição</a:t>
+              <a:t>Laços de repetição</a:t>
             </a:r>
             <a:endParaRPr lang="pt-BR" dirty="0"/>
           </a:p>

--- a/aula.pptx
+++ b/aula.pptx
@@ -56,14 +56,19 @@
     <p:sldId id="295" r:id="rId50"/>
     <p:sldId id="296" r:id="rId51"/>
     <p:sldId id="297" r:id="rId52"/>
-    <p:sldId id="310" r:id="rId53"/>
-    <p:sldId id="311" r:id="rId54"/>
-    <p:sldId id="312" r:id="rId55"/>
-    <p:sldId id="313" r:id="rId56"/>
-    <p:sldId id="314" r:id="rId57"/>
-    <p:sldId id="315" r:id="rId58"/>
-    <p:sldId id="316" r:id="rId59"/>
-    <p:sldId id="317" r:id="rId60"/>
+    <p:sldId id="320" r:id="rId53"/>
+    <p:sldId id="319" r:id="rId54"/>
+    <p:sldId id="310" r:id="rId55"/>
+    <p:sldId id="321" r:id="rId56"/>
+    <p:sldId id="322" r:id="rId57"/>
+    <p:sldId id="311" r:id="rId58"/>
+    <p:sldId id="323" r:id="rId59"/>
+    <p:sldId id="312" r:id="rId60"/>
+    <p:sldId id="313" r:id="rId61"/>
+    <p:sldId id="314" r:id="rId62"/>
+    <p:sldId id="315" r:id="rId63"/>
+    <p:sldId id="316" r:id="rId64"/>
+    <p:sldId id="317" r:id="rId65"/>
   </p:sldIdLst>
   <p:sldSz cx="9144000" cy="6858000" type="screen4x3"/>
   <p:notesSz cx="6858000" cy="9144000"/>
@@ -301,7 +306,7 @@
           <a:p>
             <a:fld id="{D377BE14-62C7-4620-BC91-FC5671F55649}" type="datetimeFigureOut">
               <a:rPr lang="en-US" smtClean="0"/>
-              <a:t>10/14/2019</a:t>
+              <a:t>10/15/2019</a:t>
             </a:fld>
             <a:endParaRPr lang="en-US"/>
           </a:p>
@@ -471,7 +476,7 @@
           <a:p>
             <a:fld id="{D377BE14-62C7-4620-BC91-FC5671F55649}" type="datetimeFigureOut">
               <a:rPr lang="en-US" smtClean="0"/>
-              <a:t>10/14/2019</a:t>
+              <a:t>10/15/2019</a:t>
             </a:fld>
             <a:endParaRPr lang="en-US"/>
           </a:p>
@@ -651,7 +656,7 @@
           <a:p>
             <a:fld id="{D377BE14-62C7-4620-BC91-FC5671F55649}" type="datetimeFigureOut">
               <a:rPr lang="en-US" smtClean="0"/>
-              <a:t>10/14/2019</a:t>
+              <a:t>10/15/2019</a:t>
             </a:fld>
             <a:endParaRPr lang="en-US"/>
           </a:p>
@@ -821,7 +826,7 @@
           <a:p>
             <a:fld id="{D377BE14-62C7-4620-BC91-FC5671F55649}" type="datetimeFigureOut">
               <a:rPr lang="en-US" smtClean="0"/>
-              <a:t>10/14/2019</a:t>
+              <a:t>10/15/2019</a:t>
             </a:fld>
             <a:endParaRPr lang="en-US"/>
           </a:p>
@@ -1065,7 +1070,7 @@
           <a:p>
             <a:fld id="{D377BE14-62C7-4620-BC91-FC5671F55649}" type="datetimeFigureOut">
               <a:rPr lang="en-US" smtClean="0"/>
-              <a:t>10/14/2019</a:t>
+              <a:t>10/15/2019</a:t>
             </a:fld>
             <a:endParaRPr lang="en-US"/>
           </a:p>
@@ -1297,7 +1302,7 @@
           <a:p>
             <a:fld id="{D377BE14-62C7-4620-BC91-FC5671F55649}" type="datetimeFigureOut">
               <a:rPr lang="en-US" smtClean="0"/>
-              <a:t>10/14/2019</a:t>
+              <a:t>10/15/2019</a:t>
             </a:fld>
             <a:endParaRPr lang="en-US"/>
           </a:p>
@@ -1664,7 +1669,7 @@
           <a:p>
             <a:fld id="{D377BE14-62C7-4620-BC91-FC5671F55649}" type="datetimeFigureOut">
               <a:rPr lang="en-US" smtClean="0"/>
-              <a:t>10/14/2019</a:t>
+              <a:t>10/15/2019</a:t>
             </a:fld>
             <a:endParaRPr lang="en-US"/>
           </a:p>
@@ -1782,7 +1787,7 @@
           <a:p>
             <a:fld id="{D377BE14-62C7-4620-BC91-FC5671F55649}" type="datetimeFigureOut">
               <a:rPr lang="en-US" smtClean="0"/>
-              <a:t>10/14/2019</a:t>
+              <a:t>10/15/2019</a:t>
             </a:fld>
             <a:endParaRPr lang="en-US"/>
           </a:p>
@@ -1877,7 +1882,7 @@
           <a:p>
             <a:fld id="{D377BE14-62C7-4620-BC91-FC5671F55649}" type="datetimeFigureOut">
               <a:rPr lang="en-US" smtClean="0"/>
-              <a:t>10/14/2019</a:t>
+              <a:t>10/15/2019</a:t>
             </a:fld>
             <a:endParaRPr lang="en-US"/>
           </a:p>
@@ -2154,7 +2159,7 @@
           <a:p>
             <a:fld id="{D377BE14-62C7-4620-BC91-FC5671F55649}" type="datetimeFigureOut">
               <a:rPr lang="en-US" smtClean="0"/>
-              <a:t>10/14/2019</a:t>
+              <a:t>10/15/2019</a:t>
             </a:fld>
             <a:endParaRPr lang="en-US"/>
           </a:p>
@@ -2411,7 +2416,7 @@
           <a:p>
             <a:fld id="{D377BE14-62C7-4620-BC91-FC5671F55649}" type="datetimeFigureOut">
               <a:rPr lang="en-US" smtClean="0"/>
-              <a:t>10/14/2019</a:t>
+              <a:t>10/15/2019</a:t>
             </a:fld>
             <a:endParaRPr lang="en-US"/>
           </a:p>
@@ -2624,7 +2629,7 @@
           <a:p>
             <a:fld id="{D377BE14-62C7-4620-BC91-FC5671F55649}" type="datetimeFigureOut">
               <a:rPr lang="en-US" smtClean="0"/>
-              <a:t>10/14/2019</a:t>
+              <a:t>10/15/2019</a:t>
             </a:fld>
             <a:endParaRPr lang="en-US"/>
           </a:p>
@@ -3172,13 +3177,8 @@
           <a:p>
             <a:r>
               <a:rPr lang="pt-BR" sz="3200" dirty="0" smtClean="0"/>
-              <a:t>O programador pode interagir com o </a:t>
-            </a:r>
-            <a:r>
-              <a:rPr lang="pt-BR" sz="3200" dirty="0" smtClean="0"/>
-              <a:t>interpretador</a:t>
-            </a:r>
-            <a:endParaRPr lang="pt-BR" sz="3200" dirty="0" smtClean="0"/>
+              <a:t>O programador pode interagir com o interpretador</a:t>
+            </a:r>
           </a:p>
         </p:txBody>
       </p:sp>
@@ -7021,11 +7021,7 @@
             </a:r>
             <a:r>
               <a:rPr lang="pt-BR" dirty="0" smtClean="0"/>
-              <a:t>(x1</a:t>
-            </a:r>
-            <a:r>
-              <a:rPr lang="pt-BR" dirty="0" smtClean="0"/>
-              <a:t>, x2, ..., </a:t>
+              <a:t>(x1, x2, ..., </a:t>
             </a:r>
             <a:r>
               <a:rPr lang="pt-BR" dirty="0" err="1" smtClean="0"/>
@@ -7075,17 +7071,8 @@
             </a:pPr>
             <a:r>
               <a:rPr lang="pt-BR" dirty="0" smtClean="0"/>
-              <a:t>round(x, n) </a:t>
-            </a:r>
-            <a:r>
-              <a:rPr lang="pt-BR" dirty="0" smtClean="0"/>
-              <a:t>– arredondamento de </a:t>
-            </a:r>
-            <a:r>
-              <a:rPr lang="pt-BR" dirty="0" smtClean="0"/>
-              <a:t>x no n dígitos</a:t>
-            </a:r>
-            <a:endParaRPr lang="pt-BR" dirty="0" smtClean="0"/>
+              <a:t>round(x, n) – arredondamento de x no n dígitos</a:t>
+            </a:r>
           </a:p>
         </p:txBody>
       </p:sp>
@@ -7143,11 +7130,7 @@
           <a:p>
             <a:r>
               <a:rPr lang="pt-BR" dirty="0" smtClean="0"/>
-              <a:t>Funções </a:t>
-            </a:r>
-            <a:r>
-              <a:rPr lang="pt-BR" dirty="0" smtClean="0"/>
-              <a:t>matemática biblioteca </a:t>
+              <a:t>Funções matemática biblioteca </a:t>
             </a:r>
             <a:r>
               <a:rPr lang="pt-BR" dirty="0" err="1" smtClean="0"/>
@@ -7189,15 +7172,7 @@
             </a:r>
             <a:r>
               <a:rPr lang="pt-BR" dirty="0" smtClean="0"/>
-              <a:t>(x</a:t>
-            </a:r>
-            <a:r>
-              <a:rPr lang="pt-BR" dirty="0" smtClean="0"/>
-              <a:t>) – raiz quadrada de </a:t>
-            </a:r>
-            <a:r>
-              <a:rPr lang="pt-BR" dirty="0" smtClean="0"/>
-              <a:t>x</a:t>
+              <a:t>(x) – raiz quadrada de x</a:t>
             </a:r>
           </a:p>
           <a:p>
@@ -7415,11 +7390,7 @@
             </a:r>
             <a:r>
               <a:rPr lang="pt-BR" dirty="0" smtClean="0"/>
-              <a:t>(sequencia</a:t>
-            </a:r>
-            <a:r>
-              <a:rPr lang="pt-BR" dirty="0" smtClean="0"/>
-              <a:t>) – escolhe um elemento da sequencia, pode ser lista, </a:t>
+              <a:t>(sequencia) – escolhe um elemento da sequencia, pode ser lista, </a:t>
             </a:r>
             <a:r>
               <a:rPr lang="pt-BR" dirty="0" err="1" smtClean="0"/>
@@ -7446,11 +7417,7 @@
             </a:r>
             <a:r>
               <a:rPr lang="pt-BR" dirty="0" smtClean="0"/>
-              <a:t>(start</a:t>
-            </a:r>
-            <a:r>
-              <a:rPr lang="pt-BR" dirty="0" smtClean="0"/>
-              <a:t>, stop, </a:t>
+              <a:t>(start, stop, </a:t>
             </a:r>
             <a:r>
               <a:rPr lang="pt-BR" dirty="0" err="1" smtClean="0"/>
@@ -7485,11 +7452,7 @@
             </a:r>
             <a:r>
               <a:rPr lang="pt-BR" dirty="0" smtClean="0"/>
-              <a:t> randômico entre 0 – </a:t>
-            </a:r>
-            <a:r>
-              <a:rPr lang="pt-BR" dirty="0" smtClean="0"/>
-              <a:t>1</a:t>
+              <a:t> randômico entre 0 – 1</a:t>
             </a:r>
           </a:p>
           <a:p>
@@ -7513,17 +7476,12 @@
             </a:pPr>
             <a:r>
               <a:rPr lang="pt-BR" dirty="0" err="1" smtClean="0"/>
-              <a:t>random</a:t>
-            </a:r>
-            <a:r>
-              <a:rPr lang="pt-BR" dirty="0" err="1" smtClean="0"/>
-              <a:t>.shuffle</a:t>
+              <a:t>random.shuffle</a:t>
             </a:r>
             <a:r>
               <a:rPr lang="pt-BR" dirty="0" smtClean="0"/>
               <a:t>(sequencia) – embaralha uma sequencia</a:t>
             </a:r>
-            <a:endParaRPr lang="pt-BR" dirty="0" smtClean="0"/>
           </a:p>
         </p:txBody>
       </p:sp>
@@ -9962,11 +9920,7 @@
           <a:p>
             <a:r>
               <a:rPr lang="pt-BR" sz="4200" dirty="0" smtClean="0"/>
-              <a:t>Operadores está contido, </a:t>
-            </a:r>
-            <a:r>
-              <a:rPr lang="pt-BR" sz="4200" dirty="0" smtClean="0"/>
-              <a:t>é e não é</a:t>
+              <a:t>Operadores está contido, é e não é</a:t>
             </a:r>
             <a:endParaRPr lang="pt-BR" sz="4200" dirty="0"/>
           </a:p>
@@ -12526,7 +12480,7 @@
           <a:p>
             <a:r>
               <a:rPr lang="pt-BR" dirty="0" smtClean="0"/>
-              <a:t>Tipo </a:t>
+              <a:t>Bibliotecas time e </a:t>
             </a:r>
             <a:r>
               <a:rPr lang="pt-BR" dirty="0" err="1" smtClean="0"/>
@@ -12558,6 +12512,107 @@
           </a:bodyPr>
           <a:lstStyle/>
           <a:p>
+            <a:r>
+              <a:rPr lang="pt-BR" dirty="0" smtClean="0"/>
+              <a:t>É possível manipular o tempo e datas de diferentes maneiras em Python</a:t>
+            </a:r>
+          </a:p>
+          <a:p>
+            <a:r>
+              <a:rPr lang="pt-BR" dirty="0" smtClean="0"/>
+              <a:t>As principais bibliotecas são</a:t>
+            </a:r>
+          </a:p>
+          <a:p>
+            <a:pPr lvl="1"/>
+            <a:r>
+              <a:rPr lang="pt-BR" dirty="0" smtClean="0"/>
+              <a:t>time </a:t>
+            </a:r>
+          </a:p>
+          <a:p>
+            <a:pPr lvl="1"/>
+            <a:r>
+              <a:rPr lang="pt-BR" dirty="0" err="1" smtClean="0"/>
+              <a:t>datetime</a:t>
+            </a:r>
+            <a:endParaRPr lang="pt-BR" dirty="0" smtClean="0"/>
+          </a:p>
+          <a:p>
+            <a:r>
+              <a:rPr lang="pt-BR" dirty="0" err="1" smtClean="0"/>
+              <a:t>time.localtime</a:t>
+            </a:r>
+            <a:r>
+              <a:rPr lang="pt-BR" dirty="0" smtClean="0"/>
+              <a:t>(</a:t>
+            </a:r>
+            <a:r>
+              <a:rPr lang="pt-BR" dirty="0" err="1" smtClean="0"/>
+              <a:t>time.time</a:t>
+            </a:r>
+            <a:r>
+              <a:rPr lang="pt-BR" dirty="0" smtClean="0"/>
+              <a:t>())</a:t>
+            </a:r>
+          </a:p>
+          <a:p>
+            <a:r>
+              <a:rPr lang="pt-BR" dirty="0" err="1"/>
+              <a:t>time.asctime</a:t>
+            </a:r>
+            <a:r>
+              <a:rPr lang="pt-BR" dirty="0"/>
+              <a:t>(</a:t>
+            </a:r>
+            <a:r>
+              <a:rPr lang="pt-BR" dirty="0" err="1"/>
+              <a:t>time.localtime</a:t>
+            </a:r>
+            <a:r>
+              <a:rPr lang="pt-BR" dirty="0"/>
+              <a:t>(</a:t>
+            </a:r>
+            <a:r>
+              <a:rPr lang="pt-BR" dirty="0" err="1"/>
+              <a:t>time.time</a:t>
+            </a:r>
+            <a:r>
+              <a:rPr lang="pt-BR" dirty="0" smtClean="0"/>
+              <a:t>())</a:t>
+            </a:r>
+            <a:r>
+              <a:rPr lang="pt-BR" dirty="0" smtClean="0"/>
+              <a:t>)</a:t>
+            </a:r>
+          </a:p>
+          <a:p>
+            <a:r>
+              <a:rPr lang="pt-BR" dirty="0" err="1" smtClean="0"/>
+              <a:t>time.clock</a:t>
+            </a:r>
+            <a:r>
+              <a:rPr lang="pt-BR" dirty="0" smtClean="0"/>
+              <a:t>() – tempo em segundos em um instante</a:t>
+            </a:r>
+          </a:p>
+          <a:p>
+            <a:r>
+              <a:rPr lang="pt-BR" dirty="0" err="1" smtClean="0"/>
+              <a:t>time.sleep</a:t>
+            </a:r>
+            <a:r>
+              <a:rPr lang="pt-BR" dirty="0" smtClean="0"/>
+              <a:t>(</a:t>
+            </a:r>
+            <a:r>
+              <a:rPr lang="pt-BR" dirty="0" err="1" smtClean="0"/>
+              <a:t>seconds</a:t>
+            </a:r>
+            <a:r>
+              <a:rPr lang="pt-BR" dirty="0" smtClean="0"/>
+              <a:t>) – dorme por segundos</a:t>
+            </a:r>
             <a:endParaRPr lang="pt-BR" dirty="0" smtClean="0"/>
           </a:p>
         </p:txBody>
@@ -12616,7 +12671,11 @@
           <a:p>
             <a:r>
               <a:rPr lang="pt-BR" dirty="0" smtClean="0"/>
-              <a:t>Cronograma</a:t>
+              <a:t>Bibliotecas time e </a:t>
+            </a:r>
+            <a:r>
+              <a:rPr lang="pt-BR" dirty="0" err="1" smtClean="0"/>
+              <a:t>datetime</a:t>
             </a:r>
             <a:endParaRPr lang="pt-BR" dirty="0"/>
           </a:p>
@@ -12634,162 +12693,119 @@
         </p:nvSpPr>
         <p:spPr>
           <a:xfrm>
-            <a:off x="628650" y="1418897"/>
-            <a:ext cx="7886700" cy="5087006"/>
+            <a:off x="628650" y="1690689"/>
+            <a:ext cx="7886700" cy="4486274"/>
           </a:xfrm>
         </p:spPr>
         <p:txBody>
           <a:bodyPr>
-            <a:noAutofit/>
+            <a:normAutofit/>
           </a:bodyPr>
           <a:lstStyle/>
           <a:p>
             <a:r>
-              <a:rPr lang="pt-BR" sz="3600" dirty="0" smtClean="0"/>
-              <a:t>Parte II:</a:t>
-            </a:r>
-          </a:p>
-          <a:p>
-            <a:pPr lvl="1"/>
-            <a:r>
-              <a:rPr lang="pt-BR" sz="3600" dirty="0">
-                <a:solidFill>
-                  <a:schemeClr val="tx1">
-                    <a:lumMod val="50000"/>
-                    <a:lumOff val="50000"/>
-                  </a:schemeClr>
-                </a:solidFill>
-              </a:rPr>
-              <a:t>Data e tempo</a:t>
-            </a:r>
-          </a:p>
-          <a:p>
-            <a:pPr lvl="1"/>
-            <a:r>
-              <a:rPr lang="pt-BR" sz="3600" dirty="0"/>
-              <a:t>Funções</a:t>
-            </a:r>
-          </a:p>
-          <a:p>
-            <a:pPr lvl="1"/>
-            <a:r>
-              <a:rPr lang="pt-BR" sz="3600" dirty="0" smtClean="0">
-                <a:solidFill>
-                  <a:schemeClr val="tx1">
-                    <a:lumMod val="50000"/>
-                    <a:lumOff val="50000"/>
-                  </a:schemeClr>
-                </a:solidFill>
-              </a:rPr>
-              <a:t>Modularidade</a:t>
-            </a:r>
-            <a:endParaRPr lang="pt-BR" sz="3600" dirty="0">
-              <a:solidFill>
-                <a:schemeClr val="tx1">
-                  <a:lumMod val="50000"/>
-                  <a:lumOff val="50000"/>
-                </a:schemeClr>
-              </a:solidFill>
-            </a:endParaRPr>
-          </a:p>
-          <a:p>
-            <a:pPr lvl="1"/>
-            <a:r>
-              <a:rPr lang="pt-BR" sz="3600" dirty="0">
-                <a:solidFill>
-                  <a:schemeClr val="tx1">
-                    <a:lumMod val="50000"/>
-                    <a:lumOff val="50000"/>
-                  </a:schemeClr>
-                </a:solidFill>
-              </a:rPr>
-              <a:t>Arquivos</a:t>
-            </a:r>
-          </a:p>
-          <a:p>
-            <a:pPr lvl="1"/>
-            <a:r>
-              <a:rPr lang="pt-BR" sz="3600" dirty="0" smtClean="0">
-                <a:solidFill>
-                  <a:schemeClr val="tx1">
-                    <a:lumMod val="50000"/>
-                    <a:lumOff val="50000"/>
-                  </a:schemeClr>
-                </a:solidFill>
-              </a:rPr>
-              <a:t>Tratamento de exceções</a:t>
-            </a:r>
-            <a:endParaRPr lang="pt-BR" sz="3600" dirty="0">
-              <a:solidFill>
-                <a:schemeClr val="tx1">
-                  <a:lumMod val="50000"/>
-                  <a:lumOff val="50000"/>
-                </a:schemeClr>
-              </a:solidFill>
-            </a:endParaRPr>
-          </a:p>
-          <a:p>
-            <a:pPr lvl="1"/>
-            <a:r>
-              <a:rPr lang="pt-BR" sz="3600" dirty="0" smtClean="0">
-                <a:solidFill>
-                  <a:schemeClr val="tx1">
-                    <a:lumMod val="50000"/>
-                    <a:lumOff val="50000"/>
-                  </a:schemeClr>
-                </a:solidFill>
-              </a:rPr>
-              <a:t>Classes e objetos</a:t>
-            </a:r>
-          </a:p>
-          <a:p>
-            <a:pPr lvl="1"/>
-            <a:r>
-              <a:rPr lang="pt-BR" sz="3600" dirty="0" smtClean="0">
-                <a:solidFill>
-                  <a:schemeClr val="tx1">
-                    <a:lumMod val="50000"/>
-                    <a:lumOff val="50000"/>
-                  </a:schemeClr>
-                </a:solidFill>
-              </a:rPr>
-              <a:t>Expressões regulares</a:t>
-            </a:r>
-          </a:p>
-          <a:p>
-            <a:pPr lvl="1"/>
-            <a:r>
-              <a:rPr lang="pt-BR" sz="3600" dirty="0" smtClean="0">
-                <a:solidFill>
-                  <a:schemeClr val="tx1">
-                    <a:lumMod val="50000"/>
-                    <a:lumOff val="50000"/>
-                  </a:schemeClr>
-                </a:solidFill>
-              </a:rPr>
-              <a:t>Manipulação de </a:t>
-            </a:r>
-            <a:r>
-              <a:rPr lang="pt-BR" sz="3600" dirty="0">
-                <a:solidFill>
-                  <a:schemeClr val="tx1">
-                    <a:lumMod val="50000"/>
-                    <a:lumOff val="50000"/>
-                  </a:schemeClr>
-                </a:solidFill>
-              </a:rPr>
-              <a:t>a</a:t>
-            </a:r>
-            <a:r>
-              <a:rPr lang="pt-BR" sz="3600" dirty="0" smtClean="0">
-                <a:solidFill>
-                  <a:schemeClr val="tx1">
-                    <a:lumMod val="50000"/>
-                    <a:lumOff val="50000"/>
-                  </a:schemeClr>
-                </a:solidFill>
-              </a:rPr>
-              <a:t>rquivo CSV</a:t>
+              <a:rPr lang="pt-BR" dirty="0" err="1" smtClean="0"/>
+              <a:t>datetime</a:t>
+            </a:r>
+            <a:r>
+              <a:rPr lang="pt-BR" dirty="0" smtClean="0"/>
+              <a:t> possui algumas funções mais elaboradas para manipulação de datas</a:t>
+            </a:r>
+          </a:p>
+          <a:p>
+            <a:r>
+              <a:rPr lang="pt-BR" dirty="0" err="1" smtClean="0"/>
+              <a:t>datetime</a:t>
+            </a:r>
+            <a:r>
+              <a:rPr lang="pt-BR" dirty="0" smtClean="0"/>
+              <a:t>(ano, mês, dia) – uma data especifica</a:t>
+            </a:r>
+          </a:p>
+          <a:p>
+            <a:r>
+              <a:rPr lang="pt-BR" dirty="0" err="1" smtClean="0"/>
+              <a:t>date.today</a:t>
+            </a:r>
+            <a:r>
+              <a:rPr lang="pt-BR" dirty="0" smtClean="0"/>
+              <a:t>() – data de hoje do sistema operacional</a:t>
+            </a:r>
+          </a:p>
+          <a:p>
+            <a:r>
+              <a:rPr lang="pt-BR" dirty="0" err="1" smtClean="0"/>
+              <a:t>timedelta</a:t>
+            </a:r>
+            <a:r>
+              <a:rPr lang="pt-BR" dirty="0" smtClean="0"/>
+              <a:t>(</a:t>
+            </a:r>
+            <a:r>
+              <a:rPr lang="pt-BR" dirty="0" err="1" smtClean="0"/>
+              <a:t>days</a:t>
+            </a:r>
+            <a:r>
+              <a:rPr lang="pt-BR" dirty="0" smtClean="0"/>
+              <a:t>=d, </a:t>
+            </a:r>
+            <a:r>
+              <a:rPr lang="pt-BR" dirty="0" err="1" smtClean="0"/>
+              <a:t>seconds</a:t>
+            </a:r>
+            <a:r>
+              <a:rPr lang="pt-BR" dirty="0" smtClean="0"/>
+              <a:t>=s, </a:t>
+            </a:r>
+            <a:r>
+              <a:rPr lang="pt-BR" dirty="0" err="1" smtClean="0"/>
+              <a:t>microseconds</a:t>
+            </a:r>
+            <a:r>
+              <a:rPr lang="pt-BR" dirty="0" smtClean="0"/>
+              <a:t>=</a:t>
+            </a:r>
+            <a:r>
+              <a:rPr lang="pt-BR" dirty="0" err="1" smtClean="0"/>
+              <a:t>us</a:t>
+            </a:r>
+            <a:r>
+              <a:rPr lang="pt-BR" dirty="0" smtClean="0"/>
+              <a:t>, </a:t>
+            </a:r>
+            <a:r>
+              <a:rPr lang="pt-BR" dirty="0" err="1" smtClean="0"/>
+              <a:t>milliseconds</a:t>
+            </a:r>
+            <a:r>
+              <a:rPr lang="pt-BR" dirty="0" smtClean="0"/>
+              <a:t>=</a:t>
+            </a:r>
+            <a:r>
+              <a:rPr lang="pt-BR" dirty="0" err="1" smtClean="0"/>
+              <a:t>ms</a:t>
+            </a:r>
+            <a:r>
+              <a:rPr lang="pt-BR" dirty="0" smtClean="0"/>
+              <a:t>, minutes=m, hours=h, </a:t>
+            </a:r>
+            <a:r>
+              <a:rPr lang="pt-BR" dirty="0" err="1" smtClean="0"/>
+              <a:t>weeks</a:t>
+            </a:r>
+            <a:r>
+              <a:rPr lang="pt-BR" dirty="0" smtClean="0"/>
+              <a:t>=w)</a:t>
+            </a:r>
+          </a:p>
+          <a:p>
+            <a:r>
+              <a:rPr lang="pt-BR" dirty="0" err="1" smtClean="0"/>
+              <a:t>Timedelta</a:t>
+            </a:r>
+            <a:r>
+              <a:rPr lang="pt-BR" dirty="0" smtClean="0"/>
+              <a:t> é útil quando temos que comparar uma data com um intervalo de tempo</a:t>
             </a:r>
           </a:p>
         </p:txBody>
@@ -12797,7 +12813,7 @@
     </p:spTree>
     <p:extLst>
       <p:ext uri="{BB962C8B-B14F-4D97-AF65-F5344CB8AC3E}">
-        <p14:creationId xmlns:p14="http://schemas.microsoft.com/office/powerpoint/2010/main" val="1998071302"/>
+        <p14:creationId xmlns:p14="http://schemas.microsoft.com/office/powerpoint/2010/main" val="2540543109"/>
       </p:ext>
     </p:extLst>
   </p:cSld>
@@ -12848,7 +12864,7 @@
           <a:p>
             <a:r>
               <a:rPr lang="pt-BR" dirty="0" smtClean="0"/>
-              <a:t>Cronograma</a:t>
+              <a:t>Exercícios</a:t>
             </a:r>
             <a:endParaRPr lang="pt-BR" dirty="0"/>
           </a:p>
@@ -12866,163 +12882,38 @@
         </p:nvSpPr>
         <p:spPr>
           <a:xfrm>
-            <a:off x="628650" y="1418897"/>
-            <a:ext cx="7886700" cy="5087006"/>
+            <a:off x="628650" y="1690689"/>
+            <a:ext cx="7886700" cy="4486274"/>
           </a:xfrm>
         </p:spPr>
         <p:txBody>
           <a:bodyPr>
-            <a:noAutofit/>
+            <a:normAutofit/>
           </a:bodyPr>
           <a:lstStyle/>
           <a:p>
             <a:r>
-              <a:rPr lang="pt-BR" sz="3600" dirty="0" smtClean="0"/>
-              <a:t>Parte II:</a:t>
-            </a:r>
-          </a:p>
-          <a:p>
-            <a:pPr lvl="1"/>
-            <a:r>
-              <a:rPr lang="pt-BR" sz="3600" dirty="0">
-                <a:solidFill>
-                  <a:schemeClr val="tx1">
-                    <a:lumMod val="50000"/>
-                    <a:lumOff val="50000"/>
-                  </a:schemeClr>
-                </a:solidFill>
-              </a:rPr>
-              <a:t>Data e tempo</a:t>
-            </a:r>
-          </a:p>
-          <a:p>
-            <a:pPr lvl="1"/>
-            <a:r>
-              <a:rPr lang="pt-BR" sz="3600" dirty="0">
-                <a:solidFill>
-                  <a:schemeClr val="tx1">
-                    <a:lumMod val="50000"/>
-                    <a:lumOff val="50000"/>
-                  </a:schemeClr>
-                </a:solidFill>
-              </a:rPr>
-              <a:t>Funções</a:t>
-            </a:r>
-          </a:p>
-          <a:p>
-            <a:pPr lvl="1"/>
-            <a:r>
-              <a:rPr lang="pt-BR" sz="3600" dirty="0" smtClean="0"/>
-              <a:t>Modularidade</a:t>
-            </a:r>
-            <a:endParaRPr lang="pt-BR" sz="3600" dirty="0"/>
-          </a:p>
-          <a:p>
-            <a:pPr lvl="1"/>
-            <a:r>
-              <a:rPr lang="pt-BR" sz="3600" dirty="0">
-                <a:solidFill>
-                  <a:schemeClr val="tx1">
-                    <a:lumMod val="50000"/>
-                    <a:lumOff val="50000"/>
-                  </a:schemeClr>
-                </a:solidFill>
-              </a:rPr>
-              <a:t>Arquivos</a:t>
-            </a:r>
-          </a:p>
-          <a:p>
-            <a:pPr lvl="1"/>
-            <a:r>
-              <a:rPr lang="pt-BR" sz="3600" dirty="0" smtClean="0">
-                <a:solidFill>
-                  <a:schemeClr val="tx1">
-                    <a:lumMod val="50000"/>
-                    <a:lumOff val="50000"/>
-                  </a:schemeClr>
-                </a:solidFill>
-              </a:rPr>
-              <a:t>Tratamento de exceções</a:t>
-            </a:r>
-            <a:endParaRPr lang="pt-BR" sz="3600" dirty="0">
-              <a:solidFill>
-                <a:schemeClr val="tx1">
-                  <a:lumMod val="50000"/>
-                  <a:lumOff val="50000"/>
-                </a:schemeClr>
-              </a:solidFill>
-            </a:endParaRPr>
-          </a:p>
-          <a:p>
-            <a:pPr lvl="1"/>
-            <a:r>
-              <a:rPr lang="pt-BR" sz="3600" dirty="0" smtClean="0">
-                <a:solidFill>
-                  <a:schemeClr val="tx1">
-                    <a:lumMod val="50000"/>
-                    <a:lumOff val="50000"/>
-                  </a:schemeClr>
-                </a:solidFill>
-              </a:rPr>
-              <a:t>Classes e objetos</a:t>
-            </a:r>
-          </a:p>
-          <a:p>
-            <a:pPr lvl="1"/>
-            <a:r>
-              <a:rPr lang="pt-BR" sz="3600" dirty="0" smtClean="0">
-                <a:solidFill>
-                  <a:schemeClr val="tx1">
-                    <a:lumMod val="50000"/>
-                    <a:lumOff val="50000"/>
-                  </a:schemeClr>
-                </a:solidFill>
-              </a:rPr>
-              <a:t>Expressões regulares</a:t>
-            </a:r>
-          </a:p>
-          <a:p>
-            <a:pPr lvl="1"/>
-            <a:r>
-              <a:rPr lang="pt-BR" sz="3600" dirty="0" smtClean="0">
-                <a:solidFill>
-                  <a:schemeClr val="tx1">
-                    <a:lumMod val="50000"/>
-                    <a:lumOff val="50000"/>
-                  </a:schemeClr>
-                </a:solidFill>
-              </a:rPr>
-              <a:t>Manipulação de </a:t>
-            </a:r>
-            <a:r>
-              <a:rPr lang="pt-BR" sz="3600" dirty="0">
-                <a:solidFill>
-                  <a:schemeClr val="tx1">
-                    <a:lumMod val="50000"/>
-                    <a:lumOff val="50000"/>
-                  </a:schemeClr>
-                </a:solidFill>
-              </a:rPr>
-              <a:t>a</a:t>
-            </a:r>
-            <a:r>
-              <a:rPr lang="pt-BR" sz="3600" dirty="0" smtClean="0">
-                <a:solidFill>
-                  <a:schemeClr val="tx1">
-                    <a:lumMod val="50000"/>
-                    <a:lumOff val="50000"/>
-                  </a:schemeClr>
-                </a:solidFill>
-              </a:rPr>
-              <a:t>rquivo CSV</a:t>
-            </a:r>
+              <a:rPr lang="pt-BR" dirty="0" smtClean="0"/>
+              <a:t>Calcular quantos dias se passaram desde a data de seu nascimento</a:t>
+            </a:r>
+          </a:p>
+          <a:p>
+            <a:r>
+              <a:rPr lang="pt-BR" dirty="0"/>
+              <a:t>Calcular quantos dias se passaram desde </a:t>
+            </a:r>
+            <a:r>
+              <a:rPr lang="pt-BR" dirty="0" smtClean="0"/>
+              <a:t>o começo do ano</a:t>
+            </a:r>
+            <a:endParaRPr lang="pt-BR" dirty="0" smtClean="0"/>
           </a:p>
         </p:txBody>
       </p:sp>
     </p:spTree>
     <p:extLst>
       <p:ext uri="{BB962C8B-B14F-4D97-AF65-F5344CB8AC3E}">
-        <p14:creationId xmlns:p14="http://schemas.microsoft.com/office/powerpoint/2010/main" val="2098903133"/>
+        <p14:creationId xmlns:p14="http://schemas.microsoft.com/office/powerpoint/2010/main" val="475593468"/>
       </p:ext>
     </p:extLst>
   </p:cSld>
@@ -13123,14 +13014,7 @@
           <a:p>
             <a:pPr lvl="1"/>
             <a:r>
-              <a:rPr lang="pt-BR" sz="3600" dirty="0">
-                <a:solidFill>
-                  <a:schemeClr val="tx1">
-                    <a:lumMod val="50000"/>
-                    <a:lumOff val="50000"/>
-                  </a:schemeClr>
-                </a:solidFill>
-              </a:rPr>
+              <a:rPr lang="pt-BR" sz="3600" dirty="0"/>
               <a:t>Funções</a:t>
             </a:r>
           </a:p>
@@ -13159,7 +13043,14 @@
           <a:p>
             <a:pPr lvl="1"/>
             <a:r>
-              <a:rPr lang="pt-BR" sz="3600" dirty="0"/>
+              <a:rPr lang="pt-BR" sz="3600" dirty="0">
+                <a:solidFill>
+                  <a:schemeClr val="tx1">
+                    <a:lumMod val="50000"/>
+                    <a:lumOff val="50000"/>
+                  </a:schemeClr>
+                </a:solidFill>
+              </a:rPr>
               <a:t>Arquivos</a:t>
             </a:r>
           </a:p>
@@ -13254,7 +13145,7 @@
     </p:spTree>
     <p:extLst>
       <p:ext uri="{BB962C8B-B14F-4D97-AF65-F5344CB8AC3E}">
-        <p14:creationId xmlns:p14="http://schemas.microsoft.com/office/powerpoint/2010/main" val="1399800680"/>
+        <p14:creationId xmlns:p14="http://schemas.microsoft.com/office/powerpoint/2010/main" val="1998071302"/>
       </p:ext>
     </p:extLst>
   </p:cSld>
@@ -13305,7 +13196,7 @@
           <a:p>
             <a:r>
               <a:rPr lang="pt-BR" dirty="0" smtClean="0"/>
-              <a:t>Cronograma</a:t>
+              <a:t>Funções</a:t>
             </a:r>
             <a:endParaRPr lang="pt-BR" dirty="0"/>
           </a:p>
@@ -13323,163 +13214,100 @@
         </p:nvSpPr>
         <p:spPr>
           <a:xfrm>
-            <a:off x="628650" y="1418897"/>
-            <a:ext cx="7886700" cy="5087006"/>
+            <a:off x="628650" y="1690689"/>
+            <a:ext cx="7886700" cy="1176336"/>
           </a:xfrm>
         </p:spPr>
         <p:txBody>
           <a:bodyPr>
-            <a:noAutofit/>
+            <a:normAutofit/>
           </a:bodyPr>
           <a:lstStyle/>
           <a:p>
             <a:r>
-              <a:rPr lang="pt-BR" sz="3600" dirty="0" smtClean="0"/>
-              <a:t>Parte II:</a:t>
-            </a:r>
-          </a:p>
-          <a:p>
-            <a:pPr lvl="1"/>
-            <a:r>
-              <a:rPr lang="pt-BR" sz="3600" dirty="0">
-                <a:solidFill>
-                  <a:schemeClr val="tx1">
-                    <a:lumMod val="50000"/>
-                    <a:lumOff val="50000"/>
-                  </a:schemeClr>
-                </a:solidFill>
-              </a:rPr>
-              <a:t>Data e tempo</a:t>
-            </a:r>
-          </a:p>
-          <a:p>
-            <a:pPr lvl="1"/>
-            <a:r>
-              <a:rPr lang="pt-BR" sz="3600" dirty="0">
-                <a:solidFill>
-                  <a:schemeClr val="tx1">
-                    <a:lumMod val="50000"/>
-                    <a:lumOff val="50000"/>
-                  </a:schemeClr>
-                </a:solidFill>
-              </a:rPr>
-              <a:t>Funções</a:t>
-            </a:r>
-          </a:p>
-          <a:p>
-            <a:pPr lvl="1"/>
-            <a:r>
-              <a:rPr lang="pt-BR" sz="3600" dirty="0" smtClean="0">
-                <a:solidFill>
-                  <a:schemeClr val="tx1">
-                    <a:lumMod val="50000"/>
-                    <a:lumOff val="50000"/>
-                  </a:schemeClr>
-                </a:solidFill>
-              </a:rPr>
-              <a:t>Modularidade</a:t>
-            </a:r>
-            <a:endParaRPr lang="pt-BR" sz="3600" dirty="0">
-              <a:solidFill>
-                <a:schemeClr val="tx1">
-                  <a:lumMod val="50000"/>
-                  <a:lumOff val="50000"/>
-                </a:schemeClr>
-              </a:solidFill>
-            </a:endParaRPr>
-          </a:p>
-          <a:p>
-            <a:pPr lvl="1"/>
-            <a:r>
-              <a:rPr lang="pt-BR" sz="3600" dirty="0">
-                <a:solidFill>
-                  <a:schemeClr val="tx1">
-                    <a:lumMod val="50000"/>
-                    <a:lumOff val="50000"/>
-                  </a:schemeClr>
-                </a:solidFill>
-              </a:rPr>
-              <a:t>Arquivos</a:t>
-            </a:r>
-          </a:p>
-          <a:p>
-            <a:pPr lvl="1"/>
-            <a:r>
-              <a:rPr lang="pt-BR" sz="3600" dirty="0" smtClean="0"/>
-              <a:t>Tratamento de exceções</a:t>
-            </a:r>
-            <a:endParaRPr lang="pt-BR" sz="3600" dirty="0"/>
-          </a:p>
-          <a:p>
-            <a:pPr lvl="1"/>
-            <a:r>
-              <a:rPr lang="pt-BR" sz="3600" dirty="0" smtClean="0">
-                <a:solidFill>
-                  <a:schemeClr val="tx1">
-                    <a:lumMod val="50000"/>
-                    <a:lumOff val="50000"/>
-                  </a:schemeClr>
-                </a:solidFill>
-              </a:rPr>
-              <a:t>Classes e objetos</a:t>
-            </a:r>
-          </a:p>
-          <a:p>
-            <a:pPr lvl="1"/>
-            <a:r>
-              <a:rPr lang="pt-BR" sz="3600" dirty="0" smtClean="0">
-                <a:solidFill>
-                  <a:schemeClr val="tx1">
-                    <a:lumMod val="50000"/>
-                    <a:lumOff val="50000"/>
-                  </a:schemeClr>
-                </a:solidFill>
-              </a:rPr>
-              <a:t>Expressões regulares</a:t>
-            </a:r>
-          </a:p>
-          <a:p>
-            <a:pPr lvl="1"/>
-            <a:r>
-              <a:rPr lang="pt-BR" sz="3600" dirty="0" smtClean="0">
-                <a:solidFill>
-                  <a:schemeClr val="tx1">
-                    <a:lumMod val="50000"/>
-                    <a:lumOff val="50000"/>
-                  </a:schemeClr>
-                </a:solidFill>
-              </a:rPr>
-              <a:t>Manipulação de </a:t>
-            </a:r>
-            <a:r>
-              <a:rPr lang="pt-BR" sz="3600" dirty="0">
-                <a:solidFill>
-                  <a:schemeClr val="tx1">
-                    <a:lumMod val="50000"/>
-                    <a:lumOff val="50000"/>
-                  </a:schemeClr>
-                </a:solidFill>
-              </a:rPr>
-              <a:t>a</a:t>
-            </a:r>
-            <a:r>
-              <a:rPr lang="pt-BR" sz="3600" dirty="0" smtClean="0">
-                <a:solidFill>
-                  <a:schemeClr val="tx1">
-                    <a:lumMod val="50000"/>
-                    <a:lumOff val="50000"/>
-                  </a:schemeClr>
-                </a:solidFill>
-              </a:rPr>
-              <a:t>rquivo CSV</a:t>
-            </a:r>
+              <a:rPr lang="pt-BR" dirty="0" smtClean="0"/>
+              <a:t>Funções são um bloco de instruções definidos e organizado de modo que possa ser reusado</a:t>
+            </a:r>
+          </a:p>
+          <a:p>
+            <a:endParaRPr lang="pt-BR" dirty="0" smtClean="0"/>
+          </a:p>
+        </p:txBody>
+      </p:sp>
+      <p:sp>
+        <p:nvSpPr>
+          <p:cNvPr id="4" name="CaixaDeTexto 3"/>
+          <p:cNvSpPr txBox="1"/>
+          <p:nvPr/>
+        </p:nvSpPr>
+        <p:spPr>
+          <a:xfrm>
+            <a:off x="1181100" y="3097808"/>
+            <a:ext cx="6035498" cy="1569660"/>
+          </a:xfrm>
+          <a:prstGeom prst="rect">
+            <a:avLst/>
+          </a:prstGeom>
+          <a:noFill/>
+        </p:spPr>
+        <p:txBody>
+          <a:bodyPr wrap="none" rtlCol="0">
+            <a:spAutoFit/>
+          </a:bodyPr>
+          <a:lstStyle/>
+          <a:p>
+            <a:r>
+              <a:rPr lang="pt-BR" sz="3200" dirty="0" err="1" smtClean="0"/>
+              <a:t>def</a:t>
+            </a:r>
+            <a:r>
+              <a:rPr lang="pt-BR" sz="3200" dirty="0" smtClean="0"/>
+              <a:t> </a:t>
+            </a:r>
+            <a:r>
+              <a:rPr lang="pt-BR" sz="3200" dirty="0" err="1" smtClean="0"/>
+              <a:t>nome_da_funcao</a:t>
+            </a:r>
+            <a:r>
+              <a:rPr lang="pt-BR" sz="3200" dirty="0" smtClean="0"/>
+              <a:t>(</a:t>
+            </a:r>
+            <a:r>
+              <a:rPr lang="pt-BR" sz="3200" dirty="0" err="1" smtClean="0"/>
+              <a:t>parametros</a:t>
+            </a:r>
+            <a:r>
+              <a:rPr lang="pt-BR" sz="3200" dirty="0" smtClean="0"/>
+              <a:t>):</a:t>
+            </a:r>
+          </a:p>
+          <a:p>
+            <a:r>
+              <a:rPr lang="pt-BR" sz="3200" dirty="0" smtClean="0"/>
+              <a:t>	…código…</a:t>
+            </a:r>
+          </a:p>
+          <a:p>
+            <a:r>
+              <a:rPr lang="pt-BR" sz="3200" dirty="0"/>
+              <a:t>	</a:t>
+            </a:r>
+            <a:r>
+              <a:rPr lang="pt-BR" sz="3200" dirty="0" err="1" smtClean="0"/>
+              <a:t>return</a:t>
+            </a:r>
+            <a:r>
+              <a:rPr lang="pt-BR" sz="3200" dirty="0" smtClean="0"/>
+              <a:t> [expressão]</a:t>
+            </a:r>
+            <a:endParaRPr lang="pt-BR" sz="3200" dirty="0"/>
           </a:p>
         </p:txBody>
       </p:sp>
     </p:spTree>
     <p:extLst>
       <p:ext uri="{BB962C8B-B14F-4D97-AF65-F5344CB8AC3E}">
-        <p14:creationId xmlns:p14="http://schemas.microsoft.com/office/powerpoint/2010/main" val="1462538175"/>
+        <p14:creationId xmlns:p14="http://schemas.microsoft.com/office/powerpoint/2010/main" val="2261728177"/>
       </p:ext>
     </p:extLst>
   </p:cSld>
@@ -13530,7 +13358,7 @@
           <a:p>
             <a:r>
               <a:rPr lang="pt-BR" dirty="0" smtClean="0"/>
-              <a:t>Cronograma</a:t>
+              <a:t>Funções</a:t>
             </a:r>
             <a:endParaRPr lang="pt-BR" dirty="0"/>
           </a:p>
@@ -13548,170 +13376,133 @@
         </p:nvSpPr>
         <p:spPr>
           <a:xfrm>
-            <a:off x="628650" y="1418897"/>
-            <a:ext cx="7886700" cy="5087006"/>
+            <a:off x="628650" y="1690688"/>
+            <a:ext cx="7886700" cy="4405311"/>
           </a:xfrm>
         </p:spPr>
         <p:txBody>
           <a:bodyPr>
-            <a:noAutofit/>
+            <a:normAutofit/>
           </a:bodyPr>
           <a:lstStyle/>
           <a:p>
             <a:r>
-              <a:rPr lang="pt-BR" sz="3600" dirty="0" smtClean="0"/>
-              <a:t>Parte II:</a:t>
-            </a:r>
-          </a:p>
-          <a:p>
-            <a:pPr lvl="1"/>
-            <a:r>
-              <a:rPr lang="pt-BR" sz="3600" dirty="0">
-                <a:solidFill>
-                  <a:schemeClr val="tx1">
-                    <a:lumMod val="50000"/>
-                    <a:lumOff val="50000"/>
-                  </a:schemeClr>
-                </a:solidFill>
-              </a:rPr>
-              <a:t>Data e tempo</a:t>
-            </a:r>
-          </a:p>
-          <a:p>
-            <a:pPr lvl="1"/>
-            <a:r>
-              <a:rPr lang="pt-BR" sz="3600" dirty="0">
-                <a:solidFill>
-                  <a:schemeClr val="tx1">
-                    <a:lumMod val="50000"/>
-                    <a:lumOff val="50000"/>
-                  </a:schemeClr>
-                </a:solidFill>
-              </a:rPr>
-              <a:t>Funções</a:t>
-            </a:r>
-          </a:p>
-          <a:p>
-            <a:pPr lvl="1"/>
-            <a:r>
-              <a:rPr lang="pt-BR" sz="3600" dirty="0" smtClean="0">
-                <a:solidFill>
-                  <a:schemeClr val="tx1">
-                    <a:lumMod val="50000"/>
-                    <a:lumOff val="50000"/>
-                  </a:schemeClr>
-                </a:solidFill>
-              </a:rPr>
-              <a:t>Modularidade</a:t>
-            </a:r>
-            <a:endParaRPr lang="pt-BR" sz="3600" dirty="0">
-              <a:solidFill>
-                <a:schemeClr val="tx1">
-                  <a:lumMod val="50000"/>
-                  <a:lumOff val="50000"/>
-                </a:schemeClr>
-              </a:solidFill>
-            </a:endParaRPr>
-          </a:p>
-          <a:p>
-            <a:pPr lvl="1"/>
-            <a:r>
-              <a:rPr lang="pt-BR" sz="3600" dirty="0">
-                <a:solidFill>
-                  <a:schemeClr val="tx1">
-                    <a:lumMod val="50000"/>
-                    <a:lumOff val="50000"/>
-                  </a:schemeClr>
-                </a:solidFill>
-              </a:rPr>
-              <a:t>Arquivos</a:t>
-            </a:r>
-          </a:p>
-          <a:p>
-            <a:pPr lvl="1"/>
-            <a:r>
-              <a:rPr lang="pt-BR" sz="3600" dirty="0" smtClean="0">
-                <a:solidFill>
-                  <a:schemeClr val="tx1">
-                    <a:lumMod val="50000"/>
-                    <a:lumOff val="50000"/>
-                  </a:schemeClr>
-                </a:solidFill>
-              </a:rPr>
-              <a:t>Tratamento de exceções</a:t>
-            </a:r>
-            <a:endParaRPr lang="pt-BR" sz="3600" dirty="0">
-              <a:solidFill>
-                <a:schemeClr val="tx1">
-                  <a:lumMod val="50000"/>
-                  <a:lumOff val="50000"/>
-                </a:schemeClr>
-              </a:solidFill>
-            </a:endParaRPr>
-          </a:p>
-          <a:p>
-            <a:pPr lvl="1"/>
-            <a:r>
-              <a:rPr lang="pt-BR" sz="3600" dirty="0" smtClean="0"/>
-              <a:t>Classes e objetos</a:t>
-            </a:r>
-          </a:p>
-          <a:p>
-            <a:pPr lvl="1"/>
-            <a:r>
-              <a:rPr lang="pt-BR" sz="3600" dirty="0" smtClean="0">
-                <a:solidFill>
-                  <a:schemeClr val="tx1">
-                    <a:lumMod val="50000"/>
-                    <a:lumOff val="50000"/>
-                  </a:schemeClr>
-                </a:solidFill>
-              </a:rPr>
-              <a:t>Expressões regulares</a:t>
-            </a:r>
-          </a:p>
-          <a:p>
-            <a:pPr lvl="1"/>
-            <a:r>
-              <a:rPr lang="pt-BR" sz="3600" dirty="0" smtClean="0">
-                <a:solidFill>
-                  <a:schemeClr val="tx1">
-                    <a:lumMod val="50000"/>
-                    <a:lumOff val="50000"/>
-                  </a:schemeClr>
-                </a:solidFill>
-              </a:rPr>
-              <a:t>Manipulação de </a:t>
-            </a:r>
-            <a:r>
-              <a:rPr lang="pt-BR" sz="3600" dirty="0">
-                <a:solidFill>
-                  <a:schemeClr val="tx1">
-                    <a:lumMod val="50000"/>
-                    <a:lumOff val="50000"/>
-                  </a:schemeClr>
-                </a:solidFill>
-              </a:rPr>
-              <a:t>a</a:t>
-            </a:r>
-            <a:r>
-              <a:rPr lang="pt-BR" sz="3600" dirty="0" smtClean="0">
-                <a:solidFill>
-                  <a:schemeClr val="tx1">
-                    <a:lumMod val="50000"/>
-                    <a:lumOff val="50000"/>
-                  </a:schemeClr>
-                </a:solidFill>
-              </a:rPr>
-              <a:t>rquivo CSV</a:t>
-            </a:r>
+              <a:rPr lang="pt-BR" dirty="0" smtClean="0"/>
+              <a:t>É possível definir argumentos padrões na chamada da função</a:t>
+            </a:r>
+          </a:p>
+          <a:p>
+            <a:pPr lvl="1"/>
+            <a:r>
+              <a:rPr lang="pt-BR" dirty="0" err="1" smtClean="0"/>
+              <a:t>def</a:t>
+            </a:r>
+            <a:r>
+              <a:rPr lang="pt-BR" dirty="0" smtClean="0"/>
+              <a:t> </a:t>
+            </a:r>
+            <a:r>
+              <a:rPr lang="pt-BR" dirty="0" err="1" smtClean="0"/>
+              <a:t>funcao</a:t>
+            </a:r>
+            <a:r>
+              <a:rPr lang="pt-BR" dirty="0" smtClean="0"/>
+              <a:t>(arg1, arg2=‘</a:t>
+            </a:r>
+            <a:r>
+              <a:rPr lang="pt-BR" dirty="0" err="1" smtClean="0"/>
+              <a:t>Padrao</a:t>
+            </a:r>
+            <a:r>
+              <a:rPr lang="pt-BR" dirty="0" smtClean="0"/>
+              <a:t>’):...</a:t>
+            </a:r>
+          </a:p>
+          <a:p>
+            <a:r>
+              <a:rPr lang="pt-BR" dirty="0" smtClean="0"/>
+              <a:t>Número de argumentos variáveis</a:t>
+            </a:r>
+          </a:p>
+          <a:p>
+            <a:pPr lvl="1"/>
+            <a:r>
+              <a:rPr lang="pt-BR" dirty="0" err="1" smtClean="0"/>
+              <a:t>def</a:t>
+            </a:r>
+            <a:r>
+              <a:rPr lang="pt-BR" dirty="0" smtClean="0"/>
+              <a:t> </a:t>
+            </a:r>
+            <a:r>
+              <a:rPr lang="pt-BR" dirty="0" err="1" smtClean="0"/>
+              <a:t>funcao</a:t>
+            </a:r>
+            <a:r>
+              <a:rPr lang="pt-BR" dirty="0" smtClean="0"/>
+              <a:t>(arg1, *</a:t>
+            </a:r>
+            <a:r>
+              <a:rPr lang="pt-BR" dirty="0" err="1" smtClean="0"/>
+              <a:t>argumentos_variaveis</a:t>
+            </a:r>
+            <a:r>
+              <a:rPr lang="pt-BR" dirty="0" smtClean="0"/>
+              <a:t>)</a:t>
+            </a:r>
+          </a:p>
+          <a:p>
+            <a:r>
+              <a:rPr lang="pt-BR" dirty="0" smtClean="0"/>
+              <a:t>Passar argumentos como “dicionário”</a:t>
+            </a:r>
+          </a:p>
+          <a:p>
+            <a:pPr lvl="1"/>
+            <a:r>
+              <a:rPr lang="pt-BR" dirty="0" err="1" smtClean="0"/>
+              <a:t>def</a:t>
+            </a:r>
+            <a:r>
+              <a:rPr lang="pt-BR" dirty="0" smtClean="0"/>
+              <a:t> </a:t>
+            </a:r>
+            <a:r>
+              <a:rPr lang="pt-BR" dirty="0" err="1" smtClean="0"/>
+              <a:t>funcao</a:t>
+            </a:r>
+            <a:r>
+              <a:rPr lang="pt-BR" dirty="0" smtClean="0"/>
+              <a:t>(arg1, **</a:t>
+            </a:r>
+            <a:r>
+              <a:rPr lang="pt-BR" dirty="0" err="1" smtClean="0"/>
+              <a:t>dic_argumentos</a:t>
+            </a:r>
+            <a:r>
+              <a:rPr lang="pt-BR" dirty="0" smtClean="0"/>
+              <a:t>)</a:t>
+            </a:r>
+          </a:p>
+          <a:p>
+            <a:r>
+              <a:rPr lang="pt-BR" dirty="0" smtClean="0"/>
+              <a:t>Variáveis globais são acessíveis de todas as funções </a:t>
+            </a:r>
+          </a:p>
+          <a:p>
+            <a:r>
+              <a:rPr lang="pt-BR" dirty="0" smtClean="0"/>
+              <a:t>Variáveis locais são acessíveis somente na função</a:t>
+            </a:r>
+            <a:endParaRPr lang="pt-BR" dirty="0" smtClean="0"/>
           </a:p>
         </p:txBody>
       </p:sp>
     </p:spTree>
     <p:extLst>
       <p:ext uri="{BB962C8B-B14F-4D97-AF65-F5344CB8AC3E}">
-        <p14:creationId xmlns:p14="http://schemas.microsoft.com/office/powerpoint/2010/main" val="2844283933"/>
+        <p14:creationId xmlns:p14="http://schemas.microsoft.com/office/powerpoint/2010/main" val="4205097741"/>
       </p:ext>
     </p:extLst>
   </p:cSld>
@@ -13826,7 +13617,15 @@
           <a:p>
             <a:pPr lvl="1"/>
             <a:r>
-              <a:rPr lang="pt-BR" sz="3600" dirty="0" smtClean="0">
+              <a:rPr lang="pt-BR" sz="3600" dirty="0" smtClean="0"/>
+              <a:t>Modularidade</a:t>
+            </a:r>
+            <a:endParaRPr lang="pt-BR" sz="3600" dirty="0"/>
+          </a:p>
+          <a:p>
+            <a:pPr lvl="1"/>
+            <a:r>
+              <a:rPr lang="pt-BR" sz="3600" dirty="0">
                 <a:solidFill>
                   <a:schemeClr val="tx1">
                     <a:lumMod val="50000"/>
@@ -13834,7 +13633,21 @@
                   </a:schemeClr>
                 </a:solidFill>
               </a:rPr>
-              <a:t>Modularidade</a:t>
+              <a:t>Arquivos</a:t>
+            </a:r>
+          </a:p>
+          <a:p>
+            <a:pPr lvl="1"/>
+            <a:r>
+              <a:rPr lang="pt-BR" sz="3600" dirty="0" smtClean="0">
+                <a:solidFill>
+                  <a:schemeClr val="tx1">
+                    <a:lumMod val="50000"/>
+                    <a:lumOff val="50000"/>
+                  </a:schemeClr>
+                </a:solidFill>
+              </a:rPr>
+              <a:t>Tratamento de exceções</a:t>
             </a:r>
             <a:endParaRPr lang="pt-BR" sz="3600" dirty="0">
               <a:solidFill>
@@ -13848,7 +13661,7 @@
           <a:p>
             <a:pPr lvl="1"/>
             <a:r>
-              <a:rPr lang="pt-BR" sz="3600" dirty="0">
+              <a:rPr lang="pt-BR" sz="3600" dirty="0" smtClean="0">
                 <a:solidFill>
                   <a:schemeClr val="tx1">
                     <a:lumMod val="50000"/>
@@ -13856,7 +13669,7 @@
                   </a:schemeClr>
                 </a:solidFill>
               </a:rPr>
-              <a:t>Arquivos</a:t>
+              <a:t>Classes e objetos</a:t>
             </a:r>
           </a:p>
           <a:p>
@@ -13870,16 +13683,8 @@
                   </a:schemeClr>
                 </a:solidFill>
               </a:rPr>
-              <a:t>Tratamento de exceções</a:t>
-            </a:r>
-            <a:endParaRPr lang="pt-BR" sz="3600" dirty="0">
-              <a:solidFill>
-                <a:schemeClr val="tx1">
-                  <a:lumMod val="50000"/>
-                  <a:lumOff val="50000"/>
-                </a:schemeClr>
-              </a:solidFill>
-            </a:endParaRPr>
+              <a:t>Expressões regulares</a:t>
+            </a:r>
           </a:p>
           <a:p>
             <a:pPr lvl="1"/>
@@ -13892,20 +13697,10 @@
                   </a:schemeClr>
                 </a:solidFill>
               </a:rPr>
-              <a:t>Classes e objetos</a:t>
-            </a:r>
-          </a:p>
-          <a:p>
-            <a:pPr lvl="1"/>
-            <a:r>
-              <a:rPr lang="pt-BR" sz="3600" dirty="0" smtClean="0"/>
-              <a:t>Expressões regulares</a:t>
-            </a:r>
-          </a:p>
-          <a:p>
-            <a:pPr lvl="1"/>
-            <a:r>
-              <a:rPr lang="pt-BR" sz="3600" dirty="0" smtClean="0">
+              <a:t>Manipulação de </a:t>
+            </a:r>
+            <a:r>
+              <a:rPr lang="pt-BR" sz="3600" dirty="0">
                 <a:solidFill>
                   <a:schemeClr val="tx1">
                     <a:lumMod val="50000"/>
@@ -13913,10 +13708,10 @@
                   </a:schemeClr>
                 </a:solidFill>
               </a:rPr>
-              <a:t>Manipulação de </a:t>
-            </a:r>
-            <a:r>
-              <a:rPr lang="pt-BR" sz="3600" dirty="0">
+              <a:t>a</a:t>
+            </a:r>
+            <a:r>
+              <a:rPr lang="pt-BR" sz="3600" dirty="0" smtClean="0">
                 <a:solidFill>
                   <a:schemeClr val="tx1">
                     <a:lumMod val="50000"/>
@@ -13924,17 +13719,6 @@
                   </a:schemeClr>
                 </a:solidFill>
               </a:rPr>
-              <a:t>a</a:t>
-            </a:r>
-            <a:r>
-              <a:rPr lang="pt-BR" sz="3600" dirty="0" smtClean="0">
-                <a:solidFill>
-                  <a:schemeClr val="tx1">
-                    <a:lumMod val="50000"/>
-                    <a:lumOff val="50000"/>
-                  </a:schemeClr>
-                </a:solidFill>
-              </a:rPr>
               <a:t>rquivo CSV</a:t>
             </a:r>
           </a:p>
@@ -13943,7 +13727,7 @@
     </p:spTree>
     <p:extLst>
       <p:ext uri="{BB962C8B-B14F-4D97-AF65-F5344CB8AC3E}">
-        <p14:creationId xmlns:p14="http://schemas.microsoft.com/office/powerpoint/2010/main" val="1832392627"/>
+        <p14:creationId xmlns:p14="http://schemas.microsoft.com/office/powerpoint/2010/main" val="2098903133"/>
       </p:ext>
     </p:extLst>
   </p:cSld>
@@ -13994,7 +13778,7 @@
           <a:p>
             <a:r>
               <a:rPr lang="pt-BR" dirty="0" smtClean="0"/>
-              <a:t>Cronograma</a:t>
+              <a:t>Modularidade</a:t>
             </a:r>
             <a:endParaRPr lang="pt-BR" dirty="0"/>
           </a:p>
@@ -14012,156 +13796,24 @@
         </p:nvSpPr>
         <p:spPr>
           <a:xfrm>
-            <a:off x="628650" y="1418897"/>
-            <a:ext cx="7886700" cy="5087006"/>
+            <a:off x="628650" y="1690688"/>
+            <a:ext cx="7886700" cy="4405311"/>
           </a:xfrm>
         </p:spPr>
         <p:txBody>
           <a:bodyPr>
-            <a:noAutofit/>
+            <a:normAutofit/>
           </a:bodyPr>
           <a:lstStyle/>
           <a:p>
-            <a:r>
-              <a:rPr lang="pt-BR" sz="3600" dirty="0" smtClean="0"/>
-              <a:t>Parte II:</a:t>
-            </a:r>
-          </a:p>
-          <a:p>
-            <a:pPr lvl="1"/>
-            <a:r>
-              <a:rPr lang="pt-BR" sz="3600" dirty="0">
-                <a:solidFill>
-                  <a:schemeClr val="tx1">
-                    <a:lumMod val="50000"/>
-                    <a:lumOff val="50000"/>
-                  </a:schemeClr>
-                </a:solidFill>
-              </a:rPr>
-              <a:t>Data e tempo</a:t>
-            </a:r>
-          </a:p>
-          <a:p>
-            <a:pPr lvl="1"/>
-            <a:r>
-              <a:rPr lang="pt-BR" sz="3600" dirty="0">
-                <a:solidFill>
-                  <a:schemeClr val="tx1">
-                    <a:lumMod val="50000"/>
-                    <a:lumOff val="50000"/>
-                  </a:schemeClr>
-                </a:solidFill>
-              </a:rPr>
-              <a:t>Funções</a:t>
-            </a:r>
-          </a:p>
-          <a:p>
-            <a:pPr lvl="1"/>
-            <a:r>
-              <a:rPr lang="pt-BR" sz="3600" dirty="0" smtClean="0">
-                <a:solidFill>
-                  <a:schemeClr val="tx1">
-                    <a:lumMod val="50000"/>
-                    <a:lumOff val="50000"/>
-                  </a:schemeClr>
-                </a:solidFill>
-              </a:rPr>
-              <a:t>Modularidade</a:t>
-            </a:r>
-            <a:endParaRPr lang="pt-BR" sz="3600" dirty="0">
-              <a:solidFill>
-                <a:schemeClr val="tx1">
-                  <a:lumMod val="50000"/>
-                  <a:lumOff val="50000"/>
-                </a:schemeClr>
-              </a:solidFill>
-            </a:endParaRPr>
-          </a:p>
-          <a:p>
-            <a:pPr lvl="1"/>
-            <a:r>
-              <a:rPr lang="pt-BR" sz="3600" dirty="0">
-                <a:solidFill>
-                  <a:schemeClr val="tx1">
-                    <a:lumMod val="50000"/>
-                    <a:lumOff val="50000"/>
-                  </a:schemeClr>
-                </a:solidFill>
-              </a:rPr>
-              <a:t>Arquivos</a:t>
-            </a:r>
-          </a:p>
-          <a:p>
-            <a:pPr lvl="1"/>
-            <a:r>
-              <a:rPr lang="pt-BR" sz="3600" dirty="0" smtClean="0">
-                <a:solidFill>
-                  <a:schemeClr val="tx1">
-                    <a:lumMod val="50000"/>
-                    <a:lumOff val="50000"/>
-                  </a:schemeClr>
-                </a:solidFill>
-              </a:rPr>
-              <a:t>Tratamento de exceções</a:t>
-            </a:r>
-            <a:endParaRPr lang="pt-BR" sz="3600" dirty="0">
-              <a:solidFill>
-                <a:schemeClr val="tx1">
-                  <a:lumMod val="50000"/>
-                  <a:lumOff val="50000"/>
-                </a:schemeClr>
-              </a:solidFill>
-            </a:endParaRPr>
-          </a:p>
-          <a:p>
-            <a:pPr lvl="1"/>
-            <a:r>
-              <a:rPr lang="pt-BR" sz="3600" dirty="0" smtClean="0">
-                <a:solidFill>
-                  <a:schemeClr val="tx1">
-                    <a:lumMod val="50000"/>
-                    <a:lumOff val="50000"/>
-                  </a:schemeClr>
-                </a:solidFill>
-              </a:rPr>
-              <a:t>Classes e objetos</a:t>
-            </a:r>
-          </a:p>
-          <a:p>
-            <a:pPr lvl="1"/>
-            <a:r>
-              <a:rPr lang="pt-BR" sz="3600" dirty="0" smtClean="0">
-                <a:solidFill>
-                  <a:schemeClr val="tx1">
-                    <a:lumMod val="50000"/>
-                    <a:lumOff val="50000"/>
-                  </a:schemeClr>
-                </a:solidFill>
-              </a:rPr>
-              <a:t>Expressões regulares</a:t>
-            </a:r>
-          </a:p>
-          <a:p>
-            <a:pPr lvl="1"/>
-            <a:r>
-              <a:rPr lang="pt-BR" sz="3600" dirty="0" smtClean="0"/>
-              <a:t>Manipulação de </a:t>
-            </a:r>
-            <a:r>
-              <a:rPr lang="pt-BR" sz="3600" dirty="0"/>
-              <a:t>a</a:t>
-            </a:r>
-            <a:r>
-              <a:rPr lang="pt-BR" sz="3600" dirty="0" smtClean="0"/>
-              <a:t>rquivo CSV</a:t>
-            </a:r>
+            <a:endParaRPr lang="pt-BR" dirty="0" smtClean="0"/>
           </a:p>
         </p:txBody>
       </p:sp>
     </p:spTree>
     <p:extLst>
       <p:ext uri="{BB962C8B-B14F-4D97-AF65-F5344CB8AC3E}">
-        <p14:creationId xmlns:p14="http://schemas.microsoft.com/office/powerpoint/2010/main" val="2468608696"/>
+        <p14:creationId xmlns:p14="http://schemas.microsoft.com/office/powerpoint/2010/main" val="561574983"/>
       </p:ext>
     </p:extLst>
   </p:cSld>
@@ -14236,68 +13888,164 @@
         </p:spPr>
         <p:txBody>
           <a:bodyPr>
-            <a:normAutofit/>
+            <a:noAutofit/>
           </a:bodyPr>
           <a:lstStyle/>
           <a:p>
             <a:r>
               <a:rPr lang="pt-BR" sz="3600" dirty="0" smtClean="0"/>
-              <a:t>Parte </a:t>
-            </a:r>
-            <a:r>
-              <a:rPr lang="pt-BR" sz="3600" dirty="0" smtClean="0"/>
-              <a:t>III:</a:t>
-            </a:r>
-          </a:p>
-          <a:p>
-            <a:pPr lvl="1"/>
-            <a:r>
-              <a:rPr lang="pt-BR" sz="3600" dirty="0" err="1" smtClean="0"/>
-              <a:t>Numpy</a:t>
-            </a:r>
-            <a:r>
-              <a:rPr lang="pt-BR" sz="3600" dirty="0" smtClean="0"/>
-              <a:t> – Manipulação de </a:t>
-            </a:r>
-            <a:r>
-              <a:rPr lang="pt-BR" sz="3600" dirty="0" err="1" smtClean="0"/>
-              <a:t>N-arrays</a:t>
-            </a:r>
-            <a:endParaRPr lang="pt-BR" sz="3600" dirty="0" smtClean="0"/>
-          </a:p>
-          <a:p>
-            <a:pPr lvl="1"/>
-            <a:r>
-              <a:rPr lang="pt-BR" sz="3600" dirty="0" smtClean="0"/>
-              <a:t>Pandas – Análise de dados</a:t>
-            </a:r>
-          </a:p>
-          <a:p>
-            <a:pPr lvl="1"/>
-            <a:r>
-              <a:rPr lang="pt-BR" sz="3600" dirty="0" err="1" smtClean="0"/>
-              <a:t>Matplotlib</a:t>
-            </a:r>
-            <a:r>
-              <a:rPr lang="pt-BR" sz="3600" dirty="0" smtClean="0"/>
-              <a:t> – </a:t>
-            </a:r>
-            <a:r>
-              <a:rPr lang="pt-BR" sz="3600" dirty="0" err="1" smtClean="0"/>
-              <a:t>Plot</a:t>
-            </a:r>
-            <a:r>
-              <a:rPr lang="pt-BR" sz="3600" dirty="0" smtClean="0"/>
-              <a:t> de gráficos</a:t>
-            </a:r>
-            <a:endParaRPr lang="pt-BR" sz="3600" dirty="0" smtClean="0"/>
+              <a:t>Parte II:</a:t>
+            </a:r>
+          </a:p>
+          <a:p>
+            <a:pPr lvl="1"/>
+            <a:r>
+              <a:rPr lang="pt-BR" sz="3600" dirty="0">
+                <a:solidFill>
+                  <a:schemeClr val="tx1">
+                    <a:lumMod val="50000"/>
+                    <a:lumOff val="50000"/>
+                  </a:schemeClr>
+                </a:solidFill>
+              </a:rPr>
+              <a:t>Data e tempo</a:t>
+            </a:r>
+          </a:p>
+          <a:p>
+            <a:pPr lvl="1"/>
+            <a:r>
+              <a:rPr lang="pt-BR" sz="3600" dirty="0">
+                <a:solidFill>
+                  <a:schemeClr val="tx1">
+                    <a:lumMod val="50000"/>
+                    <a:lumOff val="50000"/>
+                  </a:schemeClr>
+                </a:solidFill>
+              </a:rPr>
+              <a:t>Funções</a:t>
+            </a:r>
+          </a:p>
+          <a:p>
+            <a:pPr lvl="1"/>
+            <a:r>
+              <a:rPr lang="pt-BR" sz="3600" dirty="0" smtClean="0">
+                <a:solidFill>
+                  <a:schemeClr val="tx1">
+                    <a:lumMod val="50000"/>
+                    <a:lumOff val="50000"/>
+                  </a:schemeClr>
+                </a:solidFill>
+              </a:rPr>
+              <a:t>Modularidade</a:t>
+            </a:r>
+            <a:endParaRPr lang="pt-BR" sz="3600" dirty="0">
+              <a:solidFill>
+                <a:schemeClr val="tx1">
+                  <a:lumMod val="50000"/>
+                  <a:lumOff val="50000"/>
+                </a:schemeClr>
+              </a:solidFill>
+            </a:endParaRPr>
+          </a:p>
+          <a:p>
+            <a:pPr lvl="1"/>
+            <a:r>
+              <a:rPr lang="pt-BR" sz="3600" dirty="0"/>
+              <a:t>Arquivos</a:t>
+            </a:r>
+          </a:p>
+          <a:p>
+            <a:pPr lvl="1"/>
+            <a:r>
+              <a:rPr lang="pt-BR" sz="3600" dirty="0" smtClean="0">
+                <a:solidFill>
+                  <a:schemeClr val="tx1">
+                    <a:lumMod val="50000"/>
+                    <a:lumOff val="50000"/>
+                  </a:schemeClr>
+                </a:solidFill>
+              </a:rPr>
+              <a:t>Tratamento de exceções</a:t>
+            </a:r>
+            <a:endParaRPr lang="pt-BR" sz="3600" dirty="0">
+              <a:solidFill>
+                <a:schemeClr val="tx1">
+                  <a:lumMod val="50000"/>
+                  <a:lumOff val="50000"/>
+                </a:schemeClr>
+              </a:solidFill>
+            </a:endParaRPr>
+          </a:p>
+          <a:p>
+            <a:pPr lvl="1"/>
+            <a:r>
+              <a:rPr lang="pt-BR" sz="3600" dirty="0" smtClean="0">
+                <a:solidFill>
+                  <a:schemeClr val="tx1">
+                    <a:lumMod val="50000"/>
+                    <a:lumOff val="50000"/>
+                  </a:schemeClr>
+                </a:solidFill>
+              </a:rPr>
+              <a:t>Classes e objetos</a:t>
+            </a:r>
+          </a:p>
+          <a:p>
+            <a:pPr lvl="1"/>
+            <a:r>
+              <a:rPr lang="pt-BR" sz="3600" dirty="0" smtClean="0">
+                <a:solidFill>
+                  <a:schemeClr val="tx1">
+                    <a:lumMod val="50000"/>
+                    <a:lumOff val="50000"/>
+                  </a:schemeClr>
+                </a:solidFill>
+              </a:rPr>
+              <a:t>Expressões regulares</a:t>
+            </a:r>
+          </a:p>
+          <a:p>
+            <a:pPr lvl="1"/>
+            <a:r>
+              <a:rPr lang="pt-BR" sz="3600" dirty="0" smtClean="0">
+                <a:solidFill>
+                  <a:schemeClr val="tx1">
+                    <a:lumMod val="50000"/>
+                    <a:lumOff val="50000"/>
+                  </a:schemeClr>
+                </a:solidFill>
+              </a:rPr>
+              <a:t>Manipulação de </a:t>
+            </a:r>
+            <a:r>
+              <a:rPr lang="pt-BR" sz="3600" dirty="0">
+                <a:solidFill>
+                  <a:schemeClr val="tx1">
+                    <a:lumMod val="50000"/>
+                    <a:lumOff val="50000"/>
+                  </a:schemeClr>
+                </a:solidFill>
+              </a:rPr>
+              <a:t>a</a:t>
+            </a:r>
+            <a:r>
+              <a:rPr lang="pt-BR" sz="3600" dirty="0" smtClean="0">
+                <a:solidFill>
+                  <a:schemeClr val="tx1">
+                    <a:lumMod val="50000"/>
+                    <a:lumOff val="50000"/>
+                  </a:schemeClr>
+                </a:solidFill>
+              </a:rPr>
+              <a:t>rquivo CSV</a:t>
+            </a:r>
           </a:p>
         </p:txBody>
       </p:sp>
     </p:spTree>
     <p:extLst>
       <p:ext uri="{BB962C8B-B14F-4D97-AF65-F5344CB8AC3E}">
-        <p14:creationId xmlns:p14="http://schemas.microsoft.com/office/powerpoint/2010/main" val="3429233724"/>
+        <p14:creationId xmlns:p14="http://schemas.microsoft.com/office/powerpoint/2010/main" val="1399800680"/>
       </p:ext>
     </p:extLst>
   </p:cSld>
@@ -14427,6 +14175,1044 @@
     <p:extLst>
       <p:ext uri="{BB962C8B-B14F-4D97-AF65-F5344CB8AC3E}">
         <p14:creationId xmlns:p14="http://schemas.microsoft.com/office/powerpoint/2010/main" val="1857946551"/>
+      </p:ext>
+    </p:extLst>
+  </p:cSld>
+  <p:clrMapOvr>
+    <a:masterClrMapping/>
+  </p:clrMapOvr>
+  <p:timing>
+    <p:tnLst>
+      <p:par>
+        <p:cTn id="1" dur="indefinite" restart="never" nodeType="tmRoot"/>
+      </p:par>
+    </p:tnLst>
+  </p:timing>
+</p:sld>
+</file>
+
+<file path=ppt/slides/slide60.xml><?xml version="1.0" encoding="utf-8"?>
+<p:sld xmlns:a="http://schemas.openxmlformats.org/drawingml/2006/main" xmlns:r="http://schemas.openxmlformats.org/officeDocument/2006/relationships" xmlns:p="http://schemas.openxmlformats.org/presentationml/2006/main">
+  <p:cSld>
+    <p:spTree>
+      <p:nvGrpSpPr>
+        <p:cNvPr id="1" name=""/>
+        <p:cNvGrpSpPr/>
+        <p:nvPr/>
+      </p:nvGrpSpPr>
+      <p:grpSpPr>
+        <a:xfrm>
+          <a:off x="0" y="0"/>
+          <a:ext cx="0" cy="0"/>
+          <a:chOff x="0" y="0"/>
+          <a:chExt cx="0" cy="0"/>
+        </a:xfrm>
+      </p:grpSpPr>
+      <p:sp>
+        <p:nvSpPr>
+          <p:cNvPr id="2" name="Título 1"/>
+          <p:cNvSpPr>
+            <a:spLocks noGrp="1"/>
+          </p:cNvSpPr>
+          <p:nvPr>
+            <p:ph type="title"/>
+          </p:nvPr>
+        </p:nvSpPr>
+        <p:spPr/>
+        <p:txBody>
+          <a:bodyPr/>
+          <a:lstStyle/>
+          <a:p>
+            <a:r>
+              <a:rPr lang="pt-BR" dirty="0" smtClean="0"/>
+              <a:t>Cronograma</a:t>
+            </a:r>
+            <a:endParaRPr lang="pt-BR" dirty="0"/>
+          </a:p>
+        </p:txBody>
+      </p:sp>
+      <p:sp>
+        <p:nvSpPr>
+          <p:cNvPr id="3" name="Espaço Reservado para Conteúdo 2"/>
+          <p:cNvSpPr>
+            <a:spLocks noGrp="1"/>
+          </p:cNvSpPr>
+          <p:nvPr>
+            <p:ph idx="1"/>
+          </p:nvPr>
+        </p:nvSpPr>
+        <p:spPr>
+          <a:xfrm>
+            <a:off x="628650" y="1418897"/>
+            <a:ext cx="7886700" cy="5087006"/>
+          </a:xfrm>
+        </p:spPr>
+        <p:txBody>
+          <a:bodyPr>
+            <a:noAutofit/>
+          </a:bodyPr>
+          <a:lstStyle/>
+          <a:p>
+            <a:r>
+              <a:rPr lang="pt-BR" sz="3600" dirty="0" smtClean="0"/>
+              <a:t>Parte II:</a:t>
+            </a:r>
+          </a:p>
+          <a:p>
+            <a:pPr lvl="1"/>
+            <a:r>
+              <a:rPr lang="pt-BR" sz="3600" dirty="0">
+                <a:solidFill>
+                  <a:schemeClr val="tx1">
+                    <a:lumMod val="50000"/>
+                    <a:lumOff val="50000"/>
+                  </a:schemeClr>
+                </a:solidFill>
+              </a:rPr>
+              <a:t>Data e tempo</a:t>
+            </a:r>
+          </a:p>
+          <a:p>
+            <a:pPr lvl="1"/>
+            <a:r>
+              <a:rPr lang="pt-BR" sz="3600" dirty="0">
+                <a:solidFill>
+                  <a:schemeClr val="tx1">
+                    <a:lumMod val="50000"/>
+                    <a:lumOff val="50000"/>
+                  </a:schemeClr>
+                </a:solidFill>
+              </a:rPr>
+              <a:t>Funções</a:t>
+            </a:r>
+          </a:p>
+          <a:p>
+            <a:pPr lvl="1"/>
+            <a:r>
+              <a:rPr lang="pt-BR" sz="3600" dirty="0" smtClean="0">
+                <a:solidFill>
+                  <a:schemeClr val="tx1">
+                    <a:lumMod val="50000"/>
+                    <a:lumOff val="50000"/>
+                  </a:schemeClr>
+                </a:solidFill>
+              </a:rPr>
+              <a:t>Modularidade</a:t>
+            </a:r>
+            <a:endParaRPr lang="pt-BR" sz="3600" dirty="0">
+              <a:solidFill>
+                <a:schemeClr val="tx1">
+                  <a:lumMod val="50000"/>
+                  <a:lumOff val="50000"/>
+                </a:schemeClr>
+              </a:solidFill>
+            </a:endParaRPr>
+          </a:p>
+          <a:p>
+            <a:pPr lvl="1"/>
+            <a:r>
+              <a:rPr lang="pt-BR" sz="3600" dirty="0">
+                <a:solidFill>
+                  <a:schemeClr val="tx1">
+                    <a:lumMod val="50000"/>
+                    <a:lumOff val="50000"/>
+                  </a:schemeClr>
+                </a:solidFill>
+              </a:rPr>
+              <a:t>Arquivos</a:t>
+            </a:r>
+          </a:p>
+          <a:p>
+            <a:pPr lvl="1"/>
+            <a:r>
+              <a:rPr lang="pt-BR" sz="3600" dirty="0" smtClean="0"/>
+              <a:t>Tratamento de exceções</a:t>
+            </a:r>
+            <a:endParaRPr lang="pt-BR" sz="3600" dirty="0"/>
+          </a:p>
+          <a:p>
+            <a:pPr lvl="1"/>
+            <a:r>
+              <a:rPr lang="pt-BR" sz="3600" dirty="0" smtClean="0">
+                <a:solidFill>
+                  <a:schemeClr val="tx1">
+                    <a:lumMod val="50000"/>
+                    <a:lumOff val="50000"/>
+                  </a:schemeClr>
+                </a:solidFill>
+              </a:rPr>
+              <a:t>Classes e objetos</a:t>
+            </a:r>
+          </a:p>
+          <a:p>
+            <a:pPr lvl="1"/>
+            <a:r>
+              <a:rPr lang="pt-BR" sz="3600" dirty="0" smtClean="0">
+                <a:solidFill>
+                  <a:schemeClr val="tx1">
+                    <a:lumMod val="50000"/>
+                    <a:lumOff val="50000"/>
+                  </a:schemeClr>
+                </a:solidFill>
+              </a:rPr>
+              <a:t>Expressões regulares</a:t>
+            </a:r>
+          </a:p>
+          <a:p>
+            <a:pPr lvl="1"/>
+            <a:r>
+              <a:rPr lang="pt-BR" sz="3600" dirty="0" smtClean="0">
+                <a:solidFill>
+                  <a:schemeClr val="tx1">
+                    <a:lumMod val="50000"/>
+                    <a:lumOff val="50000"/>
+                  </a:schemeClr>
+                </a:solidFill>
+              </a:rPr>
+              <a:t>Manipulação de </a:t>
+            </a:r>
+            <a:r>
+              <a:rPr lang="pt-BR" sz="3600" dirty="0">
+                <a:solidFill>
+                  <a:schemeClr val="tx1">
+                    <a:lumMod val="50000"/>
+                    <a:lumOff val="50000"/>
+                  </a:schemeClr>
+                </a:solidFill>
+              </a:rPr>
+              <a:t>a</a:t>
+            </a:r>
+            <a:r>
+              <a:rPr lang="pt-BR" sz="3600" dirty="0" smtClean="0">
+                <a:solidFill>
+                  <a:schemeClr val="tx1">
+                    <a:lumMod val="50000"/>
+                    <a:lumOff val="50000"/>
+                  </a:schemeClr>
+                </a:solidFill>
+              </a:rPr>
+              <a:t>rquivo CSV</a:t>
+            </a:r>
+          </a:p>
+        </p:txBody>
+      </p:sp>
+    </p:spTree>
+    <p:extLst>
+      <p:ext uri="{BB962C8B-B14F-4D97-AF65-F5344CB8AC3E}">
+        <p14:creationId xmlns:p14="http://schemas.microsoft.com/office/powerpoint/2010/main" val="1462538175"/>
+      </p:ext>
+    </p:extLst>
+  </p:cSld>
+  <p:clrMapOvr>
+    <a:masterClrMapping/>
+  </p:clrMapOvr>
+  <p:timing>
+    <p:tnLst>
+      <p:par>
+        <p:cTn id="1" dur="indefinite" restart="never" nodeType="tmRoot"/>
+      </p:par>
+    </p:tnLst>
+  </p:timing>
+</p:sld>
+</file>
+
+<file path=ppt/slides/slide61.xml><?xml version="1.0" encoding="utf-8"?>
+<p:sld xmlns:a="http://schemas.openxmlformats.org/drawingml/2006/main" xmlns:r="http://schemas.openxmlformats.org/officeDocument/2006/relationships" xmlns:p="http://schemas.openxmlformats.org/presentationml/2006/main">
+  <p:cSld>
+    <p:spTree>
+      <p:nvGrpSpPr>
+        <p:cNvPr id="1" name=""/>
+        <p:cNvGrpSpPr/>
+        <p:nvPr/>
+      </p:nvGrpSpPr>
+      <p:grpSpPr>
+        <a:xfrm>
+          <a:off x="0" y="0"/>
+          <a:ext cx="0" cy="0"/>
+          <a:chOff x="0" y="0"/>
+          <a:chExt cx="0" cy="0"/>
+        </a:xfrm>
+      </p:grpSpPr>
+      <p:sp>
+        <p:nvSpPr>
+          <p:cNvPr id="2" name="Título 1"/>
+          <p:cNvSpPr>
+            <a:spLocks noGrp="1"/>
+          </p:cNvSpPr>
+          <p:nvPr>
+            <p:ph type="title"/>
+          </p:nvPr>
+        </p:nvSpPr>
+        <p:spPr/>
+        <p:txBody>
+          <a:bodyPr/>
+          <a:lstStyle/>
+          <a:p>
+            <a:r>
+              <a:rPr lang="pt-BR" dirty="0" smtClean="0"/>
+              <a:t>Cronograma</a:t>
+            </a:r>
+            <a:endParaRPr lang="pt-BR" dirty="0"/>
+          </a:p>
+        </p:txBody>
+      </p:sp>
+      <p:sp>
+        <p:nvSpPr>
+          <p:cNvPr id="3" name="Espaço Reservado para Conteúdo 2"/>
+          <p:cNvSpPr>
+            <a:spLocks noGrp="1"/>
+          </p:cNvSpPr>
+          <p:nvPr>
+            <p:ph idx="1"/>
+          </p:nvPr>
+        </p:nvSpPr>
+        <p:spPr>
+          <a:xfrm>
+            <a:off x="628650" y="1418897"/>
+            <a:ext cx="7886700" cy="5087006"/>
+          </a:xfrm>
+        </p:spPr>
+        <p:txBody>
+          <a:bodyPr>
+            <a:noAutofit/>
+          </a:bodyPr>
+          <a:lstStyle/>
+          <a:p>
+            <a:r>
+              <a:rPr lang="pt-BR" sz="3600" dirty="0" smtClean="0"/>
+              <a:t>Parte II:</a:t>
+            </a:r>
+          </a:p>
+          <a:p>
+            <a:pPr lvl="1"/>
+            <a:r>
+              <a:rPr lang="pt-BR" sz="3600" dirty="0">
+                <a:solidFill>
+                  <a:schemeClr val="tx1">
+                    <a:lumMod val="50000"/>
+                    <a:lumOff val="50000"/>
+                  </a:schemeClr>
+                </a:solidFill>
+              </a:rPr>
+              <a:t>Data e tempo</a:t>
+            </a:r>
+          </a:p>
+          <a:p>
+            <a:pPr lvl="1"/>
+            <a:r>
+              <a:rPr lang="pt-BR" sz="3600" dirty="0">
+                <a:solidFill>
+                  <a:schemeClr val="tx1">
+                    <a:lumMod val="50000"/>
+                    <a:lumOff val="50000"/>
+                  </a:schemeClr>
+                </a:solidFill>
+              </a:rPr>
+              <a:t>Funções</a:t>
+            </a:r>
+          </a:p>
+          <a:p>
+            <a:pPr lvl="1"/>
+            <a:r>
+              <a:rPr lang="pt-BR" sz="3600" dirty="0" smtClean="0">
+                <a:solidFill>
+                  <a:schemeClr val="tx1">
+                    <a:lumMod val="50000"/>
+                    <a:lumOff val="50000"/>
+                  </a:schemeClr>
+                </a:solidFill>
+              </a:rPr>
+              <a:t>Modularidade</a:t>
+            </a:r>
+            <a:endParaRPr lang="pt-BR" sz="3600" dirty="0">
+              <a:solidFill>
+                <a:schemeClr val="tx1">
+                  <a:lumMod val="50000"/>
+                  <a:lumOff val="50000"/>
+                </a:schemeClr>
+              </a:solidFill>
+            </a:endParaRPr>
+          </a:p>
+          <a:p>
+            <a:pPr lvl="1"/>
+            <a:r>
+              <a:rPr lang="pt-BR" sz="3600" dirty="0">
+                <a:solidFill>
+                  <a:schemeClr val="tx1">
+                    <a:lumMod val="50000"/>
+                    <a:lumOff val="50000"/>
+                  </a:schemeClr>
+                </a:solidFill>
+              </a:rPr>
+              <a:t>Arquivos</a:t>
+            </a:r>
+          </a:p>
+          <a:p>
+            <a:pPr lvl="1"/>
+            <a:r>
+              <a:rPr lang="pt-BR" sz="3600" dirty="0" smtClean="0">
+                <a:solidFill>
+                  <a:schemeClr val="tx1">
+                    <a:lumMod val="50000"/>
+                    <a:lumOff val="50000"/>
+                  </a:schemeClr>
+                </a:solidFill>
+              </a:rPr>
+              <a:t>Tratamento de exceções</a:t>
+            </a:r>
+            <a:endParaRPr lang="pt-BR" sz="3600" dirty="0">
+              <a:solidFill>
+                <a:schemeClr val="tx1">
+                  <a:lumMod val="50000"/>
+                  <a:lumOff val="50000"/>
+                </a:schemeClr>
+              </a:solidFill>
+            </a:endParaRPr>
+          </a:p>
+          <a:p>
+            <a:pPr lvl="1"/>
+            <a:r>
+              <a:rPr lang="pt-BR" sz="3600" dirty="0" smtClean="0"/>
+              <a:t>Classes e objetos</a:t>
+            </a:r>
+          </a:p>
+          <a:p>
+            <a:pPr lvl="1"/>
+            <a:r>
+              <a:rPr lang="pt-BR" sz="3600" dirty="0" smtClean="0">
+                <a:solidFill>
+                  <a:schemeClr val="tx1">
+                    <a:lumMod val="50000"/>
+                    <a:lumOff val="50000"/>
+                  </a:schemeClr>
+                </a:solidFill>
+              </a:rPr>
+              <a:t>Expressões regulares</a:t>
+            </a:r>
+          </a:p>
+          <a:p>
+            <a:pPr lvl="1"/>
+            <a:r>
+              <a:rPr lang="pt-BR" sz="3600" dirty="0" smtClean="0">
+                <a:solidFill>
+                  <a:schemeClr val="tx1">
+                    <a:lumMod val="50000"/>
+                    <a:lumOff val="50000"/>
+                  </a:schemeClr>
+                </a:solidFill>
+              </a:rPr>
+              <a:t>Manipulação de </a:t>
+            </a:r>
+            <a:r>
+              <a:rPr lang="pt-BR" sz="3600" dirty="0">
+                <a:solidFill>
+                  <a:schemeClr val="tx1">
+                    <a:lumMod val="50000"/>
+                    <a:lumOff val="50000"/>
+                  </a:schemeClr>
+                </a:solidFill>
+              </a:rPr>
+              <a:t>a</a:t>
+            </a:r>
+            <a:r>
+              <a:rPr lang="pt-BR" sz="3600" dirty="0" smtClean="0">
+                <a:solidFill>
+                  <a:schemeClr val="tx1">
+                    <a:lumMod val="50000"/>
+                    <a:lumOff val="50000"/>
+                  </a:schemeClr>
+                </a:solidFill>
+              </a:rPr>
+              <a:t>rquivo CSV</a:t>
+            </a:r>
+          </a:p>
+        </p:txBody>
+      </p:sp>
+    </p:spTree>
+    <p:extLst>
+      <p:ext uri="{BB962C8B-B14F-4D97-AF65-F5344CB8AC3E}">
+        <p14:creationId xmlns:p14="http://schemas.microsoft.com/office/powerpoint/2010/main" val="2844283933"/>
+      </p:ext>
+    </p:extLst>
+  </p:cSld>
+  <p:clrMapOvr>
+    <a:masterClrMapping/>
+  </p:clrMapOvr>
+  <p:timing>
+    <p:tnLst>
+      <p:par>
+        <p:cTn id="1" dur="indefinite" restart="never" nodeType="tmRoot"/>
+      </p:par>
+    </p:tnLst>
+  </p:timing>
+</p:sld>
+</file>
+
+<file path=ppt/slides/slide62.xml><?xml version="1.0" encoding="utf-8"?>
+<p:sld xmlns:a="http://schemas.openxmlformats.org/drawingml/2006/main" xmlns:r="http://schemas.openxmlformats.org/officeDocument/2006/relationships" xmlns:p="http://schemas.openxmlformats.org/presentationml/2006/main">
+  <p:cSld>
+    <p:spTree>
+      <p:nvGrpSpPr>
+        <p:cNvPr id="1" name=""/>
+        <p:cNvGrpSpPr/>
+        <p:nvPr/>
+      </p:nvGrpSpPr>
+      <p:grpSpPr>
+        <a:xfrm>
+          <a:off x="0" y="0"/>
+          <a:ext cx="0" cy="0"/>
+          <a:chOff x="0" y="0"/>
+          <a:chExt cx="0" cy="0"/>
+        </a:xfrm>
+      </p:grpSpPr>
+      <p:sp>
+        <p:nvSpPr>
+          <p:cNvPr id="2" name="Título 1"/>
+          <p:cNvSpPr>
+            <a:spLocks noGrp="1"/>
+          </p:cNvSpPr>
+          <p:nvPr>
+            <p:ph type="title"/>
+          </p:nvPr>
+        </p:nvSpPr>
+        <p:spPr/>
+        <p:txBody>
+          <a:bodyPr/>
+          <a:lstStyle/>
+          <a:p>
+            <a:r>
+              <a:rPr lang="pt-BR" dirty="0" smtClean="0"/>
+              <a:t>Cronograma</a:t>
+            </a:r>
+            <a:endParaRPr lang="pt-BR" dirty="0"/>
+          </a:p>
+        </p:txBody>
+      </p:sp>
+      <p:sp>
+        <p:nvSpPr>
+          <p:cNvPr id="3" name="Espaço Reservado para Conteúdo 2"/>
+          <p:cNvSpPr>
+            <a:spLocks noGrp="1"/>
+          </p:cNvSpPr>
+          <p:nvPr>
+            <p:ph idx="1"/>
+          </p:nvPr>
+        </p:nvSpPr>
+        <p:spPr>
+          <a:xfrm>
+            <a:off x="628650" y="1418897"/>
+            <a:ext cx="7886700" cy="5087006"/>
+          </a:xfrm>
+        </p:spPr>
+        <p:txBody>
+          <a:bodyPr>
+            <a:noAutofit/>
+          </a:bodyPr>
+          <a:lstStyle/>
+          <a:p>
+            <a:r>
+              <a:rPr lang="pt-BR" sz="3600" dirty="0" smtClean="0"/>
+              <a:t>Parte II:</a:t>
+            </a:r>
+          </a:p>
+          <a:p>
+            <a:pPr lvl="1"/>
+            <a:r>
+              <a:rPr lang="pt-BR" sz="3600" dirty="0">
+                <a:solidFill>
+                  <a:schemeClr val="tx1">
+                    <a:lumMod val="50000"/>
+                    <a:lumOff val="50000"/>
+                  </a:schemeClr>
+                </a:solidFill>
+              </a:rPr>
+              <a:t>Data e tempo</a:t>
+            </a:r>
+          </a:p>
+          <a:p>
+            <a:pPr lvl="1"/>
+            <a:r>
+              <a:rPr lang="pt-BR" sz="3600" dirty="0">
+                <a:solidFill>
+                  <a:schemeClr val="tx1">
+                    <a:lumMod val="50000"/>
+                    <a:lumOff val="50000"/>
+                  </a:schemeClr>
+                </a:solidFill>
+              </a:rPr>
+              <a:t>Funções</a:t>
+            </a:r>
+          </a:p>
+          <a:p>
+            <a:pPr lvl="1"/>
+            <a:r>
+              <a:rPr lang="pt-BR" sz="3600" dirty="0" smtClean="0">
+                <a:solidFill>
+                  <a:schemeClr val="tx1">
+                    <a:lumMod val="50000"/>
+                    <a:lumOff val="50000"/>
+                  </a:schemeClr>
+                </a:solidFill>
+              </a:rPr>
+              <a:t>Modularidade</a:t>
+            </a:r>
+            <a:endParaRPr lang="pt-BR" sz="3600" dirty="0">
+              <a:solidFill>
+                <a:schemeClr val="tx1">
+                  <a:lumMod val="50000"/>
+                  <a:lumOff val="50000"/>
+                </a:schemeClr>
+              </a:solidFill>
+            </a:endParaRPr>
+          </a:p>
+          <a:p>
+            <a:pPr lvl="1"/>
+            <a:r>
+              <a:rPr lang="pt-BR" sz="3600" dirty="0">
+                <a:solidFill>
+                  <a:schemeClr val="tx1">
+                    <a:lumMod val="50000"/>
+                    <a:lumOff val="50000"/>
+                  </a:schemeClr>
+                </a:solidFill>
+              </a:rPr>
+              <a:t>Arquivos</a:t>
+            </a:r>
+          </a:p>
+          <a:p>
+            <a:pPr lvl="1"/>
+            <a:r>
+              <a:rPr lang="pt-BR" sz="3600" dirty="0" smtClean="0">
+                <a:solidFill>
+                  <a:schemeClr val="tx1">
+                    <a:lumMod val="50000"/>
+                    <a:lumOff val="50000"/>
+                  </a:schemeClr>
+                </a:solidFill>
+              </a:rPr>
+              <a:t>Tratamento de exceções</a:t>
+            </a:r>
+            <a:endParaRPr lang="pt-BR" sz="3600" dirty="0">
+              <a:solidFill>
+                <a:schemeClr val="tx1">
+                  <a:lumMod val="50000"/>
+                  <a:lumOff val="50000"/>
+                </a:schemeClr>
+              </a:solidFill>
+            </a:endParaRPr>
+          </a:p>
+          <a:p>
+            <a:pPr lvl="1"/>
+            <a:r>
+              <a:rPr lang="pt-BR" sz="3600" dirty="0" smtClean="0">
+                <a:solidFill>
+                  <a:schemeClr val="tx1">
+                    <a:lumMod val="50000"/>
+                    <a:lumOff val="50000"/>
+                  </a:schemeClr>
+                </a:solidFill>
+              </a:rPr>
+              <a:t>Classes e objetos</a:t>
+            </a:r>
+          </a:p>
+          <a:p>
+            <a:pPr lvl="1"/>
+            <a:r>
+              <a:rPr lang="pt-BR" sz="3600" dirty="0" smtClean="0"/>
+              <a:t>Expressões regulares</a:t>
+            </a:r>
+          </a:p>
+          <a:p>
+            <a:pPr lvl="1"/>
+            <a:r>
+              <a:rPr lang="pt-BR" sz="3600" dirty="0" smtClean="0">
+                <a:solidFill>
+                  <a:schemeClr val="tx1">
+                    <a:lumMod val="50000"/>
+                    <a:lumOff val="50000"/>
+                  </a:schemeClr>
+                </a:solidFill>
+              </a:rPr>
+              <a:t>Manipulação de </a:t>
+            </a:r>
+            <a:r>
+              <a:rPr lang="pt-BR" sz="3600" dirty="0">
+                <a:solidFill>
+                  <a:schemeClr val="tx1">
+                    <a:lumMod val="50000"/>
+                    <a:lumOff val="50000"/>
+                  </a:schemeClr>
+                </a:solidFill>
+              </a:rPr>
+              <a:t>a</a:t>
+            </a:r>
+            <a:r>
+              <a:rPr lang="pt-BR" sz="3600" dirty="0" smtClean="0">
+                <a:solidFill>
+                  <a:schemeClr val="tx1">
+                    <a:lumMod val="50000"/>
+                    <a:lumOff val="50000"/>
+                  </a:schemeClr>
+                </a:solidFill>
+              </a:rPr>
+              <a:t>rquivo CSV</a:t>
+            </a:r>
+          </a:p>
+        </p:txBody>
+      </p:sp>
+    </p:spTree>
+    <p:extLst>
+      <p:ext uri="{BB962C8B-B14F-4D97-AF65-F5344CB8AC3E}">
+        <p14:creationId xmlns:p14="http://schemas.microsoft.com/office/powerpoint/2010/main" val="1832392627"/>
+      </p:ext>
+    </p:extLst>
+  </p:cSld>
+  <p:clrMapOvr>
+    <a:masterClrMapping/>
+  </p:clrMapOvr>
+  <p:timing>
+    <p:tnLst>
+      <p:par>
+        <p:cTn id="1" dur="indefinite" restart="never" nodeType="tmRoot"/>
+      </p:par>
+    </p:tnLst>
+  </p:timing>
+</p:sld>
+</file>
+
+<file path=ppt/slides/slide63.xml><?xml version="1.0" encoding="utf-8"?>
+<p:sld xmlns:a="http://schemas.openxmlformats.org/drawingml/2006/main" xmlns:r="http://schemas.openxmlformats.org/officeDocument/2006/relationships" xmlns:p="http://schemas.openxmlformats.org/presentationml/2006/main">
+  <p:cSld>
+    <p:spTree>
+      <p:nvGrpSpPr>
+        <p:cNvPr id="1" name=""/>
+        <p:cNvGrpSpPr/>
+        <p:nvPr/>
+      </p:nvGrpSpPr>
+      <p:grpSpPr>
+        <a:xfrm>
+          <a:off x="0" y="0"/>
+          <a:ext cx="0" cy="0"/>
+          <a:chOff x="0" y="0"/>
+          <a:chExt cx="0" cy="0"/>
+        </a:xfrm>
+      </p:grpSpPr>
+      <p:sp>
+        <p:nvSpPr>
+          <p:cNvPr id="2" name="Título 1"/>
+          <p:cNvSpPr>
+            <a:spLocks noGrp="1"/>
+          </p:cNvSpPr>
+          <p:nvPr>
+            <p:ph type="title"/>
+          </p:nvPr>
+        </p:nvSpPr>
+        <p:spPr/>
+        <p:txBody>
+          <a:bodyPr/>
+          <a:lstStyle/>
+          <a:p>
+            <a:r>
+              <a:rPr lang="pt-BR" dirty="0" smtClean="0"/>
+              <a:t>Cronograma</a:t>
+            </a:r>
+            <a:endParaRPr lang="pt-BR" dirty="0"/>
+          </a:p>
+        </p:txBody>
+      </p:sp>
+      <p:sp>
+        <p:nvSpPr>
+          <p:cNvPr id="3" name="Espaço Reservado para Conteúdo 2"/>
+          <p:cNvSpPr>
+            <a:spLocks noGrp="1"/>
+          </p:cNvSpPr>
+          <p:nvPr>
+            <p:ph idx="1"/>
+          </p:nvPr>
+        </p:nvSpPr>
+        <p:spPr>
+          <a:xfrm>
+            <a:off x="628650" y="1418897"/>
+            <a:ext cx="7886700" cy="5087006"/>
+          </a:xfrm>
+        </p:spPr>
+        <p:txBody>
+          <a:bodyPr>
+            <a:noAutofit/>
+          </a:bodyPr>
+          <a:lstStyle/>
+          <a:p>
+            <a:r>
+              <a:rPr lang="pt-BR" sz="3600" dirty="0" smtClean="0"/>
+              <a:t>Parte II:</a:t>
+            </a:r>
+          </a:p>
+          <a:p>
+            <a:pPr lvl="1"/>
+            <a:r>
+              <a:rPr lang="pt-BR" sz="3600" dirty="0">
+                <a:solidFill>
+                  <a:schemeClr val="tx1">
+                    <a:lumMod val="50000"/>
+                    <a:lumOff val="50000"/>
+                  </a:schemeClr>
+                </a:solidFill>
+              </a:rPr>
+              <a:t>Data e tempo</a:t>
+            </a:r>
+          </a:p>
+          <a:p>
+            <a:pPr lvl="1"/>
+            <a:r>
+              <a:rPr lang="pt-BR" sz="3600" dirty="0">
+                <a:solidFill>
+                  <a:schemeClr val="tx1">
+                    <a:lumMod val="50000"/>
+                    <a:lumOff val="50000"/>
+                  </a:schemeClr>
+                </a:solidFill>
+              </a:rPr>
+              <a:t>Funções</a:t>
+            </a:r>
+          </a:p>
+          <a:p>
+            <a:pPr lvl="1"/>
+            <a:r>
+              <a:rPr lang="pt-BR" sz="3600" dirty="0" smtClean="0">
+                <a:solidFill>
+                  <a:schemeClr val="tx1">
+                    <a:lumMod val="50000"/>
+                    <a:lumOff val="50000"/>
+                  </a:schemeClr>
+                </a:solidFill>
+              </a:rPr>
+              <a:t>Modularidade</a:t>
+            </a:r>
+            <a:endParaRPr lang="pt-BR" sz="3600" dirty="0">
+              <a:solidFill>
+                <a:schemeClr val="tx1">
+                  <a:lumMod val="50000"/>
+                  <a:lumOff val="50000"/>
+                </a:schemeClr>
+              </a:solidFill>
+            </a:endParaRPr>
+          </a:p>
+          <a:p>
+            <a:pPr lvl="1"/>
+            <a:r>
+              <a:rPr lang="pt-BR" sz="3600" dirty="0">
+                <a:solidFill>
+                  <a:schemeClr val="tx1">
+                    <a:lumMod val="50000"/>
+                    <a:lumOff val="50000"/>
+                  </a:schemeClr>
+                </a:solidFill>
+              </a:rPr>
+              <a:t>Arquivos</a:t>
+            </a:r>
+          </a:p>
+          <a:p>
+            <a:pPr lvl="1"/>
+            <a:r>
+              <a:rPr lang="pt-BR" sz="3600" dirty="0" smtClean="0">
+                <a:solidFill>
+                  <a:schemeClr val="tx1">
+                    <a:lumMod val="50000"/>
+                    <a:lumOff val="50000"/>
+                  </a:schemeClr>
+                </a:solidFill>
+              </a:rPr>
+              <a:t>Tratamento de exceções</a:t>
+            </a:r>
+            <a:endParaRPr lang="pt-BR" sz="3600" dirty="0">
+              <a:solidFill>
+                <a:schemeClr val="tx1">
+                  <a:lumMod val="50000"/>
+                  <a:lumOff val="50000"/>
+                </a:schemeClr>
+              </a:solidFill>
+            </a:endParaRPr>
+          </a:p>
+          <a:p>
+            <a:pPr lvl="1"/>
+            <a:r>
+              <a:rPr lang="pt-BR" sz="3600" dirty="0" smtClean="0">
+                <a:solidFill>
+                  <a:schemeClr val="tx1">
+                    <a:lumMod val="50000"/>
+                    <a:lumOff val="50000"/>
+                  </a:schemeClr>
+                </a:solidFill>
+              </a:rPr>
+              <a:t>Classes e objetos</a:t>
+            </a:r>
+          </a:p>
+          <a:p>
+            <a:pPr lvl="1"/>
+            <a:r>
+              <a:rPr lang="pt-BR" sz="3600" dirty="0" smtClean="0">
+                <a:solidFill>
+                  <a:schemeClr val="tx1">
+                    <a:lumMod val="50000"/>
+                    <a:lumOff val="50000"/>
+                  </a:schemeClr>
+                </a:solidFill>
+              </a:rPr>
+              <a:t>Expressões regulares</a:t>
+            </a:r>
+          </a:p>
+          <a:p>
+            <a:pPr lvl="1"/>
+            <a:r>
+              <a:rPr lang="pt-BR" sz="3600" dirty="0" smtClean="0"/>
+              <a:t>Manipulação de </a:t>
+            </a:r>
+            <a:r>
+              <a:rPr lang="pt-BR" sz="3600" dirty="0"/>
+              <a:t>a</a:t>
+            </a:r>
+            <a:r>
+              <a:rPr lang="pt-BR" sz="3600" dirty="0" smtClean="0"/>
+              <a:t>rquivo CSV</a:t>
+            </a:r>
+          </a:p>
+        </p:txBody>
+      </p:sp>
+    </p:spTree>
+    <p:extLst>
+      <p:ext uri="{BB962C8B-B14F-4D97-AF65-F5344CB8AC3E}">
+        <p14:creationId xmlns:p14="http://schemas.microsoft.com/office/powerpoint/2010/main" val="2468608696"/>
+      </p:ext>
+    </p:extLst>
+  </p:cSld>
+  <p:clrMapOvr>
+    <a:masterClrMapping/>
+  </p:clrMapOvr>
+  <p:timing>
+    <p:tnLst>
+      <p:par>
+        <p:cTn id="1" dur="indefinite" restart="never" nodeType="tmRoot"/>
+      </p:par>
+    </p:tnLst>
+  </p:timing>
+</p:sld>
+</file>
+
+<file path=ppt/slides/slide64.xml><?xml version="1.0" encoding="utf-8"?>
+<p:sld xmlns:a="http://schemas.openxmlformats.org/drawingml/2006/main" xmlns:r="http://schemas.openxmlformats.org/officeDocument/2006/relationships" xmlns:p="http://schemas.openxmlformats.org/presentationml/2006/main">
+  <p:cSld>
+    <p:spTree>
+      <p:nvGrpSpPr>
+        <p:cNvPr id="1" name=""/>
+        <p:cNvGrpSpPr/>
+        <p:nvPr/>
+      </p:nvGrpSpPr>
+      <p:grpSpPr>
+        <a:xfrm>
+          <a:off x="0" y="0"/>
+          <a:ext cx="0" cy="0"/>
+          <a:chOff x="0" y="0"/>
+          <a:chExt cx="0" cy="0"/>
+        </a:xfrm>
+      </p:grpSpPr>
+      <p:sp>
+        <p:nvSpPr>
+          <p:cNvPr id="2" name="Título 1"/>
+          <p:cNvSpPr>
+            <a:spLocks noGrp="1"/>
+          </p:cNvSpPr>
+          <p:nvPr>
+            <p:ph type="title"/>
+          </p:nvPr>
+        </p:nvSpPr>
+        <p:spPr/>
+        <p:txBody>
+          <a:bodyPr/>
+          <a:lstStyle/>
+          <a:p>
+            <a:r>
+              <a:rPr lang="pt-BR" dirty="0" smtClean="0"/>
+              <a:t>Cronograma</a:t>
+            </a:r>
+            <a:endParaRPr lang="pt-BR" dirty="0"/>
+          </a:p>
+        </p:txBody>
+      </p:sp>
+      <p:sp>
+        <p:nvSpPr>
+          <p:cNvPr id="3" name="Espaço Reservado para Conteúdo 2"/>
+          <p:cNvSpPr>
+            <a:spLocks noGrp="1"/>
+          </p:cNvSpPr>
+          <p:nvPr>
+            <p:ph idx="1"/>
+          </p:nvPr>
+        </p:nvSpPr>
+        <p:spPr>
+          <a:xfrm>
+            <a:off x="628650" y="1418897"/>
+            <a:ext cx="7886700" cy="5087006"/>
+          </a:xfrm>
+        </p:spPr>
+        <p:txBody>
+          <a:bodyPr>
+            <a:normAutofit/>
+          </a:bodyPr>
+          <a:lstStyle/>
+          <a:p>
+            <a:r>
+              <a:rPr lang="pt-BR" sz="3600" dirty="0" smtClean="0"/>
+              <a:t>Parte III:</a:t>
+            </a:r>
+          </a:p>
+          <a:p>
+            <a:pPr lvl="1"/>
+            <a:r>
+              <a:rPr lang="pt-BR" sz="3600" dirty="0" err="1" smtClean="0"/>
+              <a:t>Numpy</a:t>
+            </a:r>
+            <a:r>
+              <a:rPr lang="pt-BR" sz="3600" dirty="0" smtClean="0"/>
+              <a:t> – Manipulação de </a:t>
+            </a:r>
+            <a:r>
+              <a:rPr lang="pt-BR" sz="3600" dirty="0" err="1" smtClean="0"/>
+              <a:t>N-arrays</a:t>
+            </a:r>
+            <a:endParaRPr lang="pt-BR" sz="3600" dirty="0" smtClean="0"/>
+          </a:p>
+          <a:p>
+            <a:pPr lvl="1"/>
+            <a:r>
+              <a:rPr lang="pt-BR" sz="3600" dirty="0" smtClean="0"/>
+              <a:t>Pandas – Análise de dados</a:t>
+            </a:r>
+          </a:p>
+          <a:p>
+            <a:pPr lvl="1"/>
+            <a:r>
+              <a:rPr lang="pt-BR" sz="3600" dirty="0" err="1" smtClean="0"/>
+              <a:t>Matplotlib</a:t>
+            </a:r>
+            <a:r>
+              <a:rPr lang="pt-BR" sz="3600" dirty="0" smtClean="0"/>
+              <a:t> – </a:t>
+            </a:r>
+            <a:r>
+              <a:rPr lang="pt-BR" sz="3600" dirty="0" err="1" smtClean="0"/>
+              <a:t>Plot</a:t>
+            </a:r>
+            <a:r>
+              <a:rPr lang="pt-BR" sz="3600" dirty="0" smtClean="0"/>
+              <a:t> de gráficos</a:t>
+            </a:r>
+          </a:p>
+        </p:txBody>
+      </p:sp>
+    </p:spTree>
+    <p:extLst>
+      <p:ext uri="{BB962C8B-B14F-4D97-AF65-F5344CB8AC3E}">
+        <p14:creationId xmlns:p14="http://schemas.microsoft.com/office/powerpoint/2010/main" val="3429233724"/>
       </p:ext>
     </p:extLst>
   </p:cSld>

--- a/aula.pptx
+++ b/aula.pptx
@@ -63,12 +63,14 @@
     <p:sldId id="322" r:id="rId57"/>
     <p:sldId id="311" r:id="rId58"/>
     <p:sldId id="323" r:id="rId59"/>
-    <p:sldId id="312" r:id="rId60"/>
-    <p:sldId id="313" r:id="rId61"/>
-    <p:sldId id="314" r:id="rId62"/>
-    <p:sldId id="315" r:id="rId63"/>
-    <p:sldId id="316" r:id="rId64"/>
-    <p:sldId id="317" r:id="rId65"/>
+    <p:sldId id="325" r:id="rId60"/>
+    <p:sldId id="324" r:id="rId61"/>
+    <p:sldId id="312" r:id="rId62"/>
+    <p:sldId id="313" r:id="rId63"/>
+    <p:sldId id="314" r:id="rId64"/>
+    <p:sldId id="315" r:id="rId65"/>
+    <p:sldId id="316" r:id="rId66"/>
+    <p:sldId id="317" r:id="rId67"/>
   </p:sldIdLst>
   <p:sldSz cx="9144000" cy="6858000" type="screen4x3"/>
   <p:notesSz cx="6858000" cy="9144000"/>
@@ -12579,11 +12581,7 @@
             </a:r>
             <a:r>
               <a:rPr lang="pt-BR" dirty="0" smtClean="0"/>
-              <a:t>())</a:t>
-            </a:r>
-            <a:r>
-              <a:rPr lang="pt-BR" dirty="0" smtClean="0"/>
-              <a:t>)</a:t>
+              <a:t>()))</a:t>
             </a:r>
           </a:p>
           <a:p>
@@ -12613,7 +12611,6 @@
               <a:rPr lang="pt-BR" dirty="0" smtClean="0"/>
               <a:t>) – dorme por segundos</a:t>
             </a:r>
-            <a:endParaRPr lang="pt-BR" dirty="0" smtClean="0"/>
           </a:p>
         </p:txBody>
       </p:sp>
@@ -12906,7 +12903,6 @@
               <a:rPr lang="pt-BR" dirty="0" smtClean="0"/>
               <a:t>o começo do ano</a:t>
             </a:r>
-            <a:endParaRPr lang="pt-BR" dirty="0" smtClean="0"/>
           </a:p>
         </p:txBody>
       </p:sp>
@@ -13495,7 +13491,6 @@
               <a:rPr lang="pt-BR" dirty="0" smtClean="0"/>
               <a:t>Variáveis locais são acessíveis somente na função</a:t>
             </a:r>
-            <a:endParaRPr lang="pt-BR" dirty="0" smtClean="0"/>
           </a:p>
         </p:txBody>
       </p:sp>
@@ -13797,7 +13792,7 @@
         <p:spPr>
           <a:xfrm>
             <a:off x="628650" y="1690688"/>
-            <a:ext cx="7886700" cy="4405311"/>
+            <a:ext cx="7886700" cy="4689091"/>
           </a:xfrm>
         </p:spPr>
         <p:txBody>
@@ -13806,7 +13801,55 @@
           </a:bodyPr>
           <a:lstStyle/>
           <a:p>
-            <a:endParaRPr lang="pt-BR" dirty="0" smtClean="0"/>
+            <a:r>
+              <a:rPr lang="pt-BR" dirty="0" smtClean="0"/>
+              <a:t>É possível reutilizar um conjunto de funções através de módulos</a:t>
+            </a:r>
+          </a:p>
+          <a:p>
+            <a:r>
+              <a:rPr lang="pt-BR" dirty="0" smtClean="0"/>
+              <a:t>Um módulo é um arquivo com funções relacionadas onde estas podem ser importadas </a:t>
+            </a:r>
+            <a:r>
+              <a:rPr lang="pt-BR" dirty="0" smtClean="0"/>
+              <a:t>em outro código fonte</a:t>
+            </a:r>
+          </a:p>
+          <a:p>
+            <a:r>
+              <a:rPr lang="pt-BR" dirty="0" smtClean="0"/>
+              <a:t>Python busca os módulos na seguinte ordem:</a:t>
+            </a:r>
+          </a:p>
+          <a:p>
+            <a:pPr lvl="1"/>
+            <a:r>
+              <a:rPr lang="pt-BR" dirty="0" smtClean="0"/>
+              <a:t>No diretório do código fonte</a:t>
+            </a:r>
+          </a:p>
+          <a:p>
+            <a:pPr lvl="1"/>
+            <a:r>
+              <a:rPr lang="pt-BR" dirty="0" smtClean="0"/>
+              <a:t>Nos diretórios contidos na variável de </a:t>
+            </a:r>
+            <a:r>
+              <a:rPr lang="pt-BR" dirty="0" err="1" smtClean="0"/>
+              <a:t>ambiante</a:t>
+            </a:r>
+            <a:r>
+              <a:rPr lang="pt-BR" dirty="0" smtClean="0"/>
+              <a:t> PYTHONPATH</a:t>
+            </a:r>
+          </a:p>
+          <a:p>
+            <a:pPr lvl="1"/>
+            <a:r>
+              <a:rPr lang="pt-BR" dirty="0" smtClean="0"/>
+              <a:t>Por último na pasta de instalação do Python</a:t>
+            </a:r>
           </a:p>
         </p:txBody>
       </p:sp>
@@ -13864,7 +13907,7 @@
           <a:p>
             <a:r>
               <a:rPr lang="pt-BR" dirty="0" smtClean="0"/>
-              <a:t>Cronograma</a:t>
+              <a:t>Modularidade</a:t>
             </a:r>
             <a:endParaRPr lang="pt-BR" dirty="0"/>
           </a:p>
@@ -13882,162 +13925,69 @@
         </p:nvSpPr>
         <p:spPr>
           <a:xfrm>
-            <a:off x="628650" y="1418897"/>
-            <a:ext cx="7886700" cy="5087006"/>
+            <a:off x="628650" y="1690688"/>
+            <a:ext cx="7886700" cy="4689091"/>
           </a:xfrm>
         </p:spPr>
         <p:txBody>
           <a:bodyPr>
-            <a:noAutofit/>
+            <a:normAutofit/>
           </a:bodyPr>
           <a:lstStyle/>
           <a:p>
             <a:r>
-              <a:rPr lang="pt-BR" sz="3600" dirty="0" smtClean="0"/>
-              <a:t>Parte II:</a:t>
-            </a:r>
-          </a:p>
-          <a:p>
-            <a:pPr lvl="1"/>
-            <a:r>
-              <a:rPr lang="pt-BR" sz="3600" dirty="0">
-                <a:solidFill>
-                  <a:schemeClr val="tx1">
-                    <a:lumMod val="50000"/>
-                    <a:lumOff val="50000"/>
-                  </a:schemeClr>
-                </a:solidFill>
-              </a:rPr>
-              <a:t>Data e tempo</a:t>
-            </a:r>
-          </a:p>
-          <a:p>
-            <a:pPr lvl="1"/>
-            <a:r>
-              <a:rPr lang="pt-BR" sz="3600" dirty="0">
-                <a:solidFill>
-                  <a:schemeClr val="tx1">
-                    <a:lumMod val="50000"/>
-                    <a:lumOff val="50000"/>
-                  </a:schemeClr>
-                </a:solidFill>
-              </a:rPr>
-              <a:t>Funções</a:t>
-            </a:r>
-          </a:p>
-          <a:p>
-            <a:pPr lvl="1"/>
-            <a:r>
-              <a:rPr lang="pt-BR" sz="3600" dirty="0" smtClean="0">
-                <a:solidFill>
-                  <a:schemeClr val="tx1">
-                    <a:lumMod val="50000"/>
-                    <a:lumOff val="50000"/>
-                  </a:schemeClr>
-                </a:solidFill>
-              </a:rPr>
-              <a:t>Modularidade</a:t>
-            </a:r>
-            <a:endParaRPr lang="pt-BR" sz="3600" dirty="0">
-              <a:solidFill>
-                <a:schemeClr val="tx1">
-                  <a:lumMod val="50000"/>
-                  <a:lumOff val="50000"/>
-                </a:schemeClr>
-              </a:solidFill>
-            </a:endParaRPr>
-          </a:p>
-          <a:p>
-            <a:pPr lvl="1"/>
-            <a:r>
-              <a:rPr lang="pt-BR" sz="3600" dirty="0"/>
-              <a:t>Arquivos</a:t>
-            </a:r>
-          </a:p>
-          <a:p>
-            <a:pPr lvl="1"/>
-            <a:r>
-              <a:rPr lang="pt-BR" sz="3600" dirty="0" smtClean="0">
-                <a:solidFill>
-                  <a:schemeClr val="tx1">
-                    <a:lumMod val="50000"/>
-                    <a:lumOff val="50000"/>
-                  </a:schemeClr>
-                </a:solidFill>
-              </a:rPr>
-              <a:t>Tratamento de exceções</a:t>
-            </a:r>
-            <a:endParaRPr lang="pt-BR" sz="3600" dirty="0">
-              <a:solidFill>
-                <a:schemeClr val="tx1">
-                  <a:lumMod val="50000"/>
-                  <a:lumOff val="50000"/>
-                </a:schemeClr>
-              </a:solidFill>
-            </a:endParaRPr>
-          </a:p>
-          <a:p>
-            <a:pPr lvl="1"/>
-            <a:r>
-              <a:rPr lang="pt-BR" sz="3600" dirty="0" smtClean="0">
-                <a:solidFill>
-                  <a:schemeClr val="tx1">
-                    <a:lumMod val="50000"/>
-                    <a:lumOff val="50000"/>
-                  </a:schemeClr>
-                </a:solidFill>
-              </a:rPr>
-              <a:t>Classes e objetos</a:t>
-            </a:r>
-          </a:p>
-          <a:p>
-            <a:pPr lvl="1"/>
-            <a:r>
-              <a:rPr lang="pt-BR" sz="3600" dirty="0" smtClean="0">
-                <a:solidFill>
-                  <a:schemeClr val="tx1">
-                    <a:lumMod val="50000"/>
-                    <a:lumOff val="50000"/>
-                  </a:schemeClr>
-                </a:solidFill>
-              </a:rPr>
-              <a:t>Expressões regulares</a:t>
-            </a:r>
-          </a:p>
-          <a:p>
-            <a:pPr lvl="1"/>
-            <a:r>
-              <a:rPr lang="pt-BR" sz="3600" dirty="0" smtClean="0">
-                <a:solidFill>
-                  <a:schemeClr val="tx1">
-                    <a:lumMod val="50000"/>
-                    <a:lumOff val="50000"/>
-                  </a:schemeClr>
-                </a:solidFill>
-              </a:rPr>
-              <a:t>Manipulação de </a:t>
-            </a:r>
-            <a:r>
-              <a:rPr lang="pt-BR" sz="3600" dirty="0">
-                <a:solidFill>
-                  <a:schemeClr val="tx1">
-                    <a:lumMod val="50000"/>
-                    <a:lumOff val="50000"/>
-                  </a:schemeClr>
-                </a:solidFill>
-              </a:rPr>
-              <a:t>a</a:t>
-            </a:r>
-            <a:r>
-              <a:rPr lang="pt-BR" sz="3600" dirty="0" smtClean="0">
-                <a:solidFill>
-                  <a:schemeClr val="tx1">
-                    <a:lumMod val="50000"/>
-                    <a:lumOff val="50000"/>
-                  </a:schemeClr>
-                </a:solidFill>
-              </a:rPr>
-              <a:t>rquivo CSV</a:t>
+              <a:rPr lang="pt-BR" dirty="0" err="1" smtClean="0"/>
+              <a:t>dir</a:t>
+            </a:r>
+            <a:r>
+              <a:rPr lang="pt-BR" dirty="0" smtClean="0"/>
+              <a:t>() – lista todos os módulos importados naquele arquivo</a:t>
+            </a:r>
+            <a:endParaRPr lang="pt-BR" dirty="0"/>
+          </a:p>
+          <a:p>
+            <a:r>
+              <a:rPr lang="pt-BR" dirty="0" smtClean="0"/>
+              <a:t>Quando o projeto é separado em diferentes pastas</a:t>
+            </a:r>
+            <a:endParaRPr lang="pt-BR" dirty="0"/>
+          </a:p>
+          <a:p>
+            <a:pPr lvl="1"/>
+            <a:r>
+              <a:rPr lang="pt-BR" dirty="0" err="1" smtClean="0"/>
+              <a:t>MeuProjeto</a:t>
+            </a:r>
+            <a:r>
+              <a:rPr lang="pt-BR" dirty="0" smtClean="0"/>
+              <a:t>/</a:t>
+            </a:r>
+          </a:p>
+          <a:p>
+            <a:pPr lvl="2"/>
+            <a:r>
+              <a:rPr lang="pt-BR" dirty="0" smtClean="0"/>
+              <a:t>Pasta1/funcao_1.py</a:t>
+            </a:r>
+          </a:p>
+          <a:p>
+            <a:pPr lvl="2"/>
+            <a:r>
+              <a:rPr lang="pt-BR" dirty="0" smtClean="0"/>
+              <a:t>Pasta2/funcao_2.py</a:t>
+            </a:r>
+          </a:p>
+          <a:p>
+            <a:pPr lvl="2"/>
+            <a:r>
+              <a:rPr lang="pt-BR" dirty="0" smtClean="0"/>
+              <a:t>funcao_principal.py</a:t>
+            </a:r>
+          </a:p>
+          <a:p>
+            <a:r>
+              <a:rPr lang="pt-BR" dirty="0" smtClean="0"/>
+              <a:t>Todos os diretórios tem que conter o arquivo __init__.py</a:t>
             </a:r>
           </a:p>
         </p:txBody>
@@ -14045,7 +13995,7 @@
     </p:spTree>
     <p:extLst>
       <p:ext uri="{BB962C8B-B14F-4D97-AF65-F5344CB8AC3E}">
-        <p14:creationId xmlns:p14="http://schemas.microsoft.com/office/powerpoint/2010/main" val="1399800680"/>
+        <p14:creationId xmlns:p14="http://schemas.microsoft.com/office/powerpoint/2010/main" val="3093969317"/>
       </p:ext>
     </p:extLst>
   </p:cSld>
@@ -14225,7 +14175,7 @@
           <a:p>
             <a:r>
               <a:rPr lang="pt-BR" dirty="0" smtClean="0"/>
-              <a:t>Cronograma</a:t>
+              <a:t>Exercício</a:t>
             </a:r>
             <a:endParaRPr lang="pt-BR" dirty="0"/>
           </a:p>
@@ -14243,163 +14193,24 @@
         </p:nvSpPr>
         <p:spPr>
           <a:xfrm>
-            <a:off x="628650" y="1418897"/>
-            <a:ext cx="7886700" cy="5087006"/>
+            <a:off x="628650" y="1690688"/>
+            <a:ext cx="7886700" cy="4689091"/>
           </a:xfrm>
         </p:spPr>
         <p:txBody>
           <a:bodyPr>
-            <a:noAutofit/>
+            <a:normAutofit/>
           </a:bodyPr>
           <a:lstStyle/>
           <a:p>
-            <a:r>
-              <a:rPr lang="pt-BR" sz="3600" dirty="0" smtClean="0"/>
-              <a:t>Parte II:</a:t>
-            </a:r>
-          </a:p>
-          <a:p>
-            <a:pPr lvl="1"/>
-            <a:r>
-              <a:rPr lang="pt-BR" sz="3600" dirty="0">
-                <a:solidFill>
-                  <a:schemeClr val="tx1">
-                    <a:lumMod val="50000"/>
-                    <a:lumOff val="50000"/>
-                  </a:schemeClr>
-                </a:solidFill>
-              </a:rPr>
-              <a:t>Data e tempo</a:t>
-            </a:r>
-          </a:p>
-          <a:p>
-            <a:pPr lvl="1"/>
-            <a:r>
-              <a:rPr lang="pt-BR" sz="3600" dirty="0">
-                <a:solidFill>
-                  <a:schemeClr val="tx1">
-                    <a:lumMod val="50000"/>
-                    <a:lumOff val="50000"/>
-                  </a:schemeClr>
-                </a:solidFill>
-              </a:rPr>
-              <a:t>Funções</a:t>
-            </a:r>
-          </a:p>
-          <a:p>
-            <a:pPr lvl="1"/>
-            <a:r>
-              <a:rPr lang="pt-BR" sz="3600" dirty="0" smtClean="0">
-                <a:solidFill>
-                  <a:schemeClr val="tx1">
-                    <a:lumMod val="50000"/>
-                    <a:lumOff val="50000"/>
-                  </a:schemeClr>
-                </a:solidFill>
-              </a:rPr>
-              <a:t>Modularidade</a:t>
-            </a:r>
-            <a:endParaRPr lang="pt-BR" sz="3600" dirty="0">
-              <a:solidFill>
-                <a:schemeClr val="tx1">
-                  <a:lumMod val="50000"/>
-                  <a:lumOff val="50000"/>
-                </a:schemeClr>
-              </a:solidFill>
-            </a:endParaRPr>
-          </a:p>
-          <a:p>
-            <a:pPr lvl="1"/>
-            <a:r>
-              <a:rPr lang="pt-BR" sz="3600" dirty="0">
-                <a:solidFill>
-                  <a:schemeClr val="tx1">
-                    <a:lumMod val="50000"/>
-                    <a:lumOff val="50000"/>
-                  </a:schemeClr>
-                </a:solidFill>
-              </a:rPr>
-              <a:t>Arquivos</a:t>
-            </a:r>
-          </a:p>
-          <a:p>
-            <a:pPr lvl="1"/>
-            <a:r>
-              <a:rPr lang="pt-BR" sz="3600" dirty="0" smtClean="0"/>
-              <a:t>Tratamento de exceções</a:t>
-            </a:r>
-            <a:endParaRPr lang="pt-BR" sz="3600" dirty="0"/>
-          </a:p>
-          <a:p>
-            <a:pPr lvl="1"/>
-            <a:r>
-              <a:rPr lang="pt-BR" sz="3600" dirty="0" smtClean="0">
-                <a:solidFill>
-                  <a:schemeClr val="tx1">
-                    <a:lumMod val="50000"/>
-                    <a:lumOff val="50000"/>
-                  </a:schemeClr>
-                </a:solidFill>
-              </a:rPr>
-              <a:t>Classes e objetos</a:t>
-            </a:r>
-          </a:p>
-          <a:p>
-            <a:pPr lvl="1"/>
-            <a:r>
-              <a:rPr lang="pt-BR" sz="3600" dirty="0" smtClean="0">
-                <a:solidFill>
-                  <a:schemeClr val="tx1">
-                    <a:lumMod val="50000"/>
-                    <a:lumOff val="50000"/>
-                  </a:schemeClr>
-                </a:solidFill>
-              </a:rPr>
-              <a:t>Expressões regulares</a:t>
-            </a:r>
-          </a:p>
-          <a:p>
-            <a:pPr lvl="1"/>
-            <a:r>
-              <a:rPr lang="pt-BR" sz="3600" dirty="0" smtClean="0">
-                <a:solidFill>
-                  <a:schemeClr val="tx1">
-                    <a:lumMod val="50000"/>
-                    <a:lumOff val="50000"/>
-                  </a:schemeClr>
-                </a:solidFill>
-              </a:rPr>
-              <a:t>Manipulação de </a:t>
-            </a:r>
-            <a:r>
-              <a:rPr lang="pt-BR" sz="3600" dirty="0">
-                <a:solidFill>
-                  <a:schemeClr val="tx1">
-                    <a:lumMod val="50000"/>
-                    <a:lumOff val="50000"/>
-                  </a:schemeClr>
-                </a:solidFill>
-              </a:rPr>
-              <a:t>a</a:t>
-            </a:r>
-            <a:r>
-              <a:rPr lang="pt-BR" sz="3600" dirty="0" smtClean="0">
-                <a:solidFill>
-                  <a:schemeClr val="tx1">
-                    <a:lumMod val="50000"/>
-                    <a:lumOff val="50000"/>
-                  </a:schemeClr>
-                </a:solidFill>
-              </a:rPr>
-              <a:t>rquivo CSV</a:t>
-            </a:r>
+            <a:endParaRPr lang="pt-BR" dirty="0" smtClean="0"/>
           </a:p>
         </p:txBody>
       </p:sp>
     </p:spTree>
     <p:extLst>
       <p:ext uri="{BB962C8B-B14F-4D97-AF65-F5344CB8AC3E}">
-        <p14:creationId xmlns:p14="http://schemas.microsoft.com/office/powerpoint/2010/main" val="1462538175"/>
+        <p14:creationId xmlns:p14="http://schemas.microsoft.com/office/powerpoint/2010/main" val="2385167346"/>
       </p:ext>
     </p:extLst>
   </p:cSld>
@@ -14536,14 +14347,7 @@
           <a:p>
             <a:pPr lvl="1"/>
             <a:r>
-              <a:rPr lang="pt-BR" sz="3600" dirty="0">
-                <a:solidFill>
-                  <a:schemeClr val="tx1">
-                    <a:lumMod val="50000"/>
-                    <a:lumOff val="50000"/>
-                  </a:schemeClr>
-                </a:solidFill>
-              </a:rPr>
+              <a:rPr lang="pt-BR" sz="3600" dirty="0"/>
               <a:t>Arquivos</a:t>
             </a:r>
           </a:p>
@@ -14572,13 +14376,6 @@
           <a:p>
             <a:pPr lvl="1"/>
             <a:r>
-              <a:rPr lang="pt-BR" sz="3600" dirty="0" smtClean="0"/>
-              <a:t>Classes e objetos</a:t>
-            </a:r>
-          </a:p>
-          <a:p>
-            <a:pPr lvl="1"/>
-            <a:r>
               <a:rPr lang="pt-BR" sz="3600" dirty="0" smtClean="0">
                 <a:solidFill>
                   <a:schemeClr val="tx1">
@@ -14587,7 +14384,7 @@
                   </a:schemeClr>
                 </a:solidFill>
               </a:rPr>
-              <a:t>Expressões regulares</a:t>
+              <a:t>Classes e objetos</a:t>
             </a:r>
           </a:p>
           <a:p>
@@ -14601,10 +14398,13 @@
                   </a:schemeClr>
                 </a:solidFill>
               </a:rPr>
-              <a:t>Manipulação de </a:t>
-            </a:r>
-            <a:r>
-              <a:rPr lang="pt-BR" sz="3600" dirty="0">
+              <a:t>Expressões regulares</a:t>
+            </a:r>
+          </a:p>
+          <a:p>
+            <a:pPr lvl="1"/>
+            <a:r>
+              <a:rPr lang="pt-BR" sz="3600" dirty="0" smtClean="0">
                 <a:solidFill>
                   <a:schemeClr val="tx1">
                     <a:lumMod val="50000"/>
@@ -14612,10 +14412,10 @@
                   </a:schemeClr>
                 </a:solidFill>
               </a:rPr>
-              <a:t>a</a:t>
-            </a:r>
-            <a:r>
-              <a:rPr lang="pt-BR" sz="3600" dirty="0" smtClean="0">
+              <a:t>Manipulação de </a:t>
+            </a:r>
+            <a:r>
+              <a:rPr lang="pt-BR" sz="3600" dirty="0">
                 <a:solidFill>
                   <a:schemeClr val="tx1">
                     <a:lumMod val="50000"/>
@@ -14623,6 +14423,17 @@
                   </a:schemeClr>
                 </a:solidFill>
               </a:rPr>
+              <a:t>a</a:t>
+            </a:r>
+            <a:r>
+              <a:rPr lang="pt-BR" sz="3600" dirty="0" smtClean="0">
+                <a:solidFill>
+                  <a:schemeClr val="tx1">
+                    <a:lumMod val="50000"/>
+                    <a:lumOff val="50000"/>
+                  </a:schemeClr>
+                </a:solidFill>
+              </a:rPr>
               <a:t>rquivo CSV</a:t>
             </a:r>
           </a:p>
@@ -14631,7 +14442,7 @@
     </p:spTree>
     <p:extLst>
       <p:ext uri="{BB962C8B-B14F-4D97-AF65-F5344CB8AC3E}">
-        <p14:creationId xmlns:p14="http://schemas.microsoft.com/office/powerpoint/2010/main" val="2844283933"/>
+        <p14:creationId xmlns:p14="http://schemas.microsoft.com/office/powerpoint/2010/main" val="1399800680"/>
       </p:ext>
     </p:extLst>
   </p:cSld>
@@ -14782,6 +14593,14 @@
           <a:p>
             <a:pPr lvl="1"/>
             <a:r>
+              <a:rPr lang="pt-BR" sz="3600" dirty="0" smtClean="0"/>
+              <a:t>Tratamento de exceções</a:t>
+            </a:r>
+            <a:endParaRPr lang="pt-BR" sz="3600" dirty="0"/>
+          </a:p>
+          <a:p>
+            <a:pPr lvl="1"/>
+            <a:r>
               <a:rPr lang="pt-BR" sz="3600" dirty="0" smtClean="0">
                 <a:solidFill>
                   <a:schemeClr val="tx1">
@@ -14790,16 +14609,8 @@
                   </a:schemeClr>
                 </a:solidFill>
               </a:rPr>
-              <a:t>Tratamento de exceções</a:t>
-            </a:r>
-            <a:endParaRPr lang="pt-BR" sz="3600" dirty="0">
-              <a:solidFill>
-                <a:schemeClr val="tx1">
-                  <a:lumMod val="50000"/>
-                  <a:lumOff val="50000"/>
-                </a:schemeClr>
-              </a:solidFill>
-            </a:endParaRPr>
+              <a:t>Classes e objetos</a:t>
+            </a:r>
           </a:p>
           <a:p>
             <a:pPr lvl="1"/>
@@ -14812,13 +14623,6 @@
                   </a:schemeClr>
                 </a:solidFill>
               </a:rPr>
-              <a:t>Classes e objetos</a:t>
-            </a:r>
-          </a:p>
-          <a:p>
-            <a:pPr lvl="1"/>
-            <a:r>
-              <a:rPr lang="pt-BR" sz="3600" dirty="0" smtClean="0"/>
               <a:t>Expressões regulares</a:t>
             </a:r>
           </a:p>
@@ -14863,7 +14667,7 @@
     </p:spTree>
     <p:extLst>
       <p:ext uri="{BB962C8B-B14F-4D97-AF65-F5344CB8AC3E}">
-        <p14:creationId xmlns:p14="http://schemas.microsoft.com/office/powerpoint/2010/main" val="1832392627"/>
+        <p14:creationId xmlns:p14="http://schemas.microsoft.com/office/powerpoint/2010/main" val="1462538175"/>
       </p:ext>
     </p:extLst>
   </p:cSld>
@@ -15036,6 +14840,470 @@
           <a:p>
             <a:pPr lvl="1"/>
             <a:r>
+              <a:rPr lang="pt-BR" sz="3600" dirty="0" smtClean="0"/>
+              <a:t>Classes e objetos</a:t>
+            </a:r>
+          </a:p>
+          <a:p>
+            <a:pPr lvl="1"/>
+            <a:r>
+              <a:rPr lang="pt-BR" sz="3600" dirty="0" smtClean="0">
+                <a:solidFill>
+                  <a:schemeClr val="tx1">
+                    <a:lumMod val="50000"/>
+                    <a:lumOff val="50000"/>
+                  </a:schemeClr>
+                </a:solidFill>
+              </a:rPr>
+              <a:t>Expressões regulares</a:t>
+            </a:r>
+          </a:p>
+          <a:p>
+            <a:pPr lvl="1"/>
+            <a:r>
+              <a:rPr lang="pt-BR" sz="3600" dirty="0" smtClean="0">
+                <a:solidFill>
+                  <a:schemeClr val="tx1">
+                    <a:lumMod val="50000"/>
+                    <a:lumOff val="50000"/>
+                  </a:schemeClr>
+                </a:solidFill>
+              </a:rPr>
+              <a:t>Manipulação de </a:t>
+            </a:r>
+            <a:r>
+              <a:rPr lang="pt-BR" sz="3600" dirty="0">
+                <a:solidFill>
+                  <a:schemeClr val="tx1">
+                    <a:lumMod val="50000"/>
+                    <a:lumOff val="50000"/>
+                  </a:schemeClr>
+                </a:solidFill>
+              </a:rPr>
+              <a:t>a</a:t>
+            </a:r>
+            <a:r>
+              <a:rPr lang="pt-BR" sz="3600" dirty="0" smtClean="0">
+                <a:solidFill>
+                  <a:schemeClr val="tx1">
+                    <a:lumMod val="50000"/>
+                    <a:lumOff val="50000"/>
+                  </a:schemeClr>
+                </a:solidFill>
+              </a:rPr>
+              <a:t>rquivo CSV</a:t>
+            </a:r>
+          </a:p>
+        </p:txBody>
+      </p:sp>
+    </p:spTree>
+    <p:extLst>
+      <p:ext uri="{BB962C8B-B14F-4D97-AF65-F5344CB8AC3E}">
+        <p14:creationId xmlns:p14="http://schemas.microsoft.com/office/powerpoint/2010/main" val="2844283933"/>
+      </p:ext>
+    </p:extLst>
+  </p:cSld>
+  <p:clrMapOvr>
+    <a:masterClrMapping/>
+  </p:clrMapOvr>
+  <p:timing>
+    <p:tnLst>
+      <p:par>
+        <p:cTn id="1" dur="indefinite" restart="never" nodeType="tmRoot"/>
+      </p:par>
+    </p:tnLst>
+  </p:timing>
+</p:sld>
+</file>
+
+<file path=ppt/slides/slide64.xml><?xml version="1.0" encoding="utf-8"?>
+<p:sld xmlns:a="http://schemas.openxmlformats.org/drawingml/2006/main" xmlns:r="http://schemas.openxmlformats.org/officeDocument/2006/relationships" xmlns:p="http://schemas.openxmlformats.org/presentationml/2006/main">
+  <p:cSld>
+    <p:spTree>
+      <p:nvGrpSpPr>
+        <p:cNvPr id="1" name=""/>
+        <p:cNvGrpSpPr/>
+        <p:nvPr/>
+      </p:nvGrpSpPr>
+      <p:grpSpPr>
+        <a:xfrm>
+          <a:off x="0" y="0"/>
+          <a:ext cx="0" cy="0"/>
+          <a:chOff x="0" y="0"/>
+          <a:chExt cx="0" cy="0"/>
+        </a:xfrm>
+      </p:grpSpPr>
+      <p:sp>
+        <p:nvSpPr>
+          <p:cNvPr id="2" name="Título 1"/>
+          <p:cNvSpPr>
+            <a:spLocks noGrp="1"/>
+          </p:cNvSpPr>
+          <p:nvPr>
+            <p:ph type="title"/>
+          </p:nvPr>
+        </p:nvSpPr>
+        <p:spPr/>
+        <p:txBody>
+          <a:bodyPr/>
+          <a:lstStyle/>
+          <a:p>
+            <a:r>
+              <a:rPr lang="pt-BR" dirty="0" smtClean="0"/>
+              <a:t>Cronograma</a:t>
+            </a:r>
+            <a:endParaRPr lang="pt-BR" dirty="0"/>
+          </a:p>
+        </p:txBody>
+      </p:sp>
+      <p:sp>
+        <p:nvSpPr>
+          <p:cNvPr id="3" name="Espaço Reservado para Conteúdo 2"/>
+          <p:cNvSpPr>
+            <a:spLocks noGrp="1"/>
+          </p:cNvSpPr>
+          <p:nvPr>
+            <p:ph idx="1"/>
+          </p:nvPr>
+        </p:nvSpPr>
+        <p:spPr>
+          <a:xfrm>
+            <a:off x="628650" y="1418897"/>
+            <a:ext cx="7886700" cy="5087006"/>
+          </a:xfrm>
+        </p:spPr>
+        <p:txBody>
+          <a:bodyPr>
+            <a:noAutofit/>
+          </a:bodyPr>
+          <a:lstStyle/>
+          <a:p>
+            <a:r>
+              <a:rPr lang="pt-BR" sz="3600" dirty="0" smtClean="0"/>
+              <a:t>Parte II:</a:t>
+            </a:r>
+          </a:p>
+          <a:p>
+            <a:pPr lvl="1"/>
+            <a:r>
+              <a:rPr lang="pt-BR" sz="3600" dirty="0">
+                <a:solidFill>
+                  <a:schemeClr val="tx1">
+                    <a:lumMod val="50000"/>
+                    <a:lumOff val="50000"/>
+                  </a:schemeClr>
+                </a:solidFill>
+              </a:rPr>
+              <a:t>Data e tempo</a:t>
+            </a:r>
+          </a:p>
+          <a:p>
+            <a:pPr lvl="1"/>
+            <a:r>
+              <a:rPr lang="pt-BR" sz="3600" dirty="0">
+                <a:solidFill>
+                  <a:schemeClr val="tx1">
+                    <a:lumMod val="50000"/>
+                    <a:lumOff val="50000"/>
+                  </a:schemeClr>
+                </a:solidFill>
+              </a:rPr>
+              <a:t>Funções</a:t>
+            </a:r>
+          </a:p>
+          <a:p>
+            <a:pPr lvl="1"/>
+            <a:r>
+              <a:rPr lang="pt-BR" sz="3600" dirty="0" smtClean="0">
+                <a:solidFill>
+                  <a:schemeClr val="tx1">
+                    <a:lumMod val="50000"/>
+                    <a:lumOff val="50000"/>
+                  </a:schemeClr>
+                </a:solidFill>
+              </a:rPr>
+              <a:t>Modularidade</a:t>
+            </a:r>
+            <a:endParaRPr lang="pt-BR" sz="3600" dirty="0">
+              <a:solidFill>
+                <a:schemeClr val="tx1">
+                  <a:lumMod val="50000"/>
+                  <a:lumOff val="50000"/>
+                </a:schemeClr>
+              </a:solidFill>
+            </a:endParaRPr>
+          </a:p>
+          <a:p>
+            <a:pPr lvl="1"/>
+            <a:r>
+              <a:rPr lang="pt-BR" sz="3600" dirty="0">
+                <a:solidFill>
+                  <a:schemeClr val="tx1">
+                    <a:lumMod val="50000"/>
+                    <a:lumOff val="50000"/>
+                  </a:schemeClr>
+                </a:solidFill>
+              </a:rPr>
+              <a:t>Arquivos</a:t>
+            </a:r>
+          </a:p>
+          <a:p>
+            <a:pPr lvl="1"/>
+            <a:r>
+              <a:rPr lang="pt-BR" sz="3600" dirty="0" smtClean="0">
+                <a:solidFill>
+                  <a:schemeClr val="tx1">
+                    <a:lumMod val="50000"/>
+                    <a:lumOff val="50000"/>
+                  </a:schemeClr>
+                </a:solidFill>
+              </a:rPr>
+              <a:t>Tratamento de exceções</a:t>
+            </a:r>
+            <a:endParaRPr lang="pt-BR" sz="3600" dirty="0">
+              <a:solidFill>
+                <a:schemeClr val="tx1">
+                  <a:lumMod val="50000"/>
+                  <a:lumOff val="50000"/>
+                </a:schemeClr>
+              </a:solidFill>
+            </a:endParaRPr>
+          </a:p>
+          <a:p>
+            <a:pPr lvl="1"/>
+            <a:r>
+              <a:rPr lang="pt-BR" sz="3600" dirty="0" smtClean="0">
+                <a:solidFill>
+                  <a:schemeClr val="tx1">
+                    <a:lumMod val="50000"/>
+                    <a:lumOff val="50000"/>
+                  </a:schemeClr>
+                </a:solidFill>
+              </a:rPr>
+              <a:t>Classes e objetos</a:t>
+            </a:r>
+          </a:p>
+          <a:p>
+            <a:pPr lvl="1"/>
+            <a:r>
+              <a:rPr lang="pt-BR" sz="3600" dirty="0" smtClean="0"/>
+              <a:t>Expressões regulares</a:t>
+            </a:r>
+          </a:p>
+          <a:p>
+            <a:pPr lvl="1"/>
+            <a:r>
+              <a:rPr lang="pt-BR" sz="3600" dirty="0" smtClean="0">
+                <a:solidFill>
+                  <a:schemeClr val="tx1">
+                    <a:lumMod val="50000"/>
+                    <a:lumOff val="50000"/>
+                  </a:schemeClr>
+                </a:solidFill>
+              </a:rPr>
+              <a:t>Manipulação de </a:t>
+            </a:r>
+            <a:r>
+              <a:rPr lang="pt-BR" sz="3600" dirty="0">
+                <a:solidFill>
+                  <a:schemeClr val="tx1">
+                    <a:lumMod val="50000"/>
+                    <a:lumOff val="50000"/>
+                  </a:schemeClr>
+                </a:solidFill>
+              </a:rPr>
+              <a:t>a</a:t>
+            </a:r>
+            <a:r>
+              <a:rPr lang="pt-BR" sz="3600" dirty="0" smtClean="0">
+                <a:solidFill>
+                  <a:schemeClr val="tx1">
+                    <a:lumMod val="50000"/>
+                    <a:lumOff val="50000"/>
+                  </a:schemeClr>
+                </a:solidFill>
+              </a:rPr>
+              <a:t>rquivo CSV</a:t>
+            </a:r>
+          </a:p>
+        </p:txBody>
+      </p:sp>
+    </p:spTree>
+    <p:extLst>
+      <p:ext uri="{BB962C8B-B14F-4D97-AF65-F5344CB8AC3E}">
+        <p14:creationId xmlns:p14="http://schemas.microsoft.com/office/powerpoint/2010/main" val="1832392627"/>
+      </p:ext>
+    </p:extLst>
+  </p:cSld>
+  <p:clrMapOvr>
+    <a:masterClrMapping/>
+  </p:clrMapOvr>
+  <p:timing>
+    <p:tnLst>
+      <p:par>
+        <p:cTn id="1" dur="indefinite" restart="never" nodeType="tmRoot"/>
+      </p:par>
+    </p:tnLst>
+  </p:timing>
+</p:sld>
+</file>
+
+<file path=ppt/slides/slide65.xml><?xml version="1.0" encoding="utf-8"?>
+<p:sld xmlns:a="http://schemas.openxmlformats.org/drawingml/2006/main" xmlns:r="http://schemas.openxmlformats.org/officeDocument/2006/relationships" xmlns:p="http://schemas.openxmlformats.org/presentationml/2006/main">
+  <p:cSld>
+    <p:spTree>
+      <p:nvGrpSpPr>
+        <p:cNvPr id="1" name=""/>
+        <p:cNvGrpSpPr/>
+        <p:nvPr/>
+      </p:nvGrpSpPr>
+      <p:grpSpPr>
+        <a:xfrm>
+          <a:off x="0" y="0"/>
+          <a:ext cx="0" cy="0"/>
+          <a:chOff x="0" y="0"/>
+          <a:chExt cx="0" cy="0"/>
+        </a:xfrm>
+      </p:grpSpPr>
+      <p:sp>
+        <p:nvSpPr>
+          <p:cNvPr id="2" name="Título 1"/>
+          <p:cNvSpPr>
+            <a:spLocks noGrp="1"/>
+          </p:cNvSpPr>
+          <p:nvPr>
+            <p:ph type="title"/>
+          </p:nvPr>
+        </p:nvSpPr>
+        <p:spPr/>
+        <p:txBody>
+          <a:bodyPr/>
+          <a:lstStyle/>
+          <a:p>
+            <a:r>
+              <a:rPr lang="pt-BR" dirty="0" smtClean="0"/>
+              <a:t>Cronograma</a:t>
+            </a:r>
+            <a:endParaRPr lang="pt-BR" dirty="0"/>
+          </a:p>
+        </p:txBody>
+      </p:sp>
+      <p:sp>
+        <p:nvSpPr>
+          <p:cNvPr id="3" name="Espaço Reservado para Conteúdo 2"/>
+          <p:cNvSpPr>
+            <a:spLocks noGrp="1"/>
+          </p:cNvSpPr>
+          <p:nvPr>
+            <p:ph idx="1"/>
+          </p:nvPr>
+        </p:nvSpPr>
+        <p:spPr>
+          <a:xfrm>
+            <a:off x="628650" y="1418897"/>
+            <a:ext cx="7886700" cy="5087006"/>
+          </a:xfrm>
+        </p:spPr>
+        <p:txBody>
+          <a:bodyPr>
+            <a:noAutofit/>
+          </a:bodyPr>
+          <a:lstStyle/>
+          <a:p>
+            <a:r>
+              <a:rPr lang="pt-BR" sz="3600" dirty="0" smtClean="0"/>
+              <a:t>Parte II:</a:t>
+            </a:r>
+          </a:p>
+          <a:p>
+            <a:pPr lvl="1"/>
+            <a:r>
+              <a:rPr lang="pt-BR" sz="3600" dirty="0">
+                <a:solidFill>
+                  <a:schemeClr val="tx1">
+                    <a:lumMod val="50000"/>
+                    <a:lumOff val="50000"/>
+                  </a:schemeClr>
+                </a:solidFill>
+              </a:rPr>
+              <a:t>Data e tempo</a:t>
+            </a:r>
+          </a:p>
+          <a:p>
+            <a:pPr lvl="1"/>
+            <a:r>
+              <a:rPr lang="pt-BR" sz="3600" dirty="0">
+                <a:solidFill>
+                  <a:schemeClr val="tx1">
+                    <a:lumMod val="50000"/>
+                    <a:lumOff val="50000"/>
+                  </a:schemeClr>
+                </a:solidFill>
+              </a:rPr>
+              <a:t>Funções</a:t>
+            </a:r>
+          </a:p>
+          <a:p>
+            <a:pPr lvl="1"/>
+            <a:r>
+              <a:rPr lang="pt-BR" sz="3600" dirty="0" smtClean="0">
+                <a:solidFill>
+                  <a:schemeClr val="tx1">
+                    <a:lumMod val="50000"/>
+                    <a:lumOff val="50000"/>
+                  </a:schemeClr>
+                </a:solidFill>
+              </a:rPr>
+              <a:t>Modularidade</a:t>
+            </a:r>
+            <a:endParaRPr lang="pt-BR" sz="3600" dirty="0">
+              <a:solidFill>
+                <a:schemeClr val="tx1">
+                  <a:lumMod val="50000"/>
+                  <a:lumOff val="50000"/>
+                </a:schemeClr>
+              </a:solidFill>
+            </a:endParaRPr>
+          </a:p>
+          <a:p>
+            <a:pPr lvl="1"/>
+            <a:r>
+              <a:rPr lang="pt-BR" sz="3600" dirty="0">
+                <a:solidFill>
+                  <a:schemeClr val="tx1">
+                    <a:lumMod val="50000"/>
+                    <a:lumOff val="50000"/>
+                  </a:schemeClr>
+                </a:solidFill>
+              </a:rPr>
+              <a:t>Arquivos</a:t>
+            </a:r>
+          </a:p>
+          <a:p>
+            <a:pPr lvl="1"/>
+            <a:r>
+              <a:rPr lang="pt-BR" sz="3600" dirty="0" smtClean="0">
+                <a:solidFill>
+                  <a:schemeClr val="tx1">
+                    <a:lumMod val="50000"/>
+                    <a:lumOff val="50000"/>
+                  </a:schemeClr>
+                </a:solidFill>
+              </a:rPr>
+              <a:t>Tratamento de exceções</a:t>
+            </a:r>
+            <a:endParaRPr lang="pt-BR" sz="3600" dirty="0">
+              <a:solidFill>
+                <a:schemeClr val="tx1">
+                  <a:lumMod val="50000"/>
+                  <a:lumOff val="50000"/>
+                </a:schemeClr>
+              </a:solidFill>
+            </a:endParaRPr>
+          </a:p>
+          <a:p>
+            <a:pPr lvl="1"/>
+            <a:r>
               <a:rPr lang="pt-BR" sz="3600" dirty="0" smtClean="0">
                 <a:solidFill>
                   <a:schemeClr val="tx1">
@@ -15098,7 +15366,7 @@
 </p:sld>
 </file>
 
-<file path=ppt/slides/slide64.xml><?xml version="1.0" encoding="utf-8"?>
+<file path=ppt/slides/slide66.xml><?xml version="1.0" encoding="utf-8"?>
 <p:sld xmlns:a="http://schemas.openxmlformats.org/drawingml/2006/main" xmlns:r="http://schemas.openxmlformats.org/officeDocument/2006/relationships" xmlns:p="http://schemas.openxmlformats.org/presentationml/2006/main">
   <p:cSld>
     <p:spTree>

--- a/aula.pptx
+++ b/aula.pptx
@@ -7,7 +7,7 @@
   <p:sldIdLst>
     <p:sldId id="256" r:id="rId2"/>
     <p:sldId id="257" r:id="rId3"/>
-    <p:sldId id="260" r:id="rId4"/>
+    <p:sldId id="334" r:id="rId4"/>
     <p:sldId id="261" r:id="rId5"/>
     <p:sldId id="262" r:id="rId6"/>
     <p:sldId id="258" r:id="rId7"/>
@@ -54,23 +54,24 @@
     <p:sldId id="291" r:id="rId48"/>
     <p:sldId id="292" r:id="rId49"/>
     <p:sldId id="295" r:id="rId50"/>
-    <p:sldId id="296" r:id="rId51"/>
+    <p:sldId id="333" r:id="rId51"/>
     <p:sldId id="297" r:id="rId52"/>
     <p:sldId id="320" r:id="rId53"/>
     <p:sldId id="319" r:id="rId54"/>
-    <p:sldId id="310" r:id="rId55"/>
+    <p:sldId id="332" r:id="rId55"/>
     <p:sldId id="321" r:id="rId56"/>
     <p:sldId id="322" r:id="rId57"/>
-    <p:sldId id="311" r:id="rId58"/>
+    <p:sldId id="331" r:id="rId58"/>
     <p:sldId id="323" r:id="rId59"/>
     <p:sldId id="325" r:id="rId60"/>
     <p:sldId id="324" r:id="rId61"/>
-    <p:sldId id="312" r:id="rId62"/>
-    <p:sldId id="313" r:id="rId63"/>
-    <p:sldId id="314" r:id="rId64"/>
-    <p:sldId id="315" r:id="rId65"/>
-    <p:sldId id="316" r:id="rId66"/>
-    <p:sldId id="317" r:id="rId67"/>
+    <p:sldId id="330" r:id="rId62"/>
+    <p:sldId id="326" r:id="rId63"/>
+    <p:sldId id="327" r:id="rId64"/>
+    <p:sldId id="328" r:id="rId65"/>
+    <p:sldId id="329" r:id="rId66"/>
+    <p:sldId id="313" r:id="rId67"/>
+    <p:sldId id="317" r:id="rId68"/>
   </p:sldIdLst>
   <p:sldSz cx="9144000" cy="6858000" type="screen4x3"/>
   <p:notesSz cx="6858000" cy="9144000"/>
@@ -8335,53 +8336,51 @@
           <a:p>
             <a:pPr lvl="1"/>
             <a:r>
+              <a:rPr lang="pt-BR" sz="3600" dirty="0" smtClean="0"/>
+              <a:t>Arquivos</a:t>
+            </a:r>
+          </a:p>
+          <a:p>
+            <a:pPr lvl="1"/>
+            <a:r>
               <a:rPr lang="pt-BR" sz="3600" dirty="0"/>
-              <a:t>Arquivos</a:t>
-            </a:r>
-          </a:p>
-          <a:p>
-            <a:pPr lvl="1"/>
+              <a:t>Manipulação de arquivo </a:t>
+            </a:r>
             <a:r>
               <a:rPr lang="pt-BR" sz="3600" dirty="0" smtClean="0"/>
-              <a:t>Tratamento de exceções</a:t>
+              <a:t>CSV</a:t>
+            </a:r>
+          </a:p>
+          <a:p>
+            <a:pPr lvl="1"/>
+            <a:r>
+              <a:rPr lang="pt-BR" sz="3600" dirty="0" smtClean="0"/>
+              <a:t>Tratamento </a:t>
+            </a:r>
+            <a:r>
+              <a:rPr lang="pt-BR" sz="3600" dirty="0" smtClean="0"/>
+              <a:t>de exceções</a:t>
             </a:r>
             <a:endParaRPr lang="pt-BR" sz="3600" dirty="0"/>
           </a:p>
           <a:p>
             <a:pPr lvl="1"/>
             <a:r>
+              <a:rPr lang="pt-BR" sz="3600" smtClean="0"/>
+              <a:t>Orientação a </a:t>
+            </a:r>
+            <a:r>
               <a:rPr lang="pt-BR" sz="3600" dirty="0" smtClean="0"/>
-              <a:t>Classes e objetos</a:t>
-            </a:r>
-          </a:p>
-          <a:p>
-            <a:pPr lvl="1"/>
-            <a:r>
-              <a:rPr lang="pt-BR" sz="3600" dirty="0" smtClean="0"/>
-              <a:t>Expressões regulares</a:t>
-            </a:r>
-          </a:p>
-          <a:p>
-            <a:pPr lvl="1"/>
-            <a:r>
-              <a:rPr lang="pt-BR" sz="3600" dirty="0" smtClean="0"/>
-              <a:t>Manipulação de </a:t>
-            </a:r>
-            <a:r>
-              <a:rPr lang="pt-BR" sz="3600" dirty="0"/>
-              <a:t>a</a:t>
-            </a:r>
-            <a:r>
-              <a:rPr lang="pt-BR" sz="3600" dirty="0" smtClean="0"/>
-              <a:t>rquivo CSV</a:t>
-            </a:r>
+              <a:t>objetos</a:t>
+            </a:r>
+            <a:endParaRPr lang="pt-BR" sz="3600" dirty="0" smtClean="0"/>
           </a:p>
         </p:txBody>
       </p:sp>
     </p:spTree>
     <p:extLst>
       <p:ext uri="{BB962C8B-B14F-4D97-AF65-F5344CB8AC3E}">
-        <p14:creationId xmlns:p14="http://schemas.microsoft.com/office/powerpoint/2010/main" val="3905123954"/>
+        <p14:creationId xmlns:p14="http://schemas.microsoft.com/office/powerpoint/2010/main" val="962965406"/>
       </p:ext>
     </p:extLst>
   </p:cSld>
@@ -12329,6 +12328,20 @@
           <a:p>
             <a:pPr lvl="1"/>
             <a:r>
+              <a:rPr lang="pt-BR" sz="3600" dirty="0" smtClean="0">
+                <a:solidFill>
+                  <a:schemeClr val="tx1">
+                    <a:lumMod val="50000"/>
+                    <a:lumOff val="50000"/>
+                  </a:schemeClr>
+                </a:solidFill>
+              </a:rPr>
+              <a:t>Arquivos</a:t>
+            </a:r>
+          </a:p>
+          <a:p>
+            <a:pPr lvl="1"/>
+            <a:r>
               <a:rPr lang="pt-BR" sz="3600" dirty="0">
                 <a:solidFill>
                   <a:schemeClr val="tx1">
@@ -12337,11 +12350,8 @@
                   </a:schemeClr>
                 </a:solidFill>
               </a:rPr>
-              <a:t>Arquivos</a:t>
-            </a:r>
-          </a:p>
-          <a:p>
-            <a:pPr lvl="1"/>
+              <a:t>Manipulação de arquivo </a:t>
+            </a:r>
             <a:r>
               <a:rPr lang="pt-BR" sz="3600" dirty="0" smtClean="0">
                 <a:solidFill>
@@ -12351,7 +12361,32 @@
                   </a:schemeClr>
                 </a:solidFill>
               </a:rPr>
-              <a:t>Tratamento de exceções</a:t>
+              <a:t>CSV</a:t>
+            </a:r>
+          </a:p>
+          <a:p>
+            <a:pPr lvl="1"/>
+            <a:r>
+              <a:rPr lang="pt-BR" sz="3600" dirty="0" smtClean="0">
+                <a:solidFill>
+                  <a:schemeClr val="tx1">
+                    <a:lumMod val="50000"/>
+                    <a:lumOff val="50000"/>
+                  </a:schemeClr>
+                </a:solidFill>
+              </a:rPr>
+              <a:t>Tratamento </a:t>
+            </a:r>
+            <a:r>
+              <a:rPr lang="pt-BR" sz="3600" dirty="0" smtClean="0">
+                <a:solidFill>
+                  <a:schemeClr val="tx1">
+                    <a:lumMod val="50000"/>
+                    <a:lumOff val="50000"/>
+                  </a:schemeClr>
+                </a:solidFill>
+              </a:rPr>
+              <a:t>de exceções</a:t>
             </a:r>
             <a:endParaRPr lang="pt-BR" sz="3600" dirty="0">
               <a:solidFill>
@@ -12373,65 +12408,23 @@
                   </a:schemeClr>
                 </a:solidFill>
               </a:rPr>
-              <a:t>Classes e objetos</a:t>
-            </a:r>
-          </a:p>
-          <a:p>
-            <a:pPr lvl="1"/>
-            <a:r>
-              <a:rPr lang="pt-BR" sz="3600" dirty="0" smtClean="0">
-                <a:solidFill>
-                  <a:schemeClr val="tx1">
-                    <a:lumMod val="50000"/>
-                    <a:lumOff val="50000"/>
-                  </a:schemeClr>
-                </a:solidFill>
-              </a:rPr>
-              <a:t>Expressões regulares</a:t>
-            </a:r>
-          </a:p>
-          <a:p>
-            <a:pPr lvl="1"/>
-            <a:r>
-              <a:rPr lang="pt-BR" sz="3600" dirty="0" smtClean="0">
-                <a:solidFill>
-                  <a:schemeClr val="tx1">
-                    <a:lumMod val="50000"/>
-                    <a:lumOff val="50000"/>
-                  </a:schemeClr>
-                </a:solidFill>
-              </a:rPr>
-              <a:t>Manipulação de </a:t>
-            </a:r>
-            <a:r>
-              <a:rPr lang="pt-BR" sz="3600" dirty="0">
-                <a:solidFill>
-                  <a:schemeClr val="tx1">
-                    <a:lumMod val="50000"/>
-                    <a:lumOff val="50000"/>
-                  </a:schemeClr>
-                </a:solidFill>
-              </a:rPr>
-              <a:t>a</a:t>
-            </a:r>
-            <a:r>
-              <a:rPr lang="pt-BR" sz="3600" dirty="0" smtClean="0">
-                <a:solidFill>
-                  <a:schemeClr val="tx1">
-                    <a:lumMod val="50000"/>
-                    <a:lumOff val="50000"/>
-                  </a:schemeClr>
-                </a:solidFill>
-              </a:rPr>
-              <a:t>rquivo CSV</a:t>
-            </a:r>
+              <a:t>Orientação a objetos</a:t>
+            </a:r>
+            <a:endParaRPr lang="pt-BR" sz="3600" dirty="0" smtClean="0">
+              <a:solidFill>
+                <a:schemeClr val="tx1">
+                  <a:lumMod val="50000"/>
+                  <a:lumOff val="50000"/>
+                </a:schemeClr>
+              </a:solidFill>
+            </a:endParaRPr>
           </a:p>
         </p:txBody>
       </p:sp>
     </p:spTree>
     <p:extLst>
       <p:ext uri="{BB962C8B-B14F-4D97-AF65-F5344CB8AC3E}">
-        <p14:creationId xmlns:p14="http://schemas.microsoft.com/office/powerpoint/2010/main" val="4209786732"/>
+        <p14:creationId xmlns:p14="http://schemas.microsoft.com/office/powerpoint/2010/main" val="1653570965"/>
       </p:ext>
     </p:extLst>
   </p:cSld>
@@ -13039,6 +13032,20 @@
           <a:p>
             <a:pPr lvl="1"/>
             <a:r>
+              <a:rPr lang="pt-BR" sz="3600" dirty="0" smtClean="0">
+                <a:solidFill>
+                  <a:schemeClr val="tx1">
+                    <a:lumMod val="50000"/>
+                    <a:lumOff val="50000"/>
+                  </a:schemeClr>
+                </a:solidFill>
+              </a:rPr>
+              <a:t>Arquivos</a:t>
+            </a:r>
+          </a:p>
+          <a:p>
+            <a:pPr lvl="1"/>
+            <a:r>
               <a:rPr lang="pt-BR" sz="3600" dirty="0">
                 <a:solidFill>
                   <a:schemeClr val="tx1">
@@ -13047,11 +13054,8 @@
                   </a:schemeClr>
                 </a:solidFill>
               </a:rPr>
-              <a:t>Arquivos</a:t>
-            </a:r>
-          </a:p>
-          <a:p>
-            <a:pPr lvl="1"/>
+              <a:t>Manipulação de arquivo </a:t>
+            </a:r>
             <a:r>
               <a:rPr lang="pt-BR" sz="3600" dirty="0" smtClean="0">
                 <a:solidFill>
@@ -13061,7 +13065,32 @@
                   </a:schemeClr>
                 </a:solidFill>
               </a:rPr>
-              <a:t>Tratamento de exceções</a:t>
+              <a:t>CSV</a:t>
+            </a:r>
+          </a:p>
+          <a:p>
+            <a:pPr lvl="1"/>
+            <a:r>
+              <a:rPr lang="pt-BR" sz="3600" dirty="0" smtClean="0">
+                <a:solidFill>
+                  <a:schemeClr val="tx1">
+                    <a:lumMod val="50000"/>
+                    <a:lumOff val="50000"/>
+                  </a:schemeClr>
+                </a:solidFill>
+              </a:rPr>
+              <a:t>Tratamento </a:t>
+            </a:r>
+            <a:r>
+              <a:rPr lang="pt-BR" sz="3600" dirty="0" smtClean="0">
+                <a:solidFill>
+                  <a:schemeClr val="tx1">
+                    <a:lumMod val="50000"/>
+                    <a:lumOff val="50000"/>
+                  </a:schemeClr>
+                </a:solidFill>
+              </a:rPr>
+              <a:t>de exceções</a:t>
             </a:r>
             <a:endParaRPr lang="pt-BR" sz="3600" dirty="0">
               <a:solidFill>
@@ -13083,65 +13112,23 @@
                   </a:schemeClr>
                 </a:solidFill>
               </a:rPr>
-              <a:t>Classes e objetos</a:t>
-            </a:r>
-          </a:p>
-          <a:p>
-            <a:pPr lvl="1"/>
-            <a:r>
-              <a:rPr lang="pt-BR" sz="3600" dirty="0" smtClean="0">
-                <a:solidFill>
-                  <a:schemeClr val="tx1">
-                    <a:lumMod val="50000"/>
-                    <a:lumOff val="50000"/>
-                  </a:schemeClr>
-                </a:solidFill>
-              </a:rPr>
-              <a:t>Expressões regulares</a:t>
-            </a:r>
-          </a:p>
-          <a:p>
-            <a:pPr lvl="1"/>
-            <a:r>
-              <a:rPr lang="pt-BR" sz="3600" dirty="0" smtClean="0">
-                <a:solidFill>
-                  <a:schemeClr val="tx1">
-                    <a:lumMod val="50000"/>
-                    <a:lumOff val="50000"/>
-                  </a:schemeClr>
-                </a:solidFill>
-              </a:rPr>
-              <a:t>Manipulação de </a:t>
-            </a:r>
-            <a:r>
-              <a:rPr lang="pt-BR" sz="3600" dirty="0">
-                <a:solidFill>
-                  <a:schemeClr val="tx1">
-                    <a:lumMod val="50000"/>
-                    <a:lumOff val="50000"/>
-                  </a:schemeClr>
-                </a:solidFill>
-              </a:rPr>
-              <a:t>a</a:t>
-            </a:r>
-            <a:r>
-              <a:rPr lang="pt-BR" sz="3600" dirty="0" smtClean="0">
-                <a:solidFill>
-                  <a:schemeClr val="tx1">
-                    <a:lumMod val="50000"/>
-                    <a:lumOff val="50000"/>
-                  </a:schemeClr>
-                </a:solidFill>
-              </a:rPr>
-              <a:t>rquivo CSV</a:t>
-            </a:r>
+              <a:t>Orientação a objetos</a:t>
+            </a:r>
+            <a:endParaRPr lang="pt-BR" sz="3600" dirty="0" smtClean="0">
+              <a:solidFill>
+                <a:schemeClr val="tx1">
+                  <a:lumMod val="50000"/>
+                  <a:lumOff val="50000"/>
+                </a:schemeClr>
+              </a:solidFill>
+            </a:endParaRPr>
           </a:p>
         </p:txBody>
       </p:sp>
     </p:spTree>
     <p:extLst>
       <p:ext uri="{BB962C8B-B14F-4D97-AF65-F5344CB8AC3E}">
-        <p14:creationId xmlns:p14="http://schemas.microsoft.com/office/powerpoint/2010/main" val="1998071302"/>
+        <p14:creationId xmlns:p14="http://schemas.microsoft.com/office/powerpoint/2010/main" val="1798925747"/>
       </p:ext>
     </p:extLst>
   </p:cSld>
@@ -13620,6 +13607,20 @@
           <a:p>
             <a:pPr lvl="1"/>
             <a:r>
+              <a:rPr lang="pt-BR" sz="3600" dirty="0" smtClean="0">
+                <a:solidFill>
+                  <a:schemeClr val="tx1">
+                    <a:lumMod val="50000"/>
+                    <a:lumOff val="50000"/>
+                  </a:schemeClr>
+                </a:solidFill>
+              </a:rPr>
+              <a:t>Arquivos</a:t>
+            </a:r>
+          </a:p>
+          <a:p>
+            <a:pPr lvl="1"/>
+            <a:r>
               <a:rPr lang="pt-BR" sz="3600" dirty="0">
                 <a:solidFill>
                   <a:schemeClr val="tx1">
@@ -13628,11 +13629,8 @@
                   </a:schemeClr>
                 </a:solidFill>
               </a:rPr>
-              <a:t>Arquivos</a:t>
-            </a:r>
-          </a:p>
-          <a:p>
-            <a:pPr lvl="1"/>
+              <a:t>Manipulação de arquivo </a:t>
+            </a:r>
             <a:r>
               <a:rPr lang="pt-BR" sz="3600" dirty="0" smtClean="0">
                 <a:solidFill>
@@ -13642,7 +13640,32 @@
                   </a:schemeClr>
                 </a:solidFill>
               </a:rPr>
-              <a:t>Tratamento de exceções</a:t>
+              <a:t>CSV</a:t>
+            </a:r>
+          </a:p>
+          <a:p>
+            <a:pPr lvl="1"/>
+            <a:r>
+              <a:rPr lang="pt-BR" sz="3600" dirty="0" smtClean="0">
+                <a:solidFill>
+                  <a:schemeClr val="tx1">
+                    <a:lumMod val="50000"/>
+                    <a:lumOff val="50000"/>
+                  </a:schemeClr>
+                </a:solidFill>
+              </a:rPr>
+              <a:t>Tratamento </a:t>
+            </a:r>
+            <a:r>
+              <a:rPr lang="pt-BR" sz="3600" dirty="0" smtClean="0">
+                <a:solidFill>
+                  <a:schemeClr val="tx1">
+                    <a:lumMod val="50000"/>
+                    <a:lumOff val="50000"/>
+                  </a:schemeClr>
+                </a:solidFill>
+              </a:rPr>
+              <a:t>de exceções</a:t>
             </a:r>
             <a:endParaRPr lang="pt-BR" sz="3600" dirty="0">
               <a:solidFill>
@@ -13664,65 +13687,23 @@
                   </a:schemeClr>
                 </a:solidFill>
               </a:rPr>
-              <a:t>Classes e objetos</a:t>
-            </a:r>
-          </a:p>
-          <a:p>
-            <a:pPr lvl="1"/>
-            <a:r>
-              <a:rPr lang="pt-BR" sz="3600" dirty="0" smtClean="0">
-                <a:solidFill>
-                  <a:schemeClr val="tx1">
-                    <a:lumMod val="50000"/>
-                    <a:lumOff val="50000"/>
-                  </a:schemeClr>
-                </a:solidFill>
-              </a:rPr>
-              <a:t>Expressões regulares</a:t>
-            </a:r>
-          </a:p>
-          <a:p>
-            <a:pPr lvl="1"/>
-            <a:r>
-              <a:rPr lang="pt-BR" sz="3600" dirty="0" smtClean="0">
-                <a:solidFill>
-                  <a:schemeClr val="tx1">
-                    <a:lumMod val="50000"/>
-                    <a:lumOff val="50000"/>
-                  </a:schemeClr>
-                </a:solidFill>
-              </a:rPr>
-              <a:t>Manipulação de </a:t>
-            </a:r>
-            <a:r>
-              <a:rPr lang="pt-BR" sz="3600" dirty="0">
-                <a:solidFill>
-                  <a:schemeClr val="tx1">
-                    <a:lumMod val="50000"/>
-                    <a:lumOff val="50000"/>
-                  </a:schemeClr>
-                </a:solidFill>
-              </a:rPr>
-              <a:t>a</a:t>
-            </a:r>
-            <a:r>
-              <a:rPr lang="pt-BR" sz="3600" dirty="0" smtClean="0">
-                <a:solidFill>
-                  <a:schemeClr val="tx1">
-                    <a:lumMod val="50000"/>
-                    <a:lumOff val="50000"/>
-                  </a:schemeClr>
-                </a:solidFill>
-              </a:rPr>
-              <a:t>rquivo CSV</a:t>
-            </a:r>
+              <a:t>Orientação a objetos</a:t>
+            </a:r>
+            <a:endParaRPr lang="pt-BR" sz="3600" dirty="0" smtClean="0">
+              <a:solidFill>
+                <a:schemeClr val="tx1">
+                  <a:lumMod val="50000"/>
+                  <a:lumOff val="50000"/>
+                </a:schemeClr>
+              </a:solidFill>
+            </a:endParaRPr>
           </a:p>
         </p:txBody>
       </p:sp>
     </p:spTree>
     <p:extLst>
       <p:ext uri="{BB962C8B-B14F-4D97-AF65-F5344CB8AC3E}">
-        <p14:creationId xmlns:p14="http://schemas.microsoft.com/office/powerpoint/2010/main" val="2098903133"/>
+        <p14:creationId xmlns:p14="http://schemas.microsoft.com/office/powerpoint/2010/main" val="1508060440"/>
       </p:ext>
     </p:extLst>
   </p:cSld>
@@ -14347,12 +14328,23 @@
           <a:p>
             <a:pPr lvl="1"/>
             <a:r>
-              <a:rPr lang="pt-BR" sz="3600" dirty="0"/>
+              <a:rPr lang="pt-BR" sz="3600" dirty="0" smtClean="0"/>
               <a:t>Arquivos</a:t>
             </a:r>
           </a:p>
           <a:p>
             <a:pPr lvl="1"/>
+            <a:r>
+              <a:rPr lang="pt-BR" sz="3600" dirty="0">
+                <a:solidFill>
+                  <a:schemeClr val="tx1">
+                    <a:lumMod val="50000"/>
+                    <a:lumOff val="50000"/>
+                  </a:schemeClr>
+                </a:solidFill>
+              </a:rPr>
+              <a:t>Manipulação de arquivo </a:t>
+            </a:r>
             <a:r>
               <a:rPr lang="pt-BR" sz="3600" dirty="0" smtClean="0">
                 <a:solidFill>
@@ -14362,7 +14354,32 @@
                   </a:schemeClr>
                 </a:solidFill>
               </a:rPr>
-              <a:t>Tratamento de exceções</a:t>
+              <a:t>CSV</a:t>
+            </a:r>
+          </a:p>
+          <a:p>
+            <a:pPr lvl="1"/>
+            <a:r>
+              <a:rPr lang="pt-BR" sz="3600" dirty="0" smtClean="0">
+                <a:solidFill>
+                  <a:schemeClr val="tx1">
+                    <a:lumMod val="50000"/>
+                    <a:lumOff val="50000"/>
+                  </a:schemeClr>
+                </a:solidFill>
+              </a:rPr>
+              <a:t>Tratamento </a:t>
+            </a:r>
+            <a:r>
+              <a:rPr lang="pt-BR" sz="3600" dirty="0" smtClean="0">
+                <a:solidFill>
+                  <a:schemeClr val="tx1">
+                    <a:lumMod val="50000"/>
+                    <a:lumOff val="50000"/>
+                  </a:schemeClr>
+                </a:solidFill>
+              </a:rPr>
+              <a:t>de exceções</a:t>
             </a:r>
             <a:endParaRPr lang="pt-BR" sz="3600" dirty="0">
               <a:solidFill>
@@ -14384,65 +14401,23 @@
                   </a:schemeClr>
                 </a:solidFill>
               </a:rPr>
-              <a:t>Classes e objetos</a:t>
-            </a:r>
-          </a:p>
-          <a:p>
-            <a:pPr lvl="1"/>
-            <a:r>
-              <a:rPr lang="pt-BR" sz="3600" dirty="0" smtClean="0">
-                <a:solidFill>
-                  <a:schemeClr val="tx1">
-                    <a:lumMod val="50000"/>
-                    <a:lumOff val="50000"/>
-                  </a:schemeClr>
-                </a:solidFill>
-              </a:rPr>
-              <a:t>Expressões regulares</a:t>
-            </a:r>
-          </a:p>
-          <a:p>
-            <a:pPr lvl="1"/>
-            <a:r>
-              <a:rPr lang="pt-BR" sz="3600" dirty="0" smtClean="0">
-                <a:solidFill>
-                  <a:schemeClr val="tx1">
-                    <a:lumMod val="50000"/>
-                    <a:lumOff val="50000"/>
-                  </a:schemeClr>
-                </a:solidFill>
-              </a:rPr>
-              <a:t>Manipulação de </a:t>
-            </a:r>
-            <a:r>
-              <a:rPr lang="pt-BR" sz="3600" dirty="0">
-                <a:solidFill>
-                  <a:schemeClr val="tx1">
-                    <a:lumMod val="50000"/>
-                    <a:lumOff val="50000"/>
-                  </a:schemeClr>
-                </a:solidFill>
-              </a:rPr>
-              <a:t>a</a:t>
-            </a:r>
-            <a:r>
-              <a:rPr lang="pt-BR" sz="3600" dirty="0" smtClean="0">
-                <a:solidFill>
-                  <a:schemeClr val="tx1">
-                    <a:lumMod val="50000"/>
-                    <a:lumOff val="50000"/>
-                  </a:schemeClr>
-                </a:solidFill>
-              </a:rPr>
-              <a:t>rquivo CSV</a:t>
-            </a:r>
+              <a:t>Orientação a objetos</a:t>
+            </a:r>
+            <a:endParaRPr lang="pt-BR" sz="3600" dirty="0" smtClean="0">
+              <a:solidFill>
+                <a:schemeClr val="tx1">
+                  <a:lumMod val="50000"/>
+                  <a:lumOff val="50000"/>
+                </a:schemeClr>
+              </a:solidFill>
+            </a:endParaRPr>
           </a:p>
         </p:txBody>
       </p:sp>
     </p:spTree>
     <p:extLst>
       <p:ext uri="{BB962C8B-B14F-4D97-AF65-F5344CB8AC3E}">
-        <p14:creationId xmlns:p14="http://schemas.microsoft.com/office/powerpoint/2010/main" val="1399800680"/>
+        <p14:creationId xmlns:p14="http://schemas.microsoft.com/office/powerpoint/2010/main" val="2918494174"/>
       </p:ext>
     </p:extLst>
   </p:cSld>
@@ -14493,7 +14468,7 @@
           <a:p>
             <a:r>
               <a:rPr lang="pt-BR" dirty="0" smtClean="0"/>
-              <a:t>Cronograma</a:t>
+              <a:t>Abrindo e fechando arquivos</a:t>
             </a:r>
             <a:endParaRPr lang="pt-BR" dirty="0"/>
           </a:p>
@@ -14511,155 +14486,82 @@
         </p:nvSpPr>
         <p:spPr>
           <a:xfrm>
-            <a:off x="628650" y="1418897"/>
-            <a:ext cx="7886700" cy="5087006"/>
+            <a:off x="628650" y="1690688"/>
+            <a:ext cx="7886700" cy="4689091"/>
           </a:xfrm>
         </p:spPr>
         <p:txBody>
           <a:bodyPr>
-            <a:noAutofit/>
+            <a:normAutofit/>
           </a:bodyPr>
           <a:lstStyle/>
           <a:p>
             <a:r>
-              <a:rPr lang="pt-BR" sz="3600" dirty="0" smtClean="0"/>
-              <a:t>Parte II:</a:t>
-            </a:r>
-          </a:p>
-          <a:p>
-            <a:pPr lvl="1"/>
-            <a:r>
-              <a:rPr lang="pt-BR" sz="3600" dirty="0">
-                <a:solidFill>
-                  <a:schemeClr val="tx1">
-                    <a:lumMod val="50000"/>
-                    <a:lumOff val="50000"/>
-                  </a:schemeClr>
-                </a:solidFill>
-              </a:rPr>
-              <a:t>Data e tempo</a:t>
-            </a:r>
-          </a:p>
-          <a:p>
-            <a:pPr lvl="1"/>
-            <a:r>
-              <a:rPr lang="pt-BR" sz="3600" dirty="0">
-                <a:solidFill>
-                  <a:schemeClr val="tx1">
-                    <a:lumMod val="50000"/>
-                    <a:lumOff val="50000"/>
-                  </a:schemeClr>
-                </a:solidFill>
-              </a:rPr>
-              <a:t>Funções</a:t>
-            </a:r>
-          </a:p>
-          <a:p>
-            <a:pPr lvl="1"/>
-            <a:r>
-              <a:rPr lang="pt-BR" sz="3600" dirty="0" smtClean="0">
-                <a:solidFill>
-                  <a:schemeClr val="tx1">
-                    <a:lumMod val="50000"/>
-                    <a:lumOff val="50000"/>
-                  </a:schemeClr>
-                </a:solidFill>
-              </a:rPr>
-              <a:t>Modularidade</a:t>
-            </a:r>
-            <a:endParaRPr lang="pt-BR" sz="3600" dirty="0">
-              <a:solidFill>
-                <a:schemeClr val="tx1">
-                  <a:lumMod val="50000"/>
-                  <a:lumOff val="50000"/>
-                </a:schemeClr>
-              </a:solidFill>
-            </a:endParaRPr>
-          </a:p>
-          <a:p>
-            <a:pPr lvl="1"/>
-            <a:r>
-              <a:rPr lang="pt-BR" sz="3600" dirty="0">
-                <a:solidFill>
-                  <a:schemeClr val="tx1">
-                    <a:lumMod val="50000"/>
-                    <a:lumOff val="50000"/>
-                  </a:schemeClr>
-                </a:solidFill>
-              </a:rPr>
-              <a:t>Arquivos</a:t>
-            </a:r>
-          </a:p>
-          <a:p>
-            <a:pPr lvl="1"/>
-            <a:r>
-              <a:rPr lang="pt-BR" sz="3600" dirty="0" smtClean="0"/>
-              <a:t>Tratamento de exceções</a:t>
-            </a:r>
-            <a:endParaRPr lang="pt-BR" sz="3600" dirty="0"/>
-          </a:p>
-          <a:p>
-            <a:pPr lvl="1"/>
-            <a:r>
-              <a:rPr lang="pt-BR" sz="3600" dirty="0" smtClean="0">
-                <a:solidFill>
-                  <a:schemeClr val="tx1">
-                    <a:lumMod val="50000"/>
-                    <a:lumOff val="50000"/>
-                  </a:schemeClr>
-                </a:solidFill>
-              </a:rPr>
-              <a:t>Classes e objetos</a:t>
-            </a:r>
-          </a:p>
-          <a:p>
-            <a:pPr lvl="1"/>
-            <a:r>
-              <a:rPr lang="pt-BR" sz="3600" dirty="0" smtClean="0">
-                <a:solidFill>
-                  <a:schemeClr val="tx1">
-                    <a:lumMod val="50000"/>
-                    <a:lumOff val="50000"/>
-                  </a:schemeClr>
-                </a:solidFill>
-              </a:rPr>
-              <a:t>Expressões regulares</a:t>
-            </a:r>
-          </a:p>
-          <a:p>
-            <a:pPr lvl="1"/>
-            <a:r>
-              <a:rPr lang="pt-BR" sz="3600" dirty="0" smtClean="0">
-                <a:solidFill>
-                  <a:schemeClr val="tx1">
-                    <a:lumMod val="50000"/>
-                    <a:lumOff val="50000"/>
-                  </a:schemeClr>
-                </a:solidFill>
-              </a:rPr>
-              <a:t>Manipulação de </a:t>
-            </a:r>
-            <a:r>
-              <a:rPr lang="pt-BR" sz="3600" dirty="0">
-                <a:solidFill>
-                  <a:schemeClr val="tx1">
-                    <a:lumMod val="50000"/>
-                    <a:lumOff val="50000"/>
-                  </a:schemeClr>
-                </a:solidFill>
-              </a:rPr>
-              <a:t>a</a:t>
-            </a:r>
-            <a:r>
-              <a:rPr lang="pt-BR" sz="3600" dirty="0" smtClean="0">
-                <a:solidFill>
-                  <a:schemeClr val="tx1">
-                    <a:lumMod val="50000"/>
-                    <a:lumOff val="50000"/>
-                  </a:schemeClr>
-                </a:solidFill>
-              </a:rPr>
-              <a:t>rquivo CSV</a:t>
+              <a:rPr lang="pt-BR" dirty="0" smtClean="0"/>
+              <a:t>Até agora nós usamos somente entrada e saída no terminal</a:t>
+            </a:r>
+          </a:p>
+          <a:p>
+            <a:r>
+              <a:rPr lang="pt-BR" dirty="0" smtClean="0"/>
+              <a:t>Para grande volume de dados é necessário utilizar arquivos</a:t>
+            </a:r>
+          </a:p>
+          <a:p>
+            <a:r>
+              <a:rPr lang="pt-BR" dirty="0" smtClean="0"/>
+              <a:t>Função open</a:t>
+            </a:r>
+          </a:p>
+          <a:p>
+            <a:pPr lvl="1"/>
+            <a:r>
+              <a:rPr lang="pt-BR" dirty="0" smtClean="0"/>
+              <a:t>open(</a:t>
+            </a:r>
+            <a:r>
+              <a:rPr lang="pt-BR" dirty="0" err="1" smtClean="0"/>
+              <a:t>nome_do_arquivo</a:t>
+            </a:r>
+            <a:r>
+              <a:rPr lang="pt-BR" dirty="0" smtClean="0"/>
+              <a:t>, </a:t>
+            </a:r>
+            <a:r>
+              <a:rPr lang="pt-BR" dirty="0" err="1" smtClean="0"/>
+              <a:t>modo_leitura_escrita</a:t>
+            </a:r>
+            <a:r>
+              <a:rPr lang="pt-BR" dirty="0" smtClean="0"/>
+              <a:t>)</a:t>
+            </a:r>
+          </a:p>
+          <a:p>
+            <a:r>
+              <a:rPr lang="pt-BR" dirty="0" err="1" smtClean="0"/>
+              <a:t>nome_do_arquivo</a:t>
+            </a:r>
+            <a:r>
+              <a:rPr lang="pt-BR" dirty="0" smtClean="0"/>
+              <a:t> exemplo: ./arquivo.csv, </a:t>
+            </a:r>
+            <a:r>
+              <a:rPr lang="pt-BR" dirty="0" err="1" smtClean="0"/>
+              <a:t>graduacao</a:t>
+            </a:r>
+            <a:r>
+              <a:rPr lang="pt-BR" dirty="0" smtClean="0"/>
+              <a:t>/tcc.doc, ....</a:t>
+            </a:r>
+          </a:p>
+          <a:p>
+            <a:r>
+              <a:rPr lang="pt-BR" dirty="0" err="1" smtClean="0"/>
+              <a:t>modo_leitura_escrita</a:t>
+            </a:r>
+            <a:r>
+              <a:rPr lang="pt-BR" dirty="0" smtClean="0"/>
+              <a:t>: é como a função irá abrir o arquivo</a:t>
             </a:r>
           </a:p>
         </p:txBody>
@@ -14667,7 +14569,7 @@
     </p:spTree>
     <p:extLst>
       <p:ext uri="{BB962C8B-B14F-4D97-AF65-F5344CB8AC3E}">
-        <p14:creationId xmlns:p14="http://schemas.microsoft.com/office/powerpoint/2010/main" val="1462538175"/>
+        <p14:creationId xmlns:p14="http://schemas.microsoft.com/office/powerpoint/2010/main" val="2443446051"/>
       </p:ext>
     </p:extLst>
   </p:cSld>
@@ -14711,195 +14613,636 @@
             <p:ph type="title"/>
           </p:nvPr>
         </p:nvSpPr>
-        <p:spPr/>
-        <p:txBody>
-          <a:bodyPr/>
-          <a:lstStyle/>
-          <a:p>
-            <a:r>
-              <a:rPr lang="pt-BR" dirty="0" smtClean="0"/>
-              <a:t>Cronograma</a:t>
-            </a:r>
-            <a:endParaRPr lang="pt-BR" dirty="0"/>
-          </a:p>
-        </p:txBody>
-      </p:sp>
-      <p:sp>
-        <p:nvSpPr>
-          <p:cNvPr id="3" name="Espaço Reservado para Conteúdo 2"/>
-          <p:cNvSpPr>
-            <a:spLocks noGrp="1"/>
-          </p:cNvSpPr>
-          <p:nvPr>
-            <p:ph idx="1"/>
-          </p:nvPr>
-        </p:nvSpPr>
         <p:spPr>
           <a:xfrm>
-            <a:off x="628650" y="1418897"/>
-            <a:ext cx="7886700" cy="5087006"/>
+            <a:off x="628650" y="365127"/>
+            <a:ext cx="7886700" cy="980198"/>
           </a:xfrm>
         </p:spPr>
         <p:txBody>
-          <a:bodyPr>
-            <a:noAutofit/>
-          </a:bodyPr>
-          <a:lstStyle/>
-          <a:p>
-            <a:r>
-              <a:rPr lang="pt-BR" sz="3600" dirty="0" smtClean="0"/>
-              <a:t>Parte II:</a:t>
-            </a:r>
-          </a:p>
-          <a:p>
-            <a:pPr lvl="1"/>
-            <a:r>
-              <a:rPr lang="pt-BR" sz="3600" dirty="0">
-                <a:solidFill>
-                  <a:schemeClr val="tx1">
-                    <a:lumMod val="50000"/>
-                    <a:lumOff val="50000"/>
-                  </a:schemeClr>
-                </a:solidFill>
-              </a:rPr>
-              <a:t>Data e tempo</a:t>
-            </a:r>
-          </a:p>
-          <a:p>
-            <a:pPr lvl="1"/>
-            <a:r>
-              <a:rPr lang="pt-BR" sz="3600" dirty="0">
-                <a:solidFill>
-                  <a:schemeClr val="tx1">
-                    <a:lumMod val="50000"/>
-                    <a:lumOff val="50000"/>
-                  </a:schemeClr>
-                </a:solidFill>
-              </a:rPr>
-              <a:t>Funções</a:t>
-            </a:r>
-          </a:p>
-          <a:p>
-            <a:pPr lvl="1"/>
-            <a:r>
-              <a:rPr lang="pt-BR" sz="3600" dirty="0" smtClean="0">
-                <a:solidFill>
-                  <a:schemeClr val="tx1">
-                    <a:lumMod val="50000"/>
-                    <a:lumOff val="50000"/>
-                  </a:schemeClr>
-                </a:solidFill>
-              </a:rPr>
-              <a:t>Modularidade</a:t>
-            </a:r>
-            <a:endParaRPr lang="pt-BR" sz="3600" dirty="0">
-              <a:solidFill>
-                <a:schemeClr val="tx1">
-                  <a:lumMod val="50000"/>
-                  <a:lumOff val="50000"/>
-                </a:schemeClr>
-              </a:solidFill>
-            </a:endParaRPr>
-          </a:p>
-          <a:p>
-            <a:pPr lvl="1"/>
-            <a:r>
-              <a:rPr lang="pt-BR" sz="3600" dirty="0">
-                <a:solidFill>
-                  <a:schemeClr val="tx1">
-                    <a:lumMod val="50000"/>
-                    <a:lumOff val="50000"/>
-                  </a:schemeClr>
-                </a:solidFill>
-              </a:rPr>
-              <a:t>Arquivos</a:t>
-            </a:r>
-          </a:p>
-          <a:p>
-            <a:pPr lvl="1"/>
-            <a:r>
-              <a:rPr lang="pt-BR" sz="3600" dirty="0" smtClean="0">
-                <a:solidFill>
-                  <a:schemeClr val="tx1">
-                    <a:lumMod val="50000"/>
-                    <a:lumOff val="50000"/>
-                  </a:schemeClr>
-                </a:solidFill>
-              </a:rPr>
-              <a:t>Tratamento de exceções</a:t>
-            </a:r>
-            <a:endParaRPr lang="pt-BR" sz="3600" dirty="0">
-              <a:solidFill>
-                <a:schemeClr val="tx1">
-                  <a:lumMod val="50000"/>
-                  <a:lumOff val="50000"/>
-                </a:schemeClr>
-              </a:solidFill>
-            </a:endParaRPr>
-          </a:p>
-          <a:p>
-            <a:pPr lvl="1"/>
-            <a:r>
-              <a:rPr lang="pt-BR" sz="3600" dirty="0" smtClean="0"/>
-              <a:t>Classes e objetos</a:t>
-            </a:r>
-          </a:p>
-          <a:p>
-            <a:pPr lvl="1"/>
-            <a:r>
-              <a:rPr lang="pt-BR" sz="3600" dirty="0" smtClean="0">
-                <a:solidFill>
-                  <a:schemeClr val="tx1">
-                    <a:lumMod val="50000"/>
-                    <a:lumOff val="50000"/>
-                  </a:schemeClr>
-                </a:solidFill>
-              </a:rPr>
-              <a:t>Expressões regulares</a:t>
-            </a:r>
-          </a:p>
-          <a:p>
-            <a:pPr lvl="1"/>
-            <a:r>
-              <a:rPr lang="pt-BR" sz="3600" dirty="0" smtClean="0">
-                <a:solidFill>
-                  <a:schemeClr val="tx1">
-                    <a:lumMod val="50000"/>
-                    <a:lumOff val="50000"/>
-                  </a:schemeClr>
-                </a:solidFill>
-              </a:rPr>
-              <a:t>Manipulação de </a:t>
-            </a:r>
-            <a:r>
-              <a:rPr lang="pt-BR" sz="3600" dirty="0">
-                <a:solidFill>
-                  <a:schemeClr val="tx1">
-                    <a:lumMod val="50000"/>
-                    <a:lumOff val="50000"/>
-                  </a:schemeClr>
-                </a:solidFill>
-              </a:rPr>
-              <a:t>a</a:t>
-            </a:r>
-            <a:r>
-              <a:rPr lang="pt-BR" sz="3600" dirty="0" smtClean="0">
-                <a:solidFill>
-                  <a:schemeClr val="tx1">
-                    <a:lumMod val="50000"/>
-                    <a:lumOff val="50000"/>
-                  </a:schemeClr>
-                </a:solidFill>
-              </a:rPr>
-              <a:t>rquivo CSV</a:t>
-            </a:r>
-          </a:p>
-        </p:txBody>
-      </p:sp>
+          <a:bodyPr/>
+          <a:lstStyle/>
+          <a:p>
+            <a:r>
+              <a:rPr lang="pt-BR" dirty="0" smtClean="0"/>
+              <a:t>Modos de abertura</a:t>
+            </a:r>
+            <a:endParaRPr lang="pt-BR" dirty="0"/>
+          </a:p>
+        </p:txBody>
+      </p:sp>
+      <p:graphicFrame>
+        <p:nvGraphicFramePr>
+          <p:cNvPr id="4" name="Espaço Reservado para Conteúdo 3"/>
+          <p:cNvGraphicFramePr>
+            <a:graphicFrameLocks noGrp="1"/>
+          </p:cNvGraphicFramePr>
+          <p:nvPr>
+            <p:ph idx="1"/>
+            <p:extLst>
+              <p:ext uri="{D42A27DB-BD31-4B8C-83A1-F6EECF244321}">
+                <p14:modId xmlns:p14="http://schemas.microsoft.com/office/powerpoint/2010/main" val="1029299704"/>
+              </p:ext>
+            </p:extLst>
+          </p:nvPr>
+        </p:nvGraphicFramePr>
+        <p:xfrm>
+          <a:off x="628650" y="1490991"/>
+          <a:ext cx="7886700" cy="5029200"/>
+        </p:xfrm>
+        <a:graphic>
+          <a:graphicData uri="http://schemas.openxmlformats.org/drawingml/2006/table">
+            <a:tbl>
+              <a:tblPr firstRow="1" bandRow="1">
+                <a:tableStyleId>{5940675A-B579-460E-94D1-54222C63F5DA}</a:tableStyleId>
+              </a:tblPr>
+              <a:tblGrid>
+                <a:gridCol w="790247">
+                  <a:extLst>
+                    <a:ext uri="{9D8B030D-6E8A-4147-A177-3AD203B41FA5}">
+                      <a16:colId xmlns:a16="http://schemas.microsoft.com/office/drawing/2014/main" val="3844452619"/>
+                    </a:ext>
+                  </a:extLst>
+                </a:gridCol>
+                <a:gridCol w="1838653">
+                  <a:extLst>
+                    <a:ext uri="{9D8B030D-6E8A-4147-A177-3AD203B41FA5}">
+                      <a16:colId xmlns:a16="http://schemas.microsoft.com/office/drawing/2014/main" val="2880582354"/>
+                    </a:ext>
+                  </a:extLst>
+                </a:gridCol>
+                <a:gridCol w="673319">
+                  <a:extLst>
+                    <a:ext uri="{9D8B030D-6E8A-4147-A177-3AD203B41FA5}">
+                      <a16:colId xmlns:a16="http://schemas.microsoft.com/office/drawing/2014/main" val="2699909607"/>
+                    </a:ext>
+                  </a:extLst>
+                </a:gridCol>
+                <a:gridCol w="1955581">
+                  <a:extLst>
+                    <a:ext uri="{9D8B030D-6E8A-4147-A177-3AD203B41FA5}">
+                      <a16:colId xmlns:a16="http://schemas.microsoft.com/office/drawing/2014/main" val="39438583"/>
+                    </a:ext>
+                  </a:extLst>
+                </a:gridCol>
+                <a:gridCol w="608943">
+                  <a:extLst>
+                    <a:ext uri="{9D8B030D-6E8A-4147-A177-3AD203B41FA5}">
+                      <a16:colId xmlns:a16="http://schemas.microsoft.com/office/drawing/2014/main" val="1951537006"/>
+                    </a:ext>
+                  </a:extLst>
+                </a:gridCol>
+                <a:gridCol w="2019957">
+                  <a:extLst>
+                    <a:ext uri="{9D8B030D-6E8A-4147-A177-3AD203B41FA5}">
+                      <a16:colId xmlns:a16="http://schemas.microsoft.com/office/drawing/2014/main" val="1321035195"/>
+                    </a:ext>
+                  </a:extLst>
+                </a:gridCol>
+              </a:tblGrid>
+              <a:tr h="370840">
+                <a:tc gridSpan="2">
+                  <a:txBody>
+                    <a:bodyPr/>
+                    <a:lstStyle/>
+                    <a:p>
+                      <a:pPr algn="ctr"/>
+                      <a:r>
+                        <a:rPr lang="pt-BR" sz="2000" noProof="0" dirty="0" smtClean="0"/>
+                        <a:t>Leitura</a:t>
+                      </a:r>
+                      <a:endParaRPr lang="pt-BR" sz="2000" noProof="0" dirty="0"/>
+                    </a:p>
+                  </a:txBody>
+                  <a:tcPr/>
+                </a:tc>
+                <a:tc hMerge="1">
+                  <a:txBody>
+                    <a:bodyPr/>
+                    <a:lstStyle/>
+                    <a:p>
+                      <a:endParaRPr lang="en-US" dirty="0"/>
+                    </a:p>
+                  </a:txBody>
+                  <a:tcPr/>
+                </a:tc>
+                <a:tc gridSpan="2">
+                  <a:txBody>
+                    <a:bodyPr/>
+                    <a:lstStyle/>
+                    <a:p>
+                      <a:pPr algn="ctr"/>
+                      <a:r>
+                        <a:rPr lang="pt-BR" sz="2000" noProof="0" dirty="0" smtClean="0"/>
+                        <a:t>Escrita</a:t>
+                      </a:r>
+                      <a:endParaRPr lang="pt-BR" sz="2000" noProof="0" dirty="0"/>
+                    </a:p>
+                  </a:txBody>
+                  <a:tcPr/>
+                </a:tc>
+                <a:tc hMerge="1">
+                  <a:txBody>
+                    <a:bodyPr/>
+                    <a:lstStyle/>
+                    <a:p>
+                      <a:endParaRPr lang="en-US" dirty="0"/>
+                    </a:p>
+                  </a:txBody>
+                  <a:tcPr/>
+                </a:tc>
+                <a:tc gridSpan="2">
+                  <a:txBody>
+                    <a:bodyPr/>
+                    <a:lstStyle/>
+                    <a:p>
+                      <a:pPr algn="ctr"/>
+                      <a:r>
+                        <a:rPr lang="pt-BR" sz="2000" noProof="0" dirty="0" smtClean="0"/>
+                        <a:t>Escrita no final</a:t>
+                      </a:r>
+                      <a:endParaRPr lang="pt-BR" sz="2000" noProof="0" dirty="0"/>
+                    </a:p>
+                  </a:txBody>
+                  <a:tcPr/>
+                </a:tc>
+                <a:tc hMerge="1">
+                  <a:txBody>
+                    <a:bodyPr/>
+                    <a:lstStyle/>
+                    <a:p>
+                      <a:pPr algn="ctr"/>
+                      <a:endParaRPr lang="pt-BR" noProof="0" dirty="0"/>
+                    </a:p>
+                  </a:txBody>
+                  <a:tcPr/>
+                </a:tc>
+                <a:extLst>
+                  <a:ext uri="{0D108BD9-81ED-4DB2-BD59-A6C34878D82A}">
+                    <a16:rowId xmlns:a16="http://schemas.microsoft.com/office/drawing/2014/main" val="2741452667"/>
+                  </a:ext>
+                </a:extLst>
+              </a:tr>
+              <a:tr h="370840">
+                <a:tc>
+                  <a:txBody>
+                    <a:bodyPr/>
+                    <a:lstStyle/>
+                    <a:p>
+                      <a:pPr algn="ctr"/>
+                      <a:r>
+                        <a:rPr lang="pt-BR" sz="2000" noProof="0" dirty="0" smtClean="0"/>
+                        <a:t>r</a:t>
+                      </a:r>
+                      <a:endParaRPr lang="pt-BR" sz="2000" noProof="0" dirty="0"/>
+                    </a:p>
+                  </a:txBody>
+                  <a:tcPr/>
+                </a:tc>
+                <a:tc>
+                  <a:txBody>
+                    <a:bodyPr/>
+                    <a:lstStyle/>
+                    <a:p>
+                      <a:pPr algn="ctr"/>
+                      <a:r>
+                        <a:rPr lang="pt-BR" sz="2000" noProof="0" dirty="0" smtClean="0"/>
+                        <a:t>Abre</a:t>
+                      </a:r>
+                      <a:r>
+                        <a:rPr lang="pt-BR" sz="2000" baseline="0" noProof="0" dirty="0" smtClean="0"/>
+                        <a:t> um arquivo de texto</a:t>
+                      </a:r>
+                      <a:endParaRPr lang="pt-BR" sz="2000" noProof="0" dirty="0"/>
+                    </a:p>
+                  </a:txBody>
+                  <a:tcPr/>
+                </a:tc>
+                <a:tc>
+                  <a:txBody>
+                    <a:bodyPr/>
+                    <a:lstStyle/>
+                    <a:p>
+                      <a:pPr algn="ctr"/>
+                      <a:r>
+                        <a:rPr lang="pt-BR" sz="2000" noProof="0" dirty="0" smtClean="0"/>
+                        <a:t>w</a:t>
+                      </a:r>
+                      <a:endParaRPr lang="pt-BR" sz="2000" noProof="0" dirty="0"/>
+                    </a:p>
+                  </a:txBody>
+                  <a:tcPr/>
+                </a:tc>
+                <a:tc>
+                  <a:txBody>
+                    <a:bodyPr/>
+                    <a:lstStyle/>
+                    <a:p>
+                      <a:pPr algn="ctr"/>
+                      <a:r>
+                        <a:rPr lang="pt-BR" sz="2000" noProof="0" dirty="0" smtClean="0"/>
+                        <a:t>Abre para escrita,</a:t>
+                      </a:r>
+                      <a:r>
+                        <a:rPr lang="pt-BR" sz="2000" baseline="0" noProof="0" dirty="0" smtClean="0"/>
+                        <a:t> sobrescreve</a:t>
+                      </a:r>
+                      <a:endParaRPr lang="pt-BR" sz="2000" noProof="0" dirty="0"/>
+                    </a:p>
+                  </a:txBody>
+                  <a:tcPr/>
+                </a:tc>
+                <a:tc>
+                  <a:txBody>
+                    <a:bodyPr/>
+                    <a:lstStyle/>
+                    <a:p>
+                      <a:pPr algn="ctr"/>
+                      <a:r>
+                        <a:rPr lang="pt-BR" sz="2000" noProof="0" dirty="0" smtClean="0"/>
+                        <a:t>a</a:t>
+                      </a:r>
+                      <a:endParaRPr lang="pt-BR" sz="2000" noProof="0" dirty="0"/>
+                    </a:p>
+                  </a:txBody>
+                  <a:tcPr/>
+                </a:tc>
+                <a:tc>
+                  <a:txBody>
+                    <a:bodyPr/>
+                    <a:lstStyle/>
+                    <a:p>
+                      <a:pPr algn="ctr"/>
+                      <a:r>
+                        <a:rPr lang="pt-BR" sz="2000" noProof="0" dirty="0" smtClean="0"/>
+                        <a:t>Abre para escrita no final do arquivo</a:t>
+                      </a:r>
+                      <a:endParaRPr lang="pt-BR" sz="2000" noProof="0" dirty="0"/>
+                    </a:p>
+                  </a:txBody>
+                  <a:tcPr/>
+                </a:tc>
+                <a:extLst>
+                  <a:ext uri="{0D108BD9-81ED-4DB2-BD59-A6C34878D82A}">
+                    <a16:rowId xmlns:a16="http://schemas.microsoft.com/office/drawing/2014/main" val="289187748"/>
+                  </a:ext>
+                </a:extLst>
+              </a:tr>
+              <a:tr h="370840">
+                <a:tc>
+                  <a:txBody>
+                    <a:bodyPr/>
+                    <a:lstStyle/>
+                    <a:p>
+                      <a:pPr algn="ctr"/>
+                      <a:r>
+                        <a:rPr lang="pt-BR" sz="2000" noProof="0" dirty="0" err="1" smtClean="0"/>
+                        <a:t>rb</a:t>
+                      </a:r>
+                      <a:endParaRPr lang="pt-BR" sz="2000" noProof="0" dirty="0"/>
+                    </a:p>
+                  </a:txBody>
+                  <a:tcPr/>
+                </a:tc>
+                <a:tc>
+                  <a:txBody>
+                    <a:bodyPr/>
+                    <a:lstStyle/>
+                    <a:p>
+                      <a:pPr algn="ctr"/>
+                      <a:r>
+                        <a:rPr lang="pt-BR" sz="2000" noProof="0" dirty="0" smtClean="0"/>
+                        <a:t>Abre arquivo binário para leitura</a:t>
+                      </a:r>
+                      <a:endParaRPr lang="pt-BR" sz="2000" noProof="0" dirty="0"/>
+                    </a:p>
+                  </a:txBody>
+                  <a:tcPr/>
+                </a:tc>
+                <a:tc>
+                  <a:txBody>
+                    <a:bodyPr/>
+                    <a:lstStyle/>
+                    <a:p>
+                      <a:pPr algn="ctr"/>
+                      <a:r>
+                        <a:rPr lang="pt-BR" sz="2000" noProof="0" dirty="0" err="1" smtClean="0"/>
+                        <a:t>wb</a:t>
+                      </a:r>
+                      <a:endParaRPr lang="pt-BR" sz="2000" noProof="0" dirty="0"/>
+                    </a:p>
+                  </a:txBody>
+                  <a:tcPr/>
+                </a:tc>
+                <a:tc>
+                  <a:txBody>
+                    <a:bodyPr/>
+                    <a:lstStyle/>
+                    <a:p>
+                      <a:pPr algn="ctr"/>
+                      <a:r>
+                        <a:rPr lang="pt-BR" sz="2000" noProof="0" dirty="0" smtClean="0"/>
+                        <a:t>Abre  arquivo</a:t>
+                      </a:r>
+                      <a:r>
+                        <a:rPr lang="pt-BR" sz="2000" baseline="0" noProof="0" dirty="0" smtClean="0"/>
+                        <a:t> binário, sobrescreve</a:t>
+                      </a:r>
+                      <a:endParaRPr lang="pt-BR" sz="2000" noProof="0" dirty="0"/>
+                    </a:p>
+                  </a:txBody>
+                  <a:tcPr/>
+                </a:tc>
+                <a:tc>
+                  <a:txBody>
+                    <a:bodyPr/>
+                    <a:lstStyle/>
+                    <a:p>
+                      <a:pPr algn="ctr"/>
+                      <a:r>
+                        <a:rPr lang="pt-BR" sz="2000" noProof="0" dirty="0" err="1" smtClean="0"/>
+                        <a:t>ab</a:t>
+                      </a:r>
+                      <a:endParaRPr lang="pt-BR" sz="2000" noProof="0" dirty="0"/>
+                    </a:p>
+                  </a:txBody>
+                  <a:tcPr/>
+                </a:tc>
+                <a:tc>
+                  <a:txBody>
+                    <a:bodyPr/>
+                    <a:lstStyle/>
+                    <a:p>
+                      <a:pPr algn="ctr"/>
+                      <a:r>
+                        <a:rPr lang="pt-BR" sz="2000" noProof="0" dirty="0" smtClean="0"/>
+                        <a:t>Abre arquivo binário</a:t>
+                      </a:r>
+                      <a:r>
+                        <a:rPr lang="pt-BR" sz="2000" baseline="0" noProof="0" dirty="0" smtClean="0"/>
+                        <a:t> escrita final</a:t>
+                      </a:r>
+                      <a:endParaRPr lang="pt-BR" sz="2000" noProof="0" dirty="0"/>
+                    </a:p>
+                  </a:txBody>
+                  <a:tcPr/>
+                </a:tc>
+                <a:extLst>
+                  <a:ext uri="{0D108BD9-81ED-4DB2-BD59-A6C34878D82A}">
+                    <a16:rowId xmlns:a16="http://schemas.microsoft.com/office/drawing/2014/main" val="3278454523"/>
+                  </a:ext>
+                </a:extLst>
+              </a:tr>
+              <a:tr h="370840">
+                <a:tc>
+                  <a:txBody>
+                    <a:bodyPr/>
+                    <a:lstStyle/>
+                    <a:p>
+                      <a:pPr algn="ctr"/>
+                      <a:r>
+                        <a:rPr lang="pt-BR" sz="2000" noProof="0" dirty="0" smtClean="0"/>
+                        <a:t>r+</a:t>
+                      </a:r>
+                      <a:endParaRPr lang="pt-BR" sz="2000" noProof="0" dirty="0"/>
+                    </a:p>
+                  </a:txBody>
+                  <a:tcPr/>
+                </a:tc>
+                <a:tc>
+                  <a:txBody>
+                    <a:bodyPr/>
+                    <a:lstStyle/>
+                    <a:p>
+                      <a:pPr algn="ctr"/>
+                      <a:r>
+                        <a:rPr lang="pt-BR" sz="2000" noProof="0" dirty="0" smtClean="0"/>
+                        <a:t>Abre um arquivo</a:t>
+                      </a:r>
+                      <a:r>
+                        <a:rPr lang="pt-BR" sz="2000" baseline="0" noProof="0" dirty="0" smtClean="0"/>
+                        <a:t> de texto leitura e escrita</a:t>
+                      </a:r>
+                      <a:endParaRPr lang="pt-BR" sz="2000" noProof="0" dirty="0"/>
+                    </a:p>
+                  </a:txBody>
+                  <a:tcPr/>
+                </a:tc>
+                <a:tc>
+                  <a:txBody>
+                    <a:bodyPr/>
+                    <a:lstStyle/>
+                    <a:p>
+                      <a:pPr algn="ctr"/>
+                      <a:r>
+                        <a:rPr lang="pt-BR" sz="2000" noProof="0" dirty="0" smtClean="0"/>
+                        <a:t>w+</a:t>
+                      </a:r>
+                      <a:endParaRPr lang="pt-BR" sz="2000" noProof="0" dirty="0"/>
+                    </a:p>
+                  </a:txBody>
+                  <a:tcPr/>
+                </a:tc>
+                <a:tc>
+                  <a:txBody>
+                    <a:bodyPr/>
+                    <a:lstStyle/>
+                    <a:p>
+                      <a:pPr algn="ctr"/>
+                      <a:r>
+                        <a:rPr lang="pt-BR" sz="2000" noProof="0" dirty="0" smtClean="0"/>
+                        <a:t>Abre arquivo para</a:t>
+                      </a:r>
+                      <a:r>
+                        <a:rPr lang="pt-BR" sz="2000" baseline="0" noProof="0" dirty="0" smtClean="0"/>
+                        <a:t> leitura e escrita, sobrescreve</a:t>
+                      </a:r>
+                      <a:endParaRPr lang="pt-BR" sz="2000" noProof="0" dirty="0"/>
+                    </a:p>
+                  </a:txBody>
+                  <a:tcPr/>
+                </a:tc>
+                <a:tc>
+                  <a:txBody>
+                    <a:bodyPr/>
+                    <a:lstStyle/>
+                    <a:p>
+                      <a:pPr algn="ctr"/>
+                      <a:r>
+                        <a:rPr lang="pt-BR" sz="2000" noProof="0" dirty="0" smtClean="0"/>
+                        <a:t>a+</a:t>
+                      </a:r>
+                      <a:endParaRPr lang="pt-BR" sz="2000" noProof="0" dirty="0"/>
+                    </a:p>
+                  </a:txBody>
+                  <a:tcPr/>
+                </a:tc>
+                <a:tc>
+                  <a:txBody>
+                    <a:bodyPr/>
+                    <a:lstStyle/>
+                    <a:p>
+                      <a:pPr algn="ctr"/>
+                      <a:r>
+                        <a:rPr lang="pt-BR" sz="2000" noProof="0" dirty="0" smtClean="0"/>
+                        <a:t>Abre arquivo</a:t>
+                      </a:r>
+                      <a:r>
+                        <a:rPr lang="pt-BR" sz="2000" baseline="0" noProof="0" dirty="0" smtClean="0"/>
+                        <a:t> para leitura e escrita no final</a:t>
+                      </a:r>
+                      <a:endParaRPr lang="pt-BR" sz="2000" noProof="0" dirty="0"/>
+                    </a:p>
+                  </a:txBody>
+                  <a:tcPr/>
+                </a:tc>
+                <a:extLst>
+                  <a:ext uri="{0D108BD9-81ED-4DB2-BD59-A6C34878D82A}">
+                    <a16:rowId xmlns:a16="http://schemas.microsoft.com/office/drawing/2014/main" val="1078461902"/>
+                  </a:ext>
+                </a:extLst>
+              </a:tr>
+              <a:tr h="370840">
+                <a:tc>
+                  <a:txBody>
+                    <a:bodyPr/>
+                    <a:lstStyle/>
+                    <a:p>
+                      <a:pPr algn="ctr"/>
+                      <a:r>
+                        <a:rPr lang="pt-BR" sz="2000" noProof="0" dirty="0" err="1" smtClean="0"/>
+                        <a:t>rb</a:t>
+                      </a:r>
+                      <a:r>
+                        <a:rPr lang="pt-BR" sz="2000" noProof="0" dirty="0" smtClean="0"/>
+                        <a:t>+</a:t>
+                      </a:r>
+                      <a:endParaRPr lang="pt-BR" sz="2000" noProof="0" dirty="0"/>
+                    </a:p>
+                  </a:txBody>
+                  <a:tcPr/>
+                </a:tc>
+                <a:tc>
+                  <a:txBody>
+                    <a:bodyPr/>
+                    <a:lstStyle/>
+                    <a:p>
+                      <a:pPr algn="ctr"/>
+                      <a:r>
+                        <a:rPr lang="pt-BR" sz="2000" noProof="0" dirty="0" smtClean="0"/>
+                        <a:t>Abre um arquivo binário para leitura escrita</a:t>
+                      </a:r>
+                      <a:endParaRPr lang="pt-BR" sz="2000" noProof="0" dirty="0"/>
+                    </a:p>
+                  </a:txBody>
+                  <a:tcPr/>
+                </a:tc>
+                <a:tc>
+                  <a:txBody>
+                    <a:bodyPr/>
+                    <a:lstStyle/>
+                    <a:p>
+                      <a:pPr algn="ctr"/>
+                      <a:r>
+                        <a:rPr lang="pt-BR" sz="2000" noProof="0" dirty="0" err="1" smtClean="0"/>
+                        <a:t>wb</a:t>
+                      </a:r>
+                      <a:r>
+                        <a:rPr lang="pt-BR" sz="2000" noProof="0" dirty="0" smtClean="0"/>
+                        <a:t>+</a:t>
+                      </a:r>
+                      <a:endParaRPr lang="pt-BR" sz="2000" noProof="0" dirty="0"/>
+                    </a:p>
+                  </a:txBody>
+                  <a:tcPr/>
+                </a:tc>
+                <a:tc>
+                  <a:txBody>
+                    <a:bodyPr/>
+                    <a:lstStyle/>
+                    <a:p>
+                      <a:pPr marL="0" marR="0" lvl="0" indent="0" algn="ctr" defTabSz="914400" rtl="0" eaLnBrk="1" fontAlgn="auto" latinLnBrk="0" hangingPunct="1">
+                        <a:lnSpc>
+                          <a:spcPct val="100000"/>
+                        </a:lnSpc>
+                        <a:spcBef>
+                          <a:spcPts val="0"/>
+                        </a:spcBef>
+                        <a:spcAft>
+                          <a:spcPts val="0"/>
+                        </a:spcAft>
+                        <a:buClrTx/>
+                        <a:buSzTx/>
+                        <a:buFontTx/>
+                        <a:buNone/>
+                        <a:tabLst/>
+                        <a:defRPr/>
+                      </a:pPr>
+                      <a:r>
+                        <a:rPr lang="pt-BR" sz="2000" noProof="0" dirty="0" smtClean="0"/>
+                        <a:t>Abre um arquivo binário para leitura escrita,</a:t>
+                      </a:r>
+                      <a:r>
+                        <a:rPr lang="pt-BR" sz="2000" baseline="0" noProof="0" dirty="0" smtClean="0"/>
+                        <a:t> sobrescreve</a:t>
+                      </a:r>
+                      <a:endParaRPr lang="pt-BR" sz="2000" noProof="0" dirty="0" smtClean="0"/>
+                    </a:p>
+                  </a:txBody>
+                  <a:tcPr/>
+                </a:tc>
+                <a:tc>
+                  <a:txBody>
+                    <a:bodyPr/>
+                    <a:lstStyle/>
+                    <a:p>
+                      <a:pPr algn="ctr"/>
+                      <a:r>
+                        <a:rPr lang="pt-BR" sz="2000" noProof="0" dirty="0" err="1" smtClean="0"/>
+                        <a:t>ab</a:t>
+                      </a:r>
+                      <a:r>
+                        <a:rPr lang="pt-BR" sz="2000" noProof="0" dirty="0" smtClean="0"/>
+                        <a:t>+</a:t>
+                      </a:r>
+                      <a:endParaRPr lang="pt-BR" sz="2000" noProof="0" dirty="0"/>
+                    </a:p>
+                  </a:txBody>
+                  <a:tcPr/>
+                </a:tc>
+                <a:tc>
+                  <a:txBody>
+                    <a:bodyPr/>
+                    <a:lstStyle/>
+                    <a:p>
+                      <a:pPr algn="ctr"/>
+                      <a:r>
+                        <a:rPr lang="pt-BR" sz="2000" noProof="0" dirty="0" smtClean="0"/>
+                        <a:t>Abre arquivo binário para leitura e escrita</a:t>
+                      </a:r>
+                      <a:r>
+                        <a:rPr lang="pt-BR" sz="2000" baseline="0" noProof="0" dirty="0" smtClean="0"/>
+                        <a:t> no final</a:t>
+                      </a:r>
+                      <a:endParaRPr lang="pt-BR" sz="2000" noProof="0" dirty="0"/>
+                    </a:p>
+                  </a:txBody>
+                  <a:tcPr/>
+                </a:tc>
+                <a:extLst>
+                  <a:ext uri="{0D108BD9-81ED-4DB2-BD59-A6C34878D82A}">
+                    <a16:rowId xmlns:a16="http://schemas.microsoft.com/office/drawing/2014/main" val="2200932847"/>
+                  </a:ext>
+                </a:extLst>
+              </a:tr>
+            </a:tbl>
+          </a:graphicData>
+        </a:graphic>
+      </p:graphicFrame>
     </p:spTree>
     <p:extLst>
       <p:ext uri="{BB962C8B-B14F-4D97-AF65-F5344CB8AC3E}">
-        <p14:creationId xmlns:p14="http://schemas.microsoft.com/office/powerpoint/2010/main" val="2844283933"/>
+        <p14:creationId xmlns:p14="http://schemas.microsoft.com/office/powerpoint/2010/main" val="1268147770"/>
       </p:ext>
     </p:extLst>
   </p:cSld>
@@ -14943,187 +15286,149 @@
             <p:ph type="title"/>
           </p:nvPr>
         </p:nvSpPr>
-        <p:spPr/>
-        <p:txBody>
-          <a:bodyPr/>
-          <a:lstStyle/>
-          <a:p>
-            <a:r>
-              <a:rPr lang="pt-BR" dirty="0" smtClean="0"/>
-              <a:t>Cronograma</a:t>
-            </a:r>
-            <a:endParaRPr lang="pt-BR" dirty="0"/>
-          </a:p>
-        </p:txBody>
-      </p:sp>
-      <p:sp>
-        <p:nvSpPr>
-          <p:cNvPr id="3" name="Espaço Reservado para Conteúdo 2"/>
-          <p:cNvSpPr>
-            <a:spLocks noGrp="1"/>
-          </p:cNvSpPr>
-          <p:nvPr>
-            <p:ph idx="1"/>
-          </p:nvPr>
-        </p:nvSpPr>
         <p:spPr>
           <a:xfrm>
-            <a:off x="628650" y="1418897"/>
-            <a:ext cx="7886700" cy="5087006"/>
+            <a:off x="628650" y="365127"/>
+            <a:ext cx="7886700" cy="980198"/>
           </a:xfrm>
         </p:spPr>
         <p:txBody>
+          <a:bodyPr/>
+          <a:lstStyle/>
+          <a:p>
+            <a:r>
+              <a:rPr lang="pt-BR" dirty="0" smtClean="0"/>
+              <a:t>Manipulando o arquivo</a:t>
+            </a:r>
+            <a:endParaRPr lang="pt-BR" dirty="0"/>
+          </a:p>
+        </p:txBody>
+      </p:sp>
+      <p:sp>
+        <p:nvSpPr>
+          <p:cNvPr id="3" name="Espaço Reservado para Conteúdo 2"/>
+          <p:cNvSpPr>
+            <a:spLocks noGrp="1"/>
+          </p:cNvSpPr>
+          <p:nvPr>
+            <p:ph idx="1"/>
+          </p:nvPr>
+        </p:nvSpPr>
+        <p:spPr>
+          <a:xfrm>
+            <a:off x="628650" y="1825624"/>
+            <a:ext cx="7886700" cy="4753851"/>
+          </a:xfrm>
+        </p:spPr>
+        <p:txBody>
           <a:bodyPr>
-            <a:noAutofit/>
+            <a:normAutofit/>
           </a:bodyPr>
           <a:lstStyle/>
           <a:p>
             <a:r>
-              <a:rPr lang="pt-BR" sz="3600" dirty="0" smtClean="0"/>
-              <a:t>Parte II:</a:t>
-            </a:r>
-          </a:p>
-          <a:p>
-            <a:pPr lvl="1"/>
-            <a:r>
-              <a:rPr lang="pt-BR" sz="3600" dirty="0">
-                <a:solidFill>
-                  <a:schemeClr val="tx1">
-                    <a:lumMod val="50000"/>
-                    <a:lumOff val="50000"/>
-                  </a:schemeClr>
-                </a:solidFill>
-              </a:rPr>
-              <a:t>Data e tempo</a:t>
-            </a:r>
-          </a:p>
-          <a:p>
-            <a:pPr lvl="1"/>
-            <a:r>
-              <a:rPr lang="pt-BR" sz="3600" dirty="0">
-                <a:solidFill>
-                  <a:schemeClr val="tx1">
-                    <a:lumMod val="50000"/>
-                    <a:lumOff val="50000"/>
-                  </a:schemeClr>
-                </a:solidFill>
-              </a:rPr>
-              <a:t>Funções</a:t>
-            </a:r>
-          </a:p>
-          <a:p>
-            <a:pPr lvl="1"/>
-            <a:r>
-              <a:rPr lang="pt-BR" sz="3600" dirty="0" smtClean="0">
-                <a:solidFill>
-                  <a:schemeClr val="tx1">
-                    <a:lumMod val="50000"/>
-                    <a:lumOff val="50000"/>
-                  </a:schemeClr>
-                </a:solidFill>
-              </a:rPr>
-              <a:t>Modularidade</a:t>
-            </a:r>
-            <a:endParaRPr lang="pt-BR" sz="3600" dirty="0">
-              <a:solidFill>
-                <a:schemeClr val="tx1">
-                  <a:lumMod val="50000"/>
-                  <a:lumOff val="50000"/>
-                </a:schemeClr>
-              </a:solidFill>
-            </a:endParaRPr>
-          </a:p>
-          <a:p>
-            <a:pPr lvl="1"/>
-            <a:r>
-              <a:rPr lang="pt-BR" sz="3600" dirty="0">
-                <a:solidFill>
-                  <a:schemeClr val="tx1">
-                    <a:lumMod val="50000"/>
-                    <a:lumOff val="50000"/>
-                  </a:schemeClr>
-                </a:solidFill>
-              </a:rPr>
-              <a:t>Arquivos</a:t>
-            </a:r>
-          </a:p>
-          <a:p>
-            <a:pPr lvl="1"/>
-            <a:r>
-              <a:rPr lang="pt-BR" sz="3600" dirty="0" smtClean="0">
-                <a:solidFill>
-                  <a:schemeClr val="tx1">
-                    <a:lumMod val="50000"/>
-                    <a:lumOff val="50000"/>
-                  </a:schemeClr>
-                </a:solidFill>
-              </a:rPr>
-              <a:t>Tratamento de exceções</a:t>
-            </a:r>
-            <a:endParaRPr lang="pt-BR" sz="3600" dirty="0">
-              <a:solidFill>
-                <a:schemeClr val="tx1">
-                  <a:lumMod val="50000"/>
-                  <a:lumOff val="50000"/>
-                </a:schemeClr>
-              </a:solidFill>
-            </a:endParaRPr>
-          </a:p>
-          <a:p>
-            <a:pPr lvl="1"/>
-            <a:r>
-              <a:rPr lang="pt-BR" sz="3600" dirty="0" smtClean="0">
-                <a:solidFill>
-                  <a:schemeClr val="tx1">
-                    <a:lumMod val="50000"/>
-                    <a:lumOff val="50000"/>
-                  </a:schemeClr>
-                </a:solidFill>
-              </a:rPr>
-              <a:t>Classes e objetos</a:t>
-            </a:r>
-          </a:p>
-          <a:p>
-            <a:pPr lvl="1"/>
-            <a:r>
-              <a:rPr lang="pt-BR" sz="3600" dirty="0" smtClean="0"/>
-              <a:t>Expressões regulares</a:t>
-            </a:r>
-          </a:p>
-          <a:p>
-            <a:pPr lvl="1"/>
-            <a:r>
-              <a:rPr lang="pt-BR" sz="3600" dirty="0" smtClean="0">
-                <a:solidFill>
-                  <a:schemeClr val="tx1">
-                    <a:lumMod val="50000"/>
-                    <a:lumOff val="50000"/>
-                  </a:schemeClr>
-                </a:solidFill>
-              </a:rPr>
-              <a:t>Manipulação de </a:t>
-            </a:r>
-            <a:r>
-              <a:rPr lang="pt-BR" sz="3600" dirty="0">
-                <a:solidFill>
-                  <a:schemeClr val="tx1">
-                    <a:lumMod val="50000"/>
-                    <a:lumOff val="50000"/>
-                  </a:schemeClr>
-                </a:solidFill>
-              </a:rPr>
-              <a:t>a</a:t>
-            </a:r>
-            <a:r>
-              <a:rPr lang="pt-BR" sz="3600" dirty="0" smtClean="0">
-                <a:solidFill>
-                  <a:schemeClr val="tx1">
-                    <a:lumMod val="50000"/>
-                    <a:lumOff val="50000"/>
-                  </a:schemeClr>
-                </a:solidFill>
-              </a:rPr>
-              <a:t>rquivo CSV</a:t>
+              <a:rPr lang="pt-BR" dirty="0" smtClean="0"/>
+              <a:t>Atributos de um arquivo</a:t>
+            </a:r>
+          </a:p>
+          <a:p>
+            <a:pPr lvl="1"/>
+            <a:r>
+              <a:rPr lang="pt-BR" dirty="0" err="1" smtClean="0"/>
+              <a:t>name</a:t>
+            </a:r>
+            <a:r>
+              <a:rPr lang="pt-BR" dirty="0" smtClean="0"/>
+              <a:t> – nome do arquivo</a:t>
+            </a:r>
+          </a:p>
+          <a:p>
+            <a:pPr lvl="1"/>
+            <a:r>
+              <a:rPr lang="pt-BR" dirty="0" err="1" smtClean="0"/>
+              <a:t>closed</a:t>
+            </a:r>
+            <a:r>
+              <a:rPr lang="pt-BR" dirty="0" smtClean="0"/>
+              <a:t> – identifica se o arquivo está fechado ou não</a:t>
+            </a:r>
+          </a:p>
+          <a:p>
+            <a:pPr lvl="1"/>
+            <a:r>
+              <a:rPr lang="pt-BR" dirty="0" err="1" smtClean="0"/>
+              <a:t>mode</a:t>
+            </a:r>
+            <a:r>
+              <a:rPr lang="pt-BR" dirty="0" smtClean="0"/>
+              <a:t> – modo no qual o arquivo foi aberto</a:t>
+            </a:r>
+          </a:p>
+          <a:p>
+            <a:r>
+              <a:rPr lang="pt-BR" dirty="0" smtClean="0"/>
+              <a:t>Para fechar um arquivo</a:t>
+            </a:r>
+          </a:p>
+          <a:p>
+            <a:pPr lvl="1"/>
+            <a:r>
+              <a:rPr lang="pt-BR" dirty="0" err="1" smtClean="0"/>
+              <a:t>arquivo.close</a:t>
+            </a:r>
+            <a:r>
+              <a:rPr lang="pt-BR" dirty="0" smtClean="0"/>
+              <a:t>()</a:t>
+            </a:r>
+          </a:p>
+          <a:p>
+            <a:r>
+              <a:rPr lang="pt-BR" dirty="0" smtClean="0"/>
+              <a:t>Para escrever uma </a:t>
+            </a:r>
+            <a:r>
+              <a:rPr lang="pt-BR" dirty="0" err="1" smtClean="0"/>
+              <a:t>string</a:t>
+            </a:r>
+            <a:r>
+              <a:rPr lang="pt-BR" dirty="0" smtClean="0"/>
+              <a:t> em um arquivo</a:t>
+            </a:r>
+          </a:p>
+          <a:p>
+            <a:pPr lvl="1"/>
+            <a:r>
+              <a:rPr lang="pt-BR" dirty="0" err="1" smtClean="0"/>
+              <a:t>arquivo.write</a:t>
+            </a:r>
+            <a:r>
+              <a:rPr lang="pt-BR" dirty="0" smtClean="0"/>
+              <a:t>(</a:t>
+            </a:r>
+            <a:r>
+              <a:rPr lang="pt-BR" dirty="0" err="1" smtClean="0"/>
+              <a:t>string</a:t>
+            </a:r>
+            <a:r>
+              <a:rPr lang="pt-BR" dirty="0" smtClean="0"/>
+              <a:t>)</a:t>
+            </a:r>
+          </a:p>
+          <a:p>
+            <a:r>
+              <a:rPr lang="pt-BR" dirty="0" smtClean="0"/>
+              <a:t>Para ler 10 bytes do arquivo</a:t>
+            </a:r>
+          </a:p>
+          <a:p>
+            <a:pPr lvl="1"/>
+            <a:r>
+              <a:rPr lang="pt-BR" dirty="0" err="1" smtClean="0"/>
+              <a:t>arquivo.read</a:t>
+            </a:r>
+            <a:r>
+              <a:rPr lang="pt-BR" dirty="0" smtClean="0"/>
+              <a:t>(10)</a:t>
             </a:r>
           </a:p>
         </p:txBody>
@@ -15131,7 +15436,7 @@
     </p:spTree>
     <p:extLst>
       <p:ext uri="{BB962C8B-B14F-4D97-AF65-F5344CB8AC3E}">
-        <p14:creationId xmlns:p14="http://schemas.microsoft.com/office/powerpoint/2010/main" val="1832392627"/>
+        <p14:creationId xmlns:p14="http://schemas.microsoft.com/office/powerpoint/2010/main" val="568699439"/>
       </p:ext>
     </p:extLst>
   </p:cSld>
@@ -15175,173 +15480,74 @@
             <p:ph type="title"/>
           </p:nvPr>
         </p:nvSpPr>
-        <p:spPr/>
-        <p:txBody>
-          <a:bodyPr/>
-          <a:lstStyle/>
-          <a:p>
-            <a:r>
-              <a:rPr lang="pt-BR" dirty="0" smtClean="0"/>
-              <a:t>Cronograma</a:t>
-            </a:r>
-            <a:endParaRPr lang="pt-BR" dirty="0"/>
-          </a:p>
-        </p:txBody>
-      </p:sp>
-      <p:sp>
-        <p:nvSpPr>
-          <p:cNvPr id="3" name="Espaço Reservado para Conteúdo 2"/>
-          <p:cNvSpPr>
-            <a:spLocks noGrp="1"/>
-          </p:cNvSpPr>
-          <p:nvPr>
-            <p:ph idx="1"/>
-          </p:nvPr>
-        </p:nvSpPr>
         <p:spPr>
           <a:xfrm>
-            <a:off x="628650" y="1418897"/>
-            <a:ext cx="7886700" cy="5087006"/>
+            <a:off x="628650" y="365127"/>
+            <a:ext cx="7886700" cy="980198"/>
           </a:xfrm>
         </p:spPr>
         <p:txBody>
+          <a:bodyPr/>
+          <a:lstStyle/>
+          <a:p>
+            <a:r>
+              <a:rPr lang="pt-BR" dirty="0" smtClean="0"/>
+              <a:t>Exercício</a:t>
+            </a:r>
+            <a:endParaRPr lang="pt-BR" dirty="0"/>
+          </a:p>
+        </p:txBody>
+      </p:sp>
+      <p:sp>
+        <p:nvSpPr>
+          <p:cNvPr id="3" name="Espaço Reservado para Conteúdo 2"/>
+          <p:cNvSpPr>
+            <a:spLocks noGrp="1"/>
+          </p:cNvSpPr>
+          <p:nvPr>
+            <p:ph idx="1"/>
+          </p:nvPr>
+        </p:nvSpPr>
+        <p:spPr>
+          <a:xfrm>
+            <a:off x="628650" y="1825624"/>
+            <a:ext cx="7886700" cy="4753851"/>
+          </a:xfrm>
+        </p:spPr>
+        <p:txBody>
           <a:bodyPr>
-            <a:noAutofit/>
+            <a:normAutofit/>
           </a:bodyPr>
           <a:lstStyle/>
           <a:p>
             <a:r>
-              <a:rPr lang="pt-BR" sz="3600" dirty="0" smtClean="0"/>
-              <a:t>Parte II:</a:t>
-            </a:r>
-          </a:p>
-          <a:p>
-            <a:pPr lvl="1"/>
-            <a:r>
-              <a:rPr lang="pt-BR" sz="3600" dirty="0">
-                <a:solidFill>
-                  <a:schemeClr val="tx1">
-                    <a:lumMod val="50000"/>
-                    <a:lumOff val="50000"/>
-                  </a:schemeClr>
-                </a:solidFill>
-              </a:rPr>
-              <a:t>Data e tempo</a:t>
-            </a:r>
-          </a:p>
-          <a:p>
-            <a:pPr lvl="1"/>
-            <a:r>
-              <a:rPr lang="pt-BR" sz="3600" dirty="0">
-                <a:solidFill>
-                  <a:schemeClr val="tx1">
-                    <a:lumMod val="50000"/>
-                    <a:lumOff val="50000"/>
-                  </a:schemeClr>
-                </a:solidFill>
-              </a:rPr>
-              <a:t>Funções</a:t>
-            </a:r>
-          </a:p>
-          <a:p>
-            <a:pPr lvl="1"/>
-            <a:r>
-              <a:rPr lang="pt-BR" sz="3600" dirty="0" smtClean="0">
-                <a:solidFill>
-                  <a:schemeClr val="tx1">
-                    <a:lumMod val="50000"/>
-                    <a:lumOff val="50000"/>
-                  </a:schemeClr>
-                </a:solidFill>
-              </a:rPr>
-              <a:t>Modularidade</a:t>
-            </a:r>
-            <a:endParaRPr lang="pt-BR" sz="3600" dirty="0">
-              <a:solidFill>
-                <a:schemeClr val="tx1">
-                  <a:lumMod val="50000"/>
-                  <a:lumOff val="50000"/>
-                </a:schemeClr>
-              </a:solidFill>
-            </a:endParaRPr>
-          </a:p>
-          <a:p>
-            <a:pPr lvl="1"/>
-            <a:r>
-              <a:rPr lang="pt-BR" sz="3600" dirty="0">
-                <a:solidFill>
-                  <a:schemeClr val="tx1">
-                    <a:lumMod val="50000"/>
-                    <a:lumOff val="50000"/>
-                  </a:schemeClr>
-                </a:solidFill>
-              </a:rPr>
-              <a:t>Arquivos</a:t>
-            </a:r>
-          </a:p>
-          <a:p>
-            <a:pPr lvl="1"/>
-            <a:r>
-              <a:rPr lang="pt-BR" sz="3600" dirty="0" smtClean="0">
-                <a:solidFill>
-                  <a:schemeClr val="tx1">
-                    <a:lumMod val="50000"/>
-                    <a:lumOff val="50000"/>
-                  </a:schemeClr>
-                </a:solidFill>
-              </a:rPr>
-              <a:t>Tratamento de exceções</a:t>
-            </a:r>
-            <a:endParaRPr lang="pt-BR" sz="3600" dirty="0">
-              <a:solidFill>
-                <a:schemeClr val="tx1">
-                  <a:lumMod val="50000"/>
-                  <a:lumOff val="50000"/>
-                </a:schemeClr>
-              </a:solidFill>
-            </a:endParaRPr>
-          </a:p>
-          <a:p>
-            <a:pPr lvl="1"/>
-            <a:r>
-              <a:rPr lang="pt-BR" sz="3600" dirty="0" smtClean="0">
-                <a:solidFill>
-                  <a:schemeClr val="tx1">
-                    <a:lumMod val="50000"/>
-                    <a:lumOff val="50000"/>
-                  </a:schemeClr>
-                </a:solidFill>
-              </a:rPr>
-              <a:t>Classes e objetos</a:t>
-            </a:r>
-          </a:p>
-          <a:p>
-            <a:pPr lvl="1"/>
-            <a:r>
-              <a:rPr lang="pt-BR" sz="3600" dirty="0" smtClean="0">
-                <a:solidFill>
-                  <a:schemeClr val="tx1">
-                    <a:lumMod val="50000"/>
-                    <a:lumOff val="50000"/>
-                  </a:schemeClr>
-                </a:solidFill>
-              </a:rPr>
-              <a:t>Expressões regulares</a:t>
-            </a:r>
-          </a:p>
-          <a:p>
-            <a:pPr lvl="1"/>
-            <a:r>
-              <a:rPr lang="pt-BR" sz="3600" dirty="0" smtClean="0"/>
-              <a:t>Manipulação de </a:t>
-            </a:r>
-            <a:r>
-              <a:rPr lang="pt-BR" sz="3600" dirty="0"/>
-              <a:t>a</a:t>
-            </a:r>
-            <a:r>
-              <a:rPr lang="pt-BR" sz="3600" dirty="0" smtClean="0"/>
-              <a:t>rquivo CSV</a:t>
+              <a:rPr lang="pt-BR" dirty="0" smtClean="0"/>
+              <a:t>Acesse a página da </a:t>
+            </a:r>
+            <a:r>
+              <a:rPr lang="pt-BR" dirty="0" err="1" smtClean="0"/>
+              <a:t>Wikipedia</a:t>
+            </a:r>
+            <a:r>
+              <a:rPr lang="pt-BR" dirty="0" smtClean="0"/>
+              <a:t> sobre a UFRGS em inglês</a:t>
+            </a:r>
+          </a:p>
+          <a:p>
+            <a:r>
+              <a:rPr lang="pt-BR" dirty="0" smtClean="0"/>
+              <a:t>Copie o primeiro paragrafo linha a linha e cole em um arquivo .</a:t>
+            </a:r>
+            <a:r>
+              <a:rPr lang="pt-BR" dirty="0" err="1" smtClean="0"/>
+              <a:t>txt</a:t>
+            </a:r>
+            <a:endParaRPr lang="pt-BR" dirty="0" smtClean="0"/>
+          </a:p>
+          <a:p>
+            <a:r>
+              <a:rPr lang="pt-BR" dirty="0" smtClean="0"/>
+              <a:t>Escreva um pequeno programa que abra esse arquivo e substitua todos os acrônimos UFRGS por uma frase de sua escolha</a:t>
             </a:r>
           </a:p>
         </p:txBody>
@@ -15349,7 +15555,7 @@
     </p:spTree>
     <p:extLst>
       <p:ext uri="{BB962C8B-B14F-4D97-AF65-F5344CB8AC3E}">
-        <p14:creationId xmlns:p14="http://schemas.microsoft.com/office/powerpoint/2010/main" val="2468608696"/>
+        <p14:creationId xmlns:p14="http://schemas.microsoft.com/office/powerpoint/2010/main" val="2254982044"/>
       </p:ext>
     </p:extLst>
   </p:cSld>
@@ -15367,6 +15573,225 @@
 </file>
 
 <file path=ppt/slides/slide66.xml><?xml version="1.0" encoding="utf-8"?>
+<p:sld xmlns:a="http://schemas.openxmlformats.org/drawingml/2006/main" xmlns:r="http://schemas.openxmlformats.org/officeDocument/2006/relationships" xmlns:p="http://schemas.openxmlformats.org/presentationml/2006/main">
+  <p:cSld>
+    <p:spTree>
+      <p:nvGrpSpPr>
+        <p:cNvPr id="1" name=""/>
+        <p:cNvGrpSpPr/>
+        <p:nvPr/>
+      </p:nvGrpSpPr>
+      <p:grpSpPr>
+        <a:xfrm>
+          <a:off x="0" y="0"/>
+          <a:ext cx="0" cy="0"/>
+          <a:chOff x="0" y="0"/>
+          <a:chExt cx="0" cy="0"/>
+        </a:xfrm>
+      </p:grpSpPr>
+      <p:sp>
+        <p:nvSpPr>
+          <p:cNvPr id="2" name="Título 1"/>
+          <p:cNvSpPr>
+            <a:spLocks noGrp="1"/>
+          </p:cNvSpPr>
+          <p:nvPr>
+            <p:ph type="title"/>
+          </p:nvPr>
+        </p:nvSpPr>
+        <p:spPr/>
+        <p:txBody>
+          <a:bodyPr/>
+          <a:lstStyle/>
+          <a:p>
+            <a:r>
+              <a:rPr lang="pt-BR" dirty="0" smtClean="0"/>
+              <a:t>Cronograma</a:t>
+            </a:r>
+            <a:endParaRPr lang="pt-BR" dirty="0"/>
+          </a:p>
+        </p:txBody>
+      </p:sp>
+      <p:sp>
+        <p:nvSpPr>
+          <p:cNvPr id="3" name="Espaço Reservado para Conteúdo 2"/>
+          <p:cNvSpPr>
+            <a:spLocks noGrp="1"/>
+          </p:cNvSpPr>
+          <p:nvPr>
+            <p:ph idx="1"/>
+          </p:nvPr>
+        </p:nvSpPr>
+        <p:spPr>
+          <a:xfrm>
+            <a:off x="628650" y="1418897"/>
+            <a:ext cx="7886700" cy="5087006"/>
+          </a:xfrm>
+        </p:spPr>
+        <p:txBody>
+          <a:bodyPr>
+            <a:noAutofit/>
+          </a:bodyPr>
+          <a:lstStyle/>
+          <a:p>
+            <a:r>
+              <a:rPr lang="pt-BR" sz="3600" dirty="0" smtClean="0"/>
+              <a:t>Parte II:</a:t>
+            </a:r>
+          </a:p>
+          <a:p>
+            <a:pPr lvl="1"/>
+            <a:r>
+              <a:rPr lang="pt-BR" sz="3600" dirty="0">
+                <a:solidFill>
+                  <a:schemeClr val="tx1">
+                    <a:lumMod val="50000"/>
+                    <a:lumOff val="50000"/>
+                  </a:schemeClr>
+                </a:solidFill>
+              </a:rPr>
+              <a:t>Data e tempo</a:t>
+            </a:r>
+          </a:p>
+          <a:p>
+            <a:pPr lvl="1"/>
+            <a:r>
+              <a:rPr lang="pt-BR" sz="3600" dirty="0">
+                <a:solidFill>
+                  <a:schemeClr val="tx1">
+                    <a:lumMod val="50000"/>
+                    <a:lumOff val="50000"/>
+                  </a:schemeClr>
+                </a:solidFill>
+              </a:rPr>
+              <a:t>Funções</a:t>
+            </a:r>
+          </a:p>
+          <a:p>
+            <a:pPr lvl="1"/>
+            <a:r>
+              <a:rPr lang="pt-BR" sz="3600" dirty="0" smtClean="0">
+                <a:solidFill>
+                  <a:schemeClr val="tx1">
+                    <a:lumMod val="50000"/>
+                    <a:lumOff val="50000"/>
+                  </a:schemeClr>
+                </a:solidFill>
+              </a:rPr>
+              <a:t>Modularidade</a:t>
+            </a:r>
+            <a:endParaRPr lang="pt-BR" sz="3600" dirty="0">
+              <a:solidFill>
+                <a:schemeClr val="tx1">
+                  <a:lumMod val="50000"/>
+                  <a:lumOff val="50000"/>
+                </a:schemeClr>
+              </a:solidFill>
+            </a:endParaRPr>
+          </a:p>
+          <a:p>
+            <a:pPr lvl="1"/>
+            <a:r>
+              <a:rPr lang="pt-BR" sz="3600" dirty="0" smtClean="0">
+                <a:solidFill>
+                  <a:schemeClr val="tx1">
+                    <a:lumMod val="50000"/>
+                    <a:lumOff val="50000"/>
+                  </a:schemeClr>
+                </a:solidFill>
+              </a:rPr>
+              <a:t>Arquivos</a:t>
+            </a:r>
+          </a:p>
+          <a:p>
+            <a:pPr lvl="1"/>
+            <a:r>
+              <a:rPr lang="pt-BR" sz="3600" dirty="0"/>
+              <a:t>Manipulação de arquivo </a:t>
+            </a:r>
+            <a:r>
+              <a:rPr lang="pt-BR" sz="3600" dirty="0" smtClean="0"/>
+              <a:t>CSV</a:t>
+            </a:r>
+          </a:p>
+          <a:p>
+            <a:pPr lvl="1"/>
+            <a:r>
+              <a:rPr lang="pt-BR" sz="3600" dirty="0" smtClean="0">
+                <a:solidFill>
+                  <a:schemeClr val="tx1">
+                    <a:lumMod val="50000"/>
+                    <a:lumOff val="50000"/>
+                  </a:schemeClr>
+                </a:solidFill>
+              </a:rPr>
+              <a:t>Tratamento </a:t>
+            </a:r>
+            <a:r>
+              <a:rPr lang="pt-BR" sz="3600" dirty="0" smtClean="0">
+                <a:solidFill>
+                  <a:schemeClr val="tx1">
+                    <a:lumMod val="50000"/>
+                    <a:lumOff val="50000"/>
+                  </a:schemeClr>
+                </a:solidFill>
+              </a:rPr>
+              <a:t>de exceções</a:t>
+            </a:r>
+            <a:endParaRPr lang="pt-BR" sz="3600" dirty="0">
+              <a:solidFill>
+                <a:schemeClr val="tx1">
+                  <a:lumMod val="50000"/>
+                  <a:lumOff val="50000"/>
+                </a:schemeClr>
+              </a:solidFill>
+            </a:endParaRPr>
+          </a:p>
+          <a:p>
+            <a:pPr lvl="1"/>
+            <a:r>
+              <a:rPr lang="pt-BR" sz="3600" dirty="0" smtClean="0">
+                <a:solidFill>
+                  <a:schemeClr val="tx1">
+                    <a:lumMod val="50000"/>
+                    <a:lumOff val="50000"/>
+                  </a:schemeClr>
+                </a:solidFill>
+              </a:rPr>
+              <a:t>Orientação a objetos</a:t>
+            </a:r>
+            <a:endParaRPr lang="pt-BR" sz="3600" dirty="0" smtClean="0">
+              <a:solidFill>
+                <a:schemeClr val="tx1">
+                  <a:lumMod val="50000"/>
+                  <a:lumOff val="50000"/>
+                </a:schemeClr>
+              </a:solidFill>
+            </a:endParaRPr>
+          </a:p>
+        </p:txBody>
+      </p:sp>
+    </p:spTree>
+    <p:extLst>
+      <p:ext uri="{BB962C8B-B14F-4D97-AF65-F5344CB8AC3E}">
+        <p14:creationId xmlns:p14="http://schemas.microsoft.com/office/powerpoint/2010/main" val="1462538175"/>
+      </p:ext>
+    </p:extLst>
+  </p:cSld>
+  <p:clrMapOvr>
+    <a:masterClrMapping/>
+  </p:clrMapOvr>
+  <p:timing>
+    <p:tnLst>
+      <p:par>
+        <p:cTn id="1" dur="indefinite" restart="never" nodeType="tmRoot"/>
+      </p:par>
+    </p:tnLst>
+  </p:timing>
+</p:sld>
+</file>
+
+<file path=ppt/slides/slide67.xml><?xml version="1.0" encoding="utf-8"?>
 <p:sld xmlns:a="http://schemas.openxmlformats.org/drawingml/2006/main" xmlns:r="http://schemas.openxmlformats.org/officeDocument/2006/relationships" xmlns:p="http://schemas.openxmlformats.org/presentationml/2006/main">
   <p:cSld>
     <p:spTree>

--- a/aula.pptx
+++ b/aula.pptx
@@ -71,7 +71,15 @@
     <p:sldId id="328" r:id="rId65"/>
     <p:sldId id="329" r:id="rId66"/>
     <p:sldId id="313" r:id="rId67"/>
-    <p:sldId id="317" r:id="rId68"/>
+    <p:sldId id="339" r:id="rId68"/>
+    <p:sldId id="335" r:id="rId69"/>
+    <p:sldId id="337" r:id="rId70"/>
+    <p:sldId id="338" r:id="rId71"/>
+    <p:sldId id="336" r:id="rId72"/>
+    <p:sldId id="340" r:id="rId73"/>
+    <p:sldId id="341" r:id="rId74"/>
+    <p:sldId id="342" r:id="rId75"/>
+    <p:sldId id="317" r:id="rId76"/>
   </p:sldIdLst>
   <p:sldSz cx="9144000" cy="6858000" type="screen4x3"/>
   <p:notesSz cx="6858000" cy="9144000"/>
@@ -8366,12 +8374,8 @@
           <a:p>
             <a:pPr lvl="1"/>
             <a:r>
-              <a:rPr lang="pt-BR" sz="3600" smtClean="0"/>
-              <a:t>Orientação a </a:t>
-            </a:r>
-            <a:r>
               <a:rPr lang="pt-BR" sz="3600" dirty="0" smtClean="0"/>
-              <a:t>objetos</a:t>
+              <a:t>Orientação a objetos</a:t>
             </a:r>
             <a:endParaRPr lang="pt-BR" sz="3600" dirty="0" smtClean="0"/>
           </a:p>
@@ -10125,44 +10129,14 @@
           <a:p>
             <a:pPr lvl="1"/>
             <a:r>
-              <a:rPr lang="pt-BR" sz="3600" dirty="0" err="1"/>
-              <a:t>Numpy</a:t>
-            </a:r>
-            <a:r>
               <a:rPr lang="pt-BR" sz="3600" dirty="0"/>
-              <a:t> – Manipulação de </a:t>
-            </a:r>
-            <a:r>
-              <a:rPr lang="pt-BR" sz="3600" dirty="0" err="1"/>
-              <a:t>N-arrays</a:t>
+              <a:t>Análise de dados com Pandas e </a:t>
+            </a:r>
+            <a:r>
+              <a:rPr lang="pt-BR" sz="3600"/>
+              <a:t>Matplotlib</a:t>
             </a:r>
             <a:endParaRPr lang="pt-BR" sz="3600" dirty="0"/>
-          </a:p>
-          <a:p>
-            <a:pPr lvl="1"/>
-            <a:r>
-              <a:rPr lang="pt-BR" sz="3600" dirty="0"/>
-              <a:t>Pandas – Análise de dados</a:t>
-            </a:r>
-          </a:p>
-          <a:p>
-            <a:pPr lvl="1"/>
-            <a:r>
-              <a:rPr lang="pt-BR" sz="3600" dirty="0" err="1"/>
-              <a:t>Matplotlib</a:t>
-            </a:r>
-            <a:r>
-              <a:rPr lang="pt-BR" sz="3600" dirty="0"/>
-              <a:t> – </a:t>
-            </a:r>
-            <a:r>
-              <a:rPr lang="pt-BR" sz="3600" dirty="0" err="1"/>
-              <a:t>Plot</a:t>
-            </a:r>
-            <a:r>
-              <a:rPr lang="pt-BR" sz="3600" dirty="0"/>
-              <a:t> de gráficos</a:t>
-            </a:r>
           </a:p>
         </p:txBody>
       </p:sp>
@@ -15818,6 +15792,125 @@
             <p:ph type="title"/>
           </p:nvPr>
         </p:nvSpPr>
+        <p:spPr>
+          <a:xfrm>
+            <a:off x="628650" y="365127"/>
+            <a:ext cx="7886700" cy="980198"/>
+          </a:xfrm>
+        </p:spPr>
+        <p:txBody>
+          <a:bodyPr/>
+          <a:lstStyle/>
+          <a:p>
+            <a:r>
+              <a:rPr lang="pt-BR" dirty="0" smtClean="0"/>
+              <a:t>Exercício</a:t>
+            </a:r>
+            <a:endParaRPr lang="pt-BR" dirty="0"/>
+          </a:p>
+        </p:txBody>
+      </p:sp>
+      <p:sp>
+        <p:nvSpPr>
+          <p:cNvPr id="3" name="Espaço Reservado para Conteúdo 2"/>
+          <p:cNvSpPr>
+            <a:spLocks noGrp="1"/>
+          </p:cNvSpPr>
+          <p:nvPr>
+            <p:ph idx="1"/>
+          </p:nvPr>
+        </p:nvSpPr>
+        <p:spPr>
+          <a:xfrm>
+            <a:off x="628650" y="1825624"/>
+            <a:ext cx="7886700" cy="4753851"/>
+          </a:xfrm>
+        </p:spPr>
+        <p:txBody>
+          <a:bodyPr>
+            <a:normAutofit/>
+          </a:bodyPr>
+          <a:lstStyle/>
+          <a:p>
+            <a:r>
+              <a:rPr lang="pt-BR" dirty="0" smtClean="0"/>
+              <a:t>Acesse a página da </a:t>
+            </a:r>
+            <a:r>
+              <a:rPr lang="pt-BR" dirty="0" err="1" smtClean="0"/>
+              <a:t>Wikipedia</a:t>
+            </a:r>
+            <a:r>
+              <a:rPr lang="pt-BR" dirty="0" smtClean="0"/>
+              <a:t> sobre a UFRGS em inglês</a:t>
+            </a:r>
+          </a:p>
+          <a:p>
+            <a:r>
+              <a:rPr lang="pt-BR" dirty="0" smtClean="0"/>
+              <a:t>Copie o primeiro paragrafo linha a linha e cole em um arquivo .</a:t>
+            </a:r>
+            <a:r>
+              <a:rPr lang="pt-BR" dirty="0" err="1" smtClean="0"/>
+              <a:t>txt</a:t>
+            </a:r>
+            <a:endParaRPr lang="pt-BR" dirty="0" smtClean="0"/>
+          </a:p>
+          <a:p>
+            <a:r>
+              <a:rPr lang="pt-BR" dirty="0" smtClean="0"/>
+              <a:t>Escreva um pequeno programa que abra esse arquivo e substitua todos os acrônimos UFRGS por uma frase de sua escolha</a:t>
+            </a:r>
+          </a:p>
+        </p:txBody>
+      </p:sp>
+    </p:spTree>
+    <p:extLst>
+      <p:ext uri="{BB962C8B-B14F-4D97-AF65-F5344CB8AC3E}">
+        <p14:creationId xmlns:p14="http://schemas.microsoft.com/office/powerpoint/2010/main" val="1485130100"/>
+      </p:ext>
+    </p:extLst>
+  </p:cSld>
+  <p:clrMapOvr>
+    <a:masterClrMapping/>
+  </p:clrMapOvr>
+  <p:timing>
+    <p:tnLst>
+      <p:par>
+        <p:cTn id="1" dur="indefinite" restart="never" nodeType="tmRoot"/>
+      </p:par>
+    </p:tnLst>
+  </p:timing>
+</p:sld>
+</file>
+
+<file path=ppt/slides/slide68.xml><?xml version="1.0" encoding="utf-8"?>
+<p:sld xmlns:a="http://schemas.openxmlformats.org/drawingml/2006/main" xmlns:r="http://schemas.openxmlformats.org/officeDocument/2006/relationships" xmlns:p="http://schemas.openxmlformats.org/presentationml/2006/main">
+  <p:cSld>
+    <p:spTree>
+      <p:nvGrpSpPr>
+        <p:cNvPr id="1" name=""/>
+        <p:cNvGrpSpPr/>
+        <p:nvPr/>
+      </p:nvGrpSpPr>
+      <p:grpSpPr>
+        <a:xfrm>
+          <a:off x="0" y="0"/>
+          <a:ext cx="0" cy="0"/>
+          <a:chOff x="0" y="0"/>
+          <a:chExt cx="0" cy="0"/>
+        </a:xfrm>
+      </p:grpSpPr>
+      <p:sp>
+        <p:nvSpPr>
+          <p:cNvPr id="2" name="Título 1"/>
+          <p:cNvSpPr>
+            <a:spLocks noGrp="1"/>
+          </p:cNvSpPr>
+          <p:nvPr>
+            <p:ph type="title"/>
+          </p:nvPr>
+        </p:nvSpPr>
         <p:spPr/>
         <p:txBody>
           <a:bodyPr/>
@@ -15849,63 +15942,336 @@
         </p:spPr>
         <p:txBody>
           <a:bodyPr>
-            <a:normAutofit/>
+            <a:noAutofit/>
           </a:bodyPr>
           <a:lstStyle/>
           <a:p>
             <a:r>
               <a:rPr lang="pt-BR" sz="3600" dirty="0" smtClean="0"/>
-              <a:t>Parte III:</a:t>
-            </a:r>
-          </a:p>
-          <a:p>
-            <a:pPr lvl="1"/>
-            <a:r>
-              <a:rPr lang="pt-BR" sz="3600" dirty="0" err="1" smtClean="0"/>
-              <a:t>Numpy</a:t>
-            </a:r>
+              <a:t>Parte II:</a:t>
+            </a:r>
+          </a:p>
+          <a:p>
+            <a:pPr lvl="1"/>
+            <a:r>
+              <a:rPr lang="pt-BR" sz="3600" dirty="0">
+                <a:solidFill>
+                  <a:schemeClr val="tx1">
+                    <a:lumMod val="50000"/>
+                    <a:lumOff val="50000"/>
+                  </a:schemeClr>
+                </a:solidFill>
+              </a:rPr>
+              <a:t>Data e tempo</a:t>
+            </a:r>
+          </a:p>
+          <a:p>
+            <a:pPr lvl="1"/>
+            <a:r>
+              <a:rPr lang="pt-BR" sz="3600" dirty="0">
+                <a:solidFill>
+                  <a:schemeClr val="tx1">
+                    <a:lumMod val="50000"/>
+                    <a:lumOff val="50000"/>
+                  </a:schemeClr>
+                </a:solidFill>
+              </a:rPr>
+              <a:t>Funções</a:t>
+            </a:r>
+          </a:p>
+          <a:p>
+            <a:pPr lvl="1"/>
+            <a:r>
+              <a:rPr lang="pt-BR" sz="3600" dirty="0" smtClean="0">
+                <a:solidFill>
+                  <a:schemeClr val="tx1">
+                    <a:lumMod val="50000"/>
+                    <a:lumOff val="50000"/>
+                  </a:schemeClr>
+                </a:solidFill>
+              </a:rPr>
+              <a:t>Modularidade</a:t>
+            </a:r>
+            <a:endParaRPr lang="pt-BR" sz="3600" dirty="0">
+              <a:solidFill>
+                <a:schemeClr val="tx1">
+                  <a:lumMod val="50000"/>
+                  <a:lumOff val="50000"/>
+                </a:schemeClr>
+              </a:solidFill>
+            </a:endParaRPr>
+          </a:p>
+          <a:p>
+            <a:pPr lvl="1"/>
+            <a:r>
+              <a:rPr lang="pt-BR" sz="3600" dirty="0" smtClean="0">
+                <a:solidFill>
+                  <a:schemeClr val="tx1">
+                    <a:lumMod val="50000"/>
+                    <a:lumOff val="50000"/>
+                  </a:schemeClr>
+                </a:solidFill>
+              </a:rPr>
+              <a:t>Arquivos</a:t>
+            </a:r>
+          </a:p>
+          <a:p>
+            <a:pPr lvl="1"/>
+            <a:r>
+              <a:rPr lang="pt-BR" sz="3600" dirty="0">
+                <a:solidFill>
+                  <a:schemeClr val="tx1">
+                    <a:lumMod val="50000"/>
+                    <a:lumOff val="50000"/>
+                  </a:schemeClr>
+                </a:solidFill>
+              </a:rPr>
+              <a:t>Manipulação de arquivo </a:t>
+            </a:r>
+            <a:r>
+              <a:rPr lang="pt-BR" sz="3600" dirty="0" smtClean="0">
+                <a:solidFill>
+                  <a:schemeClr val="tx1">
+                    <a:lumMod val="50000"/>
+                    <a:lumOff val="50000"/>
+                  </a:schemeClr>
+                </a:solidFill>
+              </a:rPr>
+              <a:t>CSV</a:t>
+            </a:r>
+          </a:p>
+          <a:p>
+            <a:pPr lvl="1"/>
             <a:r>
               <a:rPr lang="pt-BR" sz="3600" dirty="0" smtClean="0"/>
-              <a:t> – Manipulação de </a:t>
-            </a:r>
-            <a:r>
-              <a:rPr lang="pt-BR" sz="3600" dirty="0" err="1" smtClean="0"/>
-              <a:t>N-arrays</a:t>
-            </a:r>
-            <a:endParaRPr lang="pt-BR" sz="3600" dirty="0" smtClean="0"/>
-          </a:p>
-          <a:p>
-            <a:pPr lvl="1"/>
+              <a:t>Tratamento </a:t>
+            </a:r>
             <a:r>
               <a:rPr lang="pt-BR" sz="3600" dirty="0" smtClean="0"/>
-              <a:t>Pandas – Análise de dados</a:t>
-            </a:r>
-          </a:p>
-          <a:p>
-            <a:pPr lvl="1"/>
-            <a:r>
-              <a:rPr lang="pt-BR" sz="3600" dirty="0" err="1" smtClean="0"/>
-              <a:t>Matplotlib</a:t>
-            </a:r>
-            <a:r>
-              <a:rPr lang="pt-BR" sz="3600" dirty="0" smtClean="0"/>
-              <a:t> – </a:t>
-            </a:r>
-            <a:r>
-              <a:rPr lang="pt-BR" sz="3600" dirty="0" err="1" smtClean="0"/>
-              <a:t>Plot</a:t>
-            </a:r>
-            <a:r>
-              <a:rPr lang="pt-BR" sz="3600" dirty="0" smtClean="0"/>
-              <a:t> de gráficos</a:t>
-            </a:r>
+              <a:t>de exceções</a:t>
+            </a:r>
+            <a:endParaRPr lang="pt-BR" sz="3600" dirty="0"/>
+          </a:p>
+          <a:p>
+            <a:pPr lvl="1"/>
+            <a:r>
+              <a:rPr lang="pt-BR" sz="3600" dirty="0" smtClean="0">
+                <a:solidFill>
+                  <a:schemeClr val="tx1">
+                    <a:lumMod val="50000"/>
+                    <a:lumOff val="50000"/>
+                  </a:schemeClr>
+                </a:solidFill>
+              </a:rPr>
+              <a:t>Orientação a objetos</a:t>
+            </a:r>
+            <a:endParaRPr lang="pt-BR" sz="3600" dirty="0" smtClean="0">
+              <a:solidFill>
+                <a:schemeClr val="tx1">
+                  <a:lumMod val="50000"/>
+                  <a:lumOff val="50000"/>
+                </a:schemeClr>
+              </a:solidFill>
+            </a:endParaRPr>
           </a:p>
         </p:txBody>
       </p:sp>
     </p:spTree>
     <p:extLst>
       <p:ext uri="{BB962C8B-B14F-4D97-AF65-F5344CB8AC3E}">
-        <p14:creationId xmlns:p14="http://schemas.microsoft.com/office/powerpoint/2010/main" val="3429233724"/>
+        <p14:creationId xmlns:p14="http://schemas.microsoft.com/office/powerpoint/2010/main" val="2848319314"/>
+      </p:ext>
+    </p:extLst>
+  </p:cSld>
+  <p:clrMapOvr>
+    <a:masterClrMapping/>
+  </p:clrMapOvr>
+  <p:timing>
+    <p:tnLst>
+      <p:par>
+        <p:cTn id="1" dur="indefinite" restart="never" nodeType="tmRoot"/>
+      </p:par>
+    </p:tnLst>
+  </p:timing>
+</p:sld>
+</file>
+
+<file path=ppt/slides/slide69.xml><?xml version="1.0" encoding="utf-8"?>
+<p:sld xmlns:a="http://schemas.openxmlformats.org/drawingml/2006/main" xmlns:r="http://schemas.openxmlformats.org/officeDocument/2006/relationships" xmlns:p="http://schemas.openxmlformats.org/presentationml/2006/main">
+  <p:cSld>
+    <p:spTree>
+      <p:nvGrpSpPr>
+        <p:cNvPr id="1" name=""/>
+        <p:cNvGrpSpPr/>
+        <p:nvPr/>
+      </p:nvGrpSpPr>
+      <p:grpSpPr>
+        <a:xfrm>
+          <a:off x="0" y="0"/>
+          <a:ext cx="0" cy="0"/>
+          <a:chOff x="0" y="0"/>
+          <a:chExt cx="0" cy="0"/>
+        </a:xfrm>
+      </p:grpSpPr>
+      <p:sp>
+        <p:nvSpPr>
+          <p:cNvPr id="2" name="Título 1"/>
+          <p:cNvSpPr>
+            <a:spLocks noGrp="1"/>
+          </p:cNvSpPr>
+          <p:nvPr>
+            <p:ph type="title"/>
+          </p:nvPr>
+        </p:nvSpPr>
+        <p:spPr>
+          <a:xfrm>
+            <a:off x="628650" y="365127"/>
+            <a:ext cx="7886700" cy="980198"/>
+          </a:xfrm>
+        </p:spPr>
+        <p:txBody>
+          <a:bodyPr/>
+          <a:lstStyle/>
+          <a:p>
+            <a:r>
+              <a:rPr lang="pt-BR" dirty="0" smtClean="0"/>
+              <a:t>Estrutura </a:t>
+            </a:r>
+            <a:r>
+              <a:rPr lang="pt-BR" dirty="0" err="1" smtClean="0"/>
+              <a:t>try-except</a:t>
+            </a:r>
+            <a:endParaRPr lang="pt-BR" dirty="0"/>
+          </a:p>
+        </p:txBody>
+      </p:sp>
+      <p:sp>
+        <p:nvSpPr>
+          <p:cNvPr id="3" name="Espaço Reservado para Conteúdo 2"/>
+          <p:cNvSpPr>
+            <a:spLocks noGrp="1"/>
+          </p:cNvSpPr>
+          <p:nvPr>
+            <p:ph idx="1"/>
+          </p:nvPr>
+        </p:nvSpPr>
+        <p:spPr>
+          <a:xfrm>
+            <a:off x="628650" y="1825624"/>
+            <a:ext cx="7886700" cy="4753851"/>
+          </a:xfrm>
+        </p:spPr>
+        <p:txBody>
+          <a:bodyPr>
+            <a:normAutofit/>
+          </a:bodyPr>
+          <a:lstStyle/>
+          <a:p>
+            <a:r>
+              <a:rPr lang="pt-BR" dirty="0" smtClean="0"/>
+              <a:t>Quando um erro inesperado acontece chamamos de exceções</a:t>
+            </a:r>
+          </a:p>
+          <a:p>
+            <a:r>
+              <a:rPr lang="pt-BR" dirty="0" smtClean="0"/>
+              <a:t>Python possui meios de tratar quando exceções acontecem</a:t>
+            </a:r>
+          </a:p>
+        </p:txBody>
+      </p:sp>
+      <p:sp>
+        <p:nvSpPr>
+          <p:cNvPr id="4" name="CaixaDeTexto 3"/>
+          <p:cNvSpPr txBox="1"/>
+          <p:nvPr/>
+        </p:nvSpPr>
+        <p:spPr>
+          <a:xfrm>
+            <a:off x="1576553" y="3532487"/>
+            <a:ext cx="6321026" cy="3046988"/>
+          </a:xfrm>
+          <a:prstGeom prst="rect">
+            <a:avLst/>
+          </a:prstGeom>
+          <a:noFill/>
+        </p:spPr>
+        <p:txBody>
+          <a:bodyPr wrap="none" rtlCol="0">
+            <a:spAutoFit/>
+          </a:bodyPr>
+          <a:lstStyle/>
+          <a:p>
+            <a:r>
+              <a:rPr lang="pt-BR" sz="2400" b="1" dirty="0" err="1" smtClean="0"/>
+              <a:t>try</a:t>
+            </a:r>
+            <a:r>
+              <a:rPr lang="pt-BR" sz="2400" b="1" dirty="0" smtClean="0"/>
+              <a:t>:</a:t>
+            </a:r>
+          </a:p>
+          <a:p>
+            <a:r>
+              <a:rPr lang="pt-BR" sz="2400" b="1" dirty="0" smtClean="0"/>
+              <a:t>	…código que devia executar sem erros…</a:t>
+            </a:r>
+          </a:p>
+          <a:p>
+            <a:r>
+              <a:rPr lang="pt-BR" sz="2400" b="1" dirty="0" err="1" smtClean="0"/>
+              <a:t>except</a:t>
+            </a:r>
+            <a:r>
+              <a:rPr lang="pt-BR" sz="2400" b="1" dirty="0" smtClean="0"/>
+              <a:t>  Error1:</a:t>
+            </a:r>
+          </a:p>
+          <a:p>
+            <a:r>
+              <a:rPr lang="pt-BR" sz="2400" b="1" dirty="0" smtClean="0"/>
+              <a:t>	… código que executa caso Error1 aconteça…</a:t>
+            </a:r>
+          </a:p>
+          <a:p>
+            <a:r>
+              <a:rPr lang="pt-BR" sz="2400" b="1" dirty="0" err="1" smtClean="0"/>
+              <a:t>except</a:t>
+            </a:r>
+            <a:r>
+              <a:rPr lang="pt-BR" sz="2400" b="1" dirty="0" smtClean="0"/>
+              <a:t> Error2:</a:t>
+            </a:r>
+          </a:p>
+          <a:p>
+            <a:r>
+              <a:rPr lang="pt-BR" sz="2400" b="1" dirty="0" smtClean="0"/>
+              <a:t>	… código que executa caso Error2 aconteça…</a:t>
+            </a:r>
+          </a:p>
+          <a:p>
+            <a:r>
+              <a:rPr lang="pt-BR" sz="2400" b="1" dirty="0" err="1" smtClean="0"/>
+              <a:t>else</a:t>
+            </a:r>
+            <a:r>
+              <a:rPr lang="pt-BR" sz="2400" b="1" dirty="0" smtClean="0"/>
+              <a:t>:</a:t>
+            </a:r>
+          </a:p>
+          <a:p>
+            <a:r>
+              <a:rPr lang="pt-BR" sz="2400" b="1" dirty="0" smtClean="0"/>
+              <a:t>	… código caso nenhum erro aconteça…</a:t>
+            </a:r>
+            <a:endParaRPr lang="pt-BR" sz="2400" b="1" dirty="0"/>
+          </a:p>
+        </p:txBody>
+      </p:sp>
+    </p:spTree>
+    <p:extLst>
+      <p:ext uri="{BB962C8B-B14F-4D97-AF65-F5344CB8AC3E}">
+        <p14:creationId xmlns:p14="http://schemas.microsoft.com/office/powerpoint/2010/main" val="3524366185"/>
       </p:ext>
     </p:extLst>
   </p:cSld>
@@ -16035,6 +16401,1041 @@
     <p:extLst>
       <p:ext uri="{BB962C8B-B14F-4D97-AF65-F5344CB8AC3E}">
         <p14:creationId xmlns:p14="http://schemas.microsoft.com/office/powerpoint/2010/main" val="1881757222"/>
+      </p:ext>
+    </p:extLst>
+  </p:cSld>
+  <p:clrMapOvr>
+    <a:masterClrMapping/>
+  </p:clrMapOvr>
+  <p:timing>
+    <p:tnLst>
+      <p:par>
+        <p:cTn id="1" dur="indefinite" restart="never" nodeType="tmRoot"/>
+      </p:par>
+    </p:tnLst>
+  </p:timing>
+</p:sld>
+</file>
+
+<file path=ppt/slides/slide70.xml><?xml version="1.0" encoding="utf-8"?>
+<p:sld xmlns:a="http://schemas.openxmlformats.org/drawingml/2006/main" xmlns:r="http://schemas.openxmlformats.org/officeDocument/2006/relationships" xmlns:p="http://schemas.openxmlformats.org/presentationml/2006/main">
+  <p:cSld>
+    <p:spTree>
+      <p:nvGrpSpPr>
+        <p:cNvPr id="1" name=""/>
+        <p:cNvGrpSpPr/>
+        <p:nvPr/>
+      </p:nvGrpSpPr>
+      <p:grpSpPr>
+        <a:xfrm>
+          <a:off x="0" y="0"/>
+          <a:ext cx="0" cy="0"/>
+          <a:chOff x="0" y="0"/>
+          <a:chExt cx="0" cy="0"/>
+        </a:xfrm>
+      </p:grpSpPr>
+      <p:sp>
+        <p:nvSpPr>
+          <p:cNvPr id="2" name="Título 1"/>
+          <p:cNvSpPr>
+            <a:spLocks noGrp="1"/>
+          </p:cNvSpPr>
+          <p:nvPr>
+            <p:ph type="title"/>
+          </p:nvPr>
+        </p:nvSpPr>
+        <p:spPr>
+          <a:xfrm>
+            <a:off x="628650" y="365127"/>
+            <a:ext cx="7886700" cy="980198"/>
+          </a:xfrm>
+        </p:spPr>
+        <p:txBody>
+          <a:bodyPr/>
+          <a:lstStyle/>
+          <a:p>
+            <a:r>
+              <a:rPr lang="pt-BR" dirty="0" smtClean="0"/>
+              <a:t>Principais exceções</a:t>
+            </a:r>
+            <a:endParaRPr lang="pt-BR" dirty="0"/>
+          </a:p>
+        </p:txBody>
+      </p:sp>
+      <p:sp>
+        <p:nvSpPr>
+          <p:cNvPr id="3" name="Espaço Reservado para Conteúdo 2"/>
+          <p:cNvSpPr>
+            <a:spLocks noGrp="1"/>
+          </p:cNvSpPr>
+          <p:nvPr>
+            <p:ph idx="1"/>
+          </p:nvPr>
+        </p:nvSpPr>
+        <p:spPr>
+          <a:xfrm>
+            <a:off x="628650" y="1825624"/>
+            <a:ext cx="7886700" cy="4753851"/>
+          </a:xfrm>
+        </p:spPr>
+        <p:txBody>
+          <a:bodyPr>
+            <a:normAutofit/>
+          </a:bodyPr>
+          <a:lstStyle/>
+          <a:p>
+            <a:r>
+              <a:rPr lang="pt-BR" dirty="0" err="1" smtClean="0"/>
+              <a:t>Exception</a:t>
+            </a:r>
+            <a:r>
+              <a:rPr lang="pt-BR" dirty="0" smtClean="0"/>
+              <a:t> – Base de todas as exceções</a:t>
+            </a:r>
+            <a:endParaRPr lang="pt-BR" dirty="0"/>
+          </a:p>
+          <a:p>
+            <a:r>
+              <a:rPr lang="pt-BR" dirty="0" err="1" smtClean="0"/>
+              <a:t>StopIteration</a:t>
+            </a:r>
+            <a:r>
+              <a:rPr lang="pt-BR" dirty="0" smtClean="0"/>
+              <a:t> – Quando está iterando sobre uma sequência e essa termina abruptamente</a:t>
+            </a:r>
+          </a:p>
+          <a:p>
+            <a:r>
+              <a:rPr lang="pt-BR" dirty="0" err="1" smtClean="0"/>
+              <a:t>SytemExit</a:t>
+            </a:r>
+            <a:r>
+              <a:rPr lang="pt-BR" dirty="0" smtClean="0"/>
+              <a:t> – Exceção invocada por chamada da função </a:t>
+            </a:r>
+            <a:r>
+              <a:rPr lang="pt-BR" dirty="0" err="1" smtClean="0"/>
+              <a:t>exit</a:t>
+            </a:r>
+            <a:r>
+              <a:rPr lang="pt-BR" dirty="0" smtClean="0"/>
+              <a:t>()</a:t>
+            </a:r>
+          </a:p>
+          <a:p>
+            <a:r>
+              <a:rPr lang="pt-BR" dirty="0" err="1" smtClean="0"/>
+              <a:t>ArithmeticError</a:t>
+            </a:r>
+            <a:r>
+              <a:rPr lang="pt-BR" dirty="0" smtClean="0"/>
+              <a:t> – Exceção causada por algum erro </a:t>
+            </a:r>
+            <a:r>
+              <a:rPr lang="pt-BR" dirty="0" err="1" smtClean="0"/>
+              <a:t>aritimético</a:t>
+            </a:r>
+            <a:endParaRPr lang="pt-BR" dirty="0" smtClean="0"/>
+          </a:p>
+          <a:p>
+            <a:r>
+              <a:rPr lang="pt-BR" dirty="0" err="1" smtClean="0"/>
+              <a:t>OverflowError</a:t>
+            </a:r>
+            <a:r>
+              <a:rPr lang="pt-BR" dirty="0" smtClean="0"/>
+              <a:t> – Quando estoura a representação de inteiros e </a:t>
+            </a:r>
+            <a:r>
+              <a:rPr lang="pt-BR" dirty="0" err="1" smtClean="0"/>
+              <a:t>floats</a:t>
+            </a:r>
+            <a:endParaRPr lang="pt-BR" dirty="0" smtClean="0"/>
+          </a:p>
+          <a:p>
+            <a:r>
+              <a:rPr lang="pt-BR" dirty="0" err="1" smtClean="0"/>
+              <a:t>ZeroDivision</a:t>
+            </a:r>
+            <a:r>
+              <a:rPr lang="pt-BR" dirty="0" smtClean="0"/>
+              <a:t> – Divisão por zero </a:t>
+            </a:r>
+          </a:p>
+        </p:txBody>
+      </p:sp>
+    </p:spTree>
+    <p:extLst>
+      <p:ext uri="{BB962C8B-B14F-4D97-AF65-F5344CB8AC3E}">
+        <p14:creationId xmlns:p14="http://schemas.microsoft.com/office/powerpoint/2010/main" val="1414771646"/>
+      </p:ext>
+    </p:extLst>
+  </p:cSld>
+  <p:clrMapOvr>
+    <a:masterClrMapping/>
+  </p:clrMapOvr>
+  <p:timing>
+    <p:tnLst>
+      <p:par>
+        <p:cTn id="1" dur="indefinite" restart="never" nodeType="tmRoot"/>
+      </p:par>
+    </p:tnLst>
+  </p:timing>
+</p:sld>
+</file>
+
+<file path=ppt/slides/slide71.xml><?xml version="1.0" encoding="utf-8"?>
+<p:sld xmlns:a="http://schemas.openxmlformats.org/drawingml/2006/main" xmlns:r="http://schemas.openxmlformats.org/officeDocument/2006/relationships" xmlns:p="http://schemas.openxmlformats.org/presentationml/2006/main">
+  <p:cSld>
+    <p:spTree>
+      <p:nvGrpSpPr>
+        <p:cNvPr id="1" name=""/>
+        <p:cNvGrpSpPr/>
+        <p:nvPr/>
+      </p:nvGrpSpPr>
+      <p:grpSpPr>
+        <a:xfrm>
+          <a:off x="0" y="0"/>
+          <a:ext cx="0" cy="0"/>
+          <a:chOff x="0" y="0"/>
+          <a:chExt cx="0" cy="0"/>
+        </a:xfrm>
+      </p:grpSpPr>
+      <p:sp>
+        <p:nvSpPr>
+          <p:cNvPr id="2" name="Título 1"/>
+          <p:cNvSpPr>
+            <a:spLocks noGrp="1"/>
+          </p:cNvSpPr>
+          <p:nvPr>
+            <p:ph type="title"/>
+          </p:nvPr>
+        </p:nvSpPr>
+        <p:spPr/>
+        <p:txBody>
+          <a:bodyPr/>
+          <a:lstStyle/>
+          <a:p>
+            <a:r>
+              <a:rPr lang="pt-BR" dirty="0" smtClean="0"/>
+              <a:t>Cronograma</a:t>
+            </a:r>
+            <a:endParaRPr lang="pt-BR" dirty="0"/>
+          </a:p>
+        </p:txBody>
+      </p:sp>
+      <p:sp>
+        <p:nvSpPr>
+          <p:cNvPr id="3" name="Espaço Reservado para Conteúdo 2"/>
+          <p:cNvSpPr>
+            <a:spLocks noGrp="1"/>
+          </p:cNvSpPr>
+          <p:nvPr>
+            <p:ph idx="1"/>
+          </p:nvPr>
+        </p:nvSpPr>
+        <p:spPr>
+          <a:xfrm>
+            <a:off x="628650" y="1418897"/>
+            <a:ext cx="7886700" cy="5087006"/>
+          </a:xfrm>
+        </p:spPr>
+        <p:txBody>
+          <a:bodyPr>
+            <a:noAutofit/>
+          </a:bodyPr>
+          <a:lstStyle/>
+          <a:p>
+            <a:r>
+              <a:rPr lang="pt-BR" sz="3600" dirty="0" smtClean="0"/>
+              <a:t>Parte II:</a:t>
+            </a:r>
+          </a:p>
+          <a:p>
+            <a:pPr lvl="1"/>
+            <a:r>
+              <a:rPr lang="pt-BR" sz="3600" dirty="0">
+                <a:solidFill>
+                  <a:schemeClr val="tx1">
+                    <a:lumMod val="50000"/>
+                    <a:lumOff val="50000"/>
+                  </a:schemeClr>
+                </a:solidFill>
+              </a:rPr>
+              <a:t>Data e tempo</a:t>
+            </a:r>
+          </a:p>
+          <a:p>
+            <a:pPr lvl="1"/>
+            <a:r>
+              <a:rPr lang="pt-BR" sz="3600" dirty="0">
+                <a:solidFill>
+                  <a:schemeClr val="tx1">
+                    <a:lumMod val="50000"/>
+                    <a:lumOff val="50000"/>
+                  </a:schemeClr>
+                </a:solidFill>
+              </a:rPr>
+              <a:t>Funções</a:t>
+            </a:r>
+          </a:p>
+          <a:p>
+            <a:pPr lvl="1"/>
+            <a:r>
+              <a:rPr lang="pt-BR" sz="3600" dirty="0" smtClean="0">
+                <a:solidFill>
+                  <a:schemeClr val="tx1">
+                    <a:lumMod val="50000"/>
+                    <a:lumOff val="50000"/>
+                  </a:schemeClr>
+                </a:solidFill>
+              </a:rPr>
+              <a:t>Modularidade</a:t>
+            </a:r>
+            <a:endParaRPr lang="pt-BR" sz="3600" dirty="0">
+              <a:solidFill>
+                <a:schemeClr val="tx1">
+                  <a:lumMod val="50000"/>
+                  <a:lumOff val="50000"/>
+                </a:schemeClr>
+              </a:solidFill>
+            </a:endParaRPr>
+          </a:p>
+          <a:p>
+            <a:pPr lvl="1"/>
+            <a:r>
+              <a:rPr lang="pt-BR" sz="3600" dirty="0" smtClean="0">
+                <a:solidFill>
+                  <a:schemeClr val="tx1">
+                    <a:lumMod val="50000"/>
+                    <a:lumOff val="50000"/>
+                  </a:schemeClr>
+                </a:solidFill>
+              </a:rPr>
+              <a:t>Arquivos</a:t>
+            </a:r>
+          </a:p>
+          <a:p>
+            <a:pPr lvl="1"/>
+            <a:r>
+              <a:rPr lang="pt-BR" sz="3600" dirty="0">
+                <a:solidFill>
+                  <a:schemeClr val="tx1">
+                    <a:lumMod val="50000"/>
+                    <a:lumOff val="50000"/>
+                  </a:schemeClr>
+                </a:solidFill>
+              </a:rPr>
+              <a:t>Manipulação de arquivo </a:t>
+            </a:r>
+            <a:r>
+              <a:rPr lang="pt-BR" sz="3600" dirty="0" smtClean="0">
+                <a:solidFill>
+                  <a:schemeClr val="tx1">
+                    <a:lumMod val="50000"/>
+                    <a:lumOff val="50000"/>
+                  </a:schemeClr>
+                </a:solidFill>
+              </a:rPr>
+              <a:t>CSV</a:t>
+            </a:r>
+          </a:p>
+          <a:p>
+            <a:pPr lvl="1"/>
+            <a:r>
+              <a:rPr lang="pt-BR" sz="3600" dirty="0" smtClean="0">
+                <a:solidFill>
+                  <a:schemeClr val="tx1">
+                    <a:lumMod val="50000"/>
+                    <a:lumOff val="50000"/>
+                  </a:schemeClr>
+                </a:solidFill>
+              </a:rPr>
+              <a:t>Tratamento </a:t>
+            </a:r>
+            <a:r>
+              <a:rPr lang="pt-BR" sz="3600" dirty="0" smtClean="0">
+                <a:solidFill>
+                  <a:schemeClr val="tx1">
+                    <a:lumMod val="50000"/>
+                    <a:lumOff val="50000"/>
+                  </a:schemeClr>
+                </a:solidFill>
+              </a:rPr>
+              <a:t>de exceções</a:t>
+            </a:r>
+            <a:endParaRPr lang="pt-BR" sz="3600" dirty="0">
+              <a:solidFill>
+                <a:schemeClr val="tx1">
+                  <a:lumMod val="50000"/>
+                  <a:lumOff val="50000"/>
+                </a:schemeClr>
+              </a:solidFill>
+            </a:endParaRPr>
+          </a:p>
+          <a:p>
+            <a:pPr lvl="1"/>
+            <a:r>
+              <a:rPr lang="pt-BR" sz="3600" dirty="0" smtClean="0"/>
+              <a:t>Orientação a objetos</a:t>
+            </a:r>
+            <a:endParaRPr lang="pt-BR" sz="3600" dirty="0" smtClean="0"/>
+          </a:p>
+        </p:txBody>
+      </p:sp>
+    </p:spTree>
+    <p:extLst>
+      <p:ext uri="{BB962C8B-B14F-4D97-AF65-F5344CB8AC3E}">
+        <p14:creationId xmlns:p14="http://schemas.microsoft.com/office/powerpoint/2010/main" val="3690827523"/>
+      </p:ext>
+    </p:extLst>
+  </p:cSld>
+  <p:clrMapOvr>
+    <a:masterClrMapping/>
+  </p:clrMapOvr>
+  <p:timing>
+    <p:tnLst>
+      <p:par>
+        <p:cTn id="1" dur="indefinite" restart="never" nodeType="tmRoot"/>
+      </p:par>
+    </p:tnLst>
+  </p:timing>
+</p:sld>
+</file>
+
+<file path=ppt/slides/slide72.xml><?xml version="1.0" encoding="utf-8"?>
+<p:sld xmlns:a="http://schemas.openxmlformats.org/drawingml/2006/main" xmlns:r="http://schemas.openxmlformats.org/officeDocument/2006/relationships" xmlns:p="http://schemas.openxmlformats.org/presentationml/2006/main">
+  <p:cSld>
+    <p:spTree>
+      <p:nvGrpSpPr>
+        <p:cNvPr id="1" name=""/>
+        <p:cNvGrpSpPr/>
+        <p:nvPr/>
+      </p:nvGrpSpPr>
+      <p:grpSpPr>
+        <a:xfrm>
+          <a:off x="0" y="0"/>
+          <a:ext cx="0" cy="0"/>
+          <a:chOff x="0" y="0"/>
+          <a:chExt cx="0" cy="0"/>
+        </a:xfrm>
+      </p:grpSpPr>
+      <p:sp>
+        <p:nvSpPr>
+          <p:cNvPr id="2" name="Título 1"/>
+          <p:cNvSpPr>
+            <a:spLocks noGrp="1"/>
+          </p:cNvSpPr>
+          <p:nvPr>
+            <p:ph type="title"/>
+          </p:nvPr>
+        </p:nvSpPr>
+        <p:spPr>
+          <a:xfrm>
+            <a:off x="628650" y="365127"/>
+            <a:ext cx="7886700" cy="980198"/>
+          </a:xfrm>
+        </p:spPr>
+        <p:txBody>
+          <a:bodyPr/>
+          <a:lstStyle/>
+          <a:p>
+            <a:r>
+              <a:rPr lang="pt-BR" dirty="0" smtClean="0"/>
+              <a:t>Classes</a:t>
+            </a:r>
+            <a:endParaRPr lang="pt-BR" dirty="0"/>
+          </a:p>
+        </p:txBody>
+      </p:sp>
+      <p:sp>
+        <p:nvSpPr>
+          <p:cNvPr id="3" name="Espaço Reservado para Conteúdo 2"/>
+          <p:cNvSpPr>
+            <a:spLocks noGrp="1"/>
+          </p:cNvSpPr>
+          <p:nvPr>
+            <p:ph idx="1"/>
+          </p:nvPr>
+        </p:nvSpPr>
+        <p:spPr>
+          <a:xfrm>
+            <a:off x="628650" y="1825624"/>
+            <a:ext cx="7886700" cy="4753851"/>
+          </a:xfrm>
+        </p:spPr>
+        <p:txBody>
+          <a:bodyPr>
+            <a:normAutofit/>
+          </a:bodyPr>
+          <a:lstStyle/>
+          <a:p>
+            <a:r>
+              <a:rPr lang="pt-BR" dirty="0" smtClean="0"/>
+              <a:t>Classes em programação são um meio de representar objetos e fenômenos do mundo real em estrutura de dados</a:t>
+            </a:r>
+          </a:p>
+          <a:p>
+            <a:r>
+              <a:rPr lang="pt-BR" dirty="0" smtClean="0"/>
+              <a:t>Exemplo: Classe Trabalhador, classe Carro, classe Animal...</a:t>
+            </a:r>
+          </a:p>
+          <a:p>
+            <a:r>
+              <a:rPr lang="pt-BR" dirty="0" smtClean="0"/>
+              <a:t>Cada classe possui atributos que são dados contidos no objeto</a:t>
+            </a:r>
+          </a:p>
+          <a:p>
+            <a:r>
+              <a:rPr lang="pt-BR" dirty="0" smtClean="0"/>
+              <a:t>Exemplo: </a:t>
+            </a:r>
+            <a:r>
+              <a:rPr lang="pt-BR" dirty="0" err="1" smtClean="0"/>
+              <a:t>Trabalhador.nome</a:t>
+            </a:r>
+            <a:r>
+              <a:rPr lang="pt-BR" dirty="0" smtClean="0"/>
+              <a:t>, </a:t>
+            </a:r>
+            <a:r>
+              <a:rPr lang="pt-BR" dirty="0" err="1" smtClean="0"/>
+              <a:t>Carro.velocidade_max</a:t>
+            </a:r>
+            <a:r>
+              <a:rPr lang="pt-BR" dirty="0" smtClean="0"/>
+              <a:t>, </a:t>
+            </a:r>
+            <a:r>
+              <a:rPr lang="pt-BR" dirty="0" err="1" smtClean="0"/>
+              <a:t>Animal.e_domestico</a:t>
+            </a:r>
+            <a:endParaRPr lang="pt-BR" dirty="0" smtClean="0"/>
+          </a:p>
+          <a:p>
+            <a:endParaRPr lang="pt-BR" dirty="0" smtClean="0"/>
+          </a:p>
+        </p:txBody>
+      </p:sp>
+    </p:spTree>
+    <p:extLst>
+      <p:ext uri="{BB962C8B-B14F-4D97-AF65-F5344CB8AC3E}">
+        <p14:creationId xmlns:p14="http://schemas.microsoft.com/office/powerpoint/2010/main" val="4094079826"/>
+      </p:ext>
+    </p:extLst>
+  </p:cSld>
+  <p:clrMapOvr>
+    <a:masterClrMapping/>
+  </p:clrMapOvr>
+  <p:timing>
+    <p:tnLst>
+      <p:par>
+        <p:cTn id="1" dur="indefinite" restart="never" nodeType="tmRoot"/>
+      </p:par>
+    </p:tnLst>
+  </p:timing>
+</p:sld>
+</file>
+
+<file path=ppt/slides/slide73.xml><?xml version="1.0" encoding="utf-8"?>
+<p:sld xmlns:a="http://schemas.openxmlformats.org/drawingml/2006/main" xmlns:r="http://schemas.openxmlformats.org/officeDocument/2006/relationships" xmlns:p="http://schemas.openxmlformats.org/presentationml/2006/main">
+  <p:cSld>
+    <p:spTree>
+      <p:nvGrpSpPr>
+        <p:cNvPr id="1" name=""/>
+        <p:cNvGrpSpPr/>
+        <p:nvPr/>
+      </p:nvGrpSpPr>
+      <p:grpSpPr>
+        <a:xfrm>
+          <a:off x="0" y="0"/>
+          <a:ext cx="0" cy="0"/>
+          <a:chOff x="0" y="0"/>
+          <a:chExt cx="0" cy="0"/>
+        </a:xfrm>
+      </p:grpSpPr>
+      <p:sp>
+        <p:nvSpPr>
+          <p:cNvPr id="2" name="Título 1"/>
+          <p:cNvSpPr>
+            <a:spLocks noGrp="1"/>
+          </p:cNvSpPr>
+          <p:nvPr>
+            <p:ph type="title"/>
+          </p:nvPr>
+        </p:nvSpPr>
+        <p:spPr>
+          <a:xfrm>
+            <a:off x="628650" y="365127"/>
+            <a:ext cx="7886700" cy="980198"/>
+          </a:xfrm>
+        </p:spPr>
+        <p:txBody>
+          <a:bodyPr/>
+          <a:lstStyle/>
+          <a:p>
+            <a:r>
+              <a:rPr lang="pt-BR" dirty="0" smtClean="0"/>
+              <a:t>Classes</a:t>
+            </a:r>
+            <a:endParaRPr lang="pt-BR" dirty="0"/>
+          </a:p>
+        </p:txBody>
+      </p:sp>
+      <p:sp>
+        <p:nvSpPr>
+          <p:cNvPr id="3" name="Espaço Reservado para Conteúdo 2"/>
+          <p:cNvSpPr>
+            <a:spLocks noGrp="1"/>
+          </p:cNvSpPr>
+          <p:nvPr>
+            <p:ph idx="1"/>
+          </p:nvPr>
+        </p:nvSpPr>
+        <p:spPr>
+          <a:xfrm>
+            <a:off x="628650" y="1450429"/>
+            <a:ext cx="7886700" cy="1345324"/>
+          </a:xfrm>
+        </p:spPr>
+        <p:txBody>
+          <a:bodyPr>
+            <a:normAutofit lnSpcReduction="10000"/>
+          </a:bodyPr>
+          <a:lstStyle/>
+          <a:p>
+            <a:r>
+              <a:rPr lang="pt-BR" dirty="0" smtClean="0"/>
+              <a:t>Cada classe possui  métodos, que são funções que definem algum comportamento da </a:t>
+            </a:r>
+            <a:r>
+              <a:rPr lang="pt-BR" dirty="0" err="1" smtClean="0"/>
+              <a:t>class</a:t>
+            </a:r>
+            <a:endParaRPr lang="pt-BR" dirty="0" smtClean="0"/>
+          </a:p>
+          <a:p>
+            <a:r>
+              <a:rPr lang="pt-BR" dirty="0" smtClean="0"/>
+              <a:t>Exemplo: </a:t>
+            </a:r>
+            <a:r>
+              <a:rPr lang="pt-BR" dirty="0" err="1" smtClean="0"/>
+              <a:t>Trabalhador.imprime_nome</a:t>
+            </a:r>
+            <a:endParaRPr lang="pt-BR" dirty="0" smtClean="0"/>
+          </a:p>
+        </p:txBody>
+      </p:sp>
+      <p:sp>
+        <p:nvSpPr>
+          <p:cNvPr id="5" name="CaixaDeTexto 4"/>
+          <p:cNvSpPr txBox="1"/>
+          <p:nvPr/>
+        </p:nvSpPr>
+        <p:spPr>
+          <a:xfrm>
+            <a:off x="2186152" y="2900857"/>
+            <a:ext cx="4665188" cy="3785652"/>
+          </a:xfrm>
+          <a:prstGeom prst="rect">
+            <a:avLst/>
+          </a:prstGeom>
+          <a:noFill/>
+        </p:spPr>
+        <p:txBody>
+          <a:bodyPr wrap="none" rtlCol="0">
+            <a:spAutoFit/>
+          </a:bodyPr>
+          <a:lstStyle/>
+          <a:p>
+            <a:r>
+              <a:rPr lang="en-US" sz="2400" b="1" dirty="0" smtClean="0"/>
+              <a:t>class  </a:t>
+            </a:r>
+            <a:r>
+              <a:rPr lang="en-US" sz="2400" b="1" dirty="0" err="1" smtClean="0"/>
+              <a:t>Trabalhador</a:t>
+            </a:r>
+            <a:r>
+              <a:rPr lang="en-US" sz="2400" b="1" dirty="0" smtClean="0"/>
+              <a:t>:</a:t>
+            </a:r>
+          </a:p>
+          <a:p>
+            <a:r>
+              <a:rPr lang="en-US" sz="2400" b="1" dirty="0"/>
+              <a:t>	</a:t>
+            </a:r>
+            <a:r>
+              <a:rPr lang="en-US" sz="2400" b="1" dirty="0" err="1" smtClean="0"/>
+              <a:t>def</a:t>
+            </a:r>
+            <a:r>
+              <a:rPr lang="en-US" sz="2400" b="1" dirty="0" smtClean="0"/>
+              <a:t> __</a:t>
+            </a:r>
+            <a:r>
+              <a:rPr lang="en-US" sz="2400" b="1" dirty="0" err="1" smtClean="0"/>
+              <a:t>init</a:t>
+            </a:r>
+            <a:r>
+              <a:rPr lang="en-US" sz="2400" b="1" dirty="0" smtClean="0"/>
+              <a:t>__(self, name, salary):</a:t>
+            </a:r>
+          </a:p>
+          <a:p>
+            <a:r>
+              <a:rPr lang="en-US" sz="2400" b="1" dirty="0"/>
+              <a:t>	</a:t>
+            </a:r>
+            <a:r>
+              <a:rPr lang="en-US" sz="2400" b="1" dirty="0" smtClean="0"/>
+              <a:t>	</a:t>
+            </a:r>
+            <a:r>
+              <a:rPr lang="en-US" sz="2400" b="1" dirty="0" err="1" smtClean="0"/>
+              <a:t>self.salary</a:t>
+            </a:r>
+            <a:r>
+              <a:rPr lang="en-US" sz="2400" b="1" dirty="0" smtClean="0"/>
+              <a:t> = salary</a:t>
+            </a:r>
+          </a:p>
+          <a:p>
+            <a:r>
+              <a:rPr lang="en-US" sz="2400" b="1" dirty="0"/>
+              <a:t>	</a:t>
+            </a:r>
+            <a:r>
+              <a:rPr lang="en-US" sz="2400" b="1" dirty="0" smtClean="0"/>
+              <a:t>	self.name = name</a:t>
+            </a:r>
+          </a:p>
+          <a:p>
+            <a:endParaRPr lang="en-US" sz="2400" b="1" dirty="0" smtClean="0"/>
+          </a:p>
+          <a:p>
+            <a:r>
+              <a:rPr lang="en-US" sz="2400" b="1" dirty="0"/>
+              <a:t>	</a:t>
+            </a:r>
+            <a:r>
+              <a:rPr lang="en-US" sz="2400" b="1" dirty="0" err="1" smtClean="0"/>
+              <a:t>def</a:t>
+            </a:r>
+            <a:r>
+              <a:rPr lang="en-US" sz="2400" b="1" dirty="0" smtClean="0"/>
+              <a:t> </a:t>
+            </a:r>
+            <a:r>
+              <a:rPr lang="en-US" sz="2400" b="1" dirty="0" err="1" smtClean="0"/>
+              <a:t>imprime_nome</a:t>
+            </a:r>
+            <a:r>
+              <a:rPr lang="en-US" sz="2400" b="1" dirty="0" smtClean="0"/>
+              <a:t>(self):</a:t>
+            </a:r>
+          </a:p>
+          <a:p>
+            <a:r>
+              <a:rPr lang="en-US" sz="2400" b="1" dirty="0"/>
+              <a:t>	</a:t>
+            </a:r>
+            <a:r>
+              <a:rPr lang="en-US" sz="2400" b="1" dirty="0" smtClean="0"/>
+              <a:t>	print(self.name)</a:t>
+            </a:r>
+          </a:p>
+          <a:p>
+            <a:r>
+              <a:rPr lang="en-US" sz="2400" b="1" dirty="0"/>
+              <a:t>	</a:t>
+            </a:r>
+          </a:p>
+          <a:p>
+            <a:r>
+              <a:rPr lang="en-US" sz="2400" b="1" dirty="0" smtClean="0"/>
+              <a:t>	</a:t>
+            </a:r>
+            <a:r>
+              <a:rPr lang="en-US" sz="2400" b="1" dirty="0" err="1" smtClean="0"/>
+              <a:t>def</a:t>
+            </a:r>
+            <a:r>
+              <a:rPr lang="en-US" sz="2400" b="1" dirty="0" smtClean="0"/>
+              <a:t> </a:t>
+            </a:r>
+            <a:r>
+              <a:rPr lang="en-US" sz="2400" b="1" dirty="0" err="1" smtClean="0"/>
+              <a:t>imprime_salario</a:t>
+            </a:r>
+            <a:r>
+              <a:rPr lang="en-US" sz="2400" b="1" dirty="0" smtClean="0"/>
+              <a:t>(self):</a:t>
+            </a:r>
+            <a:br>
+              <a:rPr lang="en-US" sz="2400" b="1" dirty="0" smtClean="0"/>
+            </a:br>
+            <a:r>
+              <a:rPr lang="en-US" sz="2400" b="1" dirty="0" smtClean="0"/>
+              <a:t>		print(</a:t>
+            </a:r>
+            <a:r>
+              <a:rPr lang="en-US" sz="2400" b="1" dirty="0" err="1" smtClean="0"/>
+              <a:t>self.salary</a:t>
+            </a:r>
+            <a:r>
+              <a:rPr lang="en-US" sz="2400" b="1" dirty="0" smtClean="0"/>
+              <a:t>)</a:t>
+            </a:r>
+          </a:p>
+        </p:txBody>
+      </p:sp>
+    </p:spTree>
+    <p:extLst>
+      <p:ext uri="{BB962C8B-B14F-4D97-AF65-F5344CB8AC3E}">
+        <p14:creationId xmlns:p14="http://schemas.microsoft.com/office/powerpoint/2010/main" val="3974444330"/>
+      </p:ext>
+    </p:extLst>
+  </p:cSld>
+  <p:clrMapOvr>
+    <a:masterClrMapping/>
+  </p:clrMapOvr>
+  <p:timing>
+    <p:tnLst>
+      <p:par>
+        <p:cTn id="1" dur="indefinite" restart="never" nodeType="tmRoot"/>
+      </p:par>
+    </p:tnLst>
+  </p:timing>
+</p:sld>
+</file>
+
+<file path=ppt/slides/slide74.xml><?xml version="1.0" encoding="utf-8"?>
+<p:sld xmlns:a="http://schemas.openxmlformats.org/drawingml/2006/main" xmlns:r="http://schemas.openxmlformats.org/officeDocument/2006/relationships" xmlns:p="http://schemas.openxmlformats.org/presentationml/2006/main">
+  <p:cSld>
+    <p:spTree>
+      <p:nvGrpSpPr>
+        <p:cNvPr id="1" name=""/>
+        <p:cNvGrpSpPr/>
+        <p:nvPr/>
+      </p:nvGrpSpPr>
+      <p:grpSpPr>
+        <a:xfrm>
+          <a:off x="0" y="0"/>
+          <a:ext cx="0" cy="0"/>
+          <a:chOff x="0" y="0"/>
+          <a:chExt cx="0" cy="0"/>
+        </a:xfrm>
+      </p:grpSpPr>
+      <p:sp>
+        <p:nvSpPr>
+          <p:cNvPr id="2" name="Título 1"/>
+          <p:cNvSpPr>
+            <a:spLocks noGrp="1"/>
+          </p:cNvSpPr>
+          <p:nvPr>
+            <p:ph type="title"/>
+          </p:nvPr>
+        </p:nvSpPr>
+        <p:spPr>
+          <a:xfrm>
+            <a:off x="628650" y="365127"/>
+            <a:ext cx="7886700" cy="980198"/>
+          </a:xfrm>
+        </p:spPr>
+        <p:txBody>
+          <a:bodyPr/>
+          <a:lstStyle/>
+          <a:p>
+            <a:r>
+              <a:rPr lang="pt-BR" dirty="0" smtClean="0"/>
+              <a:t>Exercício</a:t>
+            </a:r>
+            <a:endParaRPr lang="pt-BR" dirty="0"/>
+          </a:p>
+        </p:txBody>
+      </p:sp>
+      <p:sp>
+        <p:nvSpPr>
+          <p:cNvPr id="3" name="Espaço Reservado para Conteúdo 2"/>
+          <p:cNvSpPr>
+            <a:spLocks noGrp="1"/>
+          </p:cNvSpPr>
+          <p:nvPr>
+            <p:ph idx="1"/>
+          </p:nvPr>
+        </p:nvSpPr>
+        <p:spPr>
+          <a:xfrm>
+            <a:off x="628650" y="1825624"/>
+            <a:ext cx="7886700" cy="4701299"/>
+          </a:xfrm>
+        </p:spPr>
+        <p:txBody>
+          <a:bodyPr>
+            <a:normAutofit/>
+          </a:bodyPr>
+          <a:lstStyle/>
+          <a:p>
+            <a:r>
+              <a:rPr lang="pt-BR" dirty="0" smtClean="0"/>
+              <a:t>Defina uma classe chamada Estudante</a:t>
+            </a:r>
+          </a:p>
+          <a:p>
+            <a:r>
+              <a:rPr lang="pt-BR" dirty="0" smtClean="0"/>
+              <a:t>O método __</a:t>
+            </a:r>
+            <a:r>
+              <a:rPr lang="pt-BR" dirty="0" err="1" smtClean="0"/>
+              <a:t>init</a:t>
+            </a:r>
+            <a:r>
+              <a:rPr lang="pt-BR" dirty="0" smtClean="0"/>
+              <a:t>__ irá receber</a:t>
+            </a:r>
+          </a:p>
+          <a:p>
+            <a:pPr lvl="1"/>
+            <a:r>
+              <a:rPr lang="pt-BR" dirty="0" smtClean="0"/>
+              <a:t>Nome, Idade, semestre, e uma lista contendo todas as cadeira a qual ele está cursando</a:t>
+            </a:r>
+          </a:p>
+          <a:p>
+            <a:r>
+              <a:rPr lang="pt-BR" dirty="0" smtClean="0"/>
+              <a:t>Implementar um método </a:t>
+            </a:r>
+            <a:r>
+              <a:rPr lang="pt-BR" dirty="0" err="1" smtClean="0"/>
+              <a:t>imprime_informacao</a:t>
+            </a:r>
+            <a:r>
+              <a:rPr lang="pt-BR" dirty="0" smtClean="0"/>
+              <a:t>()</a:t>
+            </a:r>
+            <a:r>
+              <a:rPr lang="pt-BR" dirty="0"/>
+              <a:t> </a:t>
+            </a:r>
+            <a:r>
+              <a:rPr lang="pt-BR" dirty="0" smtClean="0"/>
+              <a:t>onde este irá imprimir o Nome, idade, semestre, e as cadeiras que esse estudante está cursando</a:t>
+            </a:r>
+          </a:p>
+        </p:txBody>
+      </p:sp>
+    </p:spTree>
+    <p:extLst>
+      <p:ext uri="{BB962C8B-B14F-4D97-AF65-F5344CB8AC3E}">
+        <p14:creationId xmlns:p14="http://schemas.microsoft.com/office/powerpoint/2010/main" val="2462295428"/>
+      </p:ext>
+    </p:extLst>
+  </p:cSld>
+  <p:clrMapOvr>
+    <a:masterClrMapping/>
+  </p:clrMapOvr>
+  <p:timing>
+    <p:tnLst>
+      <p:par>
+        <p:cTn id="1" dur="indefinite" restart="never" nodeType="tmRoot"/>
+      </p:par>
+    </p:tnLst>
+  </p:timing>
+</p:sld>
+</file>
+
+<file path=ppt/slides/slide75.xml><?xml version="1.0" encoding="utf-8"?>
+<p:sld xmlns:a="http://schemas.openxmlformats.org/drawingml/2006/main" xmlns:r="http://schemas.openxmlformats.org/officeDocument/2006/relationships" xmlns:p="http://schemas.openxmlformats.org/presentationml/2006/main">
+  <p:cSld>
+    <p:spTree>
+      <p:nvGrpSpPr>
+        <p:cNvPr id="1" name=""/>
+        <p:cNvGrpSpPr/>
+        <p:nvPr/>
+      </p:nvGrpSpPr>
+      <p:grpSpPr>
+        <a:xfrm>
+          <a:off x="0" y="0"/>
+          <a:ext cx="0" cy="0"/>
+          <a:chOff x="0" y="0"/>
+          <a:chExt cx="0" cy="0"/>
+        </a:xfrm>
+      </p:grpSpPr>
+      <p:sp>
+        <p:nvSpPr>
+          <p:cNvPr id="2" name="Título 1"/>
+          <p:cNvSpPr>
+            <a:spLocks noGrp="1"/>
+          </p:cNvSpPr>
+          <p:nvPr>
+            <p:ph type="title"/>
+          </p:nvPr>
+        </p:nvSpPr>
+        <p:spPr/>
+        <p:txBody>
+          <a:bodyPr/>
+          <a:lstStyle/>
+          <a:p>
+            <a:r>
+              <a:rPr lang="pt-BR" dirty="0" smtClean="0"/>
+              <a:t>Cronograma</a:t>
+            </a:r>
+            <a:endParaRPr lang="pt-BR" dirty="0"/>
+          </a:p>
+        </p:txBody>
+      </p:sp>
+      <p:sp>
+        <p:nvSpPr>
+          <p:cNvPr id="3" name="Espaço Reservado para Conteúdo 2"/>
+          <p:cNvSpPr>
+            <a:spLocks noGrp="1"/>
+          </p:cNvSpPr>
+          <p:nvPr>
+            <p:ph idx="1"/>
+          </p:nvPr>
+        </p:nvSpPr>
+        <p:spPr>
+          <a:xfrm>
+            <a:off x="628650" y="1418897"/>
+            <a:ext cx="7886700" cy="5087006"/>
+          </a:xfrm>
+        </p:spPr>
+        <p:txBody>
+          <a:bodyPr>
+            <a:normAutofit/>
+          </a:bodyPr>
+          <a:lstStyle/>
+          <a:p>
+            <a:r>
+              <a:rPr lang="pt-BR" sz="3600" dirty="0" smtClean="0"/>
+              <a:t>Parte III:</a:t>
+            </a:r>
+          </a:p>
+          <a:p>
+            <a:pPr lvl="1"/>
+            <a:r>
+              <a:rPr lang="pt-BR" sz="3600" dirty="0" smtClean="0"/>
+              <a:t>Análise de dados com Pandas e </a:t>
+            </a:r>
+            <a:r>
+              <a:rPr lang="pt-BR" sz="3600" dirty="0" err="1" smtClean="0"/>
+              <a:t>Matplotlib</a:t>
+            </a:r>
+            <a:endParaRPr lang="pt-BR" sz="3600" dirty="0" smtClean="0"/>
+          </a:p>
+        </p:txBody>
+      </p:sp>
+    </p:spTree>
+    <p:extLst>
+      <p:ext uri="{BB962C8B-B14F-4D97-AF65-F5344CB8AC3E}">
+        <p14:creationId xmlns:p14="http://schemas.microsoft.com/office/powerpoint/2010/main" val="3429233724"/>
       </p:ext>
     </p:extLst>
   </p:cSld>

--- a/aula.pptx
+++ b/aula.pptx
@@ -80,17 +80,26 @@
     <p:sldId id="329" r:id="rId74"/>
     <p:sldId id="313" r:id="rId75"/>
     <p:sldId id="351" r:id="rId76"/>
-    <p:sldId id="352" r:id="rId77"/>
-    <p:sldId id="353" r:id="rId78"/>
-    <p:sldId id="339" r:id="rId79"/>
-    <p:sldId id="335" r:id="rId80"/>
-    <p:sldId id="337" r:id="rId81"/>
-    <p:sldId id="338" r:id="rId82"/>
+    <p:sldId id="353" r:id="rId77"/>
+    <p:sldId id="339" r:id="rId78"/>
+    <p:sldId id="335" r:id="rId79"/>
+    <p:sldId id="337" r:id="rId80"/>
+    <p:sldId id="338" r:id="rId81"/>
+    <p:sldId id="363" r:id="rId82"/>
     <p:sldId id="336" r:id="rId83"/>
     <p:sldId id="340" r:id="rId84"/>
     <p:sldId id="341" r:id="rId85"/>
     <p:sldId id="342" r:id="rId86"/>
     <p:sldId id="317" r:id="rId87"/>
+    <p:sldId id="354" r:id="rId88"/>
+    <p:sldId id="359" r:id="rId89"/>
+    <p:sldId id="355" r:id="rId90"/>
+    <p:sldId id="356" r:id="rId91"/>
+    <p:sldId id="357" r:id="rId92"/>
+    <p:sldId id="358" r:id="rId93"/>
+    <p:sldId id="361" r:id="rId94"/>
+    <p:sldId id="360" r:id="rId95"/>
+    <p:sldId id="362" r:id="rId96"/>
   </p:sldIdLst>
   <p:sldSz cx="9144000" cy="6858000" type="screen4x3"/>
   <p:notesSz cx="6858000" cy="9144000"/>
@@ -328,7 +337,7 @@
           <a:p>
             <a:fld id="{D377BE14-62C7-4620-BC91-FC5671F55649}" type="datetimeFigureOut">
               <a:rPr lang="en-US" smtClean="0"/>
-              <a:t>10/15/2019</a:t>
+              <a:t>10/16/2019</a:t>
             </a:fld>
             <a:endParaRPr lang="en-US"/>
           </a:p>
@@ -498,7 +507,7 @@
           <a:p>
             <a:fld id="{D377BE14-62C7-4620-BC91-FC5671F55649}" type="datetimeFigureOut">
               <a:rPr lang="en-US" smtClean="0"/>
-              <a:t>10/15/2019</a:t>
+              <a:t>10/16/2019</a:t>
             </a:fld>
             <a:endParaRPr lang="en-US"/>
           </a:p>
@@ -678,7 +687,7 @@
           <a:p>
             <a:fld id="{D377BE14-62C7-4620-BC91-FC5671F55649}" type="datetimeFigureOut">
               <a:rPr lang="en-US" smtClean="0"/>
-              <a:t>10/15/2019</a:t>
+              <a:t>10/16/2019</a:t>
             </a:fld>
             <a:endParaRPr lang="en-US"/>
           </a:p>
@@ -848,7 +857,7 @@
           <a:p>
             <a:fld id="{D377BE14-62C7-4620-BC91-FC5671F55649}" type="datetimeFigureOut">
               <a:rPr lang="en-US" smtClean="0"/>
-              <a:t>10/15/2019</a:t>
+              <a:t>10/16/2019</a:t>
             </a:fld>
             <a:endParaRPr lang="en-US"/>
           </a:p>
@@ -1092,7 +1101,7 @@
           <a:p>
             <a:fld id="{D377BE14-62C7-4620-BC91-FC5671F55649}" type="datetimeFigureOut">
               <a:rPr lang="en-US" smtClean="0"/>
-              <a:t>10/15/2019</a:t>
+              <a:t>10/16/2019</a:t>
             </a:fld>
             <a:endParaRPr lang="en-US"/>
           </a:p>
@@ -1324,7 +1333,7 @@
           <a:p>
             <a:fld id="{D377BE14-62C7-4620-BC91-FC5671F55649}" type="datetimeFigureOut">
               <a:rPr lang="en-US" smtClean="0"/>
-              <a:t>10/15/2019</a:t>
+              <a:t>10/16/2019</a:t>
             </a:fld>
             <a:endParaRPr lang="en-US"/>
           </a:p>
@@ -1691,7 +1700,7 @@
           <a:p>
             <a:fld id="{D377BE14-62C7-4620-BC91-FC5671F55649}" type="datetimeFigureOut">
               <a:rPr lang="en-US" smtClean="0"/>
-              <a:t>10/15/2019</a:t>
+              <a:t>10/16/2019</a:t>
             </a:fld>
             <a:endParaRPr lang="en-US"/>
           </a:p>
@@ -1809,7 +1818,7 @@
           <a:p>
             <a:fld id="{D377BE14-62C7-4620-BC91-FC5671F55649}" type="datetimeFigureOut">
               <a:rPr lang="en-US" smtClean="0"/>
-              <a:t>10/15/2019</a:t>
+              <a:t>10/16/2019</a:t>
             </a:fld>
             <a:endParaRPr lang="en-US"/>
           </a:p>
@@ -1904,7 +1913,7 @@
           <a:p>
             <a:fld id="{D377BE14-62C7-4620-BC91-FC5671F55649}" type="datetimeFigureOut">
               <a:rPr lang="en-US" smtClean="0"/>
-              <a:t>10/15/2019</a:t>
+              <a:t>10/16/2019</a:t>
             </a:fld>
             <a:endParaRPr lang="en-US"/>
           </a:p>
@@ -2181,7 +2190,7 @@
           <a:p>
             <a:fld id="{D377BE14-62C7-4620-BC91-FC5671F55649}" type="datetimeFigureOut">
               <a:rPr lang="en-US" smtClean="0"/>
-              <a:t>10/15/2019</a:t>
+              <a:t>10/16/2019</a:t>
             </a:fld>
             <a:endParaRPr lang="en-US"/>
           </a:p>
@@ -2438,7 +2447,7 @@
           <a:p>
             <a:fld id="{D377BE14-62C7-4620-BC91-FC5671F55649}" type="datetimeFigureOut">
               <a:rPr lang="en-US" smtClean="0"/>
-              <a:t>10/15/2019</a:t>
+              <a:t>10/16/2019</a:t>
             </a:fld>
             <a:endParaRPr lang="en-US"/>
           </a:p>
@@ -2651,7 +2660,7 @@
           <a:p>
             <a:fld id="{D377BE14-62C7-4620-BC91-FC5671F55649}" type="datetimeFigureOut">
               <a:rPr lang="en-US" smtClean="0"/>
-              <a:t>10/15/2019</a:t>
+              <a:t>10/16/2019</a:t>
             </a:fld>
             <a:endParaRPr lang="en-US"/>
           </a:p>
@@ -3193,13 +3202,8 @@
           <a:p>
             <a:r>
               <a:rPr lang="pt-BR" sz="3200" dirty="0" smtClean="0"/>
-              <a:t>Python é uma linguagem interpretada pelo interpretador Python em tempo de </a:t>
-            </a:r>
-            <a:r>
-              <a:rPr lang="pt-BR" sz="3200" dirty="0" smtClean="0"/>
-              <a:t>execução</a:t>
-            </a:r>
-            <a:endParaRPr lang="pt-BR" sz="3200" dirty="0" smtClean="0"/>
+              <a:t>Python é uma linguagem interpretada pelo interpretador Python em tempo de execução</a:t>
+            </a:r>
           </a:p>
         </p:txBody>
       </p:sp>
@@ -3368,11 +3372,7 @@
           <a:p>
             <a:r>
               <a:rPr lang="pt-BR" sz="3200" dirty="0" smtClean="0"/>
-              <a:t>Python é uma linguagem interpretada pelo interpretador Python em tempo de </a:t>
-            </a:r>
-            <a:r>
-              <a:rPr lang="pt-BR" sz="3200" dirty="0" smtClean="0"/>
-              <a:t>execução</a:t>
+              <a:t>Python é uma linguagem interpretada pelo interpretador Python em tempo de execução</a:t>
             </a:r>
           </a:p>
           <a:p>
@@ -3484,13 +3484,8 @@
           <a:p>
             <a:r>
               <a:rPr lang="pt-BR" sz="3200" dirty="0" smtClean="0"/>
-              <a:t>Python é uma linguagem “fácil” para se aprender </a:t>
-            </a:r>
-            <a:r>
-              <a:rPr lang="pt-BR" sz="3200" dirty="0" smtClean="0"/>
-              <a:t>programação</a:t>
-            </a:r>
-            <a:endParaRPr lang="pt-BR" sz="3200" dirty="0" smtClean="0"/>
+              <a:t>Python é uma linguagem “fácil” para se aprender programação</a:t>
+            </a:r>
           </a:p>
         </p:txBody>
       </p:sp>
@@ -4261,7 +4256,6 @@
               <a:rPr lang="pt-BR" sz="3200" dirty="0" smtClean="0"/>
               <a:t>Função input</a:t>
             </a:r>
-            <a:endParaRPr lang="pt-BR" sz="3200" dirty="0" smtClean="0"/>
           </a:p>
           <a:p>
             <a:r>
@@ -6579,8 +6573,12 @@
           </a:p>
           <a:p>
             <a:r>
+              <a:rPr lang="pt-BR" sz="3200" dirty="0" smtClean="0"/>
+              <a:t>Linhas múltiplas </a:t>
+            </a:r>
+            <a:r>
               <a:rPr lang="pt-BR" sz="3200" dirty="0"/>
-              <a:t>Múltiplas separadas por \</a:t>
+              <a:t>separadas por \</a:t>
             </a:r>
           </a:p>
           <a:p>
@@ -6657,7 +6655,7 @@
           <a:p>
             <a:r>
               <a:rPr lang="pt-BR" dirty="0" smtClean="0"/>
-              <a:t>Exercício</a:t>
+              <a:t>Exercícios</a:t>
             </a:r>
             <a:endParaRPr lang="pt-BR" dirty="0"/>
           </a:p>
@@ -6686,7 +6684,15 @@
           <a:p>
             <a:r>
               <a:rPr lang="pt-BR" sz="3200" dirty="0" smtClean="0"/>
-              <a:t>“&lt;seu nome&gt; esta no minicurso de Python” usando a função </a:t>
+              <a:t>“&lt;seu nome</a:t>
+            </a:r>
+            <a:r>
+              <a:rPr lang="pt-BR" sz="3200" dirty="0" smtClean="0"/>
+              <a:t>&gt; </a:t>
+            </a:r>
+            <a:r>
+              <a:rPr lang="pt-BR" sz="3200" dirty="0" smtClean="0"/>
+              <a:t>no minicurso de Python” usando a função </a:t>
             </a:r>
             <a:r>
               <a:rPr lang="pt-BR" sz="3200" dirty="0" err="1" smtClean="0"/>
@@ -6696,7 +6702,6 @@
               <a:rPr lang="pt-BR" sz="3200" dirty="0" smtClean="0"/>
               <a:t> e a função input</a:t>
             </a:r>
-            <a:endParaRPr lang="pt-BR" sz="3200" dirty="0" smtClean="0"/>
           </a:p>
         </p:txBody>
       </p:sp>
@@ -7240,13 +7245,8 @@
             <a:pPr lvl="1"/>
             <a:r>
               <a:rPr lang="pt-BR" dirty="0" smtClean="0"/>
-              <a:t>Exemplos: 3, 422, 338, 3939, </a:t>
-            </a:r>
-            <a:r>
-              <a:rPr lang="pt-BR" dirty="0" smtClean="0"/>
-              <a:t>38383838383L</a:t>
-            </a:r>
-            <a:endParaRPr lang="pt-BR" dirty="0" smtClean="0"/>
+              <a:t>Exemplos: 3, 422, 338, 3939, 38383838383L</a:t>
+            </a:r>
           </a:p>
           <a:p>
             <a:r>
@@ -7551,7 +7551,11 @@
           <a:p>
             <a:r>
               <a:rPr lang="pt-BR" dirty="0" smtClean="0"/>
-              <a:t>Funções matemática biblioteca </a:t>
+              <a:t>Funções </a:t>
+            </a:r>
+            <a:r>
+              <a:rPr lang="pt-BR" dirty="0" smtClean="0"/>
+              <a:t>da biblioteca </a:t>
             </a:r>
             <a:r>
               <a:rPr lang="pt-BR" dirty="0" err="1" smtClean="0"/>
@@ -7966,8 +7970,8 @@
           </a:p>
         </p:txBody>
       </p:sp>
-      <mc:AlternateContent xmlns:mc="http://schemas.openxmlformats.org/markup-compatibility/2006">
-        <mc:Choice xmlns:a14="http://schemas.microsoft.com/office/drawing/2010/main" Requires="a14">
+      <mc:AlternateContent xmlns:mc="http://schemas.openxmlformats.org/markup-compatibility/2006" xmlns:a14="http://schemas.microsoft.com/office/drawing/2010/main">
+        <mc:Choice Requires="a14">
           <p:sp>
             <p:nvSpPr>
               <p:cNvPr id="3" name="Espaço Reservado para Conteúdo 2"/>
@@ -8331,7 +8335,7 @@
             </p:txBody>
           </p:sp>
         </mc:Choice>
-        <mc:Fallback>
+        <mc:Fallback xmlns="">
           <p:sp>
             <p:nvSpPr>
               <p:cNvPr id="3" name="Espaço Reservado para Conteúdo 2"/>
@@ -8500,11 +8504,7 @@
             <a:pPr lvl="1"/>
             <a:r>
               <a:rPr lang="pt-BR" sz="3600" dirty="0" smtClean="0"/>
-              <a:t>Tratamento </a:t>
-            </a:r>
-            <a:r>
-              <a:rPr lang="pt-BR" sz="3600" dirty="0" smtClean="0"/>
-              <a:t>de exceções</a:t>
+              <a:t>Tratamento de exceções</a:t>
             </a:r>
             <a:endParaRPr lang="pt-BR" sz="3600" dirty="0"/>
           </a:p>
@@ -8514,7 +8514,6 @@
               <a:rPr lang="pt-BR" sz="3600" dirty="0" smtClean="0"/>
               <a:t>Orientação a objetos</a:t>
             </a:r>
-            <a:endParaRPr lang="pt-BR" sz="3600" dirty="0" smtClean="0"/>
           </a:p>
         </p:txBody>
       </p:sp>
@@ -8655,12 +8654,12 @@
           </a:p>
           <a:p>
             <a:r>
-              <a:rPr lang="pt-BR" dirty="0" err="1" smtClean="0"/>
-              <a:t>Princiapais</a:t>
-            </a:r>
-            <a:r>
-              <a:rPr lang="pt-BR" dirty="0" smtClean="0"/>
-              <a:t> operadores:</a:t>
+              <a:rPr lang="pt-BR" dirty="0" smtClean="0"/>
+              <a:t>Principais </a:t>
+            </a:r>
+            <a:r>
+              <a:rPr lang="pt-BR" dirty="0" smtClean="0"/>
+              <a:t>operadores:</a:t>
             </a:r>
           </a:p>
           <a:p>
@@ -9369,7 +9368,7 @@
         <p:spPr>
           <a:xfrm>
             <a:off x="628650" y="1690689"/>
-            <a:ext cx="7886700" cy="4486274"/>
+            <a:ext cx="7886700" cy="4794194"/>
           </a:xfrm>
         </p:spPr>
         <p:txBody>
@@ -9399,8 +9398,13 @@
             </a:r>
             <a:r>
               <a:rPr lang="pt-BR" sz="3200" dirty="0" smtClean="0"/>
-              <a:t>’, 9.123, 1, 2</a:t>
-            </a:r>
+              <a:t>’, 9.123, 1, </a:t>
+            </a:r>
+            <a:r>
+              <a:rPr lang="pt-BR" sz="3200" dirty="0" smtClean="0"/>
+              <a:t>2, 4.2, 1, 3, 85</a:t>
+            </a:r>
+            <a:endParaRPr lang="pt-BR" sz="3200" dirty="0" smtClean="0"/>
           </a:p>
           <a:p>
             <a:r>
@@ -9417,21 +9421,13 @@
           <a:p>
             <a:r>
               <a:rPr lang="pt-BR" sz="3500" dirty="0" smtClean="0"/>
-              <a:t>Insira a “minicurso” na posição 3</a:t>
-            </a:r>
-          </a:p>
-          <a:p>
+              <a:t>Insira a “minicurso” na posição </a:t>
+            </a:r>
             <a:r>
               <a:rPr lang="pt-BR" sz="3500" dirty="0" smtClean="0"/>
-              <a:t>Apague o elemento 4 da lista</a:t>
-            </a:r>
-          </a:p>
-          <a:p>
-            <a:endParaRPr lang="pt-BR" sz="3600" dirty="0" smtClean="0"/>
-          </a:p>
-          <a:p>
-            <a:pPr lvl="1"/>
-            <a:endParaRPr lang="pt-BR" dirty="0" smtClean="0"/>
+              <a:t>3</a:t>
+            </a:r>
+            <a:endParaRPr lang="pt-BR" sz="3500" dirty="0" smtClean="0"/>
           </a:p>
         </p:txBody>
       </p:sp>
@@ -9570,15 +9566,7 @@
             </a:r>
             <a:r>
               <a:rPr lang="pt-BR" dirty="0" smtClean="0"/>
-              <a:t>‘</a:t>
-            </a:r>
-            <a:r>
-              <a:rPr lang="pt-BR" dirty="0" smtClean="0"/>
-              <a:t>essa </a:t>
-            </a:r>
-            <a:r>
-              <a:rPr lang="pt-BR" dirty="0" smtClean="0"/>
-              <a:t>e uma </a:t>
+              <a:t>‘essa e uma </a:t>
             </a:r>
             <a:r>
               <a:rPr lang="pt-BR" dirty="0" err="1" smtClean="0"/>
@@ -10044,7 +10032,6 @@
               <a:rPr lang="pt-BR" dirty="0" smtClean="0"/>
               <a:t>Mostre na tela os dados de cada usuário</a:t>
             </a:r>
-            <a:endParaRPr lang="pt-BR" dirty="0" smtClean="0"/>
           </a:p>
         </p:txBody>
       </p:sp>
@@ -10139,14 +10126,48 @@
           <a:p>
             <a:pPr lvl="1"/>
             <a:r>
-              <a:rPr lang="pt-BR" sz="3600" dirty="0"/>
-              <a:t>Análise de dados com Pandas e </a:t>
-            </a:r>
-            <a:r>
               <a:rPr lang="pt-BR" sz="3600" dirty="0" err="1"/>
               <a:t>Matplotlib</a:t>
             </a:r>
-            <a:endParaRPr lang="pt-BR" sz="3600" dirty="0"/>
+            <a:r>
+              <a:rPr lang="pt-BR" sz="3600" dirty="0"/>
+              <a:t> e Pandas</a:t>
+            </a:r>
+          </a:p>
+          <a:p>
+            <a:pPr lvl="1"/>
+            <a:r>
+              <a:rPr lang="pt-BR" sz="3600" dirty="0"/>
+              <a:t>Exemplo gráfico de pontos</a:t>
+            </a:r>
+          </a:p>
+          <a:p>
+            <a:pPr lvl="1"/>
+            <a:r>
+              <a:rPr lang="pt-BR" sz="3600" dirty="0"/>
+              <a:t>Exemplo gráfico de barras</a:t>
+            </a:r>
+          </a:p>
+          <a:p>
+            <a:pPr lvl="1"/>
+            <a:r>
+              <a:rPr lang="pt-BR" sz="3600" dirty="0"/>
+              <a:t>Exemplo gráfico de linhas</a:t>
+            </a:r>
+          </a:p>
+          <a:p>
+            <a:pPr lvl="1"/>
+            <a:r>
+              <a:rPr lang="pt-BR" sz="3600" dirty="0"/>
+              <a:t>Exemplo de histograma</a:t>
+            </a:r>
+          </a:p>
+          <a:p>
+            <a:pPr lvl="1"/>
+            <a:r>
+              <a:rPr lang="pt-BR" sz="3600" dirty="0"/>
+              <a:t>Exemplo de gráfico de grupos</a:t>
+            </a:r>
           </a:p>
         </p:txBody>
       </p:sp>
@@ -10856,8 +10877,8 @@
           </a:p>
         </p:txBody>
       </p:sp>
-      <mc:AlternateContent xmlns:mc="http://schemas.openxmlformats.org/markup-compatibility/2006">
-        <mc:Choice xmlns:a14="http://schemas.microsoft.com/office/drawing/2010/main" Requires="a14">
+      <mc:AlternateContent xmlns:mc="http://schemas.openxmlformats.org/markup-compatibility/2006" xmlns:a14="http://schemas.microsoft.com/office/drawing/2010/main">
+        <mc:Choice Requires="a14">
           <p:sp>
             <p:nvSpPr>
               <p:cNvPr id="3" name="Espaço Reservado para Conteúdo 2"/>
@@ -10920,11 +10941,7 @@
               <a:p>
                 <a:r>
                   <a:rPr lang="pt-BR" dirty="0" smtClean="0"/>
-                  <a:t>Calcule a norma do vetor sem usar as funç</a:t>
-                </a:r>
-                <a:r>
-                  <a:rPr lang="pt-BR" dirty="0" smtClean="0"/>
-                  <a:t>ões </a:t>
+                  <a:t>Calcule a norma do vetor sem usar as funções </a:t>
                 </a:r>
                 <a:r>
                   <a:rPr lang="pt-BR" dirty="0" err="1" smtClean="0"/>
@@ -10972,13 +10989,7 @@
                       <a:rPr lang="en-US" b="0" i="1" smtClean="0">
                         <a:latin typeface="Cambria Math" panose="02040503050406030204" pitchFamily="18" charset="0"/>
                       </a:rPr>
-                      <m:t>||</m:t>
-                    </m:r>
-                    <m:r>
-                      <a:rPr lang="en-US" b="0" i="1" smtClean="0">
-                        <a:latin typeface="Cambria Math" panose="02040503050406030204" pitchFamily="18" charset="0"/>
-                      </a:rPr>
-                      <m:t>= </m:t>
+                      <m:t>||= </m:t>
                     </m:r>
                     <m:rad>
                       <m:radPr>
@@ -11227,7 +11238,7 @@
             </p:txBody>
           </p:sp>
         </mc:Choice>
-        <mc:Fallback>
+        <mc:Fallback xmlns="">
           <p:sp>
             <p:nvSpPr>
               <p:cNvPr id="3" name="Espaço Reservado para Conteúdo 2"/>
@@ -11369,7 +11380,15 @@
             <a:pPr lvl="1"/>
             <a:r>
               <a:rPr lang="pt-BR" sz="2800" dirty="0" smtClean="0"/>
-              <a:t>a != b ou a &lt;&gt; b (a é diferente de b?)</a:t>
+              <a:t>a != b </a:t>
+            </a:r>
+            <a:r>
+              <a:rPr lang="pt-BR" sz="2800" dirty="0" smtClean="0"/>
+              <a:t>(a </a:t>
+            </a:r>
+            <a:r>
+              <a:rPr lang="pt-BR" sz="2800" dirty="0" smtClean="0"/>
+              <a:t>é diferente de b?)</a:t>
             </a:r>
           </a:p>
           <a:p>
@@ -11837,14 +11856,11 @@
           <a:p>
             <a:r>
               <a:rPr lang="pt-BR" dirty="0" smtClean="0"/>
-              <a:t>Leia 3 números e mostre o maior, o menor, e o do meio</a:t>
-            </a:r>
-            <a:endParaRPr lang="pt-BR" dirty="0" smtClean="0"/>
-          </a:p>
-          <a:p>
-            <a:r>
-              <a:rPr lang="pt-BR" dirty="0" smtClean="0"/>
-              <a:t>Leia duas </a:t>
+              <a:t>Leia </a:t>
+            </a:r>
+            <a:r>
+              <a:rPr lang="pt-BR" dirty="0" smtClean="0"/>
+              <a:t>duas </a:t>
             </a:r>
             <a:r>
               <a:rPr lang="pt-BR" dirty="0" err="1" smtClean="0"/>
@@ -11862,7 +11878,6 @@
               <a:rPr lang="pt-BR" dirty="0" smtClean="0"/>
               <a:t> está contida na segunda</a:t>
             </a:r>
-            <a:endParaRPr lang="pt-BR" dirty="0" smtClean="0"/>
           </a:p>
         </p:txBody>
       </p:sp>
@@ -12164,8 +12179,8 @@
         </p:blipFill>
         <p:spPr>
           <a:xfrm>
-            <a:off x="1653847" y="2086851"/>
-            <a:ext cx="2524125" cy="3228975"/>
+            <a:off x="970675" y="2023788"/>
+            <a:ext cx="3527753" cy="4512861"/>
           </a:xfrm>
         </p:spPr>
       </p:pic>
@@ -12279,7 +12294,6 @@
               <a:rPr lang="pt-BR" sz="2800" dirty="0" smtClean="0"/>
               <a:t>:</a:t>
             </a:r>
-            <a:endParaRPr lang="pt-BR" sz="2800" dirty="0" smtClean="0"/>
           </a:p>
           <a:p>
             <a:r>
@@ -12566,7 +12580,7 @@
           <a:p>
             <a:r>
               <a:rPr lang="pt-BR" dirty="0" smtClean="0"/>
-              <a:t>Exercício</a:t>
+              <a:t>Exercícios</a:t>
             </a:r>
             <a:endParaRPr lang="pt-BR" dirty="0"/>
           </a:p>
@@ -12590,7 +12604,7 @@
         </p:spPr>
         <p:txBody>
           <a:bodyPr>
-            <a:normAutofit/>
+            <a:normAutofit fontScale="92500"/>
           </a:bodyPr>
           <a:lstStyle/>
           <a:p>
@@ -12644,9 +12658,23 @@
             <a:pPr lvl="1"/>
             <a:r>
               <a:rPr lang="pt-BR" dirty="0" smtClean="0"/>
-              <a:t>Caso não contenha, escreva “Não contém”</a:t>
-            </a:r>
-            <a:endParaRPr lang="pt-BR" dirty="0" smtClean="0"/>
+              <a:t>Caso não contenha, escreva “Não contém</a:t>
+            </a:r>
+            <a:r>
+              <a:rPr lang="pt-BR" dirty="0" smtClean="0"/>
+              <a:t>”</a:t>
+            </a:r>
+          </a:p>
+          <a:p>
+            <a:r>
+              <a:rPr lang="pt-BR" dirty="0"/>
+              <a:t>Leia 3 números e mostre o maior, o menor, e o do </a:t>
+            </a:r>
+            <a:r>
+              <a:rPr lang="pt-BR" dirty="0" smtClean="0"/>
+              <a:t>meio</a:t>
+            </a:r>
+            <a:endParaRPr lang="pt-BR" dirty="0"/>
           </a:p>
         </p:txBody>
       </p:sp>
@@ -12995,7 +13023,7 @@
         <p:spPr>
           <a:xfrm>
             <a:off x="4748869" y="1525971"/>
-            <a:ext cx="2505075" cy="3848100"/>
+            <a:ext cx="3207462" cy="4927052"/>
           </a:xfrm>
           <a:prstGeom prst="rect">
             <a:avLst/>
@@ -13104,13 +13132,8 @@
             </a:br>
             <a:r>
               <a:rPr lang="pt-BR" dirty="0" smtClean="0"/>
-              <a:t>	...código</a:t>
-            </a:r>
-            <a:r>
-              <a:rPr lang="pt-BR" dirty="0" smtClean="0"/>
-              <a:t>...</a:t>
-            </a:r>
-            <a:endParaRPr lang="pt-BR" dirty="0" smtClean="0"/>
+              <a:t>	...código...</a:t>
+            </a:r>
           </a:p>
         </p:txBody>
       </p:sp>
@@ -13381,7 +13404,6 @@
               <a:rPr lang="pt-BR" dirty="0" smtClean="0"/>
               <a:t>... código caso o laço termine ...</a:t>
             </a:r>
-            <a:endParaRPr lang="pt-BR" dirty="0" smtClean="0"/>
           </a:p>
         </p:txBody>
       </p:sp>
@@ -13469,26 +13491,14 @@
           <a:p>
             <a:r>
               <a:rPr lang="pt-BR" dirty="0" smtClean="0"/>
-              <a:t>Achar todos os números primos em um intervalo de x até y </a:t>
+              <a:t>Ler um número da tela e definir se ele é primo ou não</a:t>
             </a:r>
             <a:endParaRPr lang="pt-BR" dirty="0" smtClean="0"/>
           </a:p>
           <a:p>
             <a:r>
               <a:rPr lang="pt-BR" dirty="0" smtClean="0"/>
-              <a:t>Crie uma </a:t>
-            </a:r>
-            <a:r>
-              <a:rPr lang="pt-BR" dirty="0" smtClean="0"/>
-              <a:t>lista </a:t>
-            </a:r>
-            <a:r>
-              <a:rPr lang="pt-BR" dirty="0" smtClean="0"/>
-              <a:t>de 100 posições com números randômicos</a:t>
-            </a:r>
-            <a:r>
-              <a:rPr lang="pt-BR" dirty="0" smtClean="0"/>
-              <a:t> de 0 a 1. </a:t>
+              <a:t>Crie uma lista de 100 posições com números randômicos de 0 a 1. </a:t>
             </a:r>
           </a:p>
           <a:p>
@@ -13524,7 +13534,6 @@
               <a:rPr lang="pt-BR" dirty="0" smtClean="0"/>
               <a:t>lista3 = lista1 + lista2</a:t>
             </a:r>
-            <a:endParaRPr lang="pt-BR" dirty="0" smtClean="0"/>
           </a:p>
           <a:p>
             <a:pPr lvl="1"/>
@@ -13920,18 +13929,7 @@
                   </a:schemeClr>
                 </a:solidFill>
               </a:rPr>
-              <a:t>Tratamento </a:t>
-            </a:r>
-            <a:r>
-              <a:rPr lang="pt-BR" sz="3600" dirty="0" smtClean="0">
-                <a:solidFill>
-                  <a:schemeClr val="tx1">
-                    <a:lumMod val="50000"/>
-                    <a:lumOff val="50000"/>
-                  </a:schemeClr>
-                </a:solidFill>
-              </a:rPr>
-              <a:t>de exceções</a:t>
+              <a:t>Tratamento de exceções</a:t>
             </a:r>
             <a:endParaRPr lang="pt-BR" sz="3600" dirty="0">
               <a:solidFill>
@@ -13955,14 +13953,6 @@
               </a:rPr>
               <a:t>Orientação a objetos</a:t>
             </a:r>
-            <a:endParaRPr lang="pt-BR" sz="3600" dirty="0" smtClean="0">
-              <a:solidFill>
-                <a:schemeClr val="tx1">
-                  <a:lumMod val="50000"/>
-                  <a:lumOff val="50000"/>
-                </a:schemeClr>
-              </a:solidFill>
-            </a:endParaRPr>
           </a:p>
         </p:txBody>
       </p:sp>
@@ -14753,18 +14743,7 @@
                   </a:schemeClr>
                 </a:solidFill>
               </a:rPr>
-              <a:t>Tratamento </a:t>
-            </a:r>
-            <a:r>
-              <a:rPr lang="pt-BR" sz="3600" dirty="0" smtClean="0">
-                <a:solidFill>
-                  <a:schemeClr val="tx1">
-                    <a:lumMod val="50000"/>
-                    <a:lumOff val="50000"/>
-                  </a:schemeClr>
-                </a:solidFill>
-              </a:rPr>
-              <a:t>de exceções</a:t>
+              <a:t>Tratamento de exceções</a:t>
             </a:r>
             <a:endParaRPr lang="pt-BR" sz="3600" dirty="0">
               <a:solidFill>
@@ -14788,14 +14767,6 @@
               </a:rPr>
               <a:t>Orientação a objetos</a:t>
             </a:r>
-            <a:endParaRPr lang="pt-BR" sz="3600" dirty="0" smtClean="0">
-              <a:solidFill>
-                <a:schemeClr val="tx1">
-                  <a:lumMod val="50000"/>
-                  <a:lumOff val="50000"/>
-                </a:schemeClr>
-              </a:solidFill>
-            </a:endParaRPr>
           </a:p>
         </p:txBody>
       </p:sp>
@@ -15215,394 +15186,105 @@
           </a:p>
         </p:txBody>
       </p:sp>
-      <mc:AlternateContent xmlns:mc="http://schemas.openxmlformats.org/markup-compatibility/2006">
-        <mc:Choice xmlns:a14="http://schemas.microsoft.com/office/drawing/2010/main" Requires="a14">
-          <p:sp>
-            <p:nvSpPr>
-              <p:cNvPr id="3" name="Espaço Reservado para Conteúdo 2"/>
-              <p:cNvSpPr>
-                <a:spLocks noGrp="1"/>
-              </p:cNvSpPr>
-              <p:nvPr>
-                <p:ph idx="1"/>
-              </p:nvPr>
-            </p:nvSpPr>
-            <p:spPr>
-              <a:xfrm>
-                <a:off x="628650" y="1690688"/>
-                <a:ext cx="7886700" cy="4689091"/>
-              </a:xfrm>
-            </p:spPr>
-            <p:txBody>
-              <a:bodyPr>
-                <a:normAutofit/>
-              </a:bodyPr>
-              <a:lstStyle/>
-              <a:p>
-                <a:r>
-                  <a:rPr lang="pt-BR" dirty="0" smtClean="0"/>
-                  <a:t>Faça uma função que receba uma </a:t>
-                </a:r>
-                <a:r>
-                  <a:rPr lang="pt-BR" dirty="0" err="1" smtClean="0"/>
-                  <a:t>string</a:t>
-                </a:r>
-                <a:r>
-                  <a:rPr lang="pt-BR" dirty="0" smtClean="0"/>
-                  <a:t> e defina se ela é palíndromo ou não. Exemplos</a:t>
-                </a:r>
-              </a:p>
-              <a:p>
-                <a:pPr lvl="1"/>
-                <a:r>
-                  <a:rPr lang="pt-BR" dirty="0" err="1" smtClean="0"/>
-                  <a:t>Sator</a:t>
-                </a:r>
-                <a:r>
-                  <a:rPr lang="pt-BR" dirty="0" smtClean="0"/>
-                  <a:t> </a:t>
-                </a:r>
-                <a:r>
-                  <a:rPr lang="pt-BR" dirty="0" err="1" smtClean="0"/>
-                  <a:t>arepo</a:t>
-                </a:r>
-                <a:r>
-                  <a:rPr lang="pt-BR" dirty="0" smtClean="0"/>
-                  <a:t> </a:t>
-                </a:r>
-                <a:r>
-                  <a:rPr lang="pt-BR" dirty="0" err="1" smtClean="0"/>
-                  <a:t>tenet</a:t>
-                </a:r>
-                <a:r>
-                  <a:rPr lang="pt-BR" dirty="0" smtClean="0"/>
-                  <a:t> opera </a:t>
-                </a:r>
-                <a:r>
-                  <a:rPr lang="pt-BR" dirty="0"/>
-                  <a:t>rotas – </a:t>
-                </a:r>
-                <a:r>
-                  <a:rPr lang="pt-BR" dirty="0"/>
-                  <a:t>é</a:t>
-                </a:r>
-                <a:r>
-                  <a:rPr lang="pt-BR" dirty="0" smtClean="0"/>
-                  <a:t> palíndromo</a:t>
-                </a:r>
-                <a:r>
-                  <a:rPr lang="pt-BR" dirty="0" smtClean="0"/>
-                  <a:t> </a:t>
-                </a:r>
-              </a:p>
-              <a:p>
-                <a:pPr lvl="1"/>
-                <a:r>
-                  <a:rPr lang="pt-BR" dirty="0" smtClean="0"/>
-                  <a:t>“O lavrador diligente conhece a rota do seu arado</a:t>
-                </a:r>
-                <a:r>
-                  <a:rPr lang="pt-BR" dirty="0"/>
-                  <a:t>” – </a:t>
-                </a:r>
-                <a:r>
-                  <a:rPr lang="pt-BR" dirty="0" smtClean="0"/>
-                  <a:t>não é palíndromo</a:t>
-                </a:r>
-              </a:p>
-              <a:p>
-                <a:pPr lvl="1"/>
-                <a:r>
-                  <a:rPr lang="pt-BR" dirty="0" smtClean="0"/>
-                  <a:t>Arara – é palíndromo</a:t>
-                </a:r>
-              </a:p>
-              <a:p>
-                <a:r>
-                  <a:rPr lang="pt-BR" dirty="0" smtClean="0"/>
-                  <a:t>Faça uma função que receba o raio de um círculo e retorna a área</a:t>
-                </a:r>
-              </a:p>
-              <a:p>
-                <a:r>
-                  <a:rPr lang="pt-BR" dirty="0" smtClean="0"/>
-                  <a:t>Faça uma função que calcule a distância entre dois pontos em </a:t>
-                </a:r>
-                <a14:m>
-                  <m:oMath xmlns:m="http://schemas.openxmlformats.org/officeDocument/2006/math">
-                    <m:sSup>
-                      <m:sSupPr>
-                        <m:ctrlPr>
-                          <a:rPr lang="en-US" b="0" i="1" smtClean="0">
-                            <a:latin typeface="Cambria Math" panose="02040503050406030204" pitchFamily="18" charset="0"/>
-                          </a:rPr>
-                        </m:ctrlPr>
-                      </m:sSupPr>
-                      <m:e>
-                        <m:r>
-                          <a:rPr lang="en-US" b="0" i="1" smtClean="0">
-                            <a:latin typeface="Cambria Math" panose="02040503050406030204" pitchFamily="18" charset="0"/>
-                          </a:rPr>
-                          <m:t>𝑟</m:t>
-                        </m:r>
-                      </m:e>
-                      <m:sup>
-                        <m:r>
-                          <a:rPr lang="en-US" b="0" i="1" smtClean="0">
-                            <a:latin typeface="Cambria Math" panose="02040503050406030204" pitchFamily="18" charset="0"/>
-                          </a:rPr>
-                          <m:t>2</m:t>
-                        </m:r>
-                      </m:sup>
-                    </m:sSup>
-                  </m:oMath>
-                </a14:m>
-                <a:r>
-                  <a:rPr lang="pt-BR" dirty="0" smtClean="0"/>
-                  <a:t> </a:t>
-                </a:r>
-                <a:endParaRPr lang="pt-BR" dirty="0"/>
-              </a:p>
-              <a:p>
-                <a:pPr lvl="1"/>
-                <a14:m>
-                  <m:oMath xmlns:m="http://schemas.openxmlformats.org/officeDocument/2006/math">
-                    <m:rad>
-                      <m:radPr>
-                        <m:degHide m:val="on"/>
-                        <m:ctrlPr>
-                          <a:rPr lang="pt-BR" i="1" smtClean="0">
-                            <a:latin typeface="Cambria Math" panose="02040503050406030204" pitchFamily="18" charset="0"/>
-                          </a:rPr>
-                        </m:ctrlPr>
-                      </m:radPr>
-                      <m:deg/>
-                      <m:e>
-                        <m:sSup>
-                          <m:sSupPr>
-                            <m:ctrlPr>
-                              <a:rPr lang="en-US" b="0" i="1" smtClean="0">
-                                <a:latin typeface="Cambria Math" panose="02040503050406030204" pitchFamily="18" charset="0"/>
-                              </a:rPr>
-                            </m:ctrlPr>
-                          </m:sSupPr>
-                          <m:e>
-                            <m:d>
-                              <m:dPr>
-                                <m:ctrlPr>
-                                  <a:rPr lang="en-US" b="0" i="1" smtClean="0">
-                                    <a:latin typeface="Cambria Math" panose="02040503050406030204" pitchFamily="18" charset="0"/>
-                                  </a:rPr>
-                                </m:ctrlPr>
-                              </m:dPr>
-                              <m:e>
-                                <m:sSub>
-                                  <m:sSubPr>
-                                    <m:ctrlPr>
-                                      <a:rPr lang="en-US" b="0" i="1" smtClean="0">
-                                        <a:latin typeface="Cambria Math" panose="02040503050406030204" pitchFamily="18" charset="0"/>
-                                      </a:rPr>
-                                    </m:ctrlPr>
-                                  </m:sSubPr>
-                                  <m:e>
-                                    <m:r>
-                                      <a:rPr lang="en-US" b="0" i="1" smtClean="0">
-                                        <a:latin typeface="Cambria Math" panose="02040503050406030204" pitchFamily="18" charset="0"/>
-                                      </a:rPr>
-                                      <m:t>𝑥</m:t>
-                                    </m:r>
-                                  </m:e>
-                                  <m:sub>
-                                    <m:r>
-                                      <a:rPr lang="en-US" b="0" i="1" smtClean="0">
-                                        <a:latin typeface="Cambria Math" panose="02040503050406030204" pitchFamily="18" charset="0"/>
-                                      </a:rPr>
-                                      <m:t>2</m:t>
-                                    </m:r>
-                                  </m:sub>
-                                </m:sSub>
-                                <m:r>
-                                  <a:rPr lang="en-US" b="0" i="1" smtClean="0">
-                                    <a:latin typeface="Cambria Math" panose="02040503050406030204" pitchFamily="18" charset="0"/>
-                                  </a:rPr>
-                                  <m:t>−</m:t>
-                                </m:r>
-                                <m:sSub>
-                                  <m:sSubPr>
-                                    <m:ctrlPr>
-                                      <a:rPr lang="en-US" b="0" i="1" smtClean="0">
-                                        <a:latin typeface="Cambria Math" panose="02040503050406030204" pitchFamily="18" charset="0"/>
-                                      </a:rPr>
-                                    </m:ctrlPr>
-                                  </m:sSubPr>
-                                  <m:e>
-                                    <m:r>
-                                      <a:rPr lang="en-US" b="0" i="1" smtClean="0">
-                                        <a:latin typeface="Cambria Math" panose="02040503050406030204" pitchFamily="18" charset="0"/>
-                                      </a:rPr>
-                                      <m:t>𝑥</m:t>
-                                    </m:r>
-                                  </m:e>
-                                  <m:sub>
-                                    <m:r>
-                                      <a:rPr lang="en-US" b="0" i="1" smtClean="0">
-                                        <a:latin typeface="Cambria Math" panose="02040503050406030204" pitchFamily="18" charset="0"/>
-                                      </a:rPr>
-                                      <m:t>1</m:t>
-                                    </m:r>
-                                  </m:sub>
-                                </m:sSub>
-                              </m:e>
-                            </m:d>
-                          </m:e>
-                          <m:sup>
-                            <m:r>
-                              <a:rPr lang="en-US" b="0" i="1" smtClean="0">
-                                <a:latin typeface="Cambria Math" panose="02040503050406030204" pitchFamily="18" charset="0"/>
-                              </a:rPr>
-                              <m:t>2</m:t>
-                            </m:r>
-                          </m:sup>
-                        </m:sSup>
-                        <m:r>
-                          <a:rPr lang="en-US" b="0" i="1" smtClean="0">
-                            <a:latin typeface="Cambria Math" panose="02040503050406030204" pitchFamily="18" charset="0"/>
-                          </a:rPr>
-                          <m:t>+</m:t>
-                        </m:r>
-                        <m:sSup>
-                          <m:sSupPr>
-                            <m:ctrlPr>
-                              <a:rPr lang="en-US" b="0" i="1" smtClean="0">
-                                <a:latin typeface="Cambria Math" panose="02040503050406030204" pitchFamily="18" charset="0"/>
-                              </a:rPr>
-                            </m:ctrlPr>
-                          </m:sSupPr>
-                          <m:e>
-                            <m:d>
-                              <m:dPr>
-                                <m:ctrlPr>
-                                  <a:rPr lang="en-US" b="0" i="1" smtClean="0">
-                                    <a:latin typeface="Cambria Math" panose="02040503050406030204" pitchFamily="18" charset="0"/>
-                                  </a:rPr>
-                                </m:ctrlPr>
-                              </m:dPr>
-                              <m:e>
-                                <m:sSub>
-                                  <m:sSubPr>
-                                    <m:ctrlPr>
-                                      <a:rPr lang="en-US" b="0" i="1" smtClean="0">
-                                        <a:latin typeface="Cambria Math" panose="02040503050406030204" pitchFamily="18" charset="0"/>
-                                      </a:rPr>
-                                    </m:ctrlPr>
-                                  </m:sSubPr>
-                                  <m:e>
-                                    <m:r>
-                                      <a:rPr lang="en-US" b="0" i="1" smtClean="0">
-                                        <a:latin typeface="Cambria Math" panose="02040503050406030204" pitchFamily="18" charset="0"/>
-                                      </a:rPr>
-                                      <m:t>𝑦</m:t>
-                                    </m:r>
-                                  </m:e>
-                                  <m:sub>
-                                    <m:r>
-                                      <a:rPr lang="en-US" b="0" i="1" smtClean="0">
-                                        <a:latin typeface="Cambria Math" panose="02040503050406030204" pitchFamily="18" charset="0"/>
-                                      </a:rPr>
-                                      <m:t>2</m:t>
-                                    </m:r>
-                                  </m:sub>
-                                </m:sSub>
-                                <m:r>
-                                  <a:rPr lang="en-US" b="0" i="1" smtClean="0">
-                                    <a:latin typeface="Cambria Math" panose="02040503050406030204" pitchFamily="18" charset="0"/>
-                                  </a:rPr>
-                                  <m:t>−</m:t>
-                                </m:r>
-                                <m:sSub>
-                                  <m:sSubPr>
-                                    <m:ctrlPr>
-                                      <a:rPr lang="en-US" b="0" i="1" smtClean="0">
-                                        <a:latin typeface="Cambria Math" panose="02040503050406030204" pitchFamily="18" charset="0"/>
-                                      </a:rPr>
-                                    </m:ctrlPr>
-                                  </m:sSubPr>
-                                  <m:e>
-                                    <m:r>
-                                      <a:rPr lang="en-US" b="0" i="1" smtClean="0">
-                                        <a:latin typeface="Cambria Math" panose="02040503050406030204" pitchFamily="18" charset="0"/>
-                                      </a:rPr>
-                                      <m:t>𝑦</m:t>
-                                    </m:r>
-                                  </m:e>
-                                  <m:sub>
-                                    <m:r>
-                                      <a:rPr lang="en-US" b="0" i="1" smtClean="0">
-                                        <a:latin typeface="Cambria Math" panose="02040503050406030204" pitchFamily="18" charset="0"/>
-                                      </a:rPr>
-                                      <m:t>1</m:t>
-                                    </m:r>
-                                  </m:sub>
-                                </m:sSub>
-                              </m:e>
-                            </m:d>
-                          </m:e>
-                          <m:sup>
-                            <m:r>
-                              <a:rPr lang="en-US" b="0" i="1" smtClean="0">
-                                <a:latin typeface="Cambria Math" panose="02040503050406030204" pitchFamily="18" charset="0"/>
-                              </a:rPr>
-                              <m:t>2</m:t>
-                            </m:r>
-                          </m:sup>
-                        </m:sSup>
-                      </m:e>
-                    </m:rad>
-                  </m:oMath>
-                </a14:m>
-                <a:endParaRPr lang="pt-BR" dirty="0" smtClean="0"/>
-              </a:p>
-            </p:txBody>
-          </p:sp>
-        </mc:Choice>
-        <mc:Fallback>
-          <p:sp>
-            <p:nvSpPr>
-              <p:cNvPr id="3" name="Espaço Reservado para Conteúdo 2"/>
-              <p:cNvSpPr>
-                <a:spLocks noGrp="1" noRot="1" noChangeAspect="1" noMove="1" noResize="1" noEditPoints="1" noAdjustHandles="1" noChangeArrowheads="1" noChangeShapeType="1" noTextEdit="1"/>
-              </p:cNvSpPr>
-              <p:nvPr>
-                <p:ph idx="1"/>
-              </p:nvPr>
-            </p:nvSpPr>
-            <p:spPr>
-              <a:xfrm>
-                <a:off x="628650" y="1690688"/>
-                <a:ext cx="7886700" cy="4689091"/>
-              </a:xfrm>
-              <a:blipFill>
-                <a:blip r:embed="rId2"/>
-                <a:stretch>
-                  <a:fillRect l="-1391" t="-2078" r="-1932"/>
-                </a:stretch>
-              </a:blipFill>
-            </p:spPr>
-            <p:txBody>
-              <a:bodyPr/>
-              <a:lstStyle/>
-              <a:p>
-                <a:r>
-                  <a:rPr lang="en-US">
-                    <a:noFill/>
-                  </a:rPr>
-                  <a:t> </a:t>
-                </a:r>
-              </a:p>
-            </p:txBody>
-          </p:sp>
-        </mc:Fallback>
-      </mc:AlternateContent>
+      <p:sp>
+        <p:nvSpPr>
+          <p:cNvPr id="3" name="Espaço Reservado para Conteúdo 2"/>
+          <p:cNvSpPr>
+            <a:spLocks noGrp="1"/>
+          </p:cNvSpPr>
+          <p:nvPr>
+            <p:ph idx="1"/>
+          </p:nvPr>
+        </p:nvSpPr>
+        <p:spPr>
+          <a:xfrm>
+            <a:off x="628650" y="1690688"/>
+            <a:ext cx="7886700" cy="4689091"/>
+          </a:xfrm>
+        </p:spPr>
+        <p:txBody>
+          <a:bodyPr>
+            <a:normAutofit/>
+          </a:bodyPr>
+          <a:lstStyle/>
+          <a:p>
+            <a:r>
+              <a:rPr lang="pt-BR" dirty="0" smtClean="0"/>
+              <a:t>Faça uma função que receba uma </a:t>
+            </a:r>
+            <a:r>
+              <a:rPr lang="pt-BR" dirty="0" err="1" smtClean="0"/>
+              <a:t>string</a:t>
+            </a:r>
+            <a:r>
+              <a:rPr lang="pt-BR" dirty="0" smtClean="0"/>
+              <a:t> e defina se ela é palíndromo ou não. Exemplos</a:t>
+            </a:r>
+          </a:p>
+          <a:p>
+            <a:pPr lvl="1"/>
+            <a:r>
+              <a:rPr lang="pt-BR" dirty="0" smtClean="0"/>
+              <a:t>SATOR AREPO TENET OPERA ROTAS – </a:t>
+            </a:r>
+            <a:r>
+              <a:rPr lang="pt-BR" dirty="0"/>
+              <a:t>é</a:t>
+            </a:r>
+            <a:r>
+              <a:rPr lang="pt-BR" dirty="0" smtClean="0"/>
+              <a:t> palíndromo </a:t>
+            </a:r>
+          </a:p>
+          <a:p>
+            <a:pPr lvl="1"/>
+            <a:r>
+              <a:rPr lang="pt-BR" dirty="0" smtClean="0"/>
+              <a:t>“O lavrador diligente conhece a rota do seu arado</a:t>
+            </a:r>
+            <a:r>
+              <a:rPr lang="pt-BR" dirty="0"/>
+              <a:t>” – </a:t>
+            </a:r>
+            <a:r>
+              <a:rPr lang="pt-BR" dirty="0" smtClean="0"/>
+              <a:t>não é palíndromo</a:t>
+            </a:r>
+          </a:p>
+          <a:p>
+            <a:pPr lvl="1"/>
+            <a:r>
+              <a:rPr lang="pt-BR" dirty="0" smtClean="0"/>
+              <a:t>Arara – é palíndromo</a:t>
+            </a:r>
+          </a:p>
+          <a:p>
+            <a:r>
+              <a:rPr lang="pt-BR" dirty="0" smtClean="0"/>
+              <a:t>Faça uma função que receba o raio de um círculo e retorna a área</a:t>
+            </a:r>
+          </a:p>
+          <a:p>
+            <a:r>
+              <a:rPr lang="pt-BR" dirty="0" smtClean="0"/>
+              <a:t>Faça uma </a:t>
+            </a:r>
+            <a:r>
+              <a:rPr lang="pt-BR" dirty="0" smtClean="0"/>
+              <a:t>função</a:t>
+            </a:r>
+            <a:r>
+              <a:rPr lang="en-US" dirty="0" smtClean="0"/>
+              <a:t> </a:t>
+            </a:r>
+            <a:r>
+              <a:rPr lang="pt-BR" dirty="0" smtClean="0"/>
+              <a:t>que receba uma lista e retorne outra lista sem elementos duplicados</a:t>
+            </a:r>
+            <a:endParaRPr lang="pt-BR" dirty="0" smtClean="0"/>
+          </a:p>
+        </p:txBody>
+      </p:sp>
     </p:spTree>
     <p:extLst>
       <p:ext uri="{BB962C8B-B14F-4D97-AF65-F5344CB8AC3E}">
@@ -15776,18 +15458,7 @@
                   </a:schemeClr>
                 </a:solidFill>
               </a:rPr>
-              <a:t>Tratamento </a:t>
-            </a:r>
-            <a:r>
-              <a:rPr lang="pt-BR" sz="3600" dirty="0" smtClean="0">
-                <a:solidFill>
-                  <a:schemeClr val="tx1">
-                    <a:lumMod val="50000"/>
-                    <a:lumOff val="50000"/>
-                  </a:schemeClr>
-                </a:solidFill>
-              </a:rPr>
-              <a:t>de exceções</a:t>
+              <a:t>Tratamento de exceções</a:t>
             </a:r>
             <a:endParaRPr lang="pt-BR" sz="3600" dirty="0">
               <a:solidFill>
@@ -15811,14 +15482,6 @@
               </a:rPr>
               <a:t>Orientação a objetos</a:t>
             </a:r>
-            <a:endParaRPr lang="pt-BR" sz="3600" dirty="0" smtClean="0">
-              <a:solidFill>
-                <a:schemeClr val="tx1">
-                  <a:lumMod val="50000"/>
-                  <a:lumOff val="50000"/>
-                </a:schemeClr>
-              </a:solidFill>
-            </a:endParaRPr>
           </a:p>
         </p:txBody>
       </p:sp>
@@ -15912,11 +15575,7 @@
           <a:p>
             <a:r>
               <a:rPr lang="pt-BR" dirty="0" smtClean="0"/>
-              <a:t>Um módulo é um arquivo com funções relacionadas onde estas podem ser importadas </a:t>
-            </a:r>
-            <a:r>
-              <a:rPr lang="pt-BR" dirty="0" smtClean="0"/>
-              <a:t>em outro código fonte</a:t>
+              <a:t>Um módulo é um arquivo com funções relacionadas onde estas podem ser importadas em outro código fonte</a:t>
             </a:r>
           </a:p>
           <a:p>
@@ -16356,18 +16015,7 @@
                   </a:schemeClr>
                 </a:solidFill>
               </a:rPr>
-              <a:t>Tratamento </a:t>
-            </a:r>
-            <a:r>
-              <a:rPr lang="pt-BR" sz="3600" dirty="0" smtClean="0">
-                <a:solidFill>
-                  <a:schemeClr val="tx1">
-                    <a:lumMod val="50000"/>
-                    <a:lumOff val="50000"/>
-                  </a:schemeClr>
-                </a:solidFill>
-              </a:rPr>
-              <a:t>de exceções</a:t>
+              <a:t>Tratamento de exceções</a:t>
             </a:r>
             <a:endParaRPr lang="pt-BR" sz="3600" dirty="0">
               <a:solidFill>
@@ -16391,14 +16039,6 @@
               </a:rPr>
               <a:t>Orientação a objetos</a:t>
             </a:r>
-            <a:endParaRPr lang="pt-BR" sz="3600" dirty="0" smtClean="0">
-              <a:solidFill>
-                <a:schemeClr val="tx1">
-                  <a:lumMod val="50000"/>
-                  <a:lumOff val="50000"/>
-                </a:schemeClr>
-              </a:solidFill>
-            </a:endParaRPr>
           </a:p>
         </p:txBody>
       </p:sp>
@@ -17859,18 +17499,7 @@
                   </a:schemeClr>
                 </a:solidFill>
               </a:rPr>
-              <a:t>Tratamento </a:t>
-            </a:r>
-            <a:r>
-              <a:rPr lang="pt-BR" sz="3600" dirty="0" smtClean="0">
-                <a:solidFill>
-                  <a:schemeClr val="tx1">
-                    <a:lumMod val="50000"/>
-                    <a:lumOff val="50000"/>
-                  </a:schemeClr>
-                </a:solidFill>
-              </a:rPr>
-              <a:t>de exceções</a:t>
+              <a:t>Tratamento de exceções</a:t>
             </a:r>
             <a:endParaRPr lang="pt-BR" sz="3600" dirty="0">
               <a:solidFill>
@@ -17894,14 +17523,6 @@
               </a:rPr>
               <a:t>Orientação a objetos</a:t>
             </a:r>
-            <a:endParaRPr lang="pt-BR" sz="3600" dirty="0" smtClean="0">
-              <a:solidFill>
-                <a:schemeClr val="tx1">
-                  <a:lumMod val="50000"/>
-                  <a:lumOff val="50000"/>
-                </a:schemeClr>
-              </a:solidFill>
-            </a:endParaRPr>
           </a:p>
         </p:txBody>
       </p:sp>
@@ -18319,8 +17940,16 @@
           <a:lstStyle/>
           <a:p>
             <a:r>
-              <a:rPr lang="pt-BR" dirty="0" smtClean="0"/>
-              <a:t>Arquivos CSV</a:t>
+              <a:rPr lang="pt-BR" dirty="0" err="1" smtClean="0"/>
+              <a:t>DictReader</a:t>
+            </a:r>
+            <a:r>
+              <a:rPr lang="pt-BR" dirty="0" smtClean="0"/>
+              <a:t> e </a:t>
+            </a:r>
+            <a:r>
+              <a:rPr lang="pt-BR" dirty="0" err="1" smtClean="0"/>
+              <a:t>DictWriter</a:t>
             </a:r>
             <a:endParaRPr lang="pt-BR" dirty="0"/>
           </a:p>
@@ -18339,7 +17968,7 @@
         <p:spPr>
           <a:xfrm>
             <a:off x="628650" y="1825625"/>
-            <a:ext cx="7886700" cy="2126266"/>
+            <a:ext cx="7886700" cy="4722320"/>
           </a:xfrm>
         </p:spPr>
         <p:txBody>
@@ -18349,278 +17978,59 @@
           <a:lstStyle/>
           <a:p>
             <a:r>
-              <a:rPr lang="pt-BR" dirty="0" smtClean="0"/>
-              <a:t>CSV – </a:t>
-            </a:r>
-            <a:r>
-              <a:rPr lang="pt-BR" dirty="0" err="1" smtClean="0"/>
-              <a:t>Comma</a:t>
-            </a:r>
-            <a:r>
-              <a:rPr lang="pt-BR" dirty="0" smtClean="0"/>
-              <a:t> </a:t>
-            </a:r>
-            <a:r>
-              <a:rPr lang="pt-BR" dirty="0" err="1" smtClean="0"/>
-              <a:t>Separated</a:t>
-            </a:r>
-            <a:r>
-              <a:rPr lang="pt-BR" dirty="0" smtClean="0"/>
-              <a:t> </a:t>
-            </a:r>
-            <a:r>
-              <a:rPr lang="pt-BR" dirty="0" err="1" smtClean="0"/>
-              <a:t>Values</a:t>
-            </a:r>
+              <a:rPr lang="pt-BR" sz="3200" dirty="0" smtClean="0"/>
+              <a:t>Para manipular arquivos .</a:t>
+            </a:r>
+            <a:r>
+              <a:rPr lang="pt-BR" sz="3200" dirty="0" err="1" smtClean="0"/>
+              <a:t>csv</a:t>
+            </a:r>
+            <a:r>
+              <a:rPr lang="pt-BR" sz="3200" dirty="0" smtClean="0"/>
+              <a:t> é necessário importar a biblioteca </a:t>
+            </a:r>
+            <a:r>
+              <a:rPr lang="pt-BR" sz="3200" dirty="0" err="1" smtClean="0"/>
+              <a:t>csv</a:t>
+            </a:r>
+            <a:endParaRPr lang="pt-BR" sz="3200" dirty="0" smtClean="0"/>
+          </a:p>
+          <a:p>
+            <a:r>
+              <a:rPr lang="pt-BR" sz="3200" dirty="0" err="1" smtClean="0"/>
+              <a:t>DictReader</a:t>
+            </a:r>
+            <a:r>
+              <a:rPr lang="pt-BR" sz="3200" dirty="0" smtClean="0"/>
+              <a:t> – Objeto contém as funções para ler o arquivo CSV</a:t>
+            </a:r>
+          </a:p>
+          <a:p>
+            <a:r>
+              <a:rPr lang="pt-BR" sz="3200" dirty="0" err="1" smtClean="0"/>
+              <a:t>DictWriter</a:t>
+            </a:r>
+            <a:r>
+              <a:rPr lang="pt-BR" sz="3200" dirty="0" smtClean="0"/>
+              <a:t> – Objeto contém as funções para escrever no arquivo CSV</a:t>
+            </a:r>
+          </a:p>
+          <a:p>
+            <a:pPr lvl="1"/>
+            <a:r>
+              <a:rPr lang="pt-BR" sz="2800" dirty="0" smtClean="0"/>
+              <a:t>É necessário definir o cabeçalho antes de criar o objeto</a:t>
+            </a:r>
+          </a:p>
+          <a:p>
             <a:endParaRPr lang="pt-BR" dirty="0" smtClean="0"/>
-          </a:p>
-          <a:p>
-            <a:pPr lvl="1"/>
-            <a:r>
-              <a:rPr lang="pt-BR" dirty="0" smtClean="0"/>
-              <a:t>Alguns arquivos CSV podem usar ; ou outros caracteres para separar os valores</a:t>
-            </a:r>
-          </a:p>
-          <a:p>
-            <a:r>
-              <a:rPr lang="pt-BR" dirty="0" smtClean="0"/>
-              <a:t>Um arquivo CSV pode ser aberto por programas tipo Excel e </a:t>
-            </a:r>
-            <a:r>
-              <a:rPr lang="pt-BR" dirty="0" err="1" smtClean="0"/>
-              <a:t>Libreoffice</a:t>
-            </a:r>
-            <a:r>
-              <a:rPr lang="pt-BR" dirty="0"/>
-              <a:t> </a:t>
-            </a:r>
-            <a:r>
-              <a:rPr lang="pt-BR" dirty="0" err="1" smtClean="0"/>
-              <a:t>Calc</a:t>
-            </a:r>
-            <a:endParaRPr lang="pt-BR" dirty="0" smtClean="0"/>
-          </a:p>
-          <a:p>
-            <a:pPr marL="0" indent="0">
-              <a:buNone/>
-            </a:pPr>
-            <a:endParaRPr lang="pt-BR" dirty="0" smtClean="0"/>
-          </a:p>
-        </p:txBody>
-      </p:sp>
-      <p:sp>
-        <p:nvSpPr>
-          <p:cNvPr id="6" name="CaixaDeTexto 5"/>
-          <p:cNvSpPr txBox="1"/>
-          <p:nvPr/>
-        </p:nvSpPr>
-        <p:spPr>
-          <a:xfrm>
-            <a:off x="3237188" y="4407996"/>
-            <a:ext cx="5139558" cy="1754326"/>
-          </a:xfrm>
-          <a:prstGeom prst="rect">
-            <a:avLst/>
-          </a:prstGeom>
-          <a:noFill/>
-        </p:spPr>
-        <p:txBody>
-          <a:bodyPr wrap="square" rtlCol="0">
-            <a:spAutoFit/>
-          </a:bodyPr>
-          <a:lstStyle/>
-          <a:p>
-            <a:r>
-              <a:rPr lang="en-US" dirty="0" smtClean="0"/>
-              <a:t>coluna1,</a:t>
-            </a:r>
-            <a:r>
-              <a:rPr lang="en-US" dirty="0"/>
-              <a:t> </a:t>
-            </a:r>
-            <a:r>
-              <a:rPr lang="en-US" dirty="0" smtClean="0"/>
-              <a:t>coluna2,coluna3,coluna4,coluna5,coluna6</a:t>
-            </a:r>
-          </a:p>
-          <a:p>
-            <a:r>
-              <a:rPr lang="en-US" dirty="0" smtClean="0"/>
-              <a:t>0.01214,0.07936,0.07799,0.07994,0.03393,0.02225</a:t>
-            </a:r>
-            <a:endParaRPr lang="en-US" dirty="0"/>
-          </a:p>
-          <a:p>
-            <a:r>
-              <a:rPr lang="en-US" dirty="0" smtClean="0"/>
-              <a:t>0.05841,0.0011,0.05875,0.06374,0.07521,0.09295</a:t>
-            </a:r>
-            <a:endParaRPr lang="en-US" dirty="0"/>
-          </a:p>
-          <a:p>
-            <a:r>
-              <a:rPr lang="en-US" dirty="0" smtClean="0"/>
-              <a:t>0.09843,0.00169,0.02203,0.02879,0.04721,0.07074</a:t>
-            </a:r>
-            <a:endParaRPr lang="en-US" dirty="0"/>
-          </a:p>
-          <a:p>
-            <a:r>
-              <a:rPr lang="en-US" dirty="0" smtClean="0"/>
-              <a:t>0.06297,0.08871,0.01439,0.08867,0.09371,0.02379</a:t>
-            </a:r>
-          </a:p>
-          <a:p>
-            <a:r>
-              <a:rPr lang="en-US" dirty="0" smtClean="0"/>
-              <a:t>….</a:t>
-            </a:r>
-            <a:endParaRPr lang="en-US" dirty="0"/>
-          </a:p>
-        </p:txBody>
-      </p:sp>
-      <p:sp>
-        <p:nvSpPr>
-          <p:cNvPr id="7" name="CaixaDeTexto 6"/>
-          <p:cNvSpPr txBox="1"/>
-          <p:nvPr/>
-        </p:nvSpPr>
-        <p:spPr>
-          <a:xfrm>
-            <a:off x="1914667" y="4407996"/>
-            <a:ext cx="1158972" cy="369332"/>
-          </a:xfrm>
-          <a:prstGeom prst="rect">
-            <a:avLst/>
-          </a:prstGeom>
-          <a:noFill/>
-        </p:spPr>
-        <p:txBody>
-          <a:bodyPr wrap="none" rtlCol="0">
-            <a:spAutoFit/>
-          </a:bodyPr>
-          <a:lstStyle/>
-          <a:p>
-            <a:r>
-              <a:rPr lang="en-US" dirty="0" err="1" smtClean="0"/>
-              <a:t>Cabeçalho</a:t>
-            </a:r>
-            <a:endParaRPr lang="en-US" dirty="0"/>
-          </a:p>
-        </p:txBody>
-      </p:sp>
-      <p:sp>
-        <p:nvSpPr>
-          <p:cNvPr id="8" name="CaixaDeTexto 7"/>
-          <p:cNvSpPr txBox="1"/>
-          <p:nvPr/>
-        </p:nvSpPr>
-        <p:spPr>
-          <a:xfrm>
-            <a:off x="2108471" y="5297256"/>
-            <a:ext cx="771365" cy="369332"/>
-          </a:xfrm>
-          <a:prstGeom prst="rect">
-            <a:avLst/>
-          </a:prstGeom>
-          <a:noFill/>
-        </p:spPr>
-        <p:txBody>
-          <a:bodyPr wrap="none" rtlCol="0">
-            <a:spAutoFit/>
-          </a:bodyPr>
-          <a:lstStyle/>
-          <a:p>
-            <a:r>
-              <a:rPr lang="en-US" dirty="0" smtClean="0"/>
-              <a:t>Dados</a:t>
-            </a:r>
-            <a:endParaRPr lang="en-US" dirty="0"/>
-          </a:p>
-        </p:txBody>
-      </p:sp>
-      <p:sp>
-        <p:nvSpPr>
-          <p:cNvPr id="9" name="Chave Esquerda 8"/>
-          <p:cNvSpPr/>
-          <p:nvPr/>
-        </p:nvSpPr>
-        <p:spPr>
-          <a:xfrm>
-            <a:off x="3015834" y="4801523"/>
-            <a:ext cx="241738" cy="1360799"/>
-          </a:xfrm>
-          <a:prstGeom prst="leftBrace">
-            <a:avLst/>
-          </a:prstGeom>
-        </p:spPr>
-        <p:style>
-          <a:lnRef idx="1">
-            <a:schemeClr val="dk1"/>
-          </a:lnRef>
-          <a:fillRef idx="0">
-            <a:schemeClr val="dk1"/>
-          </a:fillRef>
-          <a:effectRef idx="0">
-            <a:schemeClr val="dk1"/>
-          </a:effectRef>
-          <a:fontRef idx="minor">
-            <a:schemeClr val="tx1"/>
-          </a:fontRef>
-        </p:style>
-        <p:txBody>
-          <a:bodyPr rtlCol="0" anchor="ctr"/>
-          <a:lstStyle/>
-          <a:p>
-            <a:pPr algn="ctr"/>
-            <a:endParaRPr lang="en-US"/>
-          </a:p>
-        </p:txBody>
-      </p:sp>
-      <p:sp>
-        <p:nvSpPr>
-          <p:cNvPr id="10" name="Seta para a Direita 9"/>
-          <p:cNvSpPr/>
-          <p:nvPr/>
-        </p:nvSpPr>
-        <p:spPr>
-          <a:xfrm>
-            <a:off x="3094661" y="4522581"/>
-            <a:ext cx="158290" cy="91461"/>
-          </a:xfrm>
-          <a:prstGeom prst="rightArrow">
-            <a:avLst/>
-          </a:prstGeom>
-        </p:spPr>
-        <p:style>
-          <a:lnRef idx="2">
-            <a:schemeClr val="dk1">
-              <a:shade val="50000"/>
-            </a:schemeClr>
-          </a:lnRef>
-          <a:fillRef idx="1">
-            <a:schemeClr val="dk1"/>
-          </a:fillRef>
-          <a:effectRef idx="0">
-            <a:schemeClr val="dk1"/>
-          </a:effectRef>
-          <a:fontRef idx="minor">
-            <a:schemeClr val="lt1"/>
-          </a:fontRef>
-        </p:style>
-        <p:txBody>
-          <a:bodyPr rtlCol="0" anchor="ctr"/>
-          <a:lstStyle/>
-          <a:p>
-            <a:pPr algn="ctr"/>
-            <a:endParaRPr lang="en-US"/>
           </a:p>
         </p:txBody>
       </p:sp>
     </p:spTree>
     <p:extLst>
       <p:ext uri="{BB962C8B-B14F-4D97-AF65-F5344CB8AC3E}">
-        <p14:creationId xmlns:p14="http://schemas.microsoft.com/office/powerpoint/2010/main" val="354071712"/>
+        <p14:creationId xmlns:p14="http://schemas.microsoft.com/office/powerpoint/2010/main" val="3240450842"/>
       </p:ext>
     </p:extLst>
   </p:cSld>
@@ -18675,16 +18085,8 @@
           <a:lstStyle/>
           <a:p>
             <a:r>
-              <a:rPr lang="pt-BR" dirty="0" err="1" smtClean="0"/>
-              <a:t>DictReader</a:t>
-            </a:r>
-            <a:r>
-              <a:rPr lang="pt-BR" dirty="0" smtClean="0"/>
-              <a:t> e </a:t>
-            </a:r>
-            <a:r>
-              <a:rPr lang="pt-BR" dirty="0" err="1" smtClean="0"/>
-              <a:t>DictWriter</a:t>
+              <a:rPr lang="pt-BR" dirty="0" smtClean="0"/>
+              <a:t>Exercício</a:t>
             </a:r>
             <a:endParaRPr lang="pt-BR" dirty="0"/>
           </a:p>
@@ -18702,8 +18104,8 @@
         </p:nvSpPr>
         <p:spPr>
           <a:xfrm>
-            <a:off x="628650" y="1825625"/>
-            <a:ext cx="7886700" cy="4722320"/>
+            <a:off x="628650" y="1825624"/>
+            <a:ext cx="7886700" cy="4753851"/>
           </a:xfrm>
         </p:spPr>
         <p:txBody>
@@ -18713,59 +18115,59 @@
           <a:lstStyle/>
           <a:p>
             <a:r>
-              <a:rPr lang="pt-BR" sz="3200" dirty="0" smtClean="0"/>
-              <a:t>Para manipular arquivos .</a:t>
-            </a:r>
-            <a:r>
-              <a:rPr lang="pt-BR" sz="3200" dirty="0" err="1" smtClean="0"/>
-              <a:t>csv</a:t>
-            </a:r>
-            <a:r>
-              <a:rPr lang="pt-BR" sz="3200" dirty="0" smtClean="0"/>
-              <a:t> é necessário importar a biblioteca </a:t>
-            </a:r>
-            <a:r>
-              <a:rPr lang="pt-BR" sz="3200" dirty="0" err="1" smtClean="0"/>
-              <a:t>csv</a:t>
-            </a:r>
-            <a:endParaRPr lang="pt-BR" sz="3200" dirty="0" smtClean="0"/>
-          </a:p>
-          <a:p>
-            <a:r>
-              <a:rPr lang="pt-BR" sz="3200" dirty="0" err="1" smtClean="0"/>
-              <a:t>DictReader</a:t>
-            </a:r>
-            <a:r>
-              <a:rPr lang="pt-BR" sz="3200" dirty="0" smtClean="0"/>
-              <a:t> – Objeto contém as funções para ler o arquivo CSV</a:t>
-            </a:r>
-          </a:p>
-          <a:p>
-            <a:r>
-              <a:rPr lang="pt-BR" sz="3200" dirty="0" err="1" smtClean="0"/>
-              <a:t>DictWriter</a:t>
-            </a:r>
-            <a:r>
-              <a:rPr lang="pt-BR" sz="3200" dirty="0" smtClean="0"/>
-              <a:t> – Objeto contém as funções para escrever no arquivo CSV</a:t>
-            </a:r>
-          </a:p>
-          <a:p>
-            <a:pPr lvl="1"/>
-            <a:r>
-              <a:rPr lang="pt-BR" sz="2800" dirty="0" smtClean="0"/>
-              <a:t>É necessário definir o cabeçalho antes de criar o objeto</a:t>
-            </a:r>
-          </a:p>
-          <a:p>
+              <a:rPr lang="pt-BR" dirty="0"/>
+              <a:t>Baixe o arquivo deter_amz_avisos.csv do </a:t>
+            </a:r>
+            <a:r>
+              <a:rPr lang="pt-BR" dirty="0" err="1"/>
+              <a:t>Github</a:t>
+            </a:r>
+            <a:r>
+              <a:rPr lang="pt-BR" dirty="0"/>
+              <a:t> do minicurso</a:t>
+            </a:r>
+          </a:p>
+          <a:p>
+            <a:pPr lvl="1"/>
+            <a:r>
+              <a:rPr lang="pt-BR" dirty="0"/>
+              <a:t>Dados do sistema DETER do INPE</a:t>
+            </a:r>
+          </a:p>
+          <a:p>
+            <a:pPr lvl="1"/>
+            <a:r>
+              <a:rPr lang="pt-BR" dirty="0"/>
+              <a:t>Avisos de desmatamento da </a:t>
+            </a:r>
+            <a:r>
+              <a:rPr lang="pt-BR" dirty="0" smtClean="0"/>
+              <a:t>Amazônia</a:t>
+            </a:r>
             <a:endParaRPr lang="pt-BR" dirty="0" smtClean="0"/>
+          </a:p>
+          <a:p>
+            <a:r>
+              <a:rPr lang="pt-BR" dirty="0" smtClean="0"/>
+              <a:t>Abrir </a:t>
+            </a:r>
+            <a:r>
+              <a:rPr lang="pt-BR" dirty="0" smtClean="0"/>
+              <a:t>o arquivo deter_amz_avisos.csv e importar os dados em uma lista</a:t>
+            </a:r>
+          </a:p>
+          <a:p>
+            <a:r>
+              <a:rPr lang="pt-BR" dirty="0" smtClean="0"/>
+              <a:t>Encontrar os diferentes entes federativos que possuem avisos de desmatamento informados pelo sistema DETER do INPE.</a:t>
+            </a:r>
           </a:p>
         </p:txBody>
       </p:sp>
     </p:spTree>
     <p:extLst>
       <p:ext uri="{BB962C8B-B14F-4D97-AF65-F5344CB8AC3E}">
-        <p14:creationId xmlns:p14="http://schemas.microsoft.com/office/powerpoint/2010/main" val="3240450842"/>
+        <p14:creationId xmlns:p14="http://schemas.microsoft.com/office/powerpoint/2010/main" val="1485130100"/>
       </p:ext>
     </p:extLst>
   </p:cSld>
@@ -18809,55 +18211,155 @@
             <p:ph type="title"/>
           </p:nvPr>
         </p:nvSpPr>
+        <p:spPr/>
+        <p:txBody>
+          <a:bodyPr/>
+          <a:lstStyle/>
+          <a:p>
+            <a:r>
+              <a:rPr lang="pt-BR" dirty="0" smtClean="0"/>
+              <a:t>Cronograma</a:t>
+            </a:r>
+            <a:endParaRPr lang="pt-BR" dirty="0"/>
+          </a:p>
+        </p:txBody>
+      </p:sp>
+      <p:sp>
+        <p:nvSpPr>
+          <p:cNvPr id="3" name="Espaço Reservado para Conteúdo 2"/>
+          <p:cNvSpPr>
+            <a:spLocks noGrp="1"/>
+          </p:cNvSpPr>
+          <p:nvPr>
+            <p:ph idx="1"/>
+          </p:nvPr>
+        </p:nvSpPr>
         <p:spPr>
           <a:xfrm>
-            <a:off x="628650" y="365127"/>
-            <a:ext cx="7886700" cy="980198"/>
+            <a:off x="628650" y="1418897"/>
+            <a:ext cx="7886700" cy="5087006"/>
           </a:xfrm>
         </p:spPr>
         <p:txBody>
-          <a:bodyPr/>
-          <a:lstStyle/>
-          <a:p>
-            <a:r>
-              <a:rPr lang="pt-BR" dirty="0" smtClean="0"/>
-              <a:t>Exercício</a:t>
-            </a:r>
-            <a:endParaRPr lang="pt-BR" dirty="0"/>
-          </a:p>
-        </p:txBody>
-      </p:sp>
-      <p:sp>
-        <p:nvSpPr>
-          <p:cNvPr id="3" name="Espaço Reservado para Conteúdo 2"/>
-          <p:cNvSpPr>
-            <a:spLocks noGrp="1"/>
-          </p:cNvSpPr>
-          <p:nvPr>
-            <p:ph idx="1"/>
-          </p:nvPr>
-        </p:nvSpPr>
-        <p:spPr>
-          <a:xfrm>
-            <a:off x="628650" y="1825624"/>
-            <a:ext cx="7886700" cy="4753851"/>
-          </a:xfrm>
-        </p:spPr>
-        <p:txBody>
           <a:bodyPr>
-            <a:normAutofit/>
+            <a:noAutofit/>
           </a:bodyPr>
           <a:lstStyle/>
           <a:p>
             <a:r>
-              <a:rPr lang="pt-BR" dirty="0" smtClean="0"/>
-              <a:t>Abrir o arquivo deter_amz_avisos.csv e importar os dados em uma lista</a:t>
-            </a:r>
-          </a:p>
-          <a:p>
-            <a:r>
-              <a:rPr lang="pt-BR" dirty="0" smtClean="0"/>
-              <a:t>Encontrar os diferentes entes federativos que possuem avisos de desmatamento informados pelo sistema DETER do INPE.</a:t>
+              <a:rPr lang="pt-BR" sz="3600" dirty="0" smtClean="0"/>
+              <a:t>Parte II:</a:t>
+            </a:r>
+          </a:p>
+          <a:p>
+            <a:pPr lvl="1"/>
+            <a:r>
+              <a:rPr lang="pt-BR" sz="3600" dirty="0">
+                <a:solidFill>
+                  <a:schemeClr val="tx1">
+                    <a:lumMod val="50000"/>
+                    <a:lumOff val="50000"/>
+                  </a:schemeClr>
+                </a:solidFill>
+              </a:rPr>
+              <a:t>Data e tempo</a:t>
+            </a:r>
+          </a:p>
+          <a:p>
+            <a:pPr lvl="1"/>
+            <a:r>
+              <a:rPr lang="pt-BR" sz="3600" dirty="0">
+                <a:solidFill>
+                  <a:schemeClr val="tx1">
+                    <a:lumMod val="50000"/>
+                    <a:lumOff val="50000"/>
+                  </a:schemeClr>
+                </a:solidFill>
+              </a:rPr>
+              <a:t>Funções</a:t>
+            </a:r>
+          </a:p>
+          <a:p>
+            <a:pPr lvl="1"/>
+            <a:r>
+              <a:rPr lang="pt-BR" sz="3600" dirty="0" smtClean="0">
+                <a:solidFill>
+                  <a:schemeClr val="tx1">
+                    <a:lumMod val="50000"/>
+                    <a:lumOff val="50000"/>
+                  </a:schemeClr>
+                </a:solidFill>
+              </a:rPr>
+              <a:t>Modularidade</a:t>
+            </a:r>
+            <a:endParaRPr lang="pt-BR" sz="3600" dirty="0">
+              <a:solidFill>
+                <a:schemeClr val="tx1">
+                  <a:lumMod val="50000"/>
+                  <a:lumOff val="50000"/>
+                </a:schemeClr>
+              </a:solidFill>
+            </a:endParaRPr>
+          </a:p>
+          <a:p>
+            <a:pPr lvl="1"/>
+            <a:r>
+              <a:rPr lang="pt-BR" sz="3600" dirty="0" smtClean="0">
+                <a:solidFill>
+                  <a:schemeClr val="tx1">
+                    <a:lumMod val="50000"/>
+                    <a:lumOff val="50000"/>
+                  </a:schemeClr>
+                </a:solidFill>
+              </a:rPr>
+              <a:t>Arquivos</a:t>
+            </a:r>
+          </a:p>
+          <a:p>
+            <a:pPr lvl="1"/>
+            <a:r>
+              <a:rPr lang="pt-BR" sz="3600" dirty="0">
+                <a:solidFill>
+                  <a:schemeClr val="tx1">
+                    <a:lumMod val="50000"/>
+                    <a:lumOff val="50000"/>
+                  </a:schemeClr>
+                </a:solidFill>
+              </a:rPr>
+              <a:t>Manipulação de arquivo </a:t>
+            </a:r>
+            <a:r>
+              <a:rPr lang="pt-BR" sz="3600" dirty="0" smtClean="0">
+                <a:solidFill>
+                  <a:schemeClr val="tx1">
+                    <a:lumMod val="50000"/>
+                    <a:lumOff val="50000"/>
+                  </a:schemeClr>
+                </a:solidFill>
+              </a:rPr>
+              <a:t>CSV</a:t>
+            </a:r>
+          </a:p>
+          <a:p>
+            <a:pPr lvl="1"/>
+            <a:r>
+              <a:rPr lang="pt-BR" sz="3600" dirty="0" smtClean="0"/>
+              <a:t>Tratamento de exceções</a:t>
+            </a:r>
+            <a:endParaRPr lang="pt-BR" sz="3600" dirty="0"/>
+          </a:p>
+          <a:p>
+            <a:pPr lvl="1"/>
+            <a:r>
+              <a:rPr lang="pt-BR" sz="3600" dirty="0" smtClean="0">
+                <a:solidFill>
+                  <a:schemeClr val="tx1">
+                    <a:lumMod val="50000"/>
+                    <a:lumOff val="50000"/>
+                  </a:schemeClr>
+                </a:solidFill>
+              </a:rPr>
+              <a:t>Orientação a objetos</a:t>
             </a:r>
           </a:p>
         </p:txBody>
@@ -18865,7 +18367,7 @@
     </p:spTree>
     <p:extLst>
       <p:ext uri="{BB962C8B-B14F-4D97-AF65-F5344CB8AC3E}">
-        <p14:creationId xmlns:p14="http://schemas.microsoft.com/office/powerpoint/2010/main" val="1485130100"/>
+        <p14:creationId xmlns:p14="http://schemas.microsoft.com/office/powerpoint/2010/main" val="2848319314"/>
       </p:ext>
     </p:extLst>
   </p:cSld>
@@ -18909,175 +18411,138 @@
             <p:ph type="title"/>
           </p:nvPr>
         </p:nvSpPr>
-        <p:spPr/>
-        <p:txBody>
-          <a:bodyPr/>
-          <a:lstStyle/>
-          <a:p>
-            <a:r>
-              <a:rPr lang="pt-BR" dirty="0" smtClean="0"/>
-              <a:t>Cronograma</a:t>
-            </a:r>
-            <a:endParaRPr lang="pt-BR" dirty="0"/>
-          </a:p>
-        </p:txBody>
-      </p:sp>
-      <p:sp>
-        <p:nvSpPr>
-          <p:cNvPr id="3" name="Espaço Reservado para Conteúdo 2"/>
-          <p:cNvSpPr>
-            <a:spLocks noGrp="1"/>
-          </p:cNvSpPr>
-          <p:nvPr>
-            <p:ph idx="1"/>
-          </p:nvPr>
-        </p:nvSpPr>
         <p:spPr>
           <a:xfrm>
-            <a:off x="628650" y="1418897"/>
-            <a:ext cx="7886700" cy="5087006"/>
+            <a:off x="628650" y="365127"/>
+            <a:ext cx="7886700" cy="980198"/>
           </a:xfrm>
         </p:spPr>
         <p:txBody>
+          <a:bodyPr/>
+          <a:lstStyle/>
+          <a:p>
+            <a:r>
+              <a:rPr lang="pt-BR" dirty="0" smtClean="0"/>
+              <a:t>Estrutura </a:t>
+            </a:r>
+            <a:r>
+              <a:rPr lang="pt-BR" dirty="0" err="1" smtClean="0"/>
+              <a:t>try-except</a:t>
+            </a:r>
+            <a:endParaRPr lang="pt-BR" dirty="0"/>
+          </a:p>
+        </p:txBody>
+      </p:sp>
+      <p:sp>
+        <p:nvSpPr>
+          <p:cNvPr id="3" name="Espaço Reservado para Conteúdo 2"/>
+          <p:cNvSpPr>
+            <a:spLocks noGrp="1"/>
+          </p:cNvSpPr>
+          <p:nvPr>
+            <p:ph idx="1"/>
+          </p:nvPr>
+        </p:nvSpPr>
+        <p:spPr>
+          <a:xfrm>
+            <a:off x="628650" y="1825624"/>
+            <a:ext cx="7886700" cy="4753851"/>
+          </a:xfrm>
+        </p:spPr>
+        <p:txBody>
           <a:bodyPr>
-            <a:noAutofit/>
+            <a:normAutofit/>
           </a:bodyPr>
           <a:lstStyle/>
           <a:p>
             <a:r>
-              <a:rPr lang="pt-BR" sz="3600" dirty="0" smtClean="0"/>
-              <a:t>Parte II:</a:t>
-            </a:r>
-          </a:p>
-          <a:p>
-            <a:pPr lvl="1"/>
-            <a:r>
-              <a:rPr lang="pt-BR" sz="3600" dirty="0">
-                <a:solidFill>
-                  <a:schemeClr val="tx1">
-                    <a:lumMod val="50000"/>
-                    <a:lumOff val="50000"/>
-                  </a:schemeClr>
-                </a:solidFill>
-              </a:rPr>
-              <a:t>Data e tempo</a:t>
-            </a:r>
-          </a:p>
-          <a:p>
-            <a:pPr lvl="1"/>
-            <a:r>
-              <a:rPr lang="pt-BR" sz="3600" dirty="0">
-                <a:solidFill>
-                  <a:schemeClr val="tx1">
-                    <a:lumMod val="50000"/>
-                    <a:lumOff val="50000"/>
-                  </a:schemeClr>
-                </a:solidFill>
-              </a:rPr>
-              <a:t>Funções</a:t>
-            </a:r>
-          </a:p>
-          <a:p>
-            <a:pPr lvl="1"/>
-            <a:r>
-              <a:rPr lang="pt-BR" sz="3600" dirty="0" smtClean="0">
-                <a:solidFill>
-                  <a:schemeClr val="tx1">
-                    <a:lumMod val="50000"/>
-                    <a:lumOff val="50000"/>
-                  </a:schemeClr>
-                </a:solidFill>
-              </a:rPr>
-              <a:t>Modularidade</a:t>
-            </a:r>
-            <a:endParaRPr lang="pt-BR" sz="3600" dirty="0">
-              <a:solidFill>
-                <a:schemeClr val="tx1">
-                  <a:lumMod val="50000"/>
-                  <a:lumOff val="50000"/>
-                </a:schemeClr>
-              </a:solidFill>
-            </a:endParaRPr>
-          </a:p>
-          <a:p>
-            <a:pPr lvl="1"/>
-            <a:r>
-              <a:rPr lang="pt-BR" sz="3600" dirty="0" smtClean="0">
-                <a:solidFill>
-                  <a:schemeClr val="tx1">
-                    <a:lumMod val="50000"/>
-                    <a:lumOff val="50000"/>
-                  </a:schemeClr>
-                </a:solidFill>
-              </a:rPr>
-              <a:t>Arquivos</a:t>
-            </a:r>
-          </a:p>
-          <a:p>
-            <a:pPr lvl="1"/>
-            <a:r>
-              <a:rPr lang="pt-BR" sz="3600" dirty="0">
-                <a:solidFill>
-                  <a:schemeClr val="tx1">
-                    <a:lumMod val="50000"/>
-                    <a:lumOff val="50000"/>
-                  </a:schemeClr>
-                </a:solidFill>
-              </a:rPr>
-              <a:t>Manipulação de arquivo </a:t>
-            </a:r>
-            <a:r>
-              <a:rPr lang="pt-BR" sz="3600" dirty="0" smtClean="0">
-                <a:solidFill>
-                  <a:schemeClr val="tx1">
-                    <a:lumMod val="50000"/>
-                    <a:lumOff val="50000"/>
-                  </a:schemeClr>
-                </a:solidFill>
-              </a:rPr>
-              <a:t>CSV</a:t>
-            </a:r>
-          </a:p>
-          <a:p>
-            <a:pPr lvl="1"/>
-            <a:r>
-              <a:rPr lang="pt-BR" sz="3600" dirty="0" smtClean="0"/>
-              <a:t>Tratamento </a:t>
-            </a:r>
-            <a:r>
-              <a:rPr lang="pt-BR" sz="3600" dirty="0" smtClean="0"/>
-              <a:t>de exceções</a:t>
-            </a:r>
-            <a:endParaRPr lang="pt-BR" sz="3600" dirty="0"/>
-          </a:p>
-          <a:p>
-            <a:pPr lvl="1"/>
-            <a:r>
-              <a:rPr lang="pt-BR" sz="3600" dirty="0" smtClean="0">
-                <a:solidFill>
-                  <a:schemeClr val="tx1">
-                    <a:lumMod val="50000"/>
-                    <a:lumOff val="50000"/>
-                  </a:schemeClr>
-                </a:solidFill>
-              </a:rPr>
-              <a:t>Orientação a objetos</a:t>
-            </a:r>
-            <a:endParaRPr lang="pt-BR" sz="3600" dirty="0" smtClean="0">
-              <a:solidFill>
-                <a:schemeClr val="tx1">
-                  <a:lumMod val="50000"/>
-                  <a:lumOff val="50000"/>
-                </a:schemeClr>
-              </a:solidFill>
-            </a:endParaRPr>
+              <a:rPr lang="pt-BR" dirty="0" smtClean="0"/>
+              <a:t>Quando um erro inesperado acontece chamamos de exceções</a:t>
+            </a:r>
+          </a:p>
+          <a:p>
+            <a:r>
+              <a:rPr lang="pt-BR" dirty="0" smtClean="0"/>
+              <a:t>Python possui meios de tratar quando exceções acontecem</a:t>
+            </a:r>
+          </a:p>
+        </p:txBody>
+      </p:sp>
+      <p:sp>
+        <p:nvSpPr>
+          <p:cNvPr id="4" name="CaixaDeTexto 3"/>
+          <p:cNvSpPr txBox="1"/>
+          <p:nvPr/>
+        </p:nvSpPr>
+        <p:spPr>
+          <a:xfrm>
+            <a:off x="1576553" y="3532487"/>
+            <a:ext cx="6321026" cy="2308324"/>
+          </a:xfrm>
+          <a:prstGeom prst="rect">
+            <a:avLst/>
+          </a:prstGeom>
+          <a:noFill/>
+        </p:spPr>
+        <p:txBody>
+          <a:bodyPr wrap="none" rtlCol="0">
+            <a:spAutoFit/>
+          </a:bodyPr>
+          <a:lstStyle/>
+          <a:p>
+            <a:r>
+              <a:rPr lang="pt-BR" sz="2400" b="1" dirty="0" err="1" smtClean="0"/>
+              <a:t>try</a:t>
+            </a:r>
+            <a:r>
+              <a:rPr lang="pt-BR" sz="2400" b="1" dirty="0" smtClean="0"/>
+              <a:t>:</a:t>
+            </a:r>
+          </a:p>
+          <a:p>
+            <a:r>
+              <a:rPr lang="pt-BR" sz="2400" b="1" dirty="0" smtClean="0"/>
+              <a:t>	…código que devia executar sem erros…</a:t>
+            </a:r>
+          </a:p>
+          <a:p>
+            <a:r>
+              <a:rPr lang="pt-BR" sz="2400" b="1" dirty="0" err="1" smtClean="0"/>
+              <a:t>except</a:t>
+            </a:r>
+            <a:r>
+              <a:rPr lang="pt-BR" sz="2400" b="1" dirty="0" smtClean="0"/>
+              <a:t>  Error1:</a:t>
+            </a:r>
+          </a:p>
+          <a:p>
+            <a:r>
+              <a:rPr lang="pt-BR" sz="2400" b="1" dirty="0" smtClean="0"/>
+              <a:t>	… código que executa caso Error1 aconteça…</a:t>
+            </a:r>
+          </a:p>
+          <a:p>
+            <a:r>
+              <a:rPr lang="pt-BR" sz="2400" b="1" dirty="0" err="1" smtClean="0"/>
+              <a:t>except</a:t>
+            </a:r>
+            <a:r>
+              <a:rPr lang="pt-BR" sz="2400" b="1" dirty="0" smtClean="0"/>
+              <a:t> Error2:</a:t>
+            </a:r>
+          </a:p>
+          <a:p>
+            <a:r>
+              <a:rPr lang="pt-BR" sz="2400" b="1" dirty="0" smtClean="0"/>
+              <a:t>	… código que executa caso Error2 aconteça…</a:t>
+            </a:r>
           </a:p>
         </p:txBody>
       </p:sp>
     </p:spTree>
     <p:extLst>
       <p:ext uri="{BB962C8B-B14F-4D97-AF65-F5344CB8AC3E}">
-        <p14:creationId xmlns:p14="http://schemas.microsoft.com/office/powerpoint/2010/main" val="2848319314"/>
+        <p14:creationId xmlns:p14="http://schemas.microsoft.com/office/powerpoint/2010/main" val="3524366185"/>
       </p:ext>
     </p:extLst>
   </p:cSld>
@@ -19261,11 +18726,7 @@
           <a:p>
             <a:r>
               <a:rPr lang="pt-BR" dirty="0" smtClean="0"/>
-              <a:t>Estrutura </a:t>
-            </a:r>
-            <a:r>
-              <a:rPr lang="pt-BR" dirty="0" err="1" smtClean="0"/>
-              <a:t>try-except</a:t>
+              <a:t>Principais exceções</a:t>
             </a:r>
             <a:endParaRPr lang="pt-BR" dirty="0"/>
           </a:p>
@@ -19294,85 +18755,81 @@
           <a:lstStyle/>
           <a:p>
             <a:r>
-              <a:rPr lang="pt-BR" dirty="0" smtClean="0"/>
-              <a:t>Quando um erro inesperado acontece chamamos de exceções</a:t>
-            </a:r>
-          </a:p>
-          <a:p>
-            <a:r>
-              <a:rPr lang="pt-BR" dirty="0" smtClean="0"/>
-              <a:t>Python possui meios de tratar quando exceções acontecem</a:t>
-            </a:r>
-          </a:p>
-        </p:txBody>
-      </p:sp>
-      <p:sp>
-        <p:nvSpPr>
-          <p:cNvPr id="4" name="CaixaDeTexto 3"/>
-          <p:cNvSpPr txBox="1"/>
-          <p:nvPr/>
-        </p:nvSpPr>
-        <p:spPr>
-          <a:xfrm>
-            <a:off x="1576553" y="3532487"/>
-            <a:ext cx="6321026" cy="2308324"/>
-          </a:xfrm>
-          <a:prstGeom prst="rect">
-            <a:avLst/>
-          </a:prstGeom>
-          <a:noFill/>
-        </p:spPr>
-        <p:txBody>
-          <a:bodyPr wrap="none" rtlCol="0">
-            <a:spAutoFit/>
-          </a:bodyPr>
-          <a:lstStyle/>
-          <a:p>
-            <a:r>
-              <a:rPr lang="pt-BR" sz="2400" b="1" dirty="0" err="1" smtClean="0"/>
-              <a:t>try</a:t>
-            </a:r>
-            <a:r>
-              <a:rPr lang="pt-BR" sz="2400" b="1" dirty="0" smtClean="0"/>
-              <a:t>:</a:t>
-            </a:r>
-          </a:p>
-          <a:p>
-            <a:r>
-              <a:rPr lang="pt-BR" sz="2400" b="1" dirty="0" smtClean="0"/>
-              <a:t>	…código que devia executar sem erros…</a:t>
-            </a:r>
-          </a:p>
-          <a:p>
-            <a:r>
-              <a:rPr lang="pt-BR" sz="2400" b="1" dirty="0" err="1" smtClean="0"/>
-              <a:t>except</a:t>
-            </a:r>
-            <a:r>
-              <a:rPr lang="pt-BR" sz="2400" b="1" dirty="0" smtClean="0"/>
-              <a:t>  Error1:</a:t>
-            </a:r>
-          </a:p>
-          <a:p>
-            <a:r>
-              <a:rPr lang="pt-BR" sz="2400" b="1" dirty="0" smtClean="0"/>
-              <a:t>	… código que executa caso Error1 aconteça…</a:t>
-            </a:r>
-          </a:p>
-          <a:p>
-            <a:r>
-              <a:rPr lang="pt-BR" sz="2400" b="1" dirty="0" err="1" smtClean="0"/>
-              <a:t>except</a:t>
-            </a:r>
-            <a:r>
-              <a:rPr lang="pt-BR" sz="2400" b="1" dirty="0" smtClean="0"/>
-              <a:t> Error2:</a:t>
-            </a:r>
-          </a:p>
-          <a:p>
-            <a:r>
-              <a:rPr lang="pt-BR" sz="2400" b="1" dirty="0" smtClean="0"/>
-              <a:t>	… código que executa caso Error2 aconteça…</a:t>
+              <a:rPr lang="pt-BR" dirty="0" err="1" smtClean="0"/>
+              <a:t>Exception</a:t>
+            </a:r>
+            <a:r>
+              <a:rPr lang="pt-BR" dirty="0" smtClean="0"/>
+              <a:t> – Base de todas as exceções</a:t>
+            </a:r>
+            <a:endParaRPr lang="pt-BR" dirty="0"/>
+          </a:p>
+          <a:p>
+            <a:r>
+              <a:rPr lang="pt-BR" dirty="0" err="1" smtClean="0"/>
+              <a:t>StopIteration</a:t>
+            </a:r>
+            <a:r>
+              <a:rPr lang="pt-BR" dirty="0" smtClean="0"/>
+              <a:t> – Quando está iterando sobre uma sequência e essa termina abruptamente</a:t>
+            </a:r>
+          </a:p>
+          <a:p>
+            <a:r>
+              <a:rPr lang="pt-BR" dirty="0" err="1" smtClean="0"/>
+              <a:t>SytemExit</a:t>
+            </a:r>
+            <a:r>
+              <a:rPr lang="pt-BR" dirty="0" smtClean="0"/>
+              <a:t> – Exceção invocada por chamada da função </a:t>
+            </a:r>
+            <a:r>
+              <a:rPr lang="pt-BR" dirty="0" err="1" smtClean="0"/>
+              <a:t>exit</a:t>
+            </a:r>
+            <a:r>
+              <a:rPr lang="pt-BR" dirty="0" smtClean="0"/>
+              <a:t>()</a:t>
+            </a:r>
+          </a:p>
+          <a:p>
+            <a:r>
+              <a:rPr lang="pt-BR" dirty="0" err="1" smtClean="0"/>
+              <a:t>ArithmeticError</a:t>
+            </a:r>
+            <a:r>
+              <a:rPr lang="pt-BR" dirty="0" smtClean="0"/>
+              <a:t> – Exceção causada por algum erro </a:t>
+            </a:r>
+            <a:r>
+              <a:rPr lang="pt-BR" dirty="0" err="1" smtClean="0"/>
+              <a:t>aritimético</a:t>
+            </a:r>
+            <a:endParaRPr lang="pt-BR" dirty="0" smtClean="0"/>
+          </a:p>
+          <a:p>
+            <a:r>
+              <a:rPr lang="pt-BR" dirty="0" err="1" smtClean="0"/>
+              <a:t>OverflowError</a:t>
+            </a:r>
+            <a:r>
+              <a:rPr lang="pt-BR" dirty="0" smtClean="0"/>
+              <a:t> – Quando estoura a representação de inteiros e </a:t>
+            </a:r>
+            <a:r>
+              <a:rPr lang="pt-BR" dirty="0" err="1" smtClean="0"/>
+              <a:t>floats</a:t>
+            </a:r>
+            <a:endParaRPr lang="pt-BR" dirty="0" smtClean="0"/>
+          </a:p>
+          <a:p>
+            <a:r>
+              <a:rPr lang="pt-BR" dirty="0" err="1" smtClean="0"/>
+              <a:t>ZeroDivision</a:t>
+            </a:r>
+            <a:r>
+              <a:rPr lang="pt-BR" dirty="0" smtClean="0"/>
+              <a:t> – Divisão por zero </a:t>
             </a:r>
           </a:p>
         </p:txBody>
@@ -19380,7 +18837,7 @@
     </p:spTree>
     <p:extLst>
       <p:ext uri="{BB962C8B-B14F-4D97-AF65-F5344CB8AC3E}">
-        <p14:creationId xmlns:p14="http://schemas.microsoft.com/office/powerpoint/2010/main" val="3524366185"/>
+        <p14:creationId xmlns:p14="http://schemas.microsoft.com/office/powerpoint/2010/main" val="1414771646"/>
       </p:ext>
     </p:extLst>
   </p:cSld>
@@ -19424,19 +18881,14 @@
             <p:ph type="title"/>
           </p:nvPr>
         </p:nvSpPr>
-        <p:spPr>
-          <a:xfrm>
-            <a:off x="628650" y="365127"/>
-            <a:ext cx="7886700" cy="980198"/>
-          </a:xfrm>
-        </p:spPr>
+        <p:spPr/>
         <p:txBody>
           <a:bodyPr/>
           <a:lstStyle/>
           <a:p>
             <a:r>
               <a:rPr lang="pt-BR" dirty="0" smtClean="0"/>
-              <a:t>Principais exceções</a:t>
+              <a:t>Exercícios</a:t>
             </a:r>
             <a:endParaRPr lang="pt-BR" dirty="0"/>
           </a:p>
@@ -19452,115 +18904,29 @@
             <p:ph idx="1"/>
           </p:nvPr>
         </p:nvSpPr>
-        <p:spPr>
-          <a:xfrm>
-            <a:off x="628650" y="1825624"/>
-            <a:ext cx="7886700" cy="4753851"/>
-          </a:xfrm>
-        </p:spPr>
-        <p:txBody>
-          <a:bodyPr>
-            <a:normAutofit/>
-          </a:bodyPr>
-          <a:lstStyle/>
-          <a:p>
-            <a:r>
-              <a:rPr lang="pt-BR" dirty="0" err="1" smtClean="0"/>
-              <a:t>Exception</a:t>
-            </a:r>
-            <a:r>
-              <a:rPr lang="pt-BR" dirty="0" smtClean="0"/>
-              <a:t> – Base de todas as exceções</a:t>
+        <p:spPr/>
+        <p:txBody>
+          <a:bodyPr/>
+          <a:lstStyle/>
+          <a:p>
+            <a:r>
+              <a:rPr lang="pt-BR" dirty="0" smtClean="0"/>
+              <a:t>Trate o erro que será causado por uma divisão por zero </a:t>
             </a:r>
             <a:endParaRPr lang="pt-BR" dirty="0"/>
-          </a:p>
-          <a:p>
-            <a:r>
-              <a:rPr lang="pt-BR" dirty="0" err="1" smtClean="0"/>
-              <a:t>StopIteration</a:t>
-            </a:r>
-            <a:r>
-              <a:rPr lang="pt-BR" dirty="0" smtClean="0"/>
-              <a:t> – Quando está iterando sobre uma sequência e essa termina abruptamente</a:t>
-            </a:r>
-          </a:p>
-          <a:p>
-            <a:r>
-              <a:rPr lang="pt-BR" dirty="0" err="1" smtClean="0"/>
-              <a:t>SytemExit</a:t>
-            </a:r>
-            <a:r>
-              <a:rPr lang="pt-BR" dirty="0" smtClean="0"/>
-              <a:t> – Exceção invocada por chamada da função </a:t>
-            </a:r>
-            <a:r>
-              <a:rPr lang="pt-BR" dirty="0" err="1" smtClean="0"/>
-              <a:t>exit</a:t>
-            </a:r>
-            <a:r>
-              <a:rPr lang="pt-BR" dirty="0" smtClean="0"/>
-              <a:t>()</a:t>
-            </a:r>
-          </a:p>
-          <a:p>
-            <a:r>
-              <a:rPr lang="pt-BR" dirty="0" err="1" smtClean="0"/>
-              <a:t>ArithmeticError</a:t>
-            </a:r>
-            <a:r>
-              <a:rPr lang="pt-BR" dirty="0" smtClean="0"/>
-              <a:t> – Exceção causada por algum erro </a:t>
-            </a:r>
-            <a:r>
-              <a:rPr lang="pt-BR" dirty="0" err="1" smtClean="0"/>
-              <a:t>aritimético</a:t>
-            </a:r>
-            <a:endParaRPr lang="pt-BR" dirty="0" smtClean="0"/>
-          </a:p>
-          <a:p>
-            <a:r>
-              <a:rPr lang="pt-BR" dirty="0" err="1" smtClean="0"/>
-              <a:t>OverflowError</a:t>
-            </a:r>
-            <a:r>
-              <a:rPr lang="pt-BR" dirty="0" smtClean="0"/>
-              <a:t> – Quando estoura a representação de inteiros e </a:t>
-            </a:r>
-            <a:r>
-              <a:rPr lang="pt-BR" dirty="0" err="1" smtClean="0"/>
-              <a:t>floats</a:t>
-            </a:r>
-            <a:endParaRPr lang="pt-BR" dirty="0" smtClean="0"/>
-          </a:p>
-          <a:p>
-            <a:r>
-              <a:rPr lang="pt-BR" dirty="0" err="1" smtClean="0"/>
-              <a:t>ZeroDivision</a:t>
-            </a:r>
-            <a:r>
-              <a:rPr lang="pt-BR" dirty="0" smtClean="0"/>
-              <a:t> – Divisão por zero </a:t>
-            </a:r>
           </a:p>
         </p:txBody>
       </p:sp>
     </p:spTree>
     <p:extLst>
       <p:ext uri="{BB962C8B-B14F-4D97-AF65-F5344CB8AC3E}">
-        <p14:creationId xmlns:p14="http://schemas.microsoft.com/office/powerpoint/2010/main" val="1414771646"/>
+        <p14:creationId xmlns:p14="http://schemas.microsoft.com/office/powerpoint/2010/main" val="542507262"/>
       </p:ext>
     </p:extLst>
   </p:cSld>
   <p:clrMapOvr>
     <a:masterClrMapping/>
   </p:clrMapOvr>
-  <p:timing>
-    <p:tnLst>
-      <p:par>
-        <p:cTn id="1" dur="indefinite" restart="never" nodeType="tmRoot"/>
-      </p:par>
-    </p:tnLst>
-  </p:timing>
 </p:sld>
 </file>
 
@@ -19731,18 +19097,7 @@
                   </a:schemeClr>
                 </a:solidFill>
               </a:rPr>
-              <a:t>Tratamento </a:t>
-            </a:r>
-            <a:r>
-              <a:rPr lang="pt-BR" sz="3600" dirty="0" smtClean="0">
-                <a:solidFill>
-                  <a:schemeClr val="tx1">
-                    <a:lumMod val="50000"/>
-                    <a:lumOff val="50000"/>
-                  </a:schemeClr>
-                </a:solidFill>
-              </a:rPr>
-              <a:t>de exceções</a:t>
+              <a:t>Tratamento de exceções</a:t>
             </a:r>
             <a:endParaRPr lang="pt-BR" sz="3600" dirty="0">
               <a:solidFill>
@@ -19759,7 +19114,6 @@
               <a:rPr lang="pt-BR" sz="3600" dirty="0" smtClean="0"/>
               <a:t>Orientação a objetos</a:t>
             </a:r>
-            <a:endParaRPr lang="pt-BR" sz="3600" dirty="0" smtClean="0"/>
           </a:p>
         </p:txBody>
       </p:sp>
@@ -19991,8 +19345,8 @@
               <a:t>Cada classe possui  métodos, que são funções que definem algum comportamento da </a:t>
             </a:r>
             <a:r>
-              <a:rPr lang="pt-BR" dirty="0" err="1" smtClean="0"/>
-              <a:t>class</a:t>
+              <a:rPr lang="pt-BR" dirty="0" smtClean="0"/>
+              <a:t>classe</a:t>
             </a:r>
             <a:endParaRPr lang="pt-BR" dirty="0" smtClean="0"/>
           </a:p>
@@ -20018,7 +19372,7 @@
         <p:spPr>
           <a:xfrm>
             <a:off x="2186152" y="2900857"/>
-            <a:ext cx="4665188" cy="3785652"/>
+            <a:ext cx="4771243" cy="3785652"/>
           </a:xfrm>
           <a:prstGeom prst="rect">
             <a:avLst/>
@@ -20063,8 +19417,25 @@
             </a:r>
             <a:r>
               <a:rPr lang="en-US" sz="2400" b="1" dirty="0" smtClean="0"/>
-              <a:t>__(self, name, salary):</a:t>
-            </a:r>
+              <a:t>__(self, </a:t>
+            </a:r>
+            <a:r>
+              <a:rPr lang="en-US" sz="2400" b="1" dirty="0" err="1" smtClean="0"/>
+              <a:t>nome</a:t>
+            </a:r>
+            <a:r>
+              <a:rPr lang="en-US" sz="2400" b="1" dirty="0" smtClean="0"/>
+              <a:t>, </a:t>
+            </a:r>
+            <a:r>
+              <a:rPr lang="en-US" sz="2400" b="1" dirty="0" err="1" smtClean="0"/>
+              <a:t>salario</a:t>
+            </a:r>
+            <a:r>
+              <a:rPr lang="en-US" sz="2400" b="1" dirty="0" smtClean="0"/>
+              <a:t>):</a:t>
+            </a:r>
+            <a:endParaRPr lang="en-US" sz="2400" b="1" dirty="0" smtClean="0"/>
           </a:p>
           <a:p>
             <a:r>
@@ -20077,12 +19448,21 @@
             </a:r>
             <a:r>
               <a:rPr lang="en-US" sz="2400" b="1" dirty="0" err="1" smtClean="0"/>
-              <a:t>self.salary</a:t>
+              <a:t>self.salario</a:t>
             </a:r>
             <a:r>
               <a:rPr lang="en-US" sz="2400" b="1" dirty="0" smtClean="0"/>
-              <a:t> = salary</a:t>
-            </a:r>
+              <a:t> </a:t>
+            </a:r>
+            <a:r>
+              <a:rPr lang="en-US" sz="2400" b="1" dirty="0" smtClean="0"/>
+              <a:t>= </a:t>
+            </a:r>
+            <a:r>
+              <a:rPr lang="en-US" sz="2400" b="1" dirty="0" err="1" smtClean="0"/>
+              <a:t>salario</a:t>
+            </a:r>
+            <a:endParaRPr lang="en-US" sz="2400" b="1" dirty="0" smtClean="0"/>
           </a:p>
           <a:p>
             <a:r>
@@ -20091,8 +19471,25 @@
             </a:r>
             <a:r>
               <a:rPr lang="en-US" sz="2400" b="1" dirty="0" smtClean="0"/>
-              <a:t>	self.name = name</a:t>
-            </a:r>
+              <a:t>	</a:t>
+            </a:r>
+            <a:r>
+              <a:rPr lang="en-US" sz="2400" b="1" dirty="0" err="1" smtClean="0"/>
+              <a:t>self.nome</a:t>
+            </a:r>
+            <a:r>
+              <a:rPr lang="en-US" sz="2400" b="1" dirty="0" smtClean="0"/>
+              <a:t> </a:t>
+            </a:r>
+            <a:r>
+              <a:rPr lang="en-US" sz="2400" b="1" dirty="0" smtClean="0"/>
+              <a:t>= </a:t>
+            </a:r>
+            <a:r>
+              <a:rPr lang="en-US" sz="2400" b="1" dirty="0" err="1" smtClean="0"/>
+              <a:t>nome</a:t>
+            </a:r>
+            <a:endParaRPr lang="en-US" sz="2400" b="1" dirty="0" smtClean="0"/>
           </a:p>
           <a:p>
             <a:endParaRPr lang="en-US" sz="2400" b="1" dirty="0" smtClean="0"/>
@@ -20126,8 +19523,21 @@
             </a:r>
             <a:r>
               <a:rPr lang="en-US" sz="2400" b="1" dirty="0" smtClean="0"/>
-              <a:t>	print(self.name)</a:t>
-            </a:r>
+              <a:t>	</a:t>
+            </a:r>
+            <a:r>
+              <a:rPr lang="en-US" sz="2400" b="1" dirty="0" smtClean="0"/>
+              <a:t>print(</a:t>
+            </a:r>
+            <a:r>
+              <a:rPr lang="en-US" sz="2400" b="1" dirty="0" err="1" smtClean="0"/>
+              <a:t>self.nome</a:t>
+            </a:r>
+            <a:r>
+              <a:rPr lang="en-US" sz="2400" b="1" dirty="0" smtClean="0"/>
+              <a:t>)</a:t>
+            </a:r>
+            <a:endParaRPr lang="en-US" sz="2400" b="1" dirty="0" smtClean="0"/>
           </a:p>
           <a:p>
             <a:r>
@@ -20161,16 +19571,21 @@
             </a:br>
             <a:r>
               <a:rPr lang="en-US" sz="2400" b="1" dirty="0" smtClean="0"/>
-              <a:t>		print(</a:t>
+              <a:t>		</a:t>
+            </a:r>
+            <a:r>
+              <a:rPr lang="en-US" sz="2400" b="1" dirty="0" smtClean="0"/>
+              <a:t>print(</a:t>
             </a:r>
             <a:r>
               <a:rPr lang="en-US" sz="2400" b="1" dirty="0" err="1" smtClean="0"/>
-              <a:t>self.salary</a:t>
+              <a:t>self.salario</a:t>
             </a:r>
             <a:r>
               <a:rPr lang="en-US" sz="2400" b="1" dirty="0" smtClean="0"/>
               <a:t>)</a:t>
             </a:r>
+            <a:endParaRPr lang="en-US" sz="2400" b="1" dirty="0" smtClean="0"/>
           </a:p>
         </p:txBody>
       </p:sp>
@@ -20395,20 +19810,58 @@
           <a:p>
             <a:r>
               <a:rPr lang="pt-BR" sz="3600" dirty="0" smtClean="0"/>
-              <a:t>Parte III:</a:t>
-            </a:r>
-          </a:p>
-          <a:p>
-            <a:pPr lvl="1"/>
+              <a:t>Parte </a:t>
+            </a:r>
             <a:r>
               <a:rPr lang="pt-BR" sz="3600" dirty="0" smtClean="0"/>
-              <a:t>Análise de dados com Pandas e </a:t>
-            </a:r>
-            <a:r>
-              <a:rPr lang="pt-BR" sz="3600" dirty="0" err="1" smtClean="0"/>
+              <a:t>III:</a:t>
+            </a:r>
+          </a:p>
+          <a:p>
+            <a:pPr lvl="1"/>
+            <a:r>
+              <a:rPr lang="pt-BR" sz="3200" dirty="0" err="1" smtClean="0"/>
               <a:t>Matplotlib</a:t>
             </a:r>
-            <a:endParaRPr lang="pt-BR" sz="3600" dirty="0" smtClean="0"/>
+            <a:r>
+              <a:rPr lang="pt-BR" sz="3200" dirty="0" smtClean="0"/>
+              <a:t> e Pandas</a:t>
+            </a:r>
+          </a:p>
+          <a:p>
+            <a:pPr lvl="1"/>
+            <a:r>
+              <a:rPr lang="pt-BR" sz="3200" dirty="0" smtClean="0"/>
+              <a:t>Exemplo gráfico de pontos</a:t>
+            </a:r>
+          </a:p>
+          <a:p>
+            <a:pPr lvl="1"/>
+            <a:r>
+              <a:rPr lang="pt-BR" sz="3200" dirty="0" smtClean="0"/>
+              <a:t>Exemplo gráfico de barras</a:t>
+            </a:r>
+          </a:p>
+          <a:p>
+            <a:pPr lvl="1"/>
+            <a:r>
+              <a:rPr lang="pt-BR" sz="3200" dirty="0" smtClean="0"/>
+              <a:t>Exemplo gráfico de linhas</a:t>
+            </a:r>
+          </a:p>
+          <a:p>
+            <a:pPr lvl="1"/>
+            <a:r>
+              <a:rPr lang="pt-BR" sz="3200" dirty="0" smtClean="0"/>
+              <a:t>Exemplo de histograma</a:t>
+            </a:r>
+          </a:p>
+          <a:p>
+            <a:pPr lvl="1"/>
+            <a:r>
+              <a:rPr lang="pt-BR" sz="3200" dirty="0" smtClean="0"/>
+              <a:t>Exemplo de gráfico de grupos</a:t>
+            </a:r>
           </a:p>
         </p:txBody>
       </p:sp>
@@ -20416,6 +19869,636 @@
     <p:extLst>
       <p:ext uri="{BB962C8B-B14F-4D97-AF65-F5344CB8AC3E}">
         <p14:creationId xmlns:p14="http://schemas.microsoft.com/office/powerpoint/2010/main" val="3429233724"/>
+      </p:ext>
+    </p:extLst>
+  </p:cSld>
+  <p:clrMapOvr>
+    <a:masterClrMapping/>
+  </p:clrMapOvr>
+  <p:timing>
+    <p:tnLst>
+      <p:par>
+        <p:cTn id="1" dur="indefinite" restart="never" nodeType="tmRoot"/>
+      </p:par>
+    </p:tnLst>
+  </p:timing>
+</p:sld>
+</file>
+
+<file path=ppt/slides/slide87.xml><?xml version="1.0" encoding="utf-8"?>
+<p:sld xmlns:a="http://schemas.openxmlformats.org/drawingml/2006/main" xmlns:r="http://schemas.openxmlformats.org/officeDocument/2006/relationships" xmlns:p="http://schemas.openxmlformats.org/presentationml/2006/main">
+  <p:cSld>
+    <p:spTree>
+      <p:nvGrpSpPr>
+        <p:cNvPr id="1" name=""/>
+        <p:cNvGrpSpPr/>
+        <p:nvPr/>
+      </p:nvGrpSpPr>
+      <p:grpSpPr>
+        <a:xfrm>
+          <a:off x="0" y="0"/>
+          <a:ext cx="0" cy="0"/>
+          <a:chOff x="0" y="0"/>
+          <a:chExt cx="0" cy="0"/>
+        </a:xfrm>
+      </p:grpSpPr>
+      <p:sp>
+        <p:nvSpPr>
+          <p:cNvPr id="2" name="Título 1"/>
+          <p:cNvSpPr>
+            <a:spLocks noGrp="1"/>
+          </p:cNvSpPr>
+          <p:nvPr>
+            <p:ph type="title"/>
+          </p:nvPr>
+        </p:nvSpPr>
+        <p:spPr>
+          <a:xfrm>
+            <a:off x="628650" y="365127"/>
+            <a:ext cx="7886700" cy="980198"/>
+          </a:xfrm>
+        </p:spPr>
+        <p:txBody>
+          <a:bodyPr/>
+          <a:lstStyle/>
+          <a:p>
+            <a:r>
+              <a:rPr lang="pt-BR" dirty="0" err="1" smtClean="0"/>
+              <a:t>Matplotlib</a:t>
+            </a:r>
+            <a:r>
+              <a:rPr lang="pt-BR" dirty="0" smtClean="0"/>
+              <a:t> e Pandas</a:t>
+            </a:r>
+            <a:endParaRPr lang="pt-BR" dirty="0"/>
+          </a:p>
+        </p:txBody>
+      </p:sp>
+      <p:pic>
+        <p:nvPicPr>
+          <p:cNvPr id="4" name="Espaço Reservado para Conteúdo 3"/>
+          <p:cNvPicPr>
+            <a:picLocks noGrp="1" noChangeAspect="1"/>
+          </p:cNvPicPr>
+          <p:nvPr>
+            <p:ph idx="1"/>
+          </p:nvPr>
+        </p:nvPicPr>
+        <p:blipFill>
+          <a:blip r:embed="rId2">
+            <a:extLst>
+              <a:ext uri="{28A0092B-C50C-407E-A947-70E740481C1C}">
+                <a14:useLocalDpi xmlns:a14="http://schemas.microsoft.com/office/drawing/2010/main" val="0"/>
+              </a:ext>
+            </a:extLst>
+          </a:blip>
+          <a:stretch>
+            <a:fillRect/>
+          </a:stretch>
+        </p:blipFill>
+        <p:spPr>
+          <a:xfrm>
+            <a:off x="4315571" y="1566041"/>
+            <a:ext cx="4480007" cy="3572806"/>
+          </a:xfrm>
+        </p:spPr>
+      </p:pic>
+      <p:sp>
+        <p:nvSpPr>
+          <p:cNvPr id="6" name="CaixaDeTexto 5"/>
+          <p:cNvSpPr txBox="1"/>
+          <p:nvPr/>
+        </p:nvSpPr>
+        <p:spPr>
+          <a:xfrm>
+            <a:off x="283779" y="1639614"/>
+            <a:ext cx="3783724" cy="4031873"/>
+          </a:xfrm>
+          <a:prstGeom prst="rect">
+            <a:avLst/>
+          </a:prstGeom>
+          <a:noFill/>
+        </p:spPr>
+        <p:txBody>
+          <a:bodyPr wrap="square" rtlCol="0">
+            <a:spAutoFit/>
+          </a:bodyPr>
+          <a:lstStyle/>
+          <a:p>
+            <a:pPr marL="285750" indent="-285750">
+              <a:buFont typeface="Arial" panose="020B0604020202020204" pitchFamily="34" charset="0"/>
+              <a:buChar char="•"/>
+            </a:pPr>
+            <a:r>
+              <a:rPr lang="pt-BR" sz="3200" dirty="0" err="1" smtClean="0"/>
+              <a:t>Matplotlib</a:t>
+            </a:r>
+            <a:r>
+              <a:rPr lang="pt-BR" sz="3200" dirty="0" smtClean="0"/>
+              <a:t> é uma biblioteca de criação de gráficos no Python</a:t>
+            </a:r>
+          </a:p>
+          <a:p>
+            <a:pPr marL="285750" indent="-285750">
+              <a:buFont typeface="Arial" panose="020B0604020202020204" pitchFamily="34" charset="0"/>
+              <a:buChar char="•"/>
+            </a:pPr>
+            <a:r>
+              <a:rPr lang="pt-BR" sz="3200" dirty="0" smtClean="0"/>
+              <a:t>Pandas é uma biblioteca de manipulação de dados</a:t>
+            </a:r>
+            <a:endParaRPr lang="pt-BR" sz="3200" dirty="0"/>
+          </a:p>
+        </p:txBody>
+      </p:sp>
+      <p:pic>
+        <p:nvPicPr>
+          <p:cNvPr id="7" name="Imagem 6"/>
+          <p:cNvPicPr>
+            <a:picLocks noChangeAspect="1"/>
+          </p:cNvPicPr>
+          <p:nvPr/>
+        </p:nvPicPr>
+        <p:blipFill>
+          <a:blip r:embed="rId3">
+            <a:extLst>
+              <a:ext uri="{28A0092B-C50C-407E-A947-70E740481C1C}">
+                <a14:useLocalDpi xmlns:a14="http://schemas.microsoft.com/office/drawing/2010/main" val="0"/>
+              </a:ext>
+            </a:extLst>
+          </a:blip>
+          <a:stretch>
+            <a:fillRect/>
+          </a:stretch>
+        </p:blipFill>
+        <p:spPr>
+          <a:xfrm>
+            <a:off x="2575028" y="5527126"/>
+            <a:ext cx="5486411" cy="1143002"/>
+          </a:xfrm>
+          <a:prstGeom prst="rect">
+            <a:avLst/>
+          </a:prstGeom>
+        </p:spPr>
+      </p:pic>
+    </p:spTree>
+    <p:extLst>
+      <p:ext uri="{BB962C8B-B14F-4D97-AF65-F5344CB8AC3E}">
+        <p14:creationId xmlns:p14="http://schemas.microsoft.com/office/powerpoint/2010/main" val="2257392048"/>
+      </p:ext>
+    </p:extLst>
+  </p:cSld>
+  <p:clrMapOvr>
+    <a:masterClrMapping/>
+  </p:clrMapOvr>
+  <p:timing>
+    <p:tnLst>
+      <p:par>
+        <p:cTn id="1" dur="indefinite" restart="never" nodeType="tmRoot"/>
+      </p:par>
+    </p:tnLst>
+  </p:timing>
+</p:sld>
+</file>
+
+<file path=ppt/slides/slide88.xml><?xml version="1.0" encoding="utf-8"?>
+<p:sld xmlns:a="http://schemas.openxmlformats.org/drawingml/2006/main" xmlns:r="http://schemas.openxmlformats.org/officeDocument/2006/relationships" xmlns:p="http://schemas.openxmlformats.org/presentationml/2006/main">
+  <p:cSld>
+    <p:spTree>
+      <p:nvGrpSpPr>
+        <p:cNvPr id="1" name=""/>
+        <p:cNvGrpSpPr/>
+        <p:nvPr/>
+      </p:nvGrpSpPr>
+      <p:grpSpPr>
+        <a:xfrm>
+          <a:off x="0" y="0"/>
+          <a:ext cx="0" cy="0"/>
+          <a:chOff x="0" y="0"/>
+          <a:chExt cx="0" cy="0"/>
+        </a:xfrm>
+      </p:grpSpPr>
+      <p:sp>
+        <p:nvSpPr>
+          <p:cNvPr id="2" name="Título 1"/>
+          <p:cNvSpPr>
+            <a:spLocks noGrp="1"/>
+          </p:cNvSpPr>
+          <p:nvPr>
+            <p:ph type="title"/>
+          </p:nvPr>
+        </p:nvSpPr>
+        <p:spPr>
+          <a:xfrm>
+            <a:off x="628650" y="365127"/>
+            <a:ext cx="7886700" cy="980198"/>
+          </a:xfrm>
+        </p:spPr>
+        <p:txBody>
+          <a:bodyPr/>
+          <a:lstStyle/>
+          <a:p>
+            <a:r>
+              <a:rPr lang="pt-BR" dirty="0" smtClean="0"/>
+              <a:t>Exemplo base</a:t>
+            </a:r>
+            <a:endParaRPr lang="pt-BR" dirty="0"/>
+          </a:p>
+        </p:txBody>
+      </p:sp>
+      <p:sp>
+        <p:nvSpPr>
+          <p:cNvPr id="6" name="CaixaDeTexto 5"/>
+          <p:cNvSpPr txBox="1"/>
+          <p:nvPr/>
+        </p:nvSpPr>
+        <p:spPr>
+          <a:xfrm>
+            <a:off x="628650" y="1479486"/>
+            <a:ext cx="7936596" cy="2554545"/>
+          </a:xfrm>
+          <a:prstGeom prst="rect">
+            <a:avLst/>
+          </a:prstGeom>
+          <a:noFill/>
+        </p:spPr>
+        <p:txBody>
+          <a:bodyPr wrap="none" rtlCol="0">
+            <a:spAutoFit/>
+          </a:bodyPr>
+          <a:lstStyle/>
+          <a:p>
+            <a:r>
+              <a:rPr lang="en-US" sz="2000" dirty="0" smtClean="0"/>
+              <a:t>{</a:t>
+            </a:r>
+          </a:p>
+          <a:p>
+            <a:r>
+              <a:rPr lang="en-US" sz="2000" dirty="0" smtClean="0"/>
+              <a:t>'name':       		[</a:t>
+            </a:r>
+            <a:r>
+              <a:rPr lang="en-US" sz="2000" dirty="0"/>
+              <a:t>'john','</a:t>
+            </a:r>
+            <a:r>
+              <a:rPr lang="en-US" sz="2000" dirty="0" err="1"/>
+              <a:t>mary</a:t>
+            </a:r>
+            <a:r>
+              <a:rPr lang="en-US" sz="2000" dirty="0"/>
+              <a:t>','peter','</a:t>
+            </a:r>
+            <a:r>
+              <a:rPr lang="en-US" sz="2000" dirty="0" err="1"/>
+              <a:t>jeff</a:t>
+            </a:r>
+            <a:r>
+              <a:rPr lang="en-US" sz="2000" dirty="0"/>
+              <a:t>','bill','</a:t>
+            </a:r>
+            <a:r>
+              <a:rPr lang="en-US" sz="2000" dirty="0" err="1"/>
+              <a:t>lisa</a:t>
+            </a:r>
+            <a:r>
+              <a:rPr lang="en-US" sz="2000" dirty="0"/>
+              <a:t>','</a:t>
+            </a:r>
+            <a:r>
+              <a:rPr lang="en-US" sz="2000" dirty="0" err="1"/>
+              <a:t>jose</a:t>
+            </a:r>
+            <a:r>
+              <a:rPr lang="en-US" sz="2000" dirty="0"/>
+              <a:t>'], </a:t>
+            </a:r>
+            <a:endParaRPr lang="en-US" sz="2000" dirty="0" smtClean="0"/>
+          </a:p>
+          <a:p>
+            <a:r>
+              <a:rPr lang="en-US" sz="2000" dirty="0" smtClean="0"/>
+              <a:t>'age':			[</a:t>
+            </a:r>
+            <a:r>
+              <a:rPr lang="en-US" sz="2000" dirty="0"/>
+              <a:t>23,78,22,19,45,33,20</a:t>
+            </a:r>
+            <a:r>
+              <a:rPr lang="en-US" sz="2000" dirty="0" smtClean="0"/>
+              <a:t>],</a:t>
+            </a:r>
+          </a:p>
+          <a:p>
+            <a:r>
+              <a:rPr lang="en-US" sz="2000" dirty="0" smtClean="0"/>
+              <a:t>'gender': 		[</a:t>
+            </a:r>
+            <a:r>
+              <a:rPr lang="en-US" sz="2000" dirty="0"/>
+              <a:t>'M','F','M','M','M','F','M</a:t>
+            </a:r>
+            <a:r>
+              <a:rPr lang="en-US" sz="2000" dirty="0" smtClean="0"/>
+              <a:t>'],</a:t>
+            </a:r>
+          </a:p>
+          <a:p>
+            <a:r>
+              <a:rPr lang="en-US" sz="2000" dirty="0" smtClean="0"/>
+              <a:t>'state' : 			[</a:t>
+            </a:r>
+            <a:r>
+              <a:rPr lang="en-US" sz="2000" dirty="0"/>
+              <a:t>'california','dc','california','dc','california','texas','texas'], </a:t>
+            </a:r>
+            <a:endParaRPr lang="en-US" sz="2000" dirty="0" smtClean="0"/>
+          </a:p>
+          <a:p>
+            <a:r>
+              <a:rPr lang="en-US" sz="2000" dirty="0" smtClean="0"/>
+              <a:t>'</a:t>
+            </a:r>
+            <a:r>
+              <a:rPr lang="en-US" sz="2000" dirty="0" err="1" smtClean="0"/>
+              <a:t>num_children</a:t>
+            </a:r>
+            <a:r>
+              <a:rPr lang="en-US" sz="2000" dirty="0" smtClean="0"/>
+              <a:t>': 	[</a:t>
+            </a:r>
+            <a:r>
+              <a:rPr lang="en-US" sz="2000" dirty="0"/>
+              <a:t>2,0,0,3,2,1,4</a:t>
+            </a:r>
+            <a:r>
+              <a:rPr lang="en-US" sz="2000" dirty="0" smtClean="0"/>
+              <a:t>],</a:t>
+            </a:r>
+          </a:p>
+          <a:p>
+            <a:r>
+              <a:rPr lang="en-US" sz="2000" dirty="0" smtClean="0"/>
+              <a:t>'</a:t>
+            </a:r>
+            <a:r>
+              <a:rPr lang="en-US" sz="2000" dirty="0" err="1" smtClean="0"/>
+              <a:t>num_pets</a:t>
+            </a:r>
+            <a:r>
+              <a:rPr lang="en-US" sz="2000" dirty="0" smtClean="0"/>
+              <a:t>': 		[</a:t>
+            </a:r>
+            <a:r>
+              <a:rPr lang="en-US" sz="2000" dirty="0"/>
+              <a:t>5,1,0,5,2,2,3</a:t>
+            </a:r>
+            <a:r>
+              <a:rPr lang="en-US" sz="2000" dirty="0" smtClean="0"/>
+              <a:t>]</a:t>
+            </a:r>
+          </a:p>
+          <a:p>
+            <a:r>
+              <a:rPr lang="en-US" sz="2000" dirty="0" smtClean="0"/>
+              <a:t>}</a:t>
+            </a:r>
+            <a:endParaRPr lang="en-US" sz="2000" dirty="0"/>
+          </a:p>
+        </p:txBody>
+      </p:sp>
+      <p:pic>
+        <p:nvPicPr>
+          <p:cNvPr id="8" name="Imagem 7"/>
+          <p:cNvPicPr>
+            <a:picLocks noChangeAspect="1"/>
+          </p:cNvPicPr>
+          <p:nvPr/>
+        </p:nvPicPr>
+        <p:blipFill>
+          <a:blip r:embed="rId2">
+            <a:extLst>
+              <a:ext uri="{28A0092B-C50C-407E-A947-70E740481C1C}">
+                <a14:useLocalDpi xmlns:a14="http://schemas.microsoft.com/office/drawing/2010/main" val="0"/>
+              </a:ext>
+            </a:extLst>
+          </a:blip>
+          <a:stretch>
+            <a:fillRect/>
+          </a:stretch>
+        </p:blipFill>
+        <p:spPr>
+          <a:xfrm>
+            <a:off x="3107285" y="3834335"/>
+            <a:ext cx="5185377" cy="2853967"/>
+          </a:xfrm>
+          <a:prstGeom prst="rect">
+            <a:avLst/>
+          </a:prstGeom>
+        </p:spPr>
+      </p:pic>
+    </p:spTree>
+    <p:extLst>
+      <p:ext uri="{BB962C8B-B14F-4D97-AF65-F5344CB8AC3E}">
+        <p14:creationId xmlns:p14="http://schemas.microsoft.com/office/powerpoint/2010/main" val="4074244911"/>
+      </p:ext>
+    </p:extLst>
+  </p:cSld>
+  <p:clrMapOvr>
+    <a:masterClrMapping/>
+  </p:clrMapOvr>
+  <p:timing>
+    <p:tnLst>
+      <p:par>
+        <p:cTn id="1" dur="indefinite" restart="never" nodeType="tmRoot"/>
+      </p:par>
+    </p:tnLst>
+  </p:timing>
+</p:sld>
+</file>
+
+<file path=ppt/slides/slide89.xml><?xml version="1.0" encoding="utf-8"?>
+<p:sld xmlns:a="http://schemas.openxmlformats.org/drawingml/2006/main" xmlns:r="http://schemas.openxmlformats.org/officeDocument/2006/relationships" xmlns:p="http://schemas.openxmlformats.org/presentationml/2006/main">
+  <p:cSld>
+    <p:spTree>
+      <p:nvGrpSpPr>
+        <p:cNvPr id="1" name=""/>
+        <p:cNvGrpSpPr/>
+        <p:nvPr/>
+      </p:nvGrpSpPr>
+      <p:grpSpPr>
+        <a:xfrm>
+          <a:off x="0" y="0"/>
+          <a:ext cx="0" cy="0"/>
+          <a:chOff x="0" y="0"/>
+          <a:chExt cx="0" cy="0"/>
+        </a:xfrm>
+      </p:grpSpPr>
+      <p:sp>
+        <p:nvSpPr>
+          <p:cNvPr id="2" name="Título 1"/>
+          <p:cNvSpPr>
+            <a:spLocks noGrp="1"/>
+          </p:cNvSpPr>
+          <p:nvPr>
+            <p:ph type="title"/>
+          </p:nvPr>
+        </p:nvSpPr>
+        <p:spPr>
+          <a:xfrm>
+            <a:off x="628650" y="365127"/>
+            <a:ext cx="7886700" cy="980198"/>
+          </a:xfrm>
+        </p:spPr>
+        <p:txBody>
+          <a:bodyPr/>
+          <a:lstStyle/>
+          <a:p>
+            <a:r>
+              <a:rPr lang="pt-BR" dirty="0" smtClean="0"/>
+              <a:t>Gráfico de pontos</a:t>
+            </a:r>
+            <a:endParaRPr lang="pt-BR" dirty="0"/>
+          </a:p>
+        </p:txBody>
+      </p:sp>
+      <p:sp>
+        <p:nvSpPr>
+          <p:cNvPr id="3" name="Espaço Reservado para Conteúdo 2"/>
+          <p:cNvSpPr>
+            <a:spLocks noGrp="1"/>
+          </p:cNvSpPr>
+          <p:nvPr>
+            <p:ph idx="1"/>
+          </p:nvPr>
+        </p:nvSpPr>
+        <p:spPr>
+          <a:xfrm>
+            <a:off x="628650" y="1825624"/>
+            <a:ext cx="7886700" cy="2157797"/>
+          </a:xfrm>
+        </p:spPr>
+        <p:txBody>
+          <a:bodyPr>
+            <a:normAutofit lnSpcReduction="10000"/>
+          </a:bodyPr>
+          <a:lstStyle/>
+          <a:p>
+            <a:r>
+              <a:rPr lang="pt-BR" dirty="0" smtClean="0"/>
+              <a:t>Gerar um gráfico de pontos com </a:t>
+            </a:r>
+            <a:r>
+              <a:rPr lang="pt-BR" dirty="0" err="1" smtClean="0"/>
+              <a:t>num_children</a:t>
+            </a:r>
+            <a:r>
+              <a:rPr lang="pt-BR" dirty="0" smtClean="0"/>
+              <a:t> no eixo X, e </a:t>
+            </a:r>
+            <a:r>
+              <a:rPr lang="pt-BR" dirty="0" err="1" smtClean="0"/>
+              <a:t>num_pets</a:t>
+            </a:r>
+            <a:r>
+              <a:rPr lang="pt-BR" dirty="0" smtClean="0"/>
+              <a:t> no eixo Y</a:t>
+            </a:r>
+          </a:p>
+          <a:p>
+            <a:pPr marL="0" indent="0">
+              <a:buNone/>
+            </a:pPr>
+            <a:endParaRPr lang="pt-BR" dirty="0" smtClean="0"/>
+          </a:p>
+          <a:p>
+            <a:r>
+              <a:rPr lang="pt-BR" dirty="0" err="1" smtClean="0"/>
+              <a:t>df.plot</a:t>
+            </a:r>
+            <a:r>
+              <a:rPr lang="pt-BR" dirty="0" smtClean="0"/>
+              <a:t>(</a:t>
+            </a:r>
+            <a:r>
+              <a:rPr lang="pt-BR" dirty="0" err="1" smtClean="0"/>
+              <a:t>kind</a:t>
+            </a:r>
+            <a:r>
+              <a:rPr lang="pt-BR" dirty="0" smtClean="0"/>
+              <a:t>=‘</a:t>
+            </a:r>
+            <a:r>
+              <a:rPr lang="pt-BR" dirty="0" err="1" smtClean="0"/>
+              <a:t>scatter</a:t>
+            </a:r>
+            <a:r>
+              <a:rPr lang="pt-BR" dirty="0" smtClean="0"/>
+              <a:t>’, x=‘</a:t>
+            </a:r>
+            <a:r>
+              <a:rPr lang="pt-BR" dirty="0" err="1" smtClean="0"/>
+              <a:t>num_children</a:t>
+            </a:r>
+            <a:r>
+              <a:rPr lang="pt-BR" dirty="0" smtClean="0"/>
+              <a:t>’, y=‘</a:t>
+            </a:r>
+            <a:r>
+              <a:rPr lang="pt-BR" dirty="0" err="1" smtClean="0"/>
+              <a:t>num_pets</a:t>
+            </a:r>
+            <a:r>
+              <a:rPr lang="pt-BR" dirty="0" smtClean="0"/>
+              <a:t>’, color=‘</a:t>
+            </a:r>
+            <a:r>
+              <a:rPr lang="pt-BR" dirty="0" err="1" smtClean="0"/>
+              <a:t>red</a:t>
+            </a:r>
+            <a:r>
+              <a:rPr lang="pt-BR" dirty="0" smtClean="0"/>
+              <a:t>’)</a:t>
+            </a:r>
+            <a:endParaRPr lang="pt-BR" dirty="0" smtClean="0"/>
+          </a:p>
+        </p:txBody>
+      </p:sp>
+      <p:pic>
+        <p:nvPicPr>
+          <p:cNvPr id="4" name="Imagem 3"/>
+          <p:cNvPicPr>
+            <a:picLocks noChangeAspect="1"/>
+          </p:cNvPicPr>
+          <p:nvPr/>
+        </p:nvPicPr>
+        <p:blipFill>
+          <a:blip r:embed="rId2">
+            <a:extLst>
+              <a:ext uri="{28A0092B-C50C-407E-A947-70E740481C1C}">
+                <a14:useLocalDpi xmlns:a14="http://schemas.microsoft.com/office/drawing/2010/main" val="0"/>
+              </a:ext>
+            </a:extLst>
+          </a:blip>
+          <a:stretch>
+            <a:fillRect/>
+          </a:stretch>
+        </p:blipFill>
+        <p:spPr>
+          <a:xfrm>
+            <a:off x="3526877" y="3983421"/>
+            <a:ext cx="3893425" cy="2723431"/>
+          </a:xfrm>
+          <a:prstGeom prst="rect">
+            <a:avLst/>
+          </a:prstGeom>
+        </p:spPr>
+      </p:pic>
+    </p:spTree>
+    <p:extLst>
+      <p:ext uri="{BB962C8B-B14F-4D97-AF65-F5344CB8AC3E}">
+        <p14:creationId xmlns:p14="http://schemas.microsoft.com/office/powerpoint/2010/main" val="1184613867"/>
       </p:ext>
     </p:extLst>
   </p:cSld>
@@ -20646,6 +20729,901 @@
       </p:par>
     </p:tnLst>
   </p:timing>
+</p:sld>
+</file>
+
+<file path=ppt/slides/slide90.xml><?xml version="1.0" encoding="utf-8"?>
+<p:sld xmlns:a="http://schemas.openxmlformats.org/drawingml/2006/main" xmlns:r="http://schemas.openxmlformats.org/officeDocument/2006/relationships" xmlns:p="http://schemas.openxmlformats.org/presentationml/2006/main">
+  <p:cSld>
+    <p:spTree>
+      <p:nvGrpSpPr>
+        <p:cNvPr id="1" name=""/>
+        <p:cNvGrpSpPr/>
+        <p:nvPr/>
+      </p:nvGrpSpPr>
+      <p:grpSpPr>
+        <a:xfrm>
+          <a:off x="0" y="0"/>
+          <a:ext cx="0" cy="0"/>
+          <a:chOff x="0" y="0"/>
+          <a:chExt cx="0" cy="0"/>
+        </a:xfrm>
+      </p:grpSpPr>
+      <p:sp>
+        <p:nvSpPr>
+          <p:cNvPr id="2" name="Título 1"/>
+          <p:cNvSpPr>
+            <a:spLocks noGrp="1"/>
+          </p:cNvSpPr>
+          <p:nvPr>
+            <p:ph type="title"/>
+          </p:nvPr>
+        </p:nvSpPr>
+        <p:spPr>
+          <a:xfrm>
+            <a:off x="628650" y="365127"/>
+            <a:ext cx="7886700" cy="980198"/>
+          </a:xfrm>
+        </p:spPr>
+        <p:txBody>
+          <a:bodyPr/>
+          <a:lstStyle/>
+          <a:p>
+            <a:r>
+              <a:rPr lang="pt-BR" dirty="0" smtClean="0"/>
+              <a:t>Gráfico de barras</a:t>
+            </a:r>
+            <a:endParaRPr lang="pt-BR" dirty="0"/>
+          </a:p>
+        </p:txBody>
+      </p:sp>
+      <p:sp>
+        <p:nvSpPr>
+          <p:cNvPr id="3" name="Espaço Reservado para Conteúdo 2"/>
+          <p:cNvSpPr>
+            <a:spLocks noGrp="1"/>
+          </p:cNvSpPr>
+          <p:nvPr>
+            <p:ph idx="1"/>
+          </p:nvPr>
+        </p:nvSpPr>
+        <p:spPr>
+          <a:xfrm>
+            <a:off x="628650" y="1825625"/>
+            <a:ext cx="7886700" cy="1663810"/>
+          </a:xfrm>
+        </p:spPr>
+        <p:txBody>
+          <a:bodyPr>
+            <a:normAutofit/>
+          </a:bodyPr>
+          <a:lstStyle/>
+          <a:p>
+            <a:r>
+              <a:rPr lang="pt-BR" dirty="0" smtClean="0"/>
+              <a:t>Gerar um gráfico com age por </a:t>
+            </a:r>
+            <a:r>
+              <a:rPr lang="pt-BR" dirty="0" err="1" smtClean="0"/>
+              <a:t>name</a:t>
+            </a:r>
+            <a:endParaRPr lang="pt-BR" dirty="0" smtClean="0"/>
+          </a:p>
+          <a:p>
+            <a:endParaRPr lang="pt-BR" dirty="0"/>
+          </a:p>
+          <a:p>
+            <a:r>
+              <a:rPr lang="pt-BR" dirty="0" err="1" smtClean="0"/>
+              <a:t>df.plot</a:t>
+            </a:r>
+            <a:r>
+              <a:rPr lang="pt-BR" dirty="0" smtClean="0"/>
+              <a:t>(</a:t>
+            </a:r>
+            <a:r>
+              <a:rPr lang="pt-BR" dirty="0" err="1" smtClean="0"/>
+              <a:t>kind</a:t>
+            </a:r>
+            <a:r>
+              <a:rPr lang="pt-BR" dirty="0" smtClean="0"/>
+              <a:t>=‘bar’, x=‘</a:t>
+            </a:r>
+            <a:r>
+              <a:rPr lang="pt-BR" dirty="0" err="1" smtClean="0"/>
+              <a:t>name</a:t>
+            </a:r>
+            <a:r>
+              <a:rPr lang="pt-BR" dirty="0" smtClean="0"/>
+              <a:t>’, y=‘age’)</a:t>
+            </a:r>
+            <a:endParaRPr lang="pt-BR" dirty="0" smtClean="0"/>
+          </a:p>
+        </p:txBody>
+      </p:sp>
+      <p:pic>
+        <p:nvPicPr>
+          <p:cNvPr id="5" name="Imagem 4"/>
+          <p:cNvPicPr>
+            <a:picLocks noChangeAspect="1"/>
+          </p:cNvPicPr>
+          <p:nvPr/>
+        </p:nvPicPr>
+        <p:blipFill>
+          <a:blip r:embed="rId2">
+            <a:extLst>
+              <a:ext uri="{28A0092B-C50C-407E-A947-70E740481C1C}">
+                <a14:useLocalDpi xmlns:a14="http://schemas.microsoft.com/office/drawing/2010/main" val="0"/>
+              </a:ext>
+            </a:extLst>
+          </a:blip>
+          <a:stretch>
+            <a:fillRect/>
+          </a:stretch>
+        </p:blipFill>
+        <p:spPr>
+          <a:xfrm>
+            <a:off x="2911366" y="3446224"/>
+            <a:ext cx="4330261" cy="3298707"/>
+          </a:xfrm>
+          <a:prstGeom prst="rect">
+            <a:avLst/>
+          </a:prstGeom>
+        </p:spPr>
+      </p:pic>
+    </p:spTree>
+    <p:extLst>
+      <p:ext uri="{BB962C8B-B14F-4D97-AF65-F5344CB8AC3E}">
+        <p14:creationId xmlns:p14="http://schemas.microsoft.com/office/powerpoint/2010/main" val="2409945254"/>
+      </p:ext>
+    </p:extLst>
+  </p:cSld>
+  <p:clrMapOvr>
+    <a:masterClrMapping/>
+  </p:clrMapOvr>
+  <p:timing>
+    <p:tnLst>
+      <p:par>
+        <p:cTn id="1" dur="indefinite" restart="never" nodeType="tmRoot"/>
+      </p:par>
+    </p:tnLst>
+  </p:timing>
+</p:sld>
+</file>
+
+<file path=ppt/slides/slide91.xml><?xml version="1.0" encoding="utf-8"?>
+<p:sld xmlns:a="http://schemas.openxmlformats.org/drawingml/2006/main" xmlns:r="http://schemas.openxmlformats.org/officeDocument/2006/relationships" xmlns:p="http://schemas.openxmlformats.org/presentationml/2006/main">
+  <p:cSld>
+    <p:spTree>
+      <p:nvGrpSpPr>
+        <p:cNvPr id="1" name=""/>
+        <p:cNvGrpSpPr/>
+        <p:nvPr/>
+      </p:nvGrpSpPr>
+      <p:grpSpPr>
+        <a:xfrm>
+          <a:off x="0" y="0"/>
+          <a:ext cx="0" cy="0"/>
+          <a:chOff x="0" y="0"/>
+          <a:chExt cx="0" cy="0"/>
+        </a:xfrm>
+      </p:grpSpPr>
+      <p:sp>
+        <p:nvSpPr>
+          <p:cNvPr id="2" name="Título 1"/>
+          <p:cNvSpPr>
+            <a:spLocks noGrp="1"/>
+          </p:cNvSpPr>
+          <p:nvPr>
+            <p:ph type="title"/>
+          </p:nvPr>
+        </p:nvSpPr>
+        <p:spPr>
+          <a:xfrm>
+            <a:off x="628650" y="365127"/>
+            <a:ext cx="7886700" cy="980198"/>
+          </a:xfrm>
+        </p:spPr>
+        <p:txBody>
+          <a:bodyPr/>
+          <a:lstStyle/>
+          <a:p>
+            <a:r>
+              <a:rPr lang="pt-BR" dirty="0" smtClean="0"/>
+              <a:t>Gráfico de linhas</a:t>
+            </a:r>
+            <a:endParaRPr lang="pt-BR" dirty="0"/>
+          </a:p>
+        </p:txBody>
+      </p:sp>
+      <p:sp>
+        <p:nvSpPr>
+          <p:cNvPr id="3" name="Espaço Reservado para Conteúdo 2"/>
+          <p:cNvSpPr>
+            <a:spLocks noGrp="1"/>
+          </p:cNvSpPr>
+          <p:nvPr>
+            <p:ph idx="1"/>
+          </p:nvPr>
+        </p:nvSpPr>
+        <p:spPr>
+          <a:xfrm>
+            <a:off x="628650" y="1825624"/>
+            <a:ext cx="4227129" cy="3292913"/>
+          </a:xfrm>
+        </p:spPr>
+        <p:txBody>
+          <a:bodyPr>
+            <a:normAutofit lnSpcReduction="10000"/>
+          </a:bodyPr>
+          <a:lstStyle/>
+          <a:p>
+            <a:r>
+              <a:rPr lang="pt-BR" dirty="0" smtClean="0"/>
+              <a:t>Quando é necessário desenhar mais de uma variável no mesmo eixo temos que usar a função </a:t>
+            </a:r>
+            <a:r>
+              <a:rPr lang="pt-BR" dirty="0" err="1" smtClean="0"/>
+              <a:t>ax</a:t>
+            </a:r>
+            <a:r>
+              <a:rPr lang="pt-BR" dirty="0" smtClean="0"/>
+              <a:t> = </a:t>
+            </a:r>
+            <a:r>
+              <a:rPr lang="pt-BR" dirty="0" err="1" smtClean="0"/>
+              <a:t>plt.gca</a:t>
+            </a:r>
+            <a:r>
+              <a:rPr lang="pt-BR" dirty="0" smtClean="0"/>
+              <a:t>()</a:t>
+            </a:r>
+          </a:p>
+          <a:p>
+            <a:r>
+              <a:rPr lang="pt-BR" dirty="0" smtClean="0"/>
+              <a:t>Eixo x: </a:t>
+            </a:r>
+            <a:r>
+              <a:rPr lang="pt-BR" dirty="0" err="1" smtClean="0"/>
+              <a:t>name</a:t>
+            </a:r>
+            <a:endParaRPr lang="pt-BR" dirty="0" smtClean="0"/>
+          </a:p>
+          <a:p>
+            <a:r>
+              <a:rPr lang="pt-BR" dirty="0" smtClean="0"/>
+              <a:t>Eixo y: </a:t>
+            </a:r>
+            <a:r>
+              <a:rPr lang="pt-BR" dirty="0" err="1" smtClean="0"/>
+              <a:t>num_children</a:t>
+            </a:r>
+            <a:r>
+              <a:rPr lang="pt-BR" dirty="0" smtClean="0"/>
+              <a:t> e </a:t>
+            </a:r>
+          </a:p>
+          <a:p>
+            <a:pPr marL="0" indent="0">
+              <a:buNone/>
+            </a:pPr>
+            <a:r>
+              <a:rPr lang="pt-BR" dirty="0" err="1" smtClean="0"/>
+              <a:t>num_pets</a:t>
+            </a:r>
+            <a:endParaRPr lang="pt-BR" dirty="0" smtClean="0"/>
+          </a:p>
+          <a:p>
+            <a:endParaRPr lang="pt-BR" dirty="0"/>
+          </a:p>
+          <a:p>
+            <a:pPr marL="0" indent="0">
+              <a:buNone/>
+            </a:pPr>
+            <a:endParaRPr lang="pt-BR" dirty="0" smtClean="0"/>
+          </a:p>
+          <a:p>
+            <a:endParaRPr lang="pt-BR" dirty="0" smtClean="0"/>
+          </a:p>
+        </p:txBody>
+      </p:sp>
+      <p:pic>
+        <p:nvPicPr>
+          <p:cNvPr id="4" name="Imagem 3"/>
+          <p:cNvPicPr>
+            <a:picLocks noChangeAspect="1"/>
+          </p:cNvPicPr>
+          <p:nvPr/>
+        </p:nvPicPr>
+        <p:blipFill>
+          <a:blip r:embed="rId2">
+            <a:extLst>
+              <a:ext uri="{28A0092B-C50C-407E-A947-70E740481C1C}">
+                <a14:useLocalDpi xmlns:a14="http://schemas.microsoft.com/office/drawing/2010/main" val="0"/>
+              </a:ext>
+            </a:extLst>
+          </a:blip>
+          <a:stretch>
+            <a:fillRect/>
+          </a:stretch>
+        </p:blipFill>
+        <p:spPr>
+          <a:xfrm>
+            <a:off x="4719145" y="3031741"/>
+            <a:ext cx="4089346" cy="2819880"/>
+          </a:xfrm>
+          <a:prstGeom prst="rect">
+            <a:avLst/>
+          </a:prstGeom>
+        </p:spPr>
+      </p:pic>
+    </p:spTree>
+    <p:extLst>
+      <p:ext uri="{BB962C8B-B14F-4D97-AF65-F5344CB8AC3E}">
+        <p14:creationId xmlns:p14="http://schemas.microsoft.com/office/powerpoint/2010/main" val="2048589266"/>
+      </p:ext>
+    </p:extLst>
+  </p:cSld>
+  <p:clrMapOvr>
+    <a:masterClrMapping/>
+  </p:clrMapOvr>
+  <p:timing>
+    <p:tnLst>
+      <p:par>
+        <p:cTn id="1" dur="indefinite" restart="never" nodeType="tmRoot"/>
+      </p:par>
+    </p:tnLst>
+  </p:timing>
+</p:sld>
+</file>
+
+<file path=ppt/slides/slide92.xml><?xml version="1.0" encoding="utf-8"?>
+<p:sld xmlns:a="http://schemas.openxmlformats.org/drawingml/2006/main" xmlns:r="http://schemas.openxmlformats.org/officeDocument/2006/relationships" xmlns:p="http://schemas.openxmlformats.org/presentationml/2006/main">
+  <p:cSld>
+    <p:spTree>
+      <p:nvGrpSpPr>
+        <p:cNvPr id="1" name=""/>
+        <p:cNvGrpSpPr/>
+        <p:nvPr/>
+      </p:nvGrpSpPr>
+      <p:grpSpPr>
+        <a:xfrm>
+          <a:off x="0" y="0"/>
+          <a:ext cx="0" cy="0"/>
+          <a:chOff x="0" y="0"/>
+          <a:chExt cx="0" cy="0"/>
+        </a:xfrm>
+      </p:grpSpPr>
+      <p:sp>
+        <p:nvSpPr>
+          <p:cNvPr id="2" name="Título 1"/>
+          <p:cNvSpPr>
+            <a:spLocks noGrp="1"/>
+          </p:cNvSpPr>
+          <p:nvPr>
+            <p:ph type="title"/>
+          </p:nvPr>
+        </p:nvSpPr>
+        <p:spPr>
+          <a:xfrm>
+            <a:off x="628650" y="365127"/>
+            <a:ext cx="7886700" cy="980198"/>
+          </a:xfrm>
+        </p:spPr>
+        <p:txBody>
+          <a:bodyPr/>
+          <a:lstStyle/>
+          <a:p>
+            <a:r>
+              <a:rPr lang="pt-BR" dirty="0" smtClean="0"/>
+              <a:t>Histograma</a:t>
+            </a:r>
+            <a:endParaRPr lang="pt-BR" dirty="0"/>
+          </a:p>
+        </p:txBody>
+      </p:sp>
+      <p:sp>
+        <p:nvSpPr>
+          <p:cNvPr id="3" name="Espaço Reservado para Conteúdo 2"/>
+          <p:cNvSpPr>
+            <a:spLocks noGrp="1"/>
+          </p:cNvSpPr>
+          <p:nvPr>
+            <p:ph idx="1"/>
+          </p:nvPr>
+        </p:nvSpPr>
+        <p:spPr>
+          <a:xfrm>
+            <a:off x="628650" y="1825624"/>
+            <a:ext cx="7886700" cy="1800445"/>
+          </a:xfrm>
+        </p:spPr>
+        <p:txBody>
+          <a:bodyPr>
+            <a:normAutofit/>
+          </a:bodyPr>
+          <a:lstStyle/>
+          <a:p>
+            <a:r>
+              <a:rPr lang="pt-BR" dirty="0" smtClean="0"/>
+              <a:t>Para criar um histograma é necessário selecionar uma variável do </a:t>
+            </a:r>
+            <a:r>
+              <a:rPr lang="pt-BR" dirty="0" err="1" smtClean="0"/>
+              <a:t>DataFrame</a:t>
+            </a:r>
+            <a:endParaRPr lang="pt-BR" dirty="0"/>
+          </a:p>
+          <a:p>
+            <a:r>
+              <a:rPr lang="pt-BR" dirty="0" err="1" smtClean="0"/>
+              <a:t>df</a:t>
+            </a:r>
+            <a:r>
+              <a:rPr lang="pt-BR" dirty="0" smtClean="0"/>
+              <a:t>[[‘age’]].</a:t>
+            </a:r>
+            <a:r>
+              <a:rPr lang="pt-BR" dirty="0" err="1" smtClean="0"/>
+              <a:t>plot</a:t>
+            </a:r>
+            <a:r>
+              <a:rPr lang="pt-BR" dirty="0" smtClean="0"/>
+              <a:t>(</a:t>
+            </a:r>
+            <a:r>
+              <a:rPr lang="pt-BR" dirty="0" err="1" smtClean="0"/>
+              <a:t>kind</a:t>
+            </a:r>
+            <a:r>
+              <a:rPr lang="pt-BR" dirty="0" smtClean="0"/>
+              <a:t>=‘</a:t>
+            </a:r>
+            <a:r>
+              <a:rPr lang="pt-BR" dirty="0" err="1" smtClean="0"/>
+              <a:t>hist</a:t>
+            </a:r>
+            <a:r>
+              <a:rPr lang="pt-BR" dirty="0" smtClean="0"/>
+              <a:t>’, </a:t>
+            </a:r>
+            <a:r>
+              <a:rPr lang="pt-BR" dirty="0" err="1" smtClean="0"/>
+              <a:t>bins</a:t>
+            </a:r>
+            <a:r>
+              <a:rPr lang="pt-BR" dirty="0" smtClean="0"/>
+              <a:t>=[20,40,60,80,100], </a:t>
+            </a:r>
+            <a:r>
+              <a:rPr lang="pt-BR" dirty="0" err="1" smtClean="0"/>
+              <a:t>rwidth</a:t>
+            </a:r>
+            <a:r>
+              <a:rPr lang="pt-BR" dirty="0" smtClean="0"/>
+              <a:t>=0.8)</a:t>
+            </a:r>
+            <a:endParaRPr lang="pt-BR" dirty="0" smtClean="0"/>
+          </a:p>
+        </p:txBody>
+      </p:sp>
+      <p:pic>
+        <p:nvPicPr>
+          <p:cNvPr id="6" name="Imagem 5"/>
+          <p:cNvPicPr>
+            <a:picLocks noChangeAspect="1"/>
+          </p:cNvPicPr>
+          <p:nvPr/>
+        </p:nvPicPr>
+        <p:blipFill>
+          <a:blip r:embed="rId2">
+            <a:extLst>
+              <a:ext uri="{28A0092B-C50C-407E-A947-70E740481C1C}">
+                <a14:useLocalDpi xmlns:a14="http://schemas.microsoft.com/office/drawing/2010/main" val="0"/>
+              </a:ext>
+            </a:extLst>
+          </a:blip>
+          <a:stretch>
+            <a:fillRect/>
+          </a:stretch>
+        </p:blipFill>
+        <p:spPr>
+          <a:xfrm>
+            <a:off x="2931236" y="3429164"/>
+            <a:ext cx="4752975" cy="3152775"/>
+          </a:xfrm>
+          <a:prstGeom prst="rect">
+            <a:avLst/>
+          </a:prstGeom>
+        </p:spPr>
+      </p:pic>
+    </p:spTree>
+    <p:extLst>
+      <p:ext uri="{BB962C8B-B14F-4D97-AF65-F5344CB8AC3E}">
+        <p14:creationId xmlns:p14="http://schemas.microsoft.com/office/powerpoint/2010/main" val="2981254800"/>
+      </p:ext>
+    </p:extLst>
+  </p:cSld>
+  <p:clrMapOvr>
+    <a:masterClrMapping/>
+  </p:clrMapOvr>
+  <p:timing>
+    <p:tnLst>
+      <p:par>
+        <p:cTn id="1" dur="indefinite" restart="never" nodeType="tmRoot"/>
+      </p:par>
+    </p:tnLst>
+  </p:timing>
+</p:sld>
+</file>
+
+<file path=ppt/slides/slide93.xml><?xml version="1.0" encoding="utf-8"?>
+<p:sld xmlns:a="http://schemas.openxmlformats.org/drawingml/2006/main" xmlns:r="http://schemas.openxmlformats.org/officeDocument/2006/relationships" xmlns:p="http://schemas.openxmlformats.org/presentationml/2006/main">
+  <p:cSld>
+    <p:spTree>
+      <p:nvGrpSpPr>
+        <p:cNvPr id="1" name=""/>
+        <p:cNvGrpSpPr/>
+        <p:nvPr/>
+      </p:nvGrpSpPr>
+      <p:grpSpPr>
+        <a:xfrm>
+          <a:off x="0" y="0"/>
+          <a:ext cx="0" cy="0"/>
+          <a:chOff x="0" y="0"/>
+          <a:chExt cx="0" cy="0"/>
+        </a:xfrm>
+      </p:grpSpPr>
+      <p:sp>
+        <p:nvSpPr>
+          <p:cNvPr id="2" name="Título 1"/>
+          <p:cNvSpPr>
+            <a:spLocks noGrp="1"/>
+          </p:cNvSpPr>
+          <p:nvPr>
+            <p:ph type="title"/>
+          </p:nvPr>
+        </p:nvSpPr>
+        <p:spPr>
+          <a:xfrm>
+            <a:off x="628650" y="365127"/>
+            <a:ext cx="7886700" cy="980198"/>
+          </a:xfrm>
+        </p:spPr>
+        <p:txBody>
+          <a:bodyPr/>
+          <a:lstStyle/>
+          <a:p>
+            <a:r>
+              <a:rPr lang="pt-BR" dirty="0" smtClean="0"/>
+              <a:t>Gráfico de grupos</a:t>
+            </a:r>
+            <a:endParaRPr lang="pt-BR" dirty="0"/>
+          </a:p>
+        </p:txBody>
+      </p:sp>
+      <p:sp>
+        <p:nvSpPr>
+          <p:cNvPr id="3" name="Espaço Reservado para Conteúdo 2"/>
+          <p:cNvSpPr>
+            <a:spLocks noGrp="1"/>
+          </p:cNvSpPr>
+          <p:nvPr>
+            <p:ph idx="1"/>
+          </p:nvPr>
+        </p:nvSpPr>
+        <p:spPr>
+          <a:xfrm>
+            <a:off x="628650" y="1825625"/>
+            <a:ext cx="7886700" cy="1096252"/>
+          </a:xfrm>
+        </p:spPr>
+        <p:txBody>
+          <a:bodyPr>
+            <a:normAutofit fontScale="92500"/>
+          </a:bodyPr>
+          <a:lstStyle/>
+          <a:p>
+            <a:r>
+              <a:rPr lang="pt-BR" dirty="0" err="1" smtClean="0"/>
+              <a:t>df.groupby</a:t>
+            </a:r>
+            <a:r>
+              <a:rPr lang="pt-BR" dirty="0" smtClean="0"/>
+              <a:t>([‘</a:t>
+            </a:r>
+            <a:r>
+              <a:rPr lang="pt-BR" dirty="0" err="1" smtClean="0"/>
+              <a:t>state</a:t>
+            </a:r>
+            <a:r>
+              <a:rPr lang="pt-BR" dirty="0" smtClean="0"/>
+              <a:t>’, ‘</a:t>
+            </a:r>
+            <a:r>
+              <a:rPr lang="pt-BR" dirty="0" err="1" smtClean="0"/>
+              <a:t>gender</a:t>
+            </a:r>
+            <a:r>
+              <a:rPr lang="pt-BR" dirty="0" smtClean="0"/>
+              <a:t>’]).</a:t>
+            </a:r>
+            <a:r>
+              <a:rPr lang="pt-BR" dirty="0" err="1" smtClean="0"/>
+              <a:t>size</a:t>
+            </a:r>
+            <a:r>
+              <a:rPr lang="pt-BR" dirty="0" smtClean="0"/>
+              <a:t>().</a:t>
+            </a:r>
+            <a:r>
+              <a:rPr lang="pt-BR" dirty="0" err="1" smtClean="0"/>
+              <a:t>unstack</a:t>
+            </a:r>
+            <a:r>
+              <a:rPr lang="pt-BR" dirty="0" smtClean="0"/>
+              <a:t>().</a:t>
+            </a:r>
+            <a:r>
+              <a:rPr lang="pt-BR" dirty="0" err="1" smtClean="0"/>
+              <a:t>plot</a:t>
+            </a:r>
+            <a:r>
+              <a:rPr lang="pt-BR" dirty="0" smtClean="0"/>
+              <a:t>(</a:t>
+            </a:r>
+            <a:r>
+              <a:rPr lang="pt-BR" dirty="0" err="1" smtClean="0"/>
+              <a:t>kind</a:t>
+            </a:r>
+            <a:r>
+              <a:rPr lang="pt-BR" dirty="0" smtClean="0"/>
+              <a:t>=‘bar’, </a:t>
+            </a:r>
+            <a:r>
+              <a:rPr lang="pt-BR" dirty="0" err="1" smtClean="0"/>
+              <a:t>stacked</a:t>
+            </a:r>
+            <a:r>
+              <a:rPr lang="pt-BR" dirty="0" smtClean="0"/>
+              <a:t>=</a:t>
+            </a:r>
+            <a:r>
+              <a:rPr lang="pt-BR" dirty="0" err="1" smtClean="0"/>
+              <a:t>True</a:t>
+            </a:r>
+            <a:r>
+              <a:rPr lang="pt-BR" dirty="0" smtClean="0"/>
+              <a:t>)</a:t>
+            </a:r>
+            <a:endParaRPr lang="pt-BR" dirty="0" smtClean="0"/>
+          </a:p>
+        </p:txBody>
+      </p:sp>
+      <p:pic>
+        <p:nvPicPr>
+          <p:cNvPr id="4" name="Imagem 3"/>
+          <p:cNvPicPr>
+            <a:picLocks noChangeAspect="1"/>
+          </p:cNvPicPr>
+          <p:nvPr/>
+        </p:nvPicPr>
+        <p:blipFill>
+          <a:blip r:embed="rId2">
+            <a:extLst>
+              <a:ext uri="{28A0092B-C50C-407E-A947-70E740481C1C}">
+                <a14:useLocalDpi xmlns:a14="http://schemas.microsoft.com/office/drawing/2010/main" val="0"/>
+              </a:ext>
+            </a:extLst>
+          </a:blip>
+          <a:stretch>
+            <a:fillRect/>
+          </a:stretch>
+        </p:blipFill>
+        <p:spPr>
+          <a:xfrm>
+            <a:off x="3413069" y="3178394"/>
+            <a:ext cx="4585303" cy="3559798"/>
+          </a:xfrm>
+          <a:prstGeom prst="rect">
+            <a:avLst/>
+          </a:prstGeom>
+        </p:spPr>
+      </p:pic>
+    </p:spTree>
+    <p:extLst>
+      <p:ext uri="{BB962C8B-B14F-4D97-AF65-F5344CB8AC3E}">
+        <p14:creationId xmlns:p14="http://schemas.microsoft.com/office/powerpoint/2010/main" val="4088414497"/>
+      </p:ext>
+    </p:extLst>
+  </p:cSld>
+  <p:clrMapOvr>
+    <a:masterClrMapping/>
+  </p:clrMapOvr>
+  <p:timing>
+    <p:tnLst>
+      <p:par>
+        <p:cTn id="1" dur="indefinite" restart="never" nodeType="tmRoot"/>
+      </p:par>
+    </p:tnLst>
+  </p:timing>
+</p:sld>
+</file>
+
+<file path=ppt/slides/slide94.xml><?xml version="1.0" encoding="utf-8"?>
+<p:sld xmlns:a="http://schemas.openxmlformats.org/drawingml/2006/main" xmlns:r="http://schemas.openxmlformats.org/officeDocument/2006/relationships" xmlns:p="http://schemas.openxmlformats.org/presentationml/2006/main">
+  <p:cSld>
+    <p:spTree>
+      <p:nvGrpSpPr>
+        <p:cNvPr id="1" name=""/>
+        <p:cNvGrpSpPr/>
+        <p:nvPr/>
+      </p:nvGrpSpPr>
+      <p:grpSpPr>
+        <a:xfrm>
+          <a:off x="0" y="0"/>
+          <a:ext cx="0" cy="0"/>
+          <a:chOff x="0" y="0"/>
+          <a:chExt cx="0" cy="0"/>
+        </a:xfrm>
+      </p:grpSpPr>
+      <p:sp>
+        <p:nvSpPr>
+          <p:cNvPr id="2" name="Título 1"/>
+          <p:cNvSpPr>
+            <a:spLocks noGrp="1"/>
+          </p:cNvSpPr>
+          <p:nvPr>
+            <p:ph type="title"/>
+          </p:nvPr>
+        </p:nvSpPr>
+        <p:spPr/>
+        <p:txBody>
+          <a:bodyPr/>
+          <a:lstStyle/>
+          <a:p>
+            <a:r>
+              <a:rPr lang="pt-BR" dirty="0" smtClean="0"/>
+              <a:t>Exercício</a:t>
+            </a:r>
+            <a:endParaRPr lang="pt-BR" dirty="0"/>
+          </a:p>
+        </p:txBody>
+      </p:sp>
+      <p:sp>
+        <p:nvSpPr>
+          <p:cNvPr id="3" name="Espaço Reservado para Conteúdo 2"/>
+          <p:cNvSpPr>
+            <a:spLocks noGrp="1"/>
+          </p:cNvSpPr>
+          <p:nvPr>
+            <p:ph idx="1"/>
+          </p:nvPr>
+        </p:nvSpPr>
+        <p:spPr/>
+        <p:txBody>
+          <a:bodyPr/>
+          <a:lstStyle/>
+          <a:p>
+            <a:r>
+              <a:rPr lang="pt-BR" dirty="0" smtClean="0"/>
+              <a:t>Faça um programa que abra o arquivo com os avisos de desmatamento na Amazônia e transforme os dados em um dicionário parecido com o que foi mostrado no exemplo anterior</a:t>
+            </a:r>
+          </a:p>
+          <a:p>
+            <a:r>
+              <a:rPr lang="pt-BR" dirty="0" smtClean="0"/>
+              <a:t>Plote um gráfico de grupos para os estados que tiveram aviso </a:t>
+            </a:r>
+          </a:p>
+        </p:txBody>
+      </p:sp>
+    </p:spTree>
+    <p:extLst>
+      <p:ext uri="{BB962C8B-B14F-4D97-AF65-F5344CB8AC3E}">
+        <p14:creationId xmlns:p14="http://schemas.microsoft.com/office/powerpoint/2010/main" val="879741857"/>
+      </p:ext>
+    </p:extLst>
+  </p:cSld>
+  <p:clrMapOvr>
+    <a:masterClrMapping/>
+  </p:clrMapOvr>
+</p:sld>
+</file>
+
+<file path=ppt/slides/slide95.xml><?xml version="1.0" encoding="utf-8"?>
+<p:sld xmlns:a="http://schemas.openxmlformats.org/drawingml/2006/main" xmlns:r="http://schemas.openxmlformats.org/officeDocument/2006/relationships" xmlns:p="http://schemas.openxmlformats.org/presentationml/2006/main">
+  <p:cSld>
+    <p:spTree>
+      <p:nvGrpSpPr>
+        <p:cNvPr id="1" name=""/>
+        <p:cNvGrpSpPr/>
+        <p:nvPr/>
+      </p:nvGrpSpPr>
+      <p:grpSpPr>
+        <a:xfrm>
+          <a:off x="0" y="0"/>
+          <a:ext cx="0" cy="0"/>
+          <a:chOff x="0" y="0"/>
+          <a:chExt cx="0" cy="0"/>
+        </a:xfrm>
+      </p:grpSpPr>
+      <p:sp>
+        <p:nvSpPr>
+          <p:cNvPr id="2" name="Título 1"/>
+          <p:cNvSpPr>
+            <a:spLocks noGrp="1"/>
+          </p:cNvSpPr>
+          <p:nvPr>
+            <p:ph type="title"/>
+          </p:nvPr>
+        </p:nvSpPr>
+        <p:spPr/>
+        <p:txBody>
+          <a:bodyPr/>
+          <a:lstStyle/>
+          <a:p>
+            <a:r>
+              <a:rPr lang="pt-BR" dirty="0" smtClean="0"/>
+              <a:t>É isso</a:t>
+            </a:r>
+            <a:endParaRPr lang="pt-BR" dirty="0"/>
+          </a:p>
+        </p:txBody>
+      </p:sp>
+      <p:sp>
+        <p:nvSpPr>
+          <p:cNvPr id="3" name="Espaço Reservado para Conteúdo 2"/>
+          <p:cNvSpPr>
+            <a:spLocks noGrp="1"/>
+          </p:cNvSpPr>
+          <p:nvPr>
+            <p:ph idx="1"/>
+          </p:nvPr>
+        </p:nvSpPr>
+        <p:spPr/>
+        <p:txBody>
+          <a:bodyPr>
+            <a:normAutofit/>
+          </a:bodyPr>
+          <a:lstStyle/>
+          <a:p>
+            <a:r>
+              <a:rPr lang="pt-BR" sz="4000" dirty="0" smtClean="0"/>
+              <a:t>Dúvidas: </a:t>
+            </a:r>
+            <a:r>
+              <a:rPr lang="pt-BR" sz="4000" dirty="0" smtClean="0">
+                <a:hlinkClick r:id="rId2"/>
+              </a:rPr>
+              <a:t>fernandofernandesantos@gmail.com</a:t>
+            </a:r>
+            <a:endParaRPr lang="pt-BR" sz="4000" dirty="0" smtClean="0"/>
+          </a:p>
+          <a:p>
+            <a:r>
+              <a:rPr lang="pt-BR" sz="4000" dirty="0" smtClean="0"/>
+              <a:t>Material no </a:t>
+            </a:r>
+            <a:r>
+              <a:rPr lang="pt-BR" sz="4000" dirty="0" err="1" smtClean="0"/>
+              <a:t>Github</a:t>
+            </a:r>
+            <a:endParaRPr lang="pt-BR" sz="4000" dirty="0"/>
+          </a:p>
+        </p:txBody>
+      </p:sp>
+    </p:spTree>
+    <p:extLst>
+      <p:ext uri="{BB962C8B-B14F-4D97-AF65-F5344CB8AC3E}">
+        <p14:creationId xmlns:p14="http://schemas.microsoft.com/office/powerpoint/2010/main" val="903393483"/>
+      </p:ext>
+    </p:extLst>
+  </p:cSld>
+  <p:clrMapOvr>
+    <a:masterClrMapping/>
+  </p:clrMapOvr>
 </p:sld>
 </file>
 

--- a/aula.pptx
+++ b/aula.pptx
@@ -3128,13 +3128,8 @@
             </a:r>
             <a:r>
               <a:rPr lang="en-US" dirty="0" smtClean="0"/>
-              <a:t> dos </a:t>
-            </a:r>
-            <a:r>
-              <a:rPr lang="en-US" dirty="0" smtClean="0"/>
-              <a:t>Santos</a:t>
-            </a:r>
-            <a:endParaRPr lang="en-US" dirty="0" smtClean="0"/>
+              <a:t> dos Santos</a:t>
+            </a:r>
           </a:p>
         </p:txBody>
       </p:sp>
@@ -4310,11 +4305,7 @@
           <a:p>
             <a:r>
               <a:rPr lang="pt-BR" sz="4000" dirty="0" smtClean="0"/>
-              <a:t>Material </a:t>
-            </a:r>
-            <a:r>
-              <a:rPr lang="pt-BR" sz="4000" dirty="0" smtClean="0"/>
-              <a:t>no </a:t>
+              <a:t>Material no </a:t>
             </a:r>
             <a:r>
               <a:rPr lang="pt-BR" sz="4000" dirty="0" err="1" smtClean="0"/>
@@ -5581,11 +5572,7 @@
             </a:r>
             <a:r>
               <a:rPr lang="pt-BR" sz="3200" dirty="0" smtClean="0"/>
-              <a:t> &lt;arquivo </a:t>
-            </a:r>
-            <a:r>
-              <a:rPr lang="pt-BR" sz="3200" dirty="0" smtClean="0"/>
-              <a:t>fonte&gt;.</a:t>
+              <a:t> &lt;arquivo fonte&gt;.</a:t>
             </a:r>
             <a:r>
               <a:rPr lang="pt-BR" sz="3200" dirty="0" err="1" smtClean="0"/>
@@ -11053,11 +11040,7 @@
           <a:p>
             <a:r>
               <a:rPr lang="pt-BR" sz="3500" dirty="0" smtClean="0"/>
-              <a:t>Insira </a:t>
-            </a:r>
-            <a:r>
-              <a:rPr lang="pt-BR" sz="3500" dirty="0" smtClean="0"/>
-              <a:t>“minicurso” na posição 3</a:t>
+              <a:t>Insira “minicurso” na posição 3</a:t>
             </a:r>
           </a:p>
         </p:txBody>
@@ -11388,7 +11371,6 @@
               <a:rPr lang="pt-BR" sz="3600" dirty="0"/>
               <a:t>Manipulação de arquivo CSV</a:t>
             </a:r>
-            <a:endParaRPr lang="pt-BR" sz="3600" dirty="0"/>
           </a:p>
         </p:txBody>
       </p:sp>
@@ -16427,7 +16409,6 @@
               <a:rPr lang="pt-BR" dirty="0" smtClean="0"/>
               <a:t>’):...</a:t>
             </a:r>
-            <a:endParaRPr lang="pt-BR" dirty="0" smtClean="0"/>
           </a:p>
         </p:txBody>
       </p:sp>
@@ -16577,7 +16558,6 @@
               <a:rPr lang="pt-BR" dirty="0" smtClean="0"/>
               <a:t>)</a:t>
             </a:r>
-            <a:endParaRPr lang="pt-BR" dirty="0" smtClean="0"/>
           </a:p>
         </p:txBody>
       </p:sp>
@@ -16760,7 +16740,6 @@
               <a:rPr lang="pt-BR" dirty="0" smtClean="0"/>
               <a:t>)</a:t>
             </a:r>
-            <a:endParaRPr lang="pt-BR" dirty="0" smtClean="0"/>
           </a:p>
         </p:txBody>
       </p:sp>
@@ -19625,11 +19604,7 @@
             <a:pPr lvl="1"/>
             <a:r>
               <a:rPr lang="pt-BR" sz="3600" dirty="0" smtClean="0"/>
-              <a:t>Tratamento </a:t>
-            </a:r>
-            <a:r>
-              <a:rPr lang="pt-BR" sz="3600" dirty="0" smtClean="0"/>
-              <a:t>de exceções</a:t>
+              <a:t>Tratamento de exceções</a:t>
             </a:r>
             <a:endParaRPr lang="pt-BR" sz="3600" dirty="0"/>
           </a:p>
@@ -19644,18 +19619,7 @@
                   </a:schemeClr>
                 </a:solidFill>
               </a:rPr>
-              <a:t>Orientação a </a:t>
-            </a:r>
-            <a:r>
-              <a:rPr lang="pt-BR" sz="3600" dirty="0" smtClean="0">
-                <a:solidFill>
-                  <a:schemeClr val="tx1">
-                    <a:lumMod val="50000"/>
-                    <a:lumOff val="50000"/>
-                  </a:schemeClr>
-                </a:solidFill>
-              </a:rPr>
-              <a:t>objetos</a:t>
+              <a:t>Orientação a objetos</a:t>
             </a:r>
           </a:p>
           <a:p>
@@ -20280,18 +20244,7 @@
                   </a:schemeClr>
                 </a:solidFill>
               </a:rPr>
-              <a:t>Tratamento </a:t>
-            </a:r>
-            <a:r>
-              <a:rPr lang="pt-BR" sz="3600" dirty="0" smtClean="0">
-                <a:solidFill>
-                  <a:schemeClr val="tx1">
-                    <a:lumMod val="50000"/>
-                    <a:lumOff val="50000"/>
-                  </a:schemeClr>
-                </a:solidFill>
-              </a:rPr>
-              <a:t>de exceções</a:t>
+              <a:t>Tratamento de exceções</a:t>
             </a:r>
             <a:endParaRPr lang="pt-BR" sz="3600" dirty="0">
               <a:solidFill>
@@ -20306,11 +20259,7 @@
             <a:pPr lvl="1"/>
             <a:r>
               <a:rPr lang="pt-BR" sz="3600" dirty="0" smtClean="0"/>
-              <a:t>Orientação a </a:t>
-            </a:r>
-            <a:r>
-              <a:rPr lang="pt-BR" sz="3600" dirty="0" smtClean="0"/>
-              <a:t>objetos</a:t>
+              <a:t>Orientação a objetos</a:t>
             </a:r>
           </a:p>
           <a:p>
@@ -20437,13 +20386,8 @@
           <a:p>
             <a:r>
               <a:rPr lang="pt-BR" dirty="0" smtClean="0"/>
-              <a:t>Classes em programação são um meio de representar objetos e fenômenos do mundo real em estrutura de </a:t>
-            </a:r>
-            <a:r>
-              <a:rPr lang="pt-BR" dirty="0" smtClean="0"/>
-              <a:t>dados</a:t>
-            </a:r>
-            <a:endParaRPr lang="pt-BR" dirty="0" smtClean="0"/>
+              <a:t>Classes em programação são um meio de representar objetos e fenômenos do mundo real em estrutura de dados</a:t>
+            </a:r>
           </a:p>
         </p:txBody>
       </p:sp>
@@ -20542,13 +20486,8 @@
           <a:p>
             <a:r>
               <a:rPr lang="pt-BR" dirty="0" smtClean="0"/>
-              <a:t>Exemplo: Classe Trabalhador, classe Carro, classe Animal</a:t>
-            </a:r>
-            <a:r>
-              <a:rPr lang="pt-BR" dirty="0" smtClean="0"/>
-              <a:t>...</a:t>
-            </a:r>
-            <a:endParaRPr lang="pt-BR" dirty="0" smtClean="0"/>
+              <a:t>Exemplo: Classe Trabalhador, classe Carro, classe Animal...</a:t>
+            </a:r>
           </a:p>
         </p:txBody>
       </p:sp>
@@ -20653,13 +20592,8 @@
           <a:p>
             <a:r>
               <a:rPr lang="pt-BR" dirty="0" smtClean="0"/>
-              <a:t>Cada classe possui atributos que são dados contidos no </a:t>
-            </a:r>
-            <a:r>
-              <a:rPr lang="pt-BR" dirty="0" smtClean="0"/>
-              <a:t>objeto</a:t>
-            </a:r>
-            <a:endParaRPr lang="pt-BR" dirty="0" smtClean="0"/>
+              <a:t>Cada classe possui atributos que são dados contidos no objeto</a:t>
+            </a:r>
           </a:p>
         </p:txBody>
       </p:sp>
@@ -21538,8 +21472,19 @@
                   </a:schemeClr>
                 </a:solidFill>
               </a:rPr>
-              <a:t>Tratamento </a:t>
-            </a:r>
+              <a:t>Tratamento de exceções</a:t>
+            </a:r>
+            <a:endParaRPr lang="pt-BR" sz="3600" dirty="0">
+              <a:solidFill>
+                <a:schemeClr val="tx1">
+                  <a:lumMod val="50000"/>
+                  <a:lumOff val="50000"/>
+                </a:schemeClr>
+              </a:solidFill>
+            </a:endParaRPr>
+          </a:p>
+          <a:p>
+            <a:pPr lvl="1"/>
             <a:r>
               <a:rPr lang="pt-BR" sz="3600" dirty="0" smtClean="0">
                 <a:solidFill>
@@ -21549,40 +21494,7 @@
                   </a:schemeClr>
                 </a:solidFill>
               </a:rPr>
-              <a:t>de exceções</a:t>
-            </a:r>
-            <a:endParaRPr lang="pt-BR" sz="3600" dirty="0">
-              <a:solidFill>
-                <a:schemeClr val="tx1">
-                  <a:lumMod val="50000"/>
-                  <a:lumOff val="50000"/>
-                </a:schemeClr>
-              </a:solidFill>
-            </a:endParaRPr>
-          </a:p>
-          <a:p>
-            <a:pPr lvl="1"/>
-            <a:r>
-              <a:rPr lang="pt-BR" sz="3600" dirty="0" smtClean="0">
-                <a:solidFill>
-                  <a:schemeClr val="tx1">
-                    <a:lumMod val="50000"/>
-                    <a:lumOff val="50000"/>
-                  </a:schemeClr>
-                </a:solidFill>
-              </a:rPr>
-              <a:t>Orientação a </a:t>
-            </a:r>
-            <a:r>
-              <a:rPr lang="pt-BR" sz="3600" dirty="0" smtClean="0">
-                <a:solidFill>
-                  <a:schemeClr val="tx1">
-                    <a:lumMod val="50000"/>
-                    <a:lumOff val="50000"/>
-                  </a:schemeClr>
-                </a:solidFill>
-              </a:rPr>
-              <a:t>objetos</a:t>
+              <a:t>Orientação a objetos</a:t>
             </a:r>
           </a:p>
           <a:p>
@@ -22204,7 +22116,19 @@
             <a:pPr lvl="1"/>
             <a:r>
               <a:rPr lang="pt-BR" dirty="0"/>
-              <a:t>Dados do sistema DETER do INPE</a:t>
+              <a:t>Dados do sistema </a:t>
+            </a:r>
+            <a:r>
+              <a:rPr lang="pt-BR" dirty="0" err="1" smtClean="0"/>
+              <a:t>TerraBrasilis</a:t>
+            </a:r>
+            <a:r>
+              <a:rPr lang="pt-BR" dirty="0" smtClean="0"/>
+              <a:t> </a:t>
+            </a:r>
+            <a:r>
+              <a:rPr lang="pt-BR" dirty="0"/>
+              <a:t>do INPE</a:t>
             </a:r>
           </a:p>
           <a:p>
